--- a/undergraduate/lectures/introduction.pptx
+++ b/undergraduate/lectures/introduction.pptx
@@ -5,7 +5,7 @@
     <p:sldMasterId id="2147483786" r:id="rId1"/>
   </p:sldMasterIdLst>
   <p:notesMasterIdLst>
-    <p:notesMasterId r:id="rId69"/>
+    <p:notesMasterId r:id="rId42"/>
   </p:notesMasterIdLst>
   <p:sldIdLst>
     <p:sldId id="256" r:id="rId2"/>
@@ -48,33 +48,6 @@
     <p:sldId id="295" r:id="rId39"/>
     <p:sldId id="296" r:id="rId40"/>
     <p:sldId id="297" r:id="rId41"/>
-    <p:sldId id="298" r:id="rId42"/>
-    <p:sldId id="299" r:id="rId43"/>
-    <p:sldId id="300" r:id="rId44"/>
-    <p:sldId id="301" r:id="rId45"/>
-    <p:sldId id="302" r:id="rId46"/>
-    <p:sldId id="303" r:id="rId47"/>
-    <p:sldId id="304" r:id="rId48"/>
-    <p:sldId id="305" r:id="rId49"/>
-    <p:sldId id="306" r:id="rId50"/>
-    <p:sldId id="307" r:id="rId51"/>
-    <p:sldId id="308" r:id="rId52"/>
-    <p:sldId id="309" r:id="rId53"/>
-    <p:sldId id="310" r:id="rId54"/>
-    <p:sldId id="311" r:id="rId55"/>
-    <p:sldId id="312" r:id="rId56"/>
-    <p:sldId id="313" r:id="rId57"/>
-    <p:sldId id="314" r:id="rId58"/>
-    <p:sldId id="315" r:id="rId59"/>
-    <p:sldId id="316" r:id="rId60"/>
-    <p:sldId id="317" r:id="rId61"/>
-    <p:sldId id="318" r:id="rId62"/>
-    <p:sldId id="319" r:id="rId63"/>
-    <p:sldId id="320" r:id="rId64"/>
-    <p:sldId id="321" r:id="rId65"/>
-    <p:sldId id="322" r:id="rId66"/>
-    <p:sldId id="323" r:id="rId67"/>
-    <p:sldId id="324" r:id="rId68"/>
   </p:sldIdLst>
   <p:sldSz cx="12192000" cy="6858000"/>
   <p:notesSz cx="6858000" cy="9144000"/>
@@ -237,35 +210,7 @@
           </p14:sldIdLst>
         </p14:section>
         <p14:section name="Introduction to Tracing" id="{34CF4CCF-E20A-1045-85DB-BE606A2C283E}">
-          <p14:sldIdLst>
-            <p14:sldId id="298"/>
-            <p14:sldId id="299"/>
-            <p14:sldId id="300"/>
-            <p14:sldId id="301"/>
-            <p14:sldId id="302"/>
-            <p14:sldId id="303"/>
-            <p14:sldId id="304"/>
-            <p14:sldId id="305"/>
-            <p14:sldId id="306"/>
-            <p14:sldId id="307"/>
-            <p14:sldId id="308"/>
-            <p14:sldId id="309"/>
-            <p14:sldId id="310"/>
-            <p14:sldId id="311"/>
-            <p14:sldId id="312"/>
-            <p14:sldId id="313"/>
-            <p14:sldId id="314"/>
-            <p14:sldId id="315"/>
-            <p14:sldId id="316"/>
-            <p14:sldId id="317"/>
-            <p14:sldId id="318"/>
-            <p14:sldId id="319"/>
-            <p14:sldId id="320"/>
-            <p14:sldId id="321"/>
-            <p14:sldId id="322"/>
-            <p14:sldId id="323"/>
-            <p14:sldId id="324"/>
-          </p14:sldIdLst>
+          <p14:sldIdLst/>
         </p14:section>
       </p14:sectionLst>
     </p:ext>
@@ -358,7 +303,7 @@
           <a:p>
             <a:fld id="{EC53E720-1243-6043-B4C4-6E31C619CC0A}" type="datetimeFigureOut">
               <a:rPr lang="en-US" smtClean="0"/>
-              <a:t>2/1/17</a:t>
+              <a:t>2/2/17</a:t>
             </a:fld>
             <a:endParaRPr lang="en-US"/>
           </a:p>
@@ -1025,7 +970,7 @@
           <a:p>
             <a:fld id="{95DA03C6-6B2A-3D4E-ACBF-63391107FCA5}" type="datetime1">
               <a:rPr lang="en-US" smtClean="0"/>
-              <a:t>2/1/17</a:t>
+              <a:t>2/2/17</a:t>
             </a:fld>
             <a:endParaRPr lang="en-US"/>
           </a:p>
@@ -1304,7 +1249,7 @@
           <a:p>
             <a:fld id="{652B615D-AC37-794B-9CD1-917BECA41F70}" type="datetime1">
               <a:rPr lang="en-US" smtClean="0"/>
-              <a:t>2/1/17</a:t>
+              <a:t>2/2/17</a:t>
             </a:fld>
             <a:endParaRPr lang="en-US"/>
           </a:p>
@@ -1559,7 +1504,7 @@
           <a:p>
             <a:fld id="{5DC51015-F320-0A4F-959E-3D859876C438}" type="datetime1">
               <a:rPr lang="en-US" smtClean="0"/>
-              <a:t>2/1/17</a:t>
+              <a:t>2/2/17</a:t>
             </a:fld>
             <a:endParaRPr lang="en-US"/>
           </a:p>
@@ -1737,7 +1682,7 @@
           <a:p>
             <a:fld id="{4B1B9092-98F8-3943-8253-FED67AD371E9}" type="datetime1">
               <a:rPr lang="en-US" smtClean="0"/>
-              <a:t>2/1/17</a:t>
+              <a:t>2/2/17</a:t>
             </a:fld>
             <a:endParaRPr lang="en-US"/>
           </a:p>
@@ -2086,7 +2031,7 @@
           <a:p>
             <a:fld id="{28960D5E-7767-5B4E-BF7E-AE3C5D61F3FF}" type="datetime1">
               <a:rPr lang="en-US" smtClean="0"/>
-              <a:t>2/1/17</a:t>
+              <a:t>2/2/17</a:t>
             </a:fld>
             <a:endParaRPr lang="en-US"/>
           </a:p>
@@ -2380,7 +2325,7 @@
           <a:p>
             <a:fld id="{416A0E0A-1609-FB44-8228-EEF5C54B5A55}" type="datetime1">
               <a:rPr lang="en-US" smtClean="0"/>
-              <a:t>2/1/17</a:t>
+              <a:t>2/2/17</a:t>
             </a:fld>
             <a:endParaRPr lang="en-US" dirty="0"/>
           </a:p>
@@ -2767,7 +2712,7 @@
           <a:p>
             <a:fld id="{8D566A62-F6F0-FB4F-9669-760CD9DCEC73}" type="datetime1">
               <a:rPr lang="en-US" smtClean="0"/>
-              <a:t>2/1/17</a:t>
+              <a:t>2/2/17</a:t>
             </a:fld>
             <a:endParaRPr lang="en-US"/>
           </a:p>
@@ -2891,7 +2836,7 @@
           <a:p>
             <a:fld id="{6B34C88A-1865-1F43-A0DB-344805F7492E}" type="datetime1">
               <a:rPr lang="en-US" smtClean="0"/>
-              <a:t>2/1/17</a:t>
+              <a:t>2/2/17</a:t>
             </a:fld>
             <a:endParaRPr lang="en-US"/>
           </a:p>
@@ -3068,7 +3013,7 @@
           <a:p>
             <a:fld id="{8B4004B4-FF14-FF4D-B044-59094E9AC0F1}" type="datetime1">
               <a:rPr lang="en-US" smtClean="0"/>
-              <a:t>2/1/17</a:t>
+              <a:t>2/2/17</a:t>
             </a:fld>
             <a:endParaRPr lang="en-US"/>
           </a:p>
@@ -3428,7 +3373,7 @@
           <a:p>
             <a:fld id="{862984A0-B2F5-2549-A24F-764B1F76A93B}" type="datetime1">
               <a:rPr lang="en-US" smtClean="0"/>
-              <a:t>2/1/17</a:t>
+              <a:t>2/2/17</a:t>
             </a:fld>
             <a:endParaRPr lang="en-US"/>
           </a:p>
@@ -3813,7 +3758,7 @@
           <a:p>
             <a:fld id="{6F310967-D635-1C4B-8010-EE130F91BB63}" type="datetime1">
               <a:rPr lang="en-US" smtClean="0"/>
-              <a:t>2/1/17</a:t>
+              <a:t>2/2/17</a:t>
             </a:fld>
             <a:endParaRPr lang="en-US"/>
           </a:p>
@@ -4099,7 +4044,7 @@
           <a:p>
             <a:fld id="{B27188E3-ED48-3E43-BB72-DB8091BEB4A5}" type="datetime1">
               <a:rPr lang="en-US" smtClean="0"/>
-              <a:t>2/1/17</a:t>
+              <a:t>2/2/17</a:t>
             </a:fld>
             <a:endParaRPr lang="en-US" dirty="0"/>
           </a:p>
@@ -4753,8 +4698,12 @@
           </a:p>
           <a:p>
             <a:r>
-              <a:rPr lang="en-US" smtClean="0"/>
-              <a:t>george </a:t>
+              <a:rPr lang="en-US" dirty="0" err="1" smtClean="0"/>
+              <a:t>george</a:t>
+            </a:r>
+            <a:r>
+              <a:rPr lang="en-US" dirty="0" smtClean="0"/>
+              <a:t> </a:t>
             </a:r>
             <a:r>
               <a:rPr lang="en-US" dirty="0" err="1" smtClean="0"/>
@@ -11076,1764 +11025,6 @@
 </p:sld>
 </file>
 
-<file path=ppt/slides/slide41.xml><?xml version="1.0" encoding="utf-8"?>
-<p:sld xmlns:a="http://schemas.openxmlformats.org/drawingml/2006/main" xmlns:r="http://schemas.openxmlformats.org/officeDocument/2006/relationships" xmlns:p="http://schemas.openxmlformats.org/presentationml/2006/main">
-  <p:cSld>
-    <p:spTree>
-      <p:nvGrpSpPr>
-        <p:cNvPr id="1" name=""/>
-        <p:cNvGrpSpPr/>
-        <p:nvPr/>
-      </p:nvGrpSpPr>
-      <p:grpSpPr>
-        <a:xfrm>
-          <a:off x="0" y="0"/>
-          <a:ext cx="0" cy="0"/>
-          <a:chOff x="0" y="0"/>
-          <a:chExt cx="0" cy="0"/>
-        </a:xfrm>
-      </p:grpSpPr>
-      <p:sp>
-        <p:nvSpPr>
-          <p:cNvPr id="2" name="Title 1"/>
-          <p:cNvSpPr>
-            <a:spLocks noGrp="1"/>
-          </p:cNvSpPr>
-          <p:nvPr>
-            <p:ph type="title"/>
-          </p:nvPr>
-        </p:nvSpPr>
-        <p:spPr/>
-        <p:txBody>
-          <a:bodyPr/>
-          <a:lstStyle/>
-          <a:p>
-            <a:r>
-              <a:rPr lang="en-US" dirty="0" smtClean="0"/>
-              <a:t>A Brief History of Debugging Methods</a:t>
-            </a:r>
-            <a:endParaRPr lang="en-US" dirty="0"/>
-          </a:p>
-        </p:txBody>
-      </p:sp>
-      <p:sp>
-        <p:nvSpPr>
-          <p:cNvPr id="3" name="Content Placeholder 2"/>
-          <p:cNvSpPr>
-            <a:spLocks noGrp="1"/>
-          </p:cNvSpPr>
-          <p:nvPr>
-            <p:ph idx="1"/>
-          </p:nvPr>
-        </p:nvSpPr>
-        <p:spPr/>
-        <p:txBody>
-          <a:bodyPr/>
-          <a:lstStyle/>
-          <a:p>
-            <a:r>
-              <a:rPr lang="en-US" dirty="0" smtClean="0"/>
-              <a:t>Blinking </a:t>
-            </a:r>
-            <a:r>
-              <a:rPr lang="en-US" dirty="0"/>
-              <a:t>lights</a:t>
-            </a:r>
-          </a:p>
-          <a:p>
-            <a:r>
-              <a:rPr lang="en-US" dirty="0" smtClean="0"/>
-              <a:t>Radio </a:t>
-            </a:r>
-            <a:r>
-              <a:rPr lang="en-US" dirty="0"/>
-              <a:t>Frequency Interference (AM Radio) </a:t>
-            </a:r>
-            <a:endParaRPr lang="en-US" dirty="0" smtClean="0"/>
-          </a:p>
-          <a:p>
-            <a:r>
-              <a:rPr lang="en-US" dirty="0" smtClean="0"/>
-              <a:t>print </a:t>
-            </a:r>
-            <a:r>
-              <a:rPr lang="en-US" dirty="0"/>
-              <a:t>statements</a:t>
-            </a:r>
-          </a:p>
-          <a:p>
-            <a:r>
-              <a:rPr lang="en-US" dirty="0" smtClean="0"/>
-              <a:t>Trace </a:t>
-            </a:r>
-            <a:r>
-              <a:rPr lang="en-US" dirty="0"/>
-              <a:t>Instructions</a:t>
-            </a:r>
-          </a:p>
-        </p:txBody>
-      </p:sp>
-      <p:sp>
-        <p:nvSpPr>
-          <p:cNvPr id="4" name="Footer Placeholder 3"/>
-          <p:cNvSpPr>
-            <a:spLocks noGrp="1"/>
-          </p:cNvSpPr>
-          <p:nvPr>
-            <p:ph type="ftr" sz="quarter" idx="11"/>
-          </p:nvPr>
-        </p:nvSpPr>
-        <p:spPr/>
-        <p:txBody>
-          <a:bodyPr/>
-          <a:lstStyle/>
-          <a:p>
-            <a:r>
-              <a:rPr lang="en-US" smtClean="0"/>
-              <a:t>Introduction to Operating Systems</a:t>
-            </a:r>
-            <a:endParaRPr lang="en-US" dirty="0"/>
-          </a:p>
-        </p:txBody>
-      </p:sp>
-    </p:spTree>
-    <p:extLst>
-      <p:ext uri="{BB962C8B-B14F-4D97-AF65-F5344CB8AC3E}">
-        <p14:creationId xmlns:p14="http://schemas.microsoft.com/office/powerpoint/2010/main" val="1421573237"/>
-      </p:ext>
-    </p:extLst>
-  </p:cSld>
-  <p:clrMapOvr>
-    <a:masterClrMapping/>
-  </p:clrMapOvr>
-  <p:timing>
-    <p:tnLst>
-      <p:par>
-        <p:cTn id="1" dur="indefinite" restart="never" nodeType="tmRoot"/>
-      </p:par>
-    </p:tnLst>
-  </p:timing>
-</p:sld>
-</file>
-
-<file path=ppt/slides/slide42.xml><?xml version="1.0" encoding="utf-8"?>
-<p:sld xmlns:a="http://schemas.openxmlformats.org/drawingml/2006/main" xmlns:r="http://schemas.openxmlformats.org/officeDocument/2006/relationships" xmlns:p="http://schemas.openxmlformats.org/presentationml/2006/main">
-  <p:cSld>
-    <p:spTree>
-      <p:nvGrpSpPr>
-        <p:cNvPr id="1" name=""/>
-        <p:cNvGrpSpPr/>
-        <p:nvPr/>
-      </p:nvGrpSpPr>
-      <p:grpSpPr>
-        <a:xfrm>
-          <a:off x="0" y="0"/>
-          <a:ext cx="0" cy="0"/>
-          <a:chOff x="0" y="0"/>
-          <a:chExt cx="0" cy="0"/>
-        </a:xfrm>
-      </p:grpSpPr>
-      <p:sp>
-        <p:nvSpPr>
-          <p:cNvPr id="2" name="Title 1"/>
-          <p:cNvSpPr>
-            <a:spLocks noGrp="1"/>
-          </p:cNvSpPr>
-          <p:nvPr>
-            <p:ph type="title"/>
-          </p:nvPr>
-        </p:nvSpPr>
-        <p:spPr/>
-        <p:txBody>
-          <a:bodyPr/>
-          <a:lstStyle/>
-          <a:p>
-            <a:r>
-              <a:rPr lang="en-US" dirty="0" smtClean="0"/>
-              <a:t>What is </a:t>
-            </a:r>
-            <a:r>
-              <a:rPr lang="en-US" dirty="0" err="1" smtClean="0"/>
-              <a:t>DTrace</a:t>
-            </a:r>
-            <a:r>
-              <a:rPr lang="en-US" dirty="0" smtClean="0"/>
-              <a:t>?</a:t>
-            </a:r>
-            <a:endParaRPr lang="en-US" dirty="0"/>
-          </a:p>
-        </p:txBody>
-      </p:sp>
-      <p:sp>
-        <p:nvSpPr>
-          <p:cNvPr id="3" name="Content Placeholder 2"/>
-          <p:cNvSpPr>
-            <a:spLocks noGrp="1"/>
-          </p:cNvSpPr>
-          <p:nvPr>
-            <p:ph idx="1"/>
-          </p:nvPr>
-        </p:nvSpPr>
-        <p:spPr/>
-        <p:txBody>
-          <a:bodyPr/>
-          <a:lstStyle/>
-          <a:p>
-            <a:r>
-              <a:rPr lang="en-US" dirty="0" smtClean="0"/>
-              <a:t>A </a:t>
-            </a:r>
-            <a:r>
-              <a:rPr lang="en-US" dirty="0"/>
-              <a:t>dynamic tracing framework for software </a:t>
-            </a:r>
-            <a:endParaRPr lang="en-US" dirty="0" smtClean="0"/>
-          </a:p>
-          <a:p>
-            <a:r>
-              <a:rPr lang="en-US" dirty="0" smtClean="0"/>
-              <a:t>Low </a:t>
-            </a:r>
-            <a:r>
-              <a:rPr lang="en-US" dirty="0"/>
-              <a:t>impact on overall system performance </a:t>
-            </a:r>
-            <a:endParaRPr lang="en-US" dirty="0" smtClean="0"/>
-          </a:p>
-          <a:p>
-            <a:r>
-              <a:rPr lang="en-US" dirty="0" smtClean="0"/>
-              <a:t>Does </a:t>
-            </a:r>
-            <a:r>
-              <a:rPr lang="en-US" dirty="0"/>
-              <a:t>not incur costs when not in use</a:t>
-            </a:r>
-          </a:p>
-        </p:txBody>
-      </p:sp>
-      <p:sp>
-        <p:nvSpPr>
-          <p:cNvPr id="4" name="Footer Placeholder 3"/>
-          <p:cNvSpPr>
-            <a:spLocks noGrp="1"/>
-          </p:cNvSpPr>
-          <p:nvPr>
-            <p:ph type="ftr" sz="quarter" idx="11"/>
-          </p:nvPr>
-        </p:nvSpPr>
-        <p:spPr/>
-        <p:txBody>
-          <a:bodyPr/>
-          <a:lstStyle/>
-          <a:p>
-            <a:r>
-              <a:rPr lang="en-US" smtClean="0"/>
-              <a:t>Introduction to Operating Systems</a:t>
-            </a:r>
-            <a:endParaRPr lang="en-US" dirty="0"/>
-          </a:p>
-        </p:txBody>
-      </p:sp>
-    </p:spTree>
-    <p:extLst>
-      <p:ext uri="{BB962C8B-B14F-4D97-AF65-F5344CB8AC3E}">
-        <p14:creationId xmlns:p14="http://schemas.microsoft.com/office/powerpoint/2010/main" val="763322479"/>
-      </p:ext>
-    </p:extLst>
-  </p:cSld>
-  <p:clrMapOvr>
-    <a:masterClrMapping/>
-  </p:clrMapOvr>
-  <p:timing>
-    <p:tnLst>
-      <p:par>
-        <p:cTn id="1" dur="indefinite" restart="never" nodeType="tmRoot"/>
-      </p:par>
-    </p:tnLst>
-  </p:timing>
-</p:sld>
-</file>
-
-<file path=ppt/slides/slide43.xml><?xml version="1.0" encoding="utf-8"?>
-<p:sld xmlns:a="http://schemas.openxmlformats.org/drawingml/2006/main" xmlns:r="http://schemas.openxmlformats.org/officeDocument/2006/relationships" xmlns:p="http://schemas.openxmlformats.org/presentationml/2006/main">
-  <p:cSld>
-    <p:spTree>
-      <p:nvGrpSpPr>
-        <p:cNvPr id="1" name=""/>
-        <p:cNvGrpSpPr/>
-        <p:nvPr/>
-      </p:nvGrpSpPr>
-      <p:grpSpPr>
-        <a:xfrm>
-          <a:off x="0" y="0"/>
-          <a:ext cx="0" cy="0"/>
-          <a:chOff x="0" y="0"/>
-          <a:chExt cx="0" cy="0"/>
-        </a:xfrm>
-      </p:grpSpPr>
-      <p:sp>
-        <p:nvSpPr>
-          <p:cNvPr id="2" name="Title 1"/>
-          <p:cNvSpPr>
-            <a:spLocks noGrp="1"/>
-          </p:cNvSpPr>
-          <p:nvPr>
-            <p:ph type="title"/>
-          </p:nvPr>
-        </p:nvSpPr>
-        <p:spPr/>
-        <p:txBody>
-          <a:bodyPr/>
-          <a:lstStyle/>
-          <a:p>
-            <a:r>
-              <a:rPr lang="en-US" dirty="0" smtClean="0"/>
-              <a:t>What can </a:t>
-            </a:r>
-            <a:r>
-              <a:rPr lang="en-US" dirty="0" err="1" smtClean="0"/>
-              <a:t>DTrace</a:t>
-            </a:r>
-            <a:r>
-              <a:rPr lang="en-US" dirty="0" smtClean="0"/>
-              <a:t> show me?</a:t>
-            </a:r>
-            <a:endParaRPr lang="en-US" dirty="0"/>
-          </a:p>
-        </p:txBody>
-      </p:sp>
-      <p:sp>
-        <p:nvSpPr>
-          <p:cNvPr id="3" name="Content Placeholder 2"/>
-          <p:cNvSpPr>
-            <a:spLocks noGrp="1"/>
-          </p:cNvSpPr>
-          <p:nvPr>
-            <p:ph idx="1"/>
-          </p:nvPr>
-        </p:nvSpPr>
-        <p:spPr/>
-        <p:txBody>
-          <a:bodyPr/>
-          <a:lstStyle/>
-          <a:p>
-            <a:r>
-              <a:rPr lang="en-US" dirty="0" smtClean="0"/>
-              <a:t>When </a:t>
-            </a:r>
-            <a:r>
-              <a:rPr lang="en-US" dirty="0"/>
-              <a:t>a function is being called </a:t>
-            </a:r>
-            <a:endParaRPr lang="en-US" dirty="0" smtClean="0"/>
-          </a:p>
-          <a:p>
-            <a:r>
-              <a:rPr lang="en-US" dirty="0" smtClean="0"/>
-              <a:t>A </a:t>
-            </a:r>
-            <a:r>
-              <a:rPr lang="en-US" dirty="0"/>
-              <a:t>function’s arguments</a:t>
-            </a:r>
-          </a:p>
-          <a:p>
-            <a:r>
-              <a:rPr lang="en-US" dirty="0" smtClean="0"/>
-              <a:t>The </a:t>
-            </a:r>
-            <a:r>
-              <a:rPr lang="en-US" dirty="0"/>
-              <a:t>frequency of function calls </a:t>
-            </a:r>
-            <a:endParaRPr lang="en-US" dirty="0" smtClean="0"/>
-          </a:p>
-          <a:p>
-            <a:r>
-              <a:rPr lang="en-US" dirty="0" smtClean="0"/>
-              <a:t>A </a:t>
-            </a:r>
-            <a:r>
-              <a:rPr lang="en-US" dirty="0"/>
-              <a:t>whole lot more...</a:t>
-            </a:r>
-          </a:p>
-          <a:p>
-            <a:endParaRPr lang="en-US" dirty="0"/>
-          </a:p>
-        </p:txBody>
-      </p:sp>
-      <p:sp>
-        <p:nvSpPr>
-          <p:cNvPr id="4" name="Footer Placeholder 3"/>
-          <p:cNvSpPr>
-            <a:spLocks noGrp="1"/>
-          </p:cNvSpPr>
-          <p:nvPr>
-            <p:ph type="ftr" sz="quarter" idx="11"/>
-          </p:nvPr>
-        </p:nvSpPr>
-        <p:spPr/>
-        <p:txBody>
-          <a:bodyPr/>
-          <a:lstStyle/>
-          <a:p>
-            <a:r>
-              <a:rPr lang="en-US" smtClean="0"/>
-              <a:t>Introduction to Operating Systems</a:t>
-            </a:r>
-            <a:endParaRPr lang="en-US" dirty="0"/>
-          </a:p>
-        </p:txBody>
-      </p:sp>
-    </p:spTree>
-    <p:extLst>
-      <p:ext uri="{BB962C8B-B14F-4D97-AF65-F5344CB8AC3E}">
-        <p14:creationId xmlns:p14="http://schemas.microsoft.com/office/powerpoint/2010/main" val="1257476956"/>
-      </p:ext>
-    </p:extLst>
-  </p:cSld>
-  <p:clrMapOvr>
-    <a:masterClrMapping/>
-  </p:clrMapOvr>
-  <p:timing>
-    <p:tnLst>
-      <p:par>
-        <p:cTn id="1" dur="indefinite" restart="never" nodeType="tmRoot"/>
-      </p:par>
-    </p:tnLst>
-  </p:timing>
-</p:sld>
-</file>
-
-<file path=ppt/slides/slide44.xml><?xml version="1.0" encoding="utf-8"?>
-<p:sld xmlns:a="http://schemas.openxmlformats.org/drawingml/2006/main" xmlns:r="http://schemas.openxmlformats.org/officeDocument/2006/relationships" xmlns:p="http://schemas.openxmlformats.org/presentationml/2006/main">
-  <p:cSld>
-    <p:spTree>
-      <p:nvGrpSpPr>
-        <p:cNvPr id="1" name=""/>
-        <p:cNvGrpSpPr/>
-        <p:nvPr/>
-      </p:nvGrpSpPr>
-      <p:grpSpPr>
-        <a:xfrm>
-          <a:off x="0" y="0"/>
-          <a:ext cx="0" cy="0"/>
-          <a:chOff x="0" y="0"/>
-          <a:chExt cx="0" cy="0"/>
-        </a:xfrm>
-      </p:grpSpPr>
-      <p:sp>
-        <p:nvSpPr>
-          <p:cNvPr id="2" name="Title 1"/>
-          <p:cNvSpPr>
-            <a:spLocks noGrp="1"/>
-          </p:cNvSpPr>
-          <p:nvPr>
-            <p:ph type="title"/>
-          </p:nvPr>
-        </p:nvSpPr>
-        <p:spPr/>
-        <p:txBody>
-          <a:bodyPr/>
-          <a:lstStyle/>
-          <a:p>
-            <a:r>
-              <a:rPr lang="en-US" dirty="0" smtClean="0"/>
-              <a:t>A Simple Example</a:t>
-            </a:r>
-            <a:endParaRPr lang="en-US" dirty="0"/>
-          </a:p>
-        </p:txBody>
-      </p:sp>
-      <p:sp>
-        <p:nvSpPr>
-          <p:cNvPr id="3" name="Content Placeholder 2"/>
-          <p:cNvSpPr>
-            <a:spLocks noGrp="1"/>
-          </p:cNvSpPr>
-          <p:nvPr>
-            <p:ph idx="1"/>
-          </p:nvPr>
-        </p:nvSpPr>
-        <p:spPr/>
-        <p:txBody>
-          <a:bodyPr>
-            <a:normAutofit fontScale="47500" lnSpcReduction="20000"/>
-          </a:bodyPr>
-          <a:lstStyle/>
-          <a:p>
-            <a:r>
-              <a:rPr lang="en-US" dirty="0"/>
-              <a:t>1 </a:t>
-            </a:r>
-            <a:r>
-              <a:rPr lang="en-US" dirty="0" err="1"/>
-              <a:t>dtrace</a:t>
-            </a:r>
-            <a:r>
-              <a:rPr lang="en-US" dirty="0"/>
-              <a:t> −n </a:t>
-            </a:r>
-            <a:r>
-              <a:rPr lang="en-US" dirty="0" err="1"/>
-              <a:t>syscall</a:t>
-            </a:r>
-            <a:r>
-              <a:rPr lang="en-US" dirty="0"/>
-              <a:t> :::</a:t>
-            </a:r>
-          </a:p>
-          <a:p>
-            <a:r>
-              <a:rPr lang="en-US" dirty="0"/>
-              <a:t>2 </a:t>
-            </a:r>
-            <a:r>
-              <a:rPr lang="en-US" dirty="0" err="1"/>
-              <a:t>dtrace</a:t>
-            </a:r>
-            <a:r>
-              <a:rPr lang="en-US" dirty="0"/>
-              <a:t> : description ’ </a:t>
-            </a:r>
-            <a:r>
-              <a:rPr lang="en-US" dirty="0" err="1"/>
-              <a:t>syscall</a:t>
-            </a:r>
-            <a:r>
-              <a:rPr lang="en-US" dirty="0"/>
-              <a:t> : : : ’ matched 2148 probes</a:t>
-            </a:r>
-          </a:p>
-          <a:p>
-            <a:r>
-              <a:rPr lang="en-US" dirty="0"/>
-              <a:t>3 CPU</a:t>
-            </a:r>
-          </a:p>
-          <a:p>
-            <a:r>
-              <a:rPr lang="en-US" dirty="0"/>
-              <a:t>4 1</a:t>
-            </a:r>
-          </a:p>
-          <a:p>
-            <a:r>
-              <a:rPr lang="en-US" dirty="0"/>
-              <a:t>5 1</a:t>
-            </a:r>
-          </a:p>
-          <a:p>
-            <a:r>
-              <a:rPr lang="en-US" dirty="0"/>
-              <a:t>6 1</a:t>
-            </a:r>
-          </a:p>
-          <a:p>
-            <a:r>
-              <a:rPr lang="en-US" dirty="0"/>
-              <a:t>7 1</a:t>
-            </a:r>
-          </a:p>
-          <a:p>
-            <a:r>
-              <a:rPr lang="en-US" dirty="0"/>
-              <a:t>8 1</a:t>
-            </a:r>
-          </a:p>
-          <a:p>
-            <a:r>
-              <a:rPr lang="en-US" dirty="0"/>
-              <a:t>9 1</a:t>
-            </a:r>
-          </a:p>
-          <a:p>
-            <a:r>
-              <a:rPr lang="en-US" dirty="0"/>
-              <a:t>10 1</a:t>
-            </a:r>
-          </a:p>
-          <a:p>
-            <a:r>
-              <a:rPr lang="en-US" dirty="0"/>
-              <a:t>11 1</a:t>
-            </a:r>
-          </a:p>
-          <a:p>
-            <a:r>
-              <a:rPr lang="en-US" dirty="0"/>
-              <a:t>ID 51079 51078 51079 51078 51079 51632 51633 51784</a:t>
-            </a:r>
-          </a:p>
-          <a:p>
-            <a:r>
-              <a:rPr lang="en-US" dirty="0"/>
-              <a:t>FUNCTION : NAME </a:t>
-            </a:r>
-            <a:r>
-              <a:rPr lang="en-US" dirty="0" err="1"/>
-              <a:t>ioctl</a:t>
-            </a:r>
-            <a:r>
-              <a:rPr lang="en-US" dirty="0"/>
-              <a:t> :return </a:t>
-            </a:r>
-            <a:r>
-              <a:rPr lang="en-US" dirty="0" err="1"/>
-              <a:t>ioctl</a:t>
-            </a:r>
-            <a:r>
-              <a:rPr lang="en-US" dirty="0"/>
-              <a:t> : entry </a:t>
-            </a:r>
-            <a:r>
-              <a:rPr lang="en-US" dirty="0" err="1"/>
-              <a:t>ioctl</a:t>
-            </a:r>
-            <a:r>
-              <a:rPr lang="en-US" dirty="0"/>
-              <a:t> :return </a:t>
-            </a:r>
-            <a:r>
-              <a:rPr lang="en-US" dirty="0" err="1"/>
-              <a:t>ioctl</a:t>
-            </a:r>
-            <a:r>
-              <a:rPr lang="en-US" dirty="0"/>
-              <a:t> : entry </a:t>
-            </a:r>
-            <a:r>
-              <a:rPr lang="en-US" dirty="0" err="1"/>
-              <a:t>ioctl</a:t>
-            </a:r>
-            <a:r>
-              <a:rPr lang="en-US" dirty="0"/>
-              <a:t> :return </a:t>
-            </a:r>
-            <a:r>
-              <a:rPr lang="en-US" dirty="0" err="1"/>
-              <a:t>sigprocmask</a:t>
-            </a:r>
-            <a:r>
-              <a:rPr lang="en-US" dirty="0"/>
-              <a:t> : entry </a:t>
-            </a:r>
-            <a:r>
-              <a:rPr lang="en-US" dirty="0" err="1"/>
-              <a:t>sigprocmask</a:t>
-            </a:r>
-            <a:r>
-              <a:rPr lang="en-US" dirty="0"/>
-              <a:t> : return </a:t>
-            </a:r>
-            <a:r>
-              <a:rPr lang="en-US" dirty="0" err="1"/>
-              <a:t>sigaction</a:t>
-            </a:r>
-            <a:r>
-              <a:rPr lang="en-US" dirty="0"/>
-              <a:t> : entry</a:t>
-            </a:r>
-          </a:p>
-          <a:p>
-            <a:r>
-              <a:rPr lang="en-US" dirty="0"/>
-              <a:t>• Look at all system calls</a:t>
-            </a:r>
-          </a:p>
-          <a:p>
-            <a:endParaRPr lang="en-US" dirty="0"/>
-          </a:p>
-        </p:txBody>
-      </p:sp>
-      <p:sp>
-        <p:nvSpPr>
-          <p:cNvPr id="4" name="Footer Placeholder 3"/>
-          <p:cNvSpPr>
-            <a:spLocks noGrp="1"/>
-          </p:cNvSpPr>
-          <p:nvPr>
-            <p:ph type="ftr" sz="quarter" idx="11"/>
-          </p:nvPr>
-        </p:nvSpPr>
-        <p:spPr/>
-        <p:txBody>
-          <a:bodyPr/>
-          <a:lstStyle/>
-          <a:p>
-            <a:r>
-              <a:rPr lang="en-US" smtClean="0"/>
-              <a:t>Introduction to Operating Systems</a:t>
-            </a:r>
-            <a:endParaRPr lang="en-US" dirty="0"/>
-          </a:p>
-        </p:txBody>
-      </p:sp>
-    </p:spTree>
-    <p:extLst>
-      <p:ext uri="{BB962C8B-B14F-4D97-AF65-F5344CB8AC3E}">
-        <p14:creationId xmlns:p14="http://schemas.microsoft.com/office/powerpoint/2010/main" val="1510487529"/>
-      </p:ext>
-    </p:extLst>
-  </p:cSld>
-  <p:clrMapOvr>
-    <a:masterClrMapping/>
-  </p:clrMapOvr>
-  <p:timing>
-    <p:tnLst>
-      <p:par>
-        <p:cTn id="1" dur="indefinite" restart="never" nodeType="tmRoot"/>
-      </p:par>
-    </p:tnLst>
-  </p:timing>
-</p:sld>
-</file>
-
-<file path=ppt/slides/slide45.xml><?xml version="1.0" encoding="utf-8"?>
-<p:sld xmlns:a="http://schemas.openxmlformats.org/drawingml/2006/main" xmlns:r="http://schemas.openxmlformats.org/officeDocument/2006/relationships" xmlns:p="http://schemas.openxmlformats.org/presentationml/2006/main">
-  <p:cSld>
-    <p:spTree>
-      <p:nvGrpSpPr>
-        <p:cNvPr id="1" name=""/>
-        <p:cNvGrpSpPr/>
-        <p:nvPr/>
-      </p:nvGrpSpPr>
-      <p:grpSpPr>
-        <a:xfrm>
-          <a:off x="0" y="0"/>
-          <a:ext cx="0" cy="0"/>
-          <a:chOff x="0" y="0"/>
-          <a:chExt cx="0" cy="0"/>
-        </a:xfrm>
-      </p:grpSpPr>
-      <p:sp>
-        <p:nvSpPr>
-          <p:cNvPr id="2" name="Title 1"/>
-          <p:cNvSpPr>
-            <a:spLocks noGrp="1"/>
-          </p:cNvSpPr>
-          <p:nvPr>
-            <p:ph type="title"/>
-          </p:nvPr>
-        </p:nvSpPr>
-        <p:spPr/>
-        <p:txBody>
-          <a:bodyPr/>
-          <a:lstStyle/>
-          <a:p>
-            <a:r>
-              <a:rPr lang="en-US" dirty="0" smtClean="0"/>
-              <a:t>How does </a:t>
-            </a:r>
-            <a:r>
-              <a:rPr lang="en-US" dirty="0" err="1" smtClean="0"/>
-              <a:t>DTrace</a:t>
-            </a:r>
-            <a:r>
-              <a:rPr lang="en-US" dirty="0" smtClean="0"/>
-              <a:t> Work?</a:t>
-            </a:r>
-            <a:endParaRPr lang="en-US" dirty="0"/>
-          </a:p>
-        </p:txBody>
-      </p:sp>
-      <p:sp>
-        <p:nvSpPr>
-          <p:cNvPr id="3" name="Content Placeholder 2"/>
-          <p:cNvSpPr>
-            <a:spLocks noGrp="1"/>
-          </p:cNvSpPr>
-          <p:nvPr>
-            <p:ph idx="1"/>
-          </p:nvPr>
-        </p:nvSpPr>
-        <p:spPr/>
-        <p:txBody>
-          <a:bodyPr/>
-          <a:lstStyle/>
-          <a:p>
-            <a:r>
-              <a:rPr lang="en-US" dirty="0" smtClean="0"/>
-              <a:t>Various </a:t>
-            </a:r>
-            <a:r>
-              <a:rPr lang="en-US" dirty="0"/>
-              <a:t>probes are added to the system</a:t>
-            </a:r>
-          </a:p>
-          <a:p>
-            <a:r>
-              <a:rPr lang="en-US" dirty="0" smtClean="0"/>
-              <a:t>The </a:t>
-            </a:r>
-            <a:r>
-              <a:rPr lang="en-US" dirty="0"/>
-              <a:t>probes are activated using the </a:t>
-            </a:r>
-            <a:r>
-              <a:rPr lang="en-US" dirty="0" err="1">
-                <a:latin typeface="Courier New" charset="0"/>
-                <a:ea typeface="Courier New" charset="0"/>
-                <a:cs typeface="Courier New" charset="0"/>
-              </a:rPr>
-              <a:t>dtrace</a:t>
-            </a:r>
-            <a:r>
-              <a:rPr lang="en-US" dirty="0"/>
-              <a:t> program</a:t>
-            </a:r>
-          </a:p>
-          <a:p>
-            <a:r>
-              <a:rPr lang="en-US" dirty="0" smtClean="0"/>
-              <a:t>A </a:t>
-            </a:r>
-            <a:r>
-              <a:rPr lang="en-US" dirty="0"/>
-              <a:t>small number of assembly instructions are modified at run-time to get the system to run in the </a:t>
-            </a:r>
-            <a:r>
-              <a:rPr lang="en-US" dirty="0" smtClean="0"/>
-              <a:t>probe</a:t>
-            </a:r>
-            <a:endParaRPr lang="en-US" dirty="0"/>
-          </a:p>
-        </p:txBody>
-      </p:sp>
-      <p:sp>
-        <p:nvSpPr>
-          <p:cNvPr id="4" name="Footer Placeholder 3"/>
-          <p:cNvSpPr>
-            <a:spLocks noGrp="1"/>
-          </p:cNvSpPr>
-          <p:nvPr>
-            <p:ph type="ftr" sz="quarter" idx="11"/>
-          </p:nvPr>
-        </p:nvSpPr>
-        <p:spPr/>
-        <p:txBody>
-          <a:bodyPr/>
-          <a:lstStyle/>
-          <a:p>
-            <a:r>
-              <a:rPr lang="en-US" smtClean="0"/>
-              <a:t>Introduction to Operating Systems</a:t>
-            </a:r>
-            <a:endParaRPr lang="en-US" dirty="0"/>
-          </a:p>
-        </p:txBody>
-      </p:sp>
-    </p:spTree>
-    <p:extLst>
-      <p:ext uri="{BB962C8B-B14F-4D97-AF65-F5344CB8AC3E}">
-        <p14:creationId xmlns:p14="http://schemas.microsoft.com/office/powerpoint/2010/main" val="1564017112"/>
-      </p:ext>
-    </p:extLst>
-  </p:cSld>
-  <p:clrMapOvr>
-    <a:masterClrMapping/>
-  </p:clrMapOvr>
-  <p:timing>
-    <p:tnLst>
-      <p:par>
-        <p:cTn id="1" dur="indefinite" restart="never" nodeType="tmRoot"/>
-      </p:par>
-    </p:tnLst>
-  </p:timing>
-</p:sld>
-</file>
-
-<file path=ppt/slides/slide46.xml><?xml version="1.0" encoding="utf-8"?>
-<p:sld xmlns:a="http://schemas.openxmlformats.org/drawingml/2006/main" xmlns:r="http://schemas.openxmlformats.org/officeDocument/2006/relationships" xmlns:p="http://schemas.openxmlformats.org/presentationml/2006/main">
-  <p:cSld>
-    <p:spTree>
-      <p:nvGrpSpPr>
-        <p:cNvPr id="1" name=""/>
-        <p:cNvGrpSpPr/>
-        <p:nvPr/>
-      </p:nvGrpSpPr>
-      <p:grpSpPr>
-        <a:xfrm>
-          <a:off x="0" y="0"/>
-          <a:ext cx="0" cy="0"/>
-          <a:chOff x="0" y="0"/>
-          <a:chExt cx="0" cy="0"/>
-        </a:xfrm>
-      </p:grpSpPr>
-      <p:sp>
-        <p:nvSpPr>
-          <p:cNvPr id="2" name="Title 1"/>
-          <p:cNvSpPr>
-            <a:spLocks noGrp="1"/>
-          </p:cNvSpPr>
-          <p:nvPr>
-            <p:ph type="title"/>
-          </p:nvPr>
-        </p:nvSpPr>
-        <p:spPr/>
-        <p:txBody>
-          <a:bodyPr/>
-          <a:lstStyle/>
-          <a:p>
-            <a:r>
-              <a:rPr lang="en-US" dirty="0" smtClean="0"/>
-              <a:t>A more complex example</a:t>
-            </a:r>
-            <a:endParaRPr lang="en-US" dirty="0"/>
-          </a:p>
-        </p:txBody>
-      </p:sp>
-      <p:sp>
-        <p:nvSpPr>
-          <p:cNvPr id="3" name="Content Placeholder 2"/>
-          <p:cNvSpPr>
-            <a:spLocks noGrp="1"/>
-          </p:cNvSpPr>
-          <p:nvPr>
-            <p:ph idx="1"/>
-          </p:nvPr>
-        </p:nvSpPr>
-        <p:spPr/>
-        <p:txBody>
-          <a:bodyPr/>
-          <a:lstStyle/>
-          <a:p>
-            <a:r>
-              <a:rPr lang="en-US" dirty="0" err="1"/>
-              <a:t>dtrace</a:t>
-            </a:r>
-            <a:r>
-              <a:rPr lang="en-US" dirty="0"/>
-              <a:t> −n ’</a:t>
-            </a:r>
-            <a:r>
-              <a:rPr lang="en-US" dirty="0" err="1"/>
-              <a:t>syscall</a:t>
-            </a:r>
-            <a:r>
-              <a:rPr lang="en-US" dirty="0"/>
-              <a:t>::</a:t>
-            </a:r>
-            <a:r>
-              <a:rPr lang="en-US" dirty="0" err="1"/>
-              <a:t>write:entry</a:t>
-            </a:r>
-            <a:r>
-              <a:rPr lang="en-US" dirty="0"/>
-              <a:t> /arg2 != 0/ { </a:t>
-            </a:r>
-            <a:r>
-              <a:rPr lang="en-US" dirty="0" err="1"/>
-              <a:t>printf</a:t>
-            </a:r>
-            <a:r>
-              <a:rPr lang="en-US" dirty="0"/>
-              <a:t>("write size % d\n", arg2); } ’ </a:t>
-            </a:r>
-            <a:r>
-              <a:rPr lang="en-US" dirty="0" err="1"/>
-              <a:t>dtrace</a:t>
-            </a:r>
-            <a:r>
-              <a:rPr lang="en-US" dirty="0"/>
-              <a:t>: description ’</a:t>
-            </a:r>
-            <a:r>
-              <a:rPr lang="en-US" dirty="0" err="1"/>
-              <a:t>syscall</a:t>
-            </a:r>
-            <a:r>
-              <a:rPr lang="en-US" dirty="0"/>
-              <a:t>::</a:t>
-            </a:r>
-            <a:r>
-              <a:rPr lang="en-US" dirty="0" err="1"/>
-              <a:t>write:entry</a:t>
-            </a:r>
-            <a:r>
-              <a:rPr lang="en-US" dirty="0"/>
-              <a:t> ’ matched 2 probes</a:t>
-            </a:r>
-          </a:p>
-          <a:p>
-            <a:r>
-              <a:rPr lang="en-US" dirty="0"/>
-              <a:t>            CPU 50978</a:t>
-            </a:r>
-          </a:p>
-          <a:p>
-            <a:r>
-              <a:rPr lang="en-US" dirty="0"/>
-              <a:t>write : entry write : entry write : entry</a:t>
-            </a:r>
-          </a:p>
-          <a:p>
-            <a:r>
-              <a:rPr lang="en-US" dirty="0"/>
-              <a:t>write write write</a:t>
-            </a:r>
-          </a:p>
-          <a:p>
-            <a:r>
-              <a:rPr lang="en-US" dirty="0"/>
-              <a:t>size 1 size 55 size 2</a:t>
-            </a:r>
-          </a:p>
-        </p:txBody>
-      </p:sp>
-      <p:sp>
-        <p:nvSpPr>
-          <p:cNvPr id="4" name="Footer Placeholder 3"/>
-          <p:cNvSpPr>
-            <a:spLocks noGrp="1"/>
-          </p:cNvSpPr>
-          <p:nvPr>
-            <p:ph type="ftr" sz="quarter" idx="11"/>
-          </p:nvPr>
-        </p:nvSpPr>
-        <p:spPr/>
-        <p:txBody>
-          <a:bodyPr/>
-          <a:lstStyle/>
-          <a:p>
-            <a:r>
-              <a:rPr lang="en-US" smtClean="0"/>
-              <a:t>Introduction to Operating Systems</a:t>
-            </a:r>
-            <a:endParaRPr lang="en-US" dirty="0"/>
-          </a:p>
-        </p:txBody>
-      </p:sp>
-    </p:spTree>
-    <p:extLst>
-      <p:ext uri="{BB962C8B-B14F-4D97-AF65-F5344CB8AC3E}">
-        <p14:creationId xmlns:p14="http://schemas.microsoft.com/office/powerpoint/2010/main" val="1694947294"/>
-      </p:ext>
-    </p:extLst>
-  </p:cSld>
-  <p:clrMapOvr>
-    <a:masterClrMapping/>
-  </p:clrMapOvr>
-  <p:timing>
-    <p:tnLst>
-      <p:par>
-        <p:cTn id="1" dur="indefinite" restart="never" nodeType="tmRoot"/>
-      </p:par>
-    </p:tnLst>
-  </p:timing>
-</p:sld>
-</file>
-
-<file path=ppt/slides/slide47.xml><?xml version="1.0" encoding="utf-8"?>
-<p:sld xmlns:a="http://schemas.openxmlformats.org/drawingml/2006/main" xmlns:r="http://schemas.openxmlformats.org/officeDocument/2006/relationships" xmlns:p="http://schemas.openxmlformats.org/presentationml/2006/main">
-  <p:cSld>
-    <p:spTree>
-      <p:nvGrpSpPr>
-        <p:cNvPr id="1" name=""/>
-        <p:cNvGrpSpPr/>
-        <p:nvPr/>
-      </p:nvGrpSpPr>
-      <p:grpSpPr>
-        <a:xfrm>
-          <a:off x="0" y="0"/>
-          <a:ext cx="0" cy="0"/>
-          <a:chOff x="0" y="0"/>
-          <a:chExt cx="0" cy="0"/>
-        </a:xfrm>
-      </p:grpSpPr>
-      <p:sp>
-        <p:nvSpPr>
-          <p:cNvPr id="2" name="Title 1"/>
-          <p:cNvSpPr>
-            <a:spLocks noGrp="1"/>
-          </p:cNvSpPr>
-          <p:nvPr>
-            <p:ph type="title"/>
-          </p:nvPr>
-        </p:nvSpPr>
-        <p:spPr/>
-        <p:txBody>
-          <a:bodyPr/>
-          <a:lstStyle/>
-          <a:p>
-            <a:r>
-              <a:rPr lang="en-US" dirty="0" err="1" smtClean="0"/>
-              <a:t>DTrace</a:t>
-            </a:r>
-            <a:r>
-              <a:rPr lang="en-US" dirty="0" smtClean="0"/>
-              <a:t> Glossary</a:t>
-            </a:r>
-            <a:endParaRPr lang="en-US" dirty="0"/>
-          </a:p>
-        </p:txBody>
-      </p:sp>
-      <p:sp>
-        <p:nvSpPr>
-          <p:cNvPr id="3" name="Content Placeholder 2"/>
-          <p:cNvSpPr>
-            <a:spLocks noGrp="1"/>
-          </p:cNvSpPr>
-          <p:nvPr>
-            <p:ph idx="1"/>
-          </p:nvPr>
-        </p:nvSpPr>
-        <p:spPr/>
-        <p:txBody>
-          <a:bodyPr/>
-          <a:lstStyle/>
-          <a:p>
-            <a:r>
-              <a:rPr lang="en-US" b="1" dirty="0" smtClean="0"/>
-              <a:t>Probe</a:t>
-            </a:r>
-            <a:r>
-              <a:rPr lang="en-US" dirty="0" smtClean="0"/>
-              <a:t> - A </a:t>
-            </a:r>
-            <a:r>
-              <a:rPr lang="en-US" dirty="0"/>
-              <a:t>way of specifying what to trace</a:t>
-            </a:r>
-          </a:p>
-          <a:p>
-            <a:r>
-              <a:rPr lang="en-US" b="1" dirty="0" smtClean="0"/>
-              <a:t>Provider</a:t>
-            </a:r>
-            <a:r>
-              <a:rPr lang="en-US" dirty="0" smtClean="0"/>
-              <a:t> - </a:t>
-            </a:r>
-            <a:r>
-              <a:rPr lang="en-US" dirty="0" err="1" smtClean="0"/>
-              <a:t>DTrace</a:t>
-            </a:r>
-            <a:r>
-              <a:rPr lang="en-US" dirty="0" smtClean="0"/>
-              <a:t> </a:t>
-            </a:r>
-            <a:r>
-              <a:rPr lang="en-US" dirty="0"/>
-              <a:t>defined module that provides information about something in the system</a:t>
-            </a:r>
-          </a:p>
-          <a:p>
-            <a:r>
-              <a:rPr lang="en-US" b="1" dirty="0" smtClean="0"/>
-              <a:t>Module</a:t>
-            </a:r>
-            <a:r>
-              <a:rPr lang="en-US" dirty="0" smtClean="0"/>
-              <a:t> - A </a:t>
-            </a:r>
-            <a:r>
-              <a:rPr lang="en-US" dirty="0"/>
-              <a:t>software module, such as </a:t>
-            </a:r>
-            <a:r>
-              <a:rPr lang="en-US" dirty="0">
-                <a:latin typeface="Courier New" charset="0"/>
-                <a:ea typeface="Courier New" charset="0"/>
-                <a:cs typeface="Courier New" charset="0"/>
-              </a:rPr>
-              <a:t>kernel</a:t>
-            </a:r>
-          </a:p>
-          <a:p>
-            <a:r>
-              <a:rPr lang="en-US" b="1" dirty="0" smtClean="0"/>
-              <a:t>Function</a:t>
-            </a:r>
-            <a:r>
-              <a:rPr lang="en-US" dirty="0" smtClean="0"/>
-              <a:t> - A </a:t>
-            </a:r>
-            <a:r>
-              <a:rPr lang="en-US" dirty="0"/>
-              <a:t>function in a module, such as </a:t>
-            </a:r>
-            <a:r>
-              <a:rPr lang="en-US" dirty="0" err="1">
-                <a:latin typeface="Courier New" charset="0"/>
-                <a:ea typeface="Courier New" charset="0"/>
-                <a:cs typeface="Courier New" charset="0"/>
-              </a:rPr>
-              <a:t>ether_input</a:t>
-            </a:r>
-            <a:r>
-              <a:rPr lang="en-US" dirty="0">
-                <a:latin typeface="Courier New" charset="0"/>
-                <a:ea typeface="Courier New" charset="0"/>
-                <a:cs typeface="Courier New" charset="0"/>
-              </a:rPr>
-              <a:t> </a:t>
-            </a:r>
-            <a:endParaRPr lang="en-US" dirty="0" smtClean="0">
-              <a:latin typeface="Courier New" charset="0"/>
-              <a:ea typeface="Courier New" charset="0"/>
-              <a:cs typeface="Courier New" charset="0"/>
-            </a:endParaRPr>
-          </a:p>
-          <a:p>
-            <a:r>
-              <a:rPr lang="en-US" b="1" dirty="0" smtClean="0"/>
-              <a:t>Predicate</a:t>
-            </a:r>
-            <a:r>
-              <a:rPr lang="en-US" dirty="0" smtClean="0"/>
-              <a:t> - A </a:t>
-            </a:r>
-            <a:r>
-              <a:rPr lang="en-US" dirty="0"/>
-              <a:t>way of filtering </a:t>
-            </a:r>
-            <a:r>
-              <a:rPr lang="en-US" dirty="0" err="1"/>
-              <a:t>DTrace</a:t>
-            </a:r>
-            <a:r>
-              <a:rPr lang="en-US" dirty="0"/>
-              <a:t> probes</a:t>
-            </a:r>
-          </a:p>
-          <a:p>
-            <a:r>
-              <a:rPr lang="en-US" b="1" dirty="0" smtClean="0"/>
-              <a:t>Action</a:t>
-            </a:r>
-            <a:r>
-              <a:rPr lang="en-US" dirty="0" smtClean="0"/>
-              <a:t> </a:t>
-            </a:r>
-            <a:r>
-              <a:rPr lang="mr-IN" dirty="0" smtClean="0"/>
-              <a:t>–</a:t>
-            </a:r>
-            <a:r>
-              <a:rPr lang="en-US" dirty="0" smtClean="0"/>
-              <a:t> The set </a:t>
-            </a:r>
-            <a:r>
-              <a:rPr lang="en-US" dirty="0"/>
-              <a:t>of D language statements carried out when a probe is matched</a:t>
-            </a:r>
-          </a:p>
-        </p:txBody>
-      </p:sp>
-      <p:sp>
-        <p:nvSpPr>
-          <p:cNvPr id="4" name="Footer Placeholder 3"/>
-          <p:cNvSpPr>
-            <a:spLocks noGrp="1"/>
-          </p:cNvSpPr>
-          <p:nvPr>
-            <p:ph type="ftr" sz="quarter" idx="11"/>
-          </p:nvPr>
-        </p:nvSpPr>
-        <p:spPr/>
-        <p:txBody>
-          <a:bodyPr/>
-          <a:lstStyle/>
-          <a:p>
-            <a:r>
-              <a:rPr lang="en-US" smtClean="0"/>
-              <a:t>Introduction to Operating Systems</a:t>
-            </a:r>
-            <a:endParaRPr lang="en-US" dirty="0"/>
-          </a:p>
-        </p:txBody>
-      </p:sp>
-    </p:spTree>
-    <p:extLst>
-      <p:ext uri="{BB962C8B-B14F-4D97-AF65-F5344CB8AC3E}">
-        <p14:creationId xmlns:p14="http://schemas.microsoft.com/office/powerpoint/2010/main" val="2139738499"/>
-      </p:ext>
-    </p:extLst>
-  </p:cSld>
-  <p:clrMapOvr>
-    <a:masterClrMapping/>
-  </p:clrMapOvr>
-  <p:timing>
-    <p:tnLst>
-      <p:par>
-        <p:cTn id="1" dur="indefinite" restart="never" nodeType="tmRoot"/>
-      </p:par>
-    </p:tnLst>
-  </p:timing>
-</p:sld>
-</file>
-
-<file path=ppt/slides/slide48.xml><?xml version="1.0" encoding="utf-8"?>
-<p:sld xmlns:a="http://schemas.openxmlformats.org/drawingml/2006/main" xmlns:r="http://schemas.openxmlformats.org/officeDocument/2006/relationships" xmlns:p="http://schemas.openxmlformats.org/presentationml/2006/main">
-  <p:cSld>
-    <p:spTree>
-      <p:nvGrpSpPr>
-        <p:cNvPr id="1" name=""/>
-        <p:cNvGrpSpPr/>
-        <p:nvPr/>
-      </p:nvGrpSpPr>
-      <p:grpSpPr>
-        <a:xfrm>
-          <a:off x="0" y="0"/>
-          <a:ext cx="0" cy="0"/>
-          <a:chOff x="0" y="0"/>
-          <a:chExt cx="0" cy="0"/>
-        </a:xfrm>
-      </p:grpSpPr>
-      <p:sp>
-        <p:nvSpPr>
-          <p:cNvPr id="2" name="Title 1"/>
-          <p:cNvSpPr>
-            <a:spLocks noGrp="1"/>
-          </p:cNvSpPr>
-          <p:nvPr>
-            <p:ph type="title"/>
-          </p:nvPr>
-        </p:nvSpPr>
-        <p:spPr/>
-        <p:txBody>
-          <a:bodyPr/>
-          <a:lstStyle/>
-          <a:p>
-            <a:r>
-              <a:rPr lang="en-US" dirty="0" smtClean="0"/>
-              <a:t>Providers</a:t>
-            </a:r>
-            <a:endParaRPr lang="en-US" dirty="0"/>
-          </a:p>
-        </p:txBody>
-      </p:sp>
-      <p:sp>
-        <p:nvSpPr>
-          <p:cNvPr id="3" name="Content Placeholder 2"/>
-          <p:cNvSpPr>
-            <a:spLocks noGrp="1"/>
-          </p:cNvSpPr>
-          <p:nvPr>
-            <p:ph idx="1"/>
-          </p:nvPr>
-        </p:nvSpPr>
-        <p:spPr/>
-        <p:txBody>
-          <a:bodyPr>
-            <a:normAutofit fontScale="92500" lnSpcReduction="20000"/>
-          </a:bodyPr>
-          <a:lstStyle/>
-          <a:p>
-            <a:r>
-              <a:rPr lang="en-US" b="1" dirty="0" err="1" smtClean="0"/>
-              <a:t>fbt</a:t>
-            </a:r>
-            <a:r>
-              <a:rPr lang="en-US" dirty="0" smtClean="0"/>
-              <a:t> 		Function </a:t>
-            </a:r>
-            <a:r>
-              <a:rPr lang="en-US" dirty="0"/>
-              <a:t>Boundary Tracing (50413) </a:t>
-            </a:r>
-            <a:endParaRPr lang="en-US" dirty="0" smtClean="0"/>
-          </a:p>
-          <a:p>
-            <a:r>
-              <a:rPr lang="en-US" b="1" dirty="0" err="1" smtClean="0"/>
-              <a:t>syscall</a:t>
-            </a:r>
-            <a:r>
-              <a:rPr lang="en-US" dirty="0" smtClean="0"/>
-              <a:t> 	System </a:t>
-            </a:r>
-            <a:r>
-              <a:rPr lang="en-US" dirty="0"/>
-              <a:t>Calls (2148)</a:t>
-            </a:r>
-          </a:p>
-          <a:p>
-            <a:r>
-              <a:rPr lang="en-US" b="1" dirty="0"/>
-              <a:t>profile</a:t>
-            </a:r>
-            <a:r>
-              <a:rPr lang="en-US" dirty="0"/>
-              <a:t> </a:t>
-            </a:r>
-            <a:r>
-              <a:rPr lang="en-US" dirty="0" smtClean="0"/>
-              <a:t>	Timing </a:t>
-            </a:r>
-            <a:r>
-              <a:rPr lang="en-US" dirty="0"/>
-              <a:t>source</a:t>
-            </a:r>
-          </a:p>
-          <a:p>
-            <a:r>
-              <a:rPr lang="en-US" b="1" dirty="0" smtClean="0"/>
-              <a:t>proc		</a:t>
-            </a:r>
-            <a:r>
-              <a:rPr lang="en-US" dirty="0" smtClean="0"/>
-              <a:t>Process </a:t>
-            </a:r>
-            <a:r>
-              <a:rPr lang="en-US" dirty="0"/>
-              <a:t>Operations</a:t>
-            </a:r>
-          </a:p>
-          <a:p>
-            <a:r>
-              <a:rPr lang="en-US" b="1" dirty="0" err="1"/>
-              <a:t>sched</a:t>
-            </a:r>
-            <a:r>
-              <a:rPr lang="en-US" dirty="0"/>
-              <a:t> </a:t>
-            </a:r>
-            <a:r>
-              <a:rPr lang="en-US" dirty="0" smtClean="0"/>
-              <a:t>		Scheduler</a:t>
-            </a:r>
-          </a:p>
-          <a:p>
-            <a:r>
-              <a:rPr lang="en-US" b="1" dirty="0" err="1" smtClean="0"/>
-              <a:t>io</a:t>
-            </a:r>
-            <a:r>
-              <a:rPr lang="en-US" dirty="0" smtClean="0"/>
-              <a:t> 		I/O </a:t>
-            </a:r>
-            <a:r>
-              <a:rPr lang="en-US" dirty="0"/>
-              <a:t>calls</a:t>
-            </a:r>
-          </a:p>
-          <a:p>
-            <a:r>
-              <a:rPr lang="en-US" b="1" dirty="0" err="1"/>
-              <a:t>ip</a:t>
-            </a:r>
-            <a:r>
-              <a:rPr lang="en-US" dirty="0"/>
-              <a:t> </a:t>
-            </a:r>
-            <a:r>
-              <a:rPr lang="en-US" dirty="0" smtClean="0"/>
-              <a:t>		Internet </a:t>
-            </a:r>
-            <a:r>
-              <a:rPr lang="en-US" dirty="0"/>
-              <a:t>Protocol </a:t>
-            </a:r>
-            <a:endParaRPr lang="en-US" dirty="0" smtClean="0"/>
-          </a:p>
-          <a:p>
-            <a:r>
-              <a:rPr lang="en-US" b="1" dirty="0" err="1" smtClean="0"/>
-              <a:t>udp</a:t>
-            </a:r>
-            <a:r>
-              <a:rPr lang="en-US" dirty="0" smtClean="0"/>
-              <a:t> 		UDP</a:t>
-            </a:r>
-            <a:endParaRPr lang="en-US" dirty="0"/>
-          </a:p>
-          <a:p>
-            <a:r>
-              <a:rPr lang="en-US" b="1" dirty="0" err="1"/>
-              <a:t>tcp</a:t>
-            </a:r>
-            <a:r>
-              <a:rPr lang="en-US" dirty="0"/>
-              <a:t> </a:t>
-            </a:r>
-            <a:r>
-              <a:rPr lang="en-US" dirty="0" smtClean="0"/>
-              <a:t>		TCP</a:t>
-            </a:r>
-            <a:endParaRPr lang="en-US" dirty="0"/>
-          </a:p>
-          <a:p>
-            <a:r>
-              <a:rPr lang="en-US" b="1" dirty="0" err="1"/>
-              <a:t>vfs</a:t>
-            </a:r>
-            <a:r>
-              <a:rPr lang="en-US" dirty="0"/>
-              <a:t> </a:t>
-            </a:r>
-            <a:r>
-              <a:rPr lang="en-US" dirty="0" smtClean="0"/>
-              <a:t>		Filesystem </a:t>
-            </a:r>
-            <a:r>
-              <a:rPr lang="en-US" dirty="0"/>
-              <a:t>Routines</a:t>
-            </a:r>
-          </a:p>
-        </p:txBody>
-      </p:sp>
-      <p:sp>
-        <p:nvSpPr>
-          <p:cNvPr id="4" name="Footer Placeholder 3"/>
-          <p:cNvSpPr>
-            <a:spLocks noGrp="1"/>
-          </p:cNvSpPr>
-          <p:nvPr>
-            <p:ph type="ftr" sz="quarter" idx="11"/>
-          </p:nvPr>
-        </p:nvSpPr>
-        <p:spPr/>
-        <p:txBody>
-          <a:bodyPr/>
-          <a:lstStyle/>
-          <a:p>
-            <a:r>
-              <a:rPr lang="en-US" smtClean="0"/>
-              <a:t>Introduction to Operating Systems</a:t>
-            </a:r>
-            <a:endParaRPr lang="en-US" dirty="0"/>
-          </a:p>
-        </p:txBody>
-      </p:sp>
-    </p:spTree>
-    <p:extLst>
-      <p:ext uri="{BB962C8B-B14F-4D97-AF65-F5344CB8AC3E}">
-        <p14:creationId xmlns:p14="http://schemas.microsoft.com/office/powerpoint/2010/main" val="887521351"/>
-      </p:ext>
-    </p:extLst>
-  </p:cSld>
-  <p:clrMapOvr>
-    <a:masterClrMapping/>
-  </p:clrMapOvr>
-  <p:timing>
-    <p:tnLst>
-      <p:par>
-        <p:cTn id="1" dur="indefinite" restart="never" nodeType="tmRoot"/>
-      </p:par>
-    </p:tnLst>
-  </p:timing>
-</p:sld>
-</file>
-
-<file path=ppt/slides/slide49.xml><?xml version="1.0" encoding="utf-8"?>
-<p:sld xmlns:a="http://schemas.openxmlformats.org/drawingml/2006/main" xmlns:r="http://schemas.openxmlformats.org/officeDocument/2006/relationships" xmlns:p="http://schemas.openxmlformats.org/presentationml/2006/main">
-  <p:cSld>
-    <p:spTree>
-      <p:nvGrpSpPr>
-        <p:cNvPr id="1" name=""/>
-        <p:cNvGrpSpPr/>
-        <p:nvPr/>
-      </p:nvGrpSpPr>
-      <p:grpSpPr>
-        <a:xfrm>
-          <a:off x="0" y="0"/>
-          <a:ext cx="0" cy="0"/>
-          <a:chOff x="0" y="0"/>
-          <a:chExt cx="0" cy="0"/>
-        </a:xfrm>
-      </p:grpSpPr>
-      <p:sp>
-        <p:nvSpPr>
-          <p:cNvPr id="2" name="Title 1"/>
-          <p:cNvSpPr>
-            <a:spLocks noGrp="1"/>
-          </p:cNvSpPr>
-          <p:nvPr>
-            <p:ph type="title"/>
-          </p:nvPr>
-        </p:nvSpPr>
-        <p:spPr/>
-        <p:txBody>
-          <a:bodyPr/>
-          <a:lstStyle/>
-          <a:p>
-            <a:r>
-              <a:rPr lang="en-US" dirty="0" err="1" smtClean="0"/>
-              <a:t>Disecting</a:t>
-            </a:r>
-            <a:r>
-              <a:rPr lang="en-US" dirty="0" smtClean="0"/>
-              <a:t> a Probe</a:t>
-            </a:r>
-            <a:endParaRPr lang="en-US" dirty="0"/>
-          </a:p>
-        </p:txBody>
-      </p:sp>
-      <p:sp>
-        <p:nvSpPr>
-          <p:cNvPr id="3" name="Content Placeholder 2"/>
-          <p:cNvSpPr>
-            <a:spLocks noGrp="1"/>
-          </p:cNvSpPr>
-          <p:nvPr>
-            <p:ph idx="1"/>
-          </p:nvPr>
-        </p:nvSpPr>
-        <p:spPr/>
-        <p:txBody>
-          <a:bodyPr>
-            <a:normAutofit/>
-          </a:bodyPr>
-          <a:lstStyle/>
-          <a:p>
-            <a:r>
-              <a:rPr lang="en-US" dirty="0" err="1" smtClean="0"/>
-              <a:t>syscall</a:t>
-            </a:r>
-            <a:r>
-              <a:rPr lang="en-US" dirty="0"/>
-              <a:t>::</a:t>
-            </a:r>
-            <a:r>
-              <a:rPr lang="en-US" dirty="0" err="1"/>
-              <a:t>write:entry</a:t>
-            </a:r>
-            <a:r>
-              <a:rPr lang="en-US" dirty="0"/>
-              <a:t> </a:t>
-            </a:r>
-            <a:endParaRPr lang="en-US" dirty="0" smtClean="0"/>
-          </a:p>
-          <a:p>
-            <a:pPr lvl="1"/>
-            <a:r>
-              <a:rPr lang="en-US" dirty="0" smtClean="0"/>
-              <a:t>Provider </a:t>
-            </a:r>
-            <a:r>
-              <a:rPr lang="en-US" dirty="0" err="1"/>
-              <a:t>syscall</a:t>
-            </a:r>
-            <a:endParaRPr lang="en-US" dirty="0"/>
-          </a:p>
-          <a:p>
-            <a:pPr lvl="1"/>
-            <a:r>
-              <a:rPr lang="en-US" dirty="0"/>
-              <a:t>Module None </a:t>
-            </a:r>
-            <a:endParaRPr lang="en-US" dirty="0" smtClean="0"/>
-          </a:p>
-          <a:p>
-            <a:pPr lvl="1"/>
-            <a:r>
-              <a:rPr lang="en-US" dirty="0" smtClean="0"/>
-              <a:t>Function </a:t>
-            </a:r>
-            <a:r>
-              <a:rPr lang="en-US" dirty="0"/>
-              <a:t>write </a:t>
-            </a:r>
-            <a:endParaRPr lang="en-US" dirty="0" smtClean="0"/>
-          </a:p>
-          <a:p>
-            <a:pPr lvl="1"/>
-            <a:r>
-              <a:rPr lang="en-US" dirty="0" smtClean="0"/>
-              <a:t>Name </a:t>
-            </a:r>
-            <a:r>
-              <a:rPr lang="en-US" dirty="0"/>
-              <a:t>entry</a:t>
-            </a:r>
-          </a:p>
-          <a:p>
-            <a:r>
-              <a:rPr lang="en-US" dirty="0" err="1" smtClean="0"/>
-              <a:t>fbt:kernel:ether_input:entry</a:t>
-            </a:r>
-            <a:r>
-              <a:rPr lang="en-US" dirty="0" smtClean="0"/>
-              <a:t> </a:t>
-            </a:r>
-          </a:p>
-          <a:p>
-            <a:pPr lvl="1"/>
-            <a:r>
-              <a:rPr lang="en-US" dirty="0" smtClean="0"/>
-              <a:t>Provider </a:t>
-            </a:r>
-            <a:r>
-              <a:rPr lang="en-US" dirty="0" err="1"/>
-              <a:t>fbt</a:t>
-            </a:r>
-            <a:endParaRPr lang="en-US" dirty="0"/>
-          </a:p>
-          <a:p>
-            <a:pPr lvl="1"/>
-            <a:r>
-              <a:rPr lang="en-US" dirty="0"/>
-              <a:t>Module kernel </a:t>
-            </a:r>
-            <a:endParaRPr lang="en-US" dirty="0" smtClean="0"/>
-          </a:p>
-          <a:p>
-            <a:pPr lvl="1"/>
-            <a:r>
-              <a:rPr lang="en-US" dirty="0" smtClean="0"/>
-              <a:t>Function </a:t>
-            </a:r>
-            <a:r>
-              <a:rPr lang="en-US" dirty="0" err="1"/>
-              <a:t>ether_input</a:t>
-            </a:r>
-            <a:endParaRPr lang="en-US" dirty="0"/>
-          </a:p>
-          <a:p>
-            <a:pPr lvl="1"/>
-            <a:r>
-              <a:rPr lang="en-US" dirty="0"/>
-              <a:t>Name entry</a:t>
-            </a:r>
-          </a:p>
-          <a:p>
-            <a:endParaRPr lang="en-US" dirty="0" smtClean="0"/>
-          </a:p>
-          <a:p>
-            <a:endParaRPr lang="en-US" dirty="0"/>
-          </a:p>
-        </p:txBody>
-      </p:sp>
-      <p:sp>
-        <p:nvSpPr>
-          <p:cNvPr id="4" name="Footer Placeholder 3"/>
-          <p:cNvSpPr>
-            <a:spLocks noGrp="1"/>
-          </p:cNvSpPr>
-          <p:nvPr>
-            <p:ph type="ftr" sz="quarter" idx="11"/>
-          </p:nvPr>
-        </p:nvSpPr>
-        <p:spPr/>
-        <p:txBody>
-          <a:bodyPr/>
-          <a:lstStyle/>
-          <a:p>
-            <a:r>
-              <a:rPr lang="en-US" smtClean="0"/>
-              <a:t>Introduction to Operating Systems</a:t>
-            </a:r>
-            <a:endParaRPr lang="en-US" dirty="0"/>
-          </a:p>
-        </p:txBody>
-      </p:sp>
-    </p:spTree>
-    <p:extLst>
-      <p:ext uri="{BB962C8B-B14F-4D97-AF65-F5344CB8AC3E}">
-        <p14:creationId xmlns:p14="http://schemas.microsoft.com/office/powerpoint/2010/main" val="1437496149"/>
-      </p:ext>
-    </p:extLst>
-  </p:cSld>
-  <p:clrMapOvr>
-    <a:masterClrMapping/>
-  </p:clrMapOvr>
-</p:sld>
-</file>
-
 <file path=ppt/slides/slide5.xml><?xml version="1.0" encoding="utf-8"?>
 <p:sld xmlns:a="http://schemas.openxmlformats.org/drawingml/2006/main" xmlns:r="http://schemas.openxmlformats.org/officeDocument/2006/relationships" xmlns:p="http://schemas.openxmlformats.org/presentationml/2006/main">
   <p:cSld>
@@ -13015,1980 +11206,6 @@
     <p:extLst>
       <p:ext uri="{BB962C8B-B14F-4D97-AF65-F5344CB8AC3E}">
         <p14:creationId xmlns:p14="http://schemas.microsoft.com/office/powerpoint/2010/main" val="2060015154"/>
-      </p:ext>
-    </p:extLst>
-  </p:cSld>
-  <p:clrMapOvr>
-    <a:masterClrMapping/>
-  </p:clrMapOvr>
-</p:sld>
-</file>
-
-<file path=ppt/slides/slide50.xml><?xml version="1.0" encoding="utf-8"?>
-<p:sld xmlns:a="http://schemas.openxmlformats.org/drawingml/2006/main" xmlns:r="http://schemas.openxmlformats.org/officeDocument/2006/relationships" xmlns:p="http://schemas.openxmlformats.org/presentationml/2006/main">
-  <p:cSld>
-    <p:spTree>
-      <p:nvGrpSpPr>
-        <p:cNvPr id="1" name=""/>
-        <p:cNvGrpSpPr/>
-        <p:nvPr/>
-      </p:nvGrpSpPr>
-      <p:grpSpPr>
-        <a:xfrm>
-          <a:off x="0" y="0"/>
-          <a:ext cx="0" cy="0"/>
-          <a:chOff x="0" y="0"/>
-          <a:chExt cx="0" cy="0"/>
-        </a:xfrm>
-      </p:grpSpPr>
-      <p:sp>
-        <p:nvSpPr>
-          <p:cNvPr id="2" name="Title 1"/>
-          <p:cNvSpPr>
-            <a:spLocks noGrp="1"/>
-          </p:cNvSpPr>
-          <p:nvPr>
-            <p:ph type="title"/>
-          </p:nvPr>
-        </p:nvSpPr>
-        <p:spPr/>
-        <p:txBody>
-          <a:bodyPr/>
-          <a:lstStyle/>
-          <a:p>
-            <a:r>
-              <a:rPr lang="en-US" dirty="0" err="1" smtClean="0"/>
-              <a:t>DTrace</a:t>
-            </a:r>
-            <a:r>
-              <a:rPr lang="en-US" dirty="0" smtClean="0"/>
-              <a:t> Requirements</a:t>
-            </a:r>
-            <a:endParaRPr lang="en-US" dirty="0"/>
-          </a:p>
-        </p:txBody>
-      </p:sp>
-      <p:sp>
-        <p:nvSpPr>
-          <p:cNvPr id="3" name="Content Placeholder 2"/>
-          <p:cNvSpPr>
-            <a:spLocks noGrp="1"/>
-          </p:cNvSpPr>
-          <p:nvPr>
-            <p:ph idx="1"/>
-          </p:nvPr>
-        </p:nvSpPr>
-        <p:spPr/>
-        <p:txBody>
-          <a:bodyPr/>
-          <a:lstStyle/>
-          <a:p>
-            <a:r>
-              <a:rPr lang="en-US" dirty="0" smtClean="0"/>
-              <a:t>A </a:t>
-            </a:r>
-            <a:r>
-              <a:rPr lang="en-US" dirty="0"/>
-              <a:t>kernel with </a:t>
-            </a:r>
-            <a:r>
-              <a:rPr lang="en-US" dirty="0" err="1"/>
-              <a:t>DTrace</a:t>
-            </a:r>
-            <a:r>
-              <a:rPr lang="en-US" dirty="0"/>
-              <a:t> support built </a:t>
-            </a:r>
-            <a:r>
-              <a:rPr lang="en-US" dirty="0" smtClean="0"/>
-              <a:t>in</a:t>
-            </a:r>
-          </a:p>
-          <a:p>
-            <a:pPr lvl="1"/>
-            <a:r>
-              <a:rPr lang="en-US" dirty="0" smtClean="0"/>
-              <a:t>Default </a:t>
-            </a:r>
-            <a:r>
-              <a:rPr lang="en-US" dirty="0"/>
-              <a:t>on FreeBSD 10 or later</a:t>
-            </a:r>
-          </a:p>
-          <a:p>
-            <a:r>
-              <a:rPr lang="en-US" dirty="0" smtClean="0"/>
-              <a:t>The </a:t>
-            </a:r>
-            <a:r>
-              <a:rPr lang="en-US" dirty="0"/>
-              <a:t>ability to </a:t>
-            </a:r>
-            <a:r>
-              <a:rPr lang="en-US" dirty="0" err="1"/>
-              <a:t>sudo</a:t>
-            </a:r>
-            <a:r>
-              <a:rPr lang="en-US" dirty="0"/>
-              <a:t> or be root</a:t>
-            </a:r>
-          </a:p>
-          <a:p>
-            <a:r>
-              <a:rPr lang="en-US" dirty="0" smtClean="0"/>
-              <a:t>The </a:t>
-            </a:r>
-            <a:r>
-              <a:rPr lang="en-US" dirty="0"/>
-              <a:t>complete command syntax is covered in the </a:t>
-            </a:r>
-            <a:r>
-              <a:rPr lang="en-US" b="1" dirty="0" err="1">
-                <a:latin typeface="Courier New" charset="0"/>
-                <a:ea typeface="Courier New" charset="0"/>
-                <a:cs typeface="Courier New" charset="0"/>
-              </a:rPr>
-              <a:t>dtrace</a:t>
-            </a:r>
-            <a:r>
-              <a:rPr lang="en-US" dirty="0"/>
-              <a:t> manual page</a:t>
-            </a:r>
-          </a:p>
-          <a:p>
-            <a:endParaRPr lang="en-US" dirty="0"/>
-          </a:p>
-        </p:txBody>
-      </p:sp>
-      <p:sp>
-        <p:nvSpPr>
-          <p:cNvPr id="4" name="Footer Placeholder 3"/>
-          <p:cNvSpPr>
-            <a:spLocks noGrp="1"/>
-          </p:cNvSpPr>
-          <p:nvPr>
-            <p:ph type="ftr" sz="quarter" idx="11"/>
-          </p:nvPr>
-        </p:nvSpPr>
-        <p:spPr/>
-        <p:txBody>
-          <a:bodyPr/>
-          <a:lstStyle/>
-          <a:p>
-            <a:r>
-              <a:rPr lang="en-US" smtClean="0"/>
-              <a:t>Introduction to Operating Systems</a:t>
-            </a:r>
-            <a:endParaRPr lang="en-US" dirty="0"/>
-          </a:p>
-        </p:txBody>
-      </p:sp>
-    </p:spTree>
-    <p:extLst>
-      <p:ext uri="{BB962C8B-B14F-4D97-AF65-F5344CB8AC3E}">
-        <p14:creationId xmlns:p14="http://schemas.microsoft.com/office/powerpoint/2010/main" val="987332553"/>
-      </p:ext>
-    </p:extLst>
-  </p:cSld>
-  <p:clrMapOvr>
-    <a:masterClrMapping/>
-  </p:clrMapOvr>
-</p:sld>
-</file>
-
-<file path=ppt/slides/slide51.xml><?xml version="1.0" encoding="utf-8"?>
-<p:sld xmlns:a="http://schemas.openxmlformats.org/drawingml/2006/main" xmlns:r="http://schemas.openxmlformats.org/officeDocument/2006/relationships" xmlns:p="http://schemas.openxmlformats.org/presentationml/2006/main">
-  <p:cSld>
-    <p:spTree>
-      <p:nvGrpSpPr>
-        <p:cNvPr id="1" name=""/>
-        <p:cNvGrpSpPr/>
-        <p:nvPr/>
-      </p:nvGrpSpPr>
-      <p:grpSpPr>
-        <a:xfrm>
-          <a:off x="0" y="0"/>
-          <a:ext cx="0" cy="0"/>
-          <a:chOff x="0" y="0"/>
-          <a:chExt cx="0" cy="0"/>
-        </a:xfrm>
-      </p:grpSpPr>
-      <p:sp>
-        <p:nvSpPr>
-          <p:cNvPr id="2" name="Title 1"/>
-          <p:cNvSpPr>
-            <a:spLocks noGrp="1"/>
-          </p:cNvSpPr>
-          <p:nvPr>
-            <p:ph type="title"/>
-          </p:nvPr>
-        </p:nvSpPr>
-        <p:spPr/>
-        <p:txBody>
-          <a:bodyPr/>
-          <a:lstStyle/>
-          <a:p>
-            <a:r>
-              <a:rPr lang="en-US" dirty="0" smtClean="0"/>
-              <a:t>Finding Probes</a:t>
-            </a:r>
-            <a:endParaRPr lang="en-US" dirty="0"/>
-          </a:p>
-        </p:txBody>
-      </p:sp>
-      <p:sp>
-        <p:nvSpPr>
-          <p:cNvPr id="3" name="Content Placeholder 2"/>
-          <p:cNvSpPr>
-            <a:spLocks noGrp="1"/>
-          </p:cNvSpPr>
-          <p:nvPr>
-            <p:ph idx="1"/>
-          </p:nvPr>
-        </p:nvSpPr>
-        <p:spPr/>
-        <p:txBody>
-          <a:bodyPr/>
-          <a:lstStyle/>
-          <a:p>
-            <a:r>
-              <a:rPr lang="en-US" dirty="0" smtClean="0"/>
-              <a:t>Listing </a:t>
-            </a:r>
-            <a:r>
-              <a:rPr lang="en-US" dirty="0"/>
-              <a:t>all the probes gets you 50000 to choose from </a:t>
-            </a:r>
-            <a:endParaRPr lang="en-US" dirty="0" smtClean="0"/>
-          </a:p>
-          <a:p>
-            <a:r>
-              <a:rPr lang="en-US" dirty="0" smtClean="0"/>
-              <a:t>Judicious </a:t>
-            </a:r>
-            <a:r>
-              <a:rPr lang="en-US" dirty="0"/>
-              <a:t>use of providers, modules and grep</a:t>
-            </a:r>
-          </a:p>
-          <a:p>
-            <a:r>
-              <a:rPr lang="en-US" dirty="0" smtClean="0"/>
-              <a:t>e.g</a:t>
-            </a:r>
-            <a:r>
-              <a:rPr lang="en-US" dirty="0"/>
-              <a:t>. </a:t>
-            </a:r>
-            <a:r>
-              <a:rPr lang="en-US" b="1" dirty="0" err="1">
-                <a:latin typeface="Courier" charset="0"/>
-                <a:ea typeface="Courier" charset="0"/>
-                <a:cs typeface="Courier" charset="0"/>
-              </a:rPr>
-              <a:t>dtrace</a:t>
-            </a:r>
-            <a:r>
-              <a:rPr lang="en-US" b="1" dirty="0">
-                <a:latin typeface="Courier" charset="0"/>
-                <a:ea typeface="Courier" charset="0"/>
-                <a:cs typeface="Courier" charset="0"/>
-              </a:rPr>
-              <a:t> -l -P </a:t>
-            </a:r>
-            <a:r>
-              <a:rPr lang="en-US" b="1" dirty="0" err="1">
-                <a:latin typeface="Courier" charset="0"/>
-                <a:ea typeface="Courier" charset="0"/>
-                <a:cs typeface="Courier" charset="0"/>
-              </a:rPr>
-              <a:t>syscall</a:t>
-            </a:r>
-            <a:endParaRPr lang="en-US" b="1" dirty="0">
-              <a:latin typeface="Courier" charset="0"/>
-              <a:ea typeface="Courier" charset="0"/>
-              <a:cs typeface="Courier" charset="0"/>
-            </a:endParaRPr>
-          </a:p>
-          <a:p>
-            <a:endParaRPr lang="en-US" dirty="0"/>
-          </a:p>
-        </p:txBody>
-      </p:sp>
-      <p:sp>
-        <p:nvSpPr>
-          <p:cNvPr id="4" name="Footer Placeholder 3"/>
-          <p:cNvSpPr>
-            <a:spLocks noGrp="1"/>
-          </p:cNvSpPr>
-          <p:nvPr>
-            <p:ph type="ftr" sz="quarter" idx="11"/>
-          </p:nvPr>
-        </p:nvSpPr>
-        <p:spPr/>
-        <p:txBody>
-          <a:bodyPr/>
-          <a:lstStyle/>
-          <a:p>
-            <a:r>
-              <a:rPr lang="en-US" smtClean="0"/>
-              <a:t>Introduction to Operating Systems</a:t>
-            </a:r>
-            <a:endParaRPr lang="en-US" dirty="0"/>
-          </a:p>
-        </p:txBody>
-      </p:sp>
-    </p:spTree>
-    <p:extLst>
-      <p:ext uri="{BB962C8B-B14F-4D97-AF65-F5344CB8AC3E}">
-        <p14:creationId xmlns:p14="http://schemas.microsoft.com/office/powerpoint/2010/main" val="1356459084"/>
-      </p:ext>
-    </p:extLst>
-  </p:cSld>
-  <p:clrMapOvr>
-    <a:masterClrMapping/>
-  </p:clrMapOvr>
-</p:sld>
-</file>
-
-<file path=ppt/slides/slide52.xml><?xml version="1.0" encoding="utf-8"?>
-<p:sld xmlns:a="http://schemas.openxmlformats.org/drawingml/2006/main" xmlns:r="http://schemas.openxmlformats.org/officeDocument/2006/relationships" xmlns:p="http://schemas.openxmlformats.org/presentationml/2006/main">
-  <p:cSld>
-    <p:spTree>
-      <p:nvGrpSpPr>
-        <p:cNvPr id="1" name=""/>
-        <p:cNvGrpSpPr/>
-        <p:nvPr/>
-      </p:nvGrpSpPr>
-      <p:grpSpPr>
-        <a:xfrm>
-          <a:off x="0" y="0"/>
-          <a:ext cx="0" cy="0"/>
-          <a:chOff x="0" y="0"/>
-          <a:chExt cx="0" cy="0"/>
-        </a:xfrm>
-      </p:grpSpPr>
-      <p:sp>
-        <p:nvSpPr>
-          <p:cNvPr id="2" name="Title 1"/>
-          <p:cNvSpPr>
-            <a:spLocks noGrp="1"/>
-          </p:cNvSpPr>
-          <p:nvPr>
-            <p:ph type="title"/>
-          </p:nvPr>
-        </p:nvSpPr>
-        <p:spPr/>
-        <p:txBody>
-          <a:bodyPr/>
-          <a:lstStyle/>
-          <a:p>
-            <a:r>
-              <a:rPr lang="en-US" dirty="0" smtClean="0"/>
-              <a:t>Probe Arguments</a:t>
-            </a:r>
-            <a:endParaRPr lang="en-US" dirty="0"/>
-          </a:p>
-        </p:txBody>
-      </p:sp>
-      <p:sp>
-        <p:nvSpPr>
-          <p:cNvPr id="3" name="Content Placeholder 2"/>
-          <p:cNvSpPr>
-            <a:spLocks noGrp="1"/>
-          </p:cNvSpPr>
-          <p:nvPr>
-            <p:ph idx="1"/>
-          </p:nvPr>
-        </p:nvSpPr>
-        <p:spPr/>
-        <p:txBody>
-          <a:bodyPr>
-            <a:normAutofit fontScale="92500" lnSpcReduction="20000"/>
-          </a:bodyPr>
-          <a:lstStyle/>
-          <a:p>
-            <a:r>
-              <a:rPr lang="en-US" dirty="0"/>
-              <a:t>• Use verbose (-v) mode to find probe arguments</a:t>
-            </a:r>
-          </a:p>
-          <a:p>
-            <a:r>
-              <a:rPr lang="en-US" dirty="0"/>
-              <a:t>• </a:t>
-            </a:r>
-            <a:r>
-              <a:rPr lang="en-US" dirty="0" err="1"/>
-              <a:t>sudo</a:t>
-            </a:r>
-            <a:r>
-              <a:rPr lang="en-US" dirty="0"/>
-              <a:t> </a:t>
-            </a:r>
-            <a:r>
-              <a:rPr lang="en-US" dirty="0" err="1"/>
-              <a:t>dtrace</a:t>
-            </a:r>
-            <a:r>
-              <a:rPr lang="en-US" dirty="0"/>
-              <a:t> -lv -f </a:t>
-            </a:r>
-            <a:r>
-              <a:rPr lang="en-US" dirty="0" err="1"/>
-              <a:t>syscall:freebsd:read</a:t>
-            </a:r>
-            <a:endParaRPr lang="en-US" dirty="0"/>
-          </a:p>
-          <a:p>
-            <a:r>
-              <a:rPr lang="en-US" dirty="0"/>
-              <a:t> ID   PROVIDER</a:t>
-            </a:r>
-          </a:p>
-          <a:p>
-            <a:r>
-              <a:rPr lang="en-US" dirty="0"/>
-              <a:t>57177    </a:t>
-            </a:r>
-            <a:r>
-              <a:rPr lang="en-US" dirty="0" err="1"/>
-              <a:t>syscall</a:t>
-            </a:r>
-            <a:endParaRPr lang="en-US" dirty="0"/>
-          </a:p>
-          <a:p>
-            <a:r>
-              <a:rPr lang="en-US" dirty="0"/>
-              <a:t>Argument Types</a:t>
-            </a:r>
-          </a:p>
-          <a:p>
-            <a:r>
-              <a:rPr lang="en-US" dirty="0" err="1"/>
-              <a:t>args</a:t>
-            </a:r>
-            <a:r>
-              <a:rPr lang="en-US" dirty="0"/>
-              <a:t>[0]: </a:t>
-            </a:r>
-            <a:r>
-              <a:rPr lang="en-US" dirty="0" err="1"/>
-              <a:t>int</a:t>
-            </a:r>
-            <a:endParaRPr lang="en-US" dirty="0"/>
-          </a:p>
-          <a:p>
-            <a:r>
-              <a:rPr lang="en-US" dirty="0" err="1"/>
-              <a:t>args</a:t>
-            </a:r>
-            <a:r>
-              <a:rPr lang="en-US" dirty="0"/>
-              <a:t>[1]: void *</a:t>
-            </a:r>
-          </a:p>
-          <a:p>
-            <a:r>
-              <a:rPr lang="en-US" dirty="0" err="1"/>
-              <a:t>args</a:t>
-            </a:r>
-            <a:r>
-              <a:rPr lang="en-US" dirty="0"/>
-              <a:t>[2]: </a:t>
-            </a:r>
-            <a:r>
-              <a:rPr lang="en-US" dirty="0" err="1"/>
-              <a:t>size_t</a:t>
-            </a:r>
-            <a:endParaRPr lang="en-US" dirty="0"/>
-          </a:p>
-          <a:p>
-            <a:r>
-              <a:rPr lang="en-US" dirty="0"/>
-              <a:t>MODULE</a:t>
-            </a:r>
-          </a:p>
-          <a:p>
-            <a:r>
-              <a:rPr lang="en-US" dirty="0"/>
-              <a:t> </a:t>
-            </a:r>
-            <a:r>
-              <a:rPr lang="en-US" dirty="0" err="1"/>
-              <a:t>freebsd</a:t>
-            </a:r>
-            <a:endParaRPr lang="en-US" dirty="0"/>
-          </a:p>
-        </p:txBody>
-      </p:sp>
-      <p:sp>
-        <p:nvSpPr>
-          <p:cNvPr id="4" name="Footer Placeholder 3"/>
-          <p:cNvSpPr>
-            <a:spLocks noGrp="1"/>
-          </p:cNvSpPr>
-          <p:nvPr>
-            <p:ph type="ftr" sz="quarter" idx="11"/>
-          </p:nvPr>
-        </p:nvSpPr>
-        <p:spPr/>
-        <p:txBody>
-          <a:bodyPr/>
-          <a:lstStyle/>
-          <a:p>
-            <a:r>
-              <a:rPr lang="en-US" smtClean="0"/>
-              <a:t>Introduction to Operating Systems</a:t>
-            </a:r>
-            <a:endParaRPr lang="en-US" dirty="0"/>
-          </a:p>
-        </p:txBody>
-      </p:sp>
-    </p:spTree>
-    <p:extLst>
-      <p:ext uri="{BB962C8B-B14F-4D97-AF65-F5344CB8AC3E}">
-        <p14:creationId xmlns:p14="http://schemas.microsoft.com/office/powerpoint/2010/main" val="6698588"/>
-      </p:ext>
-    </p:extLst>
-  </p:cSld>
-  <p:clrMapOvr>
-    <a:masterClrMapping/>
-  </p:clrMapOvr>
-</p:sld>
-</file>
-
-<file path=ppt/slides/slide53.xml><?xml version="1.0" encoding="utf-8"?>
-<p:sld xmlns:a="http://schemas.openxmlformats.org/drawingml/2006/main" xmlns:r="http://schemas.openxmlformats.org/officeDocument/2006/relationships" xmlns:p="http://schemas.openxmlformats.org/presentationml/2006/main">
-  <p:cSld>
-    <p:spTree>
-      <p:nvGrpSpPr>
-        <p:cNvPr id="1" name=""/>
-        <p:cNvGrpSpPr/>
-        <p:nvPr/>
-      </p:nvGrpSpPr>
-      <p:grpSpPr>
-        <a:xfrm>
-          <a:off x="0" y="0"/>
-          <a:ext cx="0" cy="0"/>
-          <a:chOff x="0" y="0"/>
-          <a:chExt cx="0" cy="0"/>
-        </a:xfrm>
-      </p:grpSpPr>
-      <p:sp>
-        <p:nvSpPr>
-          <p:cNvPr id="2" name="Title 1"/>
-          <p:cNvSpPr>
-            <a:spLocks noGrp="1"/>
-          </p:cNvSpPr>
-          <p:nvPr>
-            <p:ph type="title"/>
-          </p:nvPr>
-        </p:nvSpPr>
-        <p:spPr/>
-        <p:txBody>
-          <a:bodyPr/>
-          <a:lstStyle/>
-          <a:p>
-            <a:r>
-              <a:rPr lang="en-US" dirty="0" smtClean="0"/>
-              <a:t>The D Language</a:t>
-            </a:r>
-            <a:endParaRPr lang="en-US" dirty="0"/>
-          </a:p>
-        </p:txBody>
-      </p:sp>
-      <p:sp>
-        <p:nvSpPr>
-          <p:cNvPr id="3" name="Content Placeholder 2"/>
-          <p:cNvSpPr>
-            <a:spLocks noGrp="1"/>
-          </p:cNvSpPr>
-          <p:nvPr>
-            <p:ph idx="1"/>
-          </p:nvPr>
-        </p:nvSpPr>
-        <p:spPr/>
-        <p:txBody>
-          <a:bodyPr/>
-          <a:lstStyle/>
-          <a:p>
-            <a:r>
-              <a:rPr lang="en-US" dirty="0" smtClean="0"/>
-              <a:t>A </a:t>
-            </a:r>
-            <a:r>
-              <a:rPr lang="en-US" dirty="0"/>
-              <a:t>powerful subset of C</a:t>
-            </a:r>
-          </a:p>
-          <a:p>
-            <a:r>
-              <a:rPr lang="en-US" dirty="0" smtClean="0"/>
-              <a:t>Includes </a:t>
-            </a:r>
-            <a:r>
-              <a:rPr lang="en-US" dirty="0"/>
-              <a:t>features specific to </a:t>
-            </a:r>
-            <a:r>
-              <a:rPr lang="en-US" dirty="0" err="1"/>
-              <a:t>DTrace</a:t>
-            </a:r>
-            <a:r>
-              <a:rPr lang="en-US" dirty="0"/>
-              <a:t>, such as aggregations</a:t>
-            </a:r>
-          </a:p>
-          <a:p>
-            <a:r>
-              <a:rPr lang="en-US" dirty="0" smtClean="0"/>
-              <a:t>Anything </a:t>
-            </a:r>
-            <a:r>
-              <a:rPr lang="en-US" dirty="0"/>
-              <a:t>beyond some simple debugging usually required a D </a:t>
-            </a:r>
-            <a:r>
-              <a:rPr lang="en-US" dirty="0" smtClean="0"/>
-              <a:t>script</a:t>
-            </a:r>
-            <a:endParaRPr lang="en-US" dirty="0"/>
-          </a:p>
-        </p:txBody>
-      </p:sp>
-      <p:sp>
-        <p:nvSpPr>
-          <p:cNvPr id="4" name="Footer Placeholder 3"/>
-          <p:cNvSpPr>
-            <a:spLocks noGrp="1"/>
-          </p:cNvSpPr>
-          <p:nvPr>
-            <p:ph type="ftr" sz="quarter" idx="11"/>
-          </p:nvPr>
-        </p:nvSpPr>
-        <p:spPr/>
-        <p:txBody>
-          <a:bodyPr/>
-          <a:lstStyle/>
-          <a:p>
-            <a:r>
-              <a:rPr lang="en-US" smtClean="0"/>
-              <a:t>Introduction to Operating Systems</a:t>
-            </a:r>
-            <a:endParaRPr lang="en-US" dirty="0"/>
-          </a:p>
-        </p:txBody>
-      </p:sp>
-    </p:spTree>
-    <p:extLst>
-      <p:ext uri="{BB962C8B-B14F-4D97-AF65-F5344CB8AC3E}">
-        <p14:creationId xmlns:p14="http://schemas.microsoft.com/office/powerpoint/2010/main" val="914018872"/>
-      </p:ext>
-    </p:extLst>
-  </p:cSld>
-  <p:clrMapOvr>
-    <a:masterClrMapping/>
-  </p:clrMapOvr>
-</p:sld>
-</file>
-
-<file path=ppt/slides/slide54.xml><?xml version="1.0" encoding="utf-8"?>
-<p:sld xmlns:a="http://schemas.openxmlformats.org/drawingml/2006/main" xmlns:r="http://schemas.openxmlformats.org/officeDocument/2006/relationships" xmlns:p="http://schemas.openxmlformats.org/presentationml/2006/main">
-  <p:cSld>
-    <p:spTree>
-      <p:nvGrpSpPr>
-        <p:cNvPr id="1" name=""/>
-        <p:cNvGrpSpPr/>
-        <p:nvPr/>
-      </p:nvGrpSpPr>
-      <p:grpSpPr>
-        <a:xfrm>
-          <a:off x="0" y="0"/>
-          <a:ext cx="0" cy="0"/>
-          <a:chOff x="0" y="0"/>
-          <a:chExt cx="0" cy="0"/>
-        </a:xfrm>
-      </p:grpSpPr>
-      <p:sp>
-        <p:nvSpPr>
-          <p:cNvPr id="2" name="Title 1"/>
-          <p:cNvSpPr>
-            <a:spLocks noGrp="1"/>
-          </p:cNvSpPr>
-          <p:nvPr>
-            <p:ph type="title"/>
-          </p:nvPr>
-        </p:nvSpPr>
-        <p:spPr/>
-        <p:txBody>
-          <a:bodyPr/>
-          <a:lstStyle/>
-          <a:p>
-            <a:r>
-              <a:rPr lang="en-US" dirty="0" err="1" smtClean="0"/>
-              <a:t>DTrace</a:t>
-            </a:r>
-            <a:r>
-              <a:rPr lang="en-US" dirty="0" smtClean="0"/>
-              <a:t> One-Liners</a:t>
-            </a:r>
-            <a:endParaRPr lang="en-US" dirty="0"/>
-          </a:p>
-        </p:txBody>
-      </p:sp>
-      <p:sp>
-        <p:nvSpPr>
-          <p:cNvPr id="3" name="Content Placeholder 2"/>
-          <p:cNvSpPr>
-            <a:spLocks noGrp="1"/>
-          </p:cNvSpPr>
-          <p:nvPr>
-            <p:ph idx="1"/>
-          </p:nvPr>
-        </p:nvSpPr>
-        <p:spPr/>
-        <p:txBody>
-          <a:bodyPr/>
-          <a:lstStyle/>
-          <a:p>
-            <a:r>
-              <a:rPr lang="en-US" dirty="0"/>
-              <a:t>• A set of useful single line </a:t>
-            </a:r>
-            <a:r>
-              <a:rPr lang="en-US" dirty="0" smtClean="0"/>
-              <a:t>scripts</a:t>
-            </a:r>
-          </a:p>
-          <a:p>
-            <a:r>
-              <a:rPr lang="en-US" dirty="0" smtClean="0"/>
-              <a:t> </a:t>
-            </a:r>
-            <a:r>
-              <a:rPr lang="en-US" dirty="0"/>
-              <a:t># Trace f </a:t>
-            </a:r>
-            <a:r>
-              <a:rPr lang="en-US" dirty="0" err="1"/>
-              <a:t>i</a:t>
-            </a:r>
-            <a:r>
-              <a:rPr lang="en-US" dirty="0"/>
-              <a:t> l e opens with process and filename :</a:t>
-            </a:r>
-          </a:p>
-          <a:p>
-            <a:r>
-              <a:rPr lang="en-US" dirty="0" err="1"/>
-              <a:t>dtrace</a:t>
-            </a:r>
-            <a:r>
-              <a:rPr lang="en-US" dirty="0"/>
-              <a:t> −n ’</a:t>
-            </a:r>
-            <a:r>
-              <a:rPr lang="en-US" dirty="0" err="1"/>
-              <a:t>syscall</a:t>
-            </a:r>
-            <a:r>
-              <a:rPr lang="en-US" dirty="0"/>
-              <a:t> ::open∗:entry { </a:t>
-            </a:r>
-            <a:r>
-              <a:rPr lang="en-US" dirty="0" err="1"/>
-              <a:t>printf</a:t>
-            </a:r>
-            <a:r>
-              <a:rPr lang="en-US" dirty="0"/>
-              <a:t>("%s %s", </a:t>
-            </a:r>
-            <a:r>
-              <a:rPr lang="en-US" dirty="0" err="1"/>
-              <a:t>execname</a:t>
-            </a:r>
-            <a:r>
-              <a:rPr lang="en-US" dirty="0"/>
-              <a:t>, </a:t>
-            </a:r>
-            <a:r>
-              <a:rPr lang="en-US" dirty="0" err="1"/>
-              <a:t>copyinstr</a:t>
-            </a:r>
-            <a:r>
-              <a:rPr lang="en-US" dirty="0"/>
-              <a:t>(arg0)); } ’ # Count system calls by program name:</a:t>
-            </a:r>
-          </a:p>
-          <a:p>
-            <a:r>
-              <a:rPr lang="en-US" dirty="0" err="1"/>
-              <a:t>dtrace</a:t>
-            </a:r>
-            <a:r>
-              <a:rPr lang="en-US" dirty="0"/>
-              <a:t>−n ’</a:t>
-            </a:r>
-            <a:r>
-              <a:rPr lang="en-US" dirty="0" err="1"/>
-              <a:t>syscall</a:t>
-            </a:r>
-            <a:r>
-              <a:rPr lang="en-US" dirty="0"/>
-              <a:t>:::entry {@[</a:t>
-            </a:r>
-            <a:r>
-              <a:rPr lang="en-US" dirty="0" err="1"/>
-              <a:t>execname</a:t>
-            </a:r>
-            <a:r>
-              <a:rPr lang="en-US" dirty="0"/>
-              <a:t>] = count(); }’</a:t>
-            </a:r>
-          </a:p>
-          <a:p>
-            <a:r>
-              <a:rPr lang="en-US" dirty="0"/>
-              <a:t># Count system calls by </a:t>
-            </a:r>
-            <a:r>
-              <a:rPr lang="en-US" dirty="0" err="1"/>
-              <a:t>syscall</a:t>
-            </a:r>
-            <a:r>
-              <a:rPr lang="en-US" dirty="0"/>
-              <a:t> :</a:t>
-            </a:r>
-          </a:p>
-          <a:p>
-            <a:r>
-              <a:rPr lang="en-US" dirty="0" err="1"/>
-              <a:t>dtrace</a:t>
-            </a:r>
-            <a:r>
-              <a:rPr lang="en-US" dirty="0"/>
-              <a:t> −n ’</a:t>
-            </a:r>
-            <a:r>
-              <a:rPr lang="en-US" dirty="0" err="1"/>
-              <a:t>syscall</a:t>
-            </a:r>
-            <a:r>
-              <a:rPr lang="en-US" dirty="0"/>
-              <a:t> ::: entry { @[</a:t>
-            </a:r>
-            <a:r>
-              <a:rPr lang="en-US" dirty="0" err="1"/>
-              <a:t>probefunc</a:t>
-            </a:r>
-            <a:r>
-              <a:rPr lang="en-US" dirty="0"/>
-              <a:t>] = count(); } ’</a:t>
-            </a:r>
-          </a:p>
-          <a:p>
-            <a:endParaRPr lang="en-US" dirty="0"/>
-          </a:p>
-        </p:txBody>
-      </p:sp>
-      <p:sp>
-        <p:nvSpPr>
-          <p:cNvPr id="4" name="Footer Placeholder 3"/>
-          <p:cNvSpPr>
-            <a:spLocks noGrp="1"/>
-          </p:cNvSpPr>
-          <p:nvPr>
-            <p:ph type="ftr" sz="quarter" idx="11"/>
-          </p:nvPr>
-        </p:nvSpPr>
-        <p:spPr/>
-        <p:txBody>
-          <a:bodyPr/>
-          <a:lstStyle/>
-          <a:p>
-            <a:r>
-              <a:rPr lang="en-US" smtClean="0"/>
-              <a:t>Introduction to Operating Systems</a:t>
-            </a:r>
-            <a:endParaRPr lang="en-US" dirty="0"/>
-          </a:p>
-        </p:txBody>
-      </p:sp>
-    </p:spTree>
-    <p:extLst>
-      <p:ext uri="{BB962C8B-B14F-4D97-AF65-F5344CB8AC3E}">
-        <p14:creationId xmlns:p14="http://schemas.microsoft.com/office/powerpoint/2010/main" val="98864819"/>
-      </p:ext>
-    </p:extLst>
-  </p:cSld>
-  <p:clrMapOvr>
-    <a:masterClrMapping/>
-  </p:clrMapOvr>
-</p:sld>
-</file>
-
-<file path=ppt/slides/slide55.xml><?xml version="1.0" encoding="utf-8"?>
-<p:sld xmlns:a="http://schemas.openxmlformats.org/drawingml/2006/main" xmlns:r="http://schemas.openxmlformats.org/officeDocument/2006/relationships" xmlns:p="http://schemas.openxmlformats.org/presentationml/2006/main">
-  <p:cSld>
-    <p:spTree>
-      <p:nvGrpSpPr>
-        <p:cNvPr id="1" name=""/>
-        <p:cNvGrpSpPr/>
-        <p:nvPr/>
-      </p:nvGrpSpPr>
-      <p:grpSpPr>
-        <a:xfrm>
-          <a:off x="0" y="0"/>
-          <a:ext cx="0" cy="0"/>
-          <a:chOff x="0" y="0"/>
-          <a:chExt cx="0" cy="0"/>
-        </a:xfrm>
-      </p:grpSpPr>
-      <p:sp>
-        <p:nvSpPr>
-          <p:cNvPr id="2" name="Title 1"/>
-          <p:cNvSpPr>
-            <a:spLocks noGrp="1"/>
-          </p:cNvSpPr>
-          <p:nvPr>
-            <p:ph type="title"/>
-          </p:nvPr>
-        </p:nvSpPr>
-        <p:spPr/>
-        <p:txBody>
-          <a:bodyPr/>
-          <a:lstStyle/>
-          <a:p>
-            <a:r>
-              <a:rPr lang="en-US" dirty="0" smtClean="0"/>
-              <a:t>Count System Calls</a:t>
-            </a:r>
-            <a:endParaRPr lang="en-US" dirty="0"/>
-          </a:p>
-        </p:txBody>
-      </p:sp>
-      <p:sp>
-        <p:nvSpPr>
-          <p:cNvPr id="3" name="Content Placeholder 2"/>
-          <p:cNvSpPr>
-            <a:spLocks noGrp="1"/>
-          </p:cNvSpPr>
-          <p:nvPr>
-            <p:ph idx="1"/>
-          </p:nvPr>
-        </p:nvSpPr>
-        <p:spPr/>
-        <p:txBody>
-          <a:bodyPr>
-            <a:normAutofit fontScale="55000" lnSpcReduction="20000"/>
-          </a:bodyPr>
-          <a:lstStyle/>
-          <a:p>
-            <a:pPr marL="457200" indent="-457200">
-              <a:buFont typeface="+mj-lt"/>
-              <a:buAutoNum type="arabicPeriod"/>
-            </a:pPr>
-            <a:r>
-              <a:rPr lang="en-US" dirty="0" err="1"/>
-              <a:t>dtrace</a:t>
-            </a:r>
-            <a:r>
-              <a:rPr lang="en-US" dirty="0"/>
-              <a:t> −n ’</a:t>
-            </a:r>
-            <a:r>
-              <a:rPr lang="en-US" dirty="0" err="1"/>
-              <a:t>syscall</a:t>
-            </a:r>
-            <a:r>
-              <a:rPr lang="en-US" dirty="0"/>
-              <a:t> ::: entry { @[</a:t>
-            </a:r>
-            <a:r>
-              <a:rPr lang="en-US" dirty="0" err="1"/>
-              <a:t>probefunc</a:t>
-            </a:r>
-            <a:r>
-              <a:rPr lang="en-US" dirty="0"/>
-              <a:t>] = count(); } ’</a:t>
-            </a:r>
-          </a:p>
-          <a:p>
-            <a:pPr marL="457200" indent="-457200">
-              <a:buFont typeface="+mj-lt"/>
-              <a:buAutoNum type="arabicPeriod"/>
-            </a:pPr>
-            <a:r>
-              <a:rPr lang="en-US" dirty="0"/>
-              <a:t>     </a:t>
-            </a:r>
-            <a:r>
-              <a:rPr lang="en-US" dirty="0" err="1"/>
-              <a:t>dtrace</a:t>
-            </a:r>
-            <a:r>
-              <a:rPr lang="en-US" dirty="0"/>
-              <a:t> : description ^C</a:t>
-            </a:r>
-          </a:p>
-          <a:p>
-            <a:pPr marL="457200" indent="-457200">
-              <a:buFont typeface="+mj-lt"/>
-              <a:buAutoNum type="arabicPeriod"/>
-            </a:pPr>
-            <a:r>
-              <a:rPr lang="en-US" dirty="0" err="1"/>
-              <a:t>fstat</a:t>
-            </a:r>
-            <a:r>
-              <a:rPr lang="en-US" dirty="0"/>
-              <a:t> </a:t>
-            </a:r>
-            <a:r>
-              <a:rPr lang="en-US" dirty="0" err="1"/>
-              <a:t>setitimer</a:t>
-            </a:r>
-            <a:r>
-              <a:rPr lang="en-US" dirty="0"/>
-              <a:t> </a:t>
-            </a:r>
-            <a:r>
-              <a:rPr lang="en-US" dirty="0" err="1"/>
-              <a:t>getpid</a:t>
-            </a:r>
-            <a:r>
-              <a:rPr lang="en-US" dirty="0"/>
-              <a:t> read </a:t>
-            </a:r>
-            <a:r>
-              <a:rPr lang="en-US" dirty="0" err="1"/>
-              <a:t>sigreturn</a:t>
-            </a:r>
-            <a:r>
-              <a:rPr lang="en-US" dirty="0"/>
-              <a:t> write </a:t>
-            </a:r>
-            <a:r>
-              <a:rPr lang="en-US" dirty="0" err="1"/>
-              <a:t>getsockopt</a:t>
-            </a:r>
-            <a:r>
-              <a:rPr lang="en-US" dirty="0"/>
-              <a:t> select </a:t>
-            </a:r>
-            <a:r>
-              <a:rPr lang="en-US" dirty="0" err="1"/>
-              <a:t>sigaction</a:t>
-            </a:r>
-            <a:r>
-              <a:rPr lang="en-US" dirty="0"/>
-              <a:t> _</a:t>
-            </a:r>
-            <a:r>
-              <a:rPr lang="en-US" dirty="0" err="1"/>
-              <a:t>umtx_op</a:t>
-            </a:r>
-            <a:r>
-              <a:rPr lang="en-US" dirty="0"/>
-              <a:t> __</a:t>
-            </a:r>
-            <a:r>
-              <a:rPr lang="en-US" dirty="0" err="1"/>
-              <a:t>sysctl</a:t>
-            </a:r>
-            <a:endParaRPr lang="en-US" dirty="0"/>
-          </a:p>
-          <a:p>
-            <a:pPr marL="457200" indent="-457200">
-              <a:buFont typeface="+mj-lt"/>
-              <a:buAutoNum type="arabicPeriod"/>
-            </a:pPr>
-            <a:r>
-              <a:rPr lang="en-US" dirty="0" err="1"/>
-              <a:t>munmap</a:t>
-            </a:r>
-            <a:endParaRPr lang="en-US" dirty="0"/>
-          </a:p>
-          <a:p>
-            <a:pPr marL="457200" indent="-457200">
-              <a:buFont typeface="+mj-lt"/>
-              <a:buAutoNum type="arabicPeriod"/>
-            </a:pPr>
-            <a:r>
-              <a:rPr lang="en-US" dirty="0" err="1"/>
-              <a:t>mmap</a:t>
-            </a:r>
-            <a:r>
-              <a:rPr lang="en-US" dirty="0"/>
-              <a:t> </a:t>
-            </a:r>
-            <a:r>
-              <a:rPr lang="en-US" dirty="0" err="1"/>
-              <a:t>sigprocmask</a:t>
-            </a:r>
-            <a:endParaRPr lang="en-US" dirty="0"/>
-          </a:p>
-          <a:p>
-            <a:pPr marL="457200" indent="-457200">
-              <a:buFont typeface="+mj-lt"/>
-              <a:buAutoNum type="arabicPeriod"/>
-            </a:pPr>
-            <a:r>
-              <a:rPr lang="en-US" dirty="0" err="1"/>
-              <a:t>clock_gettime</a:t>
-            </a:r>
-            <a:r>
-              <a:rPr lang="en-US" dirty="0"/>
-              <a:t> </a:t>
-            </a:r>
-            <a:r>
-              <a:rPr lang="en-US" dirty="0" err="1"/>
-              <a:t>ioctl</a:t>
-            </a:r>
-            <a:endParaRPr lang="en-US" dirty="0"/>
-          </a:p>
-          <a:p>
-            <a:pPr marL="457200" indent="-457200">
-              <a:buFont typeface="+mj-lt"/>
-              <a:buAutoNum type="arabicPeriod"/>
-            </a:pPr>
-            <a:r>
-              <a:rPr lang="en-US" dirty="0"/>
-              <a:t>’ </a:t>
-            </a:r>
-            <a:r>
-              <a:rPr lang="en-US" dirty="0" err="1"/>
-              <a:t>syscall</a:t>
-            </a:r>
-            <a:r>
-              <a:rPr lang="en-US" dirty="0"/>
-              <a:t> : : : entry</a:t>
-            </a:r>
-          </a:p>
-          <a:p>
-            <a:pPr marL="457200" indent="-457200">
-              <a:buFont typeface="+mj-lt"/>
-              <a:buAutoNum type="arabicPeriod"/>
-            </a:pPr>
-            <a:r>
-              <a:rPr lang="en-US" dirty="0"/>
-              <a:t>’</a:t>
-            </a:r>
-          </a:p>
-          <a:p>
-            <a:pPr marL="457200" indent="-457200">
-              <a:buFont typeface="+mj-lt"/>
-              <a:buAutoNum type="arabicPeriod"/>
-            </a:pPr>
-            <a:r>
-              <a:rPr lang="en-US" dirty="0"/>
-              <a:t>matched</a:t>
-            </a:r>
-          </a:p>
-          <a:p>
-            <a:pPr marL="457200" indent="-457200">
-              <a:buFont typeface="+mj-lt"/>
-              <a:buAutoNum type="arabicPeriod"/>
-            </a:pPr>
-            <a:r>
-              <a:rPr lang="en-US" dirty="0"/>
-              <a:t>1072</a:t>
-            </a:r>
-          </a:p>
-          <a:p>
-            <a:pPr marL="457200" indent="-457200">
-              <a:buFont typeface="+mj-lt"/>
-              <a:buAutoNum type="arabicPeriod"/>
-            </a:pPr>
-            <a:r>
-              <a:rPr lang="en-US" dirty="0"/>
-              <a:t>probes</a:t>
-            </a:r>
-          </a:p>
-          <a:p>
-            <a:pPr marL="457200" indent="-457200">
-              <a:buFont typeface="+mj-lt"/>
-              <a:buAutoNum type="arabicPeriod"/>
-            </a:pPr>
-            <a:r>
-              <a:rPr lang="en-US" dirty="0"/>
-              <a:t> 1 1 2 2 2 3 4 6 6 7 8</a:t>
-            </a:r>
-          </a:p>
-          <a:p>
-            <a:pPr marL="457200" indent="-457200">
-              <a:buFont typeface="+mj-lt"/>
-              <a:buAutoNum type="arabicPeriod"/>
-            </a:pPr>
-            <a:r>
-              <a:rPr lang="en-US" dirty="0"/>
-              <a:t>18 19 23 42 45</a:t>
-            </a:r>
-          </a:p>
-          <a:p>
-            <a:pPr marL="457200" indent="-457200">
-              <a:buFont typeface="+mj-lt"/>
-              <a:buAutoNum type="arabicPeriod"/>
-            </a:pPr>
-            <a:endParaRPr lang="en-US" dirty="0"/>
-          </a:p>
-        </p:txBody>
-      </p:sp>
-      <p:sp>
-        <p:nvSpPr>
-          <p:cNvPr id="4" name="Footer Placeholder 3"/>
-          <p:cNvSpPr>
-            <a:spLocks noGrp="1"/>
-          </p:cNvSpPr>
-          <p:nvPr>
-            <p:ph type="ftr" sz="quarter" idx="11"/>
-          </p:nvPr>
-        </p:nvSpPr>
-        <p:spPr/>
-        <p:txBody>
-          <a:bodyPr/>
-          <a:lstStyle/>
-          <a:p>
-            <a:r>
-              <a:rPr lang="en-US" smtClean="0"/>
-              <a:t>Introduction to Operating Systems</a:t>
-            </a:r>
-            <a:endParaRPr lang="en-US" dirty="0"/>
-          </a:p>
-        </p:txBody>
-      </p:sp>
-    </p:spTree>
-    <p:extLst>
-      <p:ext uri="{BB962C8B-B14F-4D97-AF65-F5344CB8AC3E}">
-        <p14:creationId xmlns:p14="http://schemas.microsoft.com/office/powerpoint/2010/main" val="594719688"/>
-      </p:ext>
-    </p:extLst>
-  </p:cSld>
-  <p:clrMapOvr>
-    <a:masterClrMapping/>
-  </p:clrMapOvr>
-</p:sld>
-</file>
-
-<file path=ppt/slides/slide56.xml><?xml version="1.0" encoding="utf-8"?>
-<p:sld xmlns:a="http://schemas.openxmlformats.org/drawingml/2006/main" xmlns:r="http://schemas.openxmlformats.org/officeDocument/2006/relationships" xmlns:p="http://schemas.openxmlformats.org/presentationml/2006/main">
-  <p:cSld>
-    <p:spTree>
-      <p:nvGrpSpPr>
-        <p:cNvPr id="1" name=""/>
-        <p:cNvGrpSpPr/>
-        <p:nvPr/>
-      </p:nvGrpSpPr>
-      <p:grpSpPr>
-        <a:xfrm>
-          <a:off x="0" y="0"/>
-          <a:ext cx="0" cy="0"/>
-          <a:chOff x="0" y="0"/>
-          <a:chExt cx="0" cy="0"/>
-        </a:xfrm>
-      </p:grpSpPr>
-      <p:sp>
-        <p:nvSpPr>
-          <p:cNvPr id="2" name="Title 1"/>
-          <p:cNvSpPr>
-            <a:spLocks noGrp="1"/>
-          </p:cNvSpPr>
-          <p:nvPr>
-            <p:ph type="title"/>
-          </p:nvPr>
-        </p:nvSpPr>
-        <p:spPr/>
-        <p:txBody>
-          <a:bodyPr/>
-          <a:lstStyle/>
-          <a:p>
-            <a:r>
-              <a:rPr lang="en-US" dirty="0" smtClean="0"/>
-              <a:t>Aggregations</a:t>
-            </a:r>
-            <a:endParaRPr lang="en-US" dirty="0"/>
-          </a:p>
-        </p:txBody>
-      </p:sp>
-      <p:sp>
-        <p:nvSpPr>
-          <p:cNvPr id="3" name="Content Placeholder 2"/>
-          <p:cNvSpPr>
-            <a:spLocks noGrp="1"/>
-          </p:cNvSpPr>
-          <p:nvPr>
-            <p:ph idx="1"/>
-          </p:nvPr>
-        </p:nvSpPr>
-        <p:spPr/>
-        <p:txBody>
-          <a:bodyPr/>
-          <a:lstStyle/>
-          <a:p>
-            <a:r>
-              <a:rPr lang="en-US" dirty="0" err="1" smtClean="0">
-                <a:latin typeface="Courier" charset="0"/>
-                <a:ea typeface="Courier" charset="0"/>
-                <a:cs typeface="Courier" charset="0"/>
-              </a:rPr>
-              <a:t>syscall</a:t>
-            </a:r>
-            <a:r>
-              <a:rPr lang="en-US" dirty="0">
-                <a:latin typeface="Courier" charset="0"/>
-                <a:ea typeface="Courier" charset="0"/>
-                <a:cs typeface="Courier" charset="0"/>
-              </a:rPr>
-              <a:t>:::entry { @[</a:t>
-            </a:r>
-            <a:r>
-              <a:rPr lang="en-US" dirty="0" err="1">
-                <a:latin typeface="Courier" charset="0"/>
-                <a:ea typeface="Courier" charset="0"/>
-                <a:cs typeface="Courier" charset="0"/>
-              </a:rPr>
-              <a:t>probefunc</a:t>
-            </a:r>
-            <a:r>
-              <a:rPr lang="en-US" dirty="0">
-                <a:latin typeface="Courier" charset="0"/>
-                <a:ea typeface="Courier" charset="0"/>
-                <a:cs typeface="Courier" charset="0"/>
-              </a:rPr>
-              <a:t>] = count(); </a:t>
-            </a:r>
-            <a:r>
-              <a:rPr lang="en-US" dirty="0" smtClean="0">
-                <a:latin typeface="Courier" charset="0"/>
-                <a:ea typeface="Courier" charset="0"/>
-                <a:cs typeface="Courier" charset="0"/>
-              </a:rPr>
-              <a:t>}</a:t>
-            </a:r>
-          </a:p>
-          <a:p>
-            <a:r>
-              <a:rPr lang="en-US" dirty="0" smtClean="0"/>
-              <a:t>The </a:t>
-            </a:r>
-            <a:r>
-              <a:rPr lang="en-US" dirty="0"/>
-              <a:t>@[</a:t>
-            </a:r>
-            <a:r>
-              <a:rPr lang="en-US" dirty="0" err="1"/>
-              <a:t>probefunc</a:t>
-            </a:r>
-            <a:r>
-              <a:rPr lang="en-US" dirty="0"/>
-              <a:t>] syntax</a:t>
-            </a:r>
-          </a:p>
-          <a:p>
-            <a:r>
-              <a:rPr lang="en-US" dirty="0" smtClean="0"/>
-              <a:t>Aggregates </a:t>
-            </a:r>
-            <a:r>
-              <a:rPr lang="en-US" dirty="0"/>
-              <a:t>data during a run for later output</a:t>
-            </a:r>
-          </a:p>
-          <a:p>
-            <a:r>
-              <a:rPr lang="en-US" dirty="0" smtClean="0"/>
-              <a:t>Extremely </a:t>
-            </a:r>
-            <a:r>
-              <a:rPr lang="en-US" dirty="0"/>
-              <a:t>powerful feature of D language</a:t>
-            </a:r>
-          </a:p>
-        </p:txBody>
-      </p:sp>
-      <p:sp>
-        <p:nvSpPr>
-          <p:cNvPr id="4" name="Footer Placeholder 3"/>
-          <p:cNvSpPr>
-            <a:spLocks noGrp="1"/>
-          </p:cNvSpPr>
-          <p:nvPr>
-            <p:ph type="ftr" sz="quarter" idx="11"/>
-          </p:nvPr>
-        </p:nvSpPr>
-        <p:spPr/>
-        <p:txBody>
-          <a:bodyPr/>
-          <a:lstStyle/>
-          <a:p>
-            <a:r>
-              <a:rPr lang="en-US" smtClean="0"/>
-              <a:t>Introduction to Operating Systems</a:t>
-            </a:r>
-            <a:endParaRPr lang="en-US" dirty="0"/>
-          </a:p>
-        </p:txBody>
-      </p:sp>
-    </p:spTree>
-    <p:extLst>
-      <p:ext uri="{BB962C8B-B14F-4D97-AF65-F5344CB8AC3E}">
-        <p14:creationId xmlns:p14="http://schemas.microsoft.com/office/powerpoint/2010/main" val="770243543"/>
-      </p:ext>
-    </p:extLst>
-  </p:cSld>
-  <p:clrMapOvr>
-    <a:masterClrMapping/>
-  </p:clrMapOvr>
-</p:sld>
-</file>
-
-<file path=ppt/slides/slide57.xml><?xml version="1.0" encoding="utf-8"?>
-<p:sld xmlns:a="http://schemas.openxmlformats.org/drawingml/2006/main" xmlns:r="http://schemas.openxmlformats.org/officeDocument/2006/relationships" xmlns:p="http://schemas.openxmlformats.org/presentationml/2006/main">
-  <p:cSld>
-    <p:spTree>
-      <p:nvGrpSpPr>
-        <p:cNvPr id="1" name=""/>
-        <p:cNvGrpSpPr/>
-        <p:nvPr/>
-      </p:nvGrpSpPr>
-      <p:grpSpPr>
-        <a:xfrm>
-          <a:off x="0" y="0"/>
-          <a:ext cx="0" cy="0"/>
-          <a:chOff x="0" y="0"/>
-          <a:chExt cx="0" cy="0"/>
-        </a:xfrm>
-      </p:grpSpPr>
-      <p:sp>
-        <p:nvSpPr>
-          <p:cNvPr id="2" name="Title 1"/>
-          <p:cNvSpPr>
-            <a:spLocks noGrp="1"/>
-          </p:cNvSpPr>
-          <p:nvPr>
-            <p:ph type="title"/>
-          </p:nvPr>
-        </p:nvSpPr>
-        <p:spPr/>
-        <p:txBody>
-          <a:bodyPr/>
-          <a:lstStyle/>
-          <a:p>
-            <a:r>
-              <a:rPr lang="en-US" dirty="0" smtClean="0"/>
-              <a:t>Quantization</a:t>
-            </a:r>
-            <a:endParaRPr lang="en-US" dirty="0"/>
-          </a:p>
-        </p:txBody>
-      </p:sp>
-      <p:sp>
-        <p:nvSpPr>
-          <p:cNvPr id="3" name="Content Placeholder 2"/>
-          <p:cNvSpPr>
-            <a:spLocks noGrp="1"/>
-          </p:cNvSpPr>
-          <p:nvPr>
-            <p:ph idx="1"/>
-          </p:nvPr>
-        </p:nvSpPr>
-        <p:spPr/>
-        <p:txBody>
-          <a:bodyPr>
-            <a:normAutofit fontScale="55000" lnSpcReduction="20000"/>
-          </a:bodyPr>
-          <a:lstStyle/>
-          <a:p>
-            <a:r>
-              <a:rPr lang="en-US" dirty="0"/>
-              <a:t># Summarize requested write() sizes by program name, as power−of−2 distributions (bytes): </a:t>
-            </a:r>
-            <a:r>
-              <a:rPr lang="en-US" dirty="0" err="1"/>
-              <a:t>dtrace</a:t>
-            </a:r>
-            <a:r>
-              <a:rPr lang="en-US" dirty="0"/>
-              <a:t>−n ’</a:t>
-            </a:r>
-            <a:r>
-              <a:rPr lang="en-US" dirty="0" err="1"/>
-              <a:t>syscall</a:t>
-            </a:r>
-            <a:r>
-              <a:rPr lang="en-US" dirty="0"/>
-              <a:t>::</a:t>
-            </a:r>
-            <a:r>
-              <a:rPr lang="en-US" dirty="0" err="1"/>
-              <a:t>write:entry</a:t>
-            </a:r>
-            <a:r>
-              <a:rPr lang="en-US" dirty="0"/>
-              <a:t> {@[</a:t>
-            </a:r>
-            <a:r>
-              <a:rPr lang="en-US" dirty="0" err="1"/>
-              <a:t>execname</a:t>
-            </a:r>
-            <a:r>
-              <a:rPr lang="en-US" dirty="0"/>
-              <a:t>] = quantize(arg2); }’</a:t>
-            </a:r>
-          </a:p>
-          <a:p>
-            <a:r>
-              <a:rPr lang="en-US" dirty="0" err="1"/>
-              <a:t>dtrace</a:t>
-            </a:r>
-            <a:r>
-              <a:rPr lang="en-US" dirty="0"/>
-              <a:t>: description ’</a:t>
-            </a:r>
-            <a:r>
-              <a:rPr lang="en-US" dirty="0" err="1"/>
-              <a:t>syscall</a:t>
-            </a:r>
-            <a:r>
-              <a:rPr lang="en-US" dirty="0"/>
-              <a:t>::</a:t>
-            </a:r>
-            <a:r>
-              <a:rPr lang="en-US" dirty="0" err="1"/>
-              <a:t>write:entry</a:t>
-            </a:r>
-            <a:r>
-              <a:rPr lang="en-US" dirty="0"/>
-              <a:t> ’ matched 2 probes</a:t>
-            </a:r>
-          </a:p>
-          <a:p>
-            <a:r>
-              <a:rPr lang="en-US" dirty="0"/>
-              <a:t>^C</a:t>
-            </a:r>
-          </a:p>
-          <a:p>
-            <a:r>
-              <a:rPr lang="en-US" dirty="0"/>
-              <a:t>1</a:t>
-            </a:r>
-          </a:p>
-          <a:p>
-            <a:r>
-              <a:rPr lang="en-US" dirty="0"/>
-              <a:t>2</a:t>
-            </a:r>
-          </a:p>
-          <a:p>
-            <a:r>
-              <a:rPr lang="en-US" dirty="0"/>
-              <a:t>3</a:t>
-            </a:r>
-          </a:p>
-          <a:p>
-            <a:r>
-              <a:rPr lang="en-US" dirty="0"/>
-              <a:t>4</a:t>
-            </a:r>
-          </a:p>
-          <a:p>
-            <a:r>
-              <a:rPr lang="en-US" dirty="0"/>
-              <a:t>5</a:t>
-            </a:r>
-          </a:p>
-          <a:p>
-            <a:r>
-              <a:rPr lang="en-US" dirty="0"/>
-              <a:t>6 71|0 82|1 94| 17</a:t>
-            </a:r>
-          </a:p>
-          <a:p>
-            <a:r>
-              <a:rPr lang="en-US" dirty="0"/>
-              <a:t>      10 11 12 13 14</a:t>
-            </a:r>
-          </a:p>
-          <a:p>
-            <a:r>
-              <a:rPr lang="en-US" dirty="0"/>
-              <a:t>8 |@@ 841 16 |@@@@@@@@@@@@@ 6940 32 |@@@@@@@@@@@@@@@@@@@@@@@@@ 13666 64 | 59</a:t>
-            </a:r>
-          </a:p>
-          <a:p>
-            <a:r>
-              <a:rPr lang="en-US" dirty="0"/>
-              <a:t>128 | 0</a:t>
-            </a:r>
-          </a:p>
-        </p:txBody>
-      </p:sp>
-      <p:sp>
-        <p:nvSpPr>
-          <p:cNvPr id="4" name="Footer Placeholder 3"/>
-          <p:cNvSpPr>
-            <a:spLocks noGrp="1"/>
-          </p:cNvSpPr>
-          <p:nvPr>
-            <p:ph type="ftr" sz="quarter" idx="11"/>
-          </p:nvPr>
-        </p:nvSpPr>
-        <p:spPr/>
-        <p:txBody>
-          <a:bodyPr/>
-          <a:lstStyle/>
-          <a:p>
-            <a:r>
-              <a:rPr lang="en-US" smtClean="0"/>
-              <a:t>Introduction to Operating Systems</a:t>
-            </a:r>
-            <a:endParaRPr lang="en-US" dirty="0"/>
-          </a:p>
-        </p:txBody>
-      </p:sp>
-    </p:spTree>
-    <p:extLst>
-      <p:ext uri="{BB962C8B-B14F-4D97-AF65-F5344CB8AC3E}">
-        <p14:creationId xmlns:p14="http://schemas.microsoft.com/office/powerpoint/2010/main" val="1688766938"/>
-      </p:ext>
-    </p:extLst>
-  </p:cSld>
-  <p:clrMapOvr>
-    <a:masterClrMapping/>
-  </p:clrMapOvr>
-</p:sld>
-</file>
-
-<file path=ppt/slides/slide58.xml><?xml version="1.0" encoding="utf-8"?>
-<p:sld xmlns:a="http://schemas.openxmlformats.org/drawingml/2006/main" xmlns:r="http://schemas.openxmlformats.org/officeDocument/2006/relationships" xmlns:p="http://schemas.openxmlformats.org/presentationml/2006/main">
-  <p:cSld>
-    <p:spTree>
-      <p:nvGrpSpPr>
-        <p:cNvPr id="1" name=""/>
-        <p:cNvGrpSpPr/>
-        <p:nvPr/>
-      </p:nvGrpSpPr>
-      <p:grpSpPr>
-        <a:xfrm>
-          <a:off x="0" y="0"/>
-          <a:ext cx="0" cy="0"/>
-          <a:chOff x="0" y="0"/>
-          <a:chExt cx="0" cy="0"/>
-        </a:xfrm>
-      </p:grpSpPr>
-      <p:sp>
-        <p:nvSpPr>
-          <p:cNvPr id="2" name="Title 1"/>
-          <p:cNvSpPr>
-            <a:spLocks noGrp="1"/>
-          </p:cNvSpPr>
-          <p:nvPr>
-            <p:ph type="title"/>
-          </p:nvPr>
-        </p:nvSpPr>
-        <p:spPr/>
-        <p:txBody>
-          <a:bodyPr/>
-          <a:lstStyle/>
-          <a:p>
-            <a:r>
-              <a:rPr lang="en-US" dirty="0" smtClean="0"/>
-              <a:t>Probing the stack</a:t>
-            </a:r>
-            <a:endParaRPr lang="en-US" dirty="0"/>
-          </a:p>
-        </p:txBody>
-      </p:sp>
-      <p:sp>
-        <p:nvSpPr>
-          <p:cNvPr id="3" name="Content Placeholder 2"/>
-          <p:cNvSpPr>
-            <a:spLocks noGrp="1"/>
-          </p:cNvSpPr>
-          <p:nvPr>
-            <p:ph idx="1"/>
-          </p:nvPr>
-        </p:nvSpPr>
-        <p:spPr/>
-        <p:txBody>
-          <a:bodyPr/>
-          <a:lstStyle/>
-          <a:p>
-            <a:r>
-              <a:rPr lang="en-US" dirty="0" smtClean="0"/>
-              <a:t>Find </a:t>
-            </a:r>
-            <a:r>
-              <a:rPr lang="en-US" dirty="0"/>
-              <a:t>out how we got where we are </a:t>
-            </a:r>
-            <a:endParaRPr lang="en-US" dirty="0" smtClean="0"/>
-          </a:p>
-          <a:p>
-            <a:r>
-              <a:rPr lang="en-US" dirty="0" smtClean="0"/>
-              <a:t>The </a:t>
-            </a:r>
-            <a:r>
-              <a:rPr lang="en-US" dirty="0">
-                <a:latin typeface="Courier" charset="0"/>
-                <a:ea typeface="Courier" charset="0"/>
-                <a:cs typeface="Courier" charset="0"/>
-              </a:rPr>
-              <a:t>stack</a:t>
-            </a:r>
-            <a:r>
-              <a:rPr lang="en-US" dirty="0" smtClean="0">
-                <a:latin typeface="Courier" charset="0"/>
-                <a:ea typeface="Courier" charset="0"/>
-                <a:cs typeface="Courier" charset="0"/>
-              </a:rPr>
-              <a:t>() </a:t>
-            </a:r>
-            <a:r>
-              <a:rPr lang="en-US" dirty="0" smtClean="0"/>
-              <a:t>routine</a:t>
-            </a:r>
-            <a:endParaRPr lang="en-US" dirty="0"/>
-          </a:p>
-        </p:txBody>
-      </p:sp>
-      <p:sp>
-        <p:nvSpPr>
-          <p:cNvPr id="4" name="Footer Placeholder 3"/>
-          <p:cNvSpPr>
-            <a:spLocks noGrp="1"/>
-          </p:cNvSpPr>
-          <p:nvPr>
-            <p:ph type="ftr" sz="quarter" idx="11"/>
-          </p:nvPr>
-        </p:nvSpPr>
-        <p:spPr/>
-        <p:txBody>
-          <a:bodyPr/>
-          <a:lstStyle/>
-          <a:p>
-            <a:r>
-              <a:rPr lang="en-US" smtClean="0"/>
-              <a:t>Introduction to Operating Systems</a:t>
-            </a:r>
-            <a:endParaRPr lang="en-US" dirty="0"/>
-          </a:p>
-        </p:txBody>
-      </p:sp>
-    </p:spTree>
-    <p:extLst>
-      <p:ext uri="{BB962C8B-B14F-4D97-AF65-F5344CB8AC3E}">
-        <p14:creationId xmlns:p14="http://schemas.microsoft.com/office/powerpoint/2010/main" val="1962048214"/>
-      </p:ext>
-    </p:extLst>
-  </p:cSld>
-  <p:clrMapOvr>
-    <a:masterClrMapping/>
-  </p:clrMapOvr>
-</p:sld>
-</file>
-
-<file path=ppt/slides/slide59.xml><?xml version="1.0" encoding="utf-8"?>
-<p:sld xmlns:a="http://schemas.openxmlformats.org/drawingml/2006/main" xmlns:r="http://schemas.openxmlformats.org/officeDocument/2006/relationships" xmlns:p="http://schemas.openxmlformats.org/presentationml/2006/main">
-  <p:cSld>
-    <p:spTree>
-      <p:nvGrpSpPr>
-        <p:cNvPr id="1" name=""/>
-        <p:cNvGrpSpPr/>
-        <p:nvPr/>
-      </p:nvGrpSpPr>
-      <p:grpSpPr>
-        <a:xfrm>
-          <a:off x="0" y="0"/>
-          <a:ext cx="0" cy="0"/>
-          <a:chOff x="0" y="0"/>
-          <a:chExt cx="0" cy="0"/>
-        </a:xfrm>
-      </p:grpSpPr>
-      <p:sp>
-        <p:nvSpPr>
-          <p:cNvPr id="2" name="Title 1"/>
-          <p:cNvSpPr>
-            <a:spLocks noGrp="1"/>
-          </p:cNvSpPr>
-          <p:nvPr>
-            <p:ph type="title"/>
-          </p:nvPr>
-        </p:nvSpPr>
-        <p:spPr/>
-        <p:txBody>
-          <a:bodyPr/>
-          <a:lstStyle/>
-          <a:p>
-            <a:r>
-              <a:rPr lang="en-US" dirty="0" smtClean="0"/>
-              <a:t>Who called </a:t>
-            </a:r>
-            <a:r>
-              <a:rPr lang="en-US" dirty="0" err="1" smtClean="0"/>
-              <a:t>malloc</a:t>
-            </a:r>
-            <a:r>
-              <a:rPr lang="en-US" dirty="0" smtClean="0"/>
-              <a:t>()?</a:t>
-            </a:r>
-            <a:endParaRPr lang="en-US" dirty="0"/>
-          </a:p>
-        </p:txBody>
-      </p:sp>
-      <p:sp>
-        <p:nvSpPr>
-          <p:cNvPr id="3" name="Content Placeholder 2"/>
-          <p:cNvSpPr>
-            <a:spLocks noGrp="1"/>
-          </p:cNvSpPr>
-          <p:nvPr>
-            <p:ph idx="1"/>
-          </p:nvPr>
-        </p:nvSpPr>
-        <p:spPr/>
-        <p:txBody>
-          <a:bodyPr>
-            <a:normAutofit fontScale="92500" lnSpcReduction="20000"/>
-          </a:bodyPr>
-          <a:lstStyle/>
-          <a:p>
-            <a:r>
-              <a:rPr lang="en-US" dirty="0" smtClean="0"/>
-              <a:t>29371 </a:t>
-            </a:r>
-            <a:r>
-              <a:rPr lang="en-US" dirty="0" err="1" smtClean="0"/>
-              <a:t>malloc</a:t>
-            </a:r>
-            <a:r>
-              <a:rPr lang="en-US" dirty="0" smtClean="0"/>
-              <a:t> </a:t>
-            </a:r>
-            <a:r>
-              <a:rPr lang="en-US" dirty="0"/>
-              <a:t>: entry </a:t>
-            </a:r>
-            <a:endParaRPr lang="en-US" dirty="0" smtClean="0"/>
-          </a:p>
-          <a:p>
-            <a:r>
-              <a:rPr lang="en-US" dirty="0" smtClean="0"/>
-              <a:t>kernel </a:t>
-            </a:r>
-            <a:r>
-              <a:rPr lang="en-US" dirty="0"/>
-              <a:t>‘ cloneuio+0x2c</a:t>
-            </a:r>
-          </a:p>
-          <a:p>
-            <a:r>
-              <a:rPr lang="en-US" dirty="0"/>
-              <a:t>kernel ‘ vn_io_fault1+0x3b </a:t>
-            </a:r>
-            <a:endParaRPr lang="en-US" dirty="0" smtClean="0"/>
-          </a:p>
-          <a:p>
-            <a:r>
-              <a:rPr lang="en-US" dirty="0" smtClean="0"/>
-              <a:t>kernel </a:t>
-            </a:r>
-            <a:r>
-              <a:rPr lang="en-US" dirty="0"/>
-              <a:t>‘ vn_io_fault+0x18b </a:t>
-            </a:r>
-            <a:endParaRPr lang="en-US" dirty="0" smtClean="0"/>
-          </a:p>
-          <a:p>
-            <a:r>
-              <a:rPr lang="en-US" dirty="0" smtClean="0"/>
-              <a:t>kernel </a:t>
-            </a:r>
-            <a:r>
-              <a:rPr lang="en-US" dirty="0"/>
-              <a:t>‘ dofileread+0x95 </a:t>
-            </a:r>
-            <a:endParaRPr lang="en-US" dirty="0" smtClean="0"/>
-          </a:p>
-          <a:p>
-            <a:r>
-              <a:rPr lang="en-US" dirty="0" smtClean="0"/>
-              <a:t>kernel </a:t>
-            </a:r>
-            <a:r>
-              <a:rPr lang="en-US" dirty="0"/>
-              <a:t>‘ kern_readv+0x68 </a:t>
-            </a:r>
-            <a:endParaRPr lang="en-US" dirty="0" smtClean="0"/>
-          </a:p>
-          <a:p>
-            <a:r>
-              <a:rPr lang="en-US" dirty="0" smtClean="0"/>
-              <a:t>kernel </a:t>
-            </a:r>
-            <a:r>
-              <a:rPr lang="en-US" dirty="0"/>
-              <a:t>‘ sys_read+0x63</a:t>
-            </a:r>
-          </a:p>
-          <a:p>
-            <a:r>
-              <a:rPr lang="en-US" dirty="0"/>
-              <a:t>kernel ‘ amd64_syscall+0x351 </a:t>
-            </a:r>
-            <a:endParaRPr lang="en-US" dirty="0" smtClean="0"/>
-          </a:p>
-          <a:p>
-            <a:r>
-              <a:rPr lang="en-US" dirty="0" smtClean="0"/>
-              <a:t>kernel </a:t>
-            </a:r>
-            <a:r>
-              <a:rPr lang="en-US" dirty="0"/>
-              <a:t>‘0 xffffffff80d0aa6b</a:t>
-            </a:r>
-          </a:p>
-          <a:p>
-            <a:r>
-              <a:rPr lang="en-US" dirty="0"/>
-              <a:t>• Read upwards from the bottom</a:t>
-            </a:r>
-          </a:p>
-          <a:p>
-            <a:endParaRPr lang="en-US" dirty="0"/>
-          </a:p>
-        </p:txBody>
-      </p:sp>
-      <p:sp>
-        <p:nvSpPr>
-          <p:cNvPr id="4" name="Footer Placeholder 3"/>
-          <p:cNvSpPr>
-            <a:spLocks noGrp="1"/>
-          </p:cNvSpPr>
-          <p:nvPr>
-            <p:ph type="ftr" sz="quarter" idx="11"/>
-          </p:nvPr>
-        </p:nvSpPr>
-        <p:spPr/>
-        <p:txBody>
-          <a:bodyPr/>
-          <a:lstStyle/>
-          <a:p>
-            <a:r>
-              <a:rPr lang="en-US" smtClean="0"/>
-              <a:t>Introduction to Operating Systems</a:t>
-            </a:r>
-            <a:endParaRPr lang="en-US" dirty="0"/>
-          </a:p>
-        </p:txBody>
-      </p:sp>
-    </p:spTree>
-    <p:extLst>
-      <p:ext uri="{BB962C8B-B14F-4D97-AF65-F5344CB8AC3E}">
-        <p14:creationId xmlns:p14="http://schemas.microsoft.com/office/powerpoint/2010/main" val="1195354883"/>
       </p:ext>
     </p:extLst>
   </p:cSld>
@@ -15152,1264 +11369,6 @@
       </p:par>
     </p:tnLst>
   </p:timing>
-</p:sld>
-</file>
-
-<file path=ppt/slides/slide60.xml><?xml version="1.0" encoding="utf-8"?>
-<p:sld xmlns:a="http://schemas.openxmlformats.org/drawingml/2006/main" xmlns:r="http://schemas.openxmlformats.org/officeDocument/2006/relationships" xmlns:p="http://schemas.openxmlformats.org/presentationml/2006/main">
-  <p:cSld>
-    <p:spTree>
-      <p:nvGrpSpPr>
-        <p:cNvPr id="1" name=""/>
-        <p:cNvGrpSpPr/>
-        <p:nvPr/>
-      </p:nvGrpSpPr>
-      <p:grpSpPr>
-        <a:xfrm>
-          <a:off x="0" y="0"/>
-          <a:ext cx="0" cy="0"/>
-          <a:chOff x="0" y="0"/>
-          <a:chExt cx="0" cy="0"/>
-        </a:xfrm>
-      </p:grpSpPr>
-      <p:sp>
-        <p:nvSpPr>
-          <p:cNvPr id="2" name="Title 1"/>
-          <p:cNvSpPr>
-            <a:spLocks noGrp="1"/>
-          </p:cNvSpPr>
-          <p:nvPr>
-            <p:ph type="title"/>
-          </p:nvPr>
-        </p:nvSpPr>
-        <p:spPr/>
-        <p:txBody>
-          <a:bodyPr/>
-          <a:lstStyle/>
-          <a:p>
-            <a:r>
-              <a:rPr lang="en-US" dirty="0" err="1" smtClean="0"/>
-              <a:t>DTrace</a:t>
-            </a:r>
-            <a:r>
-              <a:rPr lang="en-US" dirty="0" smtClean="0"/>
-              <a:t> Toolkit</a:t>
-            </a:r>
-            <a:endParaRPr lang="en-US" dirty="0"/>
-          </a:p>
-        </p:txBody>
-      </p:sp>
-      <p:sp>
-        <p:nvSpPr>
-          <p:cNvPr id="3" name="Content Placeholder 2"/>
-          <p:cNvSpPr>
-            <a:spLocks noGrp="1"/>
-          </p:cNvSpPr>
-          <p:nvPr>
-            <p:ph idx="1"/>
-          </p:nvPr>
-        </p:nvSpPr>
-        <p:spPr/>
-        <p:txBody>
-          <a:bodyPr/>
-          <a:lstStyle/>
-          <a:p>
-            <a:r>
-              <a:rPr lang="en-US" dirty="0" smtClean="0"/>
-              <a:t>An </a:t>
-            </a:r>
-            <a:r>
-              <a:rPr lang="en-US" dirty="0"/>
-              <a:t>open source set of tools written to use D scripts </a:t>
-            </a:r>
-            <a:endParaRPr lang="en-US" dirty="0" smtClean="0"/>
-          </a:p>
-          <a:p>
-            <a:pPr lvl="1"/>
-            <a:r>
-              <a:rPr lang="en-US" dirty="0" smtClean="0"/>
-              <a:t>Originally </a:t>
-            </a:r>
-            <a:r>
-              <a:rPr lang="en-US" dirty="0"/>
-              <a:t>specific to Solaris</a:t>
-            </a:r>
-          </a:p>
-          <a:p>
-            <a:r>
-              <a:rPr lang="en-US" dirty="0" smtClean="0"/>
-              <a:t>Now a part of </a:t>
-            </a:r>
-            <a:r>
-              <a:rPr lang="en-US" dirty="0" err="1" smtClean="0"/>
-              <a:t>OpenDTrace</a:t>
-            </a:r>
-            <a:endParaRPr lang="en-US" dirty="0" smtClean="0"/>
-          </a:p>
-          <a:p>
-            <a:r>
-              <a:rPr lang="en-US" dirty="0" smtClean="0"/>
-              <a:t>Exists </a:t>
-            </a:r>
-            <a:r>
-              <a:rPr lang="en-US" dirty="0"/>
-              <a:t>as a FreeBSD port and package</a:t>
-            </a:r>
-          </a:p>
-          <a:p>
-            <a:r>
-              <a:rPr lang="en-US" dirty="0" smtClean="0"/>
-              <a:t>Currently </a:t>
-            </a:r>
-            <a:r>
-              <a:rPr lang="en-US" dirty="0"/>
-              <a:t>being updated with new scripts</a:t>
-            </a:r>
-          </a:p>
-          <a:p>
-            <a:endParaRPr lang="en-US" dirty="0"/>
-          </a:p>
-        </p:txBody>
-      </p:sp>
-      <p:sp>
-        <p:nvSpPr>
-          <p:cNvPr id="4" name="Footer Placeholder 3"/>
-          <p:cNvSpPr>
-            <a:spLocks noGrp="1"/>
-          </p:cNvSpPr>
-          <p:nvPr>
-            <p:ph type="ftr" sz="quarter" idx="11"/>
-          </p:nvPr>
-        </p:nvSpPr>
-        <p:spPr/>
-        <p:txBody>
-          <a:bodyPr/>
-          <a:lstStyle/>
-          <a:p>
-            <a:r>
-              <a:rPr lang="en-US" smtClean="0"/>
-              <a:t>Introduction to Operating Systems</a:t>
-            </a:r>
-            <a:endParaRPr lang="en-US" dirty="0"/>
-          </a:p>
-        </p:txBody>
-      </p:sp>
-    </p:spTree>
-    <p:extLst>
-      <p:ext uri="{BB962C8B-B14F-4D97-AF65-F5344CB8AC3E}">
-        <p14:creationId xmlns:p14="http://schemas.microsoft.com/office/powerpoint/2010/main" val="1420719983"/>
-      </p:ext>
-    </p:extLst>
-  </p:cSld>
-  <p:clrMapOvr>
-    <a:masterClrMapping/>
-  </p:clrMapOvr>
-</p:sld>
-</file>
-
-<file path=ppt/slides/slide61.xml><?xml version="1.0" encoding="utf-8"?>
-<p:sld xmlns:a="http://schemas.openxmlformats.org/drawingml/2006/main" xmlns:r="http://schemas.openxmlformats.org/officeDocument/2006/relationships" xmlns:p="http://schemas.openxmlformats.org/presentationml/2006/main">
-  <p:cSld>
-    <p:spTree>
-      <p:nvGrpSpPr>
-        <p:cNvPr id="1" name=""/>
-        <p:cNvGrpSpPr/>
-        <p:nvPr/>
-      </p:nvGrpSpPr>
-      <p:grpSpPr>
-        <a:xfrm>
-          <a:off x="0" y="0"/>
-          <a:ext cx="0" cy="0"/>
-          <a:chOff x="0" y="0"/>
-          <a:chExt cx="0" cy="0"/>
-        </a:xfrm>
-      </p:grpSpPr>
-      <p:sp>
-        <p:nvSpPr>
-          <p:cNvPr id="2" name="Title 1"/>
-          <p:cNvSpPr>
-            <a:spLocks noGrp="1"/>
-          </p:cNvSpPr>
-          <p:nvPr>
-            <p:ph type="title"/>
-          </p:nvPr>
-        </p:nvSpPr>
-        <p:spPr/>
-        <p:txBody>
-          <a:bodyPr/>
-          <a:lstStyle/>
-          <a:p>
-            <a:r>
-              <a:rPr lang="en-US" dirty="0" smtClean="0"/>
-              <a:t>An example script: </a:t>
-            </a:r>
-            <a:r>
-              <a:rPr lang="en-US" dirty="0" err="1" smtClean="0"/>
-              <a:t>hotkernel</a:t>
-            </a:r>
-            <a:endParaRPr lang="en-US" dirty="0"/>
-          </a:p>
-        </p:txBody>
-      </p:sp>
-      <p:sp>
-        <p:nvSpPr>
-          <p:cNvPr id="3" name="Content Placeholder 2"/>
-          <p:cNvSpPr>
-            <a:spLocks noGrp="1"/>
-          </p:cNvSpPr>
-          <p:nvPr>
-            <p:ph idx="1"/>
-          </p:nvPr>
-        </p:nvSpPr>
-        <p:spPr/>
-        <p:txBody>
-          <a:bodyPr>
-            <a:normAutofit fontScale="25000" lnSpcReduction="20000"/>
-          </a:bodyPr>
-          <a:lstStyle/>
-          <a:p>
-            <a:r>
-              <a:rPr lang="en-US" dirty="0"/>
-              <a:t>1 ./ </a:t>
-            </a:r>
-            <a:r>
-              <a:rPr lang="en-US" dirty="0" err="1"/>
-              <a:t>hotkernel</a:t>
-            </a:r>
-            <a:endParaRPr lang="en-US" dirty="0"/>
-          </a:p>
-          <a:p>
-            <a:r>
-              <a:rPr lang="en-US" dirty="0"/>
-              <a:t>2 Sampling... Hit Ctrl−C to end.</a:t>
-            </a:r>
-          </a:p>
-          <a:p>
-            <a:r>
-              <a:rPr lang="en-US" dirty="0"/>
-              <a:t>3 ^C</a:t>
-            </a:r>
-          </a:p>
-          <a:p>
-            <a:r>
-              <a:rPr lang="en-US" dirty="0"/>
-              <a:t>4 FUNCTION</a:t>
-            </a:r>
-          </a:p>
-          <a:p>
-            <a:r>
-              <a:rPr lang="en-US" dirty="0"/>
-              <a:t>5 kernel ‘ lookup</a:t>
-            </a:r>
-          </a:p>
-          <a:p>
-            <a:r>
-              <a:rPr lang="en-US" dirty="0"/>
-              <a:t>6 kernel ‘ </a:t>
-            </a:r>
-            <a:r>
-              <a:rPr lang="en-US" dirty="0" err="1"/>
-              <a:t>unlock_mtx</a:t>
-            </a:r>
-            <a:endParaRPr lang="en-US" dirty="0"/>
-          </a:p>
-          <a:p>
-            <a:r>
-              <a:rPr lang="en-US" dirty="0"/>
-              <a:t>7 kernel ‘ _</a:t>
-            </a:r>
-            <a:r>
-              <a:rPr lang="en-US" dirty="0" err="1"/>
-              <a:t>vm_page_deactivate</a:t>
-            </a:r>
-            <a:endParaRPr lang="en-US" dirty="0"/>
-          </a:p>
-          <a:p>
-            <a:r>
-              <a:rPr lang="en-US" dirty="0"/>
-              <a:t>8 ...</a:t>
-            </a:r>
-          </a:p>
-          <a:p>
-            <a:r>
-              <a:rPr lang="en-US" dirty="0"/>
-              <a:t>9 kernel ‘ amd64_syscall</a:t>
-            </a:r>
-          </a:p>
-          <a:p>
-            <a:r>
-              <a:rPr lang="en-US" dirty="0"/>
-              <a:t>10 k e r n e l ‘ </a:t>
-            </a:r>
-            <a:r>
-              <a:rPr lang="en-US" dirty="0" err="1"/>
-              <a:t>pmap_remove_pages</a:t>
-            </a:r>
-            <a:endParaRPr lang="en-US" dirty="0"/>
-          </a:p>
-          <a:p>
-            <a:r>
-              <a:rPr lang="en-US" dirty="0"/>
-              <a:t>11 kernel ‘ </a:t>
-            </a:r>
-            <a:r>
-              <a:rPr lang="en-US" dirty="0" err="1"/>
-              <a:t>hpet_get_timecount</a:t>
-            </a:r>
-            <a:endParaRPr lang="en-US" dirty="0"/>
-          </a:p>
-          <a:p>
-            <a:r>
-              <a:rPr lang="en-US" dirty="0"/>
-              <a:t>12 kernel ‘ </a:t>
-            </a:r>
-            <a:r>
-              <a:rPr lang="en-US" dirty="0" err="1"/>
-              <a:t>pagezero</a:t>
-            </a:r>
-            <a:endParaRPr lang="en-US" dirty="0"/>
-          </a:p>
-          <a:p>
-            <a:r>
-              <a:rPr lang="en-US" dirty="0"/>
-              <a:t>13 kernel ‘0 xffffffff80</a:t>
-            </a:r>
-          </a:p>
-          <a:p>
-            <a:r>
-              <a:rPr lang="en-US" dirty="0"/>
-              <a:t>14 kernel ‘ </a:t>
-            </a:r>
-            <a:r>
-              <a:rPr lang="en-US" dirty="0" err="1"/>
-              <a:t>spinlock_exit</a:t>
-            </a:r>
-            <a:endParaRPr lang="en-US" dirty="0"/>
-          </a:p>
-          <a:p>
-            <a:r>
-              <a:rPr lang="en-US" dirty="0"/>
-              <a:t>15 kernel ‘ acpi_cpu_c1</a:t>
-            </a:r>
-          </a:p>
-          <a:p>
-            <a:r>
-              <a:rPr lang="en-US" dirty="0"/>
-              <a:t>COUNT PCNT 1 0.1% 1 0.1% 1 0.1%</a:t>
-            </a:r>
-          </a:p>
-          <a:p>
-            <a:r>
-              <a:rPr lang="en-US" dirty="0"/>
-              <a:t>9 0.5%</a:t>
-            </a:r>
-          </a:p>
-          <a:p>
-            <a:r>
-              <a:rPr lang="en-US" dirty="0"/>
-              <a:t>9 0.5% 13 0.7% 15 0.8% 34 1.9%</a:t>
-            </a:r>
-          </a:p>
-          <a:p>
-            <a:r>
-              <a:rPr lang="en-US" dirty="0"/>
-              <a:t>486 27.0% 965 53.6%</a:t>
-            </a:r>
-          </a:p>
-          <a:p>
-            <a:endParaRPr lang="en-US" dirty="0"/>
-          </a:p>
-        </p:txBody>
-      </p:sp>
-      <p:sp>
-        <p:nvSpPr>
-          <p:cNvPr id="4" name="Footer Placeholder 3"/>
-          <p:cNvSpPr>
-            <a:spLocks noGrp="1"/>
-          </p:cNvSpPr>
-          <p:nvPr>
-            <p:ph type="ftr" sz="quarter" idx="11"/>
-          </p:nvPr>
-        </p:nvSpPr>
-        <p:spPr/>
-        <p:txBody>
-          <a:bodyPr/>
-          <a:lstStyle/>
-          <a:p>
-            <a:r>
-              <a:rPr lang="en-US" smtClean="0"/>
-              <a:t>Introduction to Operating Systems</a:t>
-            </a:r>
-            <a:endParaRPr lang="en-US" dirty="0"/>
-          </a:p>
-        </p:txBody>
-      </p:sp>
-    </p:spTree>
-    <p:extLst>
-      <p:ext uri="{BB962C8B-B14F-4D97-AF65-F5344CB8AC3E}">
-        <p14:creationId xmlns:p14="http://schemas.microsoft.com/office/powerpoint/2010/main" val="1029018370"/>
-      </p:ext>
-    </p:extLst>
-  </p:cSld>
-  <p:clrMapOvr>
-    <a:masterClrMapping/>
-  </p:clrMapOvr>
-</p:sld>
-</file>
-
-<file path=ppt/slides/slide62.xml><?xml version="1.0" encoding="utf-8"?>
-<p:sld xmlns:a="http://schemas.openxmlformats.org/drawingml/2006/main" xmlns:r="http://schemas.openxmlformats.org/officeDocument/2006/relationships" xmlns:p="http://schemas.openxmlformats.org/presentationml/2006/main">
-  <p:cSld>
-    <p:spTree>
-      <p:nvGrpSpPr>
-        <p:cNvPr id="1" name=""/>
-        <p:cNvGrpSpPr/>
-        <p:nvPr/>
-      </p:nvGrpSpPr>
-      <p:grpSpPr>
-        <a:xfrm>
-          <a:off x="0" y="0"/>
-          <a:ext cx="0" cy="0"/>
-          <a:chOff x="0" y="0"/>
-          <a:chExt cx="0" cy="0"/>
-        </a:xfrm>
-      </p:grpSpPr>
-      <p:sp>
-        <p:nvSpPr>
-          <p:cNvPr id="2" name="Title 1"/>
-          <p:cNvSpPr>
-            <a:spLocks noGrp="1"/>
-          </p:cNvSpPr>
-          <p:nvPr>
-            <p:ph type="title"/>
-          </p:nvPr>
-        </p:nvSpPr>
-        <p:spPr/>
-        <p:txBody>
-          <a:bodyPr/>
-          <a:lstStyle/>
-          <a:p>
-            <a:r>
-              <a:rPr lang="en-US" dirty="0" smtClean="0"/>
-              <a:t>Predicates</a:t>
-            </a:r>
-            <a:endParaRPr lang="en-US" dirty="0"/>
-          </a:p>
-        </p:txBody>
-      </p:sp>
-      <p:sp>
-        <p:nvSpPr>
-          <p:cNvPr id="3" name="Content Placeholder 2"/>
-          <p:cNvSpPr>
-            <a:spLocks noGrp="1"/>
-          </p:cNvSpPr>
-          <p:nvPr>
-            <p:ph idx="1"/>
-          </p:nvPr>
-        </p:nvSpPr>
-        <p:spPr/>
-        <p:txBody>
-          <a:bodyPr/>
-          <a:lstStyle/>
-          <a:p>
-            <a:r>
-              <a:rPr lang="en-US" dirty="0" smtClean="0"/>
-              <a:t>Filtering </a:t>
-            </a:r>
-            <a:r>
-              <a:rPr lang="en-US" dirty="0"/>
-              <a:t>probes based on relevant data</a:t>
-            </a:r>
-          </a:p>
-          <a:p>
-            <a:r>
-              <a:rPr lang="en-US" dirty="0" smtClean="0"/>
-              <a:t>Useful </a:t>
-            </a:r>
-            <a:r>
-              <a:rPr lang="en-US" dirty="0"/>
-              <a:t>for excluding common conditions</a:t>
-            </a:r>
-          </a:p>
-          <a:p>
-            <a:r>
-              <a:rPr lang="en-US" dirty="0" smtClean="0"/>
-              <a:t>/</a:t>
-            </a:r>
-            <a:r>
-              <a:rPr lang="en-US" dirty="0"/>
-              <a:t>arg0 != 0/ Ignore a normal return </a:t>
-            </a:r>
-            <a:r>
-              <a:rPr lang="en-US" dirty="0" smtClean="0"/>
-              <a:t>value</a:t>
-            </a:r>
-            <a:endParaRPr lang="en-US" dirty="0"/>
-          </a:p>
-        </p:txBody>
-      </p:sp>
-      <p:sp>
-        <p:nvSpPr>
-          <p:cNvPr id="4" name="Footer Placeholder 3"/>
-          <p:cNvSpPr>
-            <a:spLocks noGrp="1"/>
-          </p:cNvSpPr>
-          <p:nvPr>
-            <p:ph type="ftr" sz="quarter" idx="11"/>
-          </p:nvPr>
-        </p:nvSpPr>
-        <p:spPr/>
-        <p:txBody>
-          <a:bodyPr/>
-          <a:lstStyle/>
-          <a:p>
-            <a:r>
-              <a:rPr lang="en-US" smtClean="0"/>
-              <a:t>Introduction to Operating Systems</a:t>
-            </a:r>
-            <a:endParaRPr lang="en-US" dirty="0"/>
-          </a:p>
-        </p:txBody>
-      </p:sp>
-    </p:spTree>
-    <p:extLst>
-      <p:ext uri="{BB962C8B-B14F-4D97-AF65-F5344CB8AC3E}">
-        <p14:creationId xmlns:p14="http://schemas.microsoft.com/office/powerpoint/2010/main" val="326745543"/>
-      </p:ext>
-    </p:extLst>
-  </p:cSld>
-  <p:clrMapOvr>
-    <a:masterClrMapping/>
-  </p:clrMapOvr>
-</p:sld>
-</file>
-
-<file path=ppt/slides/slide63.xml><?xml version="1.0" encoding="utf-8"?>
-<p:sld xmlns:a="http://schemas.openxmlformats.org/drawingml/2006/main" xmlns:r="http://schemas.openxmlformats.org/officeDocument/2006/relationships" xmlns:p="http://schemas.openxmlformats.org/presentationml/2006/main">
-  <p:cSld>
-    <p:spTree>
-      <p:nvGrpSpPr>
-        <p:cNvPr id="1" name=""/>
-        <p:cNvGrpSpPr/>
-        <p:nvPr/>
-      </p:nvGrpSpPr>
-      <p:grpSpPr>
-        <a:xfrm>
-          <a:off x="0" y="0"/>
-          <a:ext cx="0" cy="0"/>
-          <a:chOff x="0" y="0"/>
-          <a:chExt cx="0" cy="0"/>
-        </a:xfrm>
-      </p:grpSpPr>
-      <p:sp>
-        <p:nvSpPr>
-          <p:cNvPr id="2" name="Title 1"/>
-          <p:cNvSpPr>
-            <a:spLocks noGrp="1"/>
-          </p:cNvSpPr>
-          <p:nvPr>
-            <p:ph type="title"/>
-          </p:nvPr>
-        </p:nvSpPr>
-        <p:spPr/>
-        <p:txBody>
-          <a:bodyPr/>
-          <a:lstStyle/>
-          <a:p>
-            <a:r>
-              <a:rPr lang="en-US" dirty="0" smtClean="0"/>
-              <a:t>Tracing a Specific Process</a:t>
-            </a:r>
-            <a:endParaRPr lang="en-US" dirty="0"/>
-          </a:p>
-        </p:txBody>
-      </p:sp>
-      <p:sp>
-        <p:nvSpPr>
-          <p:cNvPr id="3" name="Content Placeholder 2"/>
-          <p:cNvSpPr>
-            <a:spLocks noGrp="1"/>
-          </p:cNvSpPr>
-          <p:nvPr>
-            <p:ph idx="1"/>
-          </p:nvPr>
-        </p:nvSpPr>
-        <p:spPr/>
-        <p:txBody>
-          <a:bodyPr/>
-          <a:lstStyle/>
-          <a:p>
-            <a:r>
-              <a:rPr lang="en-US" dirty="0" err="1" smtClean="0"/>
-              <a:t>pid</a:t>
-            </a:r>
-            <a:r>
-              <a:rPr lang="en-US" dirty="0" smtClean="0"/>
-              <a:t> </a:t>
-            </a:r>
-            <a:r>
-              <a:rPr lang="en-US" dirty="0"/>
-              <a:t>is used to track a Process ID </a:t>
-            </a:r>
-            <a:endParaRPr lang="en-US" dirty="0" smtClean="0"/>
-          </a:p>
-          <a:p>
-            <a:r>
-              <a:rPr lang="en-US" dirty="0" smtClean="0"/>
-              <a:t>Used </a:t>
-            </a:r>
-            <a:r>
-              <a:rPr lang="en-US" dirty="0"/>
-              <a:t>in predicates</a:t>
-            </a:r>
-          </a:p>
-          <a:p>
-            <a:r>
-              <a:rPr lang="en-US" dirty="0" smtClean="0"/>
-              <a:t>/</a:t>
-            </a:r>
-            <a:r>
-              <a:rPr lang="en-US" dirty="0" err="1"/>
-              <a:t>pid</a:t>
-            </a:r>
-            <a:r>
-              <a:rPr lang="en-US" dirty="0"/>
-              <a:t> == 1234/</a:t>
-            </a:r>
-          </a:p>
-          <a:p>
-            <a:endParaRPr lang="en-US" dirty="0"/>
-          </a:p>
-        </p:txBody>
-      </p:sp>
-      <p:sp>
-        <p:nvSpPr>
-          <p:cNvPr id="4" name="Footer Placeholder 3"/>
-          <p:cNvSpPr>
-            <a:spLocks noGrp="1"/>
-          </p:cNvSpPr>
-          <p:nvPr>
-            <p:ph type="ftr" sz="quarter" idx="11"/>
-          </p:nvPr>
-        </p:nvSpPr>
-        <p:spPr/>
-        <p:txBody>
-          <a:bodyPr/>
-          <a:lstStyle/>
-          <a:p>
-            <a:r>
-              <a:rPr lang="en-US" smtClean="0"/>
-              <a:t>Introduction to Operating Systems</a:t>
-            </a:r>
-            <a:endParaRPr lang="en-US" dirty="0"/>
-          </a:p>
-        </p:txBody>
-      </p:sp>
-    </p:spTree>
-    <p:extLst>
-      <p:ext uri="{BB962C8B-B14F-4D97-AF65-F5344CB8AC3E}">
-        <p14:creationId xmlns:p14="http://schemas.microsoft.com/office/powerpoint/2010/main" val="497378810"/>
-      </p:ext>
-    </p:extLst>
-  </p:cSld>
-  <p:clrMapOvr>
-    <a:masterClrMapping/>
-  </p:clrMapOvr>
-</p:sld>
-</file>
-
-<file path=ppt/slides/slide64.xml><?xml version="1.0" encoding="utf-8"?>
-<p:sld xmlns:a="http://schemas.openxmlformats.org/drawingml/2006/main" xmlns:r="http://schemas.openxmlformats.org/officeDocument/2006/relationships" xmlns:p="http://schemas.openxmlformats.org/presentationml/2006/main">
-  <p:cSld>
-    <p:spTree>
-      <p:nvGrpSpPr>
-        <p:cNvPr id="1" name=""/>
-        <p:cNvGrpSpPr/>
-        <p:nvPr/>
-      </p:nvGrpSpPr>
-      <p:grpSpPr>
-        <a:xfrm>
-          <a:off x="0" y="0"/>
-          <a:ext cx="0" cy="0"/>
-          <a:chOff x="0" y="0"/>
-          <a:chExt cx="0" cy="0"/>
-        </a:xfrm>
-      </p:grpSpPr>
-      <p:sp>
-        <p:nvSpPr>
-          <p:cNvPr id="2" name="Title 1"/>
-          <p:cNvSpPr>
-            <a:spLocks noGrp="1"/>
-          </p:cNvSpPr>
-          <p:nvPr>
-            <p:ph type="title"/>
-          </p:nvPr>
-        </p:nvSpPr>
-        <p:spPr/>
-        <p:txBody>
-          <a:bodyPr/>
-          <a:lstStyle/>
-          <a:p>
-            <a:r>
-              <a:rPr lang="en-US" dirty="0" smtClean="0"/>
-              <a:t>Running a Program Under </a:t>
-            </a:r>
-            <a:r>
-              <a:rPr lang="en-US" dirty="0" err="1" smtClean="0"/>
-              <a:t>DTrace</a:t>
-            </a:r>
-            <a:endParaRPr lang="en-US" dirty="0"/>
-          </a:p>
-        </p:txBody>
-      </p:sp>
-      <p:sp>
-        <p:nvSpPr>
-          <p:cNvPr id="3" name="Content Placeholder 2"/>
-          <p:cNvSpPr>
-            <a:spLocks noGrp="1"/>
-          </p:cNvSpPr>
-          <p:nvPr>
-            <p:ph idx="1"/>
-          </p:nvPr>
-        </p:nvSpPr>
-        <p:spPr/>
-        <p:txBody>
-          <a:bodyPr/>
-          <a:lstStyle/>
-          <a:p>
-            <a:r>
-              <a:rPr lang="en-US" dirty="0" err="1" smtClean="0"/>
-              <a:t>DTrace</a:t>
-            </a:r>
-            <a:r>
-              <a:rPr lang="en-US" dirty="0" smtClean="0"/>
-              <a:t> </a:t>
-            </a:r>
-            <a:r>
-              <a:rPr lang="en-US" dirty="0"/>
-              <a:t>is most often used on running systems </a:t>
-            </a:r>
-            <a:endParaRPr lang="en-US" dirty="0" smtClean="0"/>
-          </a:p>
-          <a:p>
-            <a:r>
-              <a:rPr lang="en-US" dirty="0" err="1" smtClean="0"/>
-              <a:t>DTrace</a:t>
-            </a:r>
-            <a:r>
-              <a:rPr lang="en-US" dirty="0" smtClean="0"/>
-              <a:t> </a:t>
-            </a:r>
-            <a:r>
-              <a:rPr lang="en-US" dirty="0"/>
-              <a:t>can be attached at runtime to a program</a:t>
-            </a:r>
-          </a:p>
-          <a:p>
-            <a:pPr lvl="1"/>
-            <a:r>
-              <a:rPr lang="en-US" dirty="0" err="1" smtClean="0">
-                <a:latin typeface="Courier" charset="0"/>
-                <a:ea typeface="Courier" charset="0"/>
-                <a:cs typeface="Courier" charset="0"/>
-              </a:rPr>
-              <a:t>dtrace</a:t>
-            </a:r>
-            <a:r>
-              <a:rPr lang="en-US" dirty="0" smtClean="0">
-                <a:latin typeface="Courier" charset="0"/>
-                <a:ea typeface="Courier" charset="0"/>
-                <a:cs typeface="Courier" charset="0"/>
-              </a:rPr>
-              <a:t> </a:t>
-            </a:r>
-            <a:r>
-              <a:rPr lang="en-US" dirty="0">
-                <a:latin typeface="Courier" charset="0"/>
-                <a:ea typeface="Courier" charset="0"/>
-                <a:cs typeface="Courier" charset="0"/>
-              </a:rPr>
-              <a:t>-p </a:t>
-            </a:r>
-            <a:r>
-              <a:rPr lang="en-US" dirty="0" err="1">
-                <a:latin typeface="Courier" charset="0"/>
-                <a:ea typeface="Courier" charset="0"/>
-                <a:cs typeface="Courier" charset="0"/>
-              </a:rPr>
-              <a:t>pid</a:t>
-            </a:r>
-            <a:r>
-              <a:rPr lang="en-US" dirty="0">
-                <a:latin typeface="Courier" charset="0"/>
-                <a:ea typeface="Courier" charset="0"/>
-                <a:cs typeface="Courier" charset="0"/>
-              </a:rPr>
-              <a:t> ...</a:t>
-            </a:r>
-          </a:p>
-          <a:p>
-            <a:r>
-              <a:rPr lang="en-US" dirty="0" smtClean="0"/>
-              <a:t>Run </a:t>
-            </a:r>
-            <a:r>
-              <a:rPr lang="en-US" dirty="0"/>
-              <a:t>a program completely under the control of </a:t>
-            </a:r>
-            <a:r>
-              <a:rPr lang="en-US" dirty="0" err="1"/>
-              <a:t>DTrace</a:t>
-            </a:r>
-            <a:endParaRPr lang="en-US" dirty="0"/>
-          </a:p>
-          <a:p>
-            <a:pPr lvl="1"/>
-            <a:r>
-              <a:rPr lang="en-US" dirty="0" err="1" smtClean="0">
-                <a:latin typeface="Courier" charset="0"/>
-                <a:ea typeface="Courier" charset="0"/>
-                <a:cs typeface="Courier" charset="0"/>
-              </a:rPr>
-              <a:t>dtrace</a:t>
-            </a:r>
-            <a:r>
-              <a:rPr lang="en-US" dirty="0" smtClean="0">
-                <a:latin typeface="Courier" charset="0"/>
-                <a:ea typeface="Courier" charset="0"/>
-                <a:cs typeface="Courier" charset="0"/>
-              </a:rPr>
-              <a:t> </a:t>
-            </a:r>
-            <a:r>
-              <a:rPr lang="en-US" dirty="0">
-                <a:latin typeface="Courier" charset="0"/>
-                <a:ea typeface="Courier" charset="0"/>
-                <a:cs typeface="Courier" charset="0"/>
-              </a:rPr>
-              <a:t>-c </a:t>
-            </a:r>
-            <a:r>
-              <a:rPr lang="en-US" dirty="0" err="1">
-                <a:latin typeface="Courier" charset="0"/>
-                <a:ea typeface="Courier" charset="0"/>
-                <a:cs typeface="Courier" charset="0"/>
-              </a:rPr>
-              <a:t>cmd</a:t>
-            </a:r>
-            <a:r>
-              <a:rPr lang="en-US" dirty="0">
-                <a:latin typeface="Courier" charset="0"/>
-                <a:ea typeface="Courier" charset="0"/>
-                <a:cs typeface="Courier" charset="0"/>
-              </a:rPr>
-              <a:t> ...</a:t>
-            </a:r>
-          </a:p>
-          <a:p>
-            <a:endParaRPr lang="en-US" dirty="0"/>
-          </a:p>
-        </p:txBody>
-      </p:sp>
-      <p:sp>
-        <p:nvSpPr>
-          <p:cNvPr id="4" name="Footer Placeholder 3"/>
-          <p:cNvSpPr>
-            <a:spLocks noGrp="1"/>
-          </p:cNvSpPr>
-          <p:nvPr>
-            <p:ph type="ftr" sz="quarter" idx="11"/>
-          </p:nvPr>
-        </p:nvSpPr>
-        <p:spPr/>
-        <p:txBody>
-          <a:bodyPr/>
-          <a:lstStyle/>
-          <a:p>
-            <a:r>
-              <a:rPr lang="en-US" smtClean="0"/>
-              <a:t>Introduction to Operating Systems</a:t>
-            </a:r>
-            <a:endParaRPr lang="en-US" dirty="0"/>
-          </a:p>
-        </p:txBody>
-      </p:sp>
-    </p:spTree>
-    <p:extLst>
-      <p:ext uri="{BB962C8B-B14F-4D97-AF65-F5344CB8AC3E}">
-        <p14:creationId xmlns:p14="http://schemas.microsoft.com/office/powerpoint/2010/main" val="2006681918"/>
-      </p:ext>
-    </p:extLst>
-  </p:cSld>
-  <p:clrMapOvr>
-    <a:masterClrMapping/>
-  </p:clrMapOvr>
-</p:sld>
-</file>
-
-<file path=ppt/slides/slide65.xml><?xml version="1.0" encoding="utf-8"?>
-<p:sld xmlns:a="http://schemas.openxmlformats.org/drawingml/2006/main" xmlns:r="http://schemas.openxmlformats.org/officeDocument/2006/relationships" xmlns:p="http://schemas.openxmlformats.org/presentationml/2006/main">
-  <p:cSld>
-    <p:spTree>
-      <p:nvGrpSpPr>
-        <p:cNvPr id="1" name=""/>
-        <p:cNvGrpSpPr/>
-        <p:nvPr/>
-      </p:nvGrpSpPr>
-      <p:grpSpPr>
-        <a:xfrm>
-          <a:off x="0" y="0"/>
-          <a:ext cx="0" cy="0"/>
-          <a:chOff x="0" y="0"/>
-          <a:chExt cx="0" cy="0"/>
-        </a:xfrm>
-      </p:grpSpPr>
-      <p:sp>
-        <p:nvSpPr>
-          <p:cNvPr id="2" name="Title 1"/>
-          <p:cNvSpPr>
-            <a:spLocks noGrp="1"/>
-          </p:cNvSpPr>
-          <p:nvPr>
-            <p:ph type="title"/>
-          </p:nvPr>
-        </p:nvSpPr>
-        <p:spPr/>
-        <p:txBody>
-          <a:bodyPr/>
-          <a:lstStyle/>
-          <a:p>
-            <a:r>
-              <a:rPr lang="en-US" dirty="0" smtClean="0"/>
-              <a:t>Going too far</a:t>
-            </a:r>
-            <a:endParaRPr lang="en-US" dirty="0"/>
-          </a:p>
-        </p:txBody>
-      </p:sp>
-      <p:sp>
-        <p:nvSpPr>
-          <p:cNvPr id="3" name="Content Placeholder 2"/>
-          <p:cNvSpPr>
-            <a:spLocks noGrp="1"/>
-          </p:cNvSpPr>
-          <p:nvPr>
-            <p:ph idx="1"/>
-          </p:nvPr>
-        </p:nvSpPr>
-        <p:spPr/>
-        <p:txBody>
-          <a:bodyPr/>
-          <a:lstStyle/>
-          <a:p>
-            <a:r>
-              <a:rPr lang="en-US" dirty="0" smtClean="0"/>
-              <a:t>Overly </a:t>
-            </a:r>
-            <a:r>
-              <a:rPr lang="en-US" dirty="0"/>
-              <a:t>broad probes slow down the system</a:t>
-            </a:r>
-          </a:p>
-          <a:p>
-            <a:r>
-              <a:rPr lang="en-US" dirty="0" smtClean="0"/>
-              <a:t>Watching </a:t>
-            </a:r>
-            <a:r>
-              <a:rPr lang="en-US" dirty="0"/>
-              <a:t>everything in the kernel </a:t>
-            </a:r>
-            <a:endParaRPr lang="en-US" dirty="0" smtClean="0"/>
-          </a:p>
-          <a:p>
-            <a:r>
-              <a:rPr lang="en-US" dirty="0" smtClean="0"/>
-              <a:t>Registering </a:t>
-            </a:r>
-            <a:r>
-              <a:rPr lang="en-US" dirty="0"/>
-              <a:t>a probe on a module</a:t>
-            </a:r>
-          </a:p>
-          <a:p>
-            <a:endParaRPr lang="en-US" dirty="0"/>
-          </a:p>
-        </p:txBody>
-      </p:sp>
-      <p:sp>
-        <p:nvSpPr>
-          <p:cNvPr id="4" name="Footer Placeholder 3"/>
-          <p:cNvSpPr>
-            <a:spLocks noGrp="1"/>
-          </p:cNvSpPr>
-          <p:nvPr>
-            <p:ph type="ftr" sz="quarter" idx="11"/>
-          </p:nvPr>
-        </p:nvSpPr>
-        <p:spPr/>
-        <p:txBody>
-          <a:bodyPr/>
-          <a:lstStyle/>
-          <a:p>
-            <a:r>
-              <a:rPr lang="en-US" smtClean="0"/>
-              <a:t>Introduction to Operating Systems</a:t>
-            </a:r>
-            <a:endParaRPr lang="en-US" dirty="0"/>
-          </a:p>
-        </p:txBody>
-      </p:sp>
-    </p:spTree>
-    <p:extLst>
-      <p:ext uri="{BB962C8B-B14F-4D97-AF65-F5344CB8AC3E}">
-        <p14:creationId xmlns:p14="http://schemas.microsoft.com/office/powerpoint/2010/main" val="134334393"/>
-      </p:ext>
-    </p:extLst>
-  </p:cSld>
-  <p:clrMapOvr>
-    <a:masterClrMapping/>
-  </p:clrMapOvr>
-</p:sld>
-</file>
-
-<file path=ppt/slides/slide66.xml><?xml version="1.0" encoding="utf-8"?>
-<p:sld xmlns:a="http://schemas.openxmlformats.org/drawingml/2006/main" xmlns:r="http://schemas.openxmlformats.org/officeDocument/2006/relationships" xmlns:p="http://schemas.openxmlformats.org/presentationml/2006/main">
-  <p:cSld>
-    <p:spTree>
-      <p:nvGrpSpPr>
-        <p:cNvPr id="1" name=""/>
-        <p:cNvGrpSpPr/>
-        <p:nvPr/>
-      </p:nvGrpSpPr>
-      <p:grpSpPr>
-        <a:xfrm>
-          <a:off x="0" y="0"/>
-          <a:ext cx="0" cy="0"/>
-          <a:chOff x="0" y="0"/>
-          <a:chExt cx="0" cy="0"/>
-        </a:xfrm>
-      </p:grpSpPr>
-      <p:sp>
-        <p:nvSpPr>
-          <p:cNvPr id="2" name="Title 1"/>
-          <p:cNvSpPr>
-            <a:spLocks noGrp="1"/>
-          </p:cNvSpPr>
-          <p:nvPr>
-            <p:ph type="title"/>
-          </p:nvPr>
-        </p:nvSpPr>
-        <p:spPr/>
-        <p:txBody>
-          <a:bodyPr/>
-          <a:lstStyle/>
-          <a:p>
-            <a:r>
-              <a:rPr lang="en-US" dirty="0" smtClean="0"/>
-              <a:t>The Probe Effect</a:t>
-            </a:r>
-            <a:endParaRPr lang="en-US" dirty="0"/>
-          </a:p>
-        </p:txBody>
-      </p:sp>
-      <p:sp>
-        <p:nvSpPr>
-          <p:cNvPr id="3" name="Content Placeholder 2"/>
-          <p:cNvSpPr>
-            <a:spLocks noGrp="1"/>
-          </p:cNvSpPr>
-          <p:nvPr>
-            <p:ph idx="1"/>
-          </p:nvPr>
-        </p:nvSpPr>
-        <p:spPr/>
-        <p:txBody>
-          <a:bodyPr/>
-          <a:lstStyle/>
-          <a:p>
-            <a:r>
-              <a:rPr lang="en-US" dirty="0" smtClean="0"/>
-              <a:t>Each </a:t>
-            </a:r>
-            <a:r>
-              <a:rPr lang="en-US" dirty="0"/>
-              <a:t>probe point has a cost</a:t>
-            </a:r>
-          </a:p>
-          <a:p>
-            <a:r>
-              <a:rPr lang="en-US" dirty="0" smtClean="0"/>
-              <a:t>Every </a:t>
-            </a:r>
-            <a:r>
-              <a:rPr lang="en-US" dirty="0"/>
-              <a:t>action has a reaction</a:t>
-            </a:r>
-          </a:p>
-          <a:p>
-            <a:r>
-              <a:rPr lang="en-US" dirty="0" smtClean="0"/>
-              <a:t>Any </a:t>
-            </a:r>
-            <a:r>
-              <a:rPr lang="en-US" dirty="0"/>
-              <a:t>action code requires time to run </a:t>
-            </a:r>
-            <a:endParaRPr lang="en-US" dirty="0" smtClean="0"/>
-          </a:p>
-          <a:p>
-            <a:r>
-              <a:rPr lang="en-US" dirty="0" smtClean="0"/>
-              <a:t>Impacts </a:t>
-            </a:r>
-            <a:r>
-              <a:rPr lang="en-US" dirty="0"/>
-              <a:t>system performance</a:t>
-            </a:r>
-          </a:p>
-        </p:txBody>
-      </p:sp>
-      <p:sp>
-        <p:nvSpPr>
-          <p:cNvPr id="4" name="Footer Placeholder 3"/>
-          <p:cNvSpPr>
-            <a:spLocks noGrp="1"/>
-          </p:cNvSpPr>
-          <p:nvPr>
-            <p:ph type="ftr" sz="quarter" idx="11"/>
-          </p:nvPr>
-        </p:nvSpPr>
-        <p:spPr/>
-        <p:txBody>
-          <a:bodyPr/>
-          <a:lstStyle/>
-          <a:p>
-            <a:r>
-              <a:rPr lang="en-US" smtClean="0"/>
-              <a:t>Introduction to Operating Systems</a:t>
-            </a:r>
-            <a:endParaRPr lang="en-US" dirty="0"/>
-          </a:p>
-        </p:txBody>
-      </p:sp>
-    </p:spTree>
-    <p:extLst>
-      <p:ext uri="{BB962C8B-B14F-4D97-AF65-F5344CB8AC3E}">
-        <p14:creationId xmlns:p14="http://schemas.microsoft.com/office/powerpoint/2010/main" val="962181429"/>
-      </p:ext>
-    </p:extLst>
-  </p:cSld>
-  <p:clrMapOvr>
-    <a:masterClrMapping/>
-  </p:clrMapOvr>
-</p:sld>
-</file>
-
-<file path=ppt/slides/slide67.xml><?xml version="1.0" encoding="utf-8"?>
-<p:sld xmlns:a="http://schemas.openxmlformats.org/drawingml/2006/main" xmlns:r="http://schemas.openxmlformats.org/officeDocument/2006/relationships" xmlns:p="http://schemas.openxmlformats.org/presentationml/2006/main">
-  <p:cSld>
-    <p:spTree>
-      <p:nvGrpSpPr>
-        <p:cNvPr id="1" name=""/>
-        <p:cNvGrpSpPr/>
-        <p:nvPr/>
-      </p:nvGrpSpPr>
-      <p:grpSpPr>
-        <a:xfrm>
-          <a:off x="0" y="0"/>
-          <a:ext cx="0" cy="0"/>
-          <a:chOff x="0" y="0"/>
-          <a:chExt cx="0" cy="0"/>
-        </a:xfrm>
-      </p:grpSpPr>
-      <p:sp>
-        <p:nvSpPr>
-          <p:cNvPr id="2" name="Title 1"/>
-          <p:cNvSpPr>
-            <a:spLocks noGrp="1"/>
-          </p:cNvSpPr>
-          <p:nvPr>
-            <p:ph type="title"/>
-          </p:nvPr>
-        </p:nvSpPr>
-        <p:spPr/>
-        <p:txBody>
-          <a:bodyPr/>
-          <a:lstStyle/>
-          <a:p>
-            <a:r>
-              <a:rPr lang="en-US" dirty="0" smtClean="0"/>
-              <a:t>Into the Laboratory</a:t>
-            </a:r>
-            <a:endParaRPr lang="en-US" dirty="0"/>
-          </a:p>
-        </p:txBody>
-      </p:sp>
-      <p:sp>
-        <p:nvSpPr>
-          <p:cNvPr id="3" name="Content Placeholder 2"/>
-          <p:cNvSpPr>
-            <a:spLocks noGrp="1"/>
-          </p:cNvSpPr>
-          <p:nvPr>
-            <p:ph idx="1"/>
-          </p:nvPr>
-        </p:nvSpPr>
-        <p:spPr/>
-        <p:txBody>
-          <a:bodyPr/>
-          <a:lstStyle/>
-          <a:p>
-            <a:r>
-              <a:rPr lang="en-US" dirty="0" smtClean="0"/>
-              <a:t>Time </a:t>
-            </a:r>
-            <a:r>
-              <a:rPr lang="en-US" smtClean="0"/>
-              <a:t>to begin Lab </a:t>
-            </a:r>
-            <a:r>
-              <a:rPr lang="en-US" dirty="0" smtClean="0"/>
-              <a:t>1</a:t>
-            </a:r>
-            <a:endParaRPr lang="en-US" dirty="0"/>
-          </a:p>
-        </p:txBody>
-      </p:sp>
-      <p:sp>
-        <p:nvSpPr>
-          <p:cNvPr id="4" name="Footer Placeholder 3"/>
-          <p:cNvSpPr>
-            <a:spLocks noGrp="1"/>
-          </p:cNvSpPr>
-          <p:nvPr>
-            <p:ph type="ftr" sz="quarter" idx="11"/>
-          </p:nvPr>
-        </p:nvSpPr>
-        <p:spPr/>
-        <p:txBody>
-          <a:bodyPr/>
-          <a:lstStyle/>
-          <a:p>
-            <a:r>
-              <a:rPr lang="en-US" smtClean="0"/>
-              <a:t>Introduction to Operating Systems</a:t>
-            </a:r>
-            <a:endParaRPr lang="en-US" dirty="0"/>
-          </a:p>
-        </p:txBody>
-      </p:sp>
-    </p:spTree>
-    <p:extLst>
-      <p:ext uri="{BB962C8B-B14F-4D97-AF65-F5344CB8AC3E}">
-        <p14:creationId xmlns:p14="http://schemas.microsoft.com/office/powerpoint/2010/main" val="1526557644"/>
-      </p:ext>
-    </p:extLst>
-  </p:cSld>
-  <p:clrMapOvr>
-    <a:masterClrMapping/>
-  </p:clrMapOvr>
 </p:sld>
 </file>
 

--- a/undergraduate/lectures/introduction.pptx
+++ b/undergraduate/lectures/introduction.pptx
@@ -5,7 +5,7 @@
     <p:sldMasterId id="2147483786" r:id="rId1"/>
   </p:sldMasterIdLst>
   <p:notesMasterIdLst>
-    <p:notesMasterId r:id="rId42"/>
+    <p:notesMasterId r:id="rId53"/>
   </p:notesMasterIdLst>
   <p:sldIdLst>
     <p:sldId id="256" r:id="rId2"/>
@@ -23,31 +23,42 @@
     <p:sldId id="272" r:id="rId14"/>
     <p:sldId id="273" r:id="rId15"/>
     <p:sldId id="264" r:id="rId16"/>
-    <p:sldId id="265" r:id="rId17"/>
-    <p:sldId id="274" r:id="rId18"/>
-    <p:sldId id="275" r:id="rId19"/>
-    <p:sldId id="276" r:id="rId20"/>
-    <p:sldId id="277" r:id="rId21"/>
-    <p:sldId id="278" r:id="rId22"/>
-    <p:sldId id="279" r:id="rId23"/>
-    <p:sldId id="280" r:id="rId24"/>
-    <p:sldId id="281" r:id="rId25"/>
-    <p:sldId id="282" r:id="rId26"/>
-    <p:sldId id="283" r:id="rId27"/>
-    <p:sldId id="284" r:id="rId28"/>
-    <p:sldId id="285" r:id="rId29"/>
-    <p:sldId id="286" r:id="rId30"/>
-    <p:sldId id="287" r:id="rId31"/>
-    <p:sldId id="288" r:id="rId32"/>
-    <p:sldId id="289" r:id="rId33"/>
-    <p:sldId id="290" r:id="rId34"/>
-    <p:sldId id="291" r:id="rId35"/>
-    <p:sldId id="292" r:id="rId36"/>
-    <p:sldId id="293" r:id="rId37"/>
-    <p:sldId id="294" r:id="rId38"/>
-    <p:sldId id="295" r:id="rId39"/>
-    <p:sldId id="296" r:id="rId40"/>
-    <p:sldId id="297" r:id="rId41"/>
+    <p:sldId id="298" r:id="rId17"/>
+    <p:sldId id="300" r:id="rId18"/>
+    <p:sldId id="302" r:id="rId19"/>
+    <p:sldId id="301" r:id="rId20"/>
+    <p:sldId id="305" r:id="rId21"/>
+    <p:sldId id="303" r:id="rId22"/>
+    <p:sldId id="304" r:id="rId23"/>
+    <p:sldId id="299" r:id="rId24"/>
+    <p:sldId id="306" r:id="rId25"/>
+    <p:sldId id="307" r:id="rId26"/>
+    <p:sldId id="308" r:id="rId27"/>
+    <p:sldId id="265" r:id="rId28"/>
+    <p:sldId id="274" r:id="rId29"/>
+    <p:sldId id="275" r:id="rId30"/>
+    <p:sldId id="276" r:id="rId31"/>
+    <p:sldId id="277" r:id="rId32"/>
+    <p:sldId id="278" r:id="rId33"/>
+    <p:sldId id="279" r:id="rId34"/>
+    <p:sldId id="280" r:id="rId35"/>
+    <p:sldId id="281" r:id="rId36"/>
+    <p:sldId id="282" r:id="rId37"/>
+    <p:sldId id="283" r:id="rId38"/>
+    <p:sldId id="284" r:id="rId39"/>
+    <p:sldId id="285" r:id="rId40"/>
+    <p:sldId id="286" r:id="rId41"/>
+    <p:sldId id="287" r:id="rId42"/>
+    <p:sldId id="288" r:id="rId43"/>
+    <p:sldId id="289" r:id="rId44"/>
+    <p:sldId id="290" r:id="rId45"/>
+    <p:sldId id="291" r:id="rId46"/>
+    <p:sldId id="292" r:id="rId47"/>
+    <p:sldId id="293" r:id="rId48"/>
+    <p:sldId id="294" r:id="rId49"/>
+    <p:sldId id="295" r:id="rId50"/>
+    <p:sldId id="296" r:id="rId51"/>
+    <p:sldId id="297" r:id="rId52"/>
   </p:sldIdLst>
   <p:sldSz cx="12192000" cy="6858000"/>
   <p:notesSz cx="6858000" cy="9144000"/>
@@ -174,6 +185,17 @@
             <p14:sldId id="272"/>
             <p14:sldId id="273"/>
             <p14:sldId id="264"/>
+            <p14:sldId id="298"/>
+            <p14:sldId id="300"/>
+            <p14:sldId id="302"/>
+            <p14:sldId id="301"/>
+            <p14:sldId id="305"/>
+            <p14:sldId id="303"/>
+            <p14:sldId id="304"/>
+            <p14:sldId id="299"/>
+            <p14:sldId id="306"/>
+            <p14:sldId id="307"/>
+            <p14:sldId id="308"/>
             <p14:sldId id="265"/>
           </p14:sldIdLst>
         </p14:section>
@@ -303,7 +325,7 @@
           <a:p>
             <a:fld id="{EC53E720-1243-6043-B4C4-6E31C619CC0A}" type="datetimeFigureOut">
               <a:rPr lang="en-US" smtClean="0"/>
-              <a:t>2/2/17</a:t>
+              <a:t>2/4/17</a:t>
             </a:fld>
             <a:endParaRPr lang="en-US"/>
           </a:p>
@@ -970,7 +992,7 @@
           <a:p>
             <a:fld id="{95DA03C6-6B2A-3D4E-ACBF-63391107FCA5}" type="datetime1">
               <a:rPr lang="en-US" smtClean="0"/>
-              <a:t>2/2/17</a:t>
+              <a:t>2/4/17</a:t>
             </a:fld>
             <a:endParaRPr lang="en-US"/>
           </a:p>
@@ -1249,7 +1271,7 @@
           <a:p>
             <a:fld id="{652B615D-AC37-794B-9CD1-917BECA41F70}" type="datetime1">
               <a:rPr lang="en-US" smtClean="0"/>
-              <a:t>2/2/17</a:t>
+              <a:t>2/4/17</a:t>
             </a:fld>
             <a:endParaRPr lang="en-US"/>
           </a:p>
@@ -1504,7 +1526,7 @@
           <a:p>
             <a:fld id="{5DC51015-F320-0A4F-959E-3D859876C438}" type="datetime1">
               <a:rPr lang="en-US" smtClean="0"/>
-              <a:t>2/2/17</a:t>
+              <a:t>2/4/17</a:t>
             </a:fld>
             <a:endParaRPr lang="en-US"/>
           </a:p>
@@ -1682,7 +1704,7 @@
           <a:p>
             <a:fld id="{4B1B9092-98F8-3943-8253-FED67AD371E9}" type="datetime1">
               <a:rPr lang="en-US" smtClean="0"/>
-              <a:t>2/2/17</a:t>
+              <a:t>2/4/17</a:t>
             </a:fld>
             <a:endParaRPr lang="en-US"/>
           </a:p>
@@ -2031,7 +2053,7 @@
           <a:p>
             <a:fld id="{28960D5E-7767-5B4E-BF7E-AE3C5D61F3FF}" type="datetime1">
               <a:rPr lang="en-US" smtClean="0"/>
-              <a:t>2/2/17</a:t>
+              <a:t>2/4/17</a:t>
             </a:fld>
             <a:endParaRPr lang="en-US"/>
           </a:p>
@@ -2325,7 +2347,7 @@
           <a:p>
             <a:fld id="{416A0E0A-1609-FB44-8228-EEF5C54B5A55}" type="datetime1">
               <a:rPr lang="en-US" smtClean="0"/>
-              <a:t>2/2/17</a:t>
+              <a:t>2/4/17</a:t>
             </a:fld>
             <a:endParaRPr lang="en-US" dirty="0"/>
           </a:p>
@@ -2712,7 +2734,7 @@
           <a:p>
             <a:fld id="{8D566A62-F6F0-FB4F-9669-760CD9DCEC73}" type="datetime1">
               <a:rPr lang="en-US" smtClean="0"/>
-              <a:t>2/2/17</a:t>
+              <a:t>2/4/17</a:t>
             </a:fld>
             <a:endParaRPr lang="en-US"/>
           </a:p>
@@ -2836,7 +2858,7 @@
           <a:p>
             <a:fld id="{6B34C88A-1865-1F43-A0DB-344805F7492E}" type="datetime1">
               <a:rPr lang="en-US" smtClean="0"/>
-              <a:t>2/2/17</a:t>
+              <a:t>2/4/17</a:t>
             </a:fld>
             <a:endParaRPr lang="en-US"/>
           </a:p>
@@ -3013,7 +3035,7 @@
           <a:p>
             <a:fld id="{8B4004B4-FF14-FF4D-B044-59094E9AC0F1}" type="datetime1">
               <a:rPr lang="en-US" smtClean="0"/>
-              <a:t>2/2/17</a:t>
+              <a:t>2/4/17</a:t>
             </a:fld>
             <a:endParaRPr lang="en-US"/>
           </a:p>
@@ -3373,7 +3395,7 @@
           <a:p>
             <a:fld id="{862984A0-B2F5-2549-A24F-764B1F76A93B}" type="datetime1">
               <a:rPr lang="en-US" smtClean="0"/>
-              <a:t>2/2/17</a:t>
+              <a:t>2/4/17</a:t>
             </a:fld>
             <a:endParaRPr lang="en-US"/>
           </a:p>
@@ -3758,7 +3780,7 @@
           <a:p>
             <a:fld id="{6F310967-D635-1C4B-8010-EE130F91BB63}" type="datetime1">
               <a:rPr lang="en-US" smtClean="0"/>
-              <a:t>2/2/17</a:t>
+              <a:t>2/4/17</a:t>
             </a:fld>
             <a:endParaRPr lang="en-US"/>
           </a:p>
@@ -4044,7 +4066,7 @@
           <a:p>
             <a:fld id="{B27188E3-ED48-3E43-BB72-DB8091BEB4A5}" type="datetime1">
               <a:rPr lang="en-US" smtClean="0"/>
-              <a:t>2/2/17</a:t>
+              <a:t>2/4/17</a:t>
             </a:fld>
             <a:endParaRPr lang="en-US" dirty="0"/>
           </a:p>
@@ -6331,6 +6353,2137 @@
           <a:p>
             <a:r>
               <a:rPr lang="en-US" dirty="0" smtClean="0"/>
+              <a:t>Performance Measures</a:t>
+            </a:r>
+            <a:endParaRPr lang="en-US" dirty="0"/>
+          </a:p>
+        </p:txBody>
+      </p:sp>
+      <p:sp>
+        <p:nvSpPr>
+          <p:cNvPr id="3" name="Content Placeholder 2"/>
+          <p:cNvSpPr>
+            <a:spLocks noGrp="1"/>
+          </p:cNvSpPr>
+          <p:nvPr>
+            <p:ph idx="1"/>
+          </p:nvPr>
+        </p:nvSpPr>
+        <p:spPr/>
+        <p:txBody>
+          <a:bodyPr/>
+          <a:lstStyle/>
+          <a:p>
+            <a:r>
+              <a:rPr lang="en-US" dirty="0" smtClean="0"/>
+              <a:t>Throughput</a:t>
+            </a:r>
+          </a:p>
+          <a:p>
+            <a:pPr lvl="1"/>
+            <a:r>
+              <a:rPr lang="en-US" dirty="0" smtClean="0"/>
+              <a:t>How much work can we do per unit time?</a:t>
+            </a:r>
+          </a:p>
+          <a:p>
+            <a:r>
+              <a:rPr lang="en-US" dirty="0" smtClean="0"/>
+              <a:t>Latency</a:t>
+            </a:r>
+          </a:p>
+          <a:p>
+            <a:pPr lvl="1"/>
+            <a:r>
+              <a:rPr lang="en-US" dirty="0" smtClean="0"/>
+              <a:t>Time between request and useful response</a:t>
+            </a:r>
+          </a:p>
+          <a:p>
+            <a:r>
+              <a:rPr lang="en-US" dirty="0" smtClean="0"/>
+              <a:t>Jitter</a:t>
+            </a:r>
+          </a:p>
+          <a:p>
+            <a:pPr lvl="1"/>
+            <a:r>
+              <a:rPr lang="en-US" dirty="0" smtClean="0"/>
+              <a:t>Variability in latency</a:t>
+            </a:r>
+            <a:endParaRPr lang="en-US" dirty="0"/>
+          </a:p>
+        </p:txBody>
+      </p:sp>
+      <p:sp>
+        <p:nvSpPr>
+          <p:cNvPr id="4" name="Footer Placeholder 3"/>
+          <p:cNvSpPr>
+            <a:spLocks noGrp="1"/>
+          </p:cNvSpPr>
+          <p:nvPr>
+            <p:ph type="ftr" sz="quarter" idx="11"/>
+          </p:nvPr>
+        </p:nvSpPr>
+        <p:spPr/>
+        <p:txBody>
+          <a:bodyPr/>
+          <a:lstStyle/>
+          <a:p>
+            <a:r>
+              <a:rPr lang="en-US" smtClean="0"/>
+              <a:t>Introduction to Operating Systems</a:t>
+            </a:r>
+            <a:endParaRPr lang="en-US" dirty="0"/>
+          </a:p>
+        </p:txBody>
+      </p:sp>
+    </p:spTree>
+    <p:extLst>
+      <p:ext uri="{BB962C8B-B14F-4D97-AF65-F5344CB8AC3E}">
+        <p14:creationId xmlns:p14="http://schemas.microsoft.com/office/powerpoint/2010/main" val="1569544639"/>
+      </p:ext>
+    </p:extLst>
+  </p:cSld>
+  <p:clrMapOvr>
+    <a:masterClrMapping/>
+  </p:clrMapOvr>
+</p:sld>
+</file>
+
+<file path=ppt/slides/slide17.xml><?xml version="1.0" encoding="utf-8"?>
+<p:sld xmlns:a="http://schemas.openxmlformats.org/drawingml/2006/main" xmlns:r="http://schemas.openxmlformats.org/officeDocument/2006/relationships" xmlns:p="http://schemas.openxmlformats.org/presentationml/2006/main">
+  <p:cSld>
+    <p:spTree>
+      <p:nvGrpSpPr>
+        <p:cNvPr id="1" name=""/>
+        <p:cNvGrpSpPr/>
+        <p:nvPr/>
+      </p:nvGrpSpPr>
+      <p:grpSpPr>
+        <a:xfrm>
+          <a:off x="0" y="0"/>
+          <a:ext cx="0" cy="0"/>
+          <a:chOff x="0" y="0"/>
+          <a:chExt cx="0" cy="0"/>
+        </a:xfrm>
+      </p:grpSpPr>
+      <p:sp>
+        <p:nvSpPr>
+          <p:cNvPr id="2" name="Title 1"/>
+          <p:cNvSpPr>
+            <a:spLocks noGrp="1"/>
+          </p:cNvSpPr>
+          <p:nvPr>
+            <p:ph type="title"/>
+          </p:nvPr>
+        </p:nvSpPr>
+        <p:spPr/>
+        <p:txBody>
+          <a:bodyPr/>
+          <a:lstStyle/>
+          <a:p>
+            <a:r>
+              <a:rPr lang="en-US" dirty="0" smtClean="0"/>
+              <a:t>Throughput</a:t>
+            </a:r>
+            <a:endParaRPr lang="en-US" dirty="0"/>
+          </a:p>
+        </p:txBody>
+      </p:sp>
+      <p:sp>
+        <p:nvSpPr>
+          <p:cNvPr id="3" name="Content Placeholder 2"/>
+          <p:cNvSpPr>
+            <a:spLocks noGrp="1"/>
+          </p:cNvSpPr>
+          <p:nvPr>
+            <p:ph idx="1"/>
+          </p:nvPr>
+        </p:nvSpPr>
+        <p:spPr/>
+        <p:txBody>
+          <a:bodyPr/>
+          <a:lstStyle/>
+          <a:p>
+            <a:r>
+              <a:rPr lang="en-US" dirty="0" smtClean="0"/>
+              <a:t>Everyone knows this one</a:t>
+            </a:r>
+          </a:p>
+          <a:p>
+            <a:r>
+              <a:rPr lang="en-US" dirty="0" smtClean="0"/>
+              <a:t>Data moved</a:t>
+            </a:r>
+          </a:p>
+          <a:p>
+            <a:pPr lvl="1"/>
+            <a:r>
+              <a:rPr lang="en-US" dirty="0" smtClean="0"/>
+              <a:t>100 Mbps</a:t>
+            </a:r>
+          </a:p>
+          <a:p>
+            <a:r>
+              <a:rPr lang="en-US" dirty="0" smtClean="0"/>
+              <a:t>Operations or Transactions Performed</a:t>
+            </a:r>
+          </a:p>
+          <a:p>
+            <a:r>
+              <a:rPr lang="en-US" dirty="0" smtClean="0"/>
+              <a:t>Increase Frequency</a:t>
+            </a:r>
+          </a:p>
+          <a:p>
+            <a:r>
+              <a:rPr lang="en-US" dirty="0" smtClean="0"/>
+              <a:t>Widen the bus</a:t>
+            </a:r>
+          </a:p>
+          <a:p>
+            <a:endParaRPr lang="en-US" dirty="0"/>
+          </a:p>
+        </p:txBody>
+      </p:sp>
+      <p:sp>
+        <p:nvSpPr>
+          <p:cNvPr id="4" name="Footer Placeholder 3"/>
+          <p:cNvSpPr>
+            <a:spLocks noGrp="1"/>
+          </p:cNvSpPr>
+          <p:nvPr>
+            <p:ph type="ftr" sz="quarter" idx="11"/>
+          </p:nvPr>
+        </p:nvSpPr>
+        <p:spPr/>
+        <p:txBody>
+          <a:bodyPr/>
+          <a:lstStyle/>
+          <a:p>
+            <a:r>
+              <a:rPr lang="en-US" smtClean="0"/>
+              <a:t>Introduction to Operating Systems</a:t>
+            </a:r>
+            <a:endParaRPr lang="en-US" dirty="0"/>
+          </a:p>
+        </p:txBody>
+      </p:sp>
+    </p:spTree>
+    <p:extLst>
+      <p:ext uri="{BB962C8B-B14F-4D97-AF65-F5344CB8AC3E}">
+        <p14:creationId xmlns:p14="http://schemas.microsoft.com/office/powerpoint/2010/main" val="2087233619"/>
+      </p:ext>
+    </p:extLst>
+  </p:cSld>
+  <p:clrMapOvr>
+    <a:masterClrMapping/>
+  </p:clrMapOvr>
+</p:sld>
+</file>
+
+<file path=ppt/slides/slide18.xml><?xml version="1.0" encoding="utf-8"?>
+<p:sld xmlns:a="http://schemas.openxmlformats.org/drawingml/2006/main" xmlns:r="http://schemas.openxmlformats.org/officeDocument/2006/relationships" xmlns:p="http://schemas.openxmlformats.org/presentationml/2006/main">
+  <p:cSld>
+    <p:spTree>
+      <p:nvGrpSpPr>
+        <p:cNvPr id="1" name=""/>
+        <p:cNvGrpSpPr/>
+        <p:nvPr/>
+      </p:nvGrpSpPr>
+      <p:grpSpPr>
+        <a:xfrm>
+          <a:off x="0" y="0"/>
+          <a:ext cx="0" cy="0"/>
+          <a:chOff x="0" y="0"/>
+          <a:chExt cx="0" cy="0"/>
+        </a:xfrm>
+      </p:grpSpPr>
+      <p:sp>
+        <p:nvSpPr>
+          <p:cNvPr id="2" name="Title 1"/>
+          <p:cNvSpPr>
+            <a:spLocks noGrp="1"/>
+          </p:cNvSpPr>
+          <p:nvPr>
+            <p:ph type="title"/>
+          </p:nvPr>
+        </p:nvSpPr>
+        <p:spPr/>
+        <p:txBody>
+          <a:bodyPr/>
+          <a:lstStyle/>
+          <a:p>
+            <a:r>
+              <a:rPr lang="en-US" dirty="0" smtClean="0"/>
+              <a:t>Who cares about throughput?</a:t>
+            </a:r>
+            <a:endParaRPr lang="en-US" dirty="0"/>
+          </a:p>
+        </p:txBody>
+      </p:sp>
+      <p:sp>
+        <p:nvSpPr>
+          <p:cNvPr id="3" name="Content Placeholder 2"/>
+          <p:cNvSpPr>
+            <a:spLocks noGrp="1"/>
+          </p:cNvSpPr>
+          <p:nvPr>
+            <p:ph idx="1"/>
+          </p:nvPr>
+        </p:nvSpPr>
+        <p:spPr/>
+        <p:txBody>
+          <a:bodyPr/>
+          <a:lstStyle/>
+          <a:p>
+            <a:r>
+              <a:rPr lang="en-US" dirty="0" smtClean="0"/>
+              <a:t>Everyone!</a:t>
+            </a:r>
+          </a:p>
+          <a:p>
+            <a:r>
+              <a:rPr lang="en-US" dirty="0" smtClean="0"/>
+              <a:t>Video Streaming</a:t>
+            </a:r>
+          </a:p>
+          <a:p>
+            <a:pPr lvl="1"/>
+            <a:r>
+              <a:rPr lang="en-US" dirty="0" smtClean="0"/>
+              <a:t>Cat videos!</a:t>
+            </a:r>
+          </a:p>
+          <a:p>
+            <a:r>
+              <a:rPr lang="en-US" dirty="0" smtClean="0"/>
+              <a:t>Database Systems</a:t>
+            </a:r>
+          </a:p>
+          <a:p>
+            <a:pPr lvl="1"/>
+            <a:r>
+              <a:rPr lang="en-US" dirty="0" smtClean="0"/>
+              <a:t>Transaction processing</a:t>
+            </a:r>
+          </a:p>
+          <a:p>
+            <a:r>
+              <a:rPr lang="en-US" dirty="0" smtClean="0"/>
+              <a:t>Any form of data processing</a:t>
+            </a:r>
+          </a:p>
+          <a:p>
+            <a:pPr lvl="1"/>
+            <a:r>
+              <a:rPr lang="en-US" dirty="0" smtClean="0"/>
+              <a:t>Image manipulation</a:t>
+            </a:r>
+          </a:p>
+          <a:p>
+            <a:pPr lvl="1"/>
+            <a:r>
+              <a:rPr lang="en-US" dirty="0" smtClean="0"/>
+              <a:t>Machine Learning</a:t>
+            </a:r>
+          </a:p>
+          <a:p>
+            <a:pPr lvl="1"/>
+            <a:endParaRPr lang="en-US" dirty="0" smtClean="0"/>
+          </a:p>
+          <a:p>
+            <a:endParaRPr lang="en-US" dirty="0" smtClean="0"/>
+          </a:p>
+          <a:p>
+            <a:endParaRPr lang="en-US" dirty="0"/>
+          </a:p>
+        </p:txBody>
+      </p:sp>
+      <p:sp>
+        <p:nvSpPr>
+          <p:cNvPr id="4" name="Footer Placeholder 3"/>
+          <p:cNvSpPr>
+            <a:spLocks noGrp="1"/>
+          </p:cNvSpPr>
+          <p:nvPr>
+            <p:ph type="ftr" sz="quarter" idx="11"/>
+          </p:nvPr>
+        </p:nvSpPr>
+        <p:spPr/>
+        <p:txBody>
+          <a:bodyPr/>
+          <a:lstStyle/>
+          <a:p>
+            <a:r>
+              <a:rPr lang="en-US" smtClean="0"/>
+              <a:t>Introduction to Operating Systems</a:t>
+            </a:r>
+            <a:endParaRPr lang="en-US" dirty="0"/>
+          </a:p>
+        </p:txBody>
+      </p:sp>
+      <p:pic>
+        <p:nvPicPr>
+          <p:cNvPr id="5" name="Picture 4"/>
+          <p:cNvPicPr>
+            <a:picLocks noChangeAspect="1"/>
+          </p:cNvPicPr>
+          <p:nvPr/>
+        </p:nvPicPr>
+        <p:blipFill>
+          <a:blip r:embed="rId2">
+            <a:extLst>
+              <a:ext uri="{28A0092B-C50C-407E-A947-70E740481C1C}">
+                <a14:useLocalDpi xmlns:a14="http://schemas.microsoft.com/office/drawing/2010/main" val="0"/>
+              </a:ext>
+            </a:extLst>
+          </a:blip>
+          <a:stretch>
+            <a:fillRect/>
+          </a:stretch>
+        </p:blipFill>
+        <p:spPr>
+          <a:xfrm>
+            <a:off x="7521462" y="1581989"/>
+            <a:ext cx="3634218" cy="2043713"/>
+          </a:xfrm>
+          <a:prstGeom prst="rect">
+            <a:avLst/>
+          </a:prstGeom>
+        </p:spPr>
+      </p:pic>
+    </p:spTree>
+    <p:extLst>
+      <p:ext uri="{BB962C8B-B14F-4D97-AF65-F5344CB8AC3E}">
+        <p14:creationId xmlns:p14="http://schemas.microsoft.com/office/powerpoint/2010/main" val="706397372"/>
+      </p:ext>
+    </p:extLst>
+  </p:cSld>
+  <p:clrMapOvr>
+    <a:masterClrMapping/>
+  </p:clrMapOvr>
+  <p:timing>
+    <p:tnLst>
+      <p:par>
+        <p:cTn id="1" dur="indefinite" restart="never" nodeType="tmRoot"/>
+      </p:par>
+    </p:tnLst>
+  </p:timing>
+</p:sld>
+</file>
+
+<file path=ppt/slides/slide19.xml><?xml version="1.0" encoding="utf-8"?>
+<p:sld xmlns:a="http://schemas.openxmlformats.org/drawingml/2006/main" xmlns:r="http://schemas.openxmlformats.org/officeDocument/2006/relationships" xmlns:p="http://schemas.openxmlformats.org/presentationml/2006/main">
+  <p:cSld>
+    <p:spTree>
+      <p:nvGrpSpPr>
+        <p:cNvPr id="1" name=""/>
+        <p:cNvGrpSpPr/>
+        <p:nvPr/>
+      </p:nvGrpSpPr>
+      <p:grpSpPr>
+        <a:xfrm>
+          <a:off x="0" y="0"/>
+          <a:ext cx="0" cy="0"/>
+          <a:chOff x="0" y="0"/>
+          <a:chExt cx="0" cy="0"/>
+        </a:xfrm>
+      </p:grpSpPr>
+      <p:sp>
+        <p:nvSpPr>
+          <p:cNvPr id="2" name="Title 1"/>
+          <p:cNvSpPr>
+            <a:spLocks noGrp="1"/>
+          </p:cNvSpPr>
+          <p:nvPr>
+            <p:ph type="title"/>
+          </p:nvPr>
+        </p:nvSpPr>
+        <p:spPr/>
+        <p:txBody>
+          <a:bodyPr/>
+          <a:lstStyle/>
+          <a:p>
+            <a:r>
+              <a:rPr lang="en-US" dirty="0" smtClean="0"/>
+              <a:t>Latency</a:t>
+            </a:r>
+            <a:endParaRPr lang="en-US" dirty="0"/>
+          </a:p>
+        </p:txBody>
+      </p:sp>
+      <p:sp>
+        <p:nvSpPr>
+          <p:cNvPr id="3" name="Content Placeholder 2"/>
+          <p:cNvSpPr>
+            <a:spLocks noGrp="1"/>
+          </p:cNvSpPr>
+          <p:nvPr>
+            <p:ph idx="1"/>
+          </p:nvPr>
+        </p:nvSpPr>
+        <p:spPr/>
+        <p:txBody>
+          <a:bodyPr/>
+          <a:lstStyle/>
+          <a:p>
+            <a:pPr marL="0" marR="0" lvl="0" indent="0" defTabSz="914400" eaLnBrk="1" fontAlgn="auto" latinLnBrk="0" hangingPunct="1">
+              <a:lnSpc>
+                <a:spcPct val="100000"/>
+              </a:lnSpc>
+              <a:spcBef>
+                <a:spcPts val="0"/>
+              </a:spcBef>
+              <a:spcAft>
+                <a:spcPts val="0"/>
+              </a:spcAft>
+              <a:buClrTx/>
+              <a:buSzTx/>
+              <a:buFontTx/>
+              <a:buNone/>
+              <a:tabLst/>
+              <a:defRPr/>
+            </a:pPr>
+            <a:r>
+              <a:rPr lang="en-US" dirty="0" smtClean="0"/>
+              <a:t>Request to response</a:t>
+            </a:r>
+          </a:p>
+          <a:p>
+            <a:pPr marL="0" marR="0" lvl="0" indent="0" defTabSz="914400" eaLnBrk="1" fontAlgn="auto" latinLnBrk="0" hangingPunct="1">
+              <a:lnSpc>
+                <a:spcPct val="100000"/>
+              </a:lnSpc>
+              <a:spcBef>
+                <a:spcPts val="0"/>
+              </a:spcBef>
+              <a:spcAft>
+                <a:spcPts val="0"/>
+              </a:spcAft>
+              <a:buClrTx/>
+              <a:buSzTx/>
+              <a:buFontTx/>
+              <a:buNone/>
+              <a:tabLst/>
+              <a:defRPr/>
+            </a:pPr>
+            <a:r>
+              <a:rPr lang="en-US" dirty="0" smtClean="0"/>
+              <a:t>Governed by physical constants</a:t>
+            </a:r>
+          </a:p>
+          <a:p>
+            <a:pPr marL="0" marR="0" lvl="0" indent="0" defTabSz="914400" eaLnBrk="1" fontAlgn="auto" latinLnBrk="0" hangingPunct="1">
+              <a:lnSpc>
+                <a:spcPct val="100000"/>
+              </a:lnSpc>
+              <a:spcBef>
+                <a:spcPts val="0"/>
+              </a:spcBef>
+              <a:spcAft>
+                <a:spcPts val="0"/>
+              </a:spcAft>
+              <a:buClrTx/>
+              <a:buSzTx/>
+              <a:buFontTx/>
+              <a:buNone/>
+              <a:tabLst/>
+              <a:defRPr/>
+            </a:pPr>
+            <a:r>
+              <a:rPr lang="en-US" dirty="0"/>
+              <a:t>	</a:t>
+            </a:r>
+            <a:r>
+              <a:rPr lang="en-US" dirty="0" smtClean="0"/>
+              <a:t>The speed of light (c) matters</a:t>
+            </a:r>
+          </a:p>
+          <a:p>
+            <a:pPr marL="0" marR="0" lvl="0" indent="0" defTabSz="914400" eaLnBrk="1" fontAlgn="auto" latinLnBrk="0" hangingPunct="1">
+              <a:lnSpc>
+                <a:spcPct val="100000"/>
+              </a:lnSpc>
+              <a:spcBef>
+                <a:spcPts val="0"/>
+              </a:spcBef>
+              <a:spcAft>
+                <a:spcPts val="0"/>
+              </a:spcAft>
+              <a:buClrTx/>
+              <a:buSzTx/>
+              <a:buFontTx/>
+              <a:buNone/>
+              <a:tabLst/>
+              <a:defRPr/>
+            </a:pPr>
+            <a:r>
+              <a:rPr lang="en-US" dirty="0"/>
+              <a:t>	</a:t>
+            </a:r>
+            <a:r>
+              <a:rPr lang="en-US" dirty="0" smtClean="0"/>
+              <a:t>Rotational latency for spinning disks</a:t>
+            </a:r>
+          </a:p>
+          <a:p>
+            <a:pPr marL="0" marR="0" lvl="0" indent="0" defTabSz="914400" eaLnBrk="1" fontAlgn="auto" latinLnBrk="0" hangingPunct="1">
+              <a:lnSpc>
+                <a:spcPct val="100000"/>
+              </a:lnSpc>
+              <a:spcBef>
+                <a:spcPts val="0"/>
+              </a:spcBef>
+              <a:spcAft>
+                <a:spcPts val="0"/>
+              </a:spcAft>
+              <a:buClrTx/>
+              <a:buSzTx/>
+              <a:buFontTx/>
+              <a:buNone/>
+              <a:tabLst/>
+              <a:defRPr/>
+            </a:pPr>
+            <a:r>
+              <a:rPr lang="en-US" dirty="0" smtClean="0"/>
+              <a:t>CPU Caches</a:t>
+            </a:r>
+          </a:p>
+          <a:p>
+            <a:pPr marL="0" marR="0" lvl="0" indent="0" defTabSz="914400" eaLnBrk="1" fontAlgn="auto" latinLnBrk="0" hangingPunct="1">
+              <a:lnSpc>
+                <a:spcPct val="100000"/>
+              </a:lnSpc>
+              <a:spcBef>
+                <a:spcPts val="0"/>
+              </a:spcBef>
+              <a:spcAft>
+                <a:spcPts val="0"/>
+              </a:spcAft>
+              <a:buClrTx/>
+              <a:buSzTx/>
+              <a:buFontTx/>
+              <a:buNone/>
+              <a:tabLst/>
+              <a:defRPr/>
+            </a:pPr>
+            <a:r>
+              <a:rPr lang="en-US" dirty="0" smtClean="0"/>
+              <a:t>Memory flushes</a:t>
+            </a:r>
+          </a:p>
+          <a:p>
+            <a:pPr marL="0" marR="0" lvl="0" indent="0" defTabSz="914400" eaLnBrk="1" fontAlgn="auto" latinLnBrk="0" hangingPunct="1">
+              <a:lnSpc>
+                <a:spcPct val="100000"/>
+              </a:lnSpc>
+              <a:spcBef>
+                <a:spcPts val="0"/>
+              </a:spcBef>
+              <a:spcAft>
+                <a:spcPts val="0"/>
+              </a:spcAft>
+              <a:buClrTx/>
+              <a:buSzTx/>
+              <a:buFontTx/>
+              <a:buNone/>
+              <a:tabLst/>
+              <a:defRPr/>
+            </a:pPr>
+            <a:r>
+              <a:rPr lang="en-US" dirty="0" smtClean="0"/>
+              <a:t>Walking complicated data structures</a:t>
+            </a:r>
+          </a:p>
+          <a:p>
+            <a:pPr marL="0" marR="0" lvl="0" indent="0" defTabSz="914400" eaLnBrk="1" fontAlgn="auto" latinLnBrk="0" hangingPunct="1">
+              <a:lnSpc>
+                <a:spcPct val="100000"/>
+              </a:lnSpc>
+              <a:spcBef>
+                <a:spcPts val="0"/>
+              </a:spcBef>
+              <a:spcAft>
+                <a:spcPts val="0"/>
+              </a:spcAft>
+              <a:buClrTx/>
+              <a:buSzTx/>
+              <a:buFontTx/>
+              <a:buNone/>
+              <a:tabLst/>
+              <a:defRPr/>
+            </a:pPr>
+            <a:r>
+              <a:rPr lang="en-US" dirty="0" smtClean="0"/>
+              <a:t>Linear lists vs. hash tables</a:t>
+            </a:r>
+            <a:endParaRPr lang="en-US" dirty="0"/>
+          </a:p>
+        </p:txBody>
+      </p:sp>
+      <p:sp>
+        <p:nvSpPr>
+          <p:cNvPr id="4" name="Footer Placeholder 3"/>
+          <p:cNvSpPr>
+            <a:spLocks noGrp="1"/>
+          </p:cNvSpPr>
+          <p:nvPr>
+            <p:ph type="ftr" sz="quarter" idx="11"/>
+          </p:nvPr>
+        </p:nvSpPr>
+        <p:spPr/>
+        <p:txBody>
+          <a:bodyPr/>
+          <a:lstStyle/>
+          <a:p>
+            <a:r>
+              <a:rPr lang="en-US" smtClean="0"/>
+              <a:t>Introduction to Operating Systems</a:t>
+            </a:r>
+            <a:endParaRPr lang="en-US" dirty="0"/>
+          </a:p>
+        </p:txBody>
+      </p:sp>
+    </p:spTree>
+    <p:extLst>
+      <p:ext uri="{BB962C8B-B14F-4D97-AF65-F5344CB8AC3E}">
+        <p14:creationId xmlns:p14="http://schemas.microsoft.com/office/powerpoint/2010/main" val="1427152261"/>
+      </p:ext>
+    </p:extLst>
+  </p:cSld>
+  <p:clrMapOvr>
+    <a:masterClrMapping/>
+  </p:clrMapOvr>
+  <p:timing>
+    <p:tnLst>
+      <p:par>
+        <p:cTn id="1" dur="indefinite" restart="never" nodeType="tmRoot"/>
+      </p:par>
+    </p:tnLst>
+  </p:timing>
+</p:sld>
+</file>
+
+<file path=ppt/slides/slide2.xml><?xml version="1.0" encoding="utf-8"?>
+<p:sld xmlns:a="http://schemas.openxmlformats.org/drawingml/2006/main" xmlns:r="http://schemas.openxmlformats.org/officeDocument/2006/relationships" xmlns:p="http://schemas.openxmlformats.org/presentationml/2006/main">
+  <p:cSld>
+    <p:spTree>
+      <p:nvGrpSpPr>
+        <p:cNvPr id="1" name=""/>
+        <p:cNvGrpSpPr/>
+        <p:nvPr/>
+      </p:nvGrpSpPr>
+      <p:grpSpPr>
+        <a:xfrm>
+          <a:off x="0" y="0"/>
+          <a:ext cx="0" cy="0"/>
+          <a:chOff x="0" y="0"/>
+          <a:chExt cx="0" cy="0"/>
+        </a:xfrm>
+      </p:grpSpPr>
+      <p:sp>
+        <p:nvSpPr>
+          <p:cNvPr id="2" name="Title 1"/>
+          <p:cNvSpPr>
+            <a:spLocks noGrp="1"/>
+          </p:cNvSpPr>
+          <p:nvPr>
+            <p:ph type="title"/>
+          </p:nvPr>
+        </p:nvSpPr>
+        <p:spPr/>
+        <p:txBody>
+          <a:bodyPr/>
+          <a:lstStyle/>
+          <a:p>
+            <a:r>
+              <a:rPr lang="en-US" dirty="0" smtClean="0"/>
+              <a:t>Objectives</a:t>
+            </a:r>
+            <a:endParaRPr lang="en-US" dirty="0"/>
+          </a:p>
+        </p:txBody>
+      </p:sp>
+      <p:sp>
+        <p:nvSpPr>
+          <p:cNvPr id="3" name="Content Placeholder 2"/>
+          <p:cNvSpPr>
+            <a:spLocks noGrp="1"/>
+          </p:cNvSpPr>
+          <p:nvPr>
+            <p:ph idx="1"/>
+          </p:nvPr>
+        </p:nvSpPr>
+        <p:spPr/>
+        <p:txBody>
+          <a:bodyPr/>
+          <a:lstStyle/>
+          <a:p>
+            <a:r>
+              <a:rPr lang="en-US" dirty="0" smtClean="0"/>
+              <a:t>A </a:t>
+            </a:r>
+            <a:r>
+              <a:rPr lang="en-US" dirty="0"/>
+              <a:t>grounding in systems principles</a:t>
+            </a:r>
+          </a:p>
+          <a:p>
+            <a:r>
+              <a:rPr lang="en-US" dirty="0" smtClean="0"/>
+              <a:t>A </a:t>
+            </a:r>
+            <a:r>
+              <a:rPr lang="en-US" dirty="0"/>
+              <a:t>grand tour of the Operating System</a:t>
+            </a:r>
+          </a:p>
+          <a:p>
+            <a:r>
+              <a:rPr lang="en-US" dirty="0" smtClean="0"/>
+              <a:t>Practical </a:t>
+            </a:r>
+            <a:r>
+              <a:rPr lang="en-US" dirty="0"/>
+              <a:t>insights into how the OS works</a:t>
+            </a:r>
+          </a:p>
+        </p:txBody>
+      </p:sp>
+      <p:sp>
+        <p:nvSpPr>
+          <p:cNvPr id="5" name="Footer Placeholder 4"/>
+          <p:cNvSpPr>
+            <a:spLocks noGrp="1"/>
+          </p:cNvSpPr>
+          <p:nvPr>
+            <p:ph type="ftr" sz="quarter" idx="11"/>
+          </p:nvPr>
+        </p:nvSpPr>
+        <p:spPr/>
+        <p:txBody>
+          <a:bodyPr/>
+          <a:lstStyle/>
+          <a:p>
+            <a:r>
+              <a:rPr lang="en-US" smtClean="0"/>
+              <a:t>Introduction to Operating Systems</a:t>
+            </a:r>
+            <a:endParaRPr lang="en-US" dirty="0"/>
+          </a:p>
+        </p:txBody>
+      </p:sp>
+    </p:spTree>
+    <p:extLst>
+      <p:ext uri="{BB962C8B-B14F-4D97-AF65-F5344CB8AC3E}">
+        <p14:creationId xmlns:p14="http://schemas.microsoft.com/office/powerpoint/2010/main" val="1886148566"/>
+      </p:ext>
+    </p:extLst>
+  </p:cSld>
+  <p:clrMapOvr>
+    <a:masterClrMapping/>
+  </p:clrMapOvr>
+  <p:timing>
+    <p:tnLst>
+      <p:par>
+        <p:cTn id="1" dur="indefinite" restart="never" nodeType="tmRoot"/>
+      </p:par>
+    </p:tnLst>
+  </p:timing>
+</p:sld>
+</file>
+
+<file path=ppt/slides/slide20.xml><?xml version="1.0" encoding="utf-8"?>
+<p:sld xmlns:a="http://schemas.openxmlformats.org/drawingml/2006/main" xmlns:r="http://schemas.openxmlformats.org/officeDocument/2006/relationships" xmlns:p="http://schemas.openxmlformats.org/presentationml/2006/main">
+  <p:cSld>
+    <p:spTree>
+      <p:nvGrpSpPr>
+        <p:cNvPr id="1" name=""/>
+        <p:cNvGrpSpPr/>
+        <p:nvPr/>
+      </p:nvGrpSpPr>
+      <p:grpSpPr>
+        <a:xfrm>
+          <a:off x="0" y="0"/>
+          <a:ext cx="0" cy="0"/>
+          <a:chOff x="0" y="0"/>
+          <a:chExt cx="0" cy="0"/>
+        </a:xfrm>
+      </p:grpSpPr>
+      <p:sp>
+        <p:nvSpPr>
+          <p:cNvPr id="2" name="Title 1"/>
+          <p:cNvSpPr>
+            <a:spLocks noGrp="1"/>
+          </p:cNvSpPr>
+          <p:nvPr>
+            <p:ph type="title"/>
+          </p:nvPr>
+        </p:nvSpPr>
+        <p:spPr/>
+        <p:txBody>
+          <a:bodyPr/>
+          <a:lstStyle/>
+          <a:p>
+            <a:r>
+              <a:rPr lang="en-US" dirty="0" smtClean="0"/>
+              <a:t>Who cares about latency</a:t>
+            </a:r>
+            <a:endParaRPr lang="en-US" dirty="0"/>
+          </a:p>
+        </p:txBody>
+      </p:sp>
+      <p:sp>
+        <p:nvSpPr>
+          <p:cNvPr id="3" name="Content Placeholder 2"/>
+          <p:cNvSpPr>
+            <a:spLocks noGrp="1"/>
+          </p:cNvSpPr>
+          <p:nvPr>
+            <p:ph idx="1"/>
+          </p:nvPr>
+        </p:nvSpPr>
+        <p:spPr/>
+        <p:txBody>
+          <a:bodyPr/>
+          <a:lstStyle/>
+          <a:p>
+            <a:r>
+              <a:rPr lang="en-US" dirty="0" smtClean="0"/>
+              <a:t>Has a direct effect on throughput</a:t>
+            </a:r>
+          </a:p>
+          <a:p>
+            <a:r>
+              <a:rPr lang="en-US" dirty="0" smtClean="0"/>
+              <a:t>Increases system complexity</a:t>
+            </a:r>
+          </a:p>
+          <a:p>
+            <a:r>
+              <a:rPr lang="en-US" dirty="0" smtClean="0"/>
+              <a:t>Hard to avoid when working with real world systems</a:t>
+            </a:r>
+          </a:p>
+          <a:p>
+            <a:r>
+              <a:rPr lang="en-US" dirty="0" smtClean="0"/>
+              <a:t>Will be covered more fully in the Communication section</a:t>
+            </a:r>
+          </a:p>
+        </p:txBody>
+      </p:sp>
+      <p:sp>
+        <p:nvSpPr>
+          <p:cNvPr id="4" name="Footer Placeholder 3"/>
+          <p:cNvSpPr>
+            <a:spLocks noGrp="1"/>
+          </p:cNvSpPr>
+          <p:nvPr>
+            <p:ph type="ftr" sz="quarter" idx="11"/>
+          </p:nvPr>
+        </p:nvSpPr>
+        <p:spPr/>
+        <p:txBody>
+          <a:bodyPr/>
+          <a:lstStyle/>
+          <a:p>
+            <a:r>
+              <a:rPr lang="en-US" smtClean="0"/>
+              <a:t>Introduction to Operating Systems</a:t>
+            </a:r>
+            <a:endParaRPr lang="en-US" dirty="0"/>
+          </a:p>
+        </p:txBody>
+      </p:sp>
+    </p:spTree>
+    <p:extLst>
+      <p:ext uri="{BB962C8B-B14F-4D97-AF65-F5344CB8AC3E}">
+        <p14:creationId xmlns:p14="http://schemas.microsoft.com/office/powerpoint/2010/main" val="1406577408"/>
+      </p:ext>
+    </p:extLst>
+  </p:cSld>
+  <p:clrMapOvr>
+    <a:masterClrMapping/>
+  </p:clrMapOvr>
+</p:sld>
+</file>
+
+<file path=ppt/slides/slide21.xml><?xml version="1.0" encoding="utf-8"?>
+<p:sld xmlns:a="http://schemas.openxmlformats.org/drawingml/2006/main" xmlns:r="http://schemas.openxmlformats.org/officeDocument/2006/relationships" xmlns:p="http://schemas.openxmlformats.org/presentationml/2006/main">
+  <p:cSld>
+    <p:spTree>
+      <p:nvGrpSpPr>
+        <p:cNvPr id="1" name=""/>
+        <p:cNvGrpSpPr/>
+        <p:nvPr/>
+      </p:nvGrpSpPr>
+      <p:grpSpPr>
+        <a:xfrm>
+          <a:off x="0" y="0"/>
+          <a:ext cx="0" cy="0"/>
+          <a:chOff x="0" y="0"/>
+          <a:chExt cx="0" cy="0"/>
+        </a:xfrm>
+      </p:grpSpPr>
+      <p:sp>
+        <p:nvSpPr>
+          <p:cNvPr id="2" name="Title 1"/>
+          <p:cNvSpPr>
+            <a:spLocks noGrp="1"/>
+          </p:cNvSpPr>
+          <p:nvPr>
+            <p:ph type="title"/>
+          </p:nvPr>
+        </p:nvSpPr>
+        <p:spPr/>
+        <p:txBody>
+          <a:bodyPr/>
+          <a:lstStyle/>
+          <a:p>
+            <a:r>
+              <a:rPr lang="en-US" dirty="0" smtClean="0"/>
+              <a:t>Jitter</a:t>
+            </a:r>
+            <a:endParaRPr lang="en-US" dirty="0"/>
+          </a:p>
+        </p:txBody>
+      </p:sp>
+      <p:sp>
+        <p:nvSpPr>
+          <p:cNvPr id="6" name="Content Placeholder 5"/>
+          <p:cNvSpPr>
+            <a:spLocks noGrp="1"/>
+          </p:cNvSpPr>
+          <p:nvPr>
+            <p:ph idx="1"/>
+          </p:nvPr>
+        </p:nvSpPr>
+        <p:spPr/>
+        <p:txBody>
+          <a:bodyPr>
+            <a:normAutofit/>
+          </a:bodyPr>
+          <a:lstStyle/>
+          <a:p>
+            <a:r>
+              <a:rPr lang="en-US" sz="1200" dirty="0">
+                <a:latin typeface="Courier New" charset="0"/>
+                <a:ea typeface="Courier New" charset="0"/>
+                <a:cs typeface="Courier New" charset="0"/>
+              </a:rPr>
+              <a:t>PING </a:t>
+            </a:r>
+            <a:r>
+              <a:rPr lang="en-US" sz="1200" dirty="0" err="1">
+                <a:latin typeface="Courier New" charset="0"/>
+                <a:ea typeface="Courier New" charset="0"/>
+                <a:cs typeface="Courier New" charset="0"/>
+              </a:rPr>
+              <a:t>yahoo.com</a:t>
+            </a:r>
+            <a:r>
+              <a:rPr lang="en-US" sz="1200" dirty="0">
+                <a:latin typeface="Courier New" charset="0"/>
+                <a:ea typeface="Courier New" charset="0"/>
+                <a:cs typeface="Courier New" charset="0"/>
+              </a:rPr>
+              <a:t> (98.138.253.109): 56 data </a:t>
+            </a:r>
+            <a:r>
+              <a:rPr lang="en-US" sz="1200" dirty="0" smtClean="0">
+                <a:latin typeface="Courier New" charset="0"/>
+                <a:ea typeface="Courier New" charset="0"/>
+                <a:cs typeface="Courier New" charset="0"/>
+              </a:rPr>
+              <a:t>bytes</a:t>
+            </a:r>
+          </a:p>
+          <a:p>
+            <a:r>
+              <a:rPr lang="en-US" sz="1200" dirty="0" smtClean="0">
+                <a:latin typeface="Courier New" charset="0"/>
+                <a:ea typeface="Courier New" charset="0"/>
+                <a:cs typeface="Courier New" charset="0"/>
+              </a:rPr>
+              <a:t>64 </a:t>
+            </a:r>
+            <a:r>
+              <a:rPr lang="en-US" sz="1200" dirty="0">
+                <a:latin typeface="Courier New" charset="0"/>
+                <a:ea typeface="Courier New" charset="0"/>
+                <a:cs typeface="Courier New" charset="0"/>
+              </a:rPr>
+              <a:t>bytes from 98.138.253.109: </a:t>
+            </a:r>
+            <a:r>
+              <a:rPr lang="en-US" sz="1200" dirty="0" err="1">
+                <a:latin typeface="Courier New" charset="0"/>
+                <a:ea typeface="Courier New" charset="0"/>
+                <a:cs typeface="Courier New" charset="0"/>
+              </a:rPr>
+              <a:t>icmp_seq</a:t>
+            </a:r>
+            <a:r>
+              <a:rPr lang="en-US" sz="1200" dirty="0">
+                <a:latin typeface="Courier New" charset="0"/>
+                <a:ea typeface="Courier New" charset="0"/>
+                <a:cs typeface="Courier New" charset="0"/>
+              </a:rPr>
+              <a:t>=0 </a:t>
+            </a:r>
+            <a:r>
+              <a:rPr lang="en-US" sz="1200" dirty="0" err="1">
+                <a:latin typeface="Courier New" charset="0"/>
+                <a:ea typeface="Courier New" charset="0"/>
+                <a:cs typeface="Courier New" charset="0"/>
+              </a:rPr>
+              <a:t>ttl</a:t>
+            </a:r>
+            <a:r>
+              <a:rPr lang="en-US" sz="1200" dirty="0">
+                <a:latin typeface="Courier New" charset="0"/>
+                <a:ea typeface="Courier New" charset="0"/>
+                <a:cs typeface="Courier New" charset="0"/>
+              </a:rPr>
+              <a:t>=54 time=33.686 </a:t>
+            </a:r>
+            <a:r>
+              <a:rPr lang="en-US" sz="1200" dirty="0" err="1" smtClean="0">
+                <a:latin typeface="Courier New" charset="0"/>
+                <a:ea typeface="Courier New" charset="0"/>
+                <a:cs typeface="Courier New" charset="0"/>
+              </a:rPr>
+              <a:t>ms</a:t>
+            </a:r>
+            <a:endParaRPr lang="en-US" sz="1200" dirty="0" smtClean="0">
+              <a:latin typeface="Courier New" charset="0"/>
+              <a:ea typeface="Courier New" charset="0"/>
+              <a:cs typeface="Courier New" charset="0"/>
+            </a:endParaRPr>
+          </a:p>
+          <a:p>
+            <a:r>
+              <a:rPr lang="en-US" sz="1200" dirty="0" smtClean="0">
+                <a:latin typeface="Courier New" charset="0"/>
+                <a:ea typeface="Courier New" charset="0"/>
+                <a:cs typeface="Courier New" charset="0"/>
+              </a:rPr>
+              <a:t>64 </a:t>
+            </a:r>
+            <a:r>
+              <a:rPr lang="en-US" sz="1200" dirty="0">
+                <a:latin typeface="Courier New" charset="0"/>
+                <a:ea typeface="Courier New" charset="0"/>
+                <a:cs typeface="Courier New" charset="0"/>
+              </a:rPr>
+              <a:t>bytes from 98.138.253.109: </a:t>
+            </a:r>
+            <a:r>
+              <a:rPr lang="en-US" sz="1200" dirty="0" err="1">
+                <a:latin typeface="Courier New" charset="0"/>
+                <a:ea typeface="Courier New" charset="0"/>
+                <a:cs typeface="Courier New" charset="0"/>
+              </a:rPr>
+              <a:t>icmp_seq</a:t>
+            </a:r>
+            <a:r>
+              <a:rPr lang="en-US" sz="1200" dirty="0">
+                <a:latin typeface="Courier New" charset="0"/>
+                <a:ea typeface="Courier New" charset="0"/>
+                <a:cs typeface="Courier New" charset="0"/>
+              </a:rPr>
+              <a:t>=1 </a:t>
+            </a:r>
+            <a:r>
+              <a:rPr lang="en-US" sz="1200" dirty="0" err="1">
+                <a:latin typeface="Courier New" charset="0"/>
+                <a:ea typeface="Courier New" charset="0"/>
+                <a:cs typeface="Courier New" charset="0"/>
+              </a:rPr>
+              <a:t>ttl</a:t>
+            </a:r>
+            <a:r>
+              <a:rPr lang="en-US" sz="1200" dirty="0">
+                <a:latin typeface="Courier New" charset="0"/>
+                <a:ea typeface="Courier New" charset="0"/>
+                <a:cs typeface="Courier New" charset="0"/>
+              </a:rPr>
+              <a:t>=54 time=33.469 </a:t>
+            </a:r>
+            <a:r>
+              <a:rPr lang="en-US" sz="1200" dirty="0" err="1" smtClean="0">
+                <a:latin typeface="Courier New" charset="0"/>
+                <a:ea typeface="Courier New" charset="0"/>
+                <a:cs typeface="Courier New" charset="0"/>
+              </a:rPr>
+              <a:t>ms</a:t>
+            </a:r>
+            <a:endParaRPr lang="en-US" sz="1200" dirty="0" smtClean="0">
+              <a:latin typeface="Courier New" charset="0"/>
+              <a:ea typeface="Courier New" charset="0"/>
+              <a:cs typeface="Courier New" charset="0"/>
+            </a:endParaRPr>
+          </a:p>
+          <a:p>
+            <a:r>
+              <a:rPr lang="en-US" sz="1200" dirty="0" smtClean="0">
+                <a:latin typeface="Courier New" charset="0"/>
+                <a:ea typeface="Courier New" charset="0"/>
+                <a:cs typeface="Courier New" charset="0"/>
+              </a:rPr>
+              <a:t>64 </a:t>
+            </a:r>
+            <a:r>
+              <a:rPr lang="en-US" sz="1200" dirty="0">
+                <a:latin typeface="Courier New" charset="0"/>
+                <a:ea typeface="Courier New" charset="0"/>
+                <a:cs typeface="Courier New" charset="0"/>
+              </a:rPr>
+              <a:t>bytes from 98.138.253.109: </a:t>
+            </a:r>
+            <a:r>
+              <a:rPr lang="en-US" sz="1200" dirty="0" err="1">
+                <a:latin typeface="Courier New" charset="0"/>
+                <a:ea typeface="Courier New" charset="0"/>
+                <a:cs typeface="Courier New" charset="0"/>
+              </a:rPr>
+              <a:t>icmp_seq</a:t>
+            </a:r>
+            <a:r>
+              <a:rPr lang="en-US" sz="1200" dirty="0">
+                <a:latin typeface="Courier New" charset="0"/>
+                <a:ea typeface="Courier New" charset="0"/>
+                <a:cs typeface="Courier New" charset="0"/>
+              </a:rPr>
+              <a:t>=2 </a:t>
+            </a:r>
+            <a:r>
+              <a:rPr lang="en-US" sz="1200" dirty="0" err="1">
+                <a:latin typeface="Courier New" charset="0"/>
+                <a:ea typeface="Courier New" charset="0"/>
+                <a:cs typeface="Courier New" charset="0"/>
+              </a:rPr>
+              <a:t>ttl</a:t>
+            </a:r>
+            <a:r>
+              <a:rPr lang="en-US" sz="1200" dirty="0">
+                <a:latin typeface="Courier New" charset="0"/>
+                <a:ea typeface="Courier New" charset="0"/>
+                <a:cs typeface="Courier New" charset="0"/>
+              </a:rPr>
+              <a:t>=54 time=33.525 </a:t>
+            </a:r>
+            <a:r>
+              <a:rPr lang="en-US" sz="1200" dirty="0" err="1" smtClean="0">
+                <a:latin typeface="Courier New" charset="0"/>
+                <a:ea typeface="Courier New" charset="0"/>
+                <a:cs typeface="Courier New" charset="0"/>
+              </a:rPr>
+              <a:t>ms</a:t>
+            </a:r>
+            <a:endParaRPr lang="en-US" sz="1200" dirty="0" smtClean="0">
+              <a:latin typeface="Courier New" charset="0"/>
+              <a:ea typeface="Courier New" charset="0"/>
+              <a:cs typeface="Courier New" charset="0"/>
+            </a:endParaRPr>
+          </a:p>
+          <a:p>
+            <a:r>
+              <a:rPr lang="en-US" sz="1200" dirty="0" smtClean="0">
+                <a:latin typeface="Courier New" charset="0"/>
+                <a:ea typeface="Courier New" charset="0"/>
+                <a:cs typeface="Courier New" charset="0"/>
+              </a:rPr>
+              <a:t>64 </a:t>
+            </a:r>
+            <a:r>
+              <a:rPr lang="en-US" sz="1200" dirty="0">
+                <a:latin typeface="Courier New" charset="0"/>
+                <a:ea typeface="Courier New" charset="0"/>
+                <a:cs typeface="Courier New" charset="0"/>
+              </a:rPr>
+              <a:t>bytes from 98.138.253.109: </a:t>
+            </a:r>
+            <a:r>
+              <a:rPr lang="en-US" sz="1200" dirty="0" err="1">
+                <a:latin typeface="Courier New" charset="0"/>
+                <a:ea typeface="Courier New" charset="0"/>
+                <a:cs typeface="Courier New" charset="0"/>
+              </a:rPr>
+              <a:t>icmp_seq</a:t>
+            </a:r>
+            <a:r>
+              <a:rPr lang="en-US" sz="1200" dirty="0">
+                <a:latin typeface="Courier New" charset="0"/>
+                <a:ea typeface="Courier New" charset="0"/>
+                <a:cs typeface="Courier New" charset="0"/>
+              </a:rPr>
+              <a:t>=3 </a:t>
+            </a:r>
+            <a:r>
+              <a:rPr lang="en-US" sz="1200" dirty="0" err="1">
+                <a:latin typeface="Courier New" charset="0"/>
+                <a:ea typeface="Courier New" charset="0"/>
+                <a:cs typeface="Courier New" charset="0"/>
+              </a:rPr>
+              <a:t>ttl</a:t>
+            </a:r>
+            <a:r>
+              <a:rPr lang="en-US" sz="1200" dirty="0">
+                <a:latin typeface="Courier New" charset="0"/>
+                <a:ea typeface="Courier New" charset="0"/>
+                <a:cs typeface="Courier New" charset="0"/>
+              </a:rPr>
+              <a:t>=54 time=35.267 </a:t>
+            </a:r>
+            <a:r>
+              <a:rPr lang="en-US" sz="1200" dirty="0" err="1" smtClean="0">
+                <a:latin typeface="Courier New" charset="0"/>
+                <a:ea typeface="Courier New" charset="0"/>
+                <a:cs typeface="Courier New" charset="0"/>
+              </a:rPr>
+              <a:t>ms</a:t>
+            </a:r>
+            <a:endParaRPr lang="en-US" sz="1200" dirty="0" smtClean="0">
+              <a:latin typeface="Courier New" charset="0"/>
+              <a:ea typeface="Courier New" charset="0"/>
+              <a:cs typeface="Courier New" charset="0"/>
+            </a:endParaRPr>
+          </a:p>
+          <a:p>
+            <a:r>
+              <a:rPr lang="en-US" sz="1200" dirty="0" smtClean="0">
+                <a:latin typeface="Courier New" charset="0"/>
+                <a:ea typeface="Courier New" charset="0"/>
+                <a:cs typeface="Courier New" charset="0"/>
+              </a:rPr>
+              <a:t>64 </a:t>
+            </a:r>
+            <a:r>
+              <a:rPr lang="en-US" sz="1200" dirty="0">
+                <a:latin typeface="Courier New" charset="0"/>
+                <a:ea typeface="Courier New" charset="0"/>
+                <a:cs typeface="Courier New" charset="0"/>
+              </a:rPr>
+              <a:t>bytes from 98.138.253.109: </a:t>
+            </a:r>
+            <a:r>
+              <a:rPr lang="en-US" sz="1200" dirty="0" err="1">
+                <a:latin typeface="Courier New" charset="0"/>
+                <a:ea typeface="Courier New" charset="0"/>
+                <a:cs typeface="Courier New" charset="0"/>
+              </a:rPr>
+              <a:t>icmp_seq</a:t>
+            </a:r>
+            <a:r>
+              <a:rPr lang="en-US" sz="1200" dirty="0">
+                <a:latin typeface="Courier New" charset="0"/>
+                <a:ea typeface="Courier New" charset="0"/>
+                <a:cs typeface="Courier New" charset="0"/>
+              </a:rPr>
+              <a:t>=4 </a:t>
+            </a:r>
+            <a:r>
+              <a:rPr lang="en-US" sz="1200" dirty="0" err="1">
+                <a:latin typeface="Courier New" charset="0"/>
+                <a:ea typeface="Courier New" charset="0"/>
+                <a:cs typeface="Courier New" charset="0"/>
+              </a:rPr>
+              <a:t>ttl</a:t>
+            </a:r>
+            <a:r>
+              <a:rPr lang="en-US" sz="1200" dirty="0">
+                <a:latin typeface="Courier New" charset="0"/>
+                <a:ea typeface="Courier New" charset="0"/>
+                <a:cs typeface="Courier New" charset="0"/>
+              </a:rPr>
+              <a:t>=54 time=38.442 </a:t>
+            </a:r>
+            <a:r>
+              <a:rPr lang="en-US" sz="1200" dirty="0" err="1" smtClean="0">
+                <a:latin typeface="Courier New" charset="0"/>
+                <a:ea typeface="Courier New" charset="0"/>
+                <a:cs typeface="Courier New" charset="0"/>
+              </a:rPr>
+              <a:t>ms</a:t>
+            </a:r>
+            <a:endParaRPr lang="en-US" sz="1200" dirty="0" smtClean="0">
+              <a:latin typeface="Courier New" charset="0"/>
+              <a:ea typeface="Courier New" charset="0"/>
+              <a:cs typeface="Courier New" charset="0"/>
+            </a:endParaRPr>
+          </a:p>
+          <a:p>
+            <a:r>
+              <a:rPr lang="en-US" sz="1200" dirty="0" smtClean="0">
+                <a:latin typeface="Courier New" charset="0"/>
+                <a:ea typeface="Courier New" charset="0"/>
+                <a:cs typeface="Courier New" charset="0"/>
+              </a:rPr>
+              <a:t>^</a:t>
+            </a:r>
+            <a:r>
+              <a:rPr lang="en-US" sz="1200" dirty="0">
+                <a:latin typeface="Courier New" charset="0"/>
+                <a:ea typeface="Courier New" charset="0"/>
+                <a:cs typeface="Courier New" charset="0"/>
+              </a:rPr>
+              <a:t>C--- </a:t>
+            </a:r>
+            <a:r>
+              <a:rPr lang="en-US" sz="1200" dirty="0" err="1">
+                <a:latin typeface="Courier New" charset="0"/>
+                <a:ea typeface="Courier New" charset="0"/>
+                <a:cs typeface="Courier New" charset="0"/>
+              </a:rPr>
+              <a:t>yahoo.com</a:t>
+            </a:r>
+            <a:r>
+              <a:rPr lang="en-US" sz="1200" dirty="0">
+                <a:latin typeface="Courier New" charset="0"/>
+                <a:ea typeface="Courier New" charset="0"/>
+                <a:cs typeface="Courier New" charset="0"/>
+              </a:rPr>
+              <a:t> ping statistics ---5 packets transmitted, 5 packets received, 0.0% packet </a:t>
+            </a:r>
+            <a:r>
+              <a:rPr lang="en-US" sz="1200" dirty="0" err="1">
+                <a:latin typeface="Courier New" charset="0"/>
+                <a:ea typeface="Courier New" charset="0"/>
+                <a:cs typeface="Courier New" charset="0"/>
+              </a:rPr>
+              <a:t>lossround</a:t>
+            </a:r>
+            <a:r>
+              <a:rPr lang="en-US" sz="1200" dirty="0">
+                <a:latin typeface="Courier New" charset="0"/>
+                <a:ea typeface="Courier New" charset="0"/>
+                <a:cs typeface="Courier New" charset="0"/>
+              </a:rPr>
+              <a:t>-trip min/</a:t>
+            </a:r>
+            <a:r>
+              <a:rPr lang="en-US" sz="1200" dirty="0" err="1">
+                <a:latin typeface="Courier New" charset="0"/>
+                <a:ea typeface="Courier New" charset="0"/>
+                <a:cs typeface="Courier New" charset="0"/>
+              </a:rPr>
+              <a:t>avg</a:t>
+            </a:r>
+            <a:r>
+              <a:rPr lang="en-US" sz="1200" dirty="0">
+                <a:latin typeface="Courier New" charset="0"/>
+                <a:ea typeface="Courier New" charset="0"/>
+                <a:cs typeface="Courier New" charset="0"/>
+              </a:rPr>
+              <a:t>/max/</a:t>
+            </a:r>
+            <a:r>
+              <a:rPr lang="en-US" sz="1200" dirty="0" err="1">
+                <a:latin typeface="Courier New" charset="0"/>
+                <a:ea typeface="Courier New" charset="0"/>
+                <a:cs typeface="Courier New" charset="0"/>
+              </a:rPr>
+              <a:t>stddev</a:t>
+            </a:r>
+            <a:r>
+              <a:rPr lang="en-US" sz="1200" dirty="0">
+                <a:latin typeface="Courier New" charset="0"/>
+                <a:ea typeface="Courier New" charset="0"/>
+                <a:cs typeface="Courier New" charset="0"/>
+              </a:rPr>
+              <a:t> = 33.469/34.878/38.442/1.902 </a:t>
+            </a:r>
+            <a:r>
+              <a:rPr lang="en-US" sz="1200" dirty="0" err="1">
+                <a:latin typeface="Courier New" charset="0"/>
+                <a:ea typeface="Courier New" charset="0"/>
+                <a:cs typeface="Courier New" charset="0"/>
+              </a:rPr>
+              <a:t>ms</a:t>
+            </a:r>
+            <a:endParaRPr lang="en-US" sz="1200" dirty="0">
+              <a:latin typeface="Courier New" charset="0"/>
+              <a:ea typeface="Courier New" charset="0"/>
+              <a:cs typeface="Courier New" charset="0"/>
+            </a:endParaRPr>
+          </a:p>
+        </p:txBody>
+      </p:sp>
+      <p:sp>
+        <p:nvSpPr>
+          <p:cNvPr id="3" name="Content Placeholder 2"/>
+          <p:cNvSpPr>
+            <a:spLocks noGrp="1"/>
+          </p:cNvSpPr>
+          <p:nvPr>
+            <p:ph type="body" sz="half" idx="2"/>
+          </p:nvPr>
+        </p:nvSpPr>
+        <p:spPr/>
+        <p:txBody>
+          <a:bodyPr>
+            <a:normAutofit/>
+          </a:bodyPr>
+          <a:lstStyle/>
+          <a:p>
+            <a:r>
+              <a:rPr lang="en-US" dirty="0" smtClean="0"/>
+              <a:t>Least known or understood</a:t>
+            </a:r>
+          </a:p>
+          <a:p>
+            <a:r>
+              <a:rPr lang="en-US" dirty="0" smtClean="0"/>
+              <a:t>Change in latency over time</a:t>
+            </a:r>
+          </a:p>
+          <a:p>
+            <a:endParaRPr lang="en-US" dirty="0" smtClean="0"/>
+          </a:p>
+        </p:txBody>
+      </p:sp>
+      <p:sp>
+        <p:nvSpPr>
+          <p:cNvPr id="4" name="Footer Placeholder 3"/>
+          <p:cNvSpPr>
+            <a:spLocks noGrp="1"/>
+          </p:cNvSpPr>
+          <p:nvPr>
+            <p:ph type="ftr" sz="quarter" idx="11"/>
+          </p:nvPr>
+        </p:nvSpPr>
+        <p:spPr/>
+        <p:txBody>
+          <a:bodyPr/>
+          <a:lstStyle/>
+          <a:p>
+            <a:r>
+              <a:rPr lang="en-US" smtClean="0"/>
+              <a:t>Introduction to Operating Systems</a:t>
+            </a:r>
+            <a:endParaRPr lang="en-US" dirty="0"/>
+          </a:p>
+        </p:txBody>
+      </p:sp>
+    </p:spTree>
+    <p:extLst>
+      <p:ext uri="{BB962C8B-B14F-4D97-AF65-F5344CB8AC3E}">
+        <p14:creationId xmlns:p14="http://schemas.microsoft.com/office/powerpoint/2010/main" val="1701143928"/>
+      </p:ext>
+    </p:extLst>
+  </p:cSld>
+  <p:clrMapOvr>
+    <a:masterClrMapping/>
+  </p:clrMapOvr>
+  <p:timing>
+    <p:tnLst>
+      <p:par>
+        <p:cTn id="1" dur="indefinite" restart="never" nodeType="tmRoot"/>
+      </p:par>
+    </p:tnLst>
+  </p:timing>
+</p:sld>
+</file>
+
+<file path=ppt/slides/slide22.xml><?xml version="1.0" encoding="utf-8"?>
+<p:sld xmlns:a="http://schemas.openxmlformats.org/drawingml/2006/main" xmlns:r="http://schemas.openxmlformats.org/officeDocument/2006/relationships" xmlns:p="http://schemas.openxmlformats.org/presentationml/2006/main">
+  <p:cSld>
+    <p:spTree>
+      <p:nvGrpSpPr>
+        <p:cNvPr id="1" name=""/>
+        <p:cNvGrpSpPr/>
+        <p:nvPr/>
+      </p:nvGrpSpPr>
+      <p:grpSpPr>
+        <a:xfrm>
+          <a:off x="0" y="0"/>
+          <a:ext cx="0" cy="0"/>
+          <a:chOff x="0" y="0"/>
+          <a:chExt cx="0" cy="0"/>
+        </a:xfrm>
+      </p:grpSpPr>
+      <p:sp>
+        <p:nvSpPr>
+          <p:cNvPr id="6" name="Title 5"/>
+          <p:cNvSpPr>
+            <a:spLocks noGrp="1"/>
+          </p:cNvSpPr>
+          <p:nvPr>
+            <p:ph type="title"/>
+          </p:nvPr>
+        </p:nvSpPr>
+        <p:spPr/>
+        <p:txBody>
+          <a:bodyPr/>
+          <a:lstStyle/>
+          <a:p>
+            <a:r>
+              <a:rPr lang="en-US" dirty="0" smtClean="0"/>
+              <a:t>Who cares about jitter?</a:t>
+            </a:r>
+            <a:endParaRPr lang="en-US" dirty="0"/>
+          </a:p>
+        </p:txBody>
+      </p:sp>
+      <p:sp>
+        <p:nvSpPr>
+          <p:cNvPr id="7" name="Content Placeholder 6"/>
+          <p:cNvSpPr>
+            <a:spLocks noGrp="1"/>
+          </p:cNvSpPr>
+          <p:nvPr>
+            <p:ph idx="1"/>
+          </p:nvPr>
+        </p:nvSpPr>
+        <p:spPr/>
+        <p:txBody>
+          <a:bodyPr/>
+          <a:lstStyle/>
+          <a:p>
+            <a:r>
+              <a:rPr lang="en-US" dirty="0" smtClean="0"/>
+              <a:t>Network time protocols such as NTP and PTP</a:t>
+            </a:r>
+          </a:p>
+          <a:p>
+            <a:r>
+              <a:rPr lang="en-US" dirty="0" smtClean="0"/>
+              <a:t>Real-Time Operating Systems</a:t>
+            </a:r>
+          </a:p>
+          <a:p>
+            <a:pPr lvl="1"/>
+            <a:r>
+              <a:rPr lang="en-US" dirty="0" smtClean="0"/>
+              <a:t>Flight safety</a:t>
+            </a:r>
+          </a:p>
+          <a:p>
+            <a:pPr lvl="1"/>
+            <a:r>
+              <a:rPr lang="en-US" dirty="0" smtClean="0"/>
+              <a:t>Robotics</a:t>
+            </a:r>
+          </a:p>
+          <a:p>
+            <a:pPr lvl="1"/>
+            <a:r>
+              <a:rPr lang="en-US" dirty="0" smtClean="0"/>
+              <a:t>Things that move in the real world</a:t>
+            </a:r>
+          </a:p>
+          <a:p>
+            <a:r>
+              <a:rPr lang="en-US" dirty="0" smtClean="0"/>
+              <a:t>High fidelity data recording</a:t>
+            </a:r>
+          </a:p>
+          <a:p>
+            <a:pPr lvl="1"/>
+            <a:r>
+              <a:rPr lang="en-US" dirty="0" smtClean="0"/>
+              <a:t>Climate</a:t>
+            </a:r>
+          </a:p>
+          <a:p>
+            <a:pPr lvl="1"/>
+            <a:r>
+              <a:rPr lang="en-US" dirty="0" smtClean="0"/>
+              <a:t>Oceanography</a:t>
+            </a:r>
+          </a:p>
+          <a:p>
+            <a:r>
+              <a:rPr lang="en-US" dirty="0" smtClean="0"/>
+              <a:t>Audio Systems</a:t>
+            </a:r>
+          </a:p>
+          <a:p>
+            <a:r>
+              <a:rPr lang="en-US" dirty="0" err="1" smtClean="0"/>
+              <a:t>Lipsynch</a:t>
+            </a:r>
+            <a:endParaRPr lang="en-US" dirty="0"/>
+          </a:p>
+        </p:txBody>
+      </p:sp>
+      <p:sp>
+        <p:nvSpPr>
+          <p:cNvPr id="5" name="Footer Placeholder 4"/>
+          <p:cNvSpPr>
+            <a:spLocks noGrp="1"/>
+          </p:cNvSpPr>
+          <p:nvPr>
+            <p:ph type="ftr" sz="quarter" idx="11"/>
+          </p:nvPr>
+        </p:nvSpPr>
+        <p:spPr/>
+        <p:txBody>
+          <a:bodyPr/>
+          <a:lstStyle/>
+          <a:p>
+            <a:r>
+              <a:rPr lang="en-US" smtClean="0"/>
+              <a:t>Introduction to Operating Systems</a:t>
+            </a:r>
+            <a:endParaRPr lang="en-US"/>
+          </a:p>
+        </p:txBody>
+      </p:sp>
+    </p:spTree>
+    <p:extLst>
+      <p:ext uri="{BB962C8B-B14F-4D97-AF65-F5344CB8AC3E}">
+        <p14:creationId xmlns:p14="http://schemas.microsoft.com/office/powerpoint/2010/main" val="1279974992"/>
+      </p:ext>
+    </p:extLst>
+  </p:cSld>
+  <p:clrMapOvr>
+    <a:masterClrMapping/>
+  </p:clrMapOvr>
+</p:sld>
+</file>
+
+<file path=ppt/slides/slide23.xml><?xml version="1.0" encoding="utf-8"?>
+<p:sld xmlns:a="http://schemas.openxmlformats.org/drawingml/2006/main" xmlns:r="http://schemas.openxmlformats.org/officeDocument/2006/relationships" xmlns:p="http://schemas.openxmlformats.org/presentationml/2006/main">
+  <p:cSld>
+    <p:spTree>
+      <p:nvGrpSpPr>
+        <p:cNvPr id="1" name=""/>
+        <p:cNvGrpSpPr/>
+        <p:nvPr/>
+      </p:nvGrpSpPr>
+      <p:grpSpPr>
+        <a:xfrm>
+          <a:off x="0" y="0"/>
+          <a:ext cx="0" cy="0"/>
+          <a:chOff x="0" y="0"/>
+          <a:chExt cx="0" cy="0"/>
+        </a:xfrm>
+      </p:grpSpPr>
+      <p:sp>
+        <p:nvSpPr>
+          <p:cNvPr id="2" name="Title 1"/>
+          <p:cNvSpPr>
+            <a:spLocks noGrp="1"/>
+          </p:cNvSpPr>
+          <p:nvPr>
+            <p:ph type="title"/>
+          </p:nvPr>
+        </p:nvSpPr>
+        <p:spPr/>
+        <p:txBody>
+          <a:bodyPr/>
+          <a:lstStyle/>
+          <a:p>
+            <a:r>
+              <a:rPr lang="en-US" dirty="0" smtClean="0"/>
+              <a:t>Judging the Code</a:t>
+            </a:r>
+            <a:endParaRPr lang="en-US" dirty="0"/>
+          </a:p>
+        </p:txBody>
+      </p:sp>
+      <p:sp>
+        <p:nvSpPr>
+          <p:cNvPr id="3" name="Content Placeholder 2"/>
+          <p:cNvSpPr>
+            <a:spLocks noGrp="1"/>
+          </p:cNvSpPr>
+          <p:nvPr>
+            <p:ph idx="1"/>
+          </p:nvPr>
+        </p:nvSpPr>
+        <p:spPr/>
+        <p:txBody>
+          <a:bodyPr/>
+          <a:lstStyle/>
+          <a:p>
+            <a:r>
+              <a:rPr lang="en-US" dirty="0" smtClean="0"/>
+              <a:t>Complexity</a:t>
+            </a:r>
+          </a:p>
+          <a:p>
+            <a:r>
+              <a:rPr lang="en-US" dirty="0" smtClean="0"/>
+              <a:t>Composability</a:t>
+            </a:r>
+          </a:p>
+          <a:p>
+            <a:r>
+              <a:rPr lang="en-US" dirty="0" err="1" smtClean="0"/>
+              <a:t>Tracatability</a:t>
+            </a:r>
+            <a:endParaRPr lang="en-US" dirty="0" smtClean="0"/>
+          </a:p>
+        </p:txBody>
+      </p:sp>
+      <p:sp>
+        <p:nvSpPr>
+          <p:cNvPr id="4" name="Footer Placeholder 3"/>
+          <p:cNvSpPr>
+            <a:spLocks noGrp="1"/>
+          </p:cNvSpPr>
+          <p:nvPr>
+            <p:ph type="ftr" sz="quarter" idx="11"/>
+          </p:nvPr>
+        </p:nvSpPr>
+        <p:spPr/>
+        <p:txBody>
+          <a:bodyPr/>
+          <a:lstStyle/>
+          <a:p>
+            <a:r>
+              <a:rPr lang="en-US" smtClean="0"/>
+              <a:t>Introduction to Operating Systems</a:t>
+            </a:r>
+            <a:endParaRPr lang="en-US" dirty="0"/>
+          </a:p>
+        </p:txBody>
+      </p:sp>
+    </p:spTree>
+    <p:extLst>
+      <p:ext uri="{BB962C8B-B14F-4D97-AF65-F5344CB8AC3E}">
+        <p14:creationId xmlns:p14="http://schemas.microsoft.com/office/powerpoint/2010/main" val="2058892444"/>
+      </p:ext>
+    </p:extLst>
+  </p:cSld>
+  <p:clrMapOvr>
+    <a:masterClrMapping/>
+  </p:clrMapOvr>
+  <p:timing>
+    <p:tnLst>
+      <p:par>
+        <p:cTn id="1" dur="indefinite" restart="never" nodeType="tmRoot"/>
+      </p:par>
+    </p:tnLst>
+  </p:timing>
+</p:sld>
+</file>
+
+<file path=ppt/slides/slide24.xml><?xml version="1.0" encoding="utf-8"?>
+<p:sld xmlns:a="http://schemas.openxmlformats.org/drawingml/2006/main" xmlns:r="http://schemas.openxmlformats.org/officeDocument/2006/relationships" xmlns:p="http://schemas.openxmlformats.org/presentationml/2006/main">
+  <p:cSld>
+    <p:spTree>
+      <p:nvGrpSpPr>
+        <p:cNvPr id="1" name=""/>
+        <p:cNvGrpSpPr/>
+        <p:nvPr/>
+      </p:nvGrpSpPr>
+      <p:grpSpPr>
+        <a:xfrm>
+          <a:off x="0" y="0"/>
+          <a:ext cx="0" cy="0"/>
+          <a:chOff x="0" y="0"/>
+          <a:chExt cx="0" cy="0"/>
+        </a:xfrm>
+      </p:grpSpPr>
+      <p:sp>
+        <p:nvSpPr>
+          <p:cNvPr id="2" name="Title 1"/>
+          <p:cNvSpPr>
+            <a:spLocks noGrp="1"/>
+          </p:cNvSpPr>
+          <p:nvPr>
+            <p:ph type="title"/>
+          </p:nvPr>
+        </p:nvSpPr>
+        <p:spPr/>
+        <p:txBody>
+          <a:bodyPr/>
+          <a:lstStyle/>
+          <a:p>
+            <a:r>
+              <a:rPr lang="en-US" dirty="0" smtClean="0"/>
+              <a:t>Complexity</a:t>
+            </a:r>
+            <a:endParaRPr lang="en-US" dirty="0"/>
+          </a:p>
+        </p:txBody>
+      </p:sp>
+      <p:sp>
+        <p:nvSpPr>
+          <p:cNvPr id="3" name="Content Placeholder 2"/>
+          <p:cNvSpPr>
+            <a:spLocks noGrp="1"/>
+          </p:cNvSpPr>
+          <p:nvPr>
+            <p:ph idx="1"/>
+          </p:nvPr>
+        </p:nvSpPr>
+        <p:spPr/>
+        <p:txBody>
+          <a:bodyPr/>
+          <a:lstStyle/>
+          <a:p>
+            <a:endParaRPr lang="en-US"/>
+          </a:p>
+        </p:txBody>
+      </p:sp>
+      <p:sp>
+        <p:nvSpPr>
+          <p:cNvPr id="4" name="Footer Placeholder 3"/>
+          <p:cNvSpPr>
+            <a:spLocks noGrp="1"/>
+          </p:cNvSpPr>
+          <p:nvPr>
+            <p:ph type="ftr" sz="quarter" idx="11"/>
+          </p:nvPr>
+        </p:nvSpPr>
+        <p:spPr/>
+        <p:txBody>
+          <a:bodyPr/>
+          <a:lstStyle/>
+          <a:p>
+            <a:r>
+              <a:rPr lang="en-US" smtClean="0"/>
+              <a:t>Introduction to Operating Systems</a:t>
+            </a:r>
+            <a:endParaRPr lang="en-US" dirty="0"/>
+          </a:p>
+        </p:txBody>
+      </p:sp>
+    </p:spTree>
+    <p:extLst>
+      <p:ext uri="{BB962C8B-B14F-4D97-AF65-F5344CB8AC3E}">
+        <p14:creationId xmlns:p14="http://schemas.microsoft.com/office/powerpoint/2010/main" val="1424878250"/>
+      </p:ext>
+    </p:extLst>
+  </p:cSld>
+  <p:clrMapOvr>
+    <a:masterClrMapping/>
+  </p:clrMapOvr>
+</p:sld>
+</file>
+
+<file path=ppt/slides/slide25.xml><?xml version="1.0" encoding="utf-8"?>
+<p:sld xmlns:a="http://schemas.openxmlformats.org/drawingml/2006/main" xmlns:r="http://schemas.openxmlformats.org/officeDocument/2006/relationships" xmlns:p="http://schemas.openxmlformats.org/presentationml/2006/main">
+  <p:cSld>
+    <p:spTree>
+      <p:nvGrpSpPr>
+        <p:cNvPr id="1" name=""/>
+        <p:cNvGrpSpPr/>
+        <p:nvPr/>
+      </p:nvGrpSpPr>
+      <p:grpSpPr>
+        <a:xfrm>
+          <a:off x="0" y="0"/>
+          <a:ext cx="0" cy="0"/>
+          <a:chOff x="0" y="0"/>
+          <a:chExt cx="0" cy="0"/>
+        </a:xfrm>
+      </p:grpSpPr>
+      <p:sp>
+        <p:nvSpPr>
+          <p:cNvPr id="2" name="Title 1"/>
+          <p:cNvSpPr>
+            <a:spLocks noGrp="1"/>
+          </p:cNvSpPr>
+          <p:nvPr>
+            <p:ph type="title"/>
+          </p:nvPr>
+        </p:nvSpPr>
+        <p:spPr/>
+        <p:txBody>
+          <a:bodyPr/>
+          <a:lstStyle/>
+          <a:p>
+            <a:r>
+              <a:rPr lang="en-US" dirty="0" smtClean="0"/>
+              <a:t>Composability</a:t>
+            </a:r>
+            <a:endParaRPr lang="en-US" dirty="0"/>
+          </a:p>
+        </p:txBody>
+      </p:sp>
+      <p:sp>
+        <p:nvSpPr>
+          <p:cNvPr id="3" name="Content Placeholder 2"/>
+          <p:cNvSpPr>
+            <a:spLocks noGrp="1"/>
+          </p:cNvSpPr>
+          <p:nvPr>
+            <p:ph idx="1"/>
+          </p:nvPr>
+        </p:nvSpPr>
+        <p:spPr/>
+        <p:txBody>
+          <a:bodyPr/>
+          <a:lstStyle/>
+          <a:p>
+            <a:endParaRPr lang="en-US"/>
+          </a:p>
+        </p:txBody>
+      </p:sp>
+      <p:sp>
+        <p:nvSpPr>
+          <p:cNvPr id="4" name="Footer Placeholder 3"/>
+          <p:cNvSpPr>
+            <a:spLocks noGrp="1"/>
+          </p:cNvSpPr>
+          <p:nvPr>
+            <p:ph type="ftr" sz="quarter" idx="11"/>
+          </p:nvPr>
+        </p:nvSpPr>
+        <p:spPr/>
+        <p:txBody>
+          <a:bodyPr/>
+          <a:lstStyle/>
+          <a:p>
+            <a:r>
+              <a:rPr lang="en-US" smtClean="0"/>
+              <a:t>Introduction to Operating Systems</a:t>
+            </a:r>
+            <a:endParaRPr lang="en-US" dirty="0"/>
+          </a:p>
+        </p:txBody>
+      </p:sp>
+    </p:spTree>
+    <p:extLst>
+      <p:ext uri="{BB962C8B-B14F-4D97-AF65-F5344CB8AC3E}">
+        <p14:creationId xmlns:p14="http://schemas.microsoft.com/office/powerpoint/2010/main" val="96884457"/>
+      </p:ext>
+    </p:extLst>
+  </p:cSld>
+  <p:clrMapOvr>
+    <a:masterClrMapping/>
+  </p:clrMapOvr>
+</p:sld>
+</file>
+
+<file path=ppt/slides/slide26.xml><?xml version="1.0" encoding="utf-8"?>
+<p:sld xmlns:a="http://schemas.openxmlformats.org/drawingml/2006/main" xmlns:r="http://schemas.openxmlformats.org/officeDocument/2006/relationships" xmlns:p="http://schemas.openxmlformats.org/presentationml/2006/main">
+  <p:cSld>
+    <p:spTree>
+      <p:nvGrpSpPr>
+        <p:cNvPr id="1" name=""/>
+        <p:cNvGrpSpPr/>
+        <p:nvPr/>
+      </p:nvGrpSpPr>
+      <p:grpSpPr>
+        <a:xfrm>
+          <a:off x="0" y="0"/>
+          <a:ext cx="0" cy="0"/>
+          <a:chOff x="0" y="0"/>
+          <a:chExt cx="0" cy="0"/>
+        </a:xfrm>
+      </p:grpSpPr>
+      <p:sp>
+        <p:nvSpPr>
+          <p:cNvPr id="2" name="Title 1"/>
+          <p:cNvSpPr>
+            <a:spLocks noGrp="1"/>
+          </p:cNvSpPr>
+          <p:nvPr>
+            <p:ph type="title"/>
+          </p:nvPr>
+        </p:nvSpPr>
+        <p:spPr/>
+        <p:txBody>
+          <a:bodyPr/>
+          <a:lstStyle/>
+          <a:p>
+            <a:r>
+              <a:rPr lang="en-US" dirty="0" smtClean="0"/>
+              <a:t>Tractability</a:t>
+            </a:r>
+            <a:endParaRPr lang="en-US" dirty="0"/>
+          </a:p>
+        </p:txBody>
+      </p:sp>
+      <p:sp>
+        <p:nvSpPr>
+          <p:cNvPr id="3" name="Content Placeholder 2"/>
+          <p:cNvSpPr>
+            <a:spLocks noGrp="1"/>
+          </p:cNvSpPr>
+          <p:nvPr>
+            <p:ph idx="1"/>
+          </p:nvPr>
+        </p:nvSpPr>
+        <p:spPr/>
+        <p:txBody>
+          <a:bodyPr/>
+          <a:lstStyle/>
+          <a:p>
+            <a:endParaRPr lang="en-US"/>
+          </a:p>
+        </p:txBody>
+      </p:sp>
+      <p:sp>
+        <p:nvSpPr>
+          <p:cNvPr id="4" name="Footer Placeholder 3"/>
+          <p:cNvSpPr>
+            <a:spLocks noGrp="1"/>
+          </p:cNvSpPr>
+          <p:nvPr>
+            <p:ph type="ftr" sz="quarter" idx="11"/>
+          </p:nvPr>
+        </p:nvSpPr>
+        <p:spPr/>
+        <p:txBody>
+          <a:bodyPr/>
+          <a:lstStyle/>
+          <a:p>
+            <a:r>
+              <a:rPr lang="en-US" smtClean="0"/>
+              <a:t>Introduction to Operating Systems</a:t>
+            </a:r>
+            <a:endParaRPr lang="en-US" dirty="0"/>
+          </a:p>
+        </p:txBody>
+      </p:sp>
+    </p:spTree>
+    <p:extLst>
+      <p:ext uri="{BB962C8B-B14F-4D97-AF65-F5344CB8AC3E}">
+        <p14:creationId xmlns:p14="http://schemas.microsoft.com/office/powerpoint/2010/main" val="334571694"/>
+      </p:ext>
+    </p:extLst>
+  </p:cSld>
+  <p:clrMapOvr>
+    <a:masterClrMapping/>
+  </p:clrMapOvr>
+</p:sld>
+</file>
+
+<file path=ppt/slides/slide27.xml><?xml version="1.0" encoding="utf-8"?>
+<p:sld xmlns:a="http://schemas.openxmlformats.org/drawingml/2006/main" xmlns:r="http://schemas.openxmlformats.org/officeDocument/2006/relationships" xmlns:p="http://schemas.openxmlformats.org/presentationml/2006/main">
+  <p:cSld>
+    <p:spTree>
+      <p:nvGrpSpPr>
+        <p:cNvPr id="1" name=""/>
+        <p:cNvGrpSpPr/>
+        <p:nvPr/>
+      </p:nvGrpSpPr>
+      <p:grpSpPr>
+        <a:xfrm>
+          <a:off x="0" y="0"/>
+          <a:ext cx="0" cy="0"/>
+          <a:chOff x="0" y="0"/>
+          <a:chExt cx="0" cy="0"/>
+        </a:xfrm>
+      </p:grpSpPr>
+      <p:sp>
+        <p:nvSpPr>
+          <p:cNvPr id="2" name="Title 1"/>
+          <p:cNvSpPr>
+            <a:spLocks noGrp="1"/>
+          </p:cNvSpPr>
+          <p:nvPr>
+            <p:ph type="title"/>
+          </p:nvPr>
+        </p:nvSpPr>
+        <p:spPr/>
+        <p:txBody>
+          <a:bodyPr/>
+          <a:lstStyle/>
+          <a:p>
+            <a:r>
+              <a:rPr lang="en-US" dirty="0" smtClean="0"/>
               <a:t>FreeBSD</a:t>
             </a:r>
             <a:endParaRPr lang="en-US" dirty="0"/>
@@ -6452,7 +8605,7 @@
 </p:sld>
 </file>
 
-<file path=ppt/slides/slide17.xml><?xml version="1.0" encoding="utf-8"?>
+<file path=ppt/slides/slide28.xml><?xml version="1.0" encoding="utf-8"?>
 <p:sld xmlns:a="http://schemas.openxmlformats.org/drawingml/2006/main" xmlns:r="http://schemas.openxmlformats.org/officeDocument/2006/relationships" xmlns:p="http://schemas.openxmlformats.org/presentationml/2006/main">
   <p:cSld>
     <p:spTree>
@@ -6615,7 +8768,7 @@
 </p:sld>
 </file>
 
-<file path=ppt/slides/slide18.xml><?xml version="1.0" encoding="utf-8"?>
+<file path=ppt/slides/slide29.xml><?xml version="1.0" encoding="utf-8"?>
 <p:sld xmlns:a="http://schemas.openxmlformats.org/drawingml/2006/main" xmlns:r="http://schemas.openxmlformats.org/officeDocument/2006/relationships" xmlns:p="http://schemas.openxmlformats.org/presentationml/2006/main">
   <p:cSld>
     <p:spTree>
@@ -6744,7 +8897,256 @@
 </p:sld>
 </file>
 
-<file path=ppt/slides/slide19.xml><?xml version="1.0" encoding="utf-8"?>
+<file path=ppt/slides/slide3.xml><?xml version="1.0" encoding="utf-8"?>
+<p:sld xmlns:a="http://schemas.openxmlformats.org/drawingml/2006/main" xmlns:r="http://schemas.openxmlformats.org/officeDocument/2006/relationships" xmlns:p="http://schemas.openxmlformats.org/presentationml/2006/main">
+  <p:cSld>
+    <p:spTree>
+      <p:nvGrpSpPr>
+        <p:cNvPr id="1" name=""/>
+        <p:cNvGrpSpPr/>
+        <p:nvPr/>
+      </p:nvGrpSpPr>
+      <p:grpSpPr>
+        <a:xfrm>
+          <a:off x="0" y="0"/>
+          <a:ext cx="0" cy="0"/>
+          <a:chOff x="0" y="0"/>
+          <a:chExt cx="0" cy="0"/>
+        </a:xfrm>
+      </p:grpSpPr>
+      <p:sp>
+        <p:nvSpPr>
+          <p:cNvPr id="2" name="Title 1"/>
+          <p:cNvSpPr>
+            <a:spLocks noGrp="1"/>
+          </p:cNvSpPr>
+          <p:nvPr>
+            <p:ph type="title"/>
+          </p:nvPr>
+        </p:nvSpPr>
+        <p:spPr/>
+        <p:txBody>
+          <a:bodyPr/>
+          <a:lstStyle/>
+          <a:p>
+            <a:r>
+              <a:rPr lang="en-US" dirty="0" smtClean="0"/>
+              <a:t>Course Outline</a:t>
+            </a:r>
+            <a:endParaRPr lang="en-US" dirty="0"/>
+          </a:p>
+        </p:txBody>
+      </p:sp>
+      <p:sp>
+        <p:nvSpPr>
+          <p:cNvPr id="5" name="Text Placeholder 4"/>
+          <p:cNvSpPr>
+            <a:spLocks noGrp="1"/>
+          </p:cNvSpPr>
+          <p:nvPr>
+            <p:ph type="body" idx="1"/>
+          </p:nvPr>
+        </p:nvSpPr>
+        <p:spPr/>
+        <p:txBody>
+          <a:bodyPr/>
+          <a:lstStyle/>
+          <a:p>
+            <a:r>
+              <a:rPr lang="en-US" dirty="0" smtClean="0"/>
+              <a:t>Day 1</a:t>
+            </a:r>
+            <a:endParaRPr lang="en-US" dirty="0"/>
+          </a:p>
+        </p:txBody>
+      </p:sp>
+      <p:sp>
+        <p:nvSpPr>
+          <p:cNvPr id="6" name="Content Placeholder 5"/>
+          <p:cNvSpPr>
+            <a:spLocks noGrp="1"/>
+          </p:cNvSpPr>
+          <p:nvPr>
+            <p:ph sz="half" idx="2"/>
+          </p:nvPr>
+        </p:nvSpPr>
+        <p:spPr/>
+        <p:txBody>
+          <a:bodyPr/>
+          <a:lstStyle/>
+          <a:p>
+            <a:r>
+              <a:rPr lang="en-US" dirty="0" smtClean="0"/>
+              <a:t>High </a:t>
+            </a:r>
+            <a:r>
+              <a:rPr lang="en-US" dirty="0"/>
+              <a:t>Level Definitions</a:t>
+            </a:r>
+          </a:p>
+          <a:p>
+            <a:r>
+              <a:rPr lang="en-US" dirty="0" smtClean="0"/>
+              <a:t>History</a:t>
+            </a:r>
+            <a:endParaRPr lang="en-US" dirty="0"/>
+          </a:p>
+          <a:p>
+            <a:r>
+              <a:rPr lang="en-US" dirty="0" smtClean="0"/>
+              <a:t>Introduction </a:t>
+            </a:r>
+            <a:r>
+              <a:rPr lang="en-US" dirty="0"/>
+              <a:t>to Tracing</a:t>
+            </a:r>
+          </a:p>
+          <a:p>
+            <a:r>
+              <a:rPr lang="en-US" dirty="0" smtClean="0"/>
+              <a:t>Lab </a:t>
+            </a:r>
+            <a:r>
+              <a:rPr lang="en-US" dirty="0"/>
+              <a:t>1: System Setup and First Traces</a:t>
+            </a:r>
+          </a:p>
+          <a:p>
+            <a:endParaRPr lang="en-US" dirty="0"/>
+          </a:p>
+        </p:txBody>
+      </p:sp>
+      <p:sp>
+        <p:nvSpPr>
+          <p:cNvPr id="7" name="Text Placeholder 6"/>
+          <p:cNvSpPr>
+            <a:spLocks noGrp="1"/>
+          </p:cNvSpPr>
+          <p:nvPr>
+            <p:ph type="body" sz="quarter" idx="3"/>
+          </p:nvPr>
+        </p:nvSpPr>
+        <p:spPr/>
+        <p:txBody>
+          <a:bodyPr/>
+          <a:lstStyle/>
+          <a:p>
+            <a:r>
+              <a:rPr lang="en-US" dirty="0" smtClean="0"/>
+              <a:t>Day 2</a:t>
+            </a:r>
+            <a:endParaRPr lang="en-US" dirty="0"/>
+          </a:p>
+        </p:txBody>
+      </p:sp>
+      <p:sp>
+        <p:nvSpPr>
+          <p:cNvPr id="8" name="Content Placeholder 7"/>
+          <p:cNvSpPr>
+            <a:spLocks noGrp="1"/>
+          </p:cNvSpPr>
+          <p:nvPr>
+            <p:ph sz="quarter" idx="4"/>
+          </p:nvPr>
+        </p:nvSpPr>
+        <p:spPr/>
+        <p:txBody>
+          <a:bodyPr/>
+          <a:lstStyle/>
+          <a:p>
+            <a:r>
+              <a:rPr lang="en-US" dirty="0" smtClean="0"/>
+              <a:t>Quiz</a:t>
+            </a:r>
+            <a:endParaRPr lang="en-US" dirty="0"/>
+          </a:p>
+          <a:p>
+            <a:r>
+              <a:rPr lang="en-US" dirty="0" smtClean="0"/>
+              <a:t>Processes</a:t>
+            </a:r>
+            <a:endParaRPr lang="en-US" dirty="0"/>
+          </a:p>
+          <a:p>
+            <a:r>
+              <a:rPr lang="en-US" dirty="0" smtClean="0"/>
+              <a:t>Locking</a:t>
+            </a:r>
+            <a:endParaRPr lang="en-US" dirty="0"/>
+          </a:p>
+          <a:p>
+            <a:r>
+              <a:rPr lang="en-US" dirty="0" smtClean="0"/>
+              <a:t>Scheduling</a:t>
+            </a:r>
+            <a:endParaRPr lang="en-US" dirty="0"/>
+          </a:p>
+          <a:p>
+            <a:r>
+              <a:rPr lang="en-US" dirty="0" smtClean="0"/>
+              <a:t>Virtual </a:t>
+            </a:r>
+            <a:r>
+              <a:rPr lang="en-US" dirty="0"/>
+              <a:t>Memory</a:t>
+            </a:r>
+          </a:p>
+          <a:p>
+            <a:r>
+              <a:rPr lang="en-US" dirty="0" smtClean="0"/>
+              <a:t>Lab </a:t>
+            </a:r>
+            <a:r>
+              <a:rPr lang="en-US" dirty="0"/>
+              <a:t>2: Tracking Processes</a:t>
+            </a:r>
+          </a:p>
+        </p:txBody>
+      </p:sp>
+      <p:sp>
+        <p:nvSpPr>
+          <p:cNvPr id="4" name="Footer Placeholder 3"/>
+          <p:cNvSpPr>
+            <a:spLocks noGrp="1"/>
+          </p:cNvSpPr>
+          <p:nvPr>
+            <p:ph type="ftr" sz="quarter" idx="11"/>
+          </p:nvPr>
+        </p:nvSpPr>
+        <p:spPr/>
+        <p:txBody>
+          <a:bodyPr/>
+          <a:lstStyle/>
+          <a:p>
+            <a:r>
+              <a:rPr lang="en-US" smtClean="0"/>
+              <a:t>Introduction to Operating Systems</a:t>
+            </a:r>
+            <a:endParaRPr lang="en-US" dirty="0"/>
+          </a:p>
+        </p:txBody>
+      </p:sp>
+    </p:spTree>
+    <p:extLst>
+      <p:ext uri="{BB962C8B-B14F-4D97-AF65-F5344CB8AC3E}">
+        <p14:creationId xmlns:p14="http://schemas.microsoft.com/office/powerpoint/2010/main" val="1691063372"/>
+      </p:ext>
+    </p:extLst>
+  </p:cSld>
+  <p:clrMapOvr>
+    <a:masterClrMapping/>
+  </p:clrMapOvr>
+  <p:timing>
+    <p:tnLst>
+      <p:par>
+        <p:cTn id="1" dur="indefinite" restart="never" nodeType="tmRoot"/>
+      </p:par>
+    </p:tnLst>
+  </p:timing>
+</p:sld>
+</file>
+
+<file path=ppt/slides/slide30.xml><?xml version="1.0" encoding="utf-8"?>
 <p:sld xmlns:a="http://schemas.openxmlformats.org/drawingml/2006/main" xmlns:r="http://schemas.openxmlformats.org/officeDocument/2006/relationships" xmlns:p="http://schemas.openxmlformats.org/presentationml/2006/main">
   <p:cSld>
     <p:spTree>
@@ -6857,136 +9259,7 @@
 </p:sld>
 </file>
 
-<file path=ppt/slides/slide2.xml><?xml version="1.0" encoding="utf-8"?>
-<p:sld xmlns:a="http://schemas.openxmlformats.org/drawingml/2006/main" xmlns:r="http://schemas.openxmlformats.org/officeDocument/2006/relationships" xmlns:p="http://schemas.openxmlformats.org/presentationml/2006/main">
-  <p:cSld>
-    <p:spTree>
-      <p:nvGrpSpPr>
-        <p:cNvPr id="1" name=""/>
-        <p:cNvGrpSpPr/>
-        <p:nvPr/>
-      </p:nvGrpSpPr>
-      <p:grpSpPr>
-        <a:xfrm>
-          <a:off x="0" y="0"/>
-          <a:ext cx="0" cy="0"/>
-          <a:chOff x="0" y="0"/>
-          <a:chExt cx="0" cy="0"/>
-        </a:xfrm>
-      </p:grpSpPr>
-      <p:sp>
-        <p:nvSpPr>
-          <p:cNvPr id="2" name="Title 1"/>
-          <p:cNvSpPr>
-            <a:spLocks noGrp="1"/>
-          </p:cNvSpPr>
-          <p:nvPr>
-            <p:ph type="title"/>
-          </p:nvPr>
-        </p:nvSpPr>
-        <p:spPr/>
-        <p:txBody>
-          <a:bodyPr/>
-          <a:lstStyle/>
-          <a:p>
-            <a:r>
-              <a:rPr lang="en-US" dirty="0" smtClean="0"/>
-              <a:t>Objectives</a:t>
-            </a:r>
-            <a:endParaRPr lang="en-US" dirty="0"/>
-          </a:p>
-        </p:txBody>
-      </p:sp>
-      <p:sp>
-        <p:nvSpPr>
-          <p:cNvPr id="3" name="Content Placeholder 2"/>
-          <p:cNvSpPr>
-            <a:spLocks noGrp="1"/>
-          </p:cNvSpPr>
-          <p:nvPr>
-            <p:ph idx="1"/>
-          </p:nvPr>
-        </p:nvSpPr>
-        <p:spPr/>
-        <p:txBody>
-          <a:bodyPr/>
-          <a:lstStyle/>
-          <a:p>
-            <a:r>
-              <a:rPr lang="en-US" dirty="0" smtClean="0"/>
-              <a:t>A </a:t>
-            </a:r>
-            <a:r>
-              <a:rPr lang="en-US" dirty="0"/>
-              <a:t>grounding in systems principles</a:t>
-            </a:r>
-          </a:p>
-          <a:p>
-            <a:r>
-              <a:rPr lang="en-US" dirty="0" smtClean="0"/>
-              <a:t>A </a:t>
-            </a:r>
-            <a:r>
-              <a:rPr lang="en-US" dirty="0"/>
-              <a:t>grand tour of the Operating System</a:t>
-            </a:r>
-          </a:p>
-          <a:p>
-            <a:r>
-              <a:rPr lang="en-US" dirty="0" smtClean="0"/>
-              <a:t>Practical </a:t>
-            </a:r>
-            <a:r>
-              <a:rPr lang="en-US" dirty="0"/>
-              <a:t>insights into how the OS works</a:t>
-            </a:r>
-          </a:p>
-        </p:txBody>
-      </p:sp>
-      <p:sp>
-        <p:nvSpPr>
-          <p:cNvPr id="5" name="Footer Placeholder 4"/>
-          <p:cNvSpPr>
-            <a:spLocks noGrp="1"/>
-          </p:cNvSpPr>
-          <p:nvPr>
-            <p:ph type="ftr" sz="quarter" idx="11"/>
-          </p:nvPr>
-        </p:nvSpPr>
-        <p:spPr/>
-        <p:txBody>
-          <a:bodyPr/>
-          <a:lstStyle/>
-          <a:p>
-            <a:r>
-              <a:rPr lang="en-US" smtClean="0"/>
-              <a:t>Introduction to Operating Systems</a:t>
-            </a:r>
-            <a:endParaRPr lang="en-US" dirty="0"/>
-          </a:p>
-        </p:txBody>
-      </p:sp>
-    </p:spTree>
-    <p:extLst>
-      <p:ext uri="{BB962C8B-B14F-4D97-AF65-F5344CB8AC3E}">
-        <p14:creationId xmlns:p14="http://schemas.microsoft.com/office/powerpoint/2010/main" val="1886148566"/>
-      </p:ext>
-    </p:extLst>
-  </p:cSld>
-  <p:clrMapOvr>
-    <a:masterClrMapping/>
-  </p:clrMapOvr>
-  <p:timing>
-    <p:tnLst>
-      <p:par>
-        <p:cTn id="1" dur="indefinite" restart="never" nodeType="tmRoot"/>
-      </p:par>
-    </p:tnLst>
-  </p:timing>
-</p:sld>
-</file>
-
-<file path=ppt/slides/slide20.xml><?xml version="1.0" encoding="utf-8"?>
+<file path=ppt/slides/slide31.xml><?xml version="1.0" encoding="utf-8"?>
 <p:sld xmlns:a="http://schemas.openxmlformats.org/drawingml/2006/main" xmlns:r="http://schemas.openxmlformats.org/officeDocument/2006/relationships" xmlns:p="http://schemas.openxmlformats.org/presentationml/2006/main">
   <p:cSld>
     <p:spTree>
@@ -7136,7 +9409,7 @@
 </p:sld>
 </file>
 
-<file path=ppt/slides/slide21.xml><?xml version="1.0" encoding="utf-8"?>
+<file path=ppt/slides/slide32.xml><?xml version="1.0" encoding="utf-8"?>
 <p:sld xmlns:a="http://schemas.openxmlformats.org/drawingml/2006/main" xmlns:r="http://schemas.openxmlformats.org/officeDocument/2006/relationships" xmlns:p="http://schemas.openxmlformats.org/presentationml/2006/main">
   <p:cSld>
     <p:spTree>
@@ -7300,7 +9573,7 @@
 </p:sld>
 </file>
 
-<file path=ppt/slides/slide22.xml><?xml version="1.0" encoding="utf-8"?>
+<file path=ppt/slides/slide33.xml><?xml version="1.0" encoding="utf-8"?>
 <p:sld xmlns:a="http://schemas.openxmlformats.org/drawingml/2006/main" xmlns:r="http://schemas.openxmlformats.org/officeDocument/2006/relationships" xmlns:p="http://schemas.openxmlformats.org/presentationml/2006/main">
   <p:cSld>
     <p:spTree>
@@ -7413,7 +9686,7 @@
 </p:sld>
 </file>
 
-<file path=ppt/slides/slide23.xml><?xml version="1.0" encoding="utf-8"?>
+<file path=ppt/slides/slide34.xml><?xml version="1.0" encoding="utf-8"?>
 <p:sld xmlns:a="http://schemas.openxmlformats.org/drawingml/2006/main" xmlns:r="http://schemas.openxmlformats.org/officeDocument/2006/relationships" xmlns:p="http://schemas.openxmlformats.org/presentationml/2006/main">
   <p:cSld>
     <p:spTree>
@@ -7577,7 +9850,7 @@
 </p:sld>
 </file>
 
-<file path=ppt/slides/slide24.xml><?xml version="1.0" encoding="utf-8"?>
+<file path=ppt/slides/slide35.xml><?xml version="1.0" encoding="utf-8"?>
 <p:sld xmlns:a="http://schemas.openxmlformats.org/drawingml/2006/main" xmlns:r="http://schemas.openxmlformats.org/officeDocument/2006/relationships" xmlns:p="http://schemas.openxmlformats.org/presentationml/2006/main">
   <p:cSld>
     <p:spTree>
@@ -7832,7 +10105,7 @@
 </p:sld>
 </file>
 
-<file path=ppt/slides/slide25.xml><?xml version="1.0" encoding="utf-8"?>
+<file path=ppt/slides/slide36.xml><?xml version="1.0" encoding="utf-8"?>
 <p:sld xmlns:a="http://schemas.openxmlformats.org/drawingml/2006/main" xmlns:r="http://schemas.openxmlformats.org/officeDocument/2006/relationships" xmlns:p="http://schemas.openxmlformats.org/presentationml/2006/main">
   <p:cSld>
     <p:spTree>
@@ -7999,7 +10272,7 @@
 </p:sld>
 </file>
 
-<file path=ppt/slides/slide26.xml><?xml version="1.0" encoding="utf-8"?>
+<file path=ppt/slides/slide37.xml><?xml version="1.0" encoding="utf-8"?>
 <p:sld xmlns:a="http://schemas.openxmlformats.org/drawingml/2006/main" xmlns:r="http://schemas.openxmlformats.org/officeDocument/2006/relationships" xmlns:p="http://schemas.openxmlformats.org/presentationml/2006/main">
   <p:cSld>
     <p:spTree>
@@ -8112,7 +10385,7 @@
 </p:sld>
 </file>
 
-<file path=ppt/slides/slide27.xml><?xml version="1.0" encoding="utf-8"?>
+<file path=ppt/slides/slide38.xml><?xml version="1.0" encoding="utf-8"?>
 <p:sld xmlns:a="http://schemas.openxmlformats.org/drawingml/2006/main" xmlns:r="http://schemas.openxmlformats.org/officeDocument/2006/relationships" xmlns:p="http://schemas.openxmlformats.org/presentationml/2006/main">
   <p:cSld>
     <p:spTree>
@@ -8259,7 +10532,7 @@
 </p:sld>
 </file>
 
-<file path=ppt/slides/slide28.xml><?xml version="1.0" encoding="utf-8"?>
+<file path=ppt/slides/slide39.xml><?xml version="1.0" encoding="utf-8"?>
 <p:sld xmlns:a="http://schemas.openxmlformats.org/drawingml/2006/main" xmlns:r="http://schemas.openxmlformats.org/officeDocument/2006/relationships" xmlns:p="http://schemas.openxmlformats.org/presentationml/2006/main">
   <p:cSld>
     <p:spTree>
@@ -8372,7 +10645,259 @@
 </p:sld>
 </file>
 
-<file path=ppt/slides/slide29.xml><?xml version="1.0" encoding="utf-8"?>
+<file path=ppt/slides/slide4.xml><?xml version="1.0" encoding="utf-8"?>
+<p:sld xmlns:a="http://schemas.openxmlformats.org/drawingml/2006/main" xmlns:r="http://schemas.openxmlformats.org/officeDocument/2006/relationships" xmlns:p="http://schemas.openxmlformats.org/presentationml/2006/main">
+  <p:cSld>
+    <p:spTree>
+      <p:nvGrpSpPr>
+        <p:cNvPr id="1" name=""/>
+        <p:cNvGrpSpPr/>
+        <p:nvPr/>
+      </p:nvGrpSpPr>
+      <p:grpSpPr>
+        <a:xfrm>
+          <a:off x="0" y="0"/>
+          <a:ext cx="0" cy="0"/>
+          <a:chOff x="0" y="0"/>
+          <a:chExt cx="0" cy="0"/>
+        </a:xfrm>
+      </p:grpSpPr>
+      <p:sp>
+        <p:nvSpPr>
+          <p:cNvPr id="2" name="Title 1"/>
+          <p:cNvSpPr>
+            <a:spLocks noGrp="1"/>
+          </p:cNvSpPr>
+          <p:nvPr>
+            <p:ph type="title"/>
+          </p:nvPr>
+        </p:nvSpPr>
+        <p:spPr/>
+        <p:txBody>
+          <a:bodyPr/>
+          <a:lstStyle/>
+          <a:p>
+            <a:r>
+              <a:rPr lang="en-US" dirty="0" smtClean="0"/>
+              <a:t>Course Outline</a:t>
+            </a:r>
+            <a:endParaRPr lang="en-US" dirty="0"/>
+          </a:p>
+        </p:txBody>
+      </p:sp>
+      <p:sp>
+        <p:nvSpPr>
+          <p:cNvPr id="3" name="Text Placeholder 2"/>
+          <p:cNvSpPr>
+            <a:spLocks noGrp="1"/>
+          </p:cNvSpPr>
+          <p:nvPr>
+            <p:ph type="body" idx="1"/>
+          </p:nvPr>
+        </p:nvSpPr>
+        <p:spPr/>
+        <p:txBody>
+          <a:bodyPr/>
+          <a:lstStyle/>
+          <a:p>
+            <a:r>
+              <a:rPr lang="en-US" dirty="0" smtClean="0"/>
+              <a:t>Day 3: Communication</a:t>
+            </a:r>
+            <a:endParaRPr lang="en-US" dirty="0"/>
+          </a:p>
+        </p:txBody>
+      </p:sp>
+      <p:sp>
+        <p:nvSpPr>
+          <p:cNvPr id="4" name="Content Placeholder 3"/>
+          <p:cNvSpPr>
+            <a:spLocks noGrp="1"/>
+          </p:cNvSpPr>
+          <p:nvPr>
+            <p:ph sz="half" idx="2"/>
+          </p:nvPr>
+        </p:nvSpPr>
+        <p:spPr/>
+        <p:txBody>
+          <a:bodyPr/>
+          <a:lstStyle/>
+          <a:p>
+            <a:r>
+              <a:rPr lang="en-US" dirty="0" smtClean="0"/>
+              <a:t>I/O</a:t>
+            </a:r>
+            <a:endParaRPr lang="en-US" dirty="0"/>
+          </a:p>
+          <a:p>
+            <a:r>
+              <a:rPr lang="en-US" dirty="0" smtClean="0"/>
+              <a:t>Inter </a:t>
+            </a:r>
+            <a:r>
+              <a:rPr lang="en-US" dirty="0"/>
+              <a:t>Process Communication</a:t>
+            </a:r>
+          </a:p>
+          <a:p>
+            <a:r>
+              <a:rPr lang="en-US" dirty="0" smtClean="0"/>
+              <a:t>Sockets </a:t>
+            </a:r>
+            <a:r>
+              <a:rPr lang="en-US" dirty="0"/>
+              <a:t>and </a:t>
+            </a:r>
+            <a:r>
+              <a:rPr lang="en-US" dirty="0" smtClean="0"/>
+              <a:t>Network Communication </a:t>
+            </a:r>
+          </a:p>
+          <a:p>
+            <a:r>
+              <a:rPr lang="en-US" dirty="0" smtClean="0"/>
+              <a:t>Lab </a:t>
+            </a:r>
+            <a:r>
+              <a:rPr lang="en-US" dirty="0"/>
+              <a:t>3: TCP Connection Setup</a:t>
+            </a:r>
+          </a:p>
+        </p:txBody>
+      </p:sp>
+      <p:sp>
+        <p:nvSpPr>
+          <p:cNvPr id="5" name="Text Placeholder 4"/>
+          <p:cNvSpPr>
+            <a:spLocks noGrp="1"/>
+          </p:cNvSpPr>
+          <p:nvPr>
+            <p:ph type="body" sz="quarter" idx="3"/>
+          </p:nvPr>
+        </p:nvSpPr>
+        <p:spPr/>
+        <p:txBody>
+          <a:bodyPr/>
+          <a:lstStyle/>
+          <a:p>
+            <a:r>
+              <a:rPr lang="en-US" dirty="0" smtClean="0"/>
+              <a:t>Day 4: storing data</a:t>
+            </a:r>
+            <a:endParaRPr lang="en-US" dirty="0"/>
+          </a:p>
+        </p:txBody>
+      </p:sp>
+      <p:sp>
+        <p:nvSpPr>
+          <p:cNvPr id="6" name="Content Placeholder 5"/>
+          <p:cNvSpPr>
+            <a:spLocks noGrp="1"/>
+          </p:cNvSpPr>
+          <p:nvPr>
+            <p:ph sz="quarter" idx="4"/>
+          </p:nvPr>
+        </p:nvSpPr>
+        <p:spPr/>
+        <p:txBody>
+          <a:bodyPr/>
+          <a:lstStyle/>
+          <a:p>
+            <a:r>
+              <a:rPr lang="en-US" dirty="0" smtClean="0"/>
+              <a:t>Storage </a:t>
+            </a:r>
+            <a:r>
+              <a:rPr lang="en-US" dirty="0"/>
+              <a:t>Overview</a:t>
+            </a:r>
+          </a:p>
+          <a:p>
+            <a:r>
+              <a:rPr lang="en-US" dirty="0" smtClean="0"/>
+              <a:t>Naming </a:t>
+            </a:r>
+            <a:r>
+              <a:rPr lang="en-US" dirty="0"/>
+              <a:t>and Location</a:t>
+            </a:r>
+          </a:p>
+          <a:p>
+            <a:r>
+              <a:rPr lang="en-US" dirty="0" smtClean="0"/>
+              <a:t>Virtual </a:t>
+            </a:r>
+            <a:r>
+              <a:rPr lang="en-US" dirty="0"/>
+              <a:t>Filesystem Layer</a:t>
+            </a:r>
+          </a:p>
+          <a:p>
+            <a:r>
+              <a:rPr lang="en-US" dirty="0" smtClean="0"/>
+              <a:t>Storing </a:t>
+            </a:r>
+            <a:r>
+              <a:rPr lang="en-US" dirty="0"/>
+              <a:t>and Retrieving Data</a:t>
+            </a:r>
+          </a:p>
+          <a:p>
+            <a:r>
+              <a:rPr lang="en-US" dirty="0" smtClean="0"/>
+              <a:t>Lab </a:t>
+            </a:r>
+            <a:r>
+              <a:rPr lang="en-US" dirty="0"/>
+              <a:t>4: Reading a file from disk</a:t>
+            </a:r>
+          </a:p>
+        </p:txBody>
+      </p:sp>
+      <p:sp>
+        <p:nvSpPr>
+          <p:cNvPr id="7" name="Footer Placeholder 6"/>
+          <p:cNvSpPr>
+            <a:spLocks noGrp="1"/>
+          </p:cNvSpPr>
+          <p:nvPr>
+            <p:ph type="ftr" sz="quarter" idx="11"/>
+          </p:nvPr>
+        </p:nvSpPr>
+        <p:spPr/>
+        <p:txBody>
+          <a:bodyPr/>
+          <a:lstStyle/>
+          <a:p>
+            <a:r>
+              <a:rPr lang="en-US" smtClean="0"/>
+              <a:t>Introduction to Operating Systems</a:t>
+            </a:r>
+            <a:endParaRPr lang="en-US"/>
+          </a:p>
+        </p:txBody>
+      </p:sp>
+    </p:spTree>
+    <p:extLst>
+      <p:ext uri="{BB962C8B-B14F-4D97-AF65-F5344CB8AC3E}">
+        <p14:creationId xmlns:p14="http://schemas.microsoft.com/office/powerpoint/2010/main" val="1573046548"/>
+      </p:ext>
+    </p:extLst>
+  </p:cSld>
+  <p:clrMapOvr>
+    <a:masterClrMapping/>
+  </p:clrMapOvr>
+  <p:timing>
+    <p:tnLst>
+      <p:par>
+        <p:cTn id="1" dur="indefinite" restart="never" nodeType="tmRoot"/>
+      </p:par>
+    </p:tnLst>
+  </p:timing>
+</p:sld>
+</file>
+
+<file path=ppt/slides/slide40.xml><?xml version="1.0" encoding="utf-8"?>
 <p:sld xmlns:a="http://schemas.openxmlformats.org/drawingml/2006/main" xmlns:r="http://schemas.openxmlformats.org/officeDocument/2006/relationships" xmlns:p="http://schemas.openxmlformats.org/presentationml/2006/main">
   <p:cSld>
     <p:spTree>
@@ -8511,256 +11036,7 @@
 </p:sld>
 </file>
 
-<file path=ppt/slides/slide3.xml><?xml version="1.0" encoding="utf-8"?>
-<p:sld xmlns:a="http://schemas.openxmlformats.org/drawingml/2006/main" xmlns:r="http://schemas.openxmlformats.org/officeDocument/2006/relationships" xmlns:p="http://schemas.openxmlformats.org/presentationml/2006/main">
-  <p:cSld>
-    <p:spTree>
-      <p:nvGrpSpPr>
-        <p:cNvPr id="1" name=""/>
-        <p:cNvGrpSpPr/>
-        <p:nvPr/>
-      </p:nvGrpSpPr>
-      <p:grpSpPr>
-        <a:xfrm>
-          <a:off x="0" y="0"/>
-          <a:ext cx="0" cy="0"/>
-          <a:chOff x="0" y="0"/>
-          <a:chExt cx="0" cy="0"/>
-        </a:xfrm>
-      </p:grpSpPr>
-      <p:sp>
-        <p:nvSpPr>
-          <p:cNvPr id="2" name="Title 1"/>
-          <p:cNvSpPr>
-            <a:spLocks noGrp="1"/>
-          </p:cNvSpPr>
-          <p:nvPr>
-            <p:ph type="title"/>
-          </p:nvPr>
-        </p:nvSpPr>
-        <p:spPr/>
-        <p:txBody>
-          <a:bodyPr/>
-          <a:lstStyle/>
-          <a:p>
-            <a:r>
-              <a:rPr lang="en-US" dirty="0" smtClean="0"/>
-              <a:t>Course Outline</a:t>
-            </a:r>
-            <a:endParaRPr lang="en-US" dirty="0"/>
-          </a:p>
-        </p:txBody>
-      </p:sp>
-      <p:sp>
-        <p:nvSpPr>
-          <p:cNvPr id="5" name="Text Placeholder 4"/>
-          <p:cNvSpPr>
-            <a:spLocks noGrp="1"/>
-          </p:cNvSpPr>
-          <p:nvPr>
-            <p:ph type="body" idx="1"/>
-          </p:nvPr>
-        </p:nvSpPr>
-        <p:spPr/>
-        <p:txBody>
-          <a:bodyPr/>
-          <a:lstStyle/>
-          <a:p>
-            <a:r>
-              <a:rPr lang="en-US" dirty="0" smtClean="0"/>
-              <a:t>Day 1</a:t>
-            </a:r>
-            <a:endParaRPr lang="en-US" dirty="0"/>
-          </a:p>
-        </p:txBody>
-      </p:sp>
-      <p:sp>
-        <p:nvSpPr>
-          <p:cNvPr id="6" name="Content Placeholder 5"/>
-          <p:cNvSpPr>
-            <a:spLocks noGrp="1"/>
-          </p:cNvSpPr>
-          <p:nvPr>
-            <p:ph sz="half" idx="2"/>
-          </p:nvPr>
-        </p:nvSpPr>
-        <p:spPr/>
-        <p:txBody>
-          <a:bodyPr/>
-          <a:lstStyle/>
-          <a:p>
-            <a:r>
-              <a:rPr lang="en-US" dirty="0" smtClean="0"/>
-              <a:t>High </a:t>
-            </a:r>
-            <a:r>
-              <a:rPr lang="en-US" dirty="0"/>
-              <a:t>Level Definitions</a:t>
-            </a:r>
-          </a:p>
-          <a:p>
-            <a:r>
-              <a:rPr lang="en-US" dirty="0" smtClean="0"/>
-              <a:t>History</a:t>
-            </a:r>
-            <a:endParaRPr lang="en-US" dirty="0"/>
-          </a:p>
-          <a:p>
-            <a:r>
-              <a:rPr lang="en-US" dirty="0" smtClean="0"/>
-              <a:t>Introduction </a:t>
-            </a:r>
-            <a:r>
-              <a:rPr lang="en-US" dirty="0"/>
-              <a:t>to Tracing</a:t>
-            </a:r>
-          </a:p>
-          <a:p>
-            <a:r>
-              <a:rPr lang="en-US" dirty="0" smtClean="0"/>
-              <a:t>Lab </a:t>
-            </a:r>
-            <a:r>
-              <a:rPr lang="en-US" dirty="0"/>
-              <a:t>1: System Setup and First Traces</a:t>
-            </a:r>
-          </a:p>
-          <a:p>
-            <a:endParaRPr lang="en-US" dirty="0"/>
-          </a:p>
-        </p:txBody>
-      </p:sp>
-      <p:sp>
-        <p:nvSpPr>
-          <p:cNvPr id="7" name="Text Placeholder 6"/>
-          <p:cNvSpPr>
-            <a:spLocks noGrp="1"/>
-          </p:cNvSpPr>
-          <p:nvPr>
-            <p:ph type="body" sz="quarter" idx="3"/>
-          </p:nvPr>
-        </p:nvSpPr>
-        <p:spPr/>
-        <p:txBody>
-          <a:bodyPr/>
-          <a:lstStyle/>
-          <a:p>
-            <a:r>
-              <a:rPr lang="en-US" dirty="0" smtClean="0"/>
-              <a:t>Day 2</a:t>
-            </a:r>
-            <a:endParaRPr lang="en-US" dirty="0"/>
-          </a:p>
-        </p:txBody>
-      </p:sp>
-      <p:sp>
-        <p:nvSpPr>
-          <p:cNvPr id="8" name="Content Placeholder 7"/>
-          <p:cNvSpPr>
-            <a:spLocks noGrp="1"/>
-          </p:cNvSpPr>
-          <p:nvPr>
-            <p:ph sz="quarter" idx="4"/>
-          </p:nvPr>
-        </p:nvSpPr>
-        <p:spPr/>
-        <p:txBody>
-          <a:bodyPr/>
-          <a:lstStyle/>
-          <a:p>
-            <a:r>
-              <a:rPr lang="en-US" dirty="0" smtClean="0"/>
-              <a:t>Quiz</a:t>
-            </a:r>
-            <a:endParaRPr lang="en-US" dirty="0"/>
-          </a:p>
-          <a:p>
-            <a:r>
-              <a:rPr lang="en-US" dirty="0" smtClean="0"/>
-              <a:t>Processes</a:t>
-            </a:r>
-            <a:endParaRPr lang="en-US" dirty="0"/>
-          </a:p>
-          <a:p>
-            <a:r>
-              <a:rPr lang="en-US" dirty="0" smtClean="0"/>
-              <a:t>Locking</a:t>
-            </a:r>
-            <a:endParaRPr lang="en-US" dirty="0"/>
-          </a:p>
-          <a:p>
-            <a:r>
-              <a:rPr lang="en-US" dirty="0" smtClean="0"/>
-              <a:t>Scheduling</a:t>
-            </a:r>
-            <a:endParaRPr lang="en-US" dirty="0"/>
-          </a:p>
-          <a:p>
-            <a:r>
-              <a:rPr lang="en-US" dirty="0" smtClean="0"/>
-              <a:t>Virtual </a:t>
-            </a:r>
-            <a:r>
-              <a:rPr lang="en-US" dirty="0"/>
-              <a:t>Memory</a:t>
-            </a:r>
-          </a:p>
-          <a:p>
-            <a:r>
-              <a:rPr lang="en-US" dirty="0" smtClean="0"/>
-              <a:t>Lab </a:t>
-            </a:r>
-            <a:r>
-              <a:rPr lang="en-US" dirty="0"/>
-              <a:t>2: Tracking Processes</a:t>
-            </a:r>
-          </a:p>
-        </p:txBody>
-      </p:sp>
-      <p:sp>
-        <p:nvSpPr>
-          <p:cNvPr id="4" name="Footer Placeholder 3"/>
-          <p:cNvSpPr>
-            <a:spLocks noGrp="1"/>
-          </p:cNvSpPr>
-          <p:nvPr>
-            <p:ph type="ftr" sz="quarter" idx="11"/>
-          </p:nvPr>
-        </p:nvSpPr>
-        <p:spPr/>
-        <p:txBody>
-          <a:bodyPr/>
-          <a:lstStyle/>
-          <a:p>
-            <a:r>
-              <a:rPr lang="en-US" smtClean="0"/>
-              <a:t>Introduction to Operating Systems</a:t>
-            </a:r>
-            <a:endParaRPr lang="en-US" dirty="0"/>
-          </a:p>
-        </p:txBody>
-      </p:sp>
-    </p:spTree>
-    <p:extLst>
-      <p:ext uri="{BB962C8B-B14F-4D97-AF65-F5344CB8AC3E}">
-        <p14:creationId xmlns:p14="http://schemas.microsoft.com/office/powerpoint/2010/main" val="1691063372"/>
-      </p:ext>
-    </p:extLst>
-  </p:cSld>
-  <p:clrMapOvr>
-    <a:masterClrMapping/>
-  </p:clrMapOvr>
-  <p:timing>
-    <p:tnLst>
-      <p:par>
-        <p:cTn id="1" dur="indefinite" restart="never" nodeType="tmRoot"/>
-      </p:par>
-    </p:tnLst>
-  </p:timing>
-</p:sld>
-</file>
-
-<file path=ppt/slides/slide30.xml><?xml version="1.0" encoding="utf-8"?>
+<file path=ppt/slides/slide41.xml><?xml version="1.0" encoding="utf-8"?>
 <p:sld xmlns:a="http://schemas.openxmlformats.org/drawingml/2006/main" xmlns:r="http://schemas.openxmlformats.org/officeDocument/2006/relationships" xmlns:p="http://schemas.openxmlformats.org/presentationml/2006/main">
   <p:cSld>
     <p:spTree>
@@ -8902,7 +11178,7 @@
 </p:sld>
 </file>
 
-<file path=ppt/slides/slide31.xml><?xml version="1.0" encoding="utf-8"?>
+<file path=ppt/slides/slide42.xml><?xml version="1.0" encoding="utf-8"?>
 <p:sld xmlns:a="http://schemas.openxmlformats.org/drawingml/2006/main" xmlns:r="http://schemas.openxmlformats.org/officeDocument/2006/relationships" xmlns:p="http://schemas.openxmlformats.org/presentationml/2006/main">
   <p:cSld>
     <p:spTree>
@@ -9033,7 +11309,7 @@
 </p:sld>
 </file>
 
-<file path=ppt/slides/slide32.xml><?xml version="1.0" encoding="utf-8"?>
+<file path=ppt/slides/slide43.xml><?xml version="1.0" encoding="utf-8"?>
 <p:sld xmlns:a="http://schemas.openxmlformats.org/drawingml/2006/main" xmlns:r="http://schemas.openxmlformats.org/officeDocument/2006/relationships" xmlns:p="http://schemas.openxmlformats.org/presentationml/2006/main">
   <p:cSld>
     <p:spTree>
@@ -9188,7 +11464,7 @@
 </p:sld>
 </file>
 
-<file path=ppt/slides/slide33.xml><?xml version="1.0" encoding="utf-8"?>
+<file path=ppt/slides/slide44.xml><?xml version="1.0" encoding="utf-8"?>
 <p:sld xmlns:a="http://schemas.openxmlformats.org/drawingml/2006/main" xmlns:r="http://schemas.openxmlformats.org/officeDocument/2006/relationships" xmlns:p="http://schemas.openxmlformats.org/presentationml/2006/main">
   <p:cSld>
     <p:spTree>
@@ -9328,7 +11604,7 @@
 </p:sld>
 </file>
 
-<file path=ppt/slides/slide34.xml><?xml version="1.0" encoding="utf-8"?>
+<file path=ppt/slides/slide45.xml><?xml version="1.0" encoding="utf-8"?>
 <p:sld xmlns:a="http://schemas.openxmlformats.org/drawingml/2006/main" xmlns:r="http://schemas.openxmlformats.org/officeDocument/2006/relationships" xmlns:p="http://schemas.openxmlformats.org/presentationml/2006/main">
   <p:cSld>
     <p:spTree>
@@ -9483,7 +11759,7 @@
 </p:sld>
 </file>
 
-<file path=ppt/slides/slide35.xml><?xml version="1.0" encoding="utf-8"?>
+<file path=ppt/slides/slide46.xml><?xml version="1.0" encoding="utf-8"?>
 <p:sld xmlns:a="http://schemas.openxmlformats.org/drawingml/2006/main" xmlns:r="http://schemas.openxmlformats.org/officeDocument/2006/relationships" xmlns:p="http://schemas.openxmlformats.org/presentationml/2006/main">
   <p:cSld>
     <p:spTree>
@@ -9639,7 +11915,7 @@
 </p:sld>
 </file>
 
-<file path=ppt/slides/slide36.xml><?xml version="1.0" encoding="utf-8"?>
+<file path=ppt/slides/slide47.xml><?xml version="1.0" encoding="utf-8"?>
 <p:sld xmlns:a="http://schemas.openxmlformats.org/drawingml/2006/main" xmlns:r="http://schemas.openxmlformats.org/officeDocument/2006/relationships" xmlns:p="http://schemas.openxmlformats.org/presentationml/2006/main">
   <p:cSld>
     <p:spTree>
@@ -10072,7 +12348,7 @@
 </p:sld>
 </file>
 
-<file path=ppt/slides/slide37.xml><?xml version="1.0" encoding="utf-8"?>
+<file path=ppt/slides/slide48.xml><?xml version="1.0" encoding="utf-8"?>
 <p:sld xmlns:a="http://schemas.openxmlformats.org/drawingml/2006/main" xmlns:r="http://schemas.openxmlformats.org/officeDocument/2006/relationships" xmlns:p="http://schemas.openxmlformats.org/presentationml/2006/main">
   <p:cSld>
     <p:spTree>
@@ -10244,7 +12520,7 @@
 </p:sld>
 </file>
 
-<file path=ppt/slides/slide38.xml><?xml version="1.0" encoding="utf-8"?>
+<file path=ppt/slides/slide49.xml><?xml version="1.0" encoding="utf-8"?>
 <p:sld xmlns:a="http://schemas.openxmlformats.org/drawingml/2006/main" xmlns:r="http://schemas.openxmlformats.org/officeDocument/2006/relationships" xmlns:p="http://schemas.openxmlformats.org/presentationml/2006/main">
   <p:cSld>
     <p:spTree>
@@ -10390,625 +12666,6 @@
     <p:extLst>
       <p:ext uri="{BB962C8B-B14F-4D97-AF65-F5344CB8AC3E}">
         <p14:creationId xmlns:p14="http://schemas.microsoft.com/office/powerpoint/2010/main" val="1106179191"/>
-      </p:ext>
-    </p:extLst>
-  </p:cSld>
-  <p:clrMapOvr>
-    <a:masterClrMapping/>
-  </p:clrMapOvr>
-  <p:timing>
-    <p:tnLst>
-      <p:par>
-        <p:cTn id="1" dur="indefinite" restart="never" nodeType="tmRoot"/>
-      </p:par>
-    </p:tnLst>
-  </p:timing>
-</p:sld>
-</file>
-
-<file path=ppt/slides/slide39.xml><?xml version="1.0" encoding="utf-8"?>
-<p:sld xmlns:a="http://schemas.openxmlformats.org/drawingml/2006/main" xmlns:r="http://schemas.openxmlformats.org/officeDocument/2006/relationships" xmlns:p="http://schemas.openxmlformats.org/presentationml/2006/main">
-  <p:cSld>
-    <p:spTree>
-      <p:nvGrpSpPr>
-        <p:cNvPr id="1" name=""/>
-        <p:cNvGrpSpPr/>
-        <p:nvPr/>
-      </p:nvGrpSpPr>
-      <p:grpSpPr>
-        <a:xfrm>
-          <a:off x="0" y="0"/>
-          <a:ext cx="0" cy="0"/>
-          <a:chOff x="0" y="0"/>
-          <a:chExt cx="0" cy="0"/>
-        </a:xfrm>
-      </p:grpSpPr>
-      <p:sp>
-        <p:nvSpPr>
-          <p:cNvPr id="5" name="Title 4"/>
-          <p:cNvSpPr>
-            <a:spLocks noGrp="1"/>
-          </p:cNvSpPr>
-          <p:nvPr>
-            <p:ph type="title"/>
-          </p:nvPr>
-        </p:nvSpPr>
-        <p:spPr/>
-        <p:txBody>
-          <a:bodyPr/>
-          <a:lstStyle/>
-          <a:p>
-            <a:r>
-              <a:rPr lang="en-US" dirty="0" smtClean="0"/>
-              <a:t>Competing Kernel Architectures</a:t>
-            </a:r>
-            <a:endParaRPr lang="en-US" dirty="0"/>
-          </a:p>
-        </p:txBody>
-      </p:sp>
-      <p:sp>
-        <p:nvSpPr>
-          <p:cNvPr id="6" name="Text Placeholder 5"/>
-          <p:cNvSpPr>
-            <a:spLocks noGrp="1"/>
-          </p:cNvSpPr>
-          <p:nvPr>
-            <p:ph type="body" idx="1"/>
-          </p:nvPr>
-        </p:nvSpPr>
-        <p:spPr/>
-        <p:txBody>
-          <a:bodyPr/>
-          <a:lstStyle/>
-          <a:p>
-            <a:r>
-              <a:rPr lang="en-US" dirty="0" smtClean="0"/>
-              <a:t>Micro-Kernel</a:t>
-            </a:r>
-            <a:endParaRPr lang="en-US" dirty="0"/>
-          </a:p>
-        </p:txBody>
-      </p:sp>
-      <p:sp>
-        <p:nvSpPr>
-          <p:cNvPr id="7" name="Content Placeholder 6"/>
-          <p:cNvSpPr>
-            <a:spLocks noGrp="1"/>
-          </p:cNvSpPr>
-          <p:nvPr>
-            <p:ph sz="half" idx="2"/>
-          </p:nvPr>
-        </p:nvSpPr>
-        <p:spPr/>
-        <p:txBody>
-          <a:bodyPr/>
-          <a:lstStyle/>
-          <a:p>
-            <a:r>
-              <a:rPr lang="en-US" dirty="0" smtClean="0"/>
-              <a:t>Kernel </a:t>
-            </a:r>
-            <a:r>
-              <a:rPr lang="en-US" dirty="0"/>
-              <a:t>is Only a Scheduler</a:t>
-            </a:r>
-          </a:p>
-          <a:p>
-            <a:r>
-              <a:rPr lang="en-US" dirty="0" smtClean="0"/>
-              <a:t>Services </a:t>
-            </a:r>
-            <a:r>
-              <a:rPr lang="en-US" dirty="0"/>
-              <a:t>Model</a:t>
-            </a:r>
-          </a:p>
-          <a:p>
-            <a:r>
-              <a:rPr lang="en-US" dirty="0" smtClean="0"/>
-              <a:t>in-kernel </a:t>
-            </a:r>
-            <a:r>
-              <a:rPr lang="en-US" dirty="0"/>
-              <a:t>IPC</a:t>
-            </a:r>
-          </a:p>
-          <a:p>
-            <a:r>
-              <a:rPr lang="en-US" dirty="0" smtClean="0"/>
-              <a:t>POSIX </a:t>
-            </a:r>
-            <a:r>
-              <a:rPr lang="en-US" dirty="0"/>
-              <a:t>as a service</a:t>
-            </a:r>
-          </a:p>
-          <a:p>
-            <a:r>
-              <a:rPr lang="en-US" dirty="0" smtClean="0"/>
-              <a:t>Mach</a:t>
-            </a:r>
-            <a:r>
-              <a:rPr lang="en-US" dirty="0"/>
-              <a:t>, </a:t>
-            </a:r>
-            <a:r>
-              <a:rPr lang="en-US" dirty="0" err="1"/>
-              <a:t>Barrelfish</a:t>
-            </a:r>
-            <a:r>
-              <a:rPr lang="en-US" dirty="0"/>
-              <a:t>, L4</a:t>
-            </a:r>
-          </a:p>
-        </p:txBody>
-      </p:sp>
-      <p:sp>
-        <p:nvSpPr>
-          <p:cNvPr id="8" name="Text Placeholder 7"/>
-          <p:cNvSpPr>
-            <a:spLocks noGrp="1"/>
-          </p:cNvSpPr>
-          <p:nvPr>
-            <p:ph type="body" sz="quarter" idx="3"/>
-          </p:nvPr>
-        </p:nvSpPr>
-        <p:spPr/>
-        <p:txBody>
-          <a:bodyPr/>
-          <a:lstStyle/>
-          <a:p>
-            <a:r>
-              <a:rPr lang="en-US" dirty="0" smtClean="0"/>
-              <a:t>Monolithic</a:t>
-            </a:r>
-            <a:endParaRPr lang="en-US" dirty="0"/>
-          </a:p>
-        </p:txBody>
-      </p:sp>
-      <p:sp>
-        <p:nvSpPr>
-          <p:cNvPr id="9" name="Content Placeholder 8"/>
-          <p:cNvSpPr>
-            <a:spLocks noGrp="1"/>
-          </p:cNvSpPr>
-          <p:nvPr>
-            <p:ph sz="quarter" idx="4"/>
-          </p:nvPr>
-        </p:nvSpPr>
-        <p:spPr/>
-        <p:txBody>
-          <a:bodyPr/>
-          <a:lstStyle/>
-          <a:p>
-            <a:r>
-              <a:rPr lang="en-US" dirty="0" smtClean="0"/>
-              <a:t>One </a:t>
-            </a:r>
-            <a:r>
-              <a:rPr lang="en-US" dirty="0"/>
-              <a:t>big program </a:t>
-            </a:r>
-            <a:endParaRPr lang="en-US" dirty="0" smtClean="0"/>
-          </a:p>
-          <a:p>
-            <a:r>
-              <a:rPr lang="en-US" dirty="0" smtClean="0"/>
-              <a:t>Function </a:t>
-            </a:r>
-            <a:r>
-              <a:rPr lang="en-US" dirty="0"/>
-              <a:t>Calls</a:t>
-            </a:r>
-          </a:p>
-          <a:p>
-            <a:r>
-              <a:rPr lang="en-US" dirty="0" smtClean="0"/>
-              <a:t>System </a:t>
-            </a:r>
-            <a:r>
-              <a:rPr lang="en-US" dirty="0"/>
-              <a:t>Call API</a:t>
-            </a:r>
-          </a:p>
-          <a:p>
-            <a:r>
-              <a:rPr lang="en-US" dirty="0" smtClean="0"/>
-              <a:t>FreeBSD</a:t>
-            </a:r>
-            <a:r>
-              <a:rPr lang="en-US" dirty="0"/>
-              <a:t>, Linux, Windows</a:t>
-            </a:r>
-          </a:p>
-          <a:p>
-            <a:endParaRPr lang="en-US" dirty="0"/>
-          </a:p>
-        </p:txBody>
-      </p:sp>
-      <p:sp>
-        <p:nvSpPr>
-          <p:cNvPr id="4" name="Footer Placeholder 3"/>
-          <p:cNvSpPr>
-            <a:spLocks noGrp="1"/>
-          </p:cNvSpPr>
-          <p:nvPr>
-            <p:ph type="ftr" sz="quarter" idx="11"/>
-          </p:nvPr>
-        </p:nvSpPr>
-        <p:spPr/>
-        <p:txBody>
-          <a:bodyPr/>
-          <a:lstStyle/>
-          <a:p>
-            <a:r>
-              <a:rPr lang="en-US" smtClean="0"/>
-              <a:t>Introduction to Operating Systems</a:t>
-            </a:r>
-            <a:endParaRPr lang="en-US" dirty="0"/>
-          </a:p>
-        </p:txBody>
-      </p:sp>
-    </p:spTree>
-    <p:extLst>
-      <p:ext uri="{BB962C8B-B14F-4D97-AF65-F5344CB8AC3E}">
-        <p14:creationId xmlns:p14="http://schemas.microsoft.com/office/powerpoint/2010/main" val="528892961"/>
-      </p:ext>
-    </p:extLst>
-  </p:cSld>
-  <p:clrMapOvr>
-    <a:masterClrMapping/>
-  </p:clrMapOvr>
-  <p:timing>
-    <p:tnLst>
-      <p:par>
-        <p:cTn id="1" dur="indefinite" restart="never" nodeType="tmRoot"/>
-      </p:par>
-    </p:tnLst>
-  </p:timing>
-</p:sld>
-</file>
-
-<file path=ppt/slides/slide4.xml><?xml version="1.0" encoding="utf-8"?>
-<p:sld xmlns:a="http://schemas.openxmlformats.org/drawingml/2006/main" xmlns:r="http://schemas.openxmlformats.org/officeDocument/2006/relationships" xmlns:p="http://schemas.openxmlformats.org/presentationml/2006/main">
-  <p:cSld>
-    <p:spTree>
-      <p:nvGrpSpPr>
-        <p:cNvPr id="1" name=""/>
-        <p:cNvGrpSpPr/>
-        <p:nvPr/>
-      </p:nvGrpSpPr>
-      <p:grpSpPr>
-        <a:xfrm>
-          <a:off x="0" y="0"/>
-          <a:ext cx="0" cy="0"/>
-          <a:chOff x="0" y="0"/>
-          <a:chExt cx="0" cy="0"/>
-        </a:xfrm>
-      </p:grpSpPr>
-      <p:sp>
-        <p:nvSpPr>
-          <p:cNvPr id="2" name="Title 1"/>
-          <p:cNvSpPr>
-            <a:spLocks noGrp="1"/>
-          </p:cNvSpPr>
-          <p:nvPr>
-            <p:ph type="title"/>
-          </p:nvPr>
-        </p:nvSpPr>
-        <p:spPr/>
-        <p:txBody>
-          <a:bodyPr/>
-          <a:lstStyle/>
-          <a:p>
-            <a:r>
-              <a:rPr lang="en-US" dirty="0" smtClean="0"/>
-              <a:t>Course Outline</a:t>
-            </a:r>
-            <a:endParaRPr lang="en-US" dirty="0"/>
-          </a:p>
-        </p:txBody>
-      </p:sp>
-      <p:sp>
-        <p:nvSpPr>
-          <p:cNvPr id="3" name="Text Placeholder 2"/>
-          <p:cNvSpPr>
-            <a:spLocks noGrp="1"/>
-          </p:cNvSpPr>
-          <p:nvPr>
-            <p:ph type="body" idx="1"/>
-          </p:nvPr>
-        </p:nvSpPr>
-        <p:spPr/>
-        <p:txBody>
-          <a:bodyPr/>
-          <a:lstStyle/>
-          <a:p>
-            <a:r>
-              <a:rPr lang="en-US" dirty="0" smtClean="0"/>
-              <a:t>Day 3: Communication</a:t>
-            </a:r>
-            <a:endParaRPr lang="en-US" dirty="0"/>
-          </a:p>
-        </p:txBody>
-      </p:sp>
-      <p:sp>
-        <p:nvSpPr>
-          <p:cNvPr id="4" name="Content Placeholder 3"/>
-          <p:cNvSpPr>
-            <a:spLocks noGrp="1"/>
-          </p:cNvSpPr>
-          <p:nvPr>
-            <p:ph sz="half" idx="2"/>
-          </p:nvPr>
-        </p:nvSpPr>
-        <p:spPr/>
-        <p:txBody>
-          <a:bodyPr/>
-          <a:lstStyle/>
-          <a:p>
-            <a:r>
-              <a:rPr lang="en-US" dirty="0" smtClean="0"/>
-              <a:t>I/O</a:t>
-            </a:r>
-            <a:endParaRPr lang="en-US" dirty="0"/>
-          </a:p>
-          <a:p>
-            <a:r>
-              <a:rPr lang="en-US" dirty="0" smtClean="0"/>
-              <a:t>Inter </a:t>
-            </a:r>
-            <a:r>
-              <a:rPr lang="en-US" dirty="0"/>
-              <a:t>Process Communication</a:t>
-            </a:r>
-          </a:p>
-          <a:p>
-            <a:r>
-              <a:rPr lang="en-US" dirty="0" smtClean="0"/>
-              <a:t>Sockets </a:t>
-            </a:r>
-            <a:r>
-              <a:rPr lang="en-US" dirty="0"/>
-              <a:t>and </a:t>
-            </a:r>
-            <a:r>
-              <a:rPr lang="en-US" dirty="0" smtClean="0"/>
-              <a:t>Network Communication </a:t>
-            </a:r>
-          </a:p>
-          <a:p>
-            <a:r>
-              <a:rPr lang="en-US" dirty="0" smtClean="0"/>
-              <a:t>Lab </a:t>
-            </a:r>
-            <a:r>
-              <a:rPr lang="en-US" dirty="0"/>
-              <a:t>3: TCP Connection Setup</a:t>
-            </a:r>
-          </a:p>
-        </p:txBody>
-      </p:sp>
-      <p:sp>
-        <p:nvSpPr>
-          <p:cNvPr id="5" name="Text Placeholder 4"/>
-          <p:cNvSpPr>
-            <a:spLocks noGrp="1"/>
-          </p:cNvSpPr>
-          <p:nvPr>
-            <p:ph type="body" sz="quarter" idx="3"/>
-          </p:nvPr>
-        </p:nvSpPr>
-        <p:spPr/>
-        <p:txBody>
-          <a:bodyPr/>
-          <a:lstStyle/>
-          <a:p>
-            <a:r>
-              <a:rPr lang="en-US" dirty="0" smtClean="0"/>
-              <a:t>Day 4: storing data</a:t>
-            </a:r>
-            <a:endParaRPr lang="en-US" dirty="0"/>
-          </a:p>
-        </p:txBody>
-      </p:sp>
-      <p:sp>
-        <p:nvSpPr>
-          <p:cNvPr id="6" name="Content Placeholder 5"/>
-          <p:cNvSpPr>
-            <a:spLocks noGrp="1"/>
-          </p:cNvSpPr>
-          <p:nvPr>
-            <p:ph sz="quarter" idx="4"/>
-          </p:nvPr>
-        </p:nvSpPr>
-        <p:spPr/>
-        <p:txBody>
-          <a:bodyPr/>
-          <a:lstStyle/>
-          <a:p>
-            <a:r>
-              <a:rPr lang="en-US" dirty="0" smtClean="0"/>
-              <a:t>Storage </a:t>
-            </a:r>
-            <a:r>
-              <a:rPr lang="en-US" dirty="0"/>
-              <a:t>Overview</a:t>
-            </a:r>
-          </a:p>
-          <a:p>
-            <a:r>
-              <a:rPr lang="en-US" dirty="0" smtClean="0"/>
-              <a:t>Naming </a:t>
-            </a:r>
-            <a:r>
-              <a:rPr lang="en-US" dirty="0"/>
-              <a:t>and Location</a:t>
-            </a:r>
-          </a:p>
-          <a:p>
-            <a:r>
-              <a:rPr lang="en-US" dirty="0" smtClean="0"/>
-              <a:t>Virtual </a:t>
-            </a:r>
-            <a:r>
-              <a:rPr lang="en-US" dirty="0"/>
-              <a:t>Filesystem Layer</a:t>
-            </a:r>
-          </a:p>
-          <a:p>
-            <a:r>
-              <a:rPr lang="en-US" dirty="0" smtClean="0"/>
-              <a:t>Storing </a:t>
-            </a:r>
-            <a:r>
-              <a:rPr lang="en-US" dirty="0"/>
-              <a:t>and Retrieving Data</a:t>
-            </a:r>
-          </a:p>
-          <a:p>
-            <a:r>
-              <a:rPr lang="en-US" dirty="0" smtClean="0"/>
-              <a:t>Lab </a:t>
-            </a:r>
-            <a:r>
-              <a:rPr lang="en-US" dirty="0"/>
-              <a:t>4: Reading a file from disk</a:t>
-            </a:r>
-          </a:p>
-        </p:txBody>
-      </p:sp>
-      <p:sp>
-        <p:nvSpPr>
-          <p:cNvPr id="7" name="Footer Placeholder 6"/>
-          <p:cNvSpPr>
-            <a:spLocks noGrp="1"/>
-          </p:cNvSpPr>
-          <p:nvPr>
-            <p:ph type="ftr" sz="quarter" idx="11"/>
-          </p:nvPr>
-        </p:nvSpPr>
-        <p:spPr/>
-        <p:txBody>
-          <a:bodyPr/>
-          <a:lstStyle/>
-          <a:p>
-            <a:r>
-              <a:rPr lang="en-US" smtClean="0"/>
-              <a:t>Introduction to Operating Systems</a:t>
-            </a:r>
-            <a:endParaRPr lang="en-US"/>
-          </a:p>
-        </p:txBody>
-      </p:sp>
-    </p:spTree>
-    <p:extLst>
-      <p:ext uri="{BB962C8B-B14F-4D97-AF65-F5344CB8AC3E}">
-        <p14:creationId xmlns:p14="http://schemas.microsoft.com/office/powerpoint/2010/main" val="1573046548"/>
-      </p:ext>
-    </p:extLst>
-  </p:cSld>
-  <p:clrMapOvr>
-    <a:masterClrMapping/>
-  </p:clrMapOvr>
-  <p:timing>
-    <p:tnLst>
-      <p:par>
-        <p:cTn id="1" dur="indefinite" restart="never" nodeType="tmRoot"/>
-      </p:par>
-    </p:tnLst>
-  </p:timing>
-</p:sld>
-</file>
-
-<file path=ppt/slides/slide40.xml><?xml version="1.0" encoding="utf-8"?>
-<p:sld xmlns:a="http://schemas.openxmlformats.org/drawingml/2006/main" xmlns:r="http://schemas.openxmlformats.org/officeDocument/2006/relationships" xmlns:p="http://schemas.openxmlformats.org/presentationml/2006/main">
-  <p:cSld>
-    <p:spTree>
-      <p:nvGrpSpPr>
-        <p:cNvPr id="1" name=""/>
-        <p:cNvGrpSpPr/>
-        <p:nvPr/>
-      </p:nvGrpSpPr>
-      <p:grpSpPr>
-        <a:xfrm>
-          <a:off x="0" y="0"/>
-          <a:ext cx="0" cy="0"/>
-          <a:chOff x="0" y="0"/>
-          <a:chExt cx="0" cy="0"/>
-        </a:xfrm>
-      </p:grpSpPr>
-      <p:sp>
-        <p:nvSpPr>
-          <p:cNvPr id="8" name="Title 7"/>
-          <p:cNvSpPr>
-            <a:spLocks noGrp="1"/>
-          </p:cNvSpPr>
-          <p:nvPr>
-            <p:ph type="title"/>
-          </p:nvPr>
-        </p:nvSpPr>
-        <p:spPr/>
-        <p:txBody>
-          <a:bodyPr>
-            <a:normAutofit fontScale="90000"/>
-          </a:bodyPr>
-          <a:lstStyle/>
-          <a:p>
-            <a:r>
-              <a:rPr lang="en-US" dirty="0" smtClean="0"/>
-              <a:t>Review: What an Operating System Does</a:t>
-            </a:r>
-            <a:endParaRPr lang="en-US" dirty="0"/>
-          </a:p>
-        </p:txBody>
-      </p:sp>
-      <p:sp>
-        <p:nvSpPr>
-          <p:cNvPr id="9" name="Content Placeholder 8"/>
-          <p:cNvSpPr>
-            <a:spLocks noGrp="1"/>
-          </p:cNvSpPr>
-          <p:nvPr>
-            <p:ph idx="1"/>
-          </p:nvPr>
-        </p:nvSpPr>
-        <p:spPr/>
-        <p:txBody>
-          <a:bodyPr/>
-          <a:lstStyle/>
-          <a:p>
-            <a:endParaRPr lang="en-US" dirty="0"/>
-          </a:p>
-        </p:txBody>
-      </p:sp>
-      <p:sp>
-        <p:nvSpPr>
-          <p:cNvPr id="7" name="Footer Placeholder 6"/>
-          <p:cNvSpPr>
-            <a:spLocks noGrp="1"/>
-          </p:cNvSpPr>
-          <p:nvPr>
-            <p:ph type="ftr" sz="quarter" idx="11"/>
-          </p:nvPr>
-        </p:nvSpPr>
-        <p:spPr/>
-        <p:txBody>
-          <a:bodyPr/>
-          <a:lstStyle/>
-          <a:p>
-            <a:r>
-              <a:rPr lang="en-US" smtClean="0"/>
-              <a:t>Introduction to Operating Systems</a:t>
-            </a:r>
-            <a:endParaRPr lang="en-US"/>
-          </a:p>
-        </p:txBody>
-      </p:sp>
-    </p:spTree>
-    <p:extLst>
-      <p:ext uri="{BB962C8B-B14F-4D97-AF65-F5344CB8AC3E}">
-        <p14:creationId xmlns:p14="http://schemas.microsoft.com/office/powerpoint/2010/main" val="672727637"/>
       </p:ext>
     </p:extLst>
   </p:cSld>
@@ -11212,6 +12869,373 @@
   <p:clrMapOvr>
     <a:masterClrMapping/>
   </p:clrMapOvr>
+</p:sld>
+</file>
+
+<file path=ppt/slides/slide50.xml><?xml version="1.0" encoding="utf-8"?>
+<p:sld xmlns:a="http://schemas.openxmlformats.org/drawingml/2006/main" xmlns:r="http://schemas.openxmlformats.org/officeDocument/2006/relationships" xmlns:p="http://schemas.openxmlformats.org/presentationml/2006/main">
+  <p:cSld>
+    <p:spTree>
+      <p:nvGrpSpPr>
+        <p:cNvPr id="1" name=""/>
+        <p:cNvGrpSpPr/>
+        <p:nvPr/>
+      </p:nvGrpSpPr>
+      <p:grpSpPr>
+        <a:xfrm>
+          <a:off x="0" y="0"/>
+          <a:ext cx="0" cy="0"/>
+          <a:chOff x="0" y="0"/>
+          <a:chExt cx="0" cy="0"/>
+        </a:xfrm>
+      </p:grpSpPr>
+      <p:sp>
+        <p:nvSpPr>
+          <p:cNvPr id="5" name="Title 4"/>
+          <p:cNvSpPr>
+            <a:spLocks noGrp="1"/>
+          </p:cNvSpPr>
+          <p:nvPr>
+            <p:ph type="title"/>
+          </p:nvPr>
+        </p:nvSpPr>
+        <p:spPr/>
+        <p:txBody>
+          <a:bodyPr/>
+          <a:lstStyle/>
+          <a:p>
+            <a:r>
+              <a:rPr lang="en-US" dirty="0" smtClean="0"/>
+              <a:t>Competing Kernel Architectures</a:t>
+            </a:r>
+            <a:endParaRPr lang="en-US" dirty="0"/>
+          </a:p>
+        </p:txBody>
+      </p:sp>
+      <p:sp>
+        <p:nvSpPr>
+          <p:cNvPr id="6" name="Text Placeholder 5"/>
+          <p:cNvSpPr>
+            <a:spLocks noGrp="1"/>
+          </p:cNvSpPr>
+          <p:nvPr>
+            <p:ph type="body" idx="1"/>
+          </p:nvPr>
+        </p:nvSpPr>
+        <p:spPr/>
+        <p:txBody>
+          <a:bodyPr/>
+          <a:lstStyle/>
+          <a:p>
+            <a:r>
+              <a:rPr lang="en-US" dirty="0" smtClean="0"/>
+              <a:t>Micro-Kernel</a:t>
+            </a:r>
+            <a:endParaRPr lang="en-US" dirty="0"/>
+          </a:p>
+        </p:txBody>
+      </p:sp>
+      <p:sp>
+        <p:nvSpPr>
+          <p:cNvPr id="7" name="Content Placeholder 6"/>
+          <p:cNvSpPr>
+            <a:spLocks noGrp="1"/>
+          </p:cNvSpPr>
+          <p:nvPr>
+            <p:ph sz="half" idx="2"/>
+          </p:nvPr>
+        </p:nvSpPr>
+        <p:spPr/>
+        <p:txBody>
+          <a:bodyPr/>
+          <a:lstStyle/>
+          <a:p>
+            <a:r>
+              <a:rPr lang="en-US" dirty="0" smtClean="0"/>
+              <a:t>Kernel </a:t>
+            </a:r>
+            <a:r>
+              <a:rPr lang="en-US" dirty="0"/>
+              <a:t>is Only a Scheduler</a:t>
+            </a:r>
+          </a:p>
+          <a:p>
+            <a:r>
+              <a:rPr lang="en-US" dirty="0" smtClean="0"/>
+              <a:t>Services </a:t>
+            </a:r>
+            <a:r>
+              <a:rPr lang="en-US" dirty="0"/>
+              <a:t>Model</a:t>
+            </a:r>
+          </a:p>
+          <a:p>
+            <a:r>
+              <a:rPr lang="en-US" dirty="0" smtClean="0"/>
+              <a:t>in-kernel </a:t>
+            </a:r>
+            <a:r>
+              <a:rPr lang="en-US" dirty="0"/>
+              <a:t>IPC</a:t>
+            </a:r>
+          </a:p>
+          <a:p>
+            <a:r>
+              <a:rPr lang="en-US" dirty="0" smtClean="0"/>
+              <a:t>POSIX </a:t>
+            </a:r>
+            <a:r>
+              <a:rPr lang="en-US" dirty="0"/>
+              <a:t>as a service</a:t>
+            </a:r>
+          </a:p>
+          <a:p>
+            <a:r>
+              <a:rPr lang="en-US" dirty="0" smtClean="0"/>
+              <a:t>Mach</a:t>
+            </a:r>
+            <a:r>
+              <a:rPr lang="en-US" dirty="0"/>
+              <a:t>, </a:t>
+            </a:r>
+            <a:r>
+              <a:rPr lang="en-US" dirty="0" err="1"/>
+              <a:t>Barrelfish</a:t>
+            </a:r>
+            <a:r>
+              <a:rPr lang="en-US" dirty="0"/>
+              <a:t>, L4</a:t>
+            </a:r>
+          </a:p>
+        </p:txBody>
+      </p:sp>
+      <p:sp>
+        <p:nvSpPr>
+          <p:cNvPr id="8" name="Text Placeholder 7"/>
+          <p:cNvSpPr>
+            <a:spLocks noGrp="1"/>
+          </p:cNvSpPr>
+          <p:nvPr>
+            <p:ph type="body" sz="quarter" idx="3"/>
+          </p:nvPr>
+        </p:nvSpPr>
+        <p:spPr/>
+        <p:txBody>
+          <a:bodyPr/>
+          <a:lstStyle/>
+          <a:p>
+            <a:r>
+              <a:rPr lang="en-US" dirty="0" smtClean="0"/>
+              <a:t>Monolithic</a:t>
+            </a:r>
+            <a:endParaRPr lang="en-US" dirty="0"/>
+          </a:p>
+        </p:txBody>
+      </p:sp>
+      <p:sp>
+        <p:nvSpPr>
+          <p:cNvPr id="9" name="Content Placeholder 8"/>
+          <p:cNvSpPr>
+            <a:spLocks noGrp="1"/>
+          </p:cNvSpPr>
+          <p:nvPr>
+            <p:ph sz="quarter" idx="4"/>
+          </p:nvPr>
+        </p:nvSpPr>
+        <p:spPr/>
+        <p:txBody>
+          <a:bodyPr/>
+          <a:lstStyle/>
+          <a:p>
+            <a:r>
+              <a:rPr lang="en-US" dirty="0" smtClean="0"/>
+              <a:t>One </a:t>
+            </a:r>
+            <a:r>
+              <a:rPr lang="en-US" dirty="0"/>
+              <a:t>big program </a:t>
+            </a:r>
+            <a:endParaRPr lang="en-US" dirty="0" smtClean="0"/>
+          </a:p>
+          <a:p>
+            <a:r>
+              <a:rPr lang="en-US" dirty="0" smtClean="0"/>
+              <a:t>Function </a:t>
+            </a:r>
+            <a:r>
+              <a:rPr lang="en-US" dirty="0"/>
+              <a:t>Calls</a:t>
+            </a:r>
+          </a:p>
+          <a:p>
+            <a:r>
+              <a:rPr lang="en-US" dirty="0" smtClean="0"/>
+              <a:t>System </a:t>
+            </a:r>
+            <a:r>
+              <a:rPr lang="en-US" dirty="0"/>
+              <a:t>Call API</a:t>
+            </a:r>
+          </a:p>
+          <a:p>
+            <a:r>
+              <a:rPr lang="en-US" dirty="0" smtClean="0"/>
+              <a:t>FreeBSD</a:t>
+            </a:r>
+            <a:r>
+              <a:rPr lang="en-US" dirty="0"/>
+              <a:t>, Linux, Windows</a:t>
+            </a:r>
+          </a:p>
+          <a:p>
+            <a:endParaRPr lang="en-US" dirty="0"/>
+          </a:p>
+        </p:txBody>
+      </p:sp>
+      <p:sp>
+        <p:nvSpPr>
+          <p:cNvPr id="4" name="Footer Placeholder 3"/>
+          <p:cNvSpPr>
+            <a:spLocks noGrp="1"/>
+          </p:cNvSpPr>
+          <p:nvPr>
+            <p:ph type="ftr" sz="quarter" idx="11"/>
+          </p:nvPr>
+        </p:nvSpPr>
+        <p:spPr/>
+        <p:txBody>
+          <a:bodyPr/>
+          <a:lstStyle/>
+          <a:p>
+            <a:r>
+              <a:rPr lang="en-US" smtClean="0"/>
+              <a:t>Introduction to Operating Systems</a:t>
+            </a:r>
+            <a:endParaRPr lang="en-US" dirty="0"/>
+          </a:p>
+        </p:txBody>
+      </p:sp>
+    </p:spTree>
+    <p:extLst>
+      <p:ext uri="{BB962C8B-B14F-4D97-AF65-F5344CB8AC3E}">
+        <p14:creationId xmlns:p14="http://schemas.microsoft.com/office/powerpoint/2010/main" val="528892961"/>
+      </p:ext>
+    </p:extLst>
+  </p:cSld>
+  <p:clrMapOvr>
+    <a:masterClrMapping/>
+  </p:clrMapOvr>
+  <p:timing>
+    <p:tnLst>
+      <p:par>
+        <p:cTn id="1" dur="indefinite" restart="never" nodeType="tmRoot"/>
+      </p:par>
+    </p:tnLst>
+  </p:timing>
+</p:sld>
+</file>
+
+<file path=ppt/slides/slide51.xml><?xml version="1.0" encoding="utf-8"?>
+<p:sld xmlns:a="http://schemas.openxmlformats.org/drawingml/2006/main" xmlns:r="http://schemas.openxmlformats.org/officeDocument/2006/relationships" xmlns:p="http://schemas.openxmlformats.org/presentationml/2006/main">
+  <p:cSld>
+    <p:spTree>
+      <p:nvGrpSpPr>
+        <p:cNvPr id="1" name=""/>
+        <p:cNvGrpSpPr/>
+        <p:nvPr/>
+      </p:nvGrpSpPr>
+      <p:grpSpPr>
+        <a:xfrm>
+          <a:off x="0" y="0"/>
+          <a:ext cx="0" cy="0"/>
+          <a:chOff x="0" y="0"/>
+          <a:chExt cx="0" cy="0"/>
+        </a:xfrm>
+      </p:grpSpPr>
+      <p:sp>
+        <p:nvSpPr>
+          <p:cNvPr id="8" name="Title 7"/>
+          <p:cNvSpPr>
+            <a:spLocks noGrp="1"/>
+          </p:cNvSpPr>
+          <p:nvPr>
+            <p:ph type="title"/>
+          </p:nvPr>
+        </p:nvSpPr>
+        <p:spPr/>
+        <p:txBody>
+          <a:bodyPr>
+            <a:normAutofit fontScale="90000"/>
+          </a:bodyPr>
+          <a:lstStyle/>
+          <a:p>
+            <a:r>
+              <a:rPr lang="en-US" dirty="0" smtClean="0"/>
+              <a:t>Review: What an Operating System Does</a:t>
+            </a:r>
+            <a:endParaRPr lang="en-US" dirty="0"/>
+          </a:p>
+        </p:txBody>
+      </p:sp>
+      <p:sp>
+        <p:nvSpPr>
+          <p:cNvPr id="9" name="Content Placeholder 8"/>
+          <p:cNvSpPr>
+            <a:spLocks noGrp="1"/>
+          </p:cNvSpPr>
+          <p:nvPr>
+            <p:ph idx="1"/>
+          </p:nvPr>
+        </p:nvSpPr>
+        <p:spPr/>
+        <p:txBody>
+          <a:bodyPr/>
+          <a:lstStyle/>
+          <a:p>
+            <a:endParaRPr lang="en-US" dirty="0"/>
+          </a:p>
+        </p:txBody>
+      </p:sp>
+      <p:sp>
+        <p:nvSpPr>
+          <p:cNvPr id="7" name="Footer Placeholder 6"/>
+          <p:cNvSpPr>
+            <a:spLocks noGrp="1"/>
+          </p:cNvSpPr>
+          <p:nvPr>
+            <p:ph type="ftr" sz="quarter" idx="11"/>
+          </p:nvPr>
+        </p:nvSpPr>
+        <p:spPr/>
+        <p:txBody>
+          <a:bodyPr/>
+          <a:lstStyle/>
+          <a:p>
+            <a:r>
+              <a:rPr lang="en-US" smtClean="0"/>
+              <a:t>Introduction to Operating Systems</a:t>
+            </a:r>
+            <a:endParaRPr lang="en-US"/>
+          </a:p>
+        </p:txBody>
+      </p:sp>
+    </p:spTree>
+    <p:extLst>
+      <p:ext uri="{BB962C8B-B14F-4D97-AF65-F5344CB8AC3E}">
+        <p14:creationId xmlns:p14="http://schemas.microsoft.com/office/powerpoint/2010/main" val="672727637"/>
+      </p:ext>
+    </p:extLst>
+  </p:cSld>
+  <p:clrMapOvr>
+    <a:masterClrMapping/>
+  </p:clrMapOvr>
+  <p:timing>
+    <p:tnLst>
+      <p:par>
+        <p:cTn id="1" dur="indefinite" restart="never" nodeType="tmRoot"/>
+      </p:par>
+    </p:tnLst>
+  </p:timing>
 </p:sld>
 </file>
 

--- a/undergraduate/lectures/introduction.pptx
+++ b/undergraduate/lectures/introduction.pptx
@@ -5,7 +5,7 @@
     <p:sldMasterId id="2147483786" r:id="rId1"/>
   </p:sldMasterIdLst>
   <p:notesMasterIdLst>
-    <p:notesMasterId r:id="rId53"/>
+    <p:notesMasterId r:id="rId54"/>
   </p:notesMasterIdLst>
   <p:sldIdLst>
     <p:sldId id="256" r:id="rId2"/>
@@ -21,44 +21,45 @@
     <p:sldId id="262" r:id="rId12"/>
     <p:sldId id="263" r:id="rId13"/>
     <p:sldId id="272" r:id="rId14"/>
-    <p:sldId id="273" r:id="rId15"/>
-    <p:sldId id="264" r:id="rId16"/>
-    <p:sldId id="298" r:id="rId17"/>
-    <p:sldId id="300" r:id="rId18"/>
-    <p:sldId id="302" r:id="rId19"/>
-    <p:sldId id="301" r:id="rId20"/>
-    <p:sldId id="305" r:id="rId21"/>
-    <p:sldId id="303" r:id="rId22"/>
-    <p:sldId id="304" r:id="rId23"/>
-    <p:sldId id="299" r:id="rId24"/>
-    <p:sldId id="306" r:id="rId25"/>
-    <p:sldId id="307" r:id="rId26"/>
-    <p:sldId id="308" r:id="rId27"/>
-    <p:sldId id="265" r:id="rId28"/>
-    <p:sldId id="274" r:id="rId29"/>
-    <p:sldId id="275" r:id="rId30"/>
-    <p:sldId id="276" r:id="rId31"/>
-    <p:sldId id="277" r:id="rId32"/>
-    <p:sldId id="278" r:id="rId33"/>
-    <p:sldId id="279" r:id="rId34"/>
-    <p:sldId id="280" r:id="rId35"/>
-    <p:sldId id="281" r:id="rId36"/>
-    <p:sldId id="282" r:id="rId37"/>
-    <p:sldId id="283" r:id="rId38"/>
-    <p:sldId id="284" r:id="rId39"/>
-    <p:sldId id="285" r:id="rId40"/>
-    <p:sldId id="286" r:id="rId41"/>
-    <p:sldId id="287" r:id="rId42"/>
-    <p:sldId id="288" r:id="rId43"/>
-    <p:sldId id="289" r:id="rId44"/>
-    <p:sldId id="290" r:id="rId45"/>
-    <p:sldId id="291" r:id="rId46"/>
-    <p:sldId id="292" r:id="rId47"/>
-    <p:sldId id="293" r:id="rId48"/>
-    <p:sldId id="294" r:id="rId49"/>
-    <p:sldId id="295" r:id="rId50"/>
-    <p:sldId id="296" r:id="rId51"/>
-    <p:sldId id="297" r:id="rId52"/>
+    <p:sldId id="309" r:id="rId15"/>
+    <p:sldId id="273" r:id="rId16"/>
+    <p:sldId id="264" r:id="rId17"/>
+    <p:sldId id="298" r:id="rId18"/>
+    <p:sldId id="300" r:id="rId19"/>
+    <p:sldId id="302" r:id="rId20"/>
+    <p:sldId id="301" r:id="rId21"/>
+    <p:sldId id="305" r:id="rId22"/>
+    <p:sldId id="303" r:id="rId23"/>
+    <p:sldId id="304" r:id="rId24"/>
+    <p:sldId id="299" r:id="rId25"/>
+    <p:sldId id="306" r:id="rId26"/>
+    <p:sldId id="307" r:id="rId27"/>
+    <p:sldId id="308" r:id="rId28"/>
+    <p:sldId id="265" r:id="rId29"/>
+    <p:sldId id="274" r:id="rId30"/>
+    <p:sldId id="275" r:id="rId31"/>
+    <p:sldId id="276" r:id="rId32"/>
+    <p:sldId id="277" r:id="rId33"/>
+    <p:sldId id="278" r:id="rId34"/>
+    <p:sldId id="279" r:id="rId35"/>
+    <p:sldId id="280" r:id="rId36"/>
+    <p:sldId id="281" r:id="rId37"/>
+    <p:sldId id="282" r:id="rId38"/>
+    <p:sldId id="283" r:id="rId39"/>
+    <p:sldId id="284" r:id="rId40"/>
+    <p:sldId id="285" r:id="rId41"/>
+    <p:sldId id="286" r:id="rId42"/>
+    <p:sldId id="287" r:id="rId43"/>
+    <p:sldId id="288" r:id="rId44"/>
+    <p:sldId id="289" r:id="rId45"/>
+    <p:sldId id="290" r:id="rId46"/>
+    <p:sldId id="291" r:id="rId47"/>
+    <p:sldId id="292" r:id="rId48"/>
+    <p:sldId id="293" r:id="rId49"/>
+    <p:sldId id="294" r:id="rId50"/>
+    <p:sldId id="295" r:id="rId51"/>
+    <p:sldId id="296" r:id="rId52"/>
+    <p:sldId id="297" r:id="rId53"/>
   </p:sldIdLst>
   <p:sldSz cx="12192000" cy="6858000"/>
   <p:notesSz cx="6858000" cy="9144000"/>
@@ -183,6 +184,7 @@
             <p14:sldId id="262"/>
             <p14:sldId id="263"/>
             <p14:sldId id="272"/>
+            <p14:sldId id="309"/>
             <p14:sldId id="273"/>
             <p14:sldId id="264"/>
             <p14:sldId id="298"/>
@@ -325,7 +327,7 @@
           <a:p>
             <a:fld id="{EC53E720-1243-6043-B4C4-6E31C619CC0A}" type="datetimeFigureOut">
               <a:rPr lang="en-US" smtClean="0"/>
-              <a:t>2/4/17</a:t>
+              <a:t>2/14/17</a:t>
             </a:fld>
             <a:endParaRPr lang="en-US"/>
           </a:p>
@@ -992,7 +994,7 @@
           <a:p>
             <a:fld id="{95DA03C6-6B2A-3D4E-ACBF-63391107FCA5}" type="datetime1">
               <a:rPr lang="en-US" smtClean="0"/>
-              <a:t>2/4/17</a:t>
+              <a:t>2/14/17</a:t>
             </a:fld>
             <a:endParaRPr lang="en-US"/>
           </a:p>
@@ -1271,7 +1273,7 @@
           <a:p>
             <a:fld id="{652B615D-AC37-794B-9CD1-917BECA41F70}" type="datetime1">
               <a:rPr lang="en-US" smtClean="0"/>
-              <a:t>2/4/17</a:t>
+              <a:t>2/14/17</a:t>
             </a:fld>
             <a:endParaRPr lang="en-US"/>
           </a:p>
@@ -1526,7 +1528,7 @@
           <a:p>
             <a:fld id="{5DC51015-F320-0A4F-959E-3D859876C438}" type="datetime1">
               <a:rPr lang="en-US" smtClean="0"/>
-              <a:t>2/4/17</a:t>
+              <a:t>2/14/17</a:t>
             </a:fld>
             <a:endParaRPr lang="en-US"/>
           </a:p>
@@ -1704,7 +1706,7 @@
           <a:p>
             <a:fld id="{4B1B9092-98F8-3943-8253-FED67AD371E9}" type="datetime1">
               <a:rPr lang="en-US" smtClean="0"/>
-              <a:t>2/4/17</a:t>
+              <a:t>2/14/17</a:t>
             </a:fld>
             <a:endParaRPr lang="en-US"/>
           </a:p>
@@ -2053,7 +2055,7 @@
           <a:p>
             <a:fld id="{28960D5E-7767-5B4E-BF7E-AE3C5D61F3FF}" type="datetime1">
               <a:rPr lang="en-US" smtClean="0"/>
-              <a:t>2/4/17</a:t>
+              <a:t>2/14/17</a:t>
             </a:fld>
             <a:endParaRPr lang="en-US"/>
           </a:p>
@@ -2347,7 +2349,7 @@
           <a:p>
             <a:fld id="{416A0E0A-1609-FB44-8228-EEF5C54B5A55}" type="datetime1">
               <a:rPr lang="en-US" smtClean="0"/>
-              <a:t>2/4/17</a:t>
+              <a:t>2/14/17</a:t>
             </a:fld>
             <a:endParaRPr lang="en-US" dirty="0"/>
           </a:p>
@@ -2734,7 +2736,7 @@
           <a:p>
             <a:fld id="{8D566A62-F6F0-FB4F-9669-760CD9DCEC73}" type="datetime1">
               <a:rPr lang="en-US" smtClean="0"/>
-              <a:t>2/4/17</a:t>
+              <a:t>2/14/17</a:t>
             </a:fld>
             <a:endParaRPr lang="en-US"/>
           </a:p>
@@ -2858,7 +2860,7 @@
           <a:p>
             <a:fld id="{6B34C88A-1865-1F43-A0DB-344805F7492E}" type="datetime1">
               <a:rPr lang="en-US" smtClean="0"/>
-              <a:t>2/4/17</a:t>
+              <a:t>2/14/17</a:t>
             </a:fld>
             <a:endParaRPr lang="en-US"/>
           </a:p>
@@ -3035,7 +3037,7 @@
           <a:p>
             <a:fld id="{8B4004B4-FF14-FF4D-B044-59094E9AC0F1}" type="datetime1">
               <a:rPr lang="en-US" smtClean="0"/>
-              <a:t>2/4/17</a:t>
+              <a:t>2/14/17</a:t>
             </a:fld>
             <a:endParaRPr lang="en-US"/>
           </a:p>
@@ -3395,7 +3397,7 @@
           <a:p>
             <a:fld id="{862984A0-B2F5-2549-A24F-764B1F76A93B}" type="datetime1">
               <a:rPr lang="en-US" smtClean="0"/>
-              <a:t>2/4/17</a:t>
+              <a:t>2/14/17</a:t>
             </a:fld>
             <a:endParaRPr lang="en-US"/>
           </a:p>
@@ -3780,7 +3782,7 @@
           <a:p>
             <a:fld id="{6F310967-D635-1C4B-8010-EE130F91BB63}" type="datetime1">
               <a:rPr lang="en-US" smtClean="0"/>
-              <a:t>2/4/17</a:t>
+              <a:t>2/14/17</a:t>
             </a:fld>
             <a:endParaRPr lang="en-US"/>
           </a:p>
@@ -4066,7 +4068,7 @@
           <a:p>
             <a:fld id="{B27188E3-ED48-3E43-BB72-DB8091BEB4A5}" type="datetime1">
               <a:rPr lang="en-US" smtClean="0"/>
-              <a:t>2/4/17</a:t>
+              <a:t>2/14/17</a:t>
             </a:fld>
             <a:endParaRPr lang="en-US" dirty="0"/>
           </a:p>
@@ -6000,7 +6002,7 @@
           <a:p>
             <a:r>
               <a:rPr lang="en-US" dirty="0" smtClean="0"/>
-              <a:t>What an Operating System is</a:t>
+              <a:t>Operating System as Toolkit</a:t>
             </a:r>
             <a:endParaRPr lang="en-US" dirty="0"/>
           </a:p>
@@ -6023,62 +6025,67 @@
           <a:p>
             <a:r>
               <a:rPr lang="en-US" dirty="0" smtClean="0"/>
-              <a:t>A </a:t>
-            </a:r>
-            <a:r>
-              <a:rPr lang="en-US" dirty="0"/>
-              <a:t>single large program</a:t>
-            </a:r>
-          </a:p>
-          <a:p>
-            <a:r>
-              <a:rPr lang="en-US" dirty="0" smtClean="0"/>
-              <a:t>Written in </a:t>
-            </a:r>
-            <a:r>
-              <a:rPr lang="en-US" dirty="0"/>
-              <a:t>the C language </a:t>
-            </a:r>
-            <a:endParaRPr lang="en-US" dirty="0" smtClean="0"/>
-          </a:p>
-          <a:p>
-            <a:r>
-              <a:rPr lang="en-US" dirty="0" smtClean="0"/>
-              <a:t>Built </a:t>
-            </a:r>
-            <a:r>
-              <a:rPr lang="en-US" dirty="0"/>
-              <a:t>with make</a:t>
-            </a:r>
-          </a:p>
-          <a:p>
-            <a:r>
-              <a:rPr lang="en-US" dirty="0" smtClean="0"/>
-              <a:t>More </a:t>
-            </a:r>
-            <a:r>
-              <a:rPr lang="en-US" dirty="0"/>
-              <a:t>than 20, 000 files</a:t>
-            </a:r>
-          </a:p>
-          <a:p>
-            <a:r>
-              <a:rPr lang="en-US" dirty="0" smtClean="0"/>
-              <a:t>12</a:t>
-            </a:r>
-            <a:r>
-              <a:rPr lang="en-US" dirty="0"/>
-              <a:t>, 000, 000 lines of code</a:t>
-            </a:r>
-          </a:p>
-          <a:p>
-            <a:endParaRPr lang="en-US" dirty="0"/>
-          </a:p>
-        </p:txBody>
-      </p:sp>
-      <p:sp>
-        <p:nvSpPr>
-          <p:cNvPr id="4" name="Footer Placeholder 3"/>
+              <a:t>A collection of code</a:t>
+            </a:r>
+          </a:p>
+          <a:p>
+            <a:r>
+              <a:rPr lang="en-US" dirty="0" smtClean="0"/>
+              <a:t>Organized into a set of libraries</a:t>
+            </a:r>
+          </a:p>
+          <a:p>
+            <a:r>
+              <a:rPr lang="en-US" dirty="0" smtClean="0"/>
+              <a:t>Built into a larger of programs</a:t>
+            </a:r>
+          </a:p>
+          <a:p>
+            <a:r>
+              <a:rPr lang="en-US" dirty="0" smtClean="0"/>
+              <a:t>That work together to provide a service</a:t>
+            </a:r>
+          </a:p>
+          <a:p>
+            <a:r>
+              <a:rPr lang="en-US" dirty="0" smtClean="0"/>
+              <a:t>At the lowest possible cost</a:t>
+            </a:r>
+          </a:p>
+          <a:p>
+            <a:r>
+              <a:rPr lang="en-US" dirty="0" smtClean="0"/>
+              <a:t>With the highest possible efficiency</a:t>
+            </a:r>
+          </a:p>
+        </p:txBody>
+      </p:sp>
+      <p:sp>
+        <p:nvSpPr>
+          <p:cNvPr id="4" name="Date Placeholder 3"/>
+          <p:cNvSpPr>
+            <a:spLocks noGrp="1"/>
+          </p:cNvSpPr>
+          <p:nvPr>
+            <p:ph type="dt" sz="half" idx="10"/>
+          </p:nvPr>
+        </p:nvSpPr>
+        <p:spPr/>
+        <p:txBody>
+          <a:bodyPr/>
+          <a:lstStyle/>
+          <a:p>
+            <a:fld id="{49017221-95F1-A547-955D-7B046F2E09F0}" type="datetime1">
+              <a:rPr lang="en-US" smtClean="0"/>
+              <a:t>2/14/17</a:t>
+            </a:fld>
+            <a:endParaRPr lang="en-US"/>
+          </a:p>
+        </p:txBody>
+      </p:sp>
+      <p:sp>
+        <p:nvSpPr>
+          <p:cNvPr id="5" name="Footer Placeholder 4"/>
           <p:cNvSpPr>
             <a:spLocks noGrp="1"/>
           </p:cNvSpPr>
@@ -6096,26 +6103,42 @@
               <a:t>Introduction to Operating Systems</a:t>
             </a:r>
             <a:endParaRPr lang="en-US" dirty="0"/>
+          </a:p>
+        </p:txBody>
+      </p:sp>
+      <p:sp>
+        <p:nvSpPr>
+          <p:cNvPr id="6" name="Slide Number Placeholder 5"/>
+          <p:cNvSpPr>
+            <a:spLocks noGrp="1"/>
+          </p:cNvSpPr>
+          <p:nvPr>
+            <p:ph type="sldNum" sz="quarter" idx="12"/>
+          </p:nvPr>
+        </p:nvSpPr>
+        <p:spPr/>
+        <p:txBody>
+          <a:bodyPr/>
+          <a:lstStyle/>
+          <a:p>
+            <a:fld id="{699C44C4-0FAD-8046-A5C4-05AB318FA424}" type="slidenum">
+              <a:rPr lang="en-US" smtClean="0"/>
+              <a:t>14</a:t>
+            </a:fld>
+            <a:endParaRPr lang="en-US"/>
           </a:p>
         </p:txBody>
       </p:sp>
     </p:spTree>
     <p:extLst>
       <p:ext uri="{BB962C8B-B14F-4D97-AF65-F5344CB8AC3E}">
-        <p14:creationId xmlns:p14="http://schemas.microsoft.com/office/powerpoint/2010/main" val="900460546"/>
+        <p14:creationId xmlns:p14="http://schemas.microsoft.com/office/powerpoint/2010/main" val="338409367"/>
       </p:ext>
     </p:extLst>
   </p:cSld>
   <p:clrMapOvr>
     <a:masterClrMapping/>
   </p:clrMapOvr>
-  <p:timing>
-    <p:tnLst>
-      <p:par>
-        <p:cTn id="1" dur="indefinite" restart="never" nodeType="tmRoot"/>
-      </p:par>
-    </p:tnLst>
-  </p:timing>
 </p:sld>
 </file>
 
@@ -6153,7 +6176,7 @@
           <a:p>
             <a:r>
               <a:rPr lang="en-US" dirty="0" smtClean="0"/>
-              <a:t>Why study operating systems?</a:t>
+              <a:t>What an Operating System is</a:t>
             </a:r>
             <a:endParaRPr lang="en-US" dirty="0"/>
           </a:p>
@@ -6171,114 +6194,67 @@
         </p:nvSpPr>
         <p:spPr/>
         <p:txBody>
-          <a:bodyPr>
-            <a:normAutofit lnSpcReduction="10000"/>
-          </a:bodyPr>
-          <a:lstStyle/>
-          <a:p>
-            <a:r>
-              <a:rPr lang="en-US" dirty="0" smtClean="0"/>
-              <a:t>Key </a:t>
-            </a:r>
-            <a:r>
-              <a:rPr lang="en-US" dirty="0"/>
-              <a:t>interface between hardware and </a:t>
-            </a:r>
-            <a:r>
-              <a:rPr lang="en-US" dirty="0" smtClean="0"/>
-              <a:t>software</a:t>
-            </a:r>
-          </a:p>
-          <a:p>
-            <a:r>
-              <a:rPr lang="en-US" dirty="0" smtClean="0"/>
-              <a:t>Strong </a:t>
-            </a:r>
-            <a:r>
-              <a:rPr lang="en-US" dirty="0"/>
-              <a:t>influence on whole-system performance</a:t>
-            </a:r>
-          </a:p>
-          <a:p>
-            <a:r>
-              <a:rPr lang="en-US" dirty="0" smtClean="0"/>
-              <a:t>Critical </a:t>
-            </a:r>
-            <a:r>
-              <a:rPr lang="en-US" dirty="0"/>
-              <a:t>foundation for computer security</a:t>
-            </a:r>
-          </a:p>
-          <a:p>
-            <a:r>
-              <a:rPr lang="en-US" dirty="0" smtClean="0"/>
-              <a:t>Exciting </a:t>
-            </a:r>
-            <a:r>
-              <a:rPr lang="en-US" dirty="0"/>
-              <a:t>programming techniques, algorithms, problems</a:t>
-            </a:r>
-          </a:p>
-          <a:p>
-            <a:pPr lvl="1"/>
-            <a:r>
-              <a:rPr lang="en-US" dirty="0" smtClean="0"/>
-              <a:t>Virtual </a:t>
-            </a:r>
-            <a:r>
-              <a:rPr lang="en-US" dirty="0"/>
-              <a:t>memory; network stacks; filesystems; runtime linkers; ...</a:t>
-            </a:r>
-          </a:p>
-          <a:p>
-            <a:r>
-              <a:rPr lang="en-US" dirty="0" smtClean="0"/>
-              <a:t>Co-evolves </a:t>
-            </a:r>
-            <a:r>
-              <a:rPr lang="en-US" dirty="0"/>
-              <a:t>with platforms, applications, users</a:t>
-            </a:r>
-          </a:p>
-          <a:p>
-            <a:r>
-              <a:rPr lang="en-US" dirty="0" smtClean="0"/>
-              <a:t>Multiple </a:t>
-            </a:r>
-            <a:r>
-              <a:rPr lang="en-US" dirty="0"/>
-              <a:t>active research communities</a:t>
-            </a:r>
-          </a:p>
-          <a:p>
-            <a:r>
-              <a:rPr lang="en-US" dirty="0" smtClean="0"/>
-              <a:t>Reusable </a:t>
-            </a:r>
-            <a:r>
-              <a:rPr lang="en-US" dirty="0"/>
-              <a:t>techniques for building complex </a:t>
-            </a:r>
-            <a:r>
-              <a:rPr lang="en-US" dirty="0" smtClean="0"/>
-              <a:t>systems</a:t>
-            </a:r>
-          </a:p>
-          <a:p>
-            <a:r>
-              <a:rPr lang="en-US" dirty="0" smtClean="0"/>
-              <a:t>Boatloads </a:t>
-            </a:r>
-            <a:r>
-              <a:rPr lang="en-US" dirty="0"/>
-              <a:t>of fun (best text adventure ever)</a:t>
-            </a:r>
-          </a:p>
-        </p:txBody>
-      </p:sp>
-      <p:sp>
-        <p:nvSpPr>
-          <p:cNvPr id="5" name="Footer Placeholder 4"/>
+          <a:bodyPr/>
+          <a:lstStyle/>
+          <a:p>
+            <a:r>
+              <a:rPr lang="en-US" dirty="0" smtClean="0"/>
+              <a:t>A </a:t>
+            </a:r>
+            <a:r>
+              <a:rPr lang="en-US" dirty="0"/>
+              <a:t>single large program</a:t>
+            </a:r>
+          </a:p>
+          <a:p>
+            <a:r>
+              <a:rPr lang="en-US" dirty="0" smtClean="0"/>
+              <a:t>Written in </a:t>
+            </a:r>
+            <a:r>
+              <a:rPr lang="en-US" dirty="0"/>
+              <a:t>the C language </a:t>
+            </a:r>
+            <a:endParaRPr lang="en-US" dirty="0" smtClean="0"/>
+          </a:p>
+          <a:p>
+            <a:r>
+              <a:rPr lang="en-US" dirty="0" smtClean="0"/>
+              <a:t>Built </a:t>
+            </a:r>
+            <a:r>
+              <a:rPr lang="en-US" dirty="0"/>
+              <a:t>with make</a:t>
+            </a:r>
+          </a:p>
+          <a:p>
+            <a:r>
+              <a:rPr lang="en-US" dirty="0" smtClean="0"/>
+              <a:t>More </a:t>
+            </a:r>
+            <a:r>
+              <a:rPr lang="en-US" dirty="0"/>
+              <a:t>than 20, 000 files</a:t>
+            </a:r>
+          </a:p>
+          <a:p>
+            <a:r>
+              <a:rPr lang="en-US" dirty="0" smtClean="0"/>
+              <a:t>12</a:t>
+            </a:r>
+            <a:r>
+              <a:rPr lang="en-US" dirty="0"/>
+              <a:t>, 000, 000 lines of code</a:t>
+            </a:r>
+          </a:p>
+          <a:p>
+            <a:endParaRPr lang="en-US" dirty="0"/>
+          </a:p>
+        </p:txBody>
+      </p:sp>
+      <p:sp>
+        <p:nvSpPr>
+          <p:cNvPr id="4" name="Footer Placeholder 3"/>
           <p:cNvSpPr>
             <a:spLocks noGrp="1"/>
           </p:cNvSpPr>
@@ -6302,7 +6278,7 @@
     </p:spTree>
     <p:extLst>
       <p:ext uri="{BB962C8B-B14F-4D97-AF65-F5344CB8AC3E}">
-        <p14:creationId xmlns:p14="http://schemas.microsoft.com/office/powerpoint/2010/main" val="34306723"/>
+        <p14:creationId xmlns:p14="http://schemas.microsoft.com/office/powerpoint/2010/main" val="900460546"/>
       </p:ext>
     </p:extLst>
   </p:cSld>
@@ -6353,7 +6329,7 @@
           <a:p>
             <a:r>
               <a:rPr lang="en-US" dirty="0" smtClean="0"/>
-              <a:t>Performance Measures</a:t>
+              <a:t>Why study operating systems?</a:t>
             </a:r>
             <a:endParaRPr lang="en-US" dirty="0"/>
           </a:p>
@@ -6371,53 +6347,114 @@
         </p:nvSpPr>
         <p:spPr/>
         <p:txBody>
-          <a:bodyPr/>
-          <a:lstStyle/>
-          <a:p>
-            <a:r>
-              <a:rPr lang="en-US" dirty="0" smtClean="0"/>
-              <a:t>Throughput</a:t>
+          <a:bodyPr>
+            <a:normAutofit lnSpcReduction="10000"/>
+          </a:bodyPr>
+          <a:lstStyle/>
+          <a:p>
+            <a:r>
+              <a:rPr lang="en-US" dirty="0" smtClean="0"/>
+              <a:t>Key </a:t>
+            </a:r>
+            <a:r>
+              <a:rPr lang="en-US" dirty="0"/>
+              <a:t>interface between hardware and </a:t>
+            </a:r>
+            <a:r>
+              <a:rPr lang="en-US" dirty="0" smtClean="0"/>
+              <a:t>software</a:t>
+            </a:r>
+          </a:p>
+          <a:p>
+            <a:r>
+              <a:rPr lang="en-US" dirty="0" smtClean="0"/>
+              <a:t>Strong </a:t>
+            </a:r>
+            <a:r>
+              <a:rPr lang="en-US" dirty="0"/>
+              <a:t>influence on whole-system performance</a:t>
+            </a:r>
+          </a:p>
+          <a:p>
+            <a:r>
+              <a:rPr lang="en-US" dirty="0" smtClean="0"/>
+              <a:t>Critical </a:t>
+            </a:r>
+            <a:r>
+              <a:rPr lang="en-US" dirty="0"/>
+              <a:t>foundation for computer security</a:t>
+            </a:r>
+          </a:p>
+          <a:p>
+            <a:r>
+              <a:rPr lang="en-US" dirty="0" smtClean="0"/>
+              <a:t>Exciting </a:t>
+            </a:r>
+            <a:r>
+              <a:rPr lang="en-US" dirty="0"/>
+              <a:t>programming techniques, algorithms, problems</a:t>
             </a:r>
           </a:p>
           <a:p>
             <a:pPr lvl="1"/>
             <a:r>
               <a:rPr lang="en-US" dirty="0" smtClean="0"/>
-              <a:t>How much work can we do per unit time?</a:t>
-            </a:r>
-          </a:p>
-          <a:p>
-            <a:r>
-              <a:rPr lang="en-US" dirty="0" smtClean="0"/>
-              <a:t>Latency</a:t>
-            </a:r>
-          </a:p>
-          <a:p>
-            <a:pPr lvl="1"/>
-            <a:r>
-              <a:rPr lang="en-US" dirty="0" smtClean="0"/>
-              <a:t>Time between request and useful response</a:t>
-            </a:r>
-          </a:p>
-          <a:p>
-            <a:r>
-              <a:rPr lang="en-US" dirty="0" smtClean="0"/>
-              <a:t>Jitter</a:t>
-            </a:r>
-          </a:p>
-          <a:p>
-            <a:pPr lvl="1"/>
-            <a:r>
-              <a:rPr lang="en-US" dirty="0" smtClean="0"/>
-              <a:t>Variability in latency</a:t>
-            </a:r>
-            <a:endParaRPr lang="en-US" dirty="0"/>
-          </a:p>
-        </p:txBody>
-      </p:sp>
-      <p:sp>
-        <p:nvSpPr>
-          <p:cNvPr id="4" name="Footer Placeholder 3"/>
+              <a:t>Virtual </a:t>
+            </a:r>
+            <a:r>
+              <a:rPr lang="en-US" dirty="0"/>
+              <a:t>memory; network stacks; filesystems; runtime linkers; ...</a:t>
+            </a:r>
+          </a:p>
+          <a:p>
+            <a:r>
+              <a:rPr lang="en-US" dirty="0" smtClean="0"/>
+              <a:t>Co-evolves </a:t>
+            </a:r>
+            <a:r>
+              <a:rPr lang="en-US" dirty="0"/>
+              <a:t>with platforms, applications, users</a:t>
+            </a:r>
+          </a:p>
+          <a:p>
+            <a:r>
+              <a:rPr lang="en-US" dirty="0" smtClean="0"/>
+              <a:t>Multiple </a:t>
+            </a:r>
+            <a:r>
+              <a:rPr lang="en-US" dirty="0"/>
+              <a:t>active research communities</a:t>
+            </a:r>
+          </a:p>
+          <a:p>
+            <a:r>
+              <a:rPr lang="en-US" dirty="0" smtClean="0"/>
+              <a:t>Reusable </a:t>
+            </a:r>
+            <a:r>
+              <a:rPr lang="en-US" dirty="0"/>
+              <a:t>techniques for building complex </a:t>
+            </a:r>
+            <a:r>
+              <a:rPr lang="en-US" dirty="0" smtClean="0"/>
+              <a:t>systems</a:t>
+            </a:r>
+          </a:p>
+          <a:p>
+            <a:r>
+              <a:rPr lang="en-US" dirty="0" smtClean="0"/>
+              <a:t>Boatloads </a:t>
+            </a:r>
+            <a:r>
+              <a:rPr lang="en-US" dirty="0"/>
+              <a:t>of fun (best text adventure ever)</a:t>
+            </a:r>
+          </a:p>
+        </p:txBody>
+      </p:sp>
+      <p:sp>
+        <p:nvSpPr>
+          <p:cNvPr id="5" name="Footer Placeholder 4"/>
           <p:cNvSpPr>
             <a:spLocks noGrp="1"/>
           </p:cNvSpPr>
@@ -6441,13 +6478,20 @@
     </p:spTree>
     <p:extLst>
       <p:ext uri="{BB962C8B-B14F-4D97-AF65-F5344CB8AC3E}">
-        <p14:creationId xmlns:p14="http://schemas.microsoft.com/office/powerpoint/2010/main" val="1569544639"/>
+        <p14:creationId xmlns:p14="http://schemas.microsoft.com/office/powerpoint/2010/main" val="34306723"/>
       </p:ext>
     </p:extLst>
   </p:cSld>
   <p:clrMapOvr>
     <a:masterClrMapping/>
   </p:clrMapOvr>
+  <p:timing>
+    <p:tnLst>
+      <p:par>
+        <p:cTn id="1" dur="indefinite" restart="never" nodeType="tmRoot"/>
+      </p:par>
+    </p:tnLst>
+  </p:timing>
 </p:sld>
 </file>
 
@@ -6485,6 +6529,138 @@
           <a:p>
             <a:r>
               <a:rPr lang="en-US" dirty="0" smtClean="0"/>
+              <a:t>Performance Measures</a:t>
+            </a:r>
+            <a:endParaRPr lang="en-US" dirty="0"/>
+          </a:p>
+        </p:txBody>
+      </p:sp>
+      <p:sp>
+        <p:nvSpPr>
+          <p:cNvPr id="3" name="Content Placeholder 2"/>
+          <p:cNvSpPr>
+            <a:spLocks noGrp="1"/>
+          </p:cNvSpPr>
+          <p:nvPr>
+            <p:ph idx="1"/>
+          </p:nvPr>
+        </p:nvSpPr>
+        <p:spPr/>
+        <p:txBody>
+          <a:bodyPr/>
+          <a:lstStyle/>
+          <a:p>
+            <a:r>
+              <a:rPr lang="en-US" dirty="0" smtClean="0"/>
+              <a:t>Throughput</a:t>
+            </a:r>
+          </a:p>
+          <a:p>
+            <a:pPr lvl="1"/>
+            <a:r>
+              <a:rPr lang="en-US" dirty="0" smtClean="0"/>
+              <a:t>How much work can we do per unit time?</a:t>
+            </a:r>
+          </a:p>
+          <a:p>
+            <a:r>
+              <a:rPr lang="en-US" dirty="0" smtClean="0"/>
+              <a:t>Latency</a:t>
+            </a:r>
+          </a:p>
+          <a:p>
+            <a:pPr lvl="1"/>
+            <a:r>
+              <a:rPr lang="en-US" dirty="0" smtClean="0"/>
+              <a:t>Time between request and useful response</a:t>
+            </a:r>
+          </a:p>
+          <a:p>
+            <a:r>
+              <a:rPr lang="en-US" dirty="0" smtClean="0"/>
+              <a:t>Jitter</a:t>
+            </a:r>
+          </a:p>
+          <a:p>
+            <a:pPr lvl="1"/>
+            <a:r>
+              <a:rPr lang="en-US" dirty="0" smtClean="0"/>
+              <a:t>Variability in latency</a:t>
+            </a:r>
+            <a:endParaRPr lang="en-US" dirty="0"/>
+          </a:p>
+        </p:txBody>
+      </p:sp>
+      <p:sp>
+        <p:nvSpPr>
+          <p:cNvPr id="4" name="Footer Placeholder 3"/>
+          <p:cNvSpPr>
+            <a:spLocks noGrp="1"/>
+          </p:cNvSpPr>
+          <p:nvPr>
+            <p:ph type="ftr" sz="quarter" idx="11"/>
+          </p:nvPr>
+        </p:nvSpPr>
+        <p:spPr/>
+        <p:txBody>
+          <a:bodyPr/>
+          <a:lstStyle/>
+          <a:p>
+            <a:r>
+              <a:rPr lang="en-US" smtClean="0"/>
+              <a:t>Introduction to Operating Systems</a:t>
+            </a:r>
+            <a:endParaRPr lang="en-US" dirty="0"/>
+          </a:p>
+        </p:txBody>
+      </p:sp>
+    </p:spTree>
+    <p:extLst>
+      <p:ext uri="{BB962C8B-B14F-4D97-AF65-F5344CB8AC3E}">
+        <p14:creationId xmlns:p14="http://schemas.microsoft.com/office/powerpoint/2010/main" val="1569544639"/>
+      </p:ext>
+    </p:extLst>
+  </p:cSld>
+  <p:clrMapOvr>
+    <a:masterClrMapping/>
+  </p:clrMapOvr>
+</p:sld>
+</file>
+
+<file path=ppt/slides/slide18.xml><?xml version="1.0" encoding="utf-8"?>
+<p:sld xmlns:a="http://schemas.openxmlformats.org/drawingml/2006/main" xmlns:r="http://schemas.openxmlformats.org/officeDocument/2006/relationships" xmlns:p="http://schemas.openxmlformats.org/presentationml/2006/main">
+  <p:cSld>
+    <p:spTree>
+      <p:nvGrpSpPr>
+        <p:cNvPr id="1" name=""/>
+        <p:cNvGrpSpPr/>
+        <p:nvPr/>
+      </p:nvGrpSpPr>
+      <p:grpSpPr>
+        <a:xfrm>
+          <a:off x="0" y="0"/>
+          <a:ext cx="0" cy="0"/>
+          <a:chOff x="0" y="0"/>
+          <a:chExt cx="0" cy="0"/>
+        </a:xfrm>
+      </p:grpSpPr>
+      <p:sp>
+        <p:nvSpPr>
+          <p:cNvPr id="2" name="Title 1"/>
+          <p:cNvSpPr>
+            <a:spLocks noGrp="1"/>
+          </p:cNvSpPr>
+          <p:nvPr>
+            <p:ph type="title"/>
+          </p:nvPr>
+        </p:nvSpPr>
+        <p:spPr/>
+        <p:txBody>
+          <a:bodyPr/>
+          <a:lstStyle/>
+          <a:p>
+            <a:r>
+              <a:rPr lang="en-US" dirty="0" smtClean="0"/>
               <a:t>Throughput</a:t>
             </a:r>
             <a:endParaRPr lang="en-US" dirty="0"/>
@@ -6583,7 +6759,7 @@
 </p:sld>
 </file>
 
-<file path=ppt/slides/slide18.xml><?xml version="1.0" encoding="utf-8"?>
+<file path=ppt/slides/slide19.xml><?xml version="1.0" encoding="utf-8"?>
 <p:sld xmlns:a="http://schemas.openxmlformats.org/drawingml/2006/main" xmlns:r="http://schemas.openxmlformats.org/officeDocument/2006/relationships" xmlns:p="http://schemas.openxmlformats.org/presentationml/2006/main">
   <p:cSld>
     <p:spTree>
@@ -6774,298 +6950,6 @@
 </p:sld>
 </file>
 
-<file path=ppt/slides/slide19.xml><?xml version="1.0" encoding="utf-8"?>
-<p:sld xmlns:a="http://schemas.openxmlformats.org/drawingml/2006/main" xmlns:r="http://schemas.openxmlformats.org/officeDocument/2006/relationships" xmlns:p="http://schemas.openxmlformats.org/presentationml/2006/main">
-  <p:cSld>
-    <p:spTree>
-      <p:nvGrpSpPr>
-        <p:cNvPr id="1" name=""/>
-        <p:cNvGrpSpPr/>
-        <p:nvPr/>
-      </p:nvGrpSpPr>
-      <p:grpSpPr>
-        <a:xfrm>
-          <a:off x="0" y="0"/>
-          <a:ext cx="0" cy="0"/>
-          <a:chOff x="0" y="0"/>
-          <a:chExt cx="0" cy="0"/>
-        </a:xfrm>
-      </p:grpSpPr>
-      <p:sp>
-        <p:nvSpPr>
-          <p:cNvPr id="2" name="Title 1"/>
-          <p:cNvSpPr>
-            <a:spLocks noGrp="1"/>
-          </p:cNvSpPr>
-          <p:nvPr>
-            <p:ph type="title"/>
-          </p:nvPr>
-        </p:nvSpPr>
-        <p:spPr/>
-        <p:txBody>
-          <a:bodyPr/>
-          <a:lstStyle/>
-          <a:p>
-            <a:r>
-              <a:rPr lang="en-US" dirty="0" smtClean="0"/>
-              <a:t>Latency</a:t>
-            </a:r>
-            <a:endParaRPr lang="en-US" dirty="0"/>
-          </a:p>
-        </p:txBody>
-      </p:sp>
-      <p:sp>
-        <p:nvSpPr>
-          <p:cNvPr id="3" name="Content Placeholder 2"/>
-          <p:cNvSpPr>
-            <a:spLocks noGrp="1"/>
-          </p:cNvSpPr>
-          <p:nvPr>
-            <p:ph idx="1"/>
-          </p:nvPr>
-        </p:nvSpPr>
-        <p:spPr/>
-        <p:txBody>
-          <a:bodyPr/>
-          <a:lstStyle/>
-          <a:p>
-            <a:pPr marL="0" marR="0" lvl="0" indent="0" defTabSz="914400" eaLnBrk="1" fontAlgn="auto" latinLnBrk="0" hangingPunct="1">
-              <a:lnSpc>
-                <a:spcPct val="100000"/>
-              </a:lnSpc>
-              <a:spcBef>
-                <a:spcPts val="0"/>
-              </a:spcBef>
-              <a:spcAft>
-                <a:spcPts val="0"/>
-              </a:spcAft>
-              <a:buClrTx/>
-              <a:buSzTx/>
-              <a:buFontTx/>
-              <a:buNone/>
-              <a:tabLst/>
-              <a:defRPr/>
-            </a:pPr>
-            <a:r>
-              <a:rPr lang="en-US" dirty="0" smtClean="0"/>
-              <a:t>Request to response</a:t>
-            </a:r>
-          </a:p>
-          <a:p>
-            <a:pPr marL="0" marR="0" lvl="0" indent="0" defTabSz="914400" eaLnBrk="1" fontAlgn="auto" latinLnBrk="0" hangingPunct="1">
-              <a:lnSpc>
-                <a:spcPct val="100000"/>
-              </a:lnSpc>
-              <a:spcBef>
-                <a:spcPts val="0"/>
-              </a:spcBef>
-              <a:spcAft>
-                <a:spcPts val="0"/>
-              </a:spcAft>
-              <a:buClrTx/>
-              <a:buSzTx/>
-              <a:buFontTx/>
-              <a:buNone/>
-              <a:tabLst/>
-              <a:defRPr/>
-            </a:pPr>
-            <a:r>
-              <a:rPr lang="en-US" dirty="0" smtClean="0"/>
-              <a:t>Governed by physical constants</a:t>
-            </a:r>
-          </a:p>
-          <a:p>
-            <a:pPr marL="0" marR="0" lvl="0" indent="0" defTabSz="914400" eaLnBrk="1" fontAlgn="auto" latinLnBrk="0" hangingPunct="1">
-              <a:lnSpc>
-                <a:spcPct val="100000"/>
-              </a:lnSpc>
-              <a:spcBef>
-                <a:spcPts val="0"/>
-              </a:spcBef>
-              <a:spcAft>
-                <a:spcPts val="0"/>
-              </a:spcAft>
-              <a:buClrTx/>
-              <a:buSzTx/>
-              <a:buFontTx/>
-              <a:buNone/>
-              <a:tabLst/>
-              <a:defRPr/>
-            </a:pPr>
-            <a:r>
-              <a:rPr lang="en-US" dirty="0"/>
-              <a:t>	</a:t>
-            </a:r>
-            <a:r>
-              <a:rPr lang="en-US" dirty="0" smtClean="0"/>
-              <a:t>The speed of light (c) matters</a:t>
-            </a:r>
-          </a:p>
-          <a:p>
-            <a:pPr marL="0" marR="0" lvl="0" indent="0" defTabSz="914400" eaLnBrk="1" fontAlgn="auto" latinLnBrk="0" hangingPunct="1">
-              <a:lnSpc>
-                <a:spcPct val="100000"/>
-              </a:lnSpc>
-              <a:spcBef>
-                <a:spcPts val="0"/>
-              </a:spcBef>
-              <a:spcAft>
-                <a:spcPts val="0"/>
-              </a:spcAft>
-              <a:buClrTx/>
-              <a:buSzTx/>
-              <a:buFontTx/>
-              <a:buNone/>
-              <a:tabLst/>
-              <a:defRPr/>
-            </a:pPr>
-            <a:r>
-              <a:rPr lang="en-US" dirty="0"/>
-              <a:t>	</a:t>
-            </a:r>
-            <a:r>
-              <a:rPr lang="en-US" dirty="0" smtClean="0"/>
-              <a:t>Rotational latency for spinning disks</a:t>
-            </a:r>
-          </a:p>
-          <a:p>
-            <a:pPr marL="0" marR="0" lvl="0" indent="0" defTabSz="914400" eaLnBrk="1" fontAlgn="auto" latinLnBrk="0" hangingPunct="1">
-              <a:lnSpc>
-                <a:spcPct val="100000"/>
-              </a:lnSpc>
-              <a:spcBef>
-                <a:spcPts val="0"/>
-              </a:spcBef>
-              <a:spcAft>
-                <a:spcPts val="0"/>
-              </a:spcAft>
-              <a:buClrTx/>
-              <a:buSzTx/>
-              <a:buFontTx/>
-              <a:buNone/>
-              <a:tabLst/>
-              <a:defRPr/>
-            </a:pPr>
-            <a:r>
-              <a:rPr lang="en-US" dirty="0" smtClean="0"/>
-              <a:t>CPU Caches</a:t>
-            </a:r>
-          </a:p>
-          <a:p>
-            <a:pPr marL="0" marR="0" lvl="0" indent="0" defTabSz="914400" eaLnBrk="1" fontAlgn="auto" latinLnBrk="0" hangingPunct="1">
-              <a:lnSpc>
-                <a:spcPct val="100000"/>
-              </a:lnSpc>
-              <a:spcBef>
-                <a:spcPts val="0"/>
-              </a:spcBef>
-              <a:spcAft>
-                <a:spcPts val="0"/>
-              </a:spcAft>
-              <a:buClrTx/>
-              <a:buSzTx/>
-              <a:buFontTx/>
-              <a:buNone/>
-              <a:tabLst/>
-              <a:defRPr/>
-            </a:pPr>
-            <a:r>
-              <a:rPr lang="en-US" dirty="0" smtClean="0"/>
-              <a:t>Memory flushes</a:t>
-            </a:r>
-          </a:p>
-          <a:p>
-            <a:pPr marL="0" marR="0" lvl="0" indent="0" defTabSz="914400" eaLnBrk="1" fontAlgn="auto" latinLnBrk="0" hangingPunct="1">
-              <a:lnSpc>
-                <a:spcPct val="100000"/>
-              </a:lnSpc>
-              <a:spcBef>
-                <a:spcPts val="0"/>
-              </a:spcBef>
-              <a:spcAft>
-                <a:spcPts val="0"/>
-              </a:spcAft>
-              <a:buClrTx/>
-              <a:buSzTx/>
-              <a:buFontTx/>
-              <a:buNone/>
-              <a:tabLst/>
-              <a:defRPr/>
-            </a:pPr>
-            <a:r>
-              <a:rPr lang="en-US" dirty="0" smtClean="0"/>
-              <a:t>Walking complicated data structures</a:t>
-            </a:r>
-          </a:p>
-          <a:p>
-            <a:pPr marL="0" marR="0" lvl="0" indent="0" defTabSz="914400" eaLnBrk="1" fontAlgn="auto" latinLnBrk="0" hangingPunct="1">
-              <a:lnSpc>
-                <a:spcPct val="100000"/>
-              </a:lnSpc>
-              <a:spcBef>
-                <a:spcPts val="0"/>
-              </a:spcBef>
-              <a:spcAft>
-                <a:spcPts val="0"/>
-              </a:spcAft>
-              <a:buClrTx/>
-              <a:buSzTx/>
-              <a:buFontTx/>
-              <a:buNone/>
-              <a:tabLst/>
-              <a:defRPr/>
-            </a:pPr>
-            <a:r>
-              <a:rPr lang="en-US" dirty="0" smtClean="0"/>
-              <a:t>Linear lists vs. hash tables</a:t>
-            </a:r>
-            <a:endParaRPr lang="en-US" dirty="0"/>
-          </a:p>
-        </p:txBody>
-      </p:sp>
-      <p:sp>
-        <p:nvSpPr>
-          <p:cNvPr id="4" name="Footer Placeholder 3"/>
-          <p:cNvSpPr>
-            <a:spLocks noGrp="1"/>
-          </p:cNvSpPr>
-          <p:nvPr>
-            <p:ph type="ftr" sz="quarter" idx="11"/>
-          </p:nvPr>
-        </p:nvSpPr>
-        <p:spPr/>
-        <p:txBody>
-          <a:bodyPr/>
-          <a:lstStyle/>
-          <a:p>
-            <a:r>
-              <a:rPr lang="en-US" smtClean="0"/>
-              <a:t>Introduction to Operating Systems</a:t>
-            </a:r>
-            <a:endParaRPr lang="en-US" dirty="0"/>
-          </a:p>
-        </p:txBody>
-      </p:sp>
-    </p:spTree>
-    <p:extLst>
-      <p:ext uri="{BB962C8B-B14F-4D97-AF65-F5344CB8AC3E}">
-        <p14:creationId xmlns:p14="http://schemas.microsoft.com/office/powerpoint/2010/main" val="1427152261"/>
-      </p:ext>
-    </p:extLst>
-  </p:cSld>
-  <p:clrMapOvr>
-    <a:masterClrMapping/>
-  </p:clrMapOvr>
-  <p:timing>
-    <p:tnLst>
-      <p:par>
-        <p:cTn id="1" dur="indefinite" restart="never" nodeType="tmRoot"/>
-      </p:par>
-    </p:tnLst>
-  </p:timing>
-</p:sld>
-</file>
-
 <file path=ppt/slides/slide2.xml><?xml version="1.0" encoding="utf-8"?>
 <p:sld xmlns:a="http://schemas.openxmlformats.org/drawingml/2006/main" xmlns:r="http://schemas.openxmlformats.org/officeDocument/2006/relationships" xmlns:p="http://schemas.openxmlformats.org/presentationml/2006/main">
   <p:cSld>
@@ -7229,7 +7113,7 @@
           <a:p>
             <a:r>
               <a:rPr lang="en-US" dirty="0" smtClean="0"/>
-              <a:t>Who cares about latency</a:t>
+              <a:t>Latency</a:t>
             </a:r>
             <a:endParaRPr lang="en-US" dirty="0"/>
           </a:p>
@@ -7250,28 +7134,197 @@
           <a:bodyPr/>
           <a:lstStyle/>
           <a:p>
-            <a:r>
-              <a:rPr lang="en-US" dirty="0" smtClean="0"/>
-              <a:t>Has a direct effect on throughput</a:t>
-            </a:r>
-          </a:p>
-          <a:p>
-            <a:r>
-              <a:rPr lang="en-US" dirty="0" smtClean="0"/>
-              <a:t>Increases system complexity</a:t>
-            </a:r>
-          </a:p>
-          <a:p>
-            <a:r>
-              <a:rPr lang="en-US" dirty="0" smtClean="0"/>
-              <a:t>Hard to avoid when working with real world systems</a:t>
-            </a:r>
-          </a:p>
-          <a:p>
-            <a:r>
-              <a:rPr lang="en-US" dirty="0" smtClean="0"/>
-              <a:t>Will be covered more fully in the Communication section</a:t>
-            </a:r>
+            <a:pPr marL="0" marR="0" lvl="0" indent="0" defTabSz="914400" eaLnBrk="1" fontAlgn="auto" latinLnBrk="0" hangingPunct="1">
+              <a:lnSpc>
+                <a:spcPct val="100000"/>
+              </a:lnSpc>
+              <a:spcBef>
+                <a:spcPts val="0"/>
+              </a:spcBef>
+              <a:spcAft>
+                <a:spcPts val="0"/>
+              </a:spcAft>
+              <a:buClrTx/>
+              <a:buSzTx/>
+              <a:buFontTx/>
+              <a:buNone/>
+              <a:tabLst/>
+              <a:defRPr/>
+            </a:pPr>
+            <a:r>
+              <a:rPr lang="en-US" dirty="0" smtClean="0"/>
+              <a:t>Request to response</a:t>
+            </a:r>
+          </a:p>
+          <a:p>
+            <a:pPr marL="0" marR="0" lvl="0" indent="0" defTabSz="914400" eaLnBrk="1" fontAlgn="auto" latinLnBrk="0" hangingPunct="1">
+              <a:lnSpc>
+                <a:spcPct val="100000"/>
+              </a:lnSpc>
+              <a:spcBef>
+                <a:spcPts val="0"/>
+              </a:spcBef>
+              <a:spcAft>
+                <a:spcPts val="0"/>
+              </a:spcAft>
+              <a:buClrTx/>
+              <a:buSzTx/>
+              <a:buFontTx/>
+              <a:buNone/>
+              <a:tabLst/>
+              <a:defRPr/>
+            </a:pPr>
+            <a:r>
+              <a:rPr lang="en-US" dirty="0" smtClean="0"/>
+              <a:t>Governed by physical constants</a:t>
+            </a:r>
+          </a:p>
+          <a:p>
+            <a:pPr marL="0" marR="0" lvl="0" indent="0" defTabSz="914400" eaLnBrk="1" fontAlgn="auto" latinLnBrk="0" hangingPunct="1">
+              <a:lnSpc>
+                <a:spcPct val="100000"/>
+              </a:lnSpc>
+              <a:spcBef>
+                <a:spcPts val="0"/>
+              </a:spcBef>
+              <a:spcAft>
+                <a:spcPts val="0"/>
+              </a:spcAft>
+              <a:buClrTx/>
+              <a:buSzTx/>
+              <a:buFontTx/>
+              <a:buNone/>
+              <a:tabLst/>
+              <a:defRPr/>
+            </a:pPr>
+            <a:r>
+              <a:rPr lang="en-US" dirty="0"/>
+              <a:t>	</a:t>
+            </a:r>
+            <a:r>
+              <a:rPr lang="en-US" dirty="0" smtClean="0"/>
+              <a:t>The speed of light (c) matters</a:t>
+            </a:r>
+          </a:p>
+          <a:p>
+            <a:pPr marL="0" marR="0" lvl="0" indent="0" defTabSz="914400" eaLnBrk="1" fontAlgn="auto" latinLnBrk="0" hangingPunct="1">
+              <a:lnSpc>
+                <a:spcPct val="100000"/>
+              </a:lnSpc>
+              <a:spcBef>
+                <a:spcPts val="0"/>
+              </a:spcBef>
+              <a:spcAft>
+                <a:spcPts val="0"/>
+              </a:spcAft>
+              <a:buClrTx/>
+              <a:buSzTx/>
+              <a:buFontTx/>
+              <a:buNone/>
+              <a:tabLst/>
+              <a:defRPr/>
+            </a:pPr>
+            <a:r>
+              <a:rPr lang="en-US" dirty="0"/>
+              <a:t>	</a:t>
+            </a:r>
+            <a:r>
+              <a:rPr lang="en-US" dirty="0" smtClean="0"/>
+              <a:t>Rotational latency for spinning disks</a:t>
+            </a:r>
+          </a:p>
+          <a:p>
+            <a:pPr marL="0" marR="0" lvl="0" indent="0" defTabSz="914400" eaLnBrk="1" fontAlgn="auto" latinLnBrk="0" hangingPunct="1">
+              <a:lnSpc>
+                <a:spcPct val="100000"/>
+              </a:lnSpc>
+              <a:spcBef>
+                <a:spcPts val="0"/>
+              </a:spcBef>
+              <a:spcAft>
+                <a:spcPts val="0"/>
+              </a:spcAft>
+              <a:buClrTx/>
+              <a:buSzTx/>
+              <a:buFontTx/>
+              <a:buNone/>
+              <a:tabLst/>
+              <a:defRPr/>
+            </a:pPr>
+            <a:r>
+              <a:rPr lang="en-US" dirty="0" smtClean="0"/>
+              <a:t>CPU Caches</a:t>
+            </a:r>
+          </a:p>
+          <a:p>
+            <a:pPr marL="0" marR="0" lvl="0" indent="0" defTabSz="914400" eaLnBrk="1" fontAlgn="auto" latinLnBrk="0" hangingPunct="1">
+              <a:lnSpc>
+                <a:spcPct val="100000"/>
+              </a:lnSpc>
+              <a:spcBef>
+                <a:spcPts val="0"/>
+              </a:spcBef>
+              <a:spcAft>
+                <a:spcPts val="0"/>
+              </a:spcAft>
+              <a:buClrTx/>
+              <a:buSzTx/>
+              <a:buFontTx/>
+              <a:buNone/>
+              <a:tabLst/>
+              <a:defRPr/>
+            </a:pPr>
+            <a:r>
+              <a:rPr lang="en-US" dirty="0" smtClean="0"/>
+              <a:t>Memory flushes</a:t>
+            </a:r>
+          </a:p>
+          <a:p>
+            <a:pPr marL="0" marR="0" lvl="0" indent="0" defTabSz="914400" eaLnBrk="1" fontAlgn="auto" latinLnBrk="0" hangingPunct="1">
+              <a:lnSpc>
+                <a:spcPct val="100000"/>
+              </a:lnSpc>
+              <a:spcBef>
+                <a:spcPts val="0"/>
+              </a:spcBef>
+              <a:spcAft>
+                <a:spcPts val="0"/>
+              </a:spcAft>
+              <a:buClrTx/>
+              <a:buSzTx/>
+              <a:buFontTx/>
+              <a:buNone/>
+              <a:tabLst/>
+              <a:defRPr/>
+            </a:pPr>
+            <a:r>
+              <a:rPr lang="en-US" dirty="0" smtClean="0"/>
+              <a:t>Walking complicated data structures</a:t>
+            </a:r>
+          </a:p>
+          <a:p>
+            <a:pPr marL="0" marR="0" lvl="0" indent="0" defTabSz="914400" eaLnBrk="1" fontAlgn="auto" latinLnBrk="0" hangingPunct="1">
+              <a:lnSpc>
+                <a:spcPct val="100000"/>
+              </a:lnSpc>
+              <a:spcBef>
+                <a:spcPts val="0"/>
+              </a:spcBef>
+              <a:spcAft>
+                <a:spcPts val="0"/>
+              </a:spcAft>
+              <a:buClrTx/>
+              <a:buSzTx/>
+              <a:buFontTx/>
+              <a:buNone/>
+              <a:tabLst/>
+              <a:defRPr/>
+            </a:pPr>
+            <a:r>
+              <a:rPr lang="en-US" dirty="0" smtClean="0"/>
+              <a:t>Linear lists vs. hash tables</a:t>
+            </a:r>
+            <a:endParaRPr lang="en-US" dirty="0"/>
           </a:p>
         </p:txBody>
       </p:sp>
@@ -7301,13 +7354,20 @@
     </p:spTree>
     <p:extLst>
       <p:ext uri="{BB962C8B-B14F-4D97-AF65-F5344CB8AC3E}">
-        <p14:creationId xmlns:p14="http://schemas.microsoft.com/office/powerpoint/2010/main" val="1406577408"/>
+        <p14:creationId xmlns:p14="http://schemas.microsoft.com/office/powerpoint/2010/main" val="1427152261"/>
       </p:ext>
     </p:extLst>
   </p:cSld>
   <p:clrMapOvr>
     <a:masterClrMapping/>
   </p:clrMapOvr>
+  <p:timing>
+    <p:tnLst>
+      <p:par>
+        <p:cTn id="1" dur="indefinite" restart="never" nodeType="tmRoot"/>
+      </p:par>
+    </p:tnLst>
+  </p:timing>
 </p:sld>
 </file>
 
@@ -7345,6 +7405,122 @@
           <a:p>
             <a:r>
               <a:rPr lang="en-US" dirty="0" smtClean="0"/>
+              <a:t>Who cares about latency</a:t>
+            </a:r>
+            <a:endParaRPr lang="en-US" dirty="0"/>
+          </a:p>
+        </p:txBody>
+      </p:sp>
+      <p:sp>
+        <p:nvSpPr>
+          <p:cNvPr id="3" name="Content Placeholder 2"/>
+          <p:cNvSpPr>
+            <a:spLocks noGrp="1"/>
+          </p:cNvSpPr>
+          <p:nvPr>
+            <p:ph idx="1"/>
+          </p:nvPr>
+        </p:nvSpPr>
+        <p:spPr/>
+        <p:txBody>
+          <a:bodyPr/>
+          <a:lstStyle/>
+          <a:p>
+            <a:r>
+              <a:rPr lang="en-US" dirty="0" smtClean="0"/>
+              <a:t>Has a direct effect on throughput</a:t>
+            </a:r>
+          </a:p>
+          <a:p>
+            <a:r>
+              <a:rPr lang="en-US" dirty="0" smtClean="0"/>
+              <a:t>Increases system complexity</a:t>
+            </a:r>
+          </a:p>
+          <a:p>
+            <a:r>
+              <a:rPr lang="en-US" dirty="0" smtClean="0"/>
+              <a:t>Hard to avoid when working with real world systems</a:t>
+            </a:r>
+          </a:p>
+          <a:p>
+            <a:r>
+              <a:rPr lang="en-US" dirty="0" smtClean="0"/>
+              <a:t>Will be covered more fully in the Communication section</a:t>
+            </a:r>
+          </a:p>
+        </p:txBody>
+      </p:sp>
+      <p:sp>
+        <p:nvSpPr>
+          <p:cNvPr id="4" name="Footer Placeholder 3"/>
+          <p:cNvSpPr>
+            <a:spLocks noGrp="1"/>
+          </p:cNvSpPr>
+          <p:nvPr>
+            <p:ph type="ftr" sz="quarter" idx="11"/>
+          </p:nvPr>
+        </p:nvSpPr>
+        <p:spPr/>
+        <p:txBody>
+          <a:bodyPr/>
+          <a:lstStyle/>
+          <a:p>
+            <a:r>
+              <a:rPr lang="en-US" smtClean="0"/>
+              <a:t>Introduction to Operating Systems</a:t>
+            </a:r>
+            <a:endParaRPr lang="en-US" dirty="0"/>
+          </a:p>
+        </p:txBody>
+      </p:sp>
+    </p:spTree>
+    <p:extLst>
+      <p:ext uri="{BB962C8B-B14F-4D97-AF65-F5344CB8AC3E}">
+        <p14:creationId xmlns:p14="http://schemas.microsoft.com/office/powerpoint/2010/main" val="1406577408"/>
+      </p:ext>
+    </p:extLst>
+  </p:cSld>
+  <p:clrMapOvr>
+    <a:masterClrMapping/>
+  </p:clrMapOvr>
+</p:sld>
+</file>
+
+<file path=ppt/slides/slide22.xml><?xml version="1.0" encoding="utf-8"?>
+<p:sld xmlns:a="http://schemas.openxmlformats.org/drawingml/2006/main" xmlns:r="http://schemas.openxmlformats.org/officeDocument/2006/relationships" xmlns:p="http://schemas.openxmlformats.org/presentationml/2006/main">
+  <p:cSld>
+    <p:spTree>
+      <p:nvGrpSpPr>
+        <p:cNvPr id="1" name=""/>
+        <p:cNvGrpSpPr/>
+        <p:nvPr/>
+      </p:nvGrpSpPr>
+      <p:grpSpPr>
+        <a:xfrm>
+          <a:off x="0" y="0"/>
+          <a:ext cx="0" cy="0"/>
+          <a:chOff x="0" y="0"/>
+          <a:chExt cx="0" cy="0"/>
+        </a:xfrm>
+      </p:grpSpPr>
+      <p:sp>
+        <p:nvSpPr>
+          <p:cNvPr id="2" name="Title 1"/>
+          <p:cNvSpPr>
+            <a:spLocks noGrp="1"/>
+          </p:cNvSpPr>
+          <p:nvPr>
+            <p:ph type="title"/>
+          </p:nvPr>
+        </p:nvSpPr>
+        <p:spPr/>
+        <p:txBody>
+          <a:bodyPr/>
+          <a:lstStyle/>
+          <a:p>
+            <a:r>
+              <a:rPr lang="en-US" dirty="0" smtClean="0"/>
               <a:t>Jitter</a:t>
             </a:r>
             <a:endParaRPr lang="en-US" dirty="0"/>
@@ -7889,7 +8065,7 @@
 </p:sld>
 </file>
 
-<file path=ppt/slides/slide22.xml><?xml version="1.0" encoding="utf-8"?>
+<file path=ppt/slides/slide23.xml><?xml version="1.0" encoding="utf-8"?>
 <p:sld xmlns:a="http://schemas.openxmlformats.org/drawingml/2006/main" xmlns:r="http://schemas.openxmlformats.org/officeDocument/2006/relationships" xmlns:p="http://schemas.openxmlformats.org/presentationml/2006/main">
   <p:cSld>
     <p:spTree>
@@ -8047,7 +8223,7 @@
 </p:sld>
 </file>
 
-<file path=ppt/slides/slide23.xml><?xml version="1.0" encoding="utf-8"?>
+<file path=ppt/slides/slide24.xml><?xml version="1.0" encoding="utf-8"?>
 <p:sld xmlns:a="http://schemas.openxmlformats.org/drawingml/2006/main" xmlns:r="http://schemas.openxmlformats.org/officeDocument/2006/relationships" xmlns:p="http://schemas.openxmlformats.org/presentationml/2006/main">
   <p:cSld>
     <p:spTree>
@@ -8165,101 +8341,6 @@
 </p:sld>
 </file>
 
-<file path=ppt/slides/slide24.xml><?xml version="1.0" encoding="utf-8"?>
-<p:sld xmlns:a="http://schemas.openxmlformats.org/drawingml/2006/main" xmlns:r="http://schemas.openxmlformats.org/officeDocument/2006/relationships" xmlns:p="http://schemas.openxmlformats.org/presentationml/2006/main">
-  <p:cSld>
-    <p:spTree>
-      <p:nvGrpSpPr>
-        <p:cNvPr id="1" name=""/>
-        <p:cNvGrpSpPr/>
-        <p:nvPr/>
-      </p:nvGrpSpPr>
-      <p:grpSpPr>
-        <a:xfrm>
-          <a:off x="0" y="0"/>
-          <a:ext cx="0" cy="0"/>
-          <a:chOff x="0" y="0"/>
-          <a:chExt cx="0" cy="0"/>
-        </a:xfrm>
-      </p:grpSpPr>
-      <p:sp>
-        <p:nvSpPr>
-          <p:cNvPr id="2" name="Title 1"/>
-          <p:cNvSpPr>
-            <a:spLocks noGrp="1"/>
-          </p:cNvSpPr>
-          <p:nvPr>
-            <p:ph type="title"/>
-          </p:nvPr>
-        </p:nvSpPr>
-        <p:spPr/>
-        <p:txBody>
-          <a:bodyPr/>
-          <a:lstStyle/>
-          <a:p>
-            <a:r>
-              <a:rPr lang="en-US" dirty="0" smtClean="0"/>
-              <a:t>Complexity</a:t>
-            </a:r>
-            <a:endParaRPr lang="en-US" dirty="0"/>
-          </a:p>
-        </p:txBody>
-      </p:sp>
-      <p:sp>
-        <p:nvSpPr>
-          <p:cNvPr id="3" name="Content Placeholder 2"/>
-          <p:cNvSpPr>
-            <a:spLocks noGrp="1"/>
-          </p:cNvSpPr>
-          <p:nvPr>
-            <p:ph idx="1"/>
-          </p:nvPr>
-        </p:nvSpPr>
-        <p:spPr/>
-        <p:txBody>
-          <a:bodyPr/>
-          <a:lstStyle/>
-          <a:p>
-            <a:endParaRPr lang="en-US"/>
-          </a:p>
-        </p:txBody>
-      </p:sp>
-      <p:sp>
-        <p:nvSpPr>
-          <p:cNvPr id="4" name="Footer Placeholder 3"/>
-          <p:cNvSpPr>
-            <a:spLocks noGrp="1"/>
-          </p:cNvSpPr>
-          <p:nvPr>
-            <p:ph type="ftr" sz="quarter" idx="11"/>
-          </p:nvPr>
-        </p:nvSpPr>
-        <p:spPr/>
-        <p:txBody>
-          <a:bodyPr/>
-          <a:lstStyle/>
-          <a:p>
-            <a:r>
-              <a:rPr lang="en-US" smtClean="0"/>
-              <a:t>Introduction to Operating Systems</a:t>
-            </a:r>
-            <a:endParaRPr lang="en-US" dirty="0"/>
-          </a:p>
-        </p:txBody>
-      </p:sp>
-    </p:spTree>
-    <p:extLst>
-      <p:ext uri="{BB962C8B-B14F-4D97-AF65-F5344CB8AC3E}">
-        <p14:creationId xmlns:p14="http://schemas.microsoft.com/office/powerpoint/2010/main" val="1424878250"/>
-      </p:ext>
-    </p:extLst>
-  </p:cSld>
-  <p:clrMapOvr>
-    <a:masterClrMapping/>
-  </p:clrMapOvr>
-</p:sld>
-</file>
-
 <file path=ppt/slides/slide25.xml><?xml version="1.0" encoding="utf-8"?>
 <p:sld xmlns:a="http://schemas.openxmlformats.org/drawingml/2006/main" xmlns:r="http://schemas.openxmlformats.org/officeDocument/2006/relationships" xmlns:p="http://schemas.openxmlformats.org/presentationml/2006/main">
   <p:cSld>
@@ -8294,7 +8375,7 @@
           <a:p>
             <a:r>
               <a:rPr lang="en-US" dirty="0" smtClean="0"/>
-              <a:t>Composability</a:t>
+              <a:t>Complexity</a:t>
             </a:r>
             <a:endParaRPr lang="en-US" dirty="0"/>
           </a:p>
@@ -8345,7 +8426,7 @@
     </p:spTree>
     <p:extLst>
       <p:ext uri="{BB962C8B-B14F-4D97-AF65-F5344CB8AC3E}">
-        <p14:creationId xmlns:p14="http://schemas.microsoft.com/office/powerpoint/2010/main" val="96884457"/>
+        <p14:creationId xmlns:p14="http://schemas.microsoft.com/office/powerpoint/2010/main" val="1424878250"/>
       </p:ext>
     </p:extLst>
   </p:cSld>
@@ -8389,7 +8470,7 @@
           <a:p>
             <a:r>
               <a:rPr lang="en-US" dirty="0" smtClean="0"/>
-              <a:t>Tractability</a:t>
+              <a:t>Composability</a:t>
             </a:r>
             <a:endParaRPr lang="en-US" dirty="0"/>
           </a:p>
@@ -8440,7 +8521,7 @@
     </p:spTree>
     <p:extLst>
       <p:ext uri="{BB962C8B-B14F-4D97-AF65-F5344CB8AC3E}">
-        <p14:creationId xmlns:p14="http://schemas.microsoft.com/office/powerpoint/2010/main" val="334571694"/>
+        <p14:creationId xmlns:p14="http://schemas.microsoft.com/office/powerpoint/2010/main" val="96884457"/>
       </p:ext>
     </p:extLst>
   </p:cSld>
@@ -8484,7 +8565,7 @@
           <a:p>
             <a:r>
               <a:rPr lang="en-US" dirty="0" smtClean="0"/>
-              <a:t>FreeBSD</a:t>
+              <a:t>Tractability</a:t>
             </a:r>
             <a:endParaRPr lang="en-US" dirty="0"/>
           </a:p>
@@ -8505,66 +8586,13 @@
           <a:bodyPr/>
           <a:lstStyle/>
           <a:p>
-            <a:r>
-              <a:rPr lang="en-US" dirty="0" smtClean="0"/>
-              <a:t>Open </a:t>
-            </a:r>
-            <a:r>
-              <a:rPr lang="en-US" dirty="0"/>
-              <a:t>Source</a:t>
-            </a:r>
-          </a:p>
-          <a:p>
-            <a:r>
-              <a:rPr lang="en-US" dirty="0" smtClean="0"/>
-              <a:t>Unix</a:t>
-            </a:r>
-            <a:endParaRPr lang="en-US" dirty="0"/>
-          </a:p>
-          <a:p>
-            <a:r>
-              <a:rPr lang="en-US" dirty="0" err="1" smtClean="0"/>
-              <a:t>Posix</a:t>
-            </a:r>
-            <a:endParaRPr lang="en-US" dirty="0"/>
-          </a:p>
-          <a:p>
-            <a:r>
-              <a:rPr lang="en-US" dirty="0" smtClean="0"/>
-              <a:t>Complete </a:t>
-            </a:r>
-            <a:r>
-              <a:rPr lang="en-US" dirty="0"/>
-              <a:t>System </a:t>
-            </a:r>
-            <a:endParaRPr lang="en-US" dirty="0" smtClean="0"/>
-          </a:p>
-          <a:p>
-            <a:r>
-              <a:rPr lang="en-US" dirty="0" smtClean="0"/>
-              <a:t>20 </a:t>
-            </a:r>
-            <a:r>
-              <a:rPr lang="en-US" dirty="0"/>
-              <a:t>years of </a:t>
-            </a:r>
-            <a:r>
-              <a:rPr lang="en-US" dirty="0" smtClean="0"/>
-              <a:t>history</a:t>
-            </a:r>
-          </a:p>
-          <a:p>
-            <a:r>
-              <a:rPr lang="en-US" dirty="0" smtClean="0"/>
-              <a:t>Used in real systems around the world</a:t>
-            </a:r>
-            <a:endParaRPr lang="en-US" dirty="0"/>
-          </a:p>
-        </p:txBody>
-      </p:sp>
-      <p:sp>
-        <p:nvSpPr>
-          <p:cNvPr id="5" name="Footer Placeholder 4"/>
+            <a:endParaRPr lang="en-US"/>
+          </a:p>
+        </p:txBody>
+      </p:sp>
+      <p:sp>
+        <p:nvSpPr>
+          <p:cNvPr id="4" name="Footer Placeholder 3"/>
           <p:cNvSpPr>
             <a:spLocks noGrp="1"/>
           </p:cNvSpPr>
@@ -8588,20 +8616,13 @@
     </p:spTree>
     <p:extLst>
       <p:ext uri="{BB962C8B-B14F-4D97-AF65-F5344CB8AC3E}">
-        <p14:creationId xmlns:p14="http://schemas.microsoft.com/office/powerpoint/2010/main" val="1511108590"/>
+        <p14:creationId xmlns:p14="http://schemas.microsoft.com/office/powerpoint/2010/main" val="334571694"/>
       </p:ext>
     </p:extLst>
   </p:cSld>
   <p:clrMapOvr>
     <a:masterClrMapping/>
   </p:clrMapOvr>
-  <p:timing>
-    <p:tnLst>
-      <p:par>
-        <p:cTn id="1" dur="indefinite" restart="never" nodeType="tmRoot"/>
-      </p:par>
-    </p:tnLst>
-  </p:timing>
 </p:sld>
 </file>
 
@@ -8634,14 +8655,12 @@
         </p:nvSpPr>
         <p:spPr/>
         <p:txBody>
-          <a:bodyPr>
-            <a:normAutofit fontScale="90000"/>
-          </a:bodyPr>
-          <a:lstStyle/>
-          <a:p>
-            <a:r>
-              <a:rPr lang="en-US" dirty="0" smtClean="0"/>
-              <a:t>Computer History from the Operating System Perspective</a:t>
+          <a:bodyPr/>
+          <a:lstStyle/>
+          <a:p>
+            <a:r>
+              <a:rPr lang="en-US" dirty="0" smtClean="0"/>
+              <a:t>FreeBSD</a:t>
             </a:r>
             <a:endParaRPr lang="en-US" dirty="0"/>
           </a:p>
@@ -8659,75 +8678,69 @@
         </p:nvSpPr>
         <p:spPr/>
         <p:txBody>
-          <a:bodyPr anchor="ctr"/>
-          <a:lstStyle/>
-          <a:p>
-            <a:r>
-              <a:rPr lang="en-US" b="1" dirty="0"/>
-              <a:t>The Hardware Environment </a:t>
-            </a:r>
-            <a:endParaRPr lang="en-US" b="1" dirty="0" smtClean="0"/>
-          </a:p>
-          <a:p>
-            <a:pPr lvl="1"/>
-            <a:r>
-              <a:rPr lang="en-US" dirty="0" smtClean="0"/>
-              <a:t>Defines </a:t>
-            </a:r>
-            <a:r>
-              <a:rPr lang="en-US" dirty="0"/>
-              <a:t>what is possible. </a:t>
+          <a:bodyPr/>
+          <a:lstStyle/>
+          <a:p>
+            <a:r>
+              <a:rPr lang="en-US" dirty="0" smtClean="0"/>
+              <a:t>Open </a:t>
+            </a:r>
+            <a:r>
+              <a:rPr lang="en-US" dirty="0"/>
+              <a:t>Source</a:t>
+            </a:r>
+          </a:p>
+          <a:p>
+            <a:r>
+              <a:rPr lang="en-US" dirty="0" smtClean="0"/>
+              <a:t>Unix</a:t>
+            </a:r>
+            <a:endParaRPr lang="en-US" dirty="0"/>
+          </a:p>
+          <a:p>
+            <a:r>
+              <a:rPr lang="en-US" dirty="0" err="1" smtClean="0"/>
+              <a:t>Posix</a:t>
+            </a:r>
+            <a:endParaRPr lang="en-US" dirty="0"/>
+          </a:p>
+          <a:p>
+            <a:r>
+              <a:rPr lang="en-US" dirty="0" smtClean="0"/>
+              <a:t>Complete </a:t>
+            </a:r>
+            <a:r>
+              <a:rPr lang="en-US" dirty="0"/>
+              <a:t>System </a:t>
             </a:r>
             <a:endParaRPr lang="en-US" dirty="0" smtClean="0"/>
           </a:p>
           <a:p>
             <a:r>
-              <a:rPr lang="en-US" b="1" dirty="0" smtClean="0"/>
-              <a:t>Requirements</a:t>
-            </a:r>
-            <a:r>
-              <a:rPr lang="en-US" dirty="0" smtClean="0"/>
-              <a:t> </a:t>
-            </a:r>
-          </a:p>
-          <a:p>
-            <a:pPr lvl="1"/>
-            <a:r>
-              <a:rPr lang="en-US" dirty="0" smtClean="0"/>
-              <a:t>What </a:t>
-            </a:r>
-            <a:r>
-              <a:rPr lang="en-US" dirty="0"/>
-              <a:t>are we asking the system to do?</a:t>
-            </a:r>
-          </a:p>
-          <a:p>
-            <a:r>
-              <a:rPr lang="en-US" b="1" dirty="0"/>
-              <a:t>Services</a:t>
-            </a:r>
-            <a:r>
-              <a:rPr lang="en-US" dirty="0"/>
-              <a:t> </a:t>
-            </a:r>
-            <a:endParaRPr lang="en-US" dirty="0" smtClean="0"/>
-          </a:p>
-          <a:p>
-            <a:pPr lvl="1"/>
-            <a:r>
-              <a:rPr lang="en-US" dirty="0" smtClean="0"/>
-              <a:t>What </a:t>
-            </a:r>
-            <a:r>
-              <a:rPr lang="en-US" dirty="0"/>
-              <a:t>can the OS provide.</a:t>
-            </a:r>
-          </a:p>
-        </p:txBody>
-      </p:sp>
-      <p:sp>
-        <p:nvSpPr>
-          <p:cNvPr id="4" name="Footer Placeholder 3"/>
+              <a:rPr lang="en-US" dirty="0" smtClean="0"/>
+              <a:t>20 </a:t>
+            </a:r>
+            <a:r>
+              <a:rPr lang="en-US" dirty="0"/>
+              <a:t>years of </a:t>
+            </a:r>
+            <a:r>
+              <a:rPr lang="en-US" dirty="0" smtClean="0"/>
+              <a:t>history</a:t>
+            </a:r>
+          </a:p>
+          <a:p>
+            <a:r>
+              <a:rPr lang="en-US" dirty="0" smtClean="0"/>
+              <a:t>Used in real systems around the world</a:t>
+            </a:r>
+            <a:endParaRPr lang="en-US" dirty="0"/>
+          </a:p>
+        </p:txBody>
+      </p:sp>
+      <p:sp>
+        <p:nvSpPr>
+          <p:cNvPr id="5" name="Footer Placeholder 4"/>
           <p:cNvSpPr>
             <a:spLocks noGrp="1"/>
           </p:cNvSpPr>
@@ -8751,7 +8764,7 @@
     </p:spTree>
     <p:extLst>
       <p:ext uri="{BB962C8B-B14F-4D97-AF65-F5344CB8AC3E}">
-        <p14:creationId xmlns:p14="http://schemas.microsoft.com/office/powerpoint/2010/main" val="2059220970"/>
+        <p14:creationId xmlns:p14="http://schemas.microsoft.com/office/powerpoint/2010/main" val="1511108590"/>
       </p:ext>
     </p:extLst>
   </p:cSld>
@@ -8797,12 +8810,14 @@
         </p:nvSpPr>
         <p:spPr/>
         <p:txBody>
-          <a:bodyPr/>
-          <a:lstStyle/>
-          <a:p>
-            <a:r>
-              <a:rPr lang="en-US" dirty="0" smtClean="0"/>
-              <a:t>In the beginning: early computers</a:t>
+          <a:bodyPr>
+            <a:normAutofit fontScale="90000"/>
+          </a:bodyPr>
+          <a:lstStyle/>
+          <a:p>
+            <a:r>
+              <a:rPr lang="en-US" dirty="0" smtClean="0"/>
+              <a:t>Computer History from the Operating System Perspective</a:t>
             </a:r>
             <a:endParaRPr lang="en-US" dirty="0"/>
           </a:p>
@@ -8820,36 +8835,68 @@
         </p:nvSpPr>
         <p:spPr/>
         <p:txBody>
-          <a:bodyPr/>
-          <a:lstStyle/>
-          <a:p>
-            <a:r>
-              <a:rPr lang="en-US" dirty="0" smtClean="0"/>
-              <a:t>Wired </a:t>
-            </a:r>
-            <a:r>
-              <a:rPr lang="en-US" dirty="0"/>
-              <a:t>programs</a:t>
-            </a:r>
-          </a:p>
-          <a:p>
-            <a:r>
-              <a:rPr lang="en-US" dirty="0" smtClean="0"/>
-              <a:t>Highly </a:t>
-            </a:r>
-            <a:r>
-              <a:rPr lang="en-US" dirty="0"/>
-              <a:t>specialized to only one problem</a:t>
-            </a:r>
-          </a:p>
-          <a:p>
-            <a:r>
-              <a:rPr lang="en-US" dirty="0" smtClean="0"/>
-              <a:t>Armies </a:t>
-            </a:r>
-            <a:r>
-              <a:rPr lang="en-US" dirty="0"/>
-              <a:t>of programmers tend a single machine</a:t>
+          <a:bodyPr anchor="ctr"/>
+          <a:lstStyle/>
+          <a:p>
+            <a:r>
+              <a:rPr lang="en-US" b="1" dirty="0"/>
+              <a:t>The Hardware Environment </a:t>
+            </a:r>
+            <a:endParaRPr lang="en-US" b="1" dirty="0" smtClean="0"/>
+          </a:p>
+          <a:p>
+            <a:pPr lvl="1"/>
+            <a:r>
+              <a:rPr lang="en-US" dirty="0" smtClean="0"/>
+              <a:t>Defines </a:t>
+            </a:r>
+            <a:r>
+              <a:rPr lang="en-US" dirty="0"/>
+              <a:t>what is possible. </a:t>
+            </a:r>
+            <a:endParaRPr lang="en-US" dirty="0" smtClean="0"/>
+          </a:p>
+          <a:p>
+            <a:r>
+              <a:rPr lang="en-US" b="1" dirty="0" smtClean="0"/>
+              <a:t>Requirements</a:t>
+            </a:r>
+            <a:r>
+              <a:rPr lang="en-US" dirty="0" smtClean="0"/>
+              <a:t> </a:t>
+            </a:r>
+          </a:p>
+          <a:p>
+            <a:pPr lvl="1"/>
+            <a:r>
+              <a:rPr lang="en-US" dirty="0" smtClean="0"/>
+              <a:t>What </a:t>
+            </a:r>
+            <a:r>
+              <a:rPr lang="en-US" dirty="0"/>
+              <a:t>are we asking the system to do?</a:t>
+            </a:r>
+          </a:p>
+          <a:p>
+            <a:r>
+              <a:rPr lang="en-US" b="1" dirty="0"/>
+              <a:t>Services</a:t>
+            </a:r>
+            <a:r>
+              <a:rPr lang="en-US" dirty="0"/>
+              <a:t> </a:t>
+            </a:r>
+            <a:endParaRPr lang="en-US" dirty="0" smtClean="0"/>
+          </a:p>
+          <a:p>
+            <a:pPr lvl="1"/>
+            <a:r>
+              <a:rPr lang="en-US" dirty="0" smtClean="0"/>
+              <a:t>What </a:t>
+            </a:r>
+            <a:r>
+              <a:rPr lang="en-US" dirty="0"/>
+              <a:t>can the OS provide.</a:t>
             </a:r>
           </a:p>
         </p:txBody>
@@ -8880,7 +8927,7 @@
     </p:spTree>
     <p:extLst>
       <p:ext uri="{BB962C8B-B14F-4D97-AF65-F5344CB8AC3E}">
-        <p14:creationId xmlns:p14="http://schemas.microsoft.com/office/powerpoint/2010/main" val="1124539055"/>
+        <p14:creationId xmlns:p14="http://schemas.microsoft.com/office/powerpoint/2010/main" val="2059220970"/>
       </p:ext>
     </p:extLst>
   </p:cSld>
@@ -9147,6 +9194,135 @@
 </file>
 
 <file path=ppt/slides/slide30.xml><?xml version="1.0" encoding="utf-8"?>
+<p:sld xmlns:a="http://schemas.openxmlformats.org/drawingml/2006/main" xmlns:r="http://schemas.openxmlformats.org/officeDocument/2006/relationships" xmlns:p="http://schemas.openxmlformats.org/presentationml/2006/main">
+  <p:cSld>
+    <p:spTree>
+      <p:nvGrpSpPr>
+        <p:cNvPr id="1" name=""/>
+        <p:cNvGrpSpPr/>
+        <p:nvPr/>
+      </p:nvGrpSpPr>
+      <p:grpSpPr>
+        <a:xfrm>
+          <a:off x="0" y="0"/>
+          <a:ext cx="0" cy="0"/>
+          <a:chOff x="0" y="0"/>
+          <a:chExt cx="0" cy="0"/>
+        </a:xfrm>
+      </p:grpSpPr>
+      <p:sp>
+        <p:nvSpPr>
+          <p:cNvPr id="2" name="Title 1"/>
+          <p:cNvSpPr>
+            <a:spLocks noGrp="1"/>
+          </p:cNvSpPr>
+          <p:nvPr>
+            <p:ph type="title"/>
+          </p:nvPr>
+        </p:nvSpPr>
+        <p:spPr/>
+        <p:txBody>
+          <a:bodyPr/>
+          <a:lstStyle/>
+          <a:p>
+            <a:r>
+              <a:rPr lang="en-US" dirty="0" smtClean="0"/>
+              <a:t>In the beginning: early computers</a:t>
+            </a:r>
+            <a:endParaRPr lang="en-US" dirty="0"/>
+          </a:p>
+        </p:txBody>
+      </p:sp>
+      <p:sp>
+        <p:nvSpPr>
+          <p:cNvPr id="3" name="Content Placeholder 2"/>
+          <p:cNvSpPr>
+            <a:spLocks noGrp="1"/>
+          </p:cNvSpPr>
+          <p:nvPr>
+            <p:ph idx="1"/>
+          </p:nvPr>
+        </p:nvSpPr>
+        <p:spPr/>
+        <p:txBody>
+          <a:bodyPr/>
+          <a:lstStyle/>
+          <a:p>
+            <a:r>
+              <a:rPr lang="en-US" dirty="0" smtClean="0"/>
+              <a:t>Wired </a:t>
+            </a:r>
+            <a:r>
+              <a:rPr lang="en-US" dirty="0"/>
+              <a:t>programs</a:t>
+            </a:r>
+          </a:p>
+          <a:p>
+            <a:r>
+              <a:rPr lang="en-US" dirty="0" smtClean="0"/>
+              <a:t>Highly </a:t>
+            </a:r>
+            <a:r>
+              <a:rPr lang="en-US" dirty="0"/>
+              <a:t>specialized to only one problem</a:t>
+            </a:r>
+          </a:p>
+          <a:p>
+            <a:r>
+              <a:rPr lang="en-US" dirty="0" smtClean="0"/>
+              <a:t>Armies </a:t>
+            </a:r>
+            <a:r>
+              <a:rPr lang="en-US" dirty="0"/>
+              <a:t>of programmers tend a single machine</a:t>
+            </a:r>
+          </a:p>
+        </p:txBody>
+      </p:sp>
+      <p:sp>
+        <p:nvSpPr>
+          <p:cNvPr id="4" name="Footer Placeholder 3"/>
+          <p:cNvSpPr>
+            <a:spLocks noGrp="1"/>
+          </p:cNvSpPr>
+          <p:nvPr>
+            <p:ph type="ftr" sz="quarter" idx="11"/>
+          </p:nvPr>
+        </p:nvSpPr>
+        <p:spPr/>
+        <p:txBody>
+          <a:bodyPr/>
+          <a:lstStyle/>
+          <a:p>
+            <a:r>
+              <a:rPr lang="en-US" smtClean="0"/>
+              <a:t>Introduction to Operating Systems</a:t>
+            </a:r>
+            <a:endParaRPr lang="en-US" dirty="0"/>
+          </a:p>
+        </p:txBody>
+      </p:sp>
+    </p:spTree>
+    <p:extLst>
+      <p:ext uri="{BB962C8B-B14F-4D97-AF65-F5344CB8AC3E}">
+        <p14:creationId xmlns:p14="http://schemas.microsoft.com/office/powerpoint/2010/main" val="1124539055"/>
+      </p:ext>
+    </p:extLst>
+  </p:cSld>
+  <p:clrMapOvr>
+    <a:masterClrMapping/>
+  </p:clrMapOvr>
+  <p:timing>
+    <p:tnLst>
+      <p:par>
+        <p:cTn id="1" dur="indefinite" restart="never" nodeType="tmRoot"/>
+      </p:par>
+    </p:tnLst>
+  </p:timing>
+</p:sld>
+</file>
+
+<file path=ppt/slides/slide31.xml><?xml version="1.0" encoding="utf-8"?>
 <p:sld xmlns:a="http://schemas.openxmlformats.org/drawingml/2006/main" xmlns:r="http://schemas.openxmlformats.org/officeDocument/2006/relationships" xmlns:p="http://schemas.openxmlformats.org/presentationml/2006/main">
   <p:cSld>
     <p:spTree>
@@ -9259,7 +9435,7 @@
 </p:sld>
 </file>
 
-<file path=ppt/slides/slide31.xml><?xml version="1.0" encoding="utf-8"?>
+<file path=ppt/slides/slide32.xml><?xml version="1.0" encoding="utf-8"?>
 <p:sld xmlns:a="http://schemas.openxmlformats.org/drawingml/2006/main" xmlns:r="http://schemas.openxmlformats.org/officeDocument/2006/relationships" xmlns:p="http://schemas.openxmlformats.org/presentationml/2006/main">
   <p:cSld>
     <p:spTree>
@@ -9409,7 +9585,7 @@
 </p:sld>
 </file>
 
-<file path=ppt/slides/slide32.xml><?xml version="1.0" encoding="utf-8"?>
+<file path=ppt/slides/slide33.xml><?xml version="1.0" encoding="utf-8"?>
 <p:sld xmlns:a="http://schemas.openxmlformats.org/drawingml/2006/main" xmlns:r="http://schemas.openxmlformats.org/officeDocument/2006/relationships" xmlns:p="http://schemas.openxmlformats.org/presentationml/2006/main">
   <p:cSld>
     <p:spTree>
@@ -9573,7 +9749,7 @@
 </p:sld>
 </file>
 
-<file path=ppt/slides/slide33.xml><?xml version="1.0" encoding="utf-8"?>
+<file path=ppt/slides/slide34.xml><?xml version="1.0" encoding="utf-8"?>
 <p:sld xmlns:a="http://schemas.openxmlformats.org/drawingml/2006/main" xmlns:r="http://schemas.openxmlformats.org/officeDocument/2006/relationships" xmlns:p="http://schemas.openxmlformats.org/presentationml/2006/main">
   <p:cSld>
     <p:spTree>
@@ -9686,170 +9862,6 @@
 </p:sld>
 </file>
 
-<file path=ppt/slides/slide34.xml><?xml version="1.0" encoding="utf-8"?>
-<p:sld xmlns:a="http://schemas.openxmlformats.org/drawingml/2006/main" xmlns:r="http://schemas.openxmlformats.org/officeDocument/2006/relationships" xmlns:p="http://schemas.openxmlformats.org/presentationml/2006/main">
-  <p:cSld>
-    <p:spTree>
-      <p:nvGrpSpPr>
-        <p:cNvPr id="1" name=""/>
-        <p:cNvGrpSpPr/>
-        <p:nvPr/>
-      </p:nvGrpSpPr>
-      <p:grpSpPr>
-        <a:xfrm>
-          <a:off x="0" y="0"/>
-          <a:ext cx="0" cy="0"/>
-          <a:chOff x="0" y="0"/>
-          <a:chExt cx="0" cy="0"/>
-        </a:xfrm>
-      </p:grpSpPr>
-      <p:sp>
-        <p:nvSpPr>
-          <p:cNvPr id="4" name="Title 3"/>
-          <p:cNvSpPr>
-            <a:spLocks noGrp="1"/>
-          </p:cNvSpPr>
-          <p:nvPr>
-            <p:ph type="title"/>
-          </p:nvPr>
-        </p:nvSpPr>
-        <p:spPr/>
-        <p:txBody>
-          <a:bodyPr>
-            <a:normAutofit fontScale="90000"/>
-          </a:bodyPr>
-          <a:lstStyle/>
-          <a:p>
-            <a:r>
-              <a:rPr lang="en-US" dirty="0" smtClean="0"/>
-              <a:t>Mini-computers and Time Sharing Systems</a:t>
-            </a:r>
-            <a:endParaRPr lang="en-US" dirty="0"/>
-          </a:p>
-        </p:txBody>
-      </p:sp>
-      <p:sp>
-        <p:nvSpPr>
-          <p:cNvPr id="5" name="Content Placeholder 4"/>
-          <p:cNvSpPr>
-            <a:spLocks noGrp="1"/>
-          </p:cNvSpPr>
-          <p:nvPr>
-            <p:ph idx="1"/>
-          </p:nvPr>
-        </p:nvSpPr>
-        <p:spPr/>
-        <p:txBody>
-          <a:bodyPr/>
-          <a:lstStyle/>
-          <a:p>
-            <a:r>
-              <a:rPr lang="en-US" dirty="0" smtClean="0"/>
-              <a:t>Shrinking </a:t>
-            </a:r>
-            <a:r>
-              <a:rPr lang="en-US" dirty="0"/>
-              <a:t>hardware and affordable computing </a:t>
-            </a:r>
-            <a:r>
-              <a:rPr lang="en-US" dirty="0" smtClean="0"/>
-              <a:t>resources</a:t>
-            </a:r>
-          </a:p>
-          <a:p>
-            <a:r>
-              <a:rPr lang="en-US" dirty="0" smtClean="0"/>
-              <a:t>CTSS</a:t>
-            </a:r>
-            <a:endParaRPr lang="en-US" dirty="0"/>
-          </a:p>
-          <a:p>
-            <a:r>
-              <a:rPr lang="en-US" dirty="0" smtClean="0"/>
-              <a:t>MULTICS</a:t>
-            </a:r>
-            <a:endParaRPr lang="en-US" dirty="0"/>
-          </a:p>
-          <a:p>
-            <a:r>
-              <a:rPr lang="en-US" dirty="0" smtClean="0"/>
-              <a:t>C</a:t>
-            </a:r>
-            <a:r>
-              <a:rPr lang="en-US" dirty="0"/>
-              <a:t>, the portable assembler</a:t>
-            </a:r>
-          </a:p>
-          <a:p>
-            <a:r>
-              <a:rPr lang="en-US" dirty="0" smtClean="0"/>
-              <a:t>UNIX</a:t>
-            </a:r>
-            <a:endParaRPr lang="en-US" dirty="0"/>
-          </a:p>
-          <a:p>
-            <a:r>
-              <a:rPr lang="en-US" dirty="0" smtClean="0"/>
-              <a:t>(</a:t>
-            </a:r>
-            <a:r>
-              <a:rPr lang="en-US" dirty="0"/>
-              <a:t>D)</a:t>
-            </a:r>
-            <a:r>
-              <a:rPr lang="en-US" dirty="0" err="1"/>
-              <a:t>ARPANet</a:t>
-            </a:r>
-            <a:endParaRPr lang="en-US" dirty="0"/>
-          </a:p>
-          <a:p>
-            <a:endParaRPr lang="en-US" dirty="0"/>
-          </a:p>
-        </p:txBody>
-      </p:sp>
-      <p:sp>
-        <p:nvSpPr>
-          <p:cNvPr id="3" name="Footer Placeholder 2"/>
-          <p:cNvSpPr>
-            <a:spLocks noGrp="1"/>
-          </p:cNvSpPr>
-          <p:nvPr>
-            <p:ph type="ftr" sz="quarter" idx="11"/>
-          </p:nvPr>
-        </p:nvSpPr>
-        <p:spPr/>
-        <p:txBody>
-          <a:bodyPr/>
-          <a:lstStyle/>
-          <a:p>
-            <a:r>
-              <a:rPr lang="en-US" smtClean="0"/>
-              <a:t>Introduction to Operating Systems</a:t>
-            </a:r>
-            <a:endParaRPr lang="en-US"/>
-          </a:p>
-        </p:txBody>
-      </p:sp>
-    </p:spTree>
-    <p:extLst>
-      <p:ext uri="{BB962C8B-B14F-4D97-AF65-F5344CB8AC3E}">
-        <p14:creationId xmlns:p14="http://schemas.microsoft.com/office/powerpoint/2010/main" val="1361097499"/>
-      </p:ext>
-    </p:extLst>
-  </p:cSld>
-  <p:clrMapOvr>
-    <a:masterClrMapping/>
-  </p:clrMapOvr>
-  <p:timing>
-    <p:tnLst>
-      <p:par>
-        <p:cTn id="1" dur="indefinite" restart="never" nodeType="tmRoot"/>
-      </p:par>
-    </p:tnLst>
-  </p:timing>
-</p:sld>
-</file>
-
 <file path=ppt/slides/slide35.xml><?xml version="1.0" encoding="utf-8"?>
 <p:sld xmlns:a="http://schemas.openxmlformats.org/drawingml/2006/main" xmlns:r="http://schemas.openxmlformats.org/officeDocument/2006/relationships" xmlns:p="http://schemas.openxmlformats.org/presentationml/2006/main">
   <p:cSld>
@@ -9869,7 +9881,7 @@
       </p:grpSpPr>
       <p:sp>
         <p:nvSpPr>
-          <p:cNvPr id="2" name="Title 1"/>
+          <p:cNvPr id="4" name="Title 3"/>
           <p:cNvSpPr>
             <a:spLocks noGrp="1"/>
           </p:cNvSpPr>
@@ -9879,20 +9891,101 @@
         </p:nvSpPr>
         <p:spPr/>
         <p:txBody>
-          <a:bodyPr/>
-          <a:lstStyle/>
-          <a:p>
-            <a:r>
-              <a:rPr lang="en-US" dirty="0" smtClean="0"/>
-              <a:t>The Unix Kernel</a:t>
-            </a:r>
-            <a:endParaRPr lang="en-US" dirty="0"/>
-          </a:p>
-        </p:txBody>
-      </p:sp>
-      <p:sp>
-        <p:nvSpPr>
-          <p:cNvPr id="4" name="Footer Placeholder 3"/>
+          <a:bodyPr>
+            <a:normAutofit fontScale="90000"/>
+          </a:bodyPr>
+          <a:lstStyle/>
+          <a:p>
+            <a:r>
+              <a:rPr lang="en-US" dirty="0" smtClean="0"/>
+              <a:t>Mini-computers and Time Sharing Systems</a:t>
+            </a:r>
+            <a:endParaRPr lang="en-US" dirty="0"/>
+          </a:p>
+        </p:txBody>
+      </p:sp>
+      <p:sp>
+        <p:nvSpPr>
+          <p:cNvPr id="5" name="Content Placeholder 4"/>
+          <p:cNvSpPr>
+            <a:spLocks noGrp="1"/>
+          </p:cNvSpPr>
+          <p:nvPr>
+            <p:ph idx="1"/>
+          </p:nvPr>
+        </p:nvSpPr>
+        <p:spPr/>
+        <p:txBody>
+          <a:bodyPr/>
+          <a:lstStyle/>
+          <a:p>
+            <a:r>
+              <a:rPr lang="en-US" dirty="0" smtClean="0"/>
+              <a:t>Shrinking </a:t>
+            </a:r>
+            <a:r>
+              <a:rPr lang="en-US" dirty="0"/>
+              <a:t>hardware and affordable computing </a:t>
+            </a:r>
+            <a:r>
+              <a:rPr lang="en-US" dirty="0" smtClean="0"/>
+              <a:t>resources</a:t>
+            </a:r>
+          </a:p>
+          <a:p>
+            <a:r>
+              <a:rPr lang="en-US" dirty="0" smtClean="0"/>
+              <a:t>CTSS</a:t>
+            </a:r>
+            <a:endParaRPr lang="en-US" dirty="0"/>
+          </a:p>
+          <a:p>
+            <a:r>
+              <a:rPr lang="en-US" dirty="0" smtClean="0"/>
+              <a:t>MULTICS</a:t>
+            </a:r>
+            <a:endParaRPr lang="en-US" dirty="0"/>
+          </a:p>
+          <a:p>
+            <a:r>
+              <a:rPr lang="en-US" dirty="0" smtClean="0"/>
+              <a:t>C</a:t>
+            </a:r>
+            <a:r>
+              <a:rPr lang="en-US" dirty="0"/>
+              <a:t>, the portable assembler</a:t>
+            </a:r>
+          </a:p>
+          <a:p>
+            <a:r>
+              <a:rPr lang="en-US" dirty="0" smtClean="0"/>
+              <a:t>UNIX</a:t>
+            </a:r>
+            <a:endParaRPr lang="en-US" dirty="0"/>
+          </a:p>
+          <a:p>
+            <a:r>
+              <a:rPr lang="en-US" dirty="0" smtClean="0"/>
+              <a:t>(</a:t>
+            </a:r>
+            <a:r>
+              <a:rPr lang="en-US" dirty="0"/>
+              <a:t>D)</a:t>
+            </a:r>
+            <a:r>
+              <a:rPr lang="en-US" dirty="0" err="1"/>
+              <a:t>ARPANet</a:t>
+            </a:r>
+            <a:endParaRPr lang="en-US" dirty="0"/>
+          </a:p>
+          <a:p>
+            <a:endParaRPr lang="en-US" dirty="0"/>
+          </a:p>
+        </p:txBody>
+      </p:sp>
+      <p:sp>
+        <p:nvSpPr>
+          <p:cNvPr id="3" name="Footer Placeholder 2"/>
           <p:cNvSpPr>
             <a:spLocks noGrp="1"/>
           </p:cNvSpPr>
@@ -9909,178 +10002,6 @@
               <a:rPr lang="en-US" smtClean="0"/>
               <a:t>Introduction to Operating Systems</a:t>
             </a:r>
-            <a:endParaRPr lang="en-US" dirty="0"/>
-          </a:p>
-        </p:txBody>
-      </p:sp>
-      <p:sp>
-        <p:nvSpPr>
-          <p:cNvPr id="5" name="Oval 4"/>
-          <p:cNvSpPr/>
-          <p:nvPr/>
-        </p:nvSpPr>
-        <p:spPr>
-          <a:xfrm>
-            <a:off x="5640387" y="3353298"/>
-            <a:ext cx="914400" cy="914400"/>
-          </a:xfrm>
-          <a:prstGeom prst="ellipse">
-            <a:avLst/>
-          </a:prstGeom>
-          <a:noFill/>
-        </p:spPr>
-        <p:style>
-          <a:lnRef idx="2">
-            <a:schemeClr val="accent1">
-              <a:shade val="50000"/>
-            </a:schemeClr>
-          </a:lnRef>
-          <a:fillRef idx="1">
-            <a:schemeClr val="accent1"/>
-          </a:fillRef>
-          <a:effectRef idx="0">
-            <a:schemeClr val="accent1"/>
-          </a:effectRef>
-          <a:fontRef idx="minor">
-            <a:schemeClr val="lt1"/>
-          </a:fontRef>
-        </p:style>
-        <p:txBody>
-          <a:bodyPr rtlCol="0" anchor="ctr"/>
-          <a:lstStyle/>
-          <a:p>
-            <a:pPr algn="ctr"/>
-            <a:endParaRPr lang="en-US"/>
-          </a:p>
-        </p:txBody>
-      </p:sp>
-      <p:sp>
-        <p:nvSpPr>
-          <p:cNvPr id="7" name="TextBox 6"/>
-          <p:cNvSpPr txBox="1"/>
-          <p:nvPr/>
-        </p:nvSpPr>
-        <p:spPr>
-          <a:xfrm>
-            <a:off x="5697188" y="3625832"/>
-            <a:ext cx="800797" cy="369332"/>
-          </a:xfrm>
-          <a:prstGeom prst="rect">
-            <a:avLst/>
-          </a:prstGeom>
-          <a:noFill/>
-        </p:spPr>
-        <p:txBody>
-          <a:bodyPr wrap="none" rtlCol="0">
-            <a:spAutoFit/>
-          </a:bodyPr>
-          <a:lstStyle/>
-          <a:p>
-            <a:r>
-              <a:rPr lang="en-US" dirty="0" smtClean="0"/>
-              <a:t>Kernel</a:t>
-            </a:r>
-            <a:endParaRPr lang="en-US" dirty="0"/>
-          </a:p>
-        </p:txBody>
-      </p:sp>
-      <p:sp>
-        <p:nvSpPr>
-          <p:cNvPr id="8" name="TextBox 7"/>
-          <p:cNvSpPr txBox="1"/>
-          <p:nvPr/>
-        </p:nvSpPr>
-        <p:spPr>
-          <a:xfrm>
-            <a:off x="5416951" y="2847699"/>
-            <a:ext cx="1361270" cy="369332"/>
-          </a:xfrm>
-          <a:prstGeom prst="rect">
-            <a:avLst/>
-          </a:prstGeom>
-          <a:noFill/>
-        </p:spPr>
-        <p:txBody>
-          <a:bodyPr wrap="none" rtlCol="0">
-            <a:spAutoFit/>
-          </a:bodyPr>
-          <a:lstStyle/>
-          <a:p>
-            <a:r>
-              <a:rPr lang="en-US" dirty="0" smtClean="0"/>
-              <a:t>System Calls</a:t>
-            </a:r>
-            <a:endParaRPr lang="en-US" dirty="0"/>
-          </a:p>
-        </p:txBody>
-      </p:sp>
-      <p:sp>
-        <p:nvSpPr>
-          <p:cNvPr id="9" name="TextBox 8"/>
-          <p:cNvSpPr txBox="1"/>
-          <p:nvPr/>
-        </p:nvSpPr>
-        <p:spPr>
-          <a:xfrm>
-            <a:off x="5330204" y="2157434"/>
-            <a:ext cx="1592552" cy="369332"/>
-          </a:xfrm>
-          <a:prstGeom prst="rect">
-            <a:avLst/>
-          </a:prstGeom>
-          <a:noFill/>
-        </p:spPr>
-        <p:txBody>
-          <a:bodyPr wrap="none" rtlCol="0">
-            <a:spAutoFit/>
-          </a:bodyPr>
-          <a:lstStyle/>
-          <a:p>
-            <a:r>
-              <a:rPr lang="en-US" dirty="0" smtClean="0"/>
-              <a:t>Everything Else</a:t>
-            </a:r>
-            <a:endParaRPr lang="en-US" dirty="0"/>
-          </a:p>
-        </p:txBody>
-      </p:sp>
-      <p:sp>
-        <p:nvSpPr>
-          <p:cNvPr id="10" name="Oval 9"/>
-          <p:cNvSpPr/>
-          <p:nvPr/>
-        </p:nvSpPr>
-        <p:spPr>
-          <a:xfrm>
-            <a:off x="5039647" y="2683447"/>
-            <a:ext cx="2115878" cy="2254102"/>
-          </a:xfrm>
-          <a:prstGeom prst="ellipse">
-            <a:avLst/>
-          </a:prstGeom>
-          <a:noFill/>
-        </p:spPr>
-        <p:style>
-          <a:lnRef idx="2">
-            <a:schemeClr val="accent1">
-              <a:shade val="50000"/>
-            </a:schemeClr>
-          </a:lnRef>
-          <a:fillRef idx="1">
-            <a:schemeClr val="accent1"/>
-          </a:fillRef>
-          <a:effectRef idx="0">
-            <a:schemeClr val="accent1"/>
-          </a:effectRef>
-          <a:fontRef idx="minor">
-            <a:schemeClr val="lt1"/>
-          </a:fontRef>
-        </p:style>
-        <p:txBody>
-          <a:bodyPr rtlCol="0" anchor="ctr"/>
-          <a:lstStyle/>
-          <a:p>
-            <a:pPr algn="ctr"/>
             <a:endParaRPr lang="en-US"/>
           </a:p>
         </p:txBody>
@@ -10088,7 +10009,7 @@
     </p:spTree>
     <p:extLst>
       <p:ext uri="{BB962C8B-B14F-4D97-AF65-F5344CB8AC3E}">
-        <p14:creationId xmlns:p14="http://schemas.microsoft.com/office/powerpoint/2010/main" val="1613949954"/>
+        <p14:creationId xmlns:p14="http://schemas.microsoft.com/office/powerpoint/2010/main" val="1361097499"/>
       </p:ext>
     </p:extLst>
   </p:cSld>
@@ -10139,6 +10060,261 @@
           <a:p>
             <a:r>
               <a:rPr lang="en-US" dirty="0" smtClean="0"/>
+              <a:t>The Unix Kernel</a:t>
+            </a:r>
+            <a:endParaRPr lang="en-US" dirty="0"/>
+          </a:p>
+        </p:txBody>
+      </p:sp>
+      <p:sp>
+        <p:nvSpPr>
+          <p:cNvPr id="4" name="Footer Placeholder 3"/>
+          <p:cNvSpPr>
+            <a:spLocks noGrp="1"/>
+          </p:cNvSpPr>
+          <p:nvPr>
+            <p:ph type="ftr" sz="quarter" idx="11"/>
+          </p:nvPr>
+        </p:nvSpPr>
+        <p:spPr/>
+        <p:txBody>
+          <a:bodyPr/>
+          <a:lstStyle/>
+          <a:p>
+            <a:r>
+              <a:rPr lang="en-US" smtClean="0"/>
+              <a:t>Introduction to Operating Systems</a:t>
+            </a:r>
+            <a:endParaRPr lang="en-US" dirty="0"/>
+          </a:p>
+        </p:txBody>
+      </p:sp>
+      <p:sp>
+        <p:nvSpPr>
+          <p:cNvPr id="5" name="Oval 4"/>
+          <p:cNvSpPr/>
+          <p:nvPr/>
+        </p:nvSpPr>
+        <p:spPr>
+          <a:xfrm>
+            <a:off x="5640387" y="3353298"/>
+            <a:ext cx="914400" cy="914400"/>
+          </a:xfrm>
+          <a:prstGeom prst="ellipse">
+            <a:avLst/>
+          </a:prstGeom>
+          <a:noFill/>
+        </p:spPr>
+        <p:style>
+          <a:lnRef idx="2">
+            <a:schemeClr val="accent1">
+              <a:shade val="50000"/>
+            </a:schemeClr>
+          </a:lnRef>
+          <a:fillRef idx="1">
+            <a:schemeClr val="accent1"/>
+          </a:fillRef>
+          <a:effectRef idx="0">
+            <a:schemeClr val="accent1"/>
+          </a:effectRef>
+          <a:fontRef idx="minor">
+            <a:schemeClr val="lt1"/>
+          </a:fontRef>
+        </p:style>
+        <p:txBody>
+          <a:bodyPr rtlCol="0" anchor="ctr"/>
+          <a:lstStyle/>
+          <a:p>
+            <a:pPr algn="ctr"/>
+            <a:endParaRPr lang="en-US"/>
+          </a:p>
+        </p:txBody>
+      </p:sp>
+      <p:sp>
+        <p:nvSpPr>
+          <p:cNvPr id="7" name="TextBox 6"/>
+          <p:cNvSpPr txBox="1"/>
+          <p:nvPr/>
+        </p:nvSpPr>
+        <p:spPr>
+          <a:xfrm>
+            <a:off x="5697188" y="3625832"/>
+            <a:ext cx="800797" cy="369332"/>
+          </a:xfrm>
+          <a:prstGeom prst="rect">
+            <a:avLst/>
+          </a:prstGeom>
+          <a:noFill/>
+        </p:spPr>
+        <p:txBody>
+          <a:bodyPr wrap="none" rtlCol="0">
+            <a:spAutoFit/>
+          </a:bodyPr>
+          <a:lstStyle/>
+          <a:p>
+            <a:r>
+              <a:rPr lang="en-US" dirty="0" smtClean="0"/>
+              <a:t>Kernel</a:t>
+            </a:r>
+            <a:endParaRPr lang="en-US" dirty="0"/>
+          </a:p>
+        </p:txBody>
+      </p:sp>
+      <p:sp>
+        <p:nvSpPr>
+          <p:cNvPr id="8" name="TextBox 7"/>
+          <p:cNvSpPr txBox="1"/>
+          <p:nvPr/>
+        </p:nvSpPr>
+        <p:spPr>
+          <a:xfrm>
+            <a:off x="5416951" y="2847699"/>
+            <a:ext cx="1361270" cy="369332"/>
+          </a:xfrm>
+          <a:prstGeom prst="rect">
+            <a:avLst/>
+          </a:prstGeom>
+          <a:noFill/>
+        </p:spPr>
+        <p:txBody>
+          <a:bodyPr wrap="none" rtlCol="0">
+            <a:spAutoFit/>
+          </a:bodyPr>
+          <a:lstStyle/>
+          <a:p>
+            <a:r>
+              <a:rPr lang="en-US" dirty="0" smtClean="0"/>
+              <a:t>System Calls</a:t>
+            </a:r>
+            <a:endParaRPr lang="en-US" dirty="0"/>
+          </a:p>
+        </p:txBody>
+      </p:sp>
+      <p:sp>
+        <p:nvSpPr>
+          <p:cNvPr id="9" name="TextBox 8"/>
+          <p:cNvSpPr txBox="1"/>
+          <p:nvPr/>
+        </p:nvSpPr>
+        <p:spPr>
+          <a:xfrm>
+            <a:off x="5330204" y="2157434"/>
+            <a:ext cx="1592552" cy="369332"/>
+          </a:xfrm>
+          <a:prstGeom prst="rect">
+            <a:avLst/>
+          </a:prstGeom>
+          <a:noFill/>
+        </p:spPr>
+        <p:txBody>
+          <a:bodyPr wrap="none" rtlCol="0">
+            <a:spAutoFit/>
+          </a:bodyPr>
+          <a:lstStyle/>
+          <a:p>
+            <a:r>
+              <a:rPr lang="en-US" dirty="0" smtClean="0"/>
+              <a:t>Everything Else</a:t>
+            </a:r>
+            <a:endParaRPr lang="en-US" dirty="0"/>
+          </a:p>
+        </p:txBody>
+      </p:sp>
+      <p:sp>
+        <p:nvSpPr>
+          <p:cNvPr id="10" name="Oval 9"/>
+          <p:cNvSpPr/>
+          <p:nvPr/>
+        </p:nvSpPr>
+        <p:spPr>
+          <a:xfrm>
+            <a:off x="5039647" y="2683447"/>
+            <a:ext cx="2115878" cy="2254102"/>
+          </a:xfrm>
+          <a:prstGeom prst="ellipse">
+            <a:avLst/>
+          </a:prstGeom>
+          <a:noFill/>
+        </p:spPr>
+        <p:style>
+          <a:lnRef idx="2">
+            <a:schemeClr val="accent1">
+              <a:shade val="50000"/>
+            </a:schemeClr>
+          </a:lnRef>
+          <a:fillRef idx="1">
+            <a:schemeClr val="accent1"/>
+          </a:fillRef>
+          <a:effectRef idx="0">
+            <a:schemeClr val="accent1"/>
+          </a:effectRef>
+          <a:fontRef idx="minor">
+            <a:schemeClr val="lt1"/>
+          </a:fontRef>
+        </p:style>
+        <p:txBody>
+          <a:bodyPr rtlCol="0" anchor="ctr"/>
+          <a:lstStyle/>
+          <a:p>
+            <a:pPr algn="ctr"/>
+            <a:endParaRPr lang="en-US"/>
+          </a:p>
+        </p:txBody>
+      </p:sp>
+    </p:spTree>
+    <p:extLst>
+      <p:ext uri="{BB962C8B-B14F-4D97-AF65-F5344CB8AC3E}">
+        <p14:creationId xmlns:p14="http://schemas.microsoft.com/office/powerpoint/2010/main" val="1613949954"/>
+      </p:ext>
+    </p:extLst>
+  </p:cSld>
+  <p:clrMapOvr>
+    <a:masterClrMapping/>
+  </p:clrMapOvr>
+  <p:timing>
+    <p:tnLst>
+      <p:par>
+        <p:cTn id="1" dur="indefinite" restart="never" nodeType="tmRoot"/>
+      </p:par>
+    </p:tnLst>
+  </p:timing>
+</p:sld>
+</file>
+
+<file path=ppt/slides/slide37.xml><?xml version="1.0" encoding="utf-8"?>
+<p:sld xmlns:a="http://schemas.openxmlformats.org/drawingml/2006/main" xmlns:r="http://schemas.openxmlformats.org/officeDocument/2006/relationships" xmlns:p="http://schemas.openxmlformats.org/presentationml/2006/main">
+  <p:cSld>
+    <p:spTree>
+      <p:nvGrpSpPr>
+        <p:cNvPr id="1" name=""/>
+        <p:cNvGrpSpPr/>
+        <p:nvPr/>
+      </p:nvGrpSpPr>
+      <p:grpSpPr>
+        <a:xfrm>
+          <a:off x="0" y="0"/>
+          <a:ext cx="0" cy="0"/>
+          <a:chOff x="0" y="0"/>
+          <a:chExt cx="0" cy="0"/>
+        </a:xfrm>
+      </p:grpSpPr>
+      <p:sp>
+        <p:nvSpPr>
+          <p:cNvPr id="2" name="Title 1"/>
+          <p:cNvSpPr>
+            <a:spLocks noGrp="1"/>
+          </p:cNvSpPr>
+          <p:nvPr>
+            <p:ph type="title"/>
+          </p:nvPr>
+        </p:nvSpPr>
+        <p:spPr/>
+        <p:txBody>
+          <a:bodyPr/>
+          <a:lstStyle/>
+          <a:p>
+            <a:r>
+              <a:rPr lang="en-US" dirty="0" smtClean="0"/>
               <a:t>The Rise of the Microcomputer</a:t>
             </a:r>
             <a:endParaRPr lang="en-US" dirty="0"/>
@@ -10272,7 +10448,7 @@
 </p:sld>
 </file>
 
-<file path=ppt/slides/slide37.xml><?xml version="1.0" encoding="utf-8"?>
+<file path=ppt/slides/slide38.xml><?xml version="1.0" encoding="utf-8"?>
 <p:sld xmlns:a="http://schemas.openxmlformats.org/drawingml/2006/main" xmlns:r="http://schemas.openxmlformats.org/officeDocument/2006/relationships" xmlns:p="http://schemas.openxmlformats.org/presentationml/2006/main">
   <p:cSld>
     <p:spTree>
@@ -10385,7 +10561,7 @@
 </p:sld>
 </file>
 
-<file path=ppt/slides/slide38.xml><?xml version="1.0" encoding="utf-8"?>
+<file path=ppt/slides/slide39.xml><?xml version="1.0" encoding="utf-8"?>
 <p:sld xmlns:a="http://schemas.openxmlformats.org/drawingml/2006/main" xmlns:r="http://schemas.openxmlformats.org/officeDocument/2006/relationships" xmlns:p="http://schemas.openxmlformats.org/presentationml/2006/main">
   <p:cSld>
     <p:spTree>
@@ -10532,7 +10708,259 @@
 </p:sld>
 </file>
 
-<file path=ppt/slides/slide39.xml><?xml version="1.0" encoding="utf-8"?>
+<file path=ppt/slides/slide4.xml><?xml version="1.0" encoding="utf-8"?>
+<p:sld xmlns:a="http://schemas.openxmlformats.org/drawingml/2006/main" xmlns:r="http://schemas.openxmlformats.org/officeDocument/2006/relationships" xmlns:p="http://schemas.openxmlformats.org/presentationml/2006/main">
+  <p:cSld>
+    <p:spTree>
+      <p:nvGrpSpPr>
+        <p:cNvPr id="1" name=""/>
+        <p:cNvGrpSpPr/>
+        <p:nvPr/>
+      </p:nvGrpSpPr>
+      <p:grpSpPr>
+        <a:xfrm>
+          <a:off x="0" y="0"/>
+          <a:ext cx="0" cy="0"/>
+          <a:chOff x="0" y="0"/>
+          <a:chExt cx="0" cy="0"/>
+        </a:xfrm>
+      </p:grpSpPr>
+      <p:sp>
+        <p:nvSpPr>
+          <p:cNvPr id="2" name="Title 1"/>
+          <p:cNvSpPr>
+            <a:spLocks noGrp="1"/>
+          </p:cNvSpPr>
+          <p:nvPr>
+            <p:ph type="title"/>
+          </p:nvPr>
+        </p:nvSpPr>
+        <p:spPr/>
+        <p:txBody>
+          <a:bodyPr/>
+          <a:lstStyle/>
+          <a:p>
+            <a:r>
+              <a:rPr lang="en-US" dirty="0" smtClean="0"/>
+              <a:t>Course Outline</a:t>
+            </a:r>
+            <a:endParaRPr lang="en-US" dirty="0"/>
+          </a:p>
+        </p:txBody>
+      </p:sp>
+      <p:sp>
+        <p:nvSpPr>
+          <p:cNvPr id="3" name="Text Placeholder 2"/>
+          <p:cNvSpPr>
+            <a:spLocks noGrp="1"/>
+          </p:cNvSpPr>
+          <p:nvPr>
+            <p:ph type="body" idx="1"/>
+          </p:nvPr>
+        </p:nvSpPr>
+        <p:spPr/>
+        <p:txBody>
+          <a:bodyPr/>
+          <a:lstStyle/>
+          <a:p>
+            <a:r>
+              <a:rPr lang="en-US" dirty="0" smtClean="0"/>
+              <a:t>Day 3: Communication</a:t>
+            </a:r>
+            <a:endParaRPr lang="en-US" dirty="0"/>
+          </a:p>
+        </p:txBody>
+      </p:sp>
+      <p:sp>
+        <p:nvSpPr>
+          <p:cNvPr id="4" name="Content Placeholder 3"/>
+          <p:cNvSpPr>
+            <a:spLocks noGrp="1"/>
+          </p:cNvSpPr>
+          <p:nvPr>
+            <p:ph sz="half" idx="2"/>
+          </p:nvPr>
+        </p:nvSpPr>
+        <p:spPr/>
+        <p:txBody>
+          <a:bodyPr/>
+          <a:lstStyle/>
+          <a:p>
+            <a:r>
+              <a:rPr lang="en-US" dirty="0" smtClean="0"/>
+              <a:t>I/O</a:t>
+            </a:r>
+            <a:endParaRPr lang="en-US" dirty="0"/>
+          </a:p>
+          <a:p>
+            <a:r>
+              <a:rPr lang="en-US" dirty="0" smtClean="0"/>
+              <a:t>Inter </a:t>
+            </a:r>
+            <a:r>
+              <a:rPr lang="en-US" dirty="0"/>
+              <a:t>Process Communication</a:t>
+            </a:r>
+          </a:p>
+          <a:p>
+            <a:r>
+              <a:rPr lang="en-US" dirty="0" smtClean="0"/>
+              <a:t>Sockets </a:t>
+            </a:r>
+            <a:r>
+              <a:rPr lang="en-US" dirty="0"/>
+              <a:t>and </a:t>
+            </a:r>
+            <a:r>
+              <a:rPr lang="en-US" dirty="0" smtClean="0"/>
+              <a:t>Network Communication </a:t>
+            </a:r>
+          </a:p>
+          <a:p>
+            <a:r>
+              <a:rPr lang="en-US" dirty="0" smtClean="0"/>
+              <a:t>Lab </a:t>
+            </a:r>
+            <a:r>
+              <a:rPr lang="en-US" dirty="0"/>
+              <a:t>3: TCP Connection Setup</a:t>
+            </a:r>
+          </a:p>
+        </p:txBody>
+      </p:sp>
+      <p:sp>
+        <p:nvSpPr>
+          <p:cNvPr id="5" name="Text Placeholder 4"/>
+          <p:cNvSpPr>
+            <a:spLocks noGrp="1"/>
+          </p:cNvSpPr>
+          <p:nvPr>
+            <p:ph type="body" sz="quarter" idx="3"/>
+          </p:nvPr>
+        </p:nvSpPr>
+        <p:spPr/>
+        <p:txBody>
+          <a:bodyPr/>
+          <a:lstStyle/>
+          <a:p>
+            <a:r>
+              <a:rPr lang="en-US" dirty="0" smtClean="0"/>
+              <a:t>Day 4: storing data</a:t>
+            </a:r>
+            <a:endParaRPr lang="en-US" dirty="0"/>
+          </a:p>
+        </p:txBody>
+      </p:sp>
+      <p:sp>
+        <p:nvSpPr>
+          <p:cNvPr id="6" name="Content Placeholder 5"/>
+          <p:cNvSpPr>
+            <a:spLocks noGrp="1"/>
+          </p:cNvSpPr>
+          <p:nvPr>
+            <p:ph sz="quarter" idx="4"/>
+          </p:nvPr>
+        </p:nvSpPr>
+        <p:spPr/>
+        <p:txBody>
+          <a:bodyPr/>
+          <a:lstStyle/>
+          <a:p>
+            <a:r>
+              <a:rPr lang="en-US" dirty="0" smtClean="0"/>
+              <a:t>Storage </a:t>
+            </a:r>
+            <a:r>
+              <a:rPr lang="en-US" dirty="0"/>
+              <a:t>Overview</a:t>
+            </a:r>
+          </a:p>
+          <a:p>
+            <a:r>
+              <a:rPr lang="en-US" dirty="0" smtClean="0"/>
+              <a:t>Naming </a:t>
+            </a:r>
+            <a:r>
+              <a:rPr lang="en-US" dirty="0"/>
+              <a:t>and Location</a:t>
+            </a:r>
+          </a:p>
+          <a:p>
+            <a:r>
+              <a:rPr lang="en-US" dirty="0" smtClean="0"/>
+              <a:t>Virtual </a:t>
+            </a:r>
+            <a:r>
+              <a:rPr lang="en-US" dirty="0"/>
+              <a:t>Filesystem Layer</a:t>
+            </a:r>
+          </a:p>
+          <a:p>
+            <a:r>
+              <a:rPr lang="en-US" dirty="0" smtClean="0"/>
+              <a:t>Storing </a:t>
+            </a:r>
+            <a:r>
+              <a:rPr lang="en-US" dirty="0"/>
+              <a:t>and Retrieving Data</a:t>
+            </a:r>
+          </a:p>
+          <a:p>
+            <a:r>
+              <a:rPr lang="en-US" dirty="0" smtClean="0"/>
+              <a:t>Lab </a:t>
+            </a:r>
+            <a:r>
+              <a:rPr lang="en-US" dirty="0"/>
+              <a:t>4: Reading a file from disk</a:t>
+            </a:r>
+          </a:p>
+        </p:txBody>
+      </p:sp>
+      <p:sp>
+        <p:nvSpPr>
+          <p:cNvPr id="7" name="Footer Placeholder 6"/>
+          <p:cNvSpPr>
+            <a:spLocks noGrp="1"/>
+          </p:cNvSpPr>
+          <p:nvPr>
+            <p:ph type="ftr" sz="quarter" idx="11"/>
+          </p:nvPr>
+        </p:nvSpPr>
+        <p:spPr/>
+        <p:txBody>
+          <a:bodyPr/>
+          <a:lstStyle/>
+          <a:p>
+            <a:r>
+              <a:rPr lang="en-US" smtClean="0"/>
+              <a:t>Introduction to Operating Systems</a:t>
+            </a:r>
+            <a:endParaRPr lang="en-US"/>
+          </a:p>
+        </p:txBody>
+      </p:sp>
+    </p:spTree>
+    <p:extLst>
+      <p:ext uri="{BB962C8B-B14F-4D97-AF65-F5344CB8AC3E}">
+        <p14:creationId xmlns:p14="http://schemas.microsoft.com/office/powerpoint/2010/main" val="1573046548"/>
+      </p:ext>
+    </p:extLst>
+  </p:cSld>
+  <p:clrMapOvr>
+    <a:masterClrMapping/>
+  </p:clrMapOvr>
+  <p:timing>
+    <p:tnLst>
+      <p:par>
+        <p:cTn id="1" dur="indefinite" restart="never" nodeType="tmRoot"/>
+      </p:par>
+    </p:tnLst>
+  </p:timing>
+</p:sld>
+</file>
+
+<file path=ppt/slides/slide40.xml><?xml version="1.0" encoding="utf-8"?>
 <p:sld xmlns:a="http://schemas.openxmlformats.org/drawingml/2006/main" xmlns:r="http://schemas.openxmlformats.org/officeDocument/2006/relationships" xmlns:p="http://schemas.openxmlformats.org/presentationml/2006/main">
   <p:cSld>
     <p:spTree>
@@ -10645,397 +11073,6 @@
 </p:sld>
 </file>
 
-<file path=ppt/slides/slide4.xml><?xml version="1.0" encoding="utf-8"?>
-<p:sld xmlns:a="http://schemas.openxmlformats.org/drawingml/2006/main" xmlns:r="http://schemas.openxmlformats.org/officeDocument/2006/relationships" xmlns:p="http://schemas.openxmlformats.org/presentationml/2006/main">
-  <p:cSld>
-    <p:spTree>
-      <p:nvGrpSpPr>
-        <p:cNvPr id="1" name=""/>
-        <p:cNvGrpSpPr/>
-        <p:nvPr/>
-      </p:nvGrpSpPr>
-      <p:grpSpPr>
-        <a:xfrm>
-          <a:off x="0" y="0"/>
-          <a:ext cx="0" cy="0"/>
-          <a:chOff x="0" y="0"/>
-          <a:chExt cx="0" cy="0"/>
-        </a:xfrm>
-      </p:grpSpPr>
-      <p:sp>
-        <p:nvSpPr>
-          <p:cNvPr id="2" name="Title 1"/>
-          <p:cNvSpPr>
-            <a:spLocks noGrp="1"/>
-          </p:cNvSpPr>
-          <p:nvPr>
-            <p:ph type="title"/>
-          </p:nvPr>
-        </p:nvSpPr>
-        <p:spPr/>
-        <p:txBody>
-          <a:bodyPr/>
-          <a:lstStyle/>
-          <a:p>
-            <a:r>
-              <a:rPr lang="en-US" dirty="0" smtClean="0"/>
-              <a:t>Course Outline</a:t>
-            </a:r>
-            <a:endParaRPr lang="en-US" dirty="0"/>
-          </a:p>
-        </p:txBody>
-      </p:sp>
-      <p:sp>
-        <p:nvSpPr>
-          <p:cNvPr id="3" name="Text Placeholder 2"/>
-          <p:cNvSpPr>
-            <a:spLocks noGrp="1"/>
-          </p:cNvSpPr>
-          <p:nvPr>
-            <p:ph type="body" idx="1"/>
-          </p:nvPr>
-        </p:nvSpPr>
-        <p:spPr/>
-        <p:txBody>
-          <a:bodyPr/>
-          <a:lstStyle/>
-          <a:p>
-            <a:r>
-              <a:rPr lang="en-US" dirty="0" smtClean="0"/>
-              <a:t>Day 3: Communication</a:t>
-            </a:r>
-            <a:endParaRPr lang="en-US" dirty="0"/>
-          </a:p>
-        </p:txBody>
-      </p:sp>
-      <p:sp>
-        <p:nvSpPr>
-          <p:cNvPr id="4" name="Content Placeholder 3"/>
-          <p:cNvSpPr>
-            <a:spLocks noGrp="1"/>
-          </p:cNvSpPr>
-          <p:nvPr>
-            <p:ph sz="half" idx="2"/>
-          </p:nvPr>
-        </p:nvSpPr>
-        <p:spPr/>
-        <p:txBody>
-          <a:bodyPr/>
-          <a:lstStyle/>
-          <a:p>
-            <a:r>
-              <a:rPr lang="en-US" dirty="0" smtClean="0"/>
-              <a:t>I/O</a:t>
-            </a:r>
-            <a:endParaRPr lang="en-US" dirty="0"/>
-          </a:p>
-          <a:p>
-            <a:r>
-              <a:rPr lang="en-US" dirty="0" smtClean="0"/>
-              <a:t>Inter </a:t>
-            </a:r>
-            <a:r>
-              <a:rPr lang="en-US" dirty="0"/>
-              <a:t>Process Communication</a:t>
-            </a:r>
-          </a:p>
-          <a:p>
-            <a:r>
-              <a:rPr lang="en-US" dirty="0" smtClean="0"/>
-              <a:t>Sockets </a:t>
-            </a:r>
-            <a:r>
-              <a:rPr lang="en-US" dirty="0"/>
-              <a:t>and </a:t>
-            </a:r>
-            <a:r>
-              <a:rPr lang="en-US" dirty="0" smtClean="0"/>
-              <a:t>Network Communication </a:t>
-            </a:r>
-          </a:p>
-          <a:p>
-            <a:r>
-              <a:rPr lang="en-US" dirty="0" smtClean="0"/>
-              <a:t>Lab </a:t>
-            </a:r>
-            <a:r>
-              <a:rPr lang="en-US" dirty="0"/>
-              <a:t>3: TCP Connection Setup</a:t>
-            </a:r>
-          </a:p>
-        </p:txBody>
-      </p:sp>
-      <p:sp>
-        <p:nvSpPr>
-          <p:cNvPr id="5" name="Text Placeholder 4"/>
-          <p:cNvSpPr>
-            <a:spLocks noGrp="1"/>
-          </p:cNvSpPr>
-          <p:nvPr>
-            <p:ph type="body" sz="quarter" idx="3"/>
-          </p:nvPr>
-        </p:nvSpPr>
-        <p:spPr/>
-        <p:txBody>
-          <a:bodyPr/>
-          <a:lstStyle/>
-          <a:p>
-            <a:r>
-              <a:rPr lang="en-US" dirty="0" smtClean="0"/>
-              <a:t>Day 4: storing data</a:t>
-            </a:r>
-            <a:endParaRPr lang="en-US" dirty="0"/>
-          </a:p>
-        </p:txBody>
-      </p:sp>
-      <p:sp>
-        <p:nvSpPr>
-          <p:cNvPr id="6" name="Content Placeholder 5"/>
-          <p:cNvSpPr>
-            <a:spLocks noGrp="1"/>
-          </p:cNvSpPr>
-          <p:nvPr>
-            <p:ph sz="quarter" idx="4"/>
-          </p:nvPr>
-        </p:nvSpPr>
-        <p:spPr/>
-        <p:txBody>
-          <a:bodyPr/>
-          <a:lstStyle/>
-          <a:p>
-            <a:r>
-              <a:rPr lang="en-US" dirty="0" smtClean="0"/>
-              <a:t>Storage </a:t>
-            </a:r>
-            <a:r>
-              <a:rPr lang="en-US" dirty="0"/>
-              <a:t>Overview</a:t>
-            </a:r>
-          </a:p>
-          <a:p>
-            <a:r>
-              <a:rPr lang="en-US" dirty="0" smtClean="0"/>
-              <a:t>Naming </a:t>
-            </a:r>
-            <a:r>
-              <a:rPr lang="en-US" dirty="0"/>
-              <a:t>and Location</a:t>
-            </a:r>
-          </a:p>
-          <a:p>
-            <a:r>
-              <a:rPr lang="en-US" dirty="0" smtClean="0"/>
-              <a:t>Virtual </a:t>
-            </a:r>
-            <a:r>
-              <a:rPr lang="en-US" dirty="0"/>
-              <a:t>Filesystem Layer</a:t>
-            </a:r>
-          </a:p>
-          <a:p>
-            <a:r>
-              <a:rPr lang="en-US" dirty="0" smtClean="0"/>
-              <a:t>Storing </a:t>
-            </a:r>
-            <a:r>
-              <a:rPr lang="en-US" dirty="0"/>
-              <a:t>and Retrieving Data</a:t>
-            </a:r>
-          </a:p>
-          <a:p>
-            <a:r>
-              <a:rPr lang="en-US" dirty="0" smtClean="0"/>
-              <a:t>Lab </a:t>
-            </a:r>
-            <a:r>
-              <a:rPr lang="en-US" dirty="0"/>
-              <a:t>4: Reading a file from disk</a:t>
-            </a:r>
-          </a:p>
-        </p:txBody>
-      </p:sp>
-      <p:sp>
-        <p:nvSpPr>
-          <p:cNvPr id="7" name="Footer Placeholder 6"/>
-          <p:cNvSpPr>
-            <a:spLocks noGrp="1"/>
-          </p:cNvSpPr>
-          <p:nvPr>
-            <p:ph type="ftr" sz="quarter" idx="11"/>
-          </p:nvPr>
-        </p:nvSpPr>
-        <p:spPr/>
-        <p:txBody>
-          <a:bodyPr/>
-          <a:lstStyle/>
-          <a:p>
-            <a:r>
-              <a:rPr lang="en-US" smtClean="0"/>
-              <a:t>Introduction to Operating Systems</a:t>
-            </a:r>
-            <a:endParaRPr lang="en-US"/>
-          </a:p>
-        </p:txBody>
-      </p:sp>
-    </p:spTree>
-    <p:extLst>
-      <p:ext uri="{BB962C8B-B14F-4D97-AF65-F5344CB8AC3E}">
-        <p14:creationId xmlns:p14="http://schemas.microsoft.com/office/powerpoint/2010/main" val="1573046548"/>
-      </p:ext>
-    </p:extLst>
-  </p:cSld>
-  <p:clrMapOvr>
-    <a:masterClrMapping/>
-  </p:clrMapOvr>
-  <p:timing>
-    <p:tnLst>
-      <p:par>
-        <p:cTn id="1" dur="indefinite" restart="never" nodeType="tmRoot"/>
-      </p:par>
-    </p:tnLst>
-  </p:timing>
-</p:sld>
-</file>
-
-<file path=ppt/slides/slide40.xml><?xml version="1.0" encoding="utf-8"?>
-<p:sld xmlns:a="http://schemas.openxmlformats.org/drawingml/2006/main" xmlns:r="http://schemas.openxmlformats.org/officeDocument/2006/relationships" xmlns:p="http://schemas.openxmlformats.org/presentationml/2006/main">
-  <p:cSld>
-    <p:spTree>
-      <p:nvGrpSpPr>
-        <p:cNvPr id="1" name=""/>
-        <p:cNvGrpSpPr/>
-        <p:nvPr/>
-      </p:nvGrpSpPr>
-      <p:grpSpPr>
-        <a:xfrm>
-          <a:off x="0" y="0"/>
-          <a:ext cx="0" cy="0"/>
-          <a:chOff x="0" y="0"/>
-          <a:chExt cx="0" cy="0"/>
-        </a:xfrm>
-      </p:grpSpPr>
-      <p:sp>
-        <p:nvSpPr>
-          <p:cNvPr id="4" name="Title 3"/>
-          <p:cNvSpPr>
-            <a:spLocks noGrp="1"/>
-          </p:cNvSpPr>
-          <p:nvPr>
-            <p:ph type="title"/>
-          </p:nvPr>
-        </p:nvSpPr>
-        <p:spPr/>
-        <p:txBody>
-          <a:bodyPr/>
-          <a:lstStyle/>
-          <a:p>
-            <a:r>
-              <a:rPr lang="en-US" dirty="0" smtClean="0"/>
-              <a:t>Embedded and Real Time Systems</a:t>
-            </a:r>
-            <a:endParaRPr lang="en-US" dirty="0"/>
-          </a:p>
-        </p:txBody>
-      </p:sp>
-      <p:sp>
-        <p:nvSpPr>
-          <p:cNvPr id="5" name="Content Placeholder 4"/>
-          <p:cNvSpPr>
-            <a:spLocks noGrp="1"/>
-          </p:cNvSpPr>
-          <p:nvPr>
-            <p:ph idx="1"/>
-          </p:nvPr>
-        </p:nvSpPr>
-        <p:spPr/>
-        <p:txBody>
-          <a:bodyPr/>
-          <a:lstStyle/>
-          <a:p>
-            <a:r>
-              <a:rPr lang="en-US" dirty="0" smtClean="0"/>
-              <a:t>Applied </a:t>
-            </a:r>
-            <a:r>
-              <a:rPr lang="en-US" dirty="0"/>
-              <a:t>kernel programming</a:t>
-            </a:r>
-          </a:p>
-          <a:p>
-            <a:r>
-              <a:rPr lang="en-US" dirty="0" smtClean="0"/>
-              <a:t>Tasks </a:t>
-            </a:r>
-            <a:r>
-              <a:rPr lang="en-US" dirty="0"/>
-              <a:t>have deadlines</a:t>
-            </a:r>
-          </a:p>
-          <a:p>
-            <a:r>
-              <a:rPr lang="en-US" dirty="0" smtClean="0"/>
-              <a:t>Failure </a:t>
-            </a:r>
-            <a:r>
-              <a:rPr lang="en-US" dirty="0"/>
-              <a:t>is not an option</a:t>
-            </a:r>
-          </a:p>
-          <a:p>
-            <a:r>
-              <a:rPr lang="en-US" dirty="0" smtClean="0"/>
-              <a:t>Often </a:t>
-            </a:r>
-            <a:r>
-              <a:rPr lang="en-US" dirty="0"/>
-              <a:t>forgo more expensive UNIX like features</a:t>
-            </a:r>
-          </a:p>
-        </p:txBody>
-      </p:sp>
-      <p:sp>
-        <p:nvSpPr>
-          <p:cNvPr id="3" name="Footer Placeholder 2"/>
-          <p:cNvSpPr>
-            <a:spLocks noGrp="1"/>
-          </p:cNvSpPr>
-          <p:nvPr>
-            <p:ph type="ftr" sz="quarter" idx="11"/>
-          </p:nvPr>
-        </p:nvSpPr>
-        <p:spPr/>
-        <p:txBody>
-          <a:bodyPr/>
-          <a:lstStyle/>
-          <a:p>
-            <a:r>
-              <a:rPr lang="en-US" smtClean="0"/>
-              <a:t>Introduction to Operating Systems</a:t>
-            </a:r>
-            <a:endParaRPr lang="en-US"/>
-          </a:p>
-        </p:txBody>
-      </p:sp>
-    </p:spTree>
-    <p:extLst>
-      <p:ext uri="{BB962C8B-B14F-4D97-AF65-F5344CB8AC3E}">
-        <p14:creationId xmlns:p14="http://schemas.microsoft.com/office/powerpoint/2010/main" val="511040205"/>
-      </p:ext>
-    </p:extLst>
-  </p:cSld>
-  <p:clrMapOvr>
-    <a:masterClrMapping/>
-  </p:clrMapOvr>
-  <p:timing>
-    <p:tnLst>
-      <p:par>
-        <p:cTn id="1" dur="indefinite" restart="never" nodeType="tmRoot"/>
-      </p:par>
-    </p:tnLst>
-  </p:timing>
-</p:sld>
-</file>
-
 <file path=ppt/slides/slide41.xml><?xml version="1.0" encoding="utf-8"?>
 <p:sld xmlns:a="http://schemas.openxmlformats.org/drawingml/2006/main" xmlns:r="http://schemas.openxmlformats.org/officeDocument/2006/relationships" xmlns:p="http://schemas.openxmlformats.org/presentationml/2006/main">
   <p:cSld>
@@ -11055,7 +11092,7 @@
       </p:grpSpPr>
       <p:sp>
         <p:nvSpPr>
-          <p:cNvPr id="2" name="Title 1"/>
+          <p:cNvPr id="4" name="Title 3"/>
           <p:cNvSpPr>
             <a:spLocks noGrp="1"/>
           </p:cNvSpPr>
@@ -11065,22 +11102,20 @@
         </p:nvSpPr>
         <p:spPr/>
         <p:txBody>
-          <a:bodyPr>
-            <a:normAutofit fontScale="90000"/>
-          </a:bodyPr>
-          <a:lstStyle/>
-          <a:p>
-            <a:r>
-              <a:rPr lang="en-US" dirty="0" smtClean="0"/>
-              <a:t>Mobile Devices and the Ubiquitous Internet</a:t>
-            </a:r>
-            <a:endParaRPr lang="en-US" dirty="0"/>
-          </a:p>
-        </p:txBody>
-      </p:sp>
-      <p:sp>
-        <p:nvSpPr>
-          <p:cNvPr id="3" name="Content Placeholder 2"/>
+          <a:bodyPr/>
+          <a:lstStyle/>
+          <a:p>
+            <a:r>
+              <a:rPr lang="en-US" dirty="0" smtClean="0"/>
+              <a:t>Embedded and Real Time Systems</a:t>
+            </a:r>
+            <a:endParaRPr lang="en-US" dirty="0"/>
+          </a:p>
+        </p:txBody>
+      </p:sp>
+      <p:sp>
+        <p:nvSpPr>
+          <p:cNvPr id="5" name="Content Placeholder 4"/>
           <p:cNvSpPr>
             <a:spLocks noGrp="1"/>
           </p:cNvSpPr>
@@ -11095,49 +11130,48 @@
           <a:p>
             <a:r>
               <a:rPr lang="en-US" dirty="0" smtClean="0"/>
-              <a:t>Sensors</a:t>
-            </a:r>
-            <a:endParaRPr lang="en-US" dirty="0"/>
-          </a:p>
-          <a:p>
-            <a:r>
-              <a:rPr lang="en-US" dirty="0" smtClean="0"/>
-              <a:t>Always </a:t>
-            </a:r>
-            <a:r>
-              <a:rPr lang="en-US" dirty="0"/>
-              <a:t>connected</a:t>
-            </a:r>
-          </a:p>
-          <a:p>
-            <a:r>
-              <a:rPr lang="en-US" dirty="0" smtClean="0"/>
-              <a:t>A </a:t>
-            </a:r>
-            <a:r>
-              <a:rPr lang="en-US" dirty="0"/>
-              <a:t>return to single user, but with a multi-user OS </a:t>
-            </a:r>
-            <a:endParaRPr lang="en-US" dirty="0" smtClean="0"/>
-          </a:p>
-          <a:p>
-            <a:r>
-              <a:rPr lang="en-US" dirty="0" smtClean="0"/>
-              <a:t>Programming </a:t>
-            </a:r>
-            <a:r>
-              <a:rPr lang="en-US" dirty="0"/>
-              <a:t>for power rather than speed</a:t>
-            </a:r>
-          </a:p>
-          <a:p>
-            <a:endParaRPr lang="en-US" dirty="0"/>
-          </a:p>
-        </p:txBody>
-      </p:sp>
-      <p:sp>
-        <p:nvSpPr>
-          <p:cNvPr id="4" name="Footer Placeholder 3"/>
+              <a:t>Applied </a:t>
+            </a:r>
+            <a:r>
+              <a:rPr lang="en-US" dirty="0"/>
+              <a:t>kernel programming</a:t>
+            </a:r>
+          </a:p>
+          <a:p>
+            <a:r>
+              <a:rPr lang="en-US" dirty="0" smtClean="0"/>
+              <a:t>Tasks </a:t>
+            </a:r>
+            <a:r>
+              <a:rPr lang="en-US" dirty="0"/>
+              <a:t>have deadlines</a:t>
+            </a:r>
+          </a:p>
+          <a:p>
+            <a:r>
+              <a:rPr lang="en-US" dirty="0" smtClean="0"/>
+              <a:t>Failure </a:t>
+            </a:r>
+            <a:r>
+              <a:rPr lang="en-US" dirty="0"/>
+              <a:t>is not an option</a:t>
+            </a:r>
+          </a:p>
+          <a:p>
+            <a:r>
+              <a:rPr lang="en-US" dirty="0" smtClean="0"/>
+              <a:t>Often </a:t>
+            </a:r>
+            <a:r>
+              <a:rPr lang="en-US" dirty="0"/>
+              <a:t>forgo more expensive UNIX like features</a:t>
+            </a:r>
+          </a:p>
+        </p:txBody>
+      </p:sp>
+      <p:sp>
+        <p:nvSpPr>
+          <p:cNvPr id="3" name="Footer Placeholder 2"/>
           <p:cNvSpPr>
             <a:spLocks noGrp="1"/>
           </p:cNvSpPr>
@@ -11154,14 +11188,14 @@
               <a:rPr lang="en-US" smtClean="0"/>
               <a:t>Introduction to Operating Systems</a:t>
             </a:r>
-            <a:endParaRPr lang="en-US" dirty="0"/>
+            <a:endParaRPr lang="en-US"/>
           </a:p>
         </p:txBody>
       </p:sp>
     </p:spTree>
     <p:extLst>
       <p:ext uri="{BB962C8B-B14F-4D97-AF65-F5344CB8AC3E}">
-        <p14:creationId xmlns:p14="http://schemas.microsoft.com/office/powerpoint/2010/main" val="969023124"/>
+        <p14:creationId xmlns:p14="http://schemas.microsoft.com/office/powerpoint/2010/main" val="511040205"/>
       </p:ext>
     </p:extLst>
   </p:cSld>
@@ -11207,12 +11241,14 @@
         </p:nvSpPr>
         <p:spPr/>
         <p:txBody>
-          <a:bodyPr/>
-          <a:lstStyle/>
-          <a:p>
-            <a:r>
-              <a:rPr lang="en-US" dirty="0" smtClean="0"/>
-              <a:t>Today</a:t>
+          <a:bodyPr>
+            <a:normAutofit fontScale="90000"/>
+          </a:bodyPr>
+          <a:lstStyle/>
+          <a:p>
+            <a:r>
+              <a:rPr lang="en-US" dirty="0" smtClean="0"/>
+              <a:t>Mobile Devices and the Ubiquitous Internet</a:t>
             </a:r>
             <a:endParaRPr lang="en-US" dirty="0"/>
           </a:p>
@@ -11235,34 +11271,43 @@
           <a:p>
             <a:r>
               <a:rPr lang="en-US" dirty="0" smtClean="0"/>
-              <a:t>Multi-user </a:t>
-            </a:r>
-            <a:r>
-              <a:rPr lang="en-US" dirty="0"/>
-              <a:t>Unix like systems everywhere </a:t>
+              <a:t>Sensors</a:t>
+            </a:r>
+            <a:endParaRPr lang="en-US" dirty="0"/>
+          </a:p>
+          <a:p>
+            <a:r>
+              <a:rPr lang="en-US" dirty="0" smtClean="0"/>
+              <a:t>Always </a:t>
+            </a:r>
+            <a:r>
+              <a:rPr lang="en-US" dirty="0"/>
+              <a:t>connected</a:t>
+            </a:r>
+          </a:p>
+          <a:p>
+            <a:r>
+              <a:rPr lang="en-US" dirty="0" smtClean="0"/>
+              <a:t>A </a:t>
+            </a:r>
+            <a:r>
+              <a:rPr lang="en-US" dirty="0"/>
+              <a:t>return to single user, but with a multi-user OS </a:t>
             </a:r>
             <a:endParaRPr lang="en-US" dirty="0" smtClean="0"/>
           </a:p>
           <a:p>
             <a:r>
               <a:rPr lang="en-US" dirty="0" smtClean="0"/>
-              <a:t>Continued </a:t>
-            </a:r>
-            <a:r>
-              <a:rPr lang="en-US" dirty="0"/>
-              <a:t>use of C for OS development </a:t>
-            </a:r>
-            <a:endParaRPr lang="en-US" dirty="0" smtClean="0"/>
-          </a:p>
-          <a:p>
-            <a:r>
-              <a:rPr lang="en-US" dirty="0" smtClean="0"/>
-              <a:t>Heterogeneous </a:t>
-            </a:r>
-            <a:r>
-              <a:rPr lang="en-US" dirty="0"/>
-              <a:t>environments</a:t>
-            </a:r>
+              <a:t>Programming </a:t>
+            </a:r>
+            <a:r>
+              <a:rPr lang="en-US" dirty="0"/>
+              <a:t>for power rather than speed</a:t>
+            </a:r>
+          </a:p>
+          <a:p>
+            <a:endParaRPr lang="en-US" dirty="0"/>
           </a:p>
         </p:txBody>
       </p:sp>
@@ -11292,7 +11337,7 @@
     </p:spTree>
     <p:extLst>
       <p:ext uri="{BB962C8B-B14F-4D97-AF65-F5344CB8AC3E}">
-        <p14:creationId xmlns:p14="http://schemas.microsoft.com/office/powerpoint/2010/main" val="1640987170"/>
+        <p14:creationId xmlns:p14="http://schemas.microsoft.com/office/powerpoint/2010/main" val="969023124"/>
       </p:ext>
     </p:extLst>
   </p:cSld>
@@ -11343,7 +11388,7 @@
           <a:p>
             <a:r>
               <a:rPr lang="en-US" dirty="0" smtClean="0"/>
-              <a:t>Our Challenge</a:t>
+              <a:t>Today</a:t>
             </a:r>
             <a:endParaRPr lang="en-US" dirty="0"/>
           </a:p>
@@ -11366,58 +11411,34 @@
           <a:p>
             <a:r>
               <a:rPr lang="en-US" dirty="0" smtClean="0"/>
-              <a:t>How </a:t>
-            </a:r>
-            <a:r>
-              <a:rPr lang="en-US" dirty="0"/>
-              <a:t>does data move in a real world system</a:t>
-            </a:r>
-            <a:r>
-              <a:rPr lang="en-US" dirty="0" smtClean="0"/>
-              <a:t>?</a:t>
-            </a:r>
-          </a:p>
-          <a:p>
-            <a:r>
-              <a:rPr lang="en-US" dirty="0" smtClean="0"/>
-              <a:t>Serving </a:t>
-            </a:r>
-            <a:r>
-              <a:rPr lang="en-US" dirty="0"/>
-              <a:t>Data from Storage to Clients</a:t>
-            </a:r>
-          </a:p>
-          <a:p>
-            <a:r>
-              <a:rPr lang="en-US" b="1" dirty="0"/>
-              <a:t>Program</a:t>
-            </a:r>
-            <a:r>
-              <a:rPr lang="en-US" dirty="0"/>
-              <a:t> Web Server</a:t>
-            </a:r>
-          </a:p>
-          <a:p>
-            <a:r>
-              <a:rPr lang="en-US" b="1" dirty="0"/>
-              <a:t>Stored Data</a:t>
-            </a:r>
-            <a:r>
-              <a:rPr lang="en-US" dirty="0"/>
-              <a:t> Filesystem </a:t>
+              <a:t>Multi-user </a:t>
+            </a:r>
+            <a:r>
+              <a:rPr lang="en-US" dirty="0"/>
+              <a:t>Unix like systems everywhere </a:t>
             </a:r>
             <a:endParaRPr lang="en-US" dirty="0" smtClean="0"/>
           </a:p>
           <a:p>
             <a:r>
-              <a:rPr lang="en-US" b="1" dirty="0" smtClean="0"/>
-              <a:t>Communication </a:t>
-            </a:r>
-            <a:r>
-              <a:rPr lang="en-US" dirty="0" smtClean="0"/>
-              <a:t>Network Stack</a:t>
-            </a:r>
-            <a:endParaRPr lang="en-US" dirty="0"/>
+              <a:rPr lang="en-US" dirty="0" smtClean="0"/>
+              <a:t>Continued </a:t>
+            </a:r>
+            <a:r>
+              <a:rPr lang="en-US" dirty="0"/>
+              <a:t>use of C for OS development </a:t>
+            </a:r>
+            <a:endParaRPr lang="en-US" dirty="0" smtClean="0"/>
+          </a:p>
+          <a:p>
+            <a:r>
+              <a:rPr lang="en-US" dirty="0" smtClean="0"/>
+              <a:t>Heterogeneous </a:t>
+            </a:r>
+            <a:r>
+              <a:rPr lang="en-US" dirty="0"/>
+              <a:t>environments</a:t>
+            </a:r>
           </a:p>
         </p:txBody>
       </p:sp>
@@ -11447,7 +11468,7 @@
     </p:spTree>
     <p:extLst>
       <p:ext uri="{BB962C8B-B14F-4D97-AF65-F5344CB8AC3E}">
-        <p14:creationId xmlns:p14="http://schemas.microsoft.com/office/powerpoint/2010/main" val="1173801630"/>
+        <p14:creationId xmlns:p14="http://schemas.microsoft.com/office/powerpoint/2010/main" val="1640987170"/>
       </p:ext>
     </p:extLst>
   </p:cSld>
@@ -11498,7 +11519,7 @@
           <a:p>
             <a:r>
               <a:rPr lang="en-US" dirty="0" smtClean="0"/>
-              <a:t>UNIX Philosophies</a:t>
+              <a:t>Our Challenge</a:t>
             </a:r>
             <a:endParaRPr lang="en-US" dirty="0"/>
           </a:p>
@@ -11521,43 +11542,58 @@
           <a:p>
             <a:r>
               <a:rPr lang="en-US" dirty="0" smtClean="0"/>
-              <a:t>Everything </a:t>
-            </a:r>
-            <a:r>
-              <a:rPr lang="en-US" dirty="0"/>
-              <a:t>is a byte stream</a:t>
-            </a:r>
-          </a:p>
-          <a:p>
-            <a:r>
-              <a:rPr lang="en-US" dirty="0" smtClean="0"/>
-              <a:t>Do </a:t>
-            </a:r>
-            <a:r>
-              <a:rPr lang="en-US" dirty="0"/>
-              <a:t>a small number of things well</a:t>
-            </a:r>
-          </a:p>
-          <a:p>
-            <a:r>
-              <a:rPr lang="en-US" dirty="0" smtClean="0"/>
-              <a:t>Build </a:t>
-            </a:r>
-            <a:r>
-              <a:rPr lang="en-US" dirty="0"/>
-              <a:t>complex systems out of simple building blocks </a:t>
+              <a:t>How </a:t>
+            </a:r>
+            <a:r>
+              <a:rPr lang="en-US" dirty="0"/>
+              <a:t>does data move in a real world system</a:t>
+            </a:r>
+            <a:r>
+              <a:rPr lang="en-US" dirty="0" smtClean="0"/>
+              <a:t>?</a:t>
+            </a:r>
+          </a:p>
+          <a:p>
+            <a:r>
+              <a:rPr lang="en-US" dirty="0" smtClean="0"/>
+              <a:t>Serving </a:t>
+            </a:r>
+            <a:r>
+              <a:rPr lang="en-US" dirty="0"/>
+              <a:t>Data from Storage to Clients</a:t>
+            </a:r>
+          </a:p>
+          <a:p>
+            <a:r>
+              <a:rPr lang="en-US" b="1" dirty="0"/>
+              <a:t>Program</a:t>
+            </a:r>
+            <a:r>
+              <a:rPr lang="en-US" dirty="0"/>
+              <a:t> Web Server</a:t>
+            </a:r>
+          </a:p>
+          <a:p>
+            <a:r>
+              <a:rPr lang="en-US" b="1" dirty="0"/>
+              <a:t>Stored Data</a:t>
+            </a:r>
+            <a:r>
+              <a:rPr lang="en-US" dirty="0"/>
+              <a:t> Filesystem </a:t>
             </a:r>
             <a:endParaRPr lang="en-US" dirty="0" smtClean="0"/>
           </a:p>
           <a:p>
             <a:r>
-              <a:rPr lang="en-US" dirty="0" smtClean="0"/>
-              <a:t>Swiss </a:t>
-            </a:r>
-            <a:r>
-              <a:rPr lang="en-US" dirty="0"/>
-              <a:t>Army Knife vs. Toolbox</a:t>
-            </a:r>
+              <a:rPr lang="en-US" b="1" dirty="0" smtClean="0"/>
+              <a:t>Communication </a:t>
+            </a:r>
+            <a:r>
+              <a:rPr lang="en-US" dirty="0" smtClean="0"/>
+              <a:t>Network Stack</a:t>
+            </a:r>
+            <a:endParaRPr lang="en-US" dirty="0"/>
           </a:p>
         </p:txBody>
       </p:sp>
@@ -11587,7 +11623,7 @@
     </p:spTree>
     <p:extLst>
       <p:ext uri="{BB962C8B-B14F-4D97-AF65-F5344CB8AC3E}">
-        <p14:creationId xmlns:p14="http://schemas.microsoft.com/office/powerpoint/2010/main" val="419378311"/>
+        <p14:creationId xmlns:p14="http://schemas.microsoft.com/office/powerpoint/2010/main" val="1173801630"/>
       </p:ext>
     </p:extLst>
   </p:cSld>
@@ -11638,7 +11674,7 @@
           <a:p>
             <a:r>
               <a:rPr lang="en-US" dirty="0" smtClean="0"/>
-              <a:t>Some Special Considerations</a:t>
+              <a:t>UNIX Philosophies</a:t>
             </a:r>
             <a:endParaRPr lang="en-US" dirty="0"/>
           </a:p>
@@ -11661,57 +11697,42 @@
           <a:p>
             <a:r>
               <a:rPr lang="en-US" dirty="0" smtClean="0"/>
-              <a:t>An </a:t>
-            </a:r>
-            <a:r>
-              <a:rPr lang="en-US" dirty="0"/>
-              <a:t>OS kernel is one, large program. </a:t>
+              <a:t>Everything </a:t>
+            </a:r>
+            <a:r>
+              <a:rPr lang="en-US" dirty="0"/>
+              <a:t>is a byte stream</a:t>
+            </a:r>
+          </a:p>
+          <a:p>
+            <a:r>
+              <a:rPr lang="en-US" dirty="0" smtClean="0"/>
+              <a:t>Do </a:t>
+            </a:r>
+            <a:r>
+              <a:rPr lang="en-US" dirty="0"/>
+              <a:t>a small number of things well</a:t>
+            </a:r>
+          </a:p>
+          <a:p>
+            <a:r>
+              <a:rPr lang="en-US" dirty="0" smtClean="0"/>
+              <a:t>Build </a:t>
+            </a:r>
+            <a:r>
+              <a:rPr lang="en-US" dirty="0"/>
+              <a:t>complex systems out of simple building blocks </a:t>
             </a:r>
             <a:endParaRPr lang="en-US" dirty="0" smtClean="0"/>
           </a:p>
           <a:p>
             <a:r>
               <a:rPr lang="en-US" dirty="0" smtClean="0"/>
-              <a:t>More </a:t>
-            </a:r>
-            <a:r>
-              <a:rPr lang="en-US" dirty="0"/>
-              <a:t>than 50, 000 functions.</a:t>
-            </a:r>
-          </a:p>
-          <a:p>
-            <a:r>
-              <a:rPr lang="en-US" dirty="0" smtClean="0"/>
-              <a:t>5677 </a:t>
-            </a:r>
-            <a:r>
-              <a:rPr lang="en-US" dirty="0"/>
-              <a:t>files</a:t>
-            </a:r>
-          </a:p>
-          <a:p>
-            <a:r>
-              <a:rPr lang="en-US" dirty="0" smtClean="0"/>
-              <a:t>5</a:t>
-            </a:r>
-            <a:r>
-              <a:rPr lang="en-US" dirty="0"/>
-              <a:t>, 131, 552 lines of C </a:t>
-            </a:r>
-            <a:r>
-              <a:rPr lang="en-US" dirty="0" smtClean="0"/>
-              <a:t>code just for the kernel</a:t>
-            </a:r>
-            <a:endParaRPr lang="en-US" dirty="0"/>
-          </a:p>
-          <a:p>
-            <a:r>
-              <a:rPr lang="en-US" dirty="0" smtClean="0"/>
-              <a:t>A </a:t>
-            </a:r>
-            <a:r>
-              <a:rPr lang="en-US" dirty="0"/>
-              <a:t>unique programming environment</a:t>
+              <a:t>Swiss </a:t>
+            </a:r>
+            <a:r>
+              <a:rPr lang="en-US" dirty="0"/>
+              <a:t>Army Knife vs. Toolbox</a:t>
             </a:r>
           </a:p>
         </p:txBody>
@@ -11742,7 +11763,7 @@
     </p:spTree>
     <p:extLst>
       <p:ext uri="{BB962C8B-B14F-4D97-AF65-F5344CB8AC3E}">
-        <p14:creationId xmlns:p14="http://schemas.microsoft.com/office/powerpoint/2010/main" val="390952702"/>
+        <p14:creationId xmlns:p14="http://schemas.microsoft.com/office/powerpoint/2010/main" val="419378311"/>
       </p:ext>
     </p:extLst>
   </p:cSld>
@@ -11788,6 +11809,161 @@
         </p:nvSpPr>
         <p:spPr/>
         <p:txBody>
+          <a:bodyPr/>
+          <a:lstStyle/>
+          <a:p>
+            <a:r>
+              <a:rPr lang="en-US" dirty="0" smtClean="0"/>
+              <a:t>Some Special Considerations</a:t>
+            </a:r>
+            <a:endParaRPr lang="en-US" dirty="0"/>
+          </a:p>
+        </p:txBody>
+      </p:sp>
+      <p:sp>
+        <p:nvSpPr>
+          <p:cNvPr id="3" name="Content Placeholder 2"/>
+          <p:cNvSpPr>
+            <a:spLocks noGrp="1"/>
+          </p:cNvSpPr>
+          <p:nvPr>
+            <p:ph idx="1"/>
+          </p:nvPr>
+        </p:nvSpPr>
+        <p:spPr/>
+        <p:txBody>
+          <a:bodyPr/>
+          <a:lstStyle/>
+          <a:p>
+            <a:r>
+              <a:rPr lang="en-US" dirty="0" smtClean="0"/>
+              <a:t>An </a:t>
+            </a:r>
+            <a:r>
+              <a:rPr lang="en-US" dirty="0"/>
+              <a:t>OS kernel is one, large program. </a:t>
+            </a:r>
+            <a:endParaRPr lang="en-US" dirty="0" smtClean="0"/>
+          </a:p>
+          <a:p>
+            <a:r>
+              <a:rPr lang="en-US" dirty="0" smtClean="0"/>
+              <a:t>More </a:t>
+            </a:r>
+            <a:r>
+              <a:rPr lang="en-US" dirty="0"/>
+              <a:t>than 50, 000 functions.</a:t>
+            </a:r>
+          </a:p>
+          <a:p>
+            <a:r>
+              <a:rPr lang="en-US" dirty="0" smtClean="0"/>
+              <a:t>5677 </a:t>
+            </a:r>
+            <a:r>
+              <a:rPr lang="en-US" dirty="0"/>
+              <a:t>files</a:t>
+            </a:r>
+          </a:p>
+          <a:p>
+            <a:r>
+              <a:rPr lang="en-US" dirty="0" smtClean="0"/>
+              <a:t>5</a:t>
+            </a:r>
+            <a:r>
+              <a:rPr lang="en-US" dirty="0"/>
+              <a:t>, 131, 552 lines of C </a:t>
+            </a:r>
+            <a:r>
+              <a:rPr lang="en-US" dirty="0" smtClean="0"/>
+              <a:t>code just for the kernel</a:t>
+            </a:r>
+            <a:endParaRPr lang="en-US" dirty="0"/>
+          </a:p>
+          <a:p>
+            <a:r>
+              <a:rPr lang="en-US" dirty="0" smtClean="0"/>
+              <a:t>A </a:t>
+            </a:r>
+            <a:r>
+              <a:rPr lang="en-US" dirty="0"/>
+              <a:t>unique programming environment</a:t>
+            </a:r>
+          </a:p>
+        </p:txBody>
+      </p:sp>
+      <p:sp>
+        <p:nvSpPr>
+          <p:cNvPr id="4" name="Footer Placeholder 3"/>
+          <p:cNvSpPr>
+            <a:spLocks noGrp="1"/>
+          </p:cNvSpPr>
+          <p:nvPr>
+            <p:ph type="ftr" sz="quarter" idx="11"/>
+          </p:nvPr>
+        </p:nvSpPr>
+        <p:spPr/>
+        <p:txBody>
+          <a:bodyPr/>
+          <a:lstStyle/>
+          <a:p>
+            <a:r>
+              <a:rPr lang="en-US" smtClean="0"/>
+              <a:t>Introduction to Operating Systems</a:t>
+            </a:r>
+            <a:endParaRPr lang="en-US" dirty="0"/>
+          </a:p>
+        </p:txBody>
+      </p:sp>
+    </p:spTree>
+    <p:extLst>
+      <p:ext uri="{BB962C8B-B14F-4D97-AF65-F5344CB8AC3E}">
+        <p14:creationId xmlns:p14="http://schemas.microsoft.com/office/powerpoint/2010/main" val="390952702"/>
+      </p:ext>
+    </p:extLst>
+  </p:cSld>
+  <p:clrMapOvr>
+    <a:masterClrMapping/>
+  </p:clrMapOvr>
+  <p:timing>
+    <p:tnLst>
+      <p:par>
+        <p:cTn id="1" dur="indefinite" restart="never" nodeType="tmRoot"/>
+      </p:par>
+    </p:tnLst>
+  </p:timing>
+</p:sld>
+</file>
+
+<file path=ppt/slides/slide47.xml><?xml version="1.0" encoding="utf-8"?>
+<p:sld xmlns:a="http://schemas.openxmlformats.org/drawingml/2006/main" xmlns:r="http://schemas.openxmlformats.org/officeDocument/2006/relationships" xmlns:p="http://schemas.openxmlformats.org/presentationml/2006/main">
+  <p:cSld>
+    <p:spTree>
+      <p:nvGrpSpPr>
+        <p:cNvPr id="1" name=""/>
+        <p:cNvGrpSpPr/>
+        <p:nvPr/>
+      </p:nvGrpSpPr>
+      <p:grpSpPr>
+        <a:xfrm>
+          <a:off x="0" y="0"/>
+          <a:ext cx="0" cy="0"/>
+          <a:chOff x="0" y="0"/>
+          <a:chExt cx="0" cy="0"/>
+        </a:xfrm>
+      </p:grpSpPr>
+      <p:sp>
+        <p:nvSpPr>
+          <p:cNvPr id="2" name="Title 1"/>
+          <p:cNvSpPr>
+            <a:spLocks noGrp="1"/>
+          </p:cNvSpPr>
+          <p:nvPr>
+            <p:ph type="title"/>
+          </p:nvPr>
+        </p:nvSpPr>
+        <p:spPr/>
+        <p:txBody>
           <a:bodyPr>
             <a:normAutofit fontScale="90000"/>
           </a:bodyPr>
@@ -11915,7 +12091,7 @@
 </p:sld>
 </file>
 
-<file path=ppt/slides/slide47.xml><?xml version="1.0" encoding="utf-8"?>
+<file path=ppt/slides/slide48.xml><?xml version="1.0" encoding="utf-8"?>
 <p:sld xmlns:a="http://schemas.openxmlformats.org/drawingml/2006/main" xmlns:r="http://schemas.openxmlformats.org/officeDocument/2006/relationships" xmlns:p="http://schemas.openxmlformats.org/presentationml/2006/main">
   <p:cSld>
     <p:spTree>
@@ -12348,178 +12524,6 @@
 </p:sld>
 </file>
 
-<file path=ppt/slides/slide48.xml><?xml version="1.0" encoding="utf-8"?>
-<p:sld xmlns:a="http://schemas.openxmlformats.org/drawingml/2006/main" xmlns:r="http://schemas.openxmlformats.org/officeDocument/2006/relationships" xmlns:p="http://schemas.openxmlformats.org/presentationml/2006/main">
-  <p:cSld>
-    <p:spTree>
-      <p:nvGrpSpPr>
-        <p:cNvPr id="1" name=""/>
-        <p:cNvGrpSpPr/>
-        <p:nvPr/>
-      </p:nvGrpSpPr>
-      <p:grpSpPr>
-        <a:xfrm>
-          <a:off x="0" y="0"/>
-          <a:ext cx="0" cy="0"/>
-          <a:chOff x="0" y="0"/>
-          <a:chExt cx="0" cy="0"/>
-        </a:xfrm>
-      </p:grpSpPr>
-      <p:sp>
-        <p:nvSpPr>
-          <p:cNvPr id="8" name="Title 7"/>
-          <p:cNvSpPr>
-            <a:spLocks noGrp="1"/>
-          </p:cNvSpPr>
-          <p:nvPr>
-            <p:ph type="title"/>
-          </p:nvPr>
-        </p:nvSpPr>
-        <p:spPr/>
-        <p:txBody>
-          <a:bodyPr/>
-          <a:lstStyle/>
-          <a:p>
-            <a:r>
-              <a:rPr lang="en-US" dirty="0" smtClean="0"/>
-              <a:t>System Calls: The Operating System’s API</a:t>
-            </a:r>
-            <a:endParaRPr lang="en-US" dirty="0"/>
-          </a:p>
-        </p:txBody>
-      </p:sp>
-      <p:sp>
-        <p:nvSpPr>
-          <p:cNvPr id="9" name="Content Placeholder 8"/>
-          <p:cNvSpPr>
-            <a:spLocks noGrp="1"/>
-          </p:cNvSpPr>
-          <p:nvPr>
-            <p:ph idx="1"/>
-          </p:nvPr>
-        </p:nvSpPr>
-        <p:spPr/>
-        <p:txBody>
-          <a:bodyPr/>
-          <a:lstStyle/>
-          <a:p>
-            <a:r>
-              <a:rPr lang="en-US" dirty="0" smtClean="0"/>
-              <a:t>Border </a:t>
-            </a:r>
-            <a:r>
-              <a:rPr lang="en-US" dirty="0"/>
-              <a:t>between User and Kernel Space </a:t>
-            </a:r>
-            <a:endParaRPr lang="en-US" dirty="0" smtClean="0"/>
-          </a:p>
-          <a:p>
-            <a:r>
-              <a:rPr lang="en-US" dirty="0" smtClean="0"/>
-              <a:t>Everything </a:t>
-            </a:r>
-            <a:r>
-              <a:rPr lang="en-US" dirty="0"/>
-              <a:t>that can be done with the OS </a:t>
-            </a:r>
-            <a:endParaRPr lang="en-US" dirty="0" smtClean="0"/>
-          </a:p>
-          <a:p>
-            <a:r>
-              <a:rPr lang="en-US" dirty="0" smtClean="0"/>
-              <a:t>open</a:t>
-            </a:r>
-            <a:r>
-              <a:rPr lang="en-US" dirty="0"/>
-              <a:t>(), read(), write(), close() </a:t>
-            </a:r>
-            <a:endParaRPr lang="en-US" dirty="0" smtClean="0"/>
-          </a:p>
-          <a:p>
-            <a:r>
-              <a:rPr lang="en-US" dirty="0" smtClean="0"/>
-              <a:t>Over </a:t>
-            </a:r>
-            <a:r>
-              <a:rPr lang="en-US" dirty="0"/>
-              <a:t>1000 separate interfaces</a:t>
-            </a:r>
-          </a:p>
-          <a:p>
-            <a:r>
-              <a:rPr lang="en-US" dirty="0" smtClean="0"/>
-              <a:t>Section </a:t>
-            </a:r>
-            <a:r>
-              <a:rPr lang="en-US" dirty="0"/>
-              <a:t>2 of the manual </a:t>
-            </a:r>
-            <a:r>
-              <a:rPr lang="en-US" dirty="0" smtClean="0"/>
-              <a:t>set</a:t>
-            </a:r>
-          </a:p>
-          <a:p>
-            <a:pPr lvl="1"/>
-            <a:r>
-              <a:rPr lang="en-US" b="1" dirty="0" smtClean="0">
-                <a:latin typeface="Courier New" charset="0"/>
-                <a:ea typeface="Courier New" charset="0"/>
-                <a:cs typeface="Courier New" charset="0"/>
-              </a:rPr>
-              <a:t>&gt; man 2 open</a:t>
-            </a:r>
-            <a:endParaRPr lang="en-US" b="1" dirty="0">
-              <a:latin typeface="Courier New" charset="0"/>
-              <a:ea typeface="Courier New" charset="0"/>
-              <a:cs typeface="Courier New" charset="0"/>
-            </a:endParaRPr>
-          </a:p>
-        </p:txBody>
-      </p:sp>
-      <p:sp>
-        <p:nvSpPr>
-          <p:cNvPr id="7" name="Footer Placeholder 6"/>
-          <p:cNvSpPr>
-            <a:spLocks noGrp="1"/>
-          </p:cNvSpPr>
-          <p:nvPr>
-            <p:ph type="ftr" sz="quarter" idx="11"/>
-          </p:nvPr>
-        </p:nvSpPr>
-        <p:spPr/>
-        <p:txBody>
-          <a:bodyPr/>
-          <a:lstStyle/>
-          <a:p>
-            <a:r>
-              <a:rPr lang="en-US" smtClean="0"/>
-              <a:t>Introduction to Operating Systems</a:t>
-            </a:r>
-            <a:endParaRPr lang="en-US"/>
-          </a:p>
-        </p:txBody>
-      </p:sp>
-    </p:spTree>
-    <p:extLst>
-      <p:ext uri="{BB962C8B-B14F-4D97-AF65-F5344CB8AC3E}">
-        <p14:creationId xmlns:p14="http://schemas.microsoft.com/office/powerpoint/2010/main" val="264149432"/>
-      </p:ext>
-    </p:extLst>
-  </p:cSld>
-  <p:clrMapOvr>
-    <a:masterClrMapping/>
-  </p:clrMapOvr>
-  <p:timing>
-    <p:tnLst>
-      <p:par>
-        <p:cTn id="1" dur="indefinite" restart="never" nodeType="tmRoot"/>
-      </p:par>
-    </p:tnLst>
-  </p:timing>
-</p:sld>
-</file>
-
 <file path=ppt/slides/slide49.xml><?xml version="1.0" encoding="utf-8"?>
 <p:sld xmlns:a="http://schemas.openxmlformats.org/drawingml/2006/main" xmlns:r="http://schemas.openxmlformats.org/officeDocument/2006/relationships" xmlns:p="http://schemas.openxmlformats.org/presentationml/2006/main">
   <p:cSld>
@@ -12539,7 +12543,7 @@
       </p:grpSpPr>
       <p:sp>
         <p:nvSpPr>
-          <p:cNvPr id="2" name="Title 1"/>
+          <p:cNvPr id="8" name="Title 7"/>
           <p:cNvSpPr>
             <a:spLocks noGrp="1"/>
           </p:cNvSpPr>
@@ -12554,15 +12558,15 @@
           <a:p>
             <a:r>
               <a:rPr lang="en-US" dirty="0" smtClean="0"/>
-              <a:t>OS Programming</a:t>
-            </a:r>
-            <a:endParaRPr lang="en-US" dirty="0"/>
-          </a:p>
-        </p:txBody>
-      </p:sp>
-      <p:sp>
-        <p:nvSpPr>
-          <p:cNvPr id="3" name="Content Placeholder 2"/>
+              <a:t>System Calls: The Operating System’s API</a:t>
+            </a:r>
+            <a:endParaRPr lang="en-US" dirty="0"/>
+          </a:p>
+        </p:txBody>
+      </p:sp>
+      <p:sp>
+        <p:nvSpPr>
+          <p:cNvPr id="9" name="Content Placeholder 8"/>
           <p:cNvSpPr>
             <a:spLocks noGrp="1"/>
           </p:cNvSpPr>
@@ -12577,71 +12581,81 @@
           <a:p>
             <a:r>
               <a:rPr lang="en-US" dirty="0" smtClean="0"/>
-              <a:t>C </a:t>
-            </a:r>
-            <a:r>
-              <a:rPr lang="en-US" dirty="0"/>
-              <a:t>is the </a:t>
-            </a:r>
-            <a:r>
-              <a:rPr lang="en-US" dirty="0" smtClean="0"/>
-              <a:t>programming language</a:t>
+              <a:t>Border </a:t>
+            </a:r>
+            <a:r>
+              <a:rPr lang="en-US" dirty="0"/>
+              <a:t>between User and Kernel Space </a:t>
+            </a:r>
+            <a:endParaRPr lang="en-US" dirty="0" smtClean="0"/>
+          </a:p>
+          <a:p>
+            <a:r>
+              <a:rPr lang="en-US" dirty="0" smtClean="0"/>
+              <a:t>Everything </a:t>
+            </a:r>
+            <a:r>
+              <a:rPr lang="en-US" dirty="0"/>
+              <a:t>that can be done with the OS </a:t>
+            </a:r>
+            <a:endParaRPr lang="en-US" dirty="0" smtClean="0"/>
+          </a:p>
+          <a:p>
+            <a:r>
+              <a:rPr lang="en-US" dirty="0" smtClean="0"/>
+              <a:t>open</a:t>
+            </a:r>
+            <a:r>
+              <a:rPr lang="en-US" dirty="0"/>
+              <a:t>(), read(), write(), close() </a:t>
+            </a:r>
+            <a:endParaRPr lang="en-US" dirty="0" smtClean="0"/>
+          </a:p>
+          <a:p>
+            <a:r>
+              <a:rPr lang="en-US" dirty="0" smtClean="0"/>
+              <a:t>Over </a:t>
+            </a:r>
+            <a:r>
+              <a:rPr lang="en-US" dirty="0"/>
+              <a:t>1000 separate interfaces</a:t>
+            </a:r>
+          </a:p>
+          <a:p>
+            <a:r>
+              <a:rPr lang="en-US" dirty="0" smtClean="0"/>
+              <a:t>Section </a:t>
+            </a:r>
+            <a:r>
+              <a:rPr lang="en-US" dirty="0"/>
+              <a:t>2 of the manual </a:t>
+            </a:r>
+            <a:r>
+              <a:rPr lang="en-US" dirty="0" smtClean="0"/>
+              <a:t>set</a:t>
             </a:r>
           </a:p>
           <a:p>
             <a:pPr lvl="1"/>
             <a:r>
-              <a:rPr lang="en-US" dirty="0" smtClean="0"/>
-              <a:t>Simple </a:t>
-            </a:r>
-            <a:r>
-              <a:rPr lang="en-US" dirty="0"/>
-              <a:t>data structures</a:t>
-            </a:r>
-          </a:p>
-          <a:p>
-            <a:r>
-              <a:rPr lang="en-US" dirty="0" smtClean="0"/>
-              <a:t>Lists</a:t>
-            </a:r>
-            <a:endParaRPr lang="en-US" dirty="0"/>
-          </a:p>
-          <a:p>
-            <a:r>
-              <a:rPr lang="en-US" dirty="0" smtClean="0"/>
-              <a:t>Hash </a:t>
-            </a:r>
-            <a:r>
-              <a:rPr lang="en-US" dirty="0"/>
-              <a:t>Tables</a:t>
-            </a:r>
-          </a:p>
-          <a:p>
-            <a:r>
-              <a:rPr lang="en-US" dirty="0" smtClean="0"/>
-              <a:t>Hand </a:t>
-            </a:r>
-            <a:r>
-              <a:rPr lang="en-US" dirty="0"/>
-              <a:t>crafted classes and objects </a:t>
-            </a:r>
-            <a:endParaRPr lang="en-US" dirty="0" smtClean="0"/>
-          </a:p>
-          <a:p>
-            <a:r>
-              <a:rPr lang="en-US" dirty="0" smtClean="0"/>
-              <a:t>Programming </a:t>
-            </a:r>
-            <a:r>
-              <a:rPr lang="en-US" dirty="0"/>
-              <a:t>without a net</a:t>
-            </a:r>
-          </a:p>
-        </p:txBody>
-      </p:sp>
-      <p:sp>
-        <p:nvSpPr>
-          <p:cNvPr id="4" name="Footer Placeholder 3"/>
+              <a:rPr lang="en-US" b="1" dirty="0" smtClean="0">
+                <a:latin typeface="Courier New" charset="0"/>
+                <a:ea typeface="Courier New" charset="0"/>
+                <a:cs typeface="Courier New" charset="0"/>
+              </a:rPr>
+              <a:t>&gt; man 2 open</a:t>
+            </a:r>
+            <a:endParaRPr lang="en-US" b="1" dirty="0">
+              <a:latin typeface="Courier New" charset="0"/>
+              <a:ea typeface="Courier New" charset="0"/>
+              <a:cs typeface="Courier New" charset="0"/>
+            </a:endParaRPr>
+          </a:p>
+        </p:txBody>
+      </p:sp>
+      <p:sp>
+        <p:nvSpPr>
+          <p:cNvPr id="7" name="Footer Placeholder 6"/>
           <p:cNvSpPr>
             <a:spLocks noGrp="1"/>
           </p:cNvSpPr>
@@ -12658,14 +12672,14 @@
               <a:rPr lang="en-US" smtClean="0"/>
               <a:t>Introduction to Operating Systems</a:t>
             </a:r>
-            <a:endParaRPr lang="en-US" dirty="0"/>
+            <a:endParaRPr lang="en-US"/>
           </a:p>
         </p:txBody>
       </p:sp>
     </p:spTree>
     <p:extLst>
       <p:ext uri="{BB962C8B-B14F-4D97-AF65-F5344CB8AC3E}">
-        <p14:creationId xmlns:p14="http://schemas.microsoft.com/office/powerpoint/2010/main" val="1106179191"/>
+        <p14:creationId xmlns:p14="http://schemas.microsoft.com/office/powerpoint/2010/main" val="264149432"/>
       </p:ext>
     </p:extLst>
   </p:cSld>
@@ -12891,6 +12905,168 @@
       </p:grpSpPr>
       <p:sp>
         <p:nvSpPr>
+          <p:cNvPr id="2" name="Title 1"/>
+          <p:cNvSpPr>
+            <a:spLocks noGrp="1"/>
+          </p:cNvSpPr>
+          <p:nvPr>
+            <p:ph type="title"/>
+          </p:nvPr>
+        </p:nvSpPr>
+        <p:spPr/>
+        <p:txBody>
+          <a:bodyPr/>
+          <a:lstStyle/>
+          <a:p>
+            <a:r>
+              <a:rPr lang="en-US" dirty="0" smtClean="0"/>
+              <a:t>OS Programming</a:t>
+            </a:r>
+            <a:endParaRPr lang="en-US" dirty="0"/>
+          </a:p>
+        </p:txBody>
+      </p:sp>
+      <p:sp>
+        <p:nvSpPr>
+          <p:cNvPr id="3" name="Content Placeholder 2"/>
+          <p:cNvSpPr>
+            <a:spLocks noGrp="1"/>
+          </p:cNvSpPr>
+          <p:nvPr>
+            <p:ph idx="1"/>
+          </p:nvPr>
+        </p:nvSpPr>
+        <p:spPr/>
+        <p:txBody>
+          <a:bodyPr/>
+          <a:lstStyle/>
+          <a:p>
+            <a:r>
+              <a:rPr lang="en-US" dirty="0" smtClean="0"/>
+              <a:t>C </a:t>
+            </a:r>
+            <a:r>
+              <a:rPr lang="en-US" dirty="0"/>
+              <a:t>is the </a:t>
+            </a:r>
+            <a:r>
+              <a:rPr lang="en-US" dirty="0" smtClean="0"/>
+              <a:t>programming language</a:t>
+            </a:r>
+          </a:p>
+          <a:p>
+            <a:pPr lvl="1"/>
+            <a:r>
+              <a:rPr lang="en-US" dirty="0" smtClean="0"/>
+              <a:t>Simple </a:t>
+            </a:r>
+            <a:r>
+              <a:rPr lang="en-US" dirty="0"/>
+              <a:t>data structures</a:t>
+            </a:r>
+          </a:p>
+          <a:p>
+            <a:r>
+              <a:rPr lang="en-US" dirty="0" smtClean="0"/>
+              <a:t>Lists</a:t>
+            </a:r>
+            <a:endParaRPr lang="en-US" dirty="0"/>
+          </a:p>
+          <a:p>
+            <a:r>
+              <a:rPr lang="en-US" dirty="0" smtClean="0"/>
+              <a:t>Hash </a:t>
+            </a:r>
+            <a:r>
+              <a:rPr lang="en-US" dirty="0"/>
+              <a:t>Tables</a:t>
+            </a:r>
+          </a:p>
+          <a:p>
+            <a:r>
+              <a:rPr lang="en-US" dirty="0" smtClean="0"/>
+              <a:t>Hand </a:t>
+            </a:r>
+            <a:r>
+              <a:rPr lang="en-US" dirty="0"/>
+              <a:t>crafted classes and objects </a:t>
+            </a:r>
+            <a:endParaRPr lang="en-US" dirty="0" smtClean="0"/>
+          </a:p>
+          <a:p>
+            <a:r>
+              <a:rPr lang="en-US" dirty="0" smtClean="0"/>
+              <a:t>Programming </a:t>
+            </a:r>
+            <a:r>
+              <a:rPr lang="en-US" dirty="0"/>
+              <a:t>without a net</a:t>
+            </a:r>
+          </a:p>
+        </p:txBody>
+      </p:sp>
+      <p:sp>
+        <p:nvSpPr>
+          <p:cNvPr id="4" name="Footer Placeholder 3"/>
+          <p:cNvSpPr>
+            <a:spLocks noGrp="1"/>
+          </p:cNvSpPr>
+          <p:nvPr>
+            <p:ph type="ftr" sz="quarter" idx="11"/>
+          </p:nvPr>
+        </p:nvSpPr>
+        <p:spPr/>
+        <p:txBody>
+          <a:bodyPr/>
+          <a:lstStyle/>
+          <a:p>
+            <a:r>
+              <a:rPr lang="en-US" smtClean="0"/>
+              <a:t>Introduction to Operating Systems</a:t>
+            </a:r>
+            <a:endParaRPr lang="en-US" dirty="0"/>
+          </a:p>
+        </p:txBody>
+      </p:sp>
+    </p:spTree>
+    <p:extLst>
+      <p:ext uri="{BB962C8B-B14F-4D97-AF65-F5344CB8AC3E}">
+        <p14:creationId xmlns:p14="http://schemas.microsoft.com/office/powerpoint/2010/main" val="1106179191"/>
+      </p:ext>
+    </p:extLst>
+  </p:cSld>
+  <p:clrMapOvr>
+    <a:masterClrMapping/>
+  </p:clrMapOvr>
+  <p:timing>
+    <p:tnLst>
+      <p:par>
+        <p:cTn id="1" dur="indefinite" restart="never" nodeType="tmRoot"/>
+      </p:par>
+    </p:tnLst>
+  </p:timing>
+</p:sld>
+</file>
+
+<file path=ppt/slides/slide51.xml><?xml version="1.0" encoding="utf-8"?>
+<p:sld xmlns:a="http://schemas.openxmlformats.org/drawingml/2006/main" xmlns:r="http://schemas.openxmlformats.org/officeDocument/2006/relationships" xmlns:p="http://schemas.openxmlformats.org/presentationml/2006/main">
+  <p:cSld>
+    <p:spTree>
+      <p:nvGrpSpPr>
+        <p:cNvPr id="1" name=""/>
+        <p:cNvGrpSpPr/>
+        <p:nvPr/>
+      </p:nvGrpSpPr>
+      <p:grpSpPr>
+        <a:xfrm>
+          <a:off x="0" y="0"/>
+          <a:ext cx="0" cy="0"/>
+          <a:chOff x="0" y="0"/>
+          <a:chExt cx="0" cy="0"/>
+        </a:xfrm>
+      </p:grpSpPr>
+      <p:sp>
+        <p:nvSpPr>
           <p:cNvPr id="5" name="Title 4"/>
           <p:cNvSpPr>
             <a:spLocks noGrp="1"/>
@@ -13135,7 +13311,7 @@
 </p:sld>
 </file>
 
-<file path=ppt/slides/slide51.xml><?xml version="1.0" encoding="utf-8"?>
+<file path=ppt/slides/slide52.xml><?xml version="1.0" encoding="utf-8"?>
 <p:sld xmlns:a="http://schemas.openxmlformats.org/drawingml/2006/main" xmlns:r="http://schemas.openxmlformats.org/officeDocument/2006/relationships" xmlns:p="http://schemas.openxmlformats.org/presentationml/2006/main">
   <p:cSld>
     <p:spTree>

--- a/undergraduate/lectures/introduction.pptx
+++ b/undergraduate/lectures/introduction.pptx
@@ -5,61 +5,62 @@
     <p:sldMasterId id="2147483786" r:id="rId1"/>
   </p:sldMasterIdLst>
   <p:notesMasterIdLst>
-    <p:notesMasterId r:id="rId54"/>
+    <p:notesMasterId r:id="rId55"/>
   </p:notesMasterIdLst>
   <p:sldIdLst>
     <p:sldId id="256" r:id="rId2"/>
     <p:sldId id="257" r:id="rId3"/>
     <p:sldId id="267" r:id="rId4"/>
-    <p:sldId id="268" r:id="rId5"/>
-    <p:sldId id="269" r:id="rId6"/>
-    <p:sldId id="270" r:id="rId7"/>
-    <p:sldId id="271" r:id="rId8"/>
-    <p:sldId id="258" r:id="rId9"/>
-    <p:sldId id="259" r:id="rId10"/>
-    <p:sldId id="260" r:id="rId11"/>
-    <p:sldId id="262" r:id="rId12"/>
-    <p:sldId id="263" r:id="rId13"/>
-    <p:sldId id="272" r:id="rId14"/>
-    <p:sldId id="309" r:id="rId15"/>
-    <p:sldId id="273" r:id="rId16"/>
-    <p:sldId id="264" r:id="rId17"/>
-    <p:sldId id="298" r:id="rId18"/>
-    <p:sldId id="300" r:id="rId19"/>
-    <p:sldId id="302" r:id="rId20"/>
-    <p:sldId id="301" r:id="rId21"/>
-    <p:sldId id="305" r:id="rId22"/>
-    <p:sldId id="303" r:id="rId23"/>
-    <p:sldId id="304" r:id="rId24"/>
-    <p:sldId id="299" r:id="rId25"/>
-    <p:sldId id="306" r:id="rId26"/>
-    <p:sldId id="307" r:id="rId27"/>
-    <p:sldId id="308" r:id="rId28"/>
-    <p:sldId id="265" r:id="rId29"/>
-    <p:sldId id="274" r:id="rId30"/>
-    <p:sldId id="275" r:id="rId31"/>
-    <p:sldId id="276" r:id="rId32"/>
-    <p:sldId id="277" r:id="rId33"/>
-    <p:sldId id="278" r:id="rId34"/>
-    <p:sldId id="279" r:id="rId35"/>
-    <p:sldId id="280" r:id="rId36"/>
-    <p:sldId id="281" r:id="rId37"/>
-    <p:sldId id="282" r:id="rId38"/>
-    <p:sldId id="283" r:id="rId39"/>
-    <p:sldId id="284" r:id="rId40"/>
-    <p:sldId id="285" r:id="rId41"/>
-    <p:sldId id="286" r:id="rId42"/>
-    <p:sldId id="287" r:id="rId43"/>
-    <p:sldId id="288" r:id="rId44"/>
-    <p:sldId id="289" r:id="rId45"/>
-    <p:sldId id="290" r:id="rId46"/>
-    <p:sldId id="291" r:id="rId47"/>
-    <p:sldId id="292" r:id="rId48"/>
-    <p:sldId id="293" r:id="rId49"/>
-    <p:sldId id="294" r:id="rId50"/>
-    <p:sldId id="295" r:id="rId51"/>
-    <p:sldId id="296" r:id="rId52"/>
-    <p:sldId id="297" r:id="rId53"/>
+    <p:sldId id="310" r:id="rId5"/>
+    <p:sldId id="311" r:id="rId6"/>
+    <p:sldId id="268" r:id="rId7"/>
+    <p:sldId id="269" r:id="rId8"/>
+    <p:sldId id="270" r:id="rId9"/>
+    <p:sldId id="271" r:id="rId10"/>
+    <p:sldId id="258" r:id="rId11"/>
+    <p:sldId id="259" r:id="rId12"/>
+    <p:sldId id="260" r:id="rId13"/>
+    <p:sldId id="262" r:id="rId14"/>
+    <p:sldId id="263" r:id="rId15"/>
+    <p:sldId id="272" r:id="rId16"/>
+    <p:sldId id="309" r:id="rId17"/>
+    <p:sldId id="273" r:id="rId18"/>
+    <p:sldId id="264" r:id="rId19"/>
+    <p:sldId id="298" r:id="rId20"/>
+    <p:sldId id="300" r:id="rId21"/>
+    <p:sldId id="302" r:id="rId22"/>
+    <p:sldId id="301" r:id="rId23"/>
+    <p:sldId id="305" r:id="rId24"/>
+    <p:sldId id="303" r:id="rId25"/>
+    <p:sldId id="304" r:id="rId26"/>
+    <p:sldId id="306" r:id="rId27"/>
+    <p:sldId id="307" r:id="rId28"/>
+    <p:sldId id="308" r:id="rId29"/>
+    <p:sldId id="265" r:id="rId30"/>
+    <p:sldId id="274" r:id="rId31"/>
+    <p:sldId id="275" r:id="rId32"/>
+    <p:sldId id="276" r:id="rId33"/>
+    <p:sldId id="277" r:id="rId34"/>
+    <p:sldId id="278" r:id="rId35"/>
+    <p:sldId id="279" r:id="rId36"/>
+    <p:sldId id="280" r:id="rId37"/>
+    <p:sldId id="281" r:id="rId38"/>
+    <p:sldId id="282" r:id="rId39"/>
+    <p:sldId id="283" r:id="rId40"/>
+    <p:sldId id="284" r:id="rId41"/>
+    <p:sldId id="285" r:id="rId42"/>
+    <p:sldId id="286" r:id="rId43"/>
+    <p:sldId id="287" r:id="rId44"/>
+    <p:sldId id="288" r:id="rId45"/>
+    <p:sldId id="289" r:id="rId46"/>
+    <p:sldId id="290" r:id="rId47"/>
+    <p:sldId id="291" r:id="rId48"/>
+    <p:sldId id="292" r:id="rId49"/>
+    <p:sldId id="293" r:id="rId50"/>
+    <p:sldId id="294" r:id="rId51"/>
+    <p:sldId id="295" r:id="rId52"/>
+    <p:sldId id="296" r:id="rId53"/>
+    <p:sldId id="297" r:id="rId54"/>
   </p:sldIdLst>
   <p:sldSz cx="12192000" cy="6858000"/>
   <p:notesSz cx="6858000" cy="9144000"/>
@@ -170,6 +171,8 @@
           <p14:sldIdLst>
             <p14:sldId id="257"/>
             <p14:sldId id="267"/>
+            <p14:sldId id="310"/>
+            <p14:sldId id="311"/>
             <p14:sldId id="268"/>
             <p14:sldId id="269"/>
             <p14:sldId id="270"/>
@@ -194,7 +197,6 @@
             <p14:sldId id="305"/>
             <p14:sldId id="303"/>
             <p14:sldId id="304"/>
-            <p14:sldId id="299"/>
             <p14:sldId id="306"/>
             <p14:sldId id="307"/>
             <p14:sldId id="308"/>
@@ -327,7 +329,7 @@
           <a:p>
             <a:fld id="{EC53E720-1243-6043-B4C4-6E31C619CC0A}" type="datetimeFigureOut">
               <a:rPr lang="en-US" smtClean="0"/>
-              <a:t>2/14/17</a:t>
+              <a:t>2/18/17</a:t>
             </a:fld>
             <a:endParaRPr lang="en-US"/>
           </a:p>
@@ -994,7 +996,7 @@
           <a:p>
             <a:fld id="{95DA03C6-6B2A-3D4E-ACBF-63391107FCA5}" type="datetime1">
               <a:rPr lang="en-US" smtClean="0"/>
-              <a:t>2/14/17</a:t>
+              <a:t>2/18/17</a:t>
             </a:fld>
             <a:endParaRPr lang="en-US"/>
           </a:p>
@@ -1273,7 +1275,7 @@
           <a:p>
             <a:fld id="{652B615D-AC37-794B-9CD1-917BECA41F70}" type="datetime1">
               <a:rPr lang="en-US" smtClean="0"/>
-              <a:t>2/14/17</a:t>
+              <a:t>2/18/17</a:t>
             </a:fld>
             <a:endParaRPr lang="en-US"/>
           </a:p>
@@ -1528,7 +1530,7 @@
           <a:p>
             <a:fld id="{5DC51015-F320-0A4F-959E-3D859876C438}" type="datetime1">
               <a:rPr lang="en-US" smtClean="0"/>
-              <a:t>2/14/17</a:t>
+              <a:t>2/18/17</a:t>
             </a:fld>
             <a:endParaRPr lang="en-US"/>
           </a:p>
@@ -1706,7 +1708,7 @@
           <a:p>
             <a:fld id="{4B1B9092-98F8-3943-8253-FED67AD371E9}" type="datetime1">
               <a:rPr lang="en-US" smtClean="0"/>
-              <a:t>2/14/17</a:t>
+              <a:t>2/18/17</a:t>
             </a:fld>
             <a:endParaRPr lang="en-US"/>
           </a:p>
@@ -2055,7 +2057,7 @@
           <a:p>
             <a:fld id="{28960D5E-7767-5B4E-BF7E-AE3C5D61F3FF}" type="datetime1">
               <a:rPr lang="en-US" smtClean="0"/>
-              <a:t>2/14/17</a:t>
+              <a:t>2/18/17</a:t>
             </a:fld>
             <a:endParaRPr lang="en-US"/>
           </a:p>
@@ -2349,7 +2351,7 @@
           <a:p>
             <a:fld id="{416A0E0A-1609-FB44-8228-EEF5C54B5A55}" type="datetime1">
               <a:rPr lang="en-US" smtClean="0"/>
-              <a:t>2/14/17</a:t>
+              <a:t>2/18/17</a:t>
             </a:fld>
             <a:endParaRPr lang="en-US" dirty="0"/>
           </a:p>
@@ -2736,7 +2738,7 @@
           <a:p>
             <a:fld id="{8D566A62-F6F0-FB4F-9669-760CD9DCEC73}" type="datetime1">
               <a:rPr lang="en-US" smtClean="0"/>
-              <a:t>2/14/17</a:t>
+              <a:t>2/18/17</a:t>
             </a:fld>
             <a:endParaRPr lang="en-US"/>
           </a:p>
@@ -2860,7 +2862,7 @@
           <a:p>
             <a:fld id="{6B34C88A-1865-1F43-A0DB-344805F7492E}" type="datetime1">
               <a:rPr lang="en-US" smtClean="0"/>
-              <a:t>2/14/17</a:t>
+              <a:t>2/18/17</a:t>
             </a:fld>
             <a:endParaRPr lang="en-US"/>
           </a:p>
@@ -3037,7 +3039,7 @@
           <a:p>
             <a:fld id="{8B4004B4-FF14-FF4D-B044-59094E9AC0F1}" type="datetime1">
               <a:rPr lang="en-US" smtClean="0"/>
-              <a:t>2/14/17</a:t>
+              <a:t>2/18/17</a:t>
             </a:fld>
             <a:endParaRPr lang="en-US"/>
           </a:p>
@@ -3397,7 +3399,7 @@
           <a:p>
             <a:fld id="{862984A0-B2F5-2549-A24F-764B1F76A93B}" type="datetime1">
               <a:rPr lang="en-US" smtClean="0"/>
-              <a:t>2/14/17</a:t>
+              <a:t>2/18/17</a:t>
             </a:fld>
             <a:endParaRPr lang="en-US"/>
           </a:p>
@@ -3782,7 +3784,7 @@
           <a:p>
             <a:fld id="{6F310967-D635-1C4B-8010-EE130F91BB63}" type="datetime1">
               <a:rPr lang="en-US" smtClean="0"/>
-              <a:t>2/14/17</a:t>
+              <a:t>2/18/17</a:t>
             </a:fld>
             <a:endParaRPr lang="en-US"/>
           </a:p>
@@ -4068,7 +4070,7 @@
           <a:p>
             <a:fld id="{B27188E3-ED48-3E43-BB72-DB8091BEB4A5}" type="datetime1">
               <a:rPr lang="en-US" smtClean="0"/>
-              <a:t>2/14/17</a:t>
+              <a:t>2/18/17</a:t>
             </a:fld>
             <a:endParaRPr lang="en-US" dirty="0"/>
           </a:p>
@@ -4791,6 +4793,207 @@
           <a:p>
             <a:r>
               <a:rPr lang="en-US" dirty="0" smtClean="0"/>
+              <a:t>What is an Operating System?</a:t>
+            </a:r>
+            <a:endParaRPr lang="en-US" dirty="0"/>
+          </a:p>
+        </p:txBody>
+      </p:sp>
+      <p:sp>
+        <p:nvSpPr>
+          <p:cNvPr id="5" name="Footer Placeholder 4"/>
+          <p:cNvSpPr>
+            <a:spLocks noGrp="1"/>
+          </p:cNvSpPr>
+          <p:nvPr>
+            <p:ph type="ftr" sz="quarter" idx="11"/>
+          </p:nvPr>
+        </p:nvSpPr>
+        <p:spPr/>
+        <p:txBody>
+          <a:bodyPr/>
+          <a:lstStyle/>
+          <a:p>
+            <a:r>
+              <a:rPr lang="en-US" smtClean="0"/>
+              <a:t>Introduction to Operating Systems</a:t>
+            </a:r>
+            <a:endParaRPr lang="en-US" dirty="0"/>
+          </a:p>
+        </p:txBody>
+      </p:sp>
+    </p:spTree>
+    <p:extLst>
+      <p:ext uri="{BB962C8B-B14F-4D97-AF65-F5344CB8AC3E}">
+        <p14:creationId xmlns:p14="http://schemas.microsoft.com/office/powerpoint/2010/main" val="1033035864"/>
+      </p:ext>
+    </p:extLst>
+  </p:cSld>
+  <p:clrMapOvr>
+    <a:masterClrMapping/>
+  </p:clrMapOvr>
+  <p:timing>
+    <p:tnLst>
+      <p:par>
+        <p:cTn id="1" dur="indefinite" restart="never" nodeType="tmRoot"/>
+      </p:par>
+    </p:tnLst>
+  </p:timing>
+</p:sld>
+</file>
+
+<file path=ppt/slides/slide11.xml><?xml version="1.0" encoding="utf-8"?>
+<p:sld xmlns:a="http://schemas.openxmlformats.org/drawingml/2006/main" xmlns:r="http://schemas.openxmlformats.org/officeDocument/2006/relationships" xmlns:p="http://schemas.openxmlformats.org/presentationml/2006/main">
+  <p:cSld>
+    <p:spTree>
+      <p:nvGrpSpPr>
+        <p:cNvPr id="1" name=""/>
+        <p:cNvGrpSpPr/>
+        <p:nvPr/>
+      </p:nvGrpSpPr>
+      <p:grpSpPr>
+        <a:xfrm>
+          <a:off x="0" y="0"/>
+          <a:ext cx="0" cy="0"/>
+          <a:chOff x="0" y="0"/>
+          <a:chExt cx="0" cy="0"/>
+        </a:xfrm>
+      </p:grpSpPr>
+      <p:sp>
+        <p:nvSpPr>
+          <p:cNvPr id="6" name="Title 5"/>
+          <p:cNvSpPr>
+            <a:spLocks noGrp="1"/>
+          </p:cNvSpPr>
+          <p:nvPr>
+            <p:ph type="title"/>
+          </p:nvPr>
+        </p:nvSpPr>
+        <p:spPr/>
+        <p:txBody>
+          <a:bodyPr/>
+          <a:lstStyle/>
+          <a:p>
+            <a:r>
+              <a:rPr lang="en-US" dirty="0" smtClean="0"/>
+              <a:t>What is an Operating System?</a:t>
+            </a:r>
+            <a:endParaRPr lang="en-US" dirty="0"/>
+          </a:p>
+        </p:txBody>
+      </p:sp>
+      <p:sp>
+        <p:nvSpPr>
+          <p:cNvPr id="7" name="Content Placeholder 6"/>
+          <p:cNvSpPr>
+            <a:spLocks noGrp="1"/>
+          </p:cNvSpPr>
+          <p:nvPr>
+            <p:ph idx="1"/>
+          </p:nvPr>
+        </p:nvSpPr>
+        <p:spPr/>
+        <p:txBody>
+          <a:bodyPr anchor="ctr"/>
+          <a:lstStyle/>
+          <a:p>
+            <a:r>
+              <a:rPr lang="en-US" dirty="0"/>
+              <a:t>[An OS is] </a:t>
+            </a:r>
+            <a:r>
+              <a:rPr lang="en-US" dirty="0" smtClean="0"/>
+              <a:t>the low-level </a:t>
+            </a:r>
+            <a:r>
+              <a:rPr lang="en-US" dirty="0"/>
+              <a:t>software that supports a computer’s basic functions, such as scheduling tasks and controlling peripherals. - Google hive </a:t>
+            </a:r>
+            <a:r>
+              <a:rPr lang="en-US" dirty="0" smtClean="0"/>
+              <a:t>mind</a:t>
+            </a:r>
+            <a:endParaRPr lang="en-US" dirty="0"/>
+          </a:p>
+        </p:txBody>
+      </p:sp>
+      <p:sp>
+        <p:nvSpPr>
+          <p:cNvPr id="4" name="Footer Placeholder 3"/>
+          <p:cNvSpPr>
+            <a:spLocks noGrp="1"/>
+          </p:cNvSpPr>
+          <p:nvPr>
+            <p:ph type="ftr" sz="quarter" idx="11"/>
+          </p:nvPr>
+        </p:nvSpPr>
+        <p:spPr/>
+        <p:txBody>
+          <a:bodyPr/>
+          <a:lstStyle/>
+          <a:p>
+            <a:r>
+              <a:rPr lang="en-US" smtClean="0"/>
+              <a:t>Introduction to Operating Systems</a:t>
+            </a:r>
+            <a:endParaRPr lang="en-US"/>
+          </a:p>
+        </p:txBody>
+      </p:sp>
+    </p:spTree>
+    <p:extLst>
+      <p:ext uri="{BB962C8B-B14F-4D97-AF65-F5344CB8AC3E}">
+        <p14:creationId xmlns:p14="http://schemas.microsoft.com/office/powerpoint/2010/main" val="1839844860"/>
+      </p:ext>
+    </p:extLst>
+  </p:cSld>
+  <p:clrMapOvr>
+    <a:masterClrMapping/>
+  </p:clrMapOvr>
+  <p:timing>
+    <p:tnLst>
+      <p:par>
+        <p:cTn id="1" dur="indefinite" restart="never" nodeType="tmRoot"/>
+      </p:par>
+    </p:tnLst>
+  </p:timing>
+</p:sld>
+</file>
+
+<file path=ppt/slides/slide12.xml><?xml version="1.0" encoding="utf-8"?>
+<p:sld xmlns:a="http://schemas.openxmlformats.org/drawingml/2006/main" xmlns:r="http://schemas.openxmlformats.org/officeDocument/2006/relationships" xmlns:p="http://schemas.openxmlformats.org/presentationml/2006/main">
+  <p:cSld>
+    <p:spTree>
+      <p:nvGrpSpPr>
+        <p:cNvPr id="1" name=""/>
+        <p:cNvGrpSpPr/>
+        <p:nvPr/>
+      </p:nvGrpSpPr>
+      <p:grpSpPr>
+        <a:xfrm>
+          <a:off x="0" y="0"/>
+          <a:ext cx="0" cy="0"/>
+          <a:chOff x="0" y="0"/>
+          <a:chExt cx="0" cy="0"/>
+        </a:xfrm>
+      </p:grpSpPr>
+      <p:sp>
+        <p:nvSpPr>
+          <p:cNvPr id="2" name="Title 1"/>
+          <p:cNvSpPr>
+            <a:spLocks noGrp="1"/>
+          </p:cNvSpPr>
+          <p:nvPr>
+            <p:ph type="title"/>
+          </p:nvPr>
+        </p:nvSpPr>
+        <p:spPr/>
+        <p:txBody>
+          <a:bodyPr/>
+          <a:lstStyle/>
+          <a:p>
+            <a:r>
+              <a:rPr lang="en-US" dirty="0" smtClean="0"/>
               <a:t>General purpose operating systems</a:t>
             </a:r>
             <a:endParaRPr lang="en-US" dirty="0"/>
@@ -4894,7 +5097,7 @@
 </p:sld>
 </file>
 
-<file path=ppt/slides/slide11.xml><?xml version="1.0" encoding="utf-8"?>
+<file path=ppt/slides/slide13.xml><?xml version="1.0" encoding="utf-8"?>
 <p:sld xmlns:a="http://schemas.openxmlformats.org/drawingml/2006/main" xmlns:r="http://schemas.openxmlformats.org/officeDocument/2006/relationships" xmlns:p="http://schemas.openxmlformats.org/presentationml/2006/main">
   <p:cSld>
     <p:spTree>
@@ -5327,7 +5530,7 @@
 </p:sld>
 </file>
 
-<file path=ppt/slides/slide12.xml><?xml version="1.0" encoding="utf-8"?>
+<file path=ppt/slides/slide14.xml><?xml version="1.0" encoding="utf-8"?>
 <p:sld xmlns:a="http://schemas.openxmlformats.org/drawingml/2006/main" xmlns:r="http://schemas.openxmlformats.org/officeDocument/2006/relationships" xmlns:p="http://schemas.openxmlformats.org/presentationml/2006/main">
   <p:cSld>
     <p:spTree>
@@ -5544,7 +5747,7 @@
 </p:sld>
 </file>
 
-<file path=ppt/slides/slide13.xml><?xml version="1.0" encoding="utf-8"?>
+<file path=ppt/slides/slide15.xml><?xml version="1.0" encoding="utf-8"?>
 <p:sld xmlns:a="http://schemas.openxmlformats.org/drawingml/2006/main" xmlns:r="http://schemas.openxmlformats.org/officeDocument/2006/relationships" xmlns:p="http://schemas.openxmlformats.org/presentationml/2006/main">
   <p:cSld>
     <p:spTree>
@@ -5968,333 +6171,6 @@
 </p:sld>
 </file>
 
-<file path=ppt/slides/slide14.xml><?xml version="1.0" encoding="utf-8"?>
-<p:sld xmlns:a="http://schemas.openxmlformats.org/drawingml/2006/main" xmlns:r="http://schemas.openxmlformats.org/officeDocument/2006/relationships" xmlns:p="http://schemas.openxmlformats.org/presentationml/2006/main">
-  <p:cSld>
-    <p:spTree>
-      <p:nvGrpSpPr>
-        <p:cNvPr id="1" name=""/>
-        <p:cNvGrpSpPr/>
-        <p:nvPr/>
-      </p:nvGrpSpPr>
-      <p:grpSpPr>
-        <a:xfrm>
-          <a:off x="0" y="0"/>
-          <a:ext cx="0" cy="0"/>
-          <a:chOff x="0" y="0"/>
-          <a:chExt cx="0" cy="0"/>
-        </a:xfrm>
-      </p:grpSpPr>
-      <p:sp>
-        <p:nvSpPr>
-          <p:cNvPr id="2" name="Title 1"/>
-          <p:cNvSpPr>
-            <a:spLocks noGrp="1"/>
-          </p:cNvSpPr>
-          <p:nvPr>
-            <p:ph type="title"/>
-          </p:nvPr>
-        </p:nvSpPr>
-        <p:spPr/>
-        <p:txBody>
-          <a:bodyPr/>
-          <a:lstStyle/>
-          <a:p>
-            <a:r>
-              <a:rPr lang="en-US" dirty="0" smtClean="0"/>
-              <a:t>Operating System as Toolkit</a:t>
-            </a:r>
-            <a:endParaRPr lang="en-US" dirty="0"/>
-          </a:p>
-        </p:txBody>
-      </p:sp>
-      <p:sp>
-        <p:nvSpPr>
-          <p:cNvPr id="3" name="Content Placeholder 2"/>
-          <p:cNvSpPr>
-            <a:spLocks noGrp="1"/>
-          </p:cNvSpPr>
-          <p:nvPr>
-            <p:ph idx="1"/>
-          </p:nvPr>
-        </p:nvSpPr>
-        <p:spPr/>
-        <p:txBody>
-          <a:bodyPr/>
-          <a:lstStyle/>
-          <a:p>
-            <a:r>
-              <a:rPr lang="en-US" dirty="0" smtClean="0"/>
-              <a:t>A collection of code</a:t>
-            </a:r>
-          </a:p>
-          <a:p>
-            <a:r>
-              <a:rPr lang="en-US" dirty="0" smtClean="0"/>
-              <a:t>Organized into a set of libraries</a:t>
-            </a:r>
-          </a:p>
-          <a:p>
-            <a:r>
-              <a:rPr lang="en-US" dirty="0" smtClean="0"/>
-              <a:t>Built into a larger of programs</a:t>
-            </a:r>
-          </a:p>
-          <a:p>
-            <a:r>
-              <a:rPr lang="en-US" dirty="0" smtClean="0"/>
-              <a:t>That work together to provide a service</a:t>
-            </a:r>
-          </a:p>
-          <a:p>
-            <a:r>
-              <a:rPr lang="en-US" dirty="0" smtClean="0"/>
-              <a:t>At the lowest possible cost</a:t>
-            </a:r>
-          </a:p>
-          <a:p>
-            <a:r>
-              <a:rPr lang="en-US" dirty="0" smtClean="0"/>
-              <a:t>With the highest possible efficiency</a:t>
-            </a:r>
-          </a:p>
-        </p:txBody>
-      </p:sp>
-      <p:sp>
-        <p:nvSpPr>
-          <p:cNvPr id="4" name="Date Placeholder 3"/>
-          <p:cNvSpPr>
-            <a:spLocks noGrp="1"/>
-          </p:cNvSpPr>
-          <p:nvPr>
-            <p:ph type="dt" sz="half" idx="10"/>
-          </p:nvPr>
-        </p:nvSpPr>
-        <p:spPr/>
-        <p:txBody>
-          <a:bodyPr/>
-          <a:lstStyle/>
-          <a:p>
-            <a:fld id="{49017221-95F1-A547-955D-7B046F2E09F0}" type="datetime1">
-              <a:rPr lang="en-US" smtClean="0"/>
-              <a:t>2/14/17</a:t>
-            </a:fld>
-            <a:endParaRPr lang="en-US"/>
-          </a:p>
-        </p:txBody>
-      </p:sp>
-      <p:sp>
-        <p:nvSpPr>
-          <p:cNvPr id="5" name="Footer Placeholder 4"/>
-          <p:cNvSpPr>
-            <a:spLocks noGrp="1"/>
-          </p:cNvSpPr>
-          <p:nvPr>
-            <p:ph type="ftr" sz="quarter" idx="11"/>
-          </p:nvPr>
-        </p:nvSpPr>
-        <p:spPr/>
-        <p:txBody>
-          <a:bodyPr/>
-          <a:lstStyle/>
-          <a:p>
-            <a:r>
-              <a:rPr lang="en-US" smtClean="0"/>
-              <a:t>Introduction to Operating Systems</a:t>
-            </a:r>
-            <a:endParaRPr lang="en-US" dirty="0"/>
-          </a:p>
-        </p:txBody>
-      </p:sp>
-      <p:sp>
-        <p:nvSpPr>
-          <p:cNvPr id="6" name="Slide Number Placeholder 5"/>
-          <p:cNvSpPr>
-            <a:spLocks noGrp="1"/>
-          </p:cNvSpPr>
-          <p:nvPr>
-            <p:ph type="sldNum" sz="quarter" idx="12"/>
-          </p:nvPr>
-        </p:nvSpPr>
-        <p:spPr/>
-        <p:txBody>
-          <a:bodyPr/>
-          <a:lstStyle/>
-          <a:p>
-            <a:fld id="{699C44C4-0FAD-8046-A5C4-05AB318FA424}" type="slidenum">
-              <a:rPr lang="en-US" smtClean="0"/>
-              <a:t>14</a:t>
-            </a:fld>
-            <a:endParaRPr lang="en-US"/>
-          </a:p>
-        </p:txBody>
-      </p:sp>
-    </p:spTree>
-    <p:extLst>
-      <p:ext uri="{BB962C8B-B14F-4D97-AF65-F5344CB8AC3E}">
-        <p14:creationId xmlns:p14="http://schemas.microsoft.com/office/powerpoint/2010/main" val="338409367"/>
-      </p:ext>
-    </p:extLst>
-  </p:cSld>
-  <p:clrMapOvr>
-    <a:masterClrMapping/>
-  </p:clrMapOvr>
-</p:sld>
-</file>
-
-<file path=ppt/slides/slide15.xml><?xml version="1.0" encoding="utf-8"?>
-<p:sld xmlns:a="http://schemas.openxmlformats.org/drawingml/2006/main" xmlns:r="http://schemas.openxmlformats.org/officeDocument/2006/relationships" xmlns:p="http://schemas.openxmlformats.org/presentationml/2006/main">
-  <p:cSld>
-    <p:spTree>
-      <p:nvGrpSpPr>
-        <p:cNvPr id="1" name=""/>
-        <p:cNvGrpSpPr/>
-        <p:nvPr/>
-      </p:nvGrpSpPr>
-      <p:grpSpPr>
-        <a:xfrm>
-          <a:off x="0" y="0"/>
-          <a:ext cx="0" cy="0"/>
-          <a:chOff x="0" y="0"/>
-          <a:chExt cx="0" cy="0"/>
-        </a:xfrm>
-      </p:grpSpPr>
-      <p:sp>
-        <p:nvSpPr>
-          <p:cNvPr id="2" name="Title 1"/>
-          <p:cNvSpPr>
-            <a:spLocks noGrp="1"/>
-          </p:cNvSpPr>
-          <p:nvPr>
-            <p:ph type="title"/>
-          </p:nvPr>
-        </p:nvSpPr>
-        <p:spPr/>
-        <p:txBody>
-          <a:bodyPr/>
-          <a:lstStyle/>
-          <a:p>
-            <a:r>
-              <a:rPr lang="en-US" dirty="0" smtClean="0"/>
-              <a:t>What an Operating System is</a:t>
-            </a:r>
-            <a:endParaRPr lang="en-US" dirty="0"/>
-          </a:p>
-        </p:txBody>
-      </p:sp>
-      <p:sp>
-        <p:nvSpPr>
-          <p:cNvPr id="3" name="Content Placeholder 2"/>
-          <p:cNvSpPr>
-            <a:spLocks noGrp="1"/>
-          </p:cNvSpPr>
-          <p:nvPr>
-            <p:ph idx="1"/>
-          </p:nvPr>
-        </p:nvSpPr>
-        <p:spPr/>
-        <p:txBody>
-          <a:bodyPr/>
-          <a:lstStyle/>
-          <a:p>
-            <a:r>
-              <a:rPr lang="en-US" dirty="0" smtClean="0"/>
-              <a:t>A </a:t>
-            </a:r>
-            <a:r>
-              <a:rPr lang="en-US" dirty="0"/>
-              <a:t>single large program</a:t>
-            </a:r>
-          </a:p>
-          <a:p>
-            <a:r>
-              <a:rPr lang="en-US" dirty="0" smtClean="0"/>
-              <a:t>Written in </a:t>
-            </a:r>
-            <a:r>
-              <a:rPr lang="en-US" dirty="0"/>
-              <a:t>the C language </a:t>
-            </a:r>
-            <a:endParaRPr lang="en-US" dirty="0" smtClean="0"/>
-          </a:p>
-          <a:p>
-            <a:r>
-              <a:rPr lang="en-US" dirty="0" smtClean="0"/>
-              <a:t>Built </a:t>
-            </a:r>
-            <a:r>
-              <a:rPr lang="en-US" dirty="0"/>
-              <a:t>with make</a:t>
-            </a:r>
-          </a:p>
-          <a:p>
-            <a:r>
-              <a:rPr lang="en-US" dirty="0" smtClean="0"/>
-              <a:t>More </a:t>
-            </a:r>
-            <a:r>
-              <a:rPr lang="en-US" dirty="0"/>
-              <a:t>than 20, 000 files</a:t>
-            </a:r>
-          </a:p>
-          <a:p>
-            <a:r>
-              <a:rPr lang="en-US" dirty="0" smtClean="0"/>
-              <a:t>12</a:t>
-            </a:r>
-            <a:r>
-              <a:rPr lang="en-US" dirty="0"/>
-              <a:t>, 000, 000 lines of code</a:t>
-            </a:r>
-          </a:p>
-          <a:p>
-            <a:endParaRPr lang="en-US" dirty="0"/>
-          </a:p>
-        </p:txBody>
-      </p:sp>
-      <p:sp>
-        <p:nvSpPr>
-          <p:cNvPr id="4" name="Footer Placeholder 3"/>
-          <p:cNvSpPr>
-            <a:spLocks noGrp="1"/>
-          </p:cNvSpPr>
-          <p:nvPr>
-            <p:ph type="ftr" sz="quarter" idx="11"/>
-          </p:nvPr>
-        </p:nvSpPr>
-        <p:spPr/>
-        <p:txBody>
-          <a:bodyPr/>
-          <a:lstStyle/>
-          <a:p>
-            <a:r>
-              <a:rPr lang="en-US" smtClean="0"/>
-              <a:t>Introduction to Operating Systems</a:t>
-            </a:r>
-            <a:endParaRPr lang="en-US" dirty="0"/>
-          </a:p>
-        </p:txBody>
-      </p:sp>
-    </p:spTree>
-    <p:extLst>
-      <p:ext uri="{BB962C8B-B14F-4D97-AF65-F5344CB8AC3E}">
-        <p14:creationId xmlns:p14="http://schemas.microsoft.com/office/powerpoint/2010/main" val="900460546"/>
-      </p:ext>
-    </p:extLst>
-  </p:cSld>
-  <p:clrMapOvr>
-    <a:masterClrMapping/>
-  </p:clrMapOvr>
-  <p:timing>
-    <p:tnLst>
-      <p:par>
-        <p:cTn id="1" dur="indefinite" restart="never" nodeType="tmRoot"/>
-      </p:par>
-    </p:tnLst>
-  </p:timing>
-</p:sld>
-</file>
-
 <file path=ppt/slides/slide16.xml><?xml version="1.0" encoding="utf-8"?>
 <p:sld xmlns:a="http://schemas.openxmlformats.org/drawingml/2006/main" xmlns:r="http://schemas.openxmlformats.org/officeDocument/2006/relationships" xmlns:p="http://schemas.openxmlformats.org/presentationml/2006/main">
   <p:cSld>
@@ -6329,7 +6205,7 @@
           <a:p>
             <a:r>
               <a:rPr lang="en-US" dirty="0" smtClean="0"/>
-              <a:t>Why study operating systems?</a:t>
+              <a:t>Operating System as Toolkit</a:t>
             </a:r>
             <a:endParaRPr lang="en-US" dirty="0"/>
           </a:p>
@@ -6347,108 +6223,66 @@
         </p:nvSpPr>
         <p:spPr/>
         <p:txBody>
-          <a:bodyPr>
-            <a:normAutofit lnSpcReduction="10000"/>
-          </a:bodyPr>
-          <a:lstStyle/>
-          <a:p>
-            <a:r>
-              <a:rPr lang="en-US" dirty="0" smtClean="0"/>
-              <a:t>Key </a:t>
-            </a:r>
-            <a:r>
-              <a:rPr lang="en-US" dirty="0"/>
-              <a:t>interface between hardware and </a:t>
-            </a:r>
-            <a:r>
-              <a:rPr lang="en-US" dirty="0" smtClean="0"/>
-              <a:t>software</a:t>
-            </a:r>
-          </a:p>
-          <a:p>
-            <a:r>
-              <a:rPr lang="en-US" dirty="0" smtClean="0"/>
-              <a:t>Strong </a:t>
-            </a:r>
-            <a:r>
-              <a:rPr lang="en-US" dirty="0"/>
-              <a:t>influence on whole-system performance</a:t>
-            </a:r>
-          </a:p>
-          <a:p>
-            <a:r>
-              <a:rPr lang="en-US" dirty="0" smtClean="0"/>
-              <a:t>Critical </a:t>
-            </a:r>
-            <a:r>
-              <a:rPr lang="en-US" dirty="0"/>
-              <a:t>foundation for computer security</a:t>
-            </a:r>
-          </a:p>
-          <a:p>
-            <a:r>
-              <a:rPr lang="en-US" dirty="0" smtClean="0"/>
-              <a:t>Exciting </a:t>
-            </a:r>
-            <a:r>
-              <a:rPr lang="en-US" dirty="0"/>
-              <a:t>programming techniques, algorithms, problems</a:t>
-            </a:r>
-          </a:p>
-          <a:p>
-            <a:pPr lvl="1"/>
-            <a:r>
-              <a:rPr lang="en-US" dirty="0" smtClean="0"/>
-              <a:t>Virtual </a:t>
-            </a:r>
-            <a:r>
-              <a:rPr lang="en-US" dirty="0"/>
-              <a:t>memory; network stacks; filesystems; runtime linkers; ...</a:t>
-            </a:r>
-          </a:p>
-          <a:p>
-            <a:r>
-              <a:rPr lang="en-US" dirty="0" smtClean="0"/>
-              <a:t>Co-evolves </a:t>
-            </a:r>
-            <a:r>
-              <a:rPr lang="en-US" dirty="0"/>
-              <a:t>with platforms, applications, users</a:t>
-            </a:r>
-          </a:p>
-          <a:p>
-            <a:r>
-              <a:rPr lang="en-US" dirty="0" smtClean="0"/>
-              <a:t>Multiple </a:t>
-            </a:r>
-            <a:r>
-              <a:rPr lang="en-US" dirty="0"/>
-              <a:t>active research communities</a:t>
-            </a:r>
-          </a:p>
-          <a:p>
-            <a:r>
-              <a:rPr lang="en-US" dirty="0" smtClean="0"/>
-              <a:t>Reusable </a:t>
-            </a:r>
-            <a:r>
-              <a:rPr lang="en-US" dirty="0"/>
-              <a:t>techniques for building complex </a:t>
-            </a:r>
-            <a:r>
-              <a:rPr lang="en-US" dirty="0" smtClean="0"/>
-              <a:t>systems</a:t>
-            </a:r>
-          </a:p>
-          <a:p>
-            <a:r>
-              <a:rPr lang="en-US" dirty="0" smtClean="0"/>
-              <a:t>Boatloads </a:t>
-            </a:r>
-            <a:r>
-              <a:rPr lang="en-US" dirty="0"/>
-              <a:t>of fun (best text adventure ever)</a:t>
-            </a:r>
+          <a:bodyPr/>
+          <a:lstStyle/>
+          <a:p>
+            <a:r>
+              <a:rPr lang="en-US" dirty="0" smtClean="0"/>
+              <a:t>A collection of code</a:t>
+            </a:r>
+          </a:p>
+          <a:p>
+            <a:r>
+              <a:rPr lang="en-US" dirty="0" smtClean="0"/>
+              <a:t>Organized into a set of libraries</a:t>
+            </a:r>
+          </a:p>
+          <a:p>
+            <a:r>
+              <a:rPr lang="en-US" dirty="0" smtClean="0"/>
+              <a:t>Built into a larger of programs</a:t>
+            </a:r>
+          </a:p>
+          <a:p>
+            <a:r>
+              <a:rPr lang="en-US" dirty="0" smtClean="0"/>
+              <a:t>That work together to provide a service</a:t>
+            </a:r>
+          </a:p>
+          <a:p>
+            <a:r>
+              <a:rPr lang="en-US" dirty="0" smtClean="0"/>
+              <a:t>At the lowest possible cost</a:t>
+            </a:r>
+          </a:p>
+          <a:p>
+            <a:r>
+              <a:rPr lang="en-US" dirty="0" smtClean="0"/>
+              <a:t>With the highest possible efficiency</a:t>
+            </a:r>
+          </a:p>
+        </p:txBody>
+      </p:sp>
+      <p:sp>
+        <p:nvSpPr>
+          <p:cNvPr id="4" name="Date Placeholder 3"/>
+          <p:cNvSpPr>
+            <a:spLocks noGrp="1"/>
+          </p:cNvSpPr>
+          <p:nvPr>
+            <p:ph type="dt" sz="half" idx="10"/>
+          </p:nvPr>
+        </p:nvSpPr>
+        <p:spPr/>
+        <p:txBody>
+          <a:bodyPr/>
+          <a:lstStyle/>
+          <a:p>
+            <a:fld id="{49017221-95F1-A547-955D-7B046F2E09F0}" type="datetime1">
+              <a:rPr lang="en-US" smtClean="0"/>
+              <a:t>2/18/17</a:t>
+            </a:fld>
+            <a:endParaRPr lang="en-US"/>
           </a:p>
         </p:txBody>
       </p:sp>
@@ -6472,13 +6306,36 @@
               <a:t>Introduction to Operating Systems</a:t>
             </a:r>
             <a:endParaRPr lang="en-US" dirty="0"/>
+          </a:p>
+        </p:txBody>
+      </p:sp>
+      <p:sp>
+        <p:nvSpPr>
+          <p:cNvPr id="6" name="Slide Number Placeholder 5"/>
+          <p:cNvSpPr>
+            <a:spLocks noGrp="1"/>
+          </p:cNvSpPr>
+          <p:nvPr>
+            <p:ph type="sldNum" sz="quarter" idx="12"/>
+          </p:nvPr>
+        </p:nvSpPr>
+        <p:spPr/>
+        <p:txBody>
+          <a:bodyPr/>
+          <a:lstStyle/>
+          <a:p>
+            <a:fld id="{699C44C4-0FAD-8046-A5C4-05AB318FA424}" type="slidenum">
+              <a:rPr lang="en-US" smtClean="0"/>
+              <a:t>16</a:t>
+            </a:fld>
+            <a:endParaRPr lang="en-US"/>
           </a:p>
         </p:txBody>
       </p:sp>
     </p:spTree>
     <p:extLst>
       <p:ext uri="{BB962C8B-B14F-4D97-AF65-F5344CB8AC3E}">
-        <p14:creationId xmlns:p14="http://schemas.microsoft.com/office/powerpoint/2010/main" val="34306723"/>
+        <p14:creationId xmlns:p14="http://schemas.microsoft.com/office/powerpoint/2010/main" val="338409367"/>
       </p:ext>
     </p:extLst>
   </p:cSld>
@@ -6529,7 +6386,7 @@
           <a:p>
             <a:r>
               <a:rPr lang="en-US" dirty="0" smtClean="0"/>
-              <a:t>Performance Measures</a:t>
+              <a:t>What an Operating System is</a:t>
             </a:r>
             <a:endParaRPr lang="en-US" dirty="0"/>
           </a:p>
@@ -6552,41 +6409,55 @@
           <a:p>
             <a:r>
               <a:rPr lang="en-US" dirty="0" smtClean="0"/>
-              <a:t>Throughput</a:t>
-            </a:r>
-          </a:p>
-          <a:p>
-            <a:pPr lvl="1"/>
-            <a:r>
-              <a:rPr lang="en-US" dirty="0" smtClean="0"/>
-              <a:t>How much work can we do per unit time?</a:t>
-            </a:r>
-          </a:p>
-          <a:p>
-            <a:r>
-              <a:rPr lang="en-US" dirty="0" smtClean="0"/>
-              <a:t>Latency</a:t>
-            </a:r>
-          </a:p>
-          <a:p>
-            <a:pPr lvl="1"/>
-            <a:r>
-              <a:rPr lang="en-US" dirty="0" smtClean="0"/>
-              <a:t>Time between request and useful response</a:t>
-            </a:r>
-          </a:p>
-          <a:p>
-            <a:r>
-              <a:rPr lang="en-US" dirty="0" smtClean="0"/>
-              <a:t>Jitter</a:t>
-            </a:r>
-          </a:p>
-          <a:p>
-            <a:pPr lvl="1"/>
-            <a:r>
-              <a:rPr lang="en-US" dirty="0" smtClean="0"/>
-              <a:t>Variability in latency</a:t>
-            </a:r>
+              <a:t>A </a:t>
+            </a:r>
+            <a:r>
+              <a:rPr lang="en-US" dirty="0"/>
+              <a:t>single large program</a:t>
+            </a:r>
+          </a:p>
+          <a:p>
+            <a:r>
+              <a:rPr lang="en-US" dirty="0" smtClean="0"/>
+              <a:t>Written in </a:t>
+            </a:r>
+            <a:r>
+              <a:rPr lang="en-US" dirty="0"/>
+              <a:t>the C language </a:t>
+            </a:r>
+            <a:endParaRPr lang="en-US" dirty="0" smtClean="0"/>
+          </a:p>
+          <a:p>
+            <a:r>
+              <a:rPr lang="en-US" dirty="0" smtClean="0"/>
+              <a:t>Built </a:t>
+            </a:r>
+            <a:r>
+              <a:rPr lang="en-US" dirty="0"/>
+              <a:t>with make</a:t>
+            </a:r>
+          </a:p>
+          <a:p>
+            <a:r>
+              <a:rPr lang="en-US" dirty="0" smtClean="0"/>
+              <a:t>More </a:t>
+            </a:r>
+            <a:r>
+              <a:rPr lang="en-US" dirty="0"/>
+              <a:t>than 20, 000 files</a:t>
+            </a:r>
+          </a:p>
+          <a:p>
+            <a:r>
+              <a:rPr lang="en-US" dirty="0" smtClean="0"/>
+              <a:t>12</a:t>
+            </a:r>
+            <a:r>
+              <a:rPr lang="en-US" dirty="0"/>
+              <a:t>, 000, 000 lines of code</a:t>
+            </a:r>
+          </a:p>
+          <a:p>
             <a:endParaRPr lang="en-US" dirty="0"/>
           </a:p>
         </p:txBody>
@@ -6617,13 +6488,20 @@
     </p:spTree>
     <p:extLst>
       <p:ext uri="{BB962C8B-B14F-4D97-AF65-F5344CB8AC3E}">
-        <p14:creationId xmlns:p14="http://schemas.microsoft.com/office/powerpoint/2010/main" val="1569544639"/>
+        <p14:creationId xmlns:p14="http://schemas.microsoft.com/office/powerpoint/2010/main" val="900460546"/>
       </p:ext>
     </p:extLst>
   </p:cSld>
   <p:clrMapOvr>
     <a:masterClrMapping/>
   </p:clrMapOvr>
+  <p:timing>
+    <p:tnLst>
+      <p:par>
+        <p:cTn id="1" dur="indefinite" restart="never" nodeType="tmRoot"/>
+      </p:par>
+    </p:tnLst>
+  </p:timing>
 </p:sld>
 </file>
 
@@ -6661,6 +6539,485 @@
           <a:p>
             <a:r>
               <a:rPr lang="en-US" dirty="0" smtClean="0"/>
+              <a:t>Why study operating systems?</a:t>
+            </a:r>
+            <a:endParaRPr lang="en-US" dirty="0"/>
+          </a:p>
+        </p:txBody>
+      </p:sp>
+      <p:sp>
+        <p:nvSpPr>
+          <p:cNvPr id="3" name="Content Placeholder 2"/>
+          <p:cNvSpPr>
+            <a:spLocks noGrp="1"/>
+          </p:cNvSpPr>
+          <p:nvPr>
+            <p:ph idx="1"/>
+          </p:nvPr>
+        </p:nvSpPr>
+        <p:spPr/>
+        <p:txBody>
+          <a:bodyPr>
+            <a:normAutofit lnSpcReduction="10000"/>
+          </a:bodyPr>
+          <a:lstStyle/>
+          <a:p>
+            <a:r>
+              <a:rPr lang="en-US" dirty="0" smtClean="0"/>
+              <a:t>Key </a:t>
+            </a:r>
+            <a:r>
+              <a:rPr lang="en-US" dirty="0"/>
+              <a:t>interface between hardware and </a:t>
+            </a:r>
+            <a:r>
+              <a:rPr lang="en-US" dirty="0" smtClean="0"/>
+              <a:t>software</a:t>
+            </a:r>
+          </a:p>
+          <a:p>
+            <a:r>
+              <a:rPr lang="en-US" dirty="0" smtClean="0"/>
+              <a:t>Strong </a:t>
+            </a:r>
+            <a:r>
+              <a:rPr lang="en-US" dirty="0"/>
+              <a:t>influence on whole-system performance</a:t>
+            </a:r>
+          </a:p>
+          <a:p>
+            <a:r>
+              <a:rPr lang="en-US" dirty="0" smtClean="0"/>
+              <a:t>Critical </a:t>
+            </a:r>
+            <a:r>
+              <a:rPr lang="en-US" dirty="0"/>
+              <a:t>foundation for computer security</a:t>
+            </a:r>
+          </a:p>
+          <a:p>
+            <a:r>
+              <a:rPr lang="en-US" dirty="0" smtClean="0"/>
+              <a:t>Exciting </a:t>
+            </a:r>
+            <a:r>
+              <a:rPr lang="en-US" dirty="0"/>
+              <a:t>programming techniques, algorithms, problems</a:t>
+            </a:r>
+          </a:p>
+          <a:p>
+            <a:pPr lvl="1"/>
+            <a:r>
+              <a:rPr lang="en-US" dirty="0" smtClean="0"/>
+              <a:t>Virtual </a:t>
+            </a:r>
+            <a:r>
+              <a:rPr lang="en-US" dirty="0"/>
+              <a:t>memory; network stacks; filesystems; runtime linkers; ...</a:t>
+            </a:r>
+          </a:p>
+          <a:p>
+            <a:r>
+              <a:rPr lang="en-US" dirty="0" smtClean="0"/>
+              <a:t>Co-evolves </a:t>
+            </a:r>
+            <a:r>
+              <a:rPr lang="en-US" dirty="0"/>
+              <a:t>with platforms, applications, users</a:t>
+            </a:r>
+          </a:p>
+          <a:p>
+            <a:r>
+              <a:rPr lang="en-US" dirty="0" smtClean="0"/>
+              <a:t>Multiple </a:t>
+            </a:r>
+            <a:r>
+              <a:rPr lang="en-US" dirty="0"/>
+              <a:t>active research communities</a:t>
+            </a:r>
+          </a:p>
+          <a:p>
+            <a:r>
+              <a:rPr lang="en-US" dirty="0" smtClean="0"/>
+              <a:t>Reusable </a:t>
+            </a:r>
+            <a:r>
+              <a:rPr lang="en-US" dirty="0"/>
+              <a:t>techniques for building complex </a:t>
+            </a:r>
+            <a:r>
+              <a:rPr lang="en-US" dirty="0" smtClean="0"/>
+              <a:t>systems</a:t>
+            </a:r>
+          </a:p>
+          <a:p>
+            <a:r>
+              <a:rPr lang="en-US" dirty="0" smtClean="0"/>
+              <a:t>Boatloads </a:t>
+            </a:r>
+            <a:r>
+              <a:rPr lang="en-US" dirty="0"/>
+              <a:t>of fun (best text adventure ever)</a:t>
+            </a:r>
+          </a:p>
+        </p:txBody>
+      </p:sp>
+      <p:sp>
+        <p:nvSpPr>
+          <p:cNvPr id="5" name="Footer Placeholder 4"/>
+          <p:cNvSpPr>
+            <a:spLocks noGrp="1"/>
+          </p:cNvSpPr>
+          <p:nvPr>
+            <p:ph type="ftr" sz="quarter" idx="11"/>
+          </p:nvPr>
+        </p:nvSpPr>
+        <p:spPr/>
+        <p:txBody>
+          <a:bodyPr/>
+          <a:lstStyle/>
+          <a:p>
+            <a:r>
+              <a:rPr lang="en-US" smtClean="0"/>
+              <a:t>Introduction to Operating Systems</a:t>
+            </a:r>
+            <a:endParaRPr lang="en-US" dirty="0"/>
+          </a:p>
+        </p:txBody>
+      </p:sp>
+    </p:spTree>
+    <p:extLst>
+      <p:ext uri="{BB962C8B-B14F-4D97-AF65-F5344CB8AC3E}">
+        <p14:creationId xmlns:p14="http://schemas.microsoft.com/office/powerpoint/2010/main" val="34306723"/>
+      </p:ext>
+    </p:extLst>
+  </p:cSld>
+  <p:clrMapOvr>
+    <a:masterClrMapping/>
+  </p:clrMapOvr>
+  <p:timing>
+    <p:tnLst>
+      <p:par>
+        <p:cTn id="1" dur="indefinite" restart="never" nodeType="tmRoot"/>
+      </p:par>
+    </p:tnLst>
+  </p:timing>
+</p:sld>
+</file>
+
+<file path=ppt/slides/slide19.xml><?xml version="1.0" encoding="utf-8"?>
+<p:sld xmlns:a="http://schemas.openxmlformats.org/drawingml/2006/main" xmlns:r="http://schemas.openxmlformats.org/officeDocument/2006/relationships" xmlns:p="http://schemas.openxmlformats.org/presentationml/2006/main">
+  <p:cSld>
+    <p:spTree>
+      <p:nvGrpSpPr>
+        <p:cNvPr id="1" name=""/>
+        <p:cNvGrpSpPr/>
+        <p:nvPr/>
+      </p:nvGrpSpPr>
+      <p:grpSpPr>
+        <a:xfrm>
+          <a:off x="0" y="0"/>
+          <a:ext cx="0" cy="0"/>
+          <a:chOff x="0" y="0"/>
+          <a:chExt cx="0" cy="0"/>
+        </a:xfrm>
+      </p:grpSpPr>
+      <p:sp>
+        <p:nvSpPr>
+          <p:cNvPr id="2" name="Title 1"/>
+          <p:cNvSpPr>
+            <a:spLocks noGrp="1"/>
+          </p:cNvSpPr>
+          <p:nvPr>
+            <p:ph type="title"/>
+          </p:nvPr>
+        </p:nvSpPr>
+        <p:spPr/>
+        <p:txBody>
+          <a:bodyPr/>
+          <a:lstStyle/>
+          <a:p>
+            <a:r>
+              <a:rPr lang="en-US" dirty="0" smtClean="0"/>
+              <a:t>Performance Measures</a:t>
+            </a:r>
+            <a:endParaRPr lang="en-US" dirty="0"/>
+          </a:p>
+        </p:txBody>
+      </p:sp>
+      <p:sp>
+        <p:nvSpPr>
+          <p:cNvPr id="3" name="Content Placeholder 2"/>
+          <p:cNvSpPr>
+            <a:spLocks noGrp="1"/>
+          </p:cNvSpPr>
+          <p:nvPr>
+            <p:ph idx="1"/>
+          </p:nvPr>
+        </p:nvSpPr>
+        <p:spPr/>
+        <p:txBody>
+          <a:bodyPr/>
+          <a:lstStyle/>
+          <a:p>
+            <a:r>
+              <a:rPr lang="en-US" dirty="0" smtClean="0"/>
+              <a:t>Throughput</a:t>
+            </a:r>
+          </a:p>
+          <a:p>
+            <a:pPr lvl="1"/>
+            <a:r>
+              <a:rPr lang="en-US" dirty="0" smtClean="0"/>
+              <a:t>How much work can we do per unit time?</a:t>
+            </a:r>
+          </a:p>
+          <a:p>
+            <a:r>
+              <a:rPr lang="en-US" dirty="0" smtClean="0"/>
+              <a:t>Latency</a:t>
+            </a:r>
+          </a:p>
+          <a:p>
+            <a:pPr lvl="1"/>
+            <a:r>
+              <a:rPr lang="en-US" dirty="0" smtClean="0"/>
+              <a:t>Time between request and useful response</a:t>
+            </a:r>
+          </a:p>
+          <a:p>
+            <a:r>
+              <a:rPr lang="en-US" dirty="0" smtClean="0"/>
+              <a:t>Jitter</a:t>
+            </a:r>
+          </a:p>
+          <a:p>
+            <a:pPr lvl="1"/>
+            <a:r>
+              <a:rPr lang="en-US" dirty="0" smtClean="0"/>
+              <a:t>Variability in latency</a:t>
+            </a:r>
+            <a:endParaRPr lang="en-US" dirty="0"/>
+          </a:p>
+        </p:txBody>
+      </p:sp>
+      <p:sp>
+        <p:nvSpPr>
+          <p:cNvPr id="4" name="Footer Placeholder 3"/>
+          <p:cNvSpPr>
+            <a:spLocks noGrp="1"/>
+          </p:cNvSpPr>
+          <p:nvPr>
+            <p:ph type="ftr" sz="quarter" idx="11"/>
+          </p:nvPr>
+        </p:nvSpPr>
+        <p:spPr/>
+        <p:txBody>
+          <a:bodyPr/>
+          <a:lstStyle/>
+          <a:p>
+            <a:r>
+              <a:rPr lang="en-US" smtClean="0"/>
+              <a:t>Introduction to Operating Systems</a:t>
+            </a:r>
+            <a:endParaRPr lang="en-US" dirty="0"/>
+          </a:p>
+        </p:txBody>
+      </p:sp>
+    </p:spTree>
+    <p:extLst>
+      <p:ext uri="{BB962C8B-B14F-4D97-AF65-F5344CB8AC3E}">
+        <p14:creationId xmlns:p14="http://schemas.microsoft.com/office/powerpoint/2010/main" val="1569544639"/>
+      </p:ext>
+    </p:extLst>
+  </p:cSld>
+  <p:clrMapOvr>
+    <a:masterClrMapping/>
+  </p:clrMapOvr>
+  <p:timing>
+    <p:tnLst>
+      <p:par>
+        <p:cTn id="1" dur="indefinite" restart="never" nodeType="tmRoot"/>
+      </p:par>
+    </p:tnLst>
+  </p:timing>
+</p:sld>
+</file>
+
+<file path=ppt/slides/slide2.xml><?xml version="1.0" encoding="utf-8"?>
+<p:sld xmlns:a="http://schemas.openxmlformats.org/drawingml/2006/main" xmlns:r="http://schemas.openxmlformats.org/officeDocument/2006/relationships" xmlns:p="http://schemas.openxmlformats.org/presentationml/2006/main">
+  <p:cSld>
+    <p:spTree>
+      <p:nvGrpSpPr>
+        <p:cNvPr id="1" name=""/>
+        <p:cNvGrpSpPr/>
+        <p:nvPr/>
+      </p:nvGrpSpPr>
+      <p:grpSpPr>
+        <a:xfrm>
+          <a:off x="0" y="0"/>
+          <a:ext cx="0" cy="0"/>
+          <a:chOff x="0" y="0"/>
+          <a:chExt cx="0" cy="0"/>
+        </a:xfrm>
+      </p:grpSpPr>
+      <p:sp>
+        <p:nvSpPr>
+          <p:cNvPr id="2" name="Title 1"/>
+          <p:cNvSpPr>
+            <a:spLocks noGrp="1"/>
+          </p:cNvSpPr>
+          <p:nvPr>
+            <p:ph type="title"/>
+          </p:nvPr>
+        </p:nvSpPr>
+        <p:spPr/>
+        <p:txBody>
+          <a:bodyPr/>
+          <a:lstStyle/>
+          <a:p>
+            <a:r>
+              <a:rPr lang="en-US" dirty="0" smtClean="0"/>
+              <a:t>Objectives</a:t>
+            </a:r>
+            <a:endParaRPr lang="en-US" dirty="0"/>
+          </a:p>
+        </p:txBody>
+      </p:sp>
+      <p:sp>
+        <p:nvSpPr>
+          <p:cNvPr id="3" name="Content Placeholder 2"/>
+          <p:cNvSpPr>
+            <a:spLocks noGrp="1"/>
+          </p:cNvSpPr>
+          <p:nvPr>
+            <p:ph idx="1"/>
+          </p:nvPr>
+        </p:nvSpPr>
+        <p:spPr/>
+        <p:txBody>
+          <a:bodyPr/>
+          <a:lstStyle/>
+          <a:p>
+            <a:r>
+              <a:rPr lang="en-US" dirty="0" smtClean="0"/>
+              <a:t>A </a:t>
+            </a:r>
+            <a:r>
+              <a:rPr lang="en-US" dirty="0"/>
+              <a:t>grounding in systems principles</a:t>
+            </a:r>
+          </a:p>
+          <a:p>
+            <a:r>
+              <a:rPr lang="en-US" dirty="0" smtClean="0"/>
+              <a:t>A </a:t>
+            </a:r>
+            <a:r>
+              <a:rPr lang="en-US" dirty="0"/>
+              <a:t>grand tour of the Operating System</a:t>
+            </a:r>
+          </a:p>
+          <a:p>
+            <a:r>
+              <a:rPr lang="en-US" dirty="0" smtClean="0"/>
+              <a:t>Practical </a:t>
+            </a:r>
+            <a:r>
+              <a:rPr lang="en-US" dirty="0"/>
+              <a:t>insights into how the OS </a:t>
+            </a:r>
+            <a:r>
+              <a:rPr lang="en-US" dirty="0" smtClean="0"/>
+              <a:t>works</a:t>
+            </a:r>
+            <a:endParaRPr lang="en-US" dirty="0"/>
+          </a:p>
+          <a:p>
+            <a:r>
+              <a:rPr lang="en-US" dirty="0" smtClean="0"/>
+              <a:t>Understand how to evaluate Systems Software</a:t>
+            </a:r>
+          </a:p>
+        </p:txBody>
+      </p:sp>
+      <p:sp>
+        <p:nvSpPr>
+          <p:cNvPr id="5" name="Footer Placeholder 4"/>
+          <p:cNvSpPr>
+            <a:spLocks noGrp="1"/>
+          </p:cNvSpPr>
+          <p:nvPr>
+            <p:ph type="ftr" sz="quarter" idx="11"/>
+          </p:nvPr>
+        </p:nvSpPr>
+        <p:spPr/>
+        <p:txBody>
+          <a:bodyPr/>
+          <a:lstStyle/>
+          <a:p>
+            <a:r>
+              <a:rPr lang="en-US" smtClean="0"/>
+              <a:t>Introduction to Operating Systems</a:t>
+            </a:r>
+            <a:endParaRPr lang="en-US" dirty="0"/>
+          </a:p>
+        </p:txBody>
+      </p:sp>
+    </p:spTree>
+    <p:extLst>
+      <p:ext uri="{BB962C8B-B14F-4D97-AF65-F5344CB8AC3E}">
+        <p14:creationId xmlns:p14="http://schemas.microsoft.com/office/powerpoint/2010/main" val="1886148566"/>
+      </p:ext>
+    </p:extLst>
+  </p:cSld>
+  <p:clrMapOvr>
+    <a:masterClrMapping/>
+  </p:clrMapOvr>
+  <p:timing>
+    <p:tnLst>
+      <p:par>
+        <p:cTn id="1" dur="indefinite" restart="never" nodeType="tmRoot"/>
+      </p:par>
+    </p:tnLst>
+  </p:timing>
+</p:sld>
+</file>
+
+<file path=ppt/slides/slide20.xml><?xml version="1.0" encoding="utf-8"?>
+<p:sld xmlns:a="http://schemas.openxmlformats.org/drawingml/2006/main" xmlns:r="http://schemas.openxmlformats.org/officeDocument/2006/relationships" xmlns:p="http://schemas.openxmlformats.org/presentationml/2006/main">
+  <p:cSld>
+    <p:spTree>
+      <p:nvGrpSpPr>
+        <p:cNvPr id="1" name=""/>
+        <p:cNvGrpSpPr/>
+        <p:nvPr/>
+      </p:nvGrpSpPr>
+      <p:grpSpPr>
+        <a:xfrm>
+          <a:off x="0" y="0"/>
+          <a:ext cx="0" cy="0"/>
+          <a:chOff x="0" y="0"/>
+          <a:chExt cx="0" cy="0"/>
+        </a:xfrm>
+      </p:grpSpPr>
+      <p:sp>
+        <p:nvSpPr>
+          <p:cNvPr id="2" name="Title 1"/>
+          <p:cNvSpPr>
+            <a:spLocks noGrp="1"/>
+          </p:cNvSpPr>
+          <p:nvPr>
+            <p:ph type="title"/>
+          </p:nvPr>
+        </p:nvSpPr>
+        <p:spPr/>
+        <p:txBody>
+          <a:bodyPr/>
+          <a:lstStyle/>
+          <a:p>
+            <a:r>
+              <a:rPr lang="en-US" dirty="0" smtClean="0"/>
               <a:t>Throughput</a:t>
             </a:r>
             <a:endParaRPr lang="en-US" dirty="0"/>
@@ -6756,10 +7113,17 @@
   <p:clrMapOvr>
     <a:masterClrMapping/>
   </p:clrMapOvr>
+  <p:timing>
+    <p:tnLst>
+      <p:par>
+        <p:cTn id="1" dur="indefinite" restart="never" nodeType="tmRoot"/>
+      </p:par>
+    </p:tnLst>
+  </p:timing>
 </p:sld>
 </file>
 
-<file path=ppt/slides/slide19.xml><?xml version="1.0" encoding="utf-8"?>
+<file path=ppt/slides/slide21.xml><?xml version="1.0" encoding="utf-8"?>
 <p:sld xmlns:a="http://schemas.openxmlformats.org/drawingml/2006/main" xmlns:r="http://schemas.openxmlformats.org/officeDocument/2006/relationships" xmlns:p="http://schemas.openxmlformats.org/presentationml/2006/main">
   <p:cSld>
     <p:spTree>
@@ -6950,136 +7314,7 @@
 </p:sld>
 </file>
 
-<file path=ppt/slides/slide2.xml><?xml version="1.0" encoding="utf-8"?>
-<p:sld xmlns:a="http://schemas.openxmlformats.org/drawingml/2006/main" xmlns:r="http://schemas.openxmlformats.org/officeDocument/2006/relationships" xmlns:p="http://schemas.openxmlformats.org/presentationml/2006/main">
-  <p:cSld>
-    <p:spTree>
-      <p:nvGrpSpPr>
-        <p:cNvPr id="1" name=""/>
-        <p:cNvGrpSpPr/>
-        <p:nvPr/>
-      </p:nvGrpSpPr>
-      <p:grpSpPr>
-        <a:xfrm>
-          <a:off x="0" y="0"/>
-          <a:ext cx="0" cy="0"/>
-          <a:chOff x="0" y="0"/>
-          <a:chExt cx="0" cy="0"/>
-        </a:xfrm>
-      </p:grpSpPr>
-      <p:sp>
-        <p:nvSpPr>
-          <p:cNvPr id="2" name="Title 1"/>
-          <p:cNvSpPr>
-            <a:spLocks noGrp="1"/>
-          </p:cNvSpPr>
-          <p:nvPr>
-            <p:ph type="title"/>
-          </p:nvPr>
-        </p:nvSpPr>
-        <p:spPr/>
-        <p:txBody>
-          <a:bodyPr/>
-          <a:lstStyle/>
-          <a:p>
-            <a:r>
-              <a:rPr lang="en-US" dirty="0" smtClean="0"/>
-              <a:t>Objectives</a:t>
-            </a:r>
-            <a:endParaRPr lang="en-US" dirty="0"/>
-          </a:p>
-        </p:txBody>
-      </p:sp>
-      <p:sp>
-        <p:nvSpPr>
-          <p:cNvPr id="3" name="Content Placeholder 2"/>
-          <p:cNvSpPr>
-            <a:spLocks noGrp="1"/>
-          </p:cNvSpPr>
-          <p:nvPr>
-            <p:ph idx="1"/>
-          </p:nvPr>
-        </p:nvSpPr>
-        <p:spPr/>
-        <p:txBody>
-          <a:bodyPr/>
-          <a:lstStyle/>
-          <a:p>
-            <a:r>
-              <a:rPr lang="en-US" dirty="0" smtClean="0"/>
-              <a:t>A </a:t>
-            </a:r>
-            <a:r>
-              <a:rPr lang="en-US" dirty="0"/>
-              <a:t>grounding in systems principles</a:t>
-            </a:r>
-          </a:p>
-          <a:p>
-            <a:r>
-              <a:rPr lang="en-US" dirty="0" smtClean="0"/>
-              <a:t>A </a:t>
-            </a:r>
-            <a:r>
-              <a:rPr lang="en-US" dirty="0"/>
-              <a:t>grand tour of the Operating System</a:t>
-            </a:r>
-          </a:p>
-          <a:p>
-            <a:r>
-              <a:rPr lang="en-US" dirty="0" smtClean="0"/>
-              <a:t>Practical </a:t>
-            </a:r>
-            <a:r>
-              <a:rPr lang="en-US" dirty="0"/>
-              <a:t>insights into how the OS works</a:t>
-            </a:r>
-          </a:p>
-        </p:txBody>
-      </p:sp>
-      <p:sp>
-        <p:nvSpPr>
-          <p:cNvPr id="5" name="Footer Placeholder 4"/>
-          <p:cNvSpPr>
-            <a:spLocks noGrp="1"/>
-          </p:cNvSpPr>
-          <p:nvPr>
-            <p:ph type="ftr" sz="quarter" idx="11"/>
-          </p:nvPr>
-        </p:nvSpPr>
-        <p:spPr/>
-        <p:txBody>
-          <a:bodyPr/>
-          <a:lstStyle/>
-          <a:p>
-            <a:r>
-              <a:rPr lang="en-US" smtClean="0"/>
-              <a:t>Introduction to Operating Systems</a:t>
-            </a:r>
-            <a:endParaRPr lang="en-US" dirty="0"/>
-          </a:p>
-        </p:txBody>
-      </p:sp>
-    </p:spTree>
-    <p:extLst>
-      <p:ext uri="{BB962C8B-B14F-4D97-AF65-F5344CB8AC3E}">
-        <p14:creationId xmlns:p14="http://schemas.microsoft.com/office/powerpoint/2010/main" val="1886148566"/>
-      </p:ext>
-    </p:extLst>
-  </p:cSld>
-  <p:clrMapOvr>
-    <a:masterClrMapping/>
-  </p:clrMapOvr>
-  <p:timing>
-    <p:tnLst>
-      <p:par>
-        <p:cTn id="1" dur="indefinite" restart="never" nodeType="tmRoot"/>
-      </p:par>
-    </p:tnLst>
-  </p:timing>
-</p:sld>
-</file>
-
-<file path=ppt/slides/slide20.xml><?xml version="1.0" encoding="utf-8"?>
+<file path=ppt/slides/slide22.xml><?xml version="1.0" encoding="utf-8"?>
 <p:sld xmlns:a="http://schemas.openxmlformats.org/drawingml/2006/main" xmlns:r="http://schemas.openxmlformats.org/officeDocument/2006/relationships" xmlns:p="http://schemas.openxmlformats.org/presentationml/2006/main">
   <p:cSld>
     <p:spTree>
@@ -7355,700 +7590,6 @@
     <p:extLst>
       <p:ext uri="{BB962C8B-B14F-4D97-AF65-F5344CB8AC3E}">
         <p14:creationId xmlns:p14="http://schemas.microsoft.com/office/powerpoint/2010/main" val="1427152261"/>
-      </p:ext>
-    </p:extLst>
-  </p:cSld>
-  <p:clrMapOvr>
-    <a:masterClrMapping/>
-  </p:clrMapOvr>
-  <p:timing>
-    <p:tnLst>
-      <p:par>
-        <p:cTn id="1" dur="indefinite" restart="never" nodeType="tmRoot"/>
-      </p:par>
-    </p:tnLst>
-  </p:timing>
-</p:sld>
-</file>
-
-<file path=ppt/slides/slide21.xml><?xml version="1.0" encoding="utf-8"?>
-<p:sld xmlns:a="http://schemas.openxmlformats.org/drawingml/2006/main" xmlns:r="http://schemas.openxmlformats.org/officeDocument/2006/relationships" xmlns:p="http://schemas.openxmlformats.org/presentationml/2006/main">
-  <p:cSld>
-    <p:spTree>
-      <p:nvGrpSpPr>
-        <p:cNvPr id="1" name=""/>
-        <p:cNvGrpSpPr/>
-        <p:nvPr/>
-      </p:nvGrpSpPr>
-      <p:grpSpPr>
-        <a:xfrm>
-          <a:off x="0" y="0"/>
-          <a:ext cx="0" cy="0"/>
-          <a:chOff x="0" y="0"/>
-          <a:chExt cx="0" cy="0"/>
-        </a:xfrm>
-      </p:grpSpPr>
-      <p:sp>
-        <p:nvSpPr>
-          <p:cNvPr id="2" name="Title 1"/>
-          <p:cNvSpPr>
-            <a:spLocks noGrp="1"/>
-          </p:cNvSpPr>
-          <p:nvPr>
-            <p:ph type="title"/>
-          </p:nvPr>
-        </p:nvSpPr>
-        <p:spPr/>
-        <p:txBody>
-          <a:bodyPr/>
-          <a:lstStyle/>
-          <a:p>
-            <a:r>
-              <a:rPr lang="en-US" dirty="0" smtClean="0"/>
-              <a:t>Who cares about latency</a:t>
-            </a:r>
-            <a:endParaRPr lang="en-US" dirty="0"/>
-          </a:p>
-        </p:txBody>
-      </p:sp>
-      <p:sp>
-        <p:nvSpPr>
-          <p:cNvPr id="3" name="Content Placeholder 2"/>
-          <p:cNvSpPr>
-            <a:spLocks noGrp="1"/>
-          </p:cNvSpPr>
-          <p:nvPr>
-            <p:ph idx="1"/>
-          </p:nvPr>
-        </p:nvSpPr>
-        <p:spPr/>
-        <p:txBody>
-          <a:bodyPr/>
-          <a:lstStyle/>
-          <a:p>
-            <a:r>
-              <a:rPr lang="en-US" dirty="0" smtClean="0"/>
-              <a:t>Has a direct effect on throughput</a:t>
-            </a:r>
-          </a:p>
-          <a:p>
-            <a:r>
-              <a:rPr lang="en-US" dirty="0" smtClean="0"/>
-              <a:t>Increases system complexity</a:t>
-            </a:r>
-          </a:p>
-          <a:p>
-            <a:r>
-              <a:rPr lang="en-US" dirty="0" smtClean="0"/>
-              <a:t>Hard to avoid when working with real world systems</a:t>
-            </a:r>
-          </a:p>
-          <a:p>
-            <a:r>
-              <a:rPr lang="en-US" dirty="0" smtClean="0"/>
-              <a:t>Will be covered more fully in the Communication section</a:t>
-            </a:r>
-          </a:p>
-        </p:txBody>
-      </p:sp>
-      <p:sp>
-        <p:nvSpPr>
-          <p:cNvPr id="4" name="Footer Placeholder 3"/>
-          <p:cNvSpPr>
-            <a:spLocks noGrp="1"/>
-          </p:cNvSpPr>
-          <p:nvPr>
-            <p:ph type="ftr" sz="quarter" idx="11"/>
-          </p:nvPr>
-        </p:nvSpPr>
-        <p:spPr/>
-        <p:txBody>
-          <a:bodyPr/>
-          <a:lstStyle/>
-          <a:p>
-            <a:r>
-              <a:rPr lang="en-US" smtClean="0"/>
-              <a:t>Introduction to Operating Systems</a:t>
-            </a:r>
-            <a:endParaRPr lang="en-US" dirty="0"/>
-          </a:p>
-        </p:txBody>
-      </p:sp>
-    </p:spTree>
-    <p:extLst>
-      <p:ext uri="{BB962C8B-B14F-4D97-AF65-F5344CB8AC3E}">
-        <p14:creationId xmlns:p14="http://schemas.microsoft.com/office/powerpoint/2010/main" val="1406577408"/>
-      </p:ext>
-    </p:extLst>
-  </p:cSld>
-  <p:clrMapOvr>
-    <a:masterClrMapping/>
-  </p:clrMapOvr>
-</p:sld>
-</file>
-
-<file path=ppt/slides/slide22.xml><?xml version="1.0" encoding="utf-8"?>
-<p:sld xmlns:a="http://schemas.openxmlformats.org/drawingml/2006/main" xmlns:r="http://schemas.openxmlformats.org/officeDocument/2006/relationships" xmlns:p="http://schemas.openxmlformats.org/presentationml/2006/main">
-  <p:cSld>
-    <p:spTree>
-      <p:nvGrpSpPr>
-        <p:cNvPr id="1" name=""/>
-        <p:cNvGrpSpPr/>
-        <p:nvPr/>
-      </p:nvGrpSpPr>
-      <p:grpSpPr>
-        <a:xfrm>
-          <a:off x="0" y="0"/>
-          <a:ext cx="0" cy="0"/>
-          <a:chOff x="0" y="0"/>
-          <a:chExt cx="0" cy="0"/>
-        </a:xfrm>
-      </p:grpSpPr>
-      <p:sp>
-        <p:nvSpPr>
-          <p:cNvPr id="2" name="Title 1"/>
-          <p:cNvSpPr>
-            <a:spLocks noGrp="1"/>
-          </p:cNvSpPr>
-          <p:nvPr>
-            <p:ph type="title"/>
-          </p:nvPr>
-        </p:nvSpPr>
-        <p:spPr/>
-        <p:txBody>
-          <a:bodyPr/>
-          <a:lstStyle/>
-          <a:p>
-            <a:r>
-              <a:rPr lang="en-US" dirty="0" smtClean="0"/>
-              <a:t>Jitter</a:t>
-            </a:r>
-            <a:endParaRPr lang="en-US" dirty="0"/>
-          </a:p>
-        </p:txBody>
-      </p:sp>
-      <p:sp>
-        <p:nvSpPr>
-          <p:cNvPr id="6" name="Content Placeholder 5"/>
-          <p:cNvSpPr>
-            <a:spLocks noGrp="1"/>
-          </p:cNvSpPr>
-          <p:nvPr>
-            <p:ph idx="1"/>
-          </p:nvPr>
-        </p:nvSpPr>
-        <p:spPr/>
-        <p:txBody>
-          <a:bodyPr>
-            <a:normAutofit/>
-          </a:bodyPr>
-          <a:lstStyle/>
-          <a:p>
-            <a:r>
-              <a:rPr lang="en-US" sz="1200" dirty="0">
-                <a:latin typeface="Courier New" charset="0"/>
-                <a:ea typeface="Courier New" charset="0"/>
-                <a:cs typeface="Courier New" charset="0"/>
-              </a:rPr>
-              <a:t>PING </a:t>
-            </a:r>
-            <a:r>
-              <a:rPr lang="en-US" sz="1200" dirty="0" err="1">
-                <a:latin typeface="Courier New" charset="0"/>
-                <a:ea typeface="Courier New" charset="0"/>
-                <a:cs typeface="Courier New" charset="0"/>
-              </a:rPr>
-              <a:t>yahoo.com</a:t>
-            </a:r>
-            <a:r>
-              <a:rPr lang="en-US" sz="1200" dirty="0">
-                <a:latin typeface="Courier New" charset="0"/>
-                <a:ea typeface="Courier New" charset="0"/>
-                <a:cs typeface="Courier New" charset="0"/>
-              </a:rPr>
-              <a:t> (98.138.253.109): 56 data </a:t>
-            </a:r>
-            <a:r>
-              <a:rPr lang="en-US" sz="1200" dirty="0" smtClean="0">
-                <a:latin typeface="Courier New" charset="0"/>
-                <a:ea typeface="Courier New" charset="0"/>
-                <a:cs typeface="Courier New" charset="0"/>
-              </a:rPr>
-              <a:t>bytes</a:t>
-            </a:r>
-          </a:p>
-          <a:p>
-            <a:r>
-              <a:rPr lang="en-US" sz="1200" dirty="0" smtClean="0">
-                <a:latin typeface="Courier New" charset="0"/>
-                <a:ea typeface="Courier New" charset="0"/>
-                <a:cs typeface="Courier New" charset="0"/>
-              </a:rPr>
-              <a:t>64 </a:t>
-            </a:r>
-            <a:r>
-              <a:rPr lang="en-US" sz="1200" dirty="0">
-                <a:latin typeface="Courier New" charset="0"/>
-                <a:ea typeface="Courier New" charset="0"/>
-                <a:cs typeface="Courier New" charset="0"/>
-              </a:rPr>
-              <a:t>bytes from 98.138.253.109: </a:t>
-            </a:r>
-            <a:r>
-              <a:rPr lang="en-US" sz="1200" dirty="0" err="1">
-                <a:latin typeface="Courier New" charset="0"/>
-                <a:ea typeface="Courier New" charset="0"/>
-                <a:cs typeface="Courier New" charset="0"/>
-              </a:rPr>
-              <a:t>icmp_seq</a:t>
-            </a:r>
-            <a:r>
-              <a:rPr lang="en-US" sz="1200" dirty="0">
-                <a:latin typeface="Courier New" charset="0"/>
-                <a:ea typeface="Courier New" charset="0"/>
-                <a:cs typeface="Courier New" charset="0"/>
-              </a:rPr>
-              <a:t>=0 </a:t>
-            </a:r>
-            <a:r>
-              <a:rPr lang="en-US" sz="1200" dirty="0" err="1">
-                <a:latin typeface="Courier New" charset="0"/>
-                <a:ea typeface="Courier New" charset="0"/>
-                <a:cs typeface="Courier New" charset="0"/>
-              </a:rPr>
-              <a:t>ttl</a:t>
-            </a:r>
-            <a:r>
-              <a:rPr lang="en-US" sz="1200" dirty="0">
-                <a:latin typeface="Courier New" charset="0"/>
-                <a:ea typeface="Courier New" charset="0"/>
-                <a:cs typeface="Courier New" charset="0"/>
-              </a:rPr>
-              <a:t>=54 time=33.686 </a:t>
-            </a:r>
-            <a:r>
-              <a:rPr lang="en-US" sz="1200" dirty="0" err="1" smtClean="0">
-                <a:latin typeface="Courier New" charset="0"/>
-                <a:ea typeface="Courier New" charset="0"/>
-                <a:cs typeface="Courier New" charset="0"/>
-              </a:rPr>
-              <a:t>ms</a:t>
-            </a:r>
-            <a:endParaRPr lang="en-US" sz="1200" dirty="0" smtClean="0">
-              <a:latin typeface="Courier New" charset="0"/>
-              <a:ea typeface="Courier New" charset="0"/>
-              <a:cs typeface="Courier New" charset="0"/>
-            </a:endParaRPr>
-          </a:p>
-          <a:p>
-            <a:r>
-              <a:rPr lang="en-US" sz="1200" dirty="0" smtClean="0">
-                <a:latin typeface="Courier New" charset="0"/>
-                <a:ea typeface="Courier New" charset="0"/>
-                <a:cs typeface="Courier New" charset="0"/>
-              </a:rPr>
-              <a:t>64 </a:t>
-            </a:r>
-            <a:r>
-              <a:rPr lang="en-US" sz="1200" dirty="0">
-                <a:latin typeface="Courier New" charset="0"/>
-                <a:ea typeface="Courier New" charset="0"/>
-                <a:cs typeface="Courier New" charset="0"/>
-              </a:rPr>
-              <a:t>bytes from 98.138.253.109: </a:t>
-            </a:r>
-            <a:r>
-              <a:rPr lang="en-US" sz="1200" dirty="0" err="1">
-                <a:latin typeface="Courier New" charset="0"/>
-                <a:ea typeface="Courier New" charset="0"/>
-                <a:cs typeface="Courier New" charset="0"/>
-              </a:rPr>
-              <a:t>icmp_seq</a:t>
-            </a:r>
-            <a:r>
-              <a:rPr lang="en-US" sz="1200" dirty="0">
-                <a:latin typeface="Courier New" charset="0"/>
-                <a:ea typeface="Courier New" charset="0"/>
-                <a:cs typeface="Courier New" charset="0"/>
-              </a:rPr>
-              <a:t>=1 </a:t>
-            </a:r>
-            <a:r>
-              <a:rPr lang="en-US" sz="1200" dirty="0" err="1">
-                <a:latin typeface="Courier New" charset="0"/>
-                <a:ea typeface="Courier New" charset="0"/>
-                <a:cs typeface="Courier New" charset="0"/>
-              </a:rPr>
-              <a:t>ttl</a:t>
-            </a:r>
-            <a:r>
-              <a:rPr lang="en-US" sz="1200" dirty="0">
-                <a:latin typeface="Courier New" charset="0"/>
-                <a:ea typeface="Courier New" charset="0"/>
-                <a:cs typeface="Courier New" charset="0"/>
-              </a:rPr>
-              <a:t>=54 time=33.469 </a:t>
-            </a:r>
-            <a:r>
-              <a:rPr lang="en-US" sz="1200" dirty="0" err="1" smtClean="0">
-                <a:latin typeface="Courier New" charset="0"/>
-                <a:ea typeface="Courier New" charset="0"/>
-                <a:cs typeface="Courier New" charset="0"/>
-              </a:rPr>
-              <a:t>ms</a:t>
-            </a:r>
-            <a:endParaRPr lang="en-US" sz="1200" dirty="0" smtClean="0">
-              <a:latin typeface="Courier New" charset="0"/>
-              <a:ea typeface="Courier New" charset="0"/>
-              <a:cs typeface="Courier New" charset="0"/>
-            </a:endParaRPr>
-          </a:p>
-          <a:p>
-            <a:r>
-              <a:rPr lang="en-US" sz="1200" dirty="0" smtClean="0">
-                <a:latin typeface="Courier New" charset="0"/>
-                <a:ea typeface="Courier New" charset="0"/>
-                <a:cs typeface="Courier New" charset="0"/>
-              </a:rPr>
-              <a:t>64 </a:t>
-            </a:r>
-            <a:r>
-              <a:rPr lang="en-US" sz="1200" dirty="0">
-                <a:latin typeface="Courier New" charset="0"/>
-                <a:ea typeface="Courier New" charset="0"/>
-                <a:cs typeface="Courier New" charset="0"/>
-              </a:rPr>
-              <a:t>bytes from 98.138.253.109: </a:t>
-            </a:r>
-            <a:r>
-              <a:rPr lang="en-US" sz="1200" dirty="0" err="1">
-                <a:latin typeface="Courier New" charset="0"/>
-                <a:ea typeface="Courier New" charset="0"/>
-                <a:cs typeface="Courier New" charset="0"/>
-              </a:rPr>
-              <a:t>icmp_seq</a:t>
-            </a:r>
-            <a:r>
-              <a:rPr lang="en-US" sz="1200" dirty="0">
-                <a:latin typeface="Courier New" charset="0"/>
-                <a:ea typeface="Courier New" charset="0"/>
-                <a:cs typeface="Courier New" charset="0"/>
-              </a:rPr>
-              <a:t>=2 </a:t>
-            </a:r>
-            <a:r>
-              <a:rPr lang="en-US" sz="1200" dirty="0" err="1">
-                <a:latin typeface="Courier New" charset="0"/>
-                <a:ea typeface="Courier New" charset="0"/>
-                <a:cs typeface="Courier New" charset="0"/>
-              </a:rPr>
-              <a:t>ttl</a:t>
-            </a:r>
-            <a:r>
-              <a:rPr lang="en-US" sz="1200" dirty="0">
-                <a:latin typeface="Courier New" charset="0"/>
-                <a:ea typeface="Courier New" charset="0"/>
-                <a:cs typeface="Courier New" charset="0"/>
-              </a:rPr>
-              <a:t>=54 time=33.525 </a:t>
-            </a:r>
-            <a:r>
-              <a:rPr lang="en-US" sz="1200" dirty="0" err="1" smtClean="0">
-                <a:latin typeface="Courier New" charset="0"/>
-                <a:ea typeface="Courier New" charset="0"/>
-                <a:cs typeface="Courier New" charset="0"/>
-              </a:rPr>
-              <a:t>ms</a:t>
-            </a:r>
-            <a:endParaRPr lang="en-US" sz="1200" dirty="0" smtClean="0">
-              <a:latin typeface="Courier New" charset="0"/>
-              <a:ea typeface="Courier New" charset="0"/>
-              <a:cs typeface="Courier New" charset="0"/>
-            </a:endParaRPr>
-          </a:p>
-          <a:p>
-            <a:r>
-              <a:rPr lang="en-US" sz="1200" dirty="0" smtClean="0">
-                <a:latin typeface="Courier New" charset="0"/>
-                <a:ea typeface="Courier New" charset="0"/>
-                <a:cs typeface="Courier New" charset="0"/>
-              </a:rPr>
-              <a:t>64 </a:t>
-            </a:r>
-            <a:r>
-              <a:rPr lang="en-US" sz="1200" dirty="0">
-                <a:latin typeface="Courier New" charset="0"/>
-                <a:ea typeface="Courier New" charset="0"/>
-                <a:cs typeface="Courier New" charset="0"/>
-              </a:rPr>
-              <a:t>bytes from 98.138.253.109: </a:t>
-            </a:r>
-            <a:r>
-              <a:rPr lang="en-US" sz="1200" dirty="0" err="1">
-                <a:latin typeface="Courier New" charset="0"/>
-                <a:ea typeface="Courier New" charset="0"/>
-                <a:cs typeface="Courier New" charset="0"/>
-              </a:rPr>
-              <a:t>icmp_seq</a:t>
-            </a:r>
-            <a:r>
-              <a:rPr lang="en-US" sz="1200" dirty="0">
-                <a:latin typeface="Courier New" charset="0"/>
-                <a:ea typeface="Courier New" charset="0"/>
-                <a:cs typeface="Courier New" charset="0"/>
-              </a:rPr>
-              <a:t>=3 </a:t>
-            </a:r>
-            <a:r>
-              <a:rPr lang="en-US" sz="1200" dirty="0" err="1">
-                <a:latin typeface="Courier New" charset="0"/>
-                <a:ea typeface="Courier New" charset="0"/>
-                <a:cs typeface="Courier New" charset="0"/>
-              </a:rPr>
-              <a:t>ttl</a:t>
-            </a:r>
-            <a:r>
-              <a:rPr lang="en-US" sz="1200" dirty="0">
-                <a:latin typeface="Courier New" charset="0"/>
-                <a:ea typeface="Courier New" charset="0"/>
-                <a:cs typeface="Courier New" charset="0"/>
-              </a:rPr>
-              <a:t>=54 time=35.267 </a:t>
-            </a:r>
-            <a:r>
-              <a:rPr lang="en-US" sz="1200" dirty="0" err="1" smtClean="0">
-                <a:latin typeface="Courier New" charset="0"/>
-                <a:ea typeface="Courier New" charset="0"/>
-                <a:cs typeface="Courier New" charset="0"/>
-              </a:rPr>
-              <a:t>ms</a:t>
-            </a:r>
-            <a:endParaRPr lang="en-US" sz="1200" dirty="0" smtClean="0">
-              <a:latin typeface="Courier New" charset="0"/>
-              <a:ea typeface="Courier New" charset="0"/>
-              <a:cs typeface="Courier New" charset="0"/>
-            </a:endParaRPr>
-          </a:p>
-          <a:p>
-            <a:r>
-              <a:rPr lang="en-US" sz="1200" dirty="0" smtClean="0">
-                <a:latin typeface="Courier New" charset="0"/>
-                <a:ea typeface="Courier New" charset="0"/>
-                <a:cs typeface="Courier New" charset="0"/>
-              </a:rPr>
-              <a:t>64 </a:t>
-            </a:r>
-            <a:r>
-              <a:rPr lang="en-US" sz="1200" dirty="0">
-                <a:latin typeface="Courier New" charset="0"/>
-                <a:ea typeface="Courier New" charset="0"/>
-                <a:cs typeface="Courier New" charset="0"/>
-              </a:rPr>
-              <a:t>bytes from 98.138.253.109: </a:t>
-            </a:r>
-            <a:r>
-              <a:rPr lang="en-US" sz="1200" dirty="0" err="1">
-                <a:latin typeface="Courier New" charset="0"/>
-                <a:ea typeface="Courier New" charset="0"/>
-                <a:cs typeface="Courier New" charset="0"/>
-              </a:rPr>
-              <a:t>icmp_seq</a:t>
-            </a:r>
-            <a:r>
-              <a:rPr lang="en-US" sz="1200" dirty="0">
-                <a:latin typeface="Courier New" charset="0"/>
-                <a:ea typeface="Courier New" charset="0"/>
-                <a:cs typeface="Courier New" charset="0"/>
-              </a:rPr>
-              <a:t>=4 </a:t>
-            </a:r>
-            <a:r>
-              <a:rPr lang="en-US" sz="1200" dirty="0" err="1">
-                <a:latin typeface="Courier New" charset="0"/>
-                <a:ea typeface="Courier New" charset="0"/>
-                <a:cs typeface="Courier New" charset="0"/>
-              </a:rPr>
-              <a:t>ttl</a:t>
-            </a:r>
-            <a:r>
-              <a:rPr lang="en-US" sz="1200" dirty="0">
-                <a:latin typeface="Courier New" charset="0"/>
-                <a:ea typeface="Courier New" charset="0"/>
-                <a:cs typeface="Courier New" charset="0"/>
-              </a:rPr>
-              <a:t>=54 time=38.442 </a:t>
-            </a:r>
-            <a:r>
-              <a:rPr lang="en-US" sz="1200" dirty="0" err="1" smtClean="0">
-                <a:latin typeface="Courier New" charset="0"/>
-                <a:ea typeface="Courier New" charset="0"/>
-                <a:cs typeface="Courier New" charset="0"/>
-              </a:rPr>
-              <a:t>ms</a:t>
-            </a:r>
-            <a:endParaRPr lang="en-US" sz="1200" dirty="0" smtClean="0">
-              <a:latin typeface="Courier New" charset="0"/>
-              <a:ea typeface="Courier New" charset="0"/>
-              <a:cs typeface="Courier New" charset="0"/>
-            </a:endParaRPr>
-          </a:p>
-          <a:p>
-            <a:r>
-              <a:rPr lang="en-US" sz="1200" dirty="0" smtClean="0">
-                <a:latin typeface="Courier New" charset="0"/>
-                <a:ea typeface="Courier New" charset="0"/>
-                <a:cs typeface="Courier New" charset="0"/>
-              </a:rPr>
-              <a:t>^</a:t>
-            </a:r>
-            <a:r>
-              <a:rPr lang="en-US" sz="1200" dirty="0">
-                <a:latin typeface="Courier New" charset="0"/>
-                <a:ea typeface="Courier New" charset="0"/>
-                <a:cs typeface="Courier New" charset="0"/>
-              </a:rPr>
-              <a:t>C--- </a:t>
-            </a:r>
-            <a:r>
-              <a:rPr lang="en-US" sz="1200" dirty="0" err="1">
-                <a:latin typeface="Courier New" charset="0"/>
-                <a:ea typeface="Courier New" charset="0"/>
-                <a:cs typeface="Courier New" charset="0"/>
-              </a:rPr>
-              <a:t>yahoo.com</a:t>
-            </a:r>
-            <a:r>
-              <a:rPr lang="en-US" sz="1200" dirty="0">
-                <a:latin typeface="Courier New" charset="0"/>
-                <a:ea typeface="Courier New" charset="0"/>
-                <a:cs typeface="Courier New" charset="0"/>
-              </a:rPr>
-              <a:t> ping statistics ---5 packets transmitted, 5 packets received, 0.0% packet </a:t>
-            </a:r>
-            <a:r>
-              <a:rPr lang="en-US" sz="1200" dirty="0" err="1">
-                <a:latin typeface="Courier New" charset="0"/>
-                <a:ea typeface="Courier New" charset="0"/>
-                <a:cs typeface="Courier New" charset="0"/>
-              </a:rPr>
-              <a:t>lossround</a:t>
-            </a:r>
-            <a:r>
-              <a:rPr lang="en-US" sz="1200" dirty="0">
-                <a:latin typeface="Courier New" charset="0"/>
-                <a:ea typeface="Courier New" charset="0"/>
-                <a:cs typeface="Courier New" charset="0"/>
-              </a:rPr>
-              <a:t>-trip min/</a:t>
-            </a:r>
-            <a:r>
-              <a:rPr lang="en-US" sz="1200" dirty="0" err="1">
-                <a:latin typeface="Courier New" charset="0"/>
-                <a:ea typeface="Courier New" charset="0"/>
-                <a:cs typeface="Courier New" charset="0"/>
-              </a:rPr>
-              <a:t>avg</a:t>
-            </a:r>
-            <a:r>
-              <a:rPr lang="en-US" sz="1200" dirty="0">
-                <a:latin typeface="Courier New" charset="0"/>
-                <a:ea typeface="Courier New" charset="0"/>
-                <a:cs typeface="Courier New" charset="0"/>
-              </a:rPr>
-              <a:t>/max/</a:t>
-            </a:r>
-            <a:r>
-              <a:rPr lang="en-US" sz="1200" dirty="0" err="1">
-                <a:latin typeface="Courier New" charset="0"/>
-                <a:ea typeface="Courier New" charset="0"/>
-                <a:cs typeface="Courier New" charset="0"/>
-              </a:rPr>
-              <a:t>stddev</a:t>
-            </a:r>
-            <a:r>
-              <a:rPr lang="en-US" sz="1200" dirty="0">
-                <a:latin typeface="Courier New" charset="0"/>
-                <a:ea typeface="Courier New" charset="0"/>
-                <a:cs typeface="Courier New" charset="0"/>
-              </a:rPr>
-              <a:t> = 33.469/34.878/38.442/1.902 </a:t>
-            </a:r>
-            <a:r>
-              <a:rPr lang="en-US" sz="1200" dirty="0" err="1">
-                <a:latin typeface="Courier New" charset="0"/>
-                <a:ea typeface="Courier New" charset="0"/>
-                <a:cs typeface="Courier New" charset="0"/>
-              </a:rPr>
-              <a:t>ms</a:t>
-            </a:r>
-            <a:endParaRPr lang="en-US" sz="1200" dirty="0">
-              <a:latin typeface="Courier New" charset="0"/>
-              <a:ea typeface="Courier New" charset="0"/>
-              <a:cs typeface="Courier New" charset="0"/>
-            </a:endParaRPr>
-          </a:p>
-        </p:txBody>
-      </p:sp>
-      <p:sp>
-        <p:nvSpPr>
-          <p:cNvPr id="3" name="Content Placeholder 2"/>
-          <p:cNvSpPr>
-            <a:spLocks noGrp="1"/>
-          </p:cNvSpPr>
-          <p:nvPr>
-            <p:ph type="body" sz="half" idx="2"/>
-          </p:nvPr>
-        </p:nvSpPr>
-        <p:spPr/>
-        <p:txBody>
-          <a:bodyPr>
-            <a:normAutofit/>
-          </a:bodyPr>
-          <a:lstStyle/>
-          <a:p>
-            <a:r>
-              <a:rPr lang="en-US" dirty="0" smtClean="0"/>
-              <a:t>Least known or understood</a:t>
-            </a:r>
-          </a:p>
-          <a:p>
-            <a:r>
-              <a:rPr lang="en-US" dirty="0" smtClean="0"/>
-              <a:t>Change in latency over time</a:t>
-            </a:r>
-          </a:p>
-          <a:p>
-            <a:endParaRPr lang="en-US" dirty="0" smtClean="0"/>
-          </a:p>
-        </p:txBody>
-      </p:sp>
-      <p:sp>
-        <p:nvSpPr>
-          <p:cNvPr id="4" name="Footer Placeholder 3"/>
-          <p:cNvSpPr>
-            <a:spLocks noGrp="1"/>
-          </p:cNvSpPr>
-          <p:nvPr>
-            <p:ph type="ftr" sz="quarter" idx="11"/>
-          </p:nvPr>
-        </p:nvSpPr>
-        <p:spPr/>
-        <p:txBody>
-          <a:bodyPr/>
-          <a:lstStyle/>
-          <a:p>
-            <a:r>
-              <a:rPr lang="en-US" smtClean="0"/>
-              <a:t>Introduction to Operating Systems</a:t>
-            </a:r>
-            <a:endParaRPr lang="en-US" dirty="0"/>
-          </a:p>
-        </p:txBody>
-      </p:sp>
-    </p:spTree>
-    <p:extLst>
-      <p:ext uri="{BB962C8B-B14F-4D97-AF65-F5344CB8AC3E}">
-        <p14:creationId xmlns:p14="http://schemas.microsoft.com/office/powerpoint/2010/main" val="1701143928"/>
       </p:ext>
     </p:extLst>
   </p:cSld>
@@ -8084,7 +7625,7 @@
       </p:grpSpPr>
       <p:sp>
         <p:nvSpPr>
-          <p:cNvPr id="6" name="Title 5"/>
+          <p:cNvPr id="2" name="Title 1"/>
           <p:cNvSpPr>
             <a:spLocks noGrp="1"/>
           </p:cNvSpPr>
@@ -8099,15 +7640,15 @@
           <a:p>
             <a:r>
               <a:rPr lang="en-US" dirty="0" smtClean="0"/>
-              <a:t>Who cares about jitter?</a:t>
-            </a:r>
-            <a:endParaRPr lang="en-US" dirty="0"/>
-          </a:p>
-        </p:txBody>
-      </p:sp>
-      <p:sp>
-        <p:nvSpPr>
-          <p:cNvPr id="7" name="Content Placeholder 6"/>
+              <a:t>Who cares about latency</a:t>
+            </a:r>
+            <a:endParaRPr lang="en-US" dirty="0"/>
+          </a:p>
+        </p:txBody>
+      </p:sp>
+      <p:sp>
+        <p:nvSpPr>
+          <p:cNvPr id="3" name="Content Placeholder 2"/>
           <p:cNvSpPr>
             <a:spLocks noGrp="1"/>
           </p:cNvSpPr>
@@ -8122,74 +7663,32 @@
           <a:p>
             <a:r>
               <a:rPr lang="en-US" dirty="0" smtClean="0"/>
-              <a:t>Network time protocols such as NTP and PTP</a:t>
-            </a:r>
-          </a:p>
-          <a:p>
-            <a:r>
-              <a:rPr lang="en-US" dirty="0" smtClean="0"/>
-              <a:t>Real-Time Operating Systems</a:t>
-            </a:r>
-          </a:p>
-          <a:p>
-            <a:pPr lvl="1"/>
-            <a:r>
-              <a:rPr lang="en-US" dirty="0" smtClean="0"/>
-              <a:t>Flight safety</a:t>
-            </a:r>
-          </a:p>
-          <a:p>
-            <a:pPr lvl="1"/>
-            <a:r>
-              <a:rPr lang="en-US" dirty="0" smtClean="0"/>
-              <a:t>Robotics</a:t>
-            </a:r>
-          </a:p>
-          <a:p>
-            <a:pPr lvl="1"/>
-            <a:r>
-              <a:rPr lang="en-US" dirty="0" smtClean="0"/>
-              <a:t>Things that move in the real world</a:t>
-            </a:r>
-          </a:p>
-          <a:p>
-            <a:r>
-              <a:rPr lang="en-US" dirty="0" smtClean="0"/>
-              <a:t>High fidelity data recording</a:t>
-            </a:r>
-          </a:p>
-          <a:p>
-            <a:pPr lvl="1"/>
-            <a:r>
-              <a:rPr lang="en-US" dirty="0" smtClean="0"/>
-              <a:t>Climate</a:t>
-            </a:r>
-          </a:p>
-          <a:p>
-            <a:pPr lvl="1"/>
-            <a:r>
-              <a:rPr lang="en-US" dirty="0" smtClean="0"/>
-              <a:t>Oceanography</a:t>
-            </a:r>
-          </a:p>
-          <a:p>
-            <a:r>
-              <a:rPr lang="en-US" dirty="0" smtClean="0"/>
-              <a:t>Audio Systems</a:t>
-            </a:r>
-          </a:p>
-          <a:p>
-            <a:r>
-              <a:rPr lang="en-US" dirty="0" err="1" smtClean="0"/>
-              <a:t>Lipsynch</a:t>
-            </a:r>
-            <a:endParaRPr lang="en-US" dirty="0"/>
-          </a:p>
-        </p:txBody>
-      </p:sp>
-      <p:sp>
-        <p:nvSpPr>
-          <p:cNvPr id="5" name="Footer Placeholder 4"/>
+              <a:t>Has a direct effect on throughput</a:t>
+            </a:r>
+          </a:p>
+          <a:p>
+            <a:r>
+              <a:rPr lang="en-US" dirty="0" smtClean="0"/>
+              <a:t>Increases system complexity</a:t>
+            </a:r>
+          </a:p>
+          <a:p>
+            <a:r>
+              <a:rPr lang="en-US" dirty="0" smtClean="0"/>
+              <a:t>Hard to avoid when working with real world systems</a:t>
+            </a:r>
+          </a:p>
+          <a:p>
+            <a:r>
+              <a:rPr lang="en-US" dirty="0" smtClean="0"/>
+              <a:t>Will be covered more fully in the Communication section</a:t>
+            </a:r>
+          </a:p>
+        </p:txBody>
+      </p:sp>
+      <p:sp>
+        <p:nvSpPr>
+          <p:cNvPr id="4" name="Footer Placeholder 3"/>
           <p:cNvSpPr>
             <a:spLocks noGrp="1"/>
           </p:cNvSpPr>
@@ -8206,14 +7705,14 @@
               <a:rPr lang="en-US" smtClean="0"/>
               <a:t>Introduction to Operating Systems</a:t>
             </a:r>
-            <a:endParaRPr lang="en-US"/>
+            <a:endParaRPr lang="en-US" dirty="0"/>
           </a:p>
         </p:txBody>
       </p:sp>
     </p:spTree>
     <p:extLst>
       <p:ext uri="{BB962C8B-B14F-4D97-AF65-F5344CB8AC3E}">
-        <p14:creationId xmlns:p14="http://schemas.microsoft.com/office/powerpoint/2010/main" val="1279974992"/>
+        <p14:creationId xmlns:p14="http://schemas.microsoft.com/office/powerpoint/2010/main" val="1406577408"/>
       </p:ext>
     </p:extLst>
   </p:cSld>
@@ -8257,9 +7756,471 @@
           <a:p>
             <a:r>
               <a:rPr lang="en-US" dirty="0" smtClean="0"/>
-              <a:t>Judging the Code</a:t>
-            </a:r>
-            <a:endParaRPr lang="en-US" dirty="0"/>
+              <a:t>Jitter</a:t>
+            </a:r>
+            <a:endParaRPr lang="en-US" dirty="0"/>
+          </a:p>
+        </p:txBody>
+      </p:sp>
+      <p:sp>
+        <p:nvSpPr>
+          <p:cNvPr id="6" name="Content Placeholder 5"/>
+          <p:cNvSpPr>
+            <a:spLocks noGrp="1"/>
+          </p:cNvSpPr>
+          <p:nvPr>
+            <p:ph idx="1"/>
+          </p:nvPr>
+        </p:nvSpPr>
+        <p:spPr/>
+        <p:txBody>
+          <a:bodyPr>
+            <a:normAutofit/>
+          </a:bodyPr>
+          <a:lstStyle/>
+          <a:p>
+            <a:r>
+              <a:rPr lang="en-US" sz="1200" dirty="0">
+                <a:latin typeface="Courier New" charset="0"/>
+                <a:ea typeface="Courier New" charset="0"/>
+                <a:cs typeface="Courier New" charset="0"/>
+              </a:rPr>
+              <a:t>PING </a:t>
+            </a:r>
+            <a:r>
+              <a:rPr lang="en-US" sz="1200" dirty="0" err="1">
+                <a:latin typeface="Courier New" charset="0"/>
+                <a:ea typeface="Courier New" charset="0"/>
+                <a:cs typeface="Courier New" charset="0"/>
+              </a:rPr>
+              <a:t>yahoo.com</a:t>
+            </a:r>
+            <a:r>
+              <a:rPr lang="en-US" sz="1200" dirty="0">
+                <a:latin typeface="Courier New" charset="0"/>
+                <a:ea typeface="Courier New" charset="0"/>
+                <a:cs typeface="Courier New" charset="0"/>
+              </a:rPr>
+              <a:t> (98.138.253.109): 56 data </a:t>
+            </a:r>
+            <a:r>
+              <a:rPr lang="en-US" sz="1200" dirty="0" smtClean="0">
+                <a:latin typeface="Courier New" charset="0"/>
+                <a:ea typeface="Courier New" charset="0"/>
+                <a:cs typeface="Courier New" charset="0"/>
+              </a:rPr>
+              <a:t>bytes</a:t>
+            </a:r>
+          </a:p>
+          <a:p>
+            <a:r>
+              <a:rPr lang="en-US" sz="1200" dirty="0" smtClean="0">
+                <a:latin typeface="Courier New" charset="0"/>
+                <a:ea typeface="Courier New" charset="0"/>
+                <a:cs typeface="Courier New" charset="0"/>
+              </a:rPr>
+              <a:t>64 </a:t>
+            </a:r>
+            <a:r>
+              <a:rPr lang="en-US" sz="1200" dirty="0">
+                <a:latin typeface="Courier New" charset="0"/>
+                <a:ea typeface="Courier New" charset="0"/>
+                <a:cs typeface="Courier New" charset="0"/>
+              </a:rPr>
+              <a:t>bytes from 98.138.253.109: </a:t>
+            </a:r>
+            <a:r>
+              <a:rPr lang="en-US" sz="1200" dirty="0" err="1">
+                <a:latin typeface="Courier New" charset="0"/>
+                <a:ea typeface="Courier New" charset="0"/>
+                <a:cs typeface="Courier New" charset="0"/>
+              </a:rPr>
+              <a:t>icmp_seq</a:t>
+            </a:r>
+            <a:r>
+              <a:rPr lang="en-US" sz="1200" dirty="0">
+                <a:latin typeface="Courier New" charset="0"/>
+                <a:ea typeface="Courier New" charset="0"/>
+                <a:cs typeface="Courier New" charset="0"/>
+              </a:rPr>
+              <a:t>=0 </a:t>
+            </a:r>
+            <a:r>
+              <a:rPr lang="en-US" sz="1200" dirty="0" err="1">
+                <a:latin typeface="Courier New" charset="0"/>
+                <a:ea typeface="Courier New" charset="0"/>
+                <a:cs typeface="Courier New" charset="0"/>
+              </a:rPr>
+              <a:t>ttl</a:t>
+            </a:r>
+            <a:r>
+              <a:rPr lang="en-US" sz="1200" dirty="0">
+                <a:latin typeface="Courier New" charset="0"/>
+                <a:ea typeface="Courier New" charset="0"/>
+                <a:cs typeface="Courier New" charset="0"/>
+              </a:rPr>
+              <a:t>=54 time=33.686 </a:t>
+            </a:r>
+            <a:r>
+              <a:rPr lang="en-US" sz="1200" dirty="0" err="1" smtClean="0">
+                <a:latin typeface="Courier New" charset="0"/>
+                <a:ea typeface="Courier New" charset="0"/>
+                <a:cs typeface="Courier New" charset="0"/>
+              </a:rPr>
+              <a:t>ms</a:t>
+            </a:r>
+            <a:endParaRPr lang="en-US" sz="1200" dirty="0" smtClean="0">
+              <a:latin typeface="Courier New" charset="0"/>
+              <a:ea typeface="Courier New" charset="0"/>
+              <a:cs typeface="Courier New" charset="0"/>
+            </a:endParaRPr>
+          </a:p>
+          <a:p>
+            <a:r>
+              <a:rPr lang="en-US" sz="1200" dirty="0" smtClean="0">
+                <a:latin typeface="Courier New" charset="0"/>
+                <a:ea typeface="Courier New" charset="0"/>
+                <a:cs typeface="Courier New" charset="0"/>
+              </a:rPr>
+              <a:t>64 </a:t>
+            </a:r>
+            <a:r>
+              <a:rPr lang="en-US" sz="1200" dirty="0">
+                <a:latin typeface="Courier New" charset="0"/>
+                <a:ea typeface="Courier New" charset="0"/>
+                <a:cs typeface="Courier New" charset="0"/>
+              </a:rPr>
+              <a:t>bytes from 98.138.253.109: </a:t>
+            </a:r>
+            <a:r>
+              <a:rPr lang="en-US" sz="1200" dirty="0" err="1">
+                <a:latin typeface="Courier New" charset="0"/>
+                <a:ea typeface="Courier New" charset="0"/>
+                <a:cs typeface="Courier New" charset="0"/>
+              </a:rPr>
+              <a:t>icmp_seq</a:t>
+            </a:r>
+            <a:r>
+              <a:rPr lang="en-US" sz="1200" dirty="0">
+                <a:latin typeface="Courier New" charset="0"/>
+                <a:ea typeface="Courier New" charset="0"/>
+                <a:cs typeface="Courier New" charset="0"/>
+              </a:rPr>
+              <a:t>=1 </a:t>
+            </a:r>
+            <a:r>
+              <a:rPr lang="en-US" sz="1200" dirty="0" err="1">
+                <a:latin typeface="Courier New" charset="0"/>
+                <a:ea typeface="Courier New" charset="0"/>
+                <a:cs typeface="Courier New" charset="0"/>
+              </a:rPr>
+              <a:t>ttl</a:t>
+            </a:r>
+            <a:r>
+              <a:rPr lang="en-US" sz="1200" dirty="0">
+                <a:latin typeface="Courier New" charset="0"/>
+                <a:ea typeface="Courier New" charset="0"/>
+                <a:cs typeface="Courier New" charset="0"/>
+              </a:rPr>
+              <a:t>=54 time=33.469 </a:t>
+            </a:r>
+            <a:r>
+              <a:rPr lang="en-US" sz="1200" dirty="0" err="1" smtClean="0">
+                <a:latin typeface="Courier New" charset="0"/>
+                <a:ea typeface="Courier New" charset="0"/>
+                <a:cs typeface="Courier New" charset="0"/>
+              </a:rPr>
+              <a:t>ms</a:t>
+            </a:r>
+            <a:endParaRPr lang="en-US" sz="1200" dirty="0" smtClean="0">
+              <a:latin typeface="Courier New" charset="0"/>
+              <a:ea typeface="Courier New" charset="0"/>
+              <a:cs typeface="Courier New" charset="0"/>
+            </a:endParaRPr>
+          </a:p>
+          <a:p>
+            <a:r>
+              <a:rPr lang="en-US" sz="1200" dirty="0" smtClean="0">
+                <a:latin typeface="Courier New" charset="0"/>
+                <a:ea typeface="Courier New" charset="0"/>
+                <a:cs typeface="Courier New" charset="0"/>
+              </a:rPr>
+              <a:t>64 </a:t>
+            </a:r>
+            <a:r>
+              <a:rPr lang="en-US" sz="1200" dirty="0">
+                <a:latin typeface="Courier New" charset="0"/>
+                <a:ea typeface="Courier New" charset="0"/>
+                <a:cs typeface="Courier New" charset="0"/>
+              </a:rPr>
+              <a:t>bytes from 98.138.253.109: </a:t>
+            </a:r>
+            <a:r>
+              <a:rPr lang="en-US" sz="1200" dirty="0" err="1">
+                <a:latin typeface="Courier New" charset="0"/>
+                <a:ea typeface="Courier New" charset="0"/>
+                <a:cs typeface="Courier New" charset="0"/>
+              </a:rPr>
+              <a:t>icmp_seq</a:t>
+            </a:r>
+            <a:r>
+              <a:rPr lang="en-US" sz="1200" dirty="0">
+                <a:latin typeface="Courier New" charset="0"/>
+                <a:ea typeface="Courier New" charset="0"/>
+                <a:cs typeface="Courier New" charset="0"/>
+              </a:rPr>
+              <a:t>=2 </a:t>
+            </a:r>
+            <a:r>
+              <a:rPr lang="en-US" sz="1200" dirty="0" err="1">
+                <a:latin typeface="Courier New" charset="0"/>
+                <a:ea typeface="Courier New" charset="0"/>
+                <a:cs typeface="Courier New" charset="0"/>
+              </a:rPr>
+              <a:t>ttl</a:t>
+            </a:r>
+            <a:r>
+              <a:rPr lang="en-US" sz="1200" dirty="0">
+                <a:latin typeface="Courier New" charset="0"/>
+                <a:ea typeface="Courier New" charset="0"/>
+                <a:cs typeface="Courier New" charset="0"/>
+              </a:rPr>
+              <a:t>=54 time=33.525 </a:t>
+            </a:r>
+            <a:r>
+              <a:rPr lang="en-US" sz="1200" dirty="0" err="1" smtClean="0">
+                <a:latin typeface="Courier New" charset="0"/>
+                <a:ea typeface="Courier New" charset="0"/>
+                <a:cs typeface="Courier New" charset="0"/>
+              </a:rPr>
+              <a:t>ms</a:t>
+            </a:r>
+            <a:endParaRPr lang="en-US" sz="1200" dirty="0" smtClean="0">
+              <a:latin typeface="Courier New" charset="0"/>
+              <a:ea typeface="Courier New" charset="0"/>
+              <a:cs typeface="Courier New" charset="0"/>
+            </a:endParaRPr>
+          </a:p>
+          <a:p>
+            <a:r>
+              <a:rPr lang="en-US" sz="1200" dirty="0" smtClean="0">
+                <a:latin typeface="Courier New" charset="0"/>
+                <a:ea typeface="Courier New" charset="0"/>
+                <a:cs typeface="Courier New" charset="0"/>
+              </a:rPr>
+              <a:t>64 </a:t>
+            </a:r>
+            <a:r>
+              <a:rPr lang="en-US" sz="1200" dirty="0">
+                <a:latin typeface="Courier New" charset="0"/>
+                <a:ea typeface="Courier New" charset="0"/>
+                <a:cs typeface="Courier New" charset="0"/>
+              </a:rPr>
+              <a:t>bytes from 98.138.253.109: </a:t>
+            </a:r>
+            <a:r>
+              <a:rPr lang="en-US" sz="1200" dirty="0" err="1">
+                <a:latin typeface="Courier New" charset="0"/>
+                <a:ea typeface="Courier New" charset="0"/>
+                <a:cs typeface="Courier New" charset="0"/>
+              </a:rPr>
+              <a:t>icmp_seq</a:t>
+            </a:r>
+            <a:r>
+              <a:rPr lang="en-US" sz="1200" dirty="0">
+                <a:latin typeface="Courier New" charset="0"/>
+                <a:ea typeface="Courier New" charset="0"/>
+                <a:cs typeface="Courier New" charset="0"/>
+              </a:rPr>
+              <a:t>=3 </a:t>
+            </a:r>
+            <a:r>
+              <a:rPr lang="en-US" sz="1200" dirty="0" err="1">
+                <a:latin typeface="Courier New" charset="0"/>
+                <a:ea typeface="Courier New" charset="0"/>
+                <a:cs typeface="Courier New" charset="0"/>
+              </a:rPr>
+              <a:t>ttl</a:t>
+            </a:r>
+            <a:r>
+              <a:rPr lang="en-US" sz="1200" dirty="0">
+                <a:latin typeface="Courier New" charset="0"/>
+                <a:ea typeface="Courier New" charset="0"/>
+                <a:cs typeface="Courier New" charset="0"/>
+              </a:rPr>
+              <a:t>=54 time=35.267 </a:t>
+            </a:r>
+            <a:r>
+              <a:rPr lang="en-US" sz="1200" dirty="0" err="1" smtClean="0">
+                <a:latin typeface="Courier New" charset="0"/>
+                <a:ea typeface="Courier New" charset="0"/>
+                <a:cs typeface="Courier New" charset="0"/>
+              </a:rPr>
+              <a:t>ms</a:t>
+            </a:r>
+            <a:endParaRPr lang="en-US" sz="1200" dirty="0" smtClean="0">
+              <a:latin typeface="Courier New" charset="0"/>
+              <a:ea typeface="Courier New" charset="0"/>
+              <a:cs typeface="Courier New" charset="0"/>
+            </a:endParaRPr>
+          </a:p>
+          <a:p>
+            <a:r>
+              <a:rPr lang="en-US" sz="1200" dirty="0" smtClean="0">
+                <a:latin typeface="Courier New" charset="0"/>
+                <a:ea typeface="Courier New" charset="0"/>
+                <a:cs typeface="Courier New" charset="0"/>
+              </a:rPr>
+              <a:t>64 </a:t>
+            </a:r>
+            <a:r>
+              <a:rPr lang="en-US" sz="1200" dirty="0">
+                <a:latin typeface="Courier New" charset="0"/>
+                <a:ea typeface="Courier New" charset="0"/>
+                <a:cs typeface="Courier New" charset="0"/>
+              </a:rPr>
+              <a:t>bytes from 98.138.253.109: </a:t>
+            </a:r>
+            <a:r>
+              <a:rPr lang="en-US" sz="1200" dirty="0" err="1">
+                <a:latin typeface="Courier New" charset="0"/>
+                <a:ea typeface="Courier New" charset="0"/>
+                <a:cs typeface="Courier New" charset="0"/>
+              </a:rPr>
+              <a:t>icmp_seq</a:t>
+            </a:r>
+            <a:r>
+              <a:rPr lang="en-US" sz="1200" dirty="0">
+                <a:latin typeface="Courier New" charset="0"/>
+                <a:ea typeface="Courier New" charset="0"/>
+                <a:cs typeface="Courier New" charset="0"/>
+              </a:rPr>
+              <a:t>=4 </a:t>
+            </a:r>
+            <a:r>
+              <a:rPr lang="en-US" sz="1200" dirty="0" err="1">
+                <a:latin typeface="Courier New" charset="0"/>
+                <a:ea typeface="Courier New" charset="0"/>
+                <a:cs typeface="Courier New" charset="0"/>
+              </a:rPr>
+              <a:t>ttl</a:t>
+            </a:r>
+            <a:r>
+              <a:rPr lang="en-US" sz="1200" dirty="0">
+                <a:latin typeface="Courier New" charset="0"/>
+                <a:ea typeface="Courier New" charset="0"/>
+                <a:cs typeface="Courier New" charset="0"/>
+              </a:rPr>
+              <a:t>=54 time=38.442 </a:t>
+            </a:r>
+            <a:r>
+              <a:rPr lang="en-US" sz="1200" dirty="0" err="1" smtClean="0">
+                <a:latin typeface="Courier New" charset="0"/>
+                <a:ea typeface="Courier New" charset="0"/>
+                <a:cs typeface="Courier New" charset="0"/>
+              </a:rPr>
+              <a:t>ms</a:t>
+            </a:r>
+            <a:endParaRPr lang="en-US" sz="1200" dirty="0" smtClean="0">
+              <a:latin typeface="Courier New" charset="0"/>
+              <a:ea typeface="Courier New" charset="0"/>
+              <a:cs typeface="Courier New" charset="0"/>
+            </a:endParaRPr>
+          </a:p>
+          <a:p>
+            <a:r>
+              <a:rPr lang="en-US" sz="1200" dirty="0" smtClean="0">
+                <a:latin typeface="Courier New" charset="0"/>
+                <a:ea typeface="Courier New" charset="0"/>
+                <a:cs typeface="Courier New" charset="0"/>
+              </a:rPr>
+              <a:t>^</a:t>
+            </a:r>
+            <a:r>
+              <a:rPr lang="en-US" sz="1200" dirty="0">
+                <a:latin typeface="Courier New" charset="0"/>
+                <a:ea typeface="Courier New" charset="0"/>
+                <a:cs typeface="Courier New" charset="0"/>
+              </a:rPr>
+              <a:t>C--- </a:t>
+            </a:r>
+            <a:r>
+              <a:rPr lang="en-US" sz="1200" dirty="0" err="1">
+                <a:latin typeface="Courier New" charset="0"/>
+                <a:ea typeface="Courier New" charset="0"/>
+                <a:cs typeface="Courier New" charset="0"/>
+              </a:rPr>
+              <a:t>yahoo.com</a:t>
+            </a:r>
+            <a:r>
+              <a:rPr lang="en-US" sz="1200" dirty="0">
+                <a:latin typeface="Courier New" charset="0"/>
+                <a:ea typeface="Courier New" charset="0"/>
+                <a:cs typeface="Courier New" charset="0"/>
+              </a:rPr>
+              <a:t> ping statistics ---5 packets transmitted, 5 packets received, 0.0% packet </a:t>
+            </a:r>
+            <a:r>
+              <a:rPr lang="en-US" sz="1200" dirty="0" err="1">
+                <a:latin typeface="Courier New" charset="0"/>
+                <a:ea typeface="Courier New" charset="0"/>
+                <a:cs typeface="Courier New" charset="0"/>
+              </a:rPr>
+              <a:t>lossround</a:t>
+            </a:r>
+            <a:r>
+              <a:rPr lang="en-US" sz="1200" dirty="0">
+                <a:latin typeface="Courier New" charset="0"/>
+                <a:ea typeface="Courier New" charset="0"/>
+                <a:cs typeface="Courier New" charset="0"/>
+              </a:rPr>
+              <a:t>-trip min/</a:t>
+            </a:r>
+            <a:r>
+              <a:rPr lang="en-US" sz="1200" dirty="0" err="1">
+                <a:latin typeface="Courier New" charset="0"/>
+                <a:ea typeface="Courier New" charset="0"/>
+                <a:cs typeface="Courier New" charset="0"/>
+              </a:rPr>
+              <a:t>avg</a:t>
+            </a:r>
+            <a:r>
+              <a:rPr lang="en-US" sz="1200" dirty="0">
+                <a:latin typeface="Courier New" charset="0"/>
+                <a:ea typeface="Courier New" charset="0"/>
+                <a:cs typeface="Courier New" charset="0"/>
+              </a:rPr>
+              <a:t>/max/</a:t>
+            </a:r>
+            <a:r>
+              <a:rPr lang="en-US" sz="1200" dirty="0" err="1">
+                <a:latin typeface="Courier New" charset="0"/>
+                <a:ea typeface="Courier New" charset="0"/>
+                <a:cs typeface="Courier New" charset="0"/>
+              </a:rPr>
+              <a:t>stddev</a:t>
+            </a:r>
+            <a:r>
+              <a:rPr lang="en-US" sz="1200" dirty="0">
+                <a:latin typeface="Courier New" charset="0"/>
+                <a:ea typeface="Courier New" charset="0"/>
+                <a:cs typeface="Courier New" charset="0"/>
+              </a:rPr>
+              <a:t> = 33.469/34.878/38.442/1.902 </a:t>
+            </a:r>
+            <a:r>
+              <a:rPr lang="en-US" sz="1200" dirty="0" err="1">
+                <a:latin typeface="Courier New" charset="0"/>
+                <a:ea typeface="Courier New" charset="0"/>
+                <a:cs typeface="Courier New" charset="0"/>
+              </a:rPr>
+              <a:t>ms</a:t>
+            </a:r>
+            <a:endParaRPr lang="en-US" sz="1200" dirty="0">
+              <a:latin typeface="Courier New" charset="0"/>
+              <a:ea typeface="Courier New" charset="0"/>
+              <a:cs typeface="Courier New" charset="0"/>
+            </a:endParaRPr>
           </a:p>
         </p:txBody>
       </p:sp>
@@ -8270,30 +8231,28 @@
             <a:spLocks noGrp="1"/>
           </p:cNvSpPr>
           <p:nvPr>
-            <p:ph idx="1"/>
-          </p:nvPr>
-        </p:nvSpPr>
-        <p:spPr/>
-        <p:txBody>
-          <a:bodyPr/>
-          <a:lstStyle/>
-          <a:p>
-            <a:r>
-              <a:rPr lang="en-US" dirty="0" smtClean="0"/>
-              <a:t>Complexity</a:t>
-            </a:r>
-          </a:p>
-          <a:p>
-            <a:r>
-              <a:rPr lang="en-US" dirty="0" smtClean="0"/>
-              <a:t>Composability</a:t>
-            </a:r>
-          </a:p>
-          <a:p>
-            <a:r>
-              <a:rPr lang="en-US" dirty="0" err="1" smtClean="0"/>
-              <a:t>Tracatability</a:t>
-            </a:r>
+            <p:ph type="body" sz="half" idx="2"/>
+          </p:nvPr>
+        </p:nvSpPr>
+        <p:spPr/>
+        <p:txBody>
+          <a:bodyPr>
+            <a:normAutofit/>
+          </a:bodyPr>
+          <a:lstStyle/>
+          <a:p>
+            <a:r>
+              <a:rPr lang="en-US" dirty="0" smtClean="0"/>
+              <a:t>Least known or understood</a:t>
+            </a:r>
+          </a:p>
+          <a:p>
+            <a:r>
+              <a:rPr lang="en-US" dirty="0" smtClean="0"/>
+              <a:t>Change in latency over time</a:t>
+            </a:r>
+          </a:p>
+          <a:p>
             <a:endParaRPr lang="en-US" dirty="0" smtClean="0"/>
           </a:p>
         </p:txBody>
@@ -8324,7 +8283,7 @@
     </p:spTree>
     <p:extLst>
       <p:ext uri="{BB962C8B-B14F-4D97-AF65-F5344CB8AC3E}">
-        <p14:creationId xmlns:p14="http://schemas.microsoft.com/office/powerpoint/2010/main" val="2058892444"/>
+        <p14:creationId xmlns:p14="http://schemas.microsoft.com/office/powerpoint/2010/main" val="1701143928"/>
       </p:ext>
     </p:extLst>
   </p:cSld>
@@ -8360,7 +8319,7 @@
       </p:grpSpPr>
       <p:sp>
         <p:nvSpPr>
-          <p:cNvPr id="2" name="Title 1"/>
+          <p:cNvPr id="6" name="Title 5"/>
           <p:cNvSpPr>
             <a:spLocks noGrp="1"/>
           </p:cNvSpPr>
@@ -8375,15 +8334,15 @@
           <a:p>
             <a:r>
               <a:rPr lang="en-US" dirty="0" smtClean="0"/>
-              <a:t>Complexity</a:t>
-            </a:r>
-            <a:endParaRPr lang="en-US" dirty="0"/>
-          </a:p>
-        </p:txBody>
-      </p:sp>
-      <p:sp>
-        <p:nvSpPr>
-          <p:cNvPr id="3" name="Content Placeholder 2"/>
+              <a:t>Who cares about jitter?</a:t>
+            </a:r>
+            <a:endParaRPr lang="en-US" dirty="0"/>
+          </a:p>
+        </p:txBody>
+      </p:sp>
+      <p:sp>
+        <p:nvSpPr>
+          <p:cNvPr id="7" name="Content Placeholder 6"/>
           <p:cNvSpPr>
             <a:spLocks noGrp="1"/>
           </p:cNvSpPr>
@@ -8396,37 +8355,100 @@
           <a:bodyPr/>
           <a:lstStyle/>
           <a:p>
+            <a:r>
+              <a:rPr lang="en-US" dirty="0" smtClean="0"/>
+              <a:t>Network time protocols such as NTP and PTP</a:t>
+            </a:r>
+          </a:p>
+          <a:p>
+            <a:r>
+              <a:rPr lang="en-US" dirty="0" smtClean="0"/>
+              <a:t>Real-Time Operating Systems</a:t>
+            </a:r>
+          </a:p>
+          <a:p>
+            <a:pPr lvl="1"/>
+            <a:r>
+              <a:rPr lang="en-US" dirty="0" smtClean="0"/>
+              <a:t>Flight safety</a:t>
+            </a:r>
+          </a:p>
+          <a:p>
+            <a:pPr lvl="1"/>
+            <a:r>
+              <a:rPr lang="en-US" dirty="0" smtClean="0"/>
+              <a:t>Robotics</a:t>
+            </a:r>
+          </a:p>
+          <a:p>
+            <a:pPr lvl="1"/>
+            <a:r>
+              <a:rPr lang="en-US" dirty="0" smtClean="0"/>
+              <a:t>Things that move in the real world</a:t>
+            </a:r>
+          </a:p>
+          <a:p>
+            <a:r>
+              <a:rPr lang="en-US" dirty="0" smtClean="0"/>
+              <a:t>High fidelity data recording</a:t>
+            </a:r>
+          </a:p>
+          <a:p>
+            <a:pPr lvl="1"/>
+            <a:r>
+              <a:rPr lang="en-US" dirty="0" smtClean="0"/>
+              <a:t>Climate</a:t>
+            </a:r>
+          </a:p>
+          <a:p>
+            <a:pPr lvl="1"/>
+            <a:r>
+              <a:rPr lang="en-US" dirty="0" smtClean="0"/>
+              <a:t>Oceanography</a:t>
+            </a:r>
+          </a:p>
+          <a:p>
+            <a:r>
+              <a:rPr lang="en-US" dirty="0" smtClean="0"/>
+              <a:t>Audio Systems</a:t>
+            </a:r>
+          </a:p>
+          <a:p>
+            <a:r>
+              <a:rPr lang="en-US" dirty="0" err="1" smtClean="0"/>
+              <a:t>Lipsynch</a:t>
+            </a:r>
+            <a:endParaRPr lang="en-US" dirty="0"/>
+          </a:p>
+        </p:txBody>
+      </p:sp>
+      <p:sp>
+        <p:nvSpPr>
+          <p:cNvPr id="5" name="Footer Placeholder 4"/>
+          <p:cNvSpPr>
+            <a:spLocks noGrp="1"/>
+          </p:cNvSpPr>
+          <p:nvPr>
+            <p:ph type="ftr" sz="quarter" idx="11"/>
+          </p:nvPr>
+        </p:nvSpPr>
+        <p:spPr/>
+        <p:txBody>
+          <a:bodyPr/>
+          <a:lstStyle/>
+          <a:p>
+            <a:r>
+              <a:rPr lang="en-US" smtClean="0"/>
+              <a:t>Introduction to Operating Systems</a:t>
+            </a:r>
             <a:endParaRPr lang="en-US"/>
-          </a:p>
-        </p:txBody>
-      </p:sp>
-      <p:sp>
-        <p:nvSpPr>
-          <p:cNvPr id="4" name="Footer Placeholder 3"/>
-          <p:cNvSpPr>
-            <a:spLocks noGrp="1"/>
-          </p:cNvSpPr>
-          <p:nvPr>
-            <p:ph type="ftr" sz="quarter" idx="11"/>
-          </p:nvPr>
-        </p:nvSpPr>
-        <p:spPr/>
-        <p:txBody>
-          <a:bodyPr/>
-          <a:lstStyle/>
-          <a:p>
-            <a:r>
-              <a:rPr lang="en-US" smtClean="0"/>
-              <a:t>Introduction to Operating Systems</a:t>
-            </a:r>
-            <a:endParaRPr lang="en-US" dirty="0"/>
           </a:p>
         </p:txBody>
       </p:sp>
     </p:spTree>
     <p:extLst>
       <p:ext uri="{BB962C8B-B14F-4D97-AF65-F5344CB8AC3E}">
-        <p14:creationId xmlns:p14="http://schemas.microsoft.com/office/powerpoint/2010/main" val="1424878250"/>
+        <p14:creationId xmlns:p14="http://schemas.microsoft.com/office/powerpoint/2010/main" val="1279974992"/>
       </p:ext>
     </p:extLst>
   </p:cSld>
@@ -8470,7 +8492,7 @@
           <a:p>
             <a:r>
               <a:rPr lang="en-US" dirty="0" smtClean="0"/>
-              <a:t>Composability</a:t>
+              <a:t>Complexity</a:t>
             </a:r>
             <a:endParaRPr lang="en-US" dirty="0"/>
           </a:p>
@@ -8491,7 +8513,42 @@
           <a:bodyPr/>
           <a:lstStyle/>
           <a:p>
-            <a:endParaRPr lang="en-US"/>
+            <a:r>
+              <a:rPr lang="en-US" dirty="0" smtClean="0"/>
+              <a:t>Code should be no more or less complex than necessary</a:t>
+            </a:r>
+          </a:p>
+          <a:p>
+            <a:r>
+              <a:rPr lang="en-US" dirty="0" smtClean="0"/>
+              <a:t>Measures of complexity</a:t>
+            </a:r>
+          </a:p>
+          <a:p>
+            <a:pPr lvl="1"/>
+            <a:r>
+              <a:rPr lang="en-US" dirty="0" smtClean="0"/>
+              <a:t>Number of structures required</a:t>
+            </a:r>
+          </a:p>
+          <a:p>
+            <a:pPr lvl="1"/>
+            <a:r>
+              <a:rPr lang="en-US" dirty="0" smtClean="0"/>
+              <a:t>Function Signatures</a:t>
+            </a:r>
+            <a:endParaRPr lang="en-US" dirty="0"/>
+          </a:p>
+          <a:p>
+            <a:pPr lvl="1"/>
+            <a:r>
+              <a:rPr lang="en-US" dirty="0" smtClean="0"/>
+              <a:t>Locking hierarchy</a:t>
+            </a:r>
+          </a:p>
+          <a:p>
+            <a:pPr lvl="1"/>
+            <a:endParaRPr lang="en-US" dirty="0" smtClean="0"/>
           </a:p>
         </p:txBody>
       </p:sp>
@@ -8521,7 +8578,7 @@
     </p:spTree>
     <p:extLst>
       <p:ext uri="{BB962C8B-B14F-4D97-AF65-F5344CB8AC3E}">
-        <p14:creationId xmlns:p14="http://schemas.microsoft.com/office/powerpoint/2010/main" val="96884457"/>
+        <p14:creationId xmlns:p14="http://schemas.microsoft.com/office/powerpoint/2010/main" val="1424878250"/>
       </p:ext>
     </p:extLst>
   </p:cSld>
@@ -8565,7 +8622,7 @@
           <a:p>
             <a:r>
               <a:rPr lang="en-US" dirty="0" smtClean="0"/>
-              <a:t>Tractability</a:t>
+              <a:t>Composability</a:t>
             </a:r>
             <a:endParaRPr lang="en-US" dirty="0"/>
           </a:p>
@@ -8586,7 +8643,30 @@
           <a:bodyPr/>
           <a:lstStyle/>
           <a:p>
-            <a:endParaRPr lang="en-US"/>
+            <a:r>
+              <a:rPr lang="en-US" dirty="0" smtClean="0"/>
+              <a:t>Measurement of code re-use</a:t>
+            </a:r>
+          </a:p>
+          <a:p>
+            <a:r>
+              <a:rPr lang="en-US" dirty="0" smtClean="0"/>
+              <a:t>How many places can this library, function or structure be reused?</a:t>
+            </a:r>
+          </a:p>
+          <a:p>
+            <a:r>
+              <a:rPr lang="en-US" dirty="0" smtClean="0"/>
+              <a:t>All software should be like Lego</a:t>
+            </a:r>
+            <a:r>
+              <a:rPr lang="en-US" dirty="0"/>
+              <a:t> </a:t>
+            </a:r>
+            <a:r>
+              <a:rPr lang="en-US" dirty="0" smtClean="0"/>
+              <a:t>blocks</a:t>
+            </a:r>
           </a:p>
         </p:txBody>
       </p:sp>
@@ -8616,7 +8696,7 @@
     </p:spTree>
     <p:extLst>
       <p:ext uri="{BB962C8B-B14F-4D97-AF65-F5344CB8AC3E}">
-        <p14:creationId xmlns:p14="http://schemas.microsoft.com/office/powerpoint/2010/main" val="334571694"/>
+        <p14:creationId xmlns:p14="http://schemas.microsoft.com/office/powerpoint/2010/main" val="96884457"/>
       </p:ext>
     </p:extLst>
   </p:cSld>
@@ -8660,7 +8740,7 @@
           <a:p>
             <a:r>
               <a:rPr lang="en-US" dirty="0" smtClean="0"/>
-              <a:t>FreeBSD</a:t>
+              <a:t>Tractability</a:t>
             </a:r>
             <a:endParaRPr lang="en-US" dirty="0"/>
           </a:p>
@@ -8683,64 +8763,35 @@
           <a:p>
             <a:r>
               <a:rPr lang="en-US" dirty="0" smtClean="0"/>
-              <a:t>Open </a:t>
-            </a:r>
-            <a:r>
-              <a:rPr lang="en-US" dirty="0"/>
-              <a:t>Source</a:t>
-            </a:r>
-          </a:p>
-          <a:p>
-            <a:r>
-              <a:rPr lang="en-US" dirty="0" smtClean="0"/>
-              <a:t>Unix</a:t>
-            </a:r>
-            <a:endParaRPr lang="en-US" dirty="0"/>
-          </a:p>
-          <a:p>
-            <a:r>
-              <a:rPr lang="en-US" dirty="0" err="1" smtClean="0"/>
-              <a:t>Posix</a:t>
-            </a:r>
-            <a:endParaRPr lang="en-US" dirty="0"/>
-          </a:p>
-          <a:p>
-            <a:r>
-              <a:rPr lang="en-US" dirty="0" smtClean="0"/>
-              <a:t>Complete </a:t>
-            </a:r>
-            <a:r>
-              <a:rPr lang="en-US" dirty="0"/>
-              <a:t>System </a:t>
-            </a:r>
-            <a:endParaRPr lang="en-US" dirty="0" smtClean="0"/>
-          </a:p>
-          <a:p>
-            <a:r>
-              <a:rPr lang="en-US" dirty="0" smtClean="0"/>
-              <a:t>20 </a:t>
-            </a:r>
-            <a:r>
-              <a:rPr lang="en-US" dirty="0"/>
-              <a:t>years of </a:t>
-            </a:r>
-            <a:r>
-              <a:rPr lang="en-US" dirty="0" smtClean="0"/>
-              <a:t>history</a:t>
-            </a:r>
-          </a:p>
-          <a:p>
-            <a:r>
-              <a:rPr lang="en-US" dirty="0" smtClean="0"/>
-              <a:t>Used in real systems around the world</a:t>
-            </a:r>
-            <a:endParaRPr lang="en-US" dirty="0"/>
-          </a:p>
-        </p:txBody>
-      </p:sp>
-      <p:sp>
-        <p:nvSpPr>
-          <p:cNvPr id="5" name="Footer Placeholder 4"/>
+              <a:t>Can one person understand a (sub)system?</a:t>
+            </a:r>
+          </a:p>
+          <a:p>
+            <a:pPr lvl="1"/>
+            <a:r>
+              <a:rPr lang="en-US" dirty="0" smtClean="0"/>
+              <a:t>Library</a:t>
+            </a:r>
+          </a:p>
+          <a:p>
+            <a:pPr lvl="1"/>
+            <a:r>
+              <a:rPr lang="en-US" dirty="0" smtClean="0"/>
+              <a:t>Function</a:t>
+            </a:r>
+          </a:p>
+          <a:p>
+            <a:r>
+              <a:rPr lang="en-US" dirty="0" smtClean="0"/>
+              <a:t>Let’s look at a nearly intractable function</a:t>
+            </a:r>
+            <a:endParaRPr lang="en-US" dirty="0"/>
+          </a:p>
+        </p:txBody>
+      </p:sp>
+      <p:sp>
+        <p:nvSpPr>
+          <p:cNvPr id="4" name="Footer Placeholder 3"/>
           <p:cNvSpPr>
             <a:spLocks noGrp="1"/>
           </p:cNvSpPr>
@@ -8764,20 +8815,13 @@
     </p:spTree>
     <p:extLst>
       <p:ext uri="{BB962C8B-B14F-4D97-AF65-F5344CB8AC3E}">
-        <p14:creationId xmlns:p14="http://schemas.microsoft.com/office/powerpoint/2010/main" val="1511108590"/>
+        <p14:creationId xmlns:p14="http://schemas.microsoft.com/office/powerpoint/2010/main" val="334571694"/>
       </p:ext>
     </p:extLst>
   </p:cSld>
   <p:clrMapOvr>
     <a:masterClrMapping/>
   </p:clrMapOvr>
-  <p:timing>
-    <p:tnLst>
-      <p:par>
-        <p:cTn id="1" dur="indefinite" restart="never" nodeType="tmRoot"/>
-      </p:par>
-    </p:tnLst>
-  </p:timing>
 </p:sld>
 </file>
 
@@ -8810,14 +8854,12 @@
         </p:nvSpPr>
         <p:spPr/>
         <p:txBody>
-          <a:bodyPr>
-            <a:normAutofit fontScale="90000"/>
-          </a:bodyPr>
-          <a:lstStyle/>
-          <a:p>
-            <a:r>
-              <a:rPr lang="en-US" dirty="0" smtClean="0"/>
-              <a:t>Computer History from the Operating System Perspective</a:t>
+          <a:bodyPr/>
+          <a:lstStyle/>
+          <a:p>
+            <a:r>
+              <a:rPr lang="en-US" dirty="0" smtClean="0"/>
+              <a:t>FreeBSD</a:t>
             </a:r>
             <a:endParaRPr lang="en-US" dirty="0"/>
           </a:p>
@@ -8835,75 +8877,69 @@
         </p:nvSpPr>
         <p:spPr/>
         <p:txBody>
-          <a:bodyPr anchor="ctr"/>
-          <a:lstStyle/>
-          <a:p>
-            <a:r>
-              <a:rPr lang="en-US" b="1" dirty="0"/>
-              <a:t>The Hardware Environment </a:t>
-            </a:r>
-            <a:endParaRPr lang="en-US" b="1" dirty="0" smtClean="0"/>
-          </a:p>
-          <a:p>
-            <a:pPr lvl="1"/>
-            <a:r>
-              <a:rPr lang="en-US" dirty="0" smtClean="0"/>
-              <a:t>Defines </a:t>
+          <a:bodyPr/>
+          <a:lstStyle/>
+          <a:p>
+            <a:r>
+              <a:rPr lang="en-US" dirty="0" smtClean="0"/>
+              <a:t>Open </a:t>
             </a:r>
             <a:r>
               <a:rPr lang="en-US" dirty="0"/>
-              <a:t>what is possible. </a:t>
+              <a:t>Source</a:t>
+            </a:r>
+          </a:p>
+          <a:p>
+            <a:r>
+              <a:rPr lang="en-US" dirty="0" smtClean="0"/>
+              <a:t>Unix</a:t>
+            </a:r>
+            <a:endParaRPr lang="en-US" dirty="0"/>
+          </a:p>
+          <a:p>
+            <a:r>
+              <a:rPr lang="en-US" dirty="0" err="1" smtClean="0"/>
+              <a:t>Posix</a:t>
+            </a:r>
+            <a:endParaRPr lang="en-US" dirty="0"/>
+          </a:p>
+          <a:p>
+            <a:r>
+              <a:rPr lang="en-US" dirty="0" smtClean="0"/>
+              <a:t>Complete </a:t>
+            </a:r>
+            <a:r>
+              <a:rPr lang="en-US" dirty="0"/>
+              <a:t>System </a:t>
             </a:r>
             <a:endParaRPr lang="en-US" dirty="0" smtClean="0"/>
           </a:p>
           <a:p>
             <a:r>
-              <a:rPr lang="en-US" b="1" dirty="0" smtClean="0"/>
-              <a:t>Requirements</a:t>
-            </a:r>
-            <a:r>
-              <a:rPr lang="en-US" dirty="0" smtClean="0"/>
-              <a:t> </a:t>
-            </a:r>
-          </a:p>
-          <a:p>
-            <a:pPr lvl="1"/>
-            <a:r>
-              <a:rPr lang="en-US" dirty="0" smtClean="0"/>
-              <a:t>What </a:t>
+              <a:rPr lang="en-US" dirty="0" smtClean="0"/>
+              <a:t>20 </a:t>
             </a:r>
             <a:r>
               <a:rPr lang="en-US" dirty="0"/>
-              <a:t>are we asking the system to do?</a:t>
-            </a:r>
-          </a:p>
-          <a:p>
-            <a:r>
-              <a:rPr lang="en-US" b="1" dirty="0"/>
-              <a:t>Services</a:t>
-            </a:r>
-            <a:r>
-              <a:rPr lang="en-US" dirty="0"/>
-              <a:t> </a:t>
-            </a:r>
-            <a:endParaRPr lang="en-US" dirty="0" smtClean="0"/>
-          </a:p>
-          <a:p>
-            <a:pPr lvl="1"/>
-            <a:r>
-              <a:rPr lang="en-US" dirty="0" smtClean="0"/>
-              <a:t>What </a:t>
-            </a:r>
-            <a:r>
-              <a:rPr lang="en-US" dirty="0"/>
-              <a:t>can the OS provide.</a:t>
-            </a:r>
-          </a:p>
-        </p:txBody>
-      </p:sp>
-      <p:sp>
-        <p:nvSpPr>
-          <p:cNvPr id="4" name="Footer Placeholder 3"/>
+              <a:t>years of </a:t>
+            </a:r>
+            <a:r>
+              <a:rPr lang="en-US" dirty="0" smtClean="0"/>
+              <a:t>history</a:t>
+            </a:r>
+          </a:p>
+          <a:p>
+            <a:r>
+              <a:rPr lang="en-US" dirty="0" smtClean="0"/>
+              <a:t>Used in real systems around the world</a:t>
+            </a:r>
+            <a:endParaRPr lang="en-US" dirty="0"/>
+          </a:p>
+        </p:txBody>
+      </p:sp>
+      <p:sp>
+        <p:nvSpPr>
+          <p:cNvPr id="5" name="Footer Placeholder 4"/>
           <p:cNvSpPr>
             <a:spLocks noGrp="1"/>
           </p:cNvSpPr>
@@ -8927,7 +8963,7 @@
     </p:spTree>
     <p:extLst>
       <p:ext uri="{BB962C8B-B14F-4D97-AF65-F5344CB8AC3E}">
-        <p14:creationId xmlns:p14="http://schemas.microsoft.com/office/powerpoint/2010/main" val="2059220970"/>
+        <p14:creationId xmlns:p14="http://schemas.microsoft.com/office/powerpoint/2010/main" val="1511108590"/>
       </p:ext>
     </p:extLst>
   </p:cSld>
@@ -9001,7 +9037,7 @@
           <a:p>
             <a:r>
               <a:rPr lang="en-US" dirty="0" smtClean="0"/>
-              <a:t>Day 1</a:t>
+              <a:t>Introduction</a:t>
             </a:r>
             <a:endParaRPr lang="en-US" dirty="0"/>
           </a:p>
@@ -9041,22 +9077,17 @@
           <a:p>
             <a:r>
               <a:rPr lang="en-US" dirty="0" smtClean="0"/>
-              <a:t>Introduction </a:t>
+              <a:t>Lab </a:t>
             </a:r>
             <a:r>
               <a:rPr lang="en-US" dirty="0"/>
-              <a:t>to Tracing</a:t>
-            </a:r>
-          </a:p>
-          <a:p>
-            <a:r>
-              <a:rPr lang="en-US" dirty="0" smtClean="0"/>
-              <a:t>Lab </a:t>
-            </a:r>
-            <a:r>
-              <a:rPr lang="en-US" dirty="0"/>
-              <a:t>1: System Setup and First Traces</a:t>
-            </a:r>
+              <a:t>1: System </a:t>
+            </a:r>
+            <a:r>
+              <a:rPr lang="en-US" dirty="0" smtClean="0"/>
+              <a:t>Setup</a:t>
+            </a:r>
+            <a:endParaRPr lang="en-US" dirty="0"/>
           </a:p>
           <a:p>
             <a:endParaRPr lang="en-US" dirty="0"/>
@@ -9080,7 +9111,7 @@
           <a:p>
             <a:r>
               <a:rPr lang="en-US" dirty="0" smtClean="0"/>
-              <a:t>Day 2</a:t>
+              <a:t>Kernel services</a:t>
             </a:r>
             <a:endParaRPr lang="en-US" dirty="0"/>
           </a:p>
@@ -9103,50 +9134,36 @@
           <a:p>
             <a:r>
               <a:rPr lang="en-US" dirty="0" smtClean="0"/>
-              <a:t>Quiz</a:t>
-            </a:r>
-            <a:endParaRPr lang="en-US" dirty="0"/>
-          </a:p>
-          <a:p>
-            <a:r>
-              <a:rPr lang="en-US" dirty="0" smtClean="0"/>
-              <a:t>Processes</a:t>
-            </a:r>
-            <a:endParaRPr lang="en-US" dirty="0"/>
-          </a:p>
-          <a:p>
-            <a:r>
-              <a:rPr lang="en-US" dirty="0" smtClean="0"/>
-              <a:t>Locking</a:t>
-            </a:r>
-            <a:endParaRPr lang="en-US" dirty="0"/>
-          </a:p>
-          <a:p>
-            <a:r>
-              <a:rPr lang="en-US" dirty="0" smtClean="0"/>
-              <a:t>Scheduling</a:t>
-            </a:r>
-            <a:endParaRPr lang="en-US" dirty="0"/>
-          </a:p>
-          <a:p>
-            <a:r>
-              <a:rPr lang="en-US" dirty="0" smtClean="0"/>
-              <a:t>Virtual </a:t>
-            </a:r>
-            <a:r>
-              <a:rPr lang="en-US" dirty="0"/>
-              <a:t>Memory</a:t>
-            </a:r>
-          </a:p>
-          <a:p>
-            <a:r>
-              <a:rPr lang="en-US" dirty="0" smtClean="0"/>
-              <a:t>Lab </a:t>
-            </a:r>
-            <a:r>
-              <a:rPr lang="en-US" dirty="0"/>
-              <a:t>2: Tracking Processes</a:t>
-            </a:r>
+              <a:t>Introductions to</a:t>
+            </a:r>
+          </a:p>
+          <a:p>
+            <a:pPr lvl="1"/>
+            <a:r>
+              <a:rPr lang="en-US" dirty="0" smtClean="0"/>
+              <a:t>Memory Management</a:t>
+            </a:r>
+          </a:p>
+          <a:p>
+            <a:pPr lvl="1"/>
+            <a:r>
+              <a:rPr lang="en-US" dirty="0" smtClean="0"/>
+              <a:t>Resource Management</a:t>
+            </a:r>
+          </a:p>
+          <a:p>
+            <a:pPr lvl="1"/>
+            <a:r>
+              <a:rPr lang="en-US" dirty="0" smtClean="0"/>
+              <a:t>System Calls</a:t>
+            </a:r>
+          </a:p>
+          <a:p>
+            <a:r>
+              <a:rPr lang="en-US" dirty="0" smtClean="0"/>
+              <a:t>Lab 2: System Calls</a:t>
+            </a:r>
+            <a:endParaRPr lang="en-US" dirty="0" smtClean="0"/>
           </a:p>
         </p:txBody>
       </p:sp>
@@ -9222,6 +9239,187 @@
         </p:nvSpPr>
         <p:spPr/>
         <p:txBody>
+          <a:bodyPr>
+            <a:normAutofit fontScale="90000"/>
+          </a:bodyPr>
+          <a:lstStyle/>
+          <a:p>
+            <a:r>
+              <a:rPr lang="en-US" dirty="0" smtClean="0"/>
+              <a:t>Computer History from the Operating System Perspective</a:t>
+            </a:r>
+            <a:endParaRPr lang="en-US" dirty="0"/>
+          </a:p>
+        </p:txBody>
+      </p:sp>
+      <p:sp>
+        <p:nvSpPr>
+          <p:cNvPr id="3" name="Content Placeholder 2"/>
+          <p:cNvSpPr>
+            <a:spLocks noGrp="1"/>
+          </p:cNvSpPr>
+          <p:nvPr>
+            <p:ph idx="1"/>
+          </p:nvPr>
+        </p:nvSpPr>
+        <p:spPr/>
+        <p:txBody>
+          <a:bodyPr anchor="ctr"/>
+          <a:lstStyle/>
+          <a:p>
+            <a:r>
+              <a:rPr lang="en-US" b="1" dirty="0"/>
+              <a:t>The Hardware Environment </a:t>
+            </a:r>
+            <a:endParaRPr lang="en-US" b="1" dirty="0" smtClean="0"/>
+          </a:p>
+          <a:p>
+            <a:pPr lvl="1"/>
+            <a:r>
+              <a:rPr lang="en-US" dirty="0" smtClean="0"/>
+              <a:t>Defines </a:t>
+            </a:r>
+            <a:r>
+              <a:rPr lang="en-US" dirty="0"/>
+              <a:t>what is possible. </a:t>
+            </a:r>
+            <a:endParaRPr lang="en-US" dirty="0" smtClean="0"/>
+          </a:p>
+          <a:p>
+            <a:r>
+              <a:rPr lang="en-US" b="1" dirty="0" smtClean="0"/>
+              <a:t>Requirements</a:t>
+            </a:r>
+            <a:r>
+              <a:rPr lang="en-US" dirty="0" smtClean="0"/>
+              <a:t> </a:t>
+            </a:r>
+          </a:p>
+          <a:p>
+            <a:pPr lvl="1"/>
+            <a:r>
+              <a:rPr lang="en-US" dirty="0" smtClean="0"/>
+              <a:t>What </a:t>
+            </a:r>
+            <a:r>
+              <a:rPr lang="en-US" dirty="0"/>
+              <a:t>are we asking the system to do?</a:t>
+            </a:r>
+          </a:p>
+          <a:p>
+            <a:r>
+              <a:rPr lang="en-US" b="1" dirty="0"/>
+              <a:t>Services</a:t>
+            </a:r>
+            <a:r>
+              <a:rPr lang="en-US" dirty="0"/>
+              <a:t> </a:t>
+            </a:r>
+            <a:endParaRPr lang="en-US" dirty="0" smtClean="0"/>
+          </a:p>
+          <a:p>
+            <a:pPr lvl="1"/>
+            <a:r>
+              <a:rPr lang="en-US" dirty="0" smtClean="0"/>
+              <a:t>What </a:t>
+            </a:r>
+            <a:r>
+              <a:rPr lang="en-US" dirty="0"/>
+              <a:t>can the OS provide</a:t>
+            </a:r>
+            <a:r>
+              <a:rPr lang="en-US" dirty="0" smtClean="0"/>
+              <a:t>.</a:t>
+            </a:r>
+          </a:p>
+          <a:p>
+            <a:r>
+              <a:rPr lang="en-US" b="1" dirty="0" smtClean="0"/>
+              <a:t>Hardware/Software Co-Evolution</a:t>
+            </a:r>
+          </a:p>
+          <a:p>
+            <a:pPr lvl="1"/>
+            <a:r>
+              <a:rPr lang="en-US" dirty="0" smtClean="0"/>
+              <a:t>A recurring theme</a:t>
+            </a:r>
+            <a:endParaRPr lang="en-US" dirty="0"/>
+          </a:p>
+        </p:txBody>
+      </p:sp>
+      <p:sp>
+        <p:nvSpPr>
+          <p:cNvPr id="4" name="Footer Placeholder 3"/>
+          <p:cNvSpPr>
+            <a:spLocks noGrp="1"/>
+          </p:cNvSpPr>
+          <p:nvPr>
+            <p:ph type="ftr" sz="quarter" idx="11"/>
+          </p:nvPr>
+        </p:nvSpPr>
+        <p:spPr/>
+        <p:txBody>
+          <a:bodyPr/>
+          <a:lstStyle/>
+          <a:p>
+            <a:r>
+              <a:rPr lang="en-US" smtClean="0"/>
+              <a:t>Introduction to Operating Systems</a:t>
+            </a:r>
+            <a:endParaRPr lang="en-US" dirty="0"/>
+          </a:p>
+        </p:txBody>
+      </p:sp>
+    </p:spTree>
+    <p:extLst>
+      <p:ext uri="{BB962C8B-B14F-4D97-AF65-F5344CB8AC3E}">
+        <p14:creationId xmlns:p14="http://schemas.microsoft.com/office/powerpoint/2010/main" val="2059220970"/>
+      </p:ext>
+    </p:extLst>
+  </p:cSld>
+  <p:clrMapOvr>
+    <a:masterClrMapping/>
+  </p:clrMapOvr>
+  <p:timing>
+    <p:tnLst>
+      <p:par>
+        <p:cTn id="1" dur="indefinite" restart="never" nodeType="tmRoot"/>
+      </p:par>
+    </p:tnLst>
+  </p:timing>
+</p:sld>
+</file>
+
+<file path=ppt/slides/slide31.xml><?xml version="1.0" encoding="utf-8"?>
+<p:sld xmlns:a="http://schemas.openxmlformats.org/drawingml/2006/main" xmlns:r="http://schemas.openxmlformats.org/officeDocument/2006/relationships" xmlns:p="http://schemas.openxmlformats.org/presentationml/2006/main">
+  <p:cSld>
+    <p:spTree>
+      <p:nvGrpSpPr>
+        <p:cNvPr id="1" name=""/>
+        <p:cNvGrpSpPr/>
+        <p:nvPr/>
+      </p:nvGrpSpPr>
+      <p:grpSpPr>
+        <a:xfrm>
+          <a:off x="0" y="0"/>
+          <a:ext cx="0" cy="0"/>
+          <a:chOff x="0" y="0"/>
+          <a:chExt cx="0" cy="0"/>
+        </a:xfrm>
+      </p:grpSpPr>
+      <p:sp>
+        <p:nvSpPr>
+          <p:cNvPr id="2" name="Title 1"/>
+          <p:cNvSpPr>
+            <a:spLocks noGrp="1"/>
+          </p:cNvSpPr>
+          <p:nvPr>
+            <p:ph type="title"/>
+          </p:nvPr>
+        </p:nvSpPr>
+        <p:spPr/>
+        <p:txBody>
           <a:bodyPr/>
           <a:lstStyle/>
           <a:p>
@@ -9322,7 +9520,7 @@
 </p:sld>
 </file>
 
-<file path=ppt/slides/slide31.xml><?xml version="1.0" encoding="utf-8"?>
+<file path=ppt/slides/slide32.xml><?xml version="1.0" encoding="utf-8"?>
 <p:sld xmlns:a="http://schemas.openxmlformats.org/drawingml/2006/main" xmlns:r="http://schemas.openxmlformats.org/officeDocument/2006/relationships" xmlns:p="http://schemas.openxmlformats.org/presentationml/2006/main">
   <p:cSld>
     <p:spTree>
@@ -9435,7 +9633,7 @@
 </p:sld>
 </file>
 
-<file path=ppt/slides/slide32.xml><?xml version="1.0" encoding="utf-8"?>
+<file path=ppt/slides/slide33.xml><?xml version="1.0" encoding="utf-8"?>
 <p:sld xmlns:a="http://schemas.openxmlformats.org/drawingml/2006/main" xmlns:r="http://schemas.openxmlformats.org/officeDocument/2006/relationships" xmlns:p="http://schemas.openxmlformats.org/presentationml/2006/main">
   <p:cSld>
     <p:spTree>
@@ -9585,7 +9783,7 @@
 </p:sld>
 </file>
 
-<file path=ppt/slides/slide33.xml><?xml version="1.0" encoding="utf-8"?>
+<file path=ppt/slides/slide34.xml><?xml version="1.0" encoding="utf-8"?>
 <p:sld xmlns:a="http://schemas.openxmlformats.org/drawingml/2006/main" xmlns:r="http://schemas.openxmlformats.org/officeDocument/2006/relationships" xmlns:p="http://schemas.openxmlformats.org/presentationml/2006/main">
   <p:cSld>
     <p:spTree>
@@ -9749,7 +9947,7 @@
 </p:sld>
 </file>
 
-<file path=ppt/slides/slide34.xml><?xml version="1.0" encoding="utf-8"?>
+<file path=ppt/slides/slide35.xml><?xml version="1.0" encoding="utf-8"?>
 <p:sld xmlns:a="http://schemas.openxmlformats.org/drawingml/2006/main" xmlns:r="http://schemas.openxmlformats.org/officeDocument/2006/relationships" xmlns:p="http://schemas.openxmlformats.org/presentationml/2006/main">
   <p:cSld>
     <p:spTree>
@@ -9862,170 +10060,6 @@
 </p:sld>
 </file>
 
-<file path=ppt/slides/slide35.xml><?xml version="1.0" encoding="utf-8"?>
-<p:sld xmlns:a="http://schemas.openxmlformats.org/drawingml/2006/main" xmlns:r="http://schemas.openxmlformats.org/officeDocument/2006/relationships" xmlns:p="http://schemas.openxmlformats.org/presentationml/2006/main">
-  <p:cSld>
-    <p:spTree>
-      <p:nvGrpSpPr>
-        <p:cNvPr id="1" name=""/>
-        <p:cNvGrpSpPr/>
-        <p:nvPr/>
-      </p:nvGrpSpPr>
-      <p:grpSpPr>
-        <a:xfrm>
-          <a:off x="0" y="0"/>
-          <a:ext cx="0" cy="0"/>
-          <a:chOff x="0" y="0"/>
-          <a:chExt cx="0" cy="0"/>
-        </a:xfrm>
-      </p:grpSpPr>
-      <p:sp>
-        <p:nvSpPr>
-          <p:cNvPr id="4" name="Title 3"/>
-          <p:cNvSpPr>
-            <a:spLocks noGrp="1"/>
-          </p:cNvSpPr>
-          <p:nvPr>
-            <p:ph type="title"/>
-          </p:nvPr>
-        </p:nvSpPr>
-        <p:spPr/>
-        <p:txBody>
-          <a:bodyPr>
-            <a:normAutofit fontScale="90000"/>
-          </a:bodyPr>
-          <a:lstStyle/>
-          <a:p>
-            <a:r>
-              <a:rPr lang="en-US" dirty="0" smtClean="0"/>
-              <a:t>Mini-computers and Time Sharing Systems</a:t>
-            </a:r>
-            <a:endParaRPr lang="en-US" dirty="0"/>
-          </a:p>
-        </p:txBody>
-      </p:sp>
-      <p:sp>
-        <p:nvSpPr>
-          <p:cNvPr id="5" name="Content Placeholder 4"/>
-          <p:cNvSpPr>
-            <a:spLocks noGrp="1"/>
-          </p:cNvSpPr>
-          <p:nvPr>
-            <p:ph idx="1"/>
-          </p:nvPr>
-        </p:nvSpPr>
-        <p:spPr/>
-        <p:txBody>
-          <a:bodyPr/>
-          <a:lstStyle/>
-          <a:p>
-            <a:r>
-              <a:rPr lang="en-US" dirty="0" smtClean="0"/>
-              <a:t>Shrinking </a:t>
-            </a:r>
-            <a:r>
-              <a:rPr lang="en-US" dirty="0"/>
-              <a:t>hardware and affordable computing </a:t>
-            </a:r>
-            <a:r>
-              <a:rPr lang="en-US" dirty="0" smtClean="0"/>
-              <a:t>resources</a:t>
-            </a:r>
-          </a:p>
-          <a:p>
-            <a:r>
-              <a:rPr lang="en-US" dirty="0" smtClean="0"/>
-              <a:t>CTSS</a:t>
-            </a:r>
-            <a:endParaRPr lang="en-US" dirty="0"/>
-          </a:p>
-          <a:p>
-            <a:r>
-              <a:rPr lang="en-US" dirty="0" smtClean="0"/>
-              <a:t>MULTICS</a:t>
-            </a:r>
-            <a:endParaRPr lang="en-US" dirty="0"/>
-          </a:p>
-          <a:p>
-            <a:r>
-              <a:rPr lang="en-US" dirty="0" smtClean="0"/>
-              <a:t>C</a:t>
-            </a:r>
-            <a:r>
-              <a:rPr lang="en-US" dirty="0"/>
-              <a:t>, the portable assembler</a:t>
-            </a:r>
-          </a:p>
-          <a:p>
-            <a:r>
-              <a:rPr lang="en-US" dirty="0" smtClean="0"/>
-              <a:t>UNIX</a:t>
-            </a:r>
-            <a:endParaRPr lang="en-US" dirty="0"/>
-          </a:p>
-          <a:p>
-            <a:r>
-              <a:rPr lang="en-US" dirty="0" smtClean="0"/>
-              <a:t>(</a:t>
-            </a:r>
-            <a:r>
-              <a:rPr lang="en-US" dirty="0"/>
-              <a:t>D)</a:t>
-            </a:r>
-            <a:r>
-              <a:rPr lang="en-US" dirty="0" err="1"/>
-              <a:t>ARPANet</a:t>
-            </a:r>
-            <a:endParaRPr lang="en-US" dirty="0"/>
-          </a:p>
-          <a:p>
-            <a:endParaRPr lang="en-US" dirty="0"/>
-          </a:p>
-        </p:txBody>
-      </p:sp>
-      <p:sp>
-        <p:nvSpPr>
-          <p:cNvPr id="3" name="Footer Placeholder 2"/>
-          <p:cNvSpPr>
-            <a:spLocks noGrp="1"/>
-          </p:cNvSpPr>
-          <p:nvPr>
-            <p:ph type="ftr" sz="quarter" idx="11"/>
-          </p:nvPr>
-        </p:nvSpPr>
-        <p:spPr/>
-        <p:txBody>
-          <a:bodyPr/>
-          <a:lstStyle/>
-          <a:p>
-            <a:r>
-              <a:rPr lang="en-US" smtClean="0"/>
-              <a:t>Introduction to Operating Systems</a:t>
-            </a:r>
-            <a:endParaRPr lang="en-US"/>
-          </a:p>
-        </p:txBody>
-      </p:sp>
-    </p:spTree>
-    <p:extLst>
-      <p:ext uri="{BB962C8B-B14F-4D97-AF65-F5344CB8AC3E}">
-        <p14:creationId xmlns:p14="http://schemas.microsoft.com/office/powerpoint/2010/main" val="1361097499"/>
-      </p:ext>
-    </p:extLst>
-  </p:cSld>
-  <p:clrMapOvr>
-    <a:masterClrMapping/>
-  </p:clrMapOvr>
-  <p:timing>
-    <p:tnLst>
-      <p:par>
-        <p:cTn id="1" dur="indefinite" restart="never" nodeType="tmRoot"/>
-      </p:par>
-    </p:tnLst>
-  </p:timing>
-</p:sld>
-</file>
-
 <file path=ppt/slides/slide36.xml><?xml version="1.0" encoding="utf-8"?>
 <p:sld xmlns:a="http://schemas.openxmlformats.org/drawingml/2006/main" xmlns:r="http://schemas.openxmlformats.org/officeDocument/2006/relationships" xmlns:p="http://schemas.openxmlformats.org/presentationml/2006/main">
   <p:cSld>
@@ -10045,7 +10079,7 @@
       </p:grpSpPr>
       <p:sp>
         <p:nvSpPr>
-          <p:cNvPr id="2" name="Title 1"/>
+          <p:cNvPr id="4" name="Title 3"/>
           <p:cNvSpPr>
             <a:spLocks noGrp="1"/>
           </p:cNvSpPr>
@@ -10055,20 +10089,101 @@
         </p:nvSpPr>
         <p:spPr/>
         <p:txBody>
-          <a:bodyPr/>
-          <a:lstStyle/>
-          <a:p>
-            <a:r>
-              <a:rPr lang="en-US" dirty="0" smtClean="0"/>
-              <a:t>The Unix Kernel</a:t>
-            </a:r>
-            <a:endParaRPr lang="en-US" dirty="0"/>
-          </a:p>
-        </p:txBody>
-      </p:sp>
-      <p:sp>
-        <p:nvSpPr>
-          <p:cNvPr id="4" name="Footer Placeholder 3"/>
+          <a:bodyPr>
+            <a:normAutofit fontScale="90000"/>
+          </a:bodyPr>
+          <a:lstStyle/>
+          <a:p>
+            <a:r>
+              <a:rPr lang="en-US" dirty="0" smtClean="0"/>
+              <a:t>Mini-computers and Time Sharing Systems</a:t>
+            </a:r>
+            <a:endParaRPr lang="en-US" dirty="0"/>
+          </a:p>
+        </p:txBody>
+      </p:sp>
+      <p:sp>
+        <p:nvSpPr>
+          <p:cNvPr id="5" name="Content Placeholder 4"/>
+          <p:cNvSpPr>
+            <a:spLocks noGrp="1"/>
+          </p:cNvSpPr>
+          <p:nvPr>
+            <p:ph idx="1"/>
+          </p:nvPr>
+        </p:nvSpPr>
+        <p:spPr/>
+        <p:txBody>
+          <a:bodyPr/>
+          <a:lstStyle/>
+          <a:p>
+            <a:r>
+              <a:rPr lang="en-US" dirty="0" smtClean="0"/>
+              <a:t>Shrinking </a:t>
+            </a:r>
+            <a:r>
+              <a:rPr lang="en-US" dirty="0"/>
+              <a:t>hardware and affordable computing </a:t>
+            </a:r>
+            <a:r>
+              <a:rPr lang="en-US" dirty="0" smtClean="0"/>
+              <a:t>resources</a:t>
+            </a:r>
+          </a:p>
+          <a:p>
+            <a:r>
+              <a:rPr lang="en-US" dirty="0" smtClean="0"/>
+              <a:t>CTSS</a:t>
+            </a:r>
+            <a:endParaRPr lang="en-US" dirty="0"/>
+          </a:p>
+          <a:p>
+            <a:r>
+              <a:rPr lang="en-US" dirty="0" smtClean="0"/>
+              <a:t>MULTICS</a:t>
+            </a:r>
+            <a:endParaRPr lang="en-US" dirty="0"/>
+          </a:p>
+          <a:p>
+            <a:r>
+              <a:rPr lang="en-US" dirty="0" smtClean="0"/>
+              <a:t>C</a:t>
+            </a:r>
+            <a:r>
+              <a:rPr lang="en-US" dirty="0"/>
+              <a:t>, the portable assembler</a:t>
+            </a:r>
+          </a:p>
+          <a:p>
+            <a:r>
+              <a:rPr lang="en-US" dirty="0" smtClean="0"/>
+              <a:t>UNIX</a:t>
+            </a:r>
+            <a:endParaRPr lang="en-US" dirty="0"/>
+          </a:p>
+          <a:p>
+            <a:r>
+              <a:rPr lang="en-US" dirty="0" smtClean="0"/>
+              <a:t>(</a:t>
+            </a:r>
+            <a:r>
+              <a:rPr lang="en-US" dirty="0"/>
+              <a:t>D)</a:t>
+            </a:r>
+            <a:r>
+              <a:rPr lang="en-US" dirty="0" err="1"/>
+              <a:t>ARPANet</a:t>
+            </a:r>
+            <a:endParaRPr lang="en-US" dirty="0"/>
+          </a:p>
+          <a:p>
+            <a:endParaRPr lang="en-US" dirty="0"/>
+          </a:p>
+        </p:txBody>
+      </p:sp>
+      <p:sp>
+        <p:nvSpPr>
+          <p:cNvPr id="3" name="Footer Placeholder 2"/>
           <p:cNvSpPr>
             <a:spLocks noGrp="1"/>
           </p:cNvSpPr>
@@ -10085,178 +10200,6 @@
               <a:rPr lang="en-US" smtClean="0"/>
               <a:t>Introduction to Operating Systems</a:t>
             </a:r>
-            <a:endParaRPr lang="en-US" dirty="0"/>
-          </a:p>
-        </p:txBody>
-      </p:sp>
-      <p:sp>
-        <p:nvSpPr>
-          <p:cNvPr id="5" name="Oval 4"/>
-          <p:cNvSpPr/>
-          <p:nvPr/>
-        </p:nvSpPr>
-        <p:spPr>
-          <a:xfrm>
-            <a:off x="5640387" y="3353298"/>
-            <a:ext cx="914400" cy="914400"/>
-          </a:xfrm>
-          <a:prstGeom prst="ellipse">
-            <a:avLst/>
-          </a:prstGeom>
-          <a:noFill/>
-        </p:spPr>
-        <p:style>
-          <a:lnRef idx="2">
-            <a:schemeClr val="accent1">
-              <a:shade val="50000"/>
-            </a:schemeClr>
-          </a:lnRef>
-          <a:fillRef idx="1">
-            <a:schemeClr val="accent1"/>
-          </a:fillRef>
-          <a:effectRef idx="0">
-            <a:schemeClr val="accent1"/>
-          </a:effectRef>
-          <a:fontRef idx="minor">
-            <a:schemeClr val="lt1"/>
-          </a:fontRef>
-        </p:style>
-        <p:txBody>
-          <a:bodyPr rtlCol="0" anchor="ctr"/>
-          <a:lstStyle/>
-          <a:p>
-            <a:pPr algn="ctr"/>
-            <a:endParaRPr lang="en-US"/>
-          </a:p>
-        </p:txBody>
-      </p:sp>
-      <p:sp>
-        <p:nvSpPr>
-          <p:cNvPr id="7" name="TextBox 6"/>
-          <p:cNvSpPr txBox="1"/>
-          <p:nvPr/>
-        </p:nvSpPr>
-        <p:spPr>
-          <a:xfrm>
-            <a:off x="5697188" y="3625832"/>
-            <a:ext cx="800797" cy="369332"/>
-          </a:xfrm>
-          <a:prstGeom prst="rect">
-            <a:avLst/>
-          </a:prstGeom>
-          <a:noFill/>
-        </p:spPr>
-        <p:txBody>
-          <a:bodyPr wrap="none" rtlCol="0">
-            <a:spAutoFit/>
-          </a:bodyPr>
-          <a:lstStyle/>
-          <a:p>
-            <a:r>
-              <a:rPr lang="en-US" dirty="0" smtClean="0"/>
-              <a:t>Kernel</a:t>
-            </a:r>
-            <a:endParaRPr lang="en-US" dirty="0"/>
-          </a:p>
-        </p:txBody>
-      </p:sp>
-      <p:sp>
-        <p:nvSpPr>
-          <p:cNvPr id="8" name="TextBox 7"/>
-          <p:cNvSpPr txBox="1"/>
-          <p:nvPr/>
-        </p:nvSpPr>
-        <p:spPr>
-          <a:xfrm>
-            <a:off x="5416951" y="2847699"/>
-            <a:ext cx="1361270" cy="369332"/>
-          </a:xfrm>
-          <a:prstGeom prst="rect">
-            <a:avLst/>
-          </a:prstGeom>
-          <a:noFill/>
-        </p:spPr>
-        <p:txBody>
-          <a:bodyPr wrap="none" rtlCol="0">
-            <a:spAutoFit/>
-          </a:bodyPr>
-          <a:lstStyle/>
-          <a:p>
-            <a:r>
-              <a:rPr lang="en-US" dirty="0" smtClean="0"/>
-              <a:t>System Calls</a:t>
-            </a:r>
-            <a:endParaRPr lang="en-US" dirty="0"/>
-          </a:p>
-        </p:txBody>
-      </p:sp>
-      <p:sp>
-        <p:nvSpPr>
-          <p:cNvPr id="9" name="TextBox 8"/>
-          <p:cNvSpPr txBox="1"/>
-          <p:nvPr/>
-        </p:nvSpPr>
-        <p:spPr>
-          <a:xfrm>
-            <a:off x="5330204" y="2157434"/>
-            <a:ext cx="1592552" cy="369332"/>
-          </a:xfrm>
-          <a:prstGeom prst="rect">
-            <a:avLst/>
-          </a:prstGeom>
-          <a:noFill/>
-        </p:spPr>
-        <p:txBody>
-          <a:bodyPr wrap="none" rtlCol="0">
-            <a:spAutoFit/>
-          </a:bodyPr>
-          <a:lstStyle/>
-          <a:p>
-            <a:r>
-              <a:rPr lang="en-US" dirty="0" smtClean="0"/>
-              <a:t>Everything Else</a:t>
-            </a:r>
-            <a:endParaRPr lang="en-US" dirty="0"/>
-          </a:p>
-        </p:txBody>
-      </p:sp>
-      <p:sp>
-        <p:nvSpPr>
-          <p:cNvPr id="10" name="Oval 9"/>
-          <p:cNvSpPr/>
-          <p:nvPr/>
-        </p:nvSpPr>
-        <p:spPr>
-          <a:xfrm>
-            <a:off x="5039647" y="2683447"/>
-            <a:ext cx="2115878" cy="2254102"/>
-          </a:xfrm>
-          <a:prstGeom prst="ellipse">
-            <a:avLst/>
-          </a:prstGeom>
-          <a:noFill/>
-        </p:spPr>
-        <p:style>
-          <a:lnRef idx="2">
-            <a:schemeClr val="accent1">
-              <a:shade val="50000"/>
-            </a:schemeClr>
-          </a:lnRef>
-          <a:fillRef idx="1">
-            <a:schemeClr val="accent1"/>
-          </a:fillRef>
-          <a:effectRef idx="0">
-            <a:schemeClr val="accent1"/>
-          </a:effectRef>
-          <a:fontRef idx="minor">
-            <a:schemeClr val="lt1"/>
-          </a:fontRef>
-        </p:style>
-        <p:txBody>
-          <a:bodyPr rtlCol="0" anchor="ctr"/>
-          <a:lstStyle/>
-          <a:p>
-            <a:pPr algn="ctr"/>
             <a:endParaRPr lang="en-US"/>
           </a:p>
         </p:txBody>
@@ -10264,7 +10207,7 @@
     </p:spTree>
     <p:extLst>
       <p:ext uri="{BB962C8B-B14F-4D97-AF65-F5344CB8AC3E}">
-        <p14:creationId xmlns:p14="http://schemas.microsoft.com/office/powerpoint/2010/main" val="1613949954"/>
+        <p14:creationId xmlns:p14="http://schemas.microsoft.com/office/powerpoint/2010/main" val="1361097499"/>
       </p:ext>
     </p:extLst>
   </p:cSld>
@@ -10315,6 +10258,261 @@
           <a:p>
             <a:r>
               <a:rPr lang="en-US" dirty="0" smtClean="0"/>
+              <a:t>The Unix Kernel</a:t>
+            </a:r>
+            <a:endParaRPr lang="en-US" dirty="0"/>
+          </a:p>
+        </p:txBody>
+      </p:sp>
+      <p:sp>
+        <p:nvSpPr>
+          <p:cNvPr id="4" name="Footer Placeholder 3"/>
+          <p:cNvSpPr>
+            <a:spLocks noGrp="1"/>
+          </p:cNvSpPr>
+          <p:nvPr>
+            <p:ph type="ftr" sz="quarter" idx="11"/>
+          </p:nvPr>
+        </p:nvSpPr>
+        <p:spPr/>
+        <p:txBody>
+          <a:bodyPr/>
+          <a:lstStyle/>
+          <a:p>
+            <a:r>
+              <a:rPr lang="en-US" smtClean="0"/>
+              <a:t>Introduction to Operating Systems</a:t>
+            </a:r>
+            <a:endParaRPr lang="en-US" dirty="0"/>
+          </a:p>
+        </p:txBody>
+      </p:sp>
+      <p:sp>
+        <p:nvSpPr>
+          <p:cNvPr id="5" name="Oval 4"/>
+          <p:cNvSpPr/>
+          <p:nvPr/>
+        </p:nvSpPr>
+        <p:spPr>
+          <a:xfrm>
+            <a:off x="5640387" y="3353298"/>
+            <a:ext cx="914400" cy="914400"/>
+          </a:xfrm>
+          <a:prstGeom prst="ellipse">
+            <a:avLst/>
+          </a:prstGeom>
+          <a:noFill/>
+        </p:spPr>
+        <p:style>
+          <a:lnRef idx="2">
+            <a:schemeClr val="accent1">
+              <a:shade val="50000"/>
+            </a:schemeClr>
+          </a:lnRef>
+          <a:fillRef idx="1">
+            <a:schemeClr val="accent1"/>
+          </a:fillRef>
+          <a:effectRef idx="0">
+            <a:schemeClr val="accent1"/>
+          </a:effectRef>
+          <a:fontRef idx="minor">
+            <a:schemeClr val="lt1"/>
+          </a:fontRef>
+        </p:style>
+        <p:txBody>
+          <a:bodyPr rtlCol="0" anchor="ctr"/>
+          <a:lstStyle/>
+          <a:p>
+            <a:pPr algn="ctr"/>
+            <a:endParaRPr lang="en-US"/>
+          </a:p>
+        </p:txBody>
+      </p:sp>
+      <p:sp>
+        <p:nvSpPr>
+          <p:cNvPr id="7" name="TextBox 6"/>
+          <p:cNvSpPr txBox="1"/>
+          <p:nvPr/>
+        </p:nvSpPr>
+        <p:spPr>
+          <a:xfrm>
+            <a:off x="5697188" y="3625832"/>
+            <a:ext cx="800797" cy="369332"/>
+          </a:xfrm>
+          <a:prstGeom prst="rect">
+            <a:avLst/>
+          </a:prstGeom>
+          <a:noFill/>
+        </p:spPr>
+        <p:txBody>
+          <a:bodyPr wrap="none" rtlCol="0">
+            <a:spAutoFit/>
+          </a:bodyPr>
+          <a:lstStyle/>
+          <a:p>
+            <a:r>
+              <a:rPr lang="en-US" dirty="0" smtClean="0"/>
+              <a:t>Kernel</a:t>
+            </a:r>
+            <a:endParaRPr lang="en-US" dirty="0"/>
+          </a:p>
+        </p:txBody>
+      </p:sp>
+      <p:sp>
+        <p:nvSpPr>
+          <p:cNvPr id="8" name="TextBox 7"/>
+          <p:cNvSpPr txBox="1"/>
+          <p:nvPr/>
+        </p:nvSpPr>
+        <p:spPr>
+          <a:xfrm>
+            <a:off x="5416951" y="2847699"/>
+            <a:ext cx="1361270" cy="369332"/>
+          </a:xfrm>
+          <a:prstGeom prst="rect">
+            <a:avLst/>
+          </a:prstGeom>
+          <a:noFill/>
+        </p:spPr>
+        <p:txBody>
+          <a:bodyPr wrap="none" rtlCol="0">
+            <a:spAutoFit/>
+          </a:bodyPr>
+          <a:lstStyle/>
+          <a:p>
+            <a:r>
+              <a:rPr lang="en-US" dirty="0" smtClean="0"/>
+              <a:t>System Calls</a:t>
+            </a:r>
+            <a:endParaRPr lang="en-US" dirty="0"/>
+          </a:p>
+        </p:txBody>
+      </p:sp>
+      <p:sp>
+        <p:nvSpPr>
+          <p:cNvPr id="9" name="TextBox 8"/>
+          <p:cNvSpPr txBox="1"/>
+          <p:nvPr/>
+        </p:nvSpPr>
+        <p:spPr>
+          <a:xfrm>
+            <a:off x="5330204" y="2157434"/>
+            <a:ext cx="1592552" cy="369332"/>
+          </a:xfrm>
+          <a:prstGeom prst="rect">
+            <a:avLst/>
+          </a:prstGeom>
+          <a:noFill/>
+        </p:spPr>
+        <p:txBody>
+          <a:bodyPr wrap="none" rtlCol="0">
+            <a:spAutoFit/>
+          </a:bodyPr>
+          <a:lstStyle/>
+          <a:p>
+            <a:r>
+              <a:rPr lang="en-US" dirty="0" smtClean="0"/>
+              <a:t>Everything Else</a:t>
+            </a:r>
+            <a:endParaRPr lang="en-US" dirty="0"/>
+          </a:p>
+        </p:txBody>
+      </p:sp>
+      <p:sp>
+        <p:nvSpPr>
+          <p:cNvPr id="10" name="Oval 9"/>
+          <p:cNvSpPr/>
+          <p:nvPr/>
+        </p:nvSpPr>
+        <p:spPr>
+          <a:xfrm>
+            <a:off x="5039647" y="2683447"/>
+            <a:ext cx="2115878" cy="2254102"/>
+          </a:xfrm>
+          <a:prstGeom prst="ellipse">
+            <a:avLst/>
+          </a:prstGeom>
+          <a:noFill/>
+        </p:spPr>
+        <p:style>
+          <a:lnRef idx="2">
+            <a:schemeClr val="accent1">
+              <a:shade val="50000"/>
+            </a:schemeClr>
+          </a:lnRef>
+          <a:fillRef idx="1">
+            <a:schemeClr val="accent1"/>
+          </a:fillRef>
+          <a:effectRef idx="0">
+            <a:schemeClr val="accent1"/>
+          </a:effectRef>
+          <a:fontRef idx="minor">
+            <a:schemeClr val="lt1"/>
+          </a:fontRef>
+        </p:style>
+        <p:txBody>
+          <a:bodyPr rtlCol="0" anchor="ctr"/>
+          <a:lstStyle/>
+          <a:p>
+            <a:pPr algn="ctr"/>
+            <a:endParaRPr lang="en-US"/>
+          </a:p>
+        </p:txBody>
+      </p:sp>
+    </p:spTree>
+    <p:extLst>
+      <p:ext uri="{BB962C8B-B14F-4D97-AF65-F5344CB8AC3E}">
+        <p14:creationId xmlns:p14="http://schemas.microsoft.com/office/powerpoint/2010/main" val="1613949954"/>
+      </p:ext>
+    </p:extLst>
+  </p:cSld>
+  <p:clrMapOvr>
+    <a:masterClrMapping/>
+  </p:clrMapOvr>
+  <p:timing>
+    <p:tnLst>
+      <p:par>
+        <p:cTn id="1" dur="indefinite" restart="never" nodeType="tmRoot"/>
+      </p:par>
+    </p:tnLst>
+  </p:timing>
+</p:sld>
+</file>
+
+<file path=ppt/slides/slide38.xml><?xml version="1.0" encoding="utf-8"?>
+<p:sld xmlns:a="http://schemas.openxmlformats.org/drawingml/2006/main" xmlns:r="http://schemas.openxmlformats.org/officeDocument/2006/relationships" xmlns:p="http://schemas.openxmlformats.org/presentationml/2006/main">
+  <p:cSld>
+    <p:spTree>
+      <p:nvGrpSpPr>
+        <p:cNvPr id="1" name=""/>
+        <p:cNvGrpSpPr/>
+        <p:nvPr/>
+      </p:nvGrpSpPr>
+      <p:grpSpPr>
+        <a:xfrm>
+          <a:off x="0" y="0"/>
+          <a:ext cx="0" cy="0"/>
+          <a:chOff x="0" y="0"/>
+          <a:chExt cx="0" cy="0"/>
+        </a:xfrm>
+      </p:grpSpPr>
+      <p:sp>
+        <p:nvSpPr>
+          <p:cNvPr id="2" name="Title 1"/>
+          <p:cNvSpPr>
+            <a:spLocks noGrp="1"/>
+          </p:cNvSpPr>
+          <p:nvPr>
+            <p:ph type="title"/>
+          </p:nvPr>
+        </p:nvSpPr>
+        <p:spPr/>
+        <p:txBody>
+          <a:bodyPr/>
+          <a:lstStyle/>
+          <a:p>
+            <a:r>
+              <a:rPr lang="en-US" dirty="0" smtClean="0"/>
               <a:t>The Rise of the Microcomputer</a:t>
             </a:r>
             <a:endParaRPr lang="en-US" dirty="0"/>
@@ -10448,7 +10646,7 @@
 </p:sld>
 </file>
 
-<file path=ppt/slides/slide38.xml><?xml version="1.0" encoding="utf-8"?>
+<file path=ppt/slides/slide39.xml><?xml version="1.0" encoding="utf-8"?>
 <p:sld xmlns:a="http://schemas.openxmlformats.org/drawingml/2006/main" xmlns:r="http://schemas.openxmlformats.org/officeDocument/2006/relationships" xmlns:p="http://schemas.openxmlformats.org/presentationml/2006/main">
   <p:cSld>
     <p:spTree>
@@ -10561,7 +10759,235 @@
 </p:sld>
 </file>
 
-<file path=ppt/slides/slide39.xml><?xml version="1.0" encoding="utf-8"?>
+<file path=ppt/slides/slide4.xml><?xml version="1.0" encoding="utf-8"?>
+<p:sld xmlns:a="http://schemas.openxmlformats.org/drawingml/2006/main" xmlns:r="http://schemas.openxmlformats.org/officeDocument/2006/relationships" xmlns:p="http://schemas.openxmlformats.org/presentationml/2006/main">
+  <p:cSld>
+    <p:spTree>
+      <p:nvGrpSpPr>
+        <p:cNvPr id="1" name=""/>
+        <p:cNvGrpSpPr/>
+        <p:nvPr/>
+      </p:nvGrpSpPr>
+      <p:grpSpPr>
+        <a:xfrm>
+          <a:off x="0" y="0"/>
+          <a:ext cx="0" cy="0"/>
+          <a:chOff x="0" y="0"/>
+          <a:chExt cx="0" cy="0"/>
+        </a:xfrm>
+      </p:grpSpPr>
+      <p:sp>
+        <p:nvSpPr>
+          <p:cNvPr id="2" name="Title 1"/>
+          <p:cNvSpPr>
+            <a:spLocks noGrp="1"/>
+          </p:cNvSpPr>
+          <p:nvPr>
+            <p:ph type="title"/>
+          </p:nvPr>
+        </p:nvSpPr>
+        <p:spPr/>
+        <p:txBody>
+          <a:bodyPr/>
+          <a:lstStyle/>
+          <a:p>
+            <a:r>
+              <a:rPr lang="en-US" dirty="0" smtClean="0"/>
+              <a:t>Course Outline</a:t>
+            </a:r>
+            <a:endParaRPr lang="en-US" dirty="0"/>
+          </a:p>
+        </p:txBody>
+      </p:sp>
+      <p:sp>
+        <p:nvSpPr>
+          <p:cNvPr id="3" name="Text Placeholder 2"/>
+          <p:cNvSpPr>
+            <a:spLocks noGrp="1"/>
+          </p:cNvSpPr>
+          <p:nvPr>
+            <p:ph type="body" idx="1"/>
+          </p:nvPr>
+        </p:nvSpPr>
+        <p:spPr/>
+        <p:txBody>
+          <a:bodyPr/>
+          <a:lstStyle/>
+          <a:p>
+            <a:r>
+              <a:rPr lang="en-US" dirty="0" smtClean="0"/>
+              <a:t>Tracing</a:t>
+            </a:r>
+            <a:endParaRPr lang="en-US" dirty="0"/>
+          </a:p>
+        </p:txBody>
+      </p:sp>
+      <p:sp>
+        <p:nvSpPr>
+          <p:cNvPr id="4" name="Content Placeholder 3"/>
+          <p:cNvSpPr>
+            <a:spLocks noGrp="1"/>
+          </p:cNvSpPr>
+          <p:nvPr>
+            <p:ph sz="half" idx="2"/>
+          </p:nvPr>
+        </p:nvSpPr>
+        <p:spPr/>
+        <p:txBody>
+          <a:bodyPr/>
+          <a:lstStyle/>
+          <a:p>
+            <a:r>
+              <a:rPr lang="en-US" dirty="0" smtClean="0"/>
+              <a:t>What is tracing?</a:t>
+            </a:r>
+          </a:p>
+          <a:p>
+            <a:r>
+              <a:rPr lang="en-US" dirty="0" smtClean="0"/>
+              <a:t>How does tracing work?</a:t>
+            </a:r>
+          </a:p>
+          <a:p>
+            <a:r>
+              <a:rPr lang="en-US" dirty="0" smtClean="0"/>
+              <a:t>Kernel Tracing Systems</a:t>
+            </a:r>
+          </a:p>
+          <a:p>
+            <a:r>
+              <a:rPr lang="en-US" dirty="0" err="1" smtClean="0"/>
+              <a:t>DTrace</a:t>
+            </a:r>
+            <a:endParaRPr lang="en-US" dirty="0" smtClean="0"/>
+          </a:p>
+          <a:p>
+            <a:r>
+              <a:rPr lang="en-US" dirty="0" smtClean="0"/>
+              <a:t>Lab: Using </a:t>
+            </a:r>
+            <a:r>
+              <a:rPr lang="en-US" dirty="0" err="1" smtClean="0"/>
+              <a:t>DTrace</a:t>
+            </a:r>
+            <a:endParaRPr lang="en-US" dirty="0"/>
+          </a:p>
+        </p:txBody>
+      </p:sp>
+      <p:sp>
+        <p:nvSpPr>
+          <p:cNvPr id="5" name="Text Placeholder 4"/>
+          <p:cNvSpPr>
+            <a:spLocks noGrp="1"/>
+          </p:cNvSpPr>
+          <p:nvPr>
+            <p:ph type="body" sz="quarter" idx="3"/>
+          </p:nvPr>
+        </p:nvSpPr>
+        <p:spPr/>
+        <p:txBody>
+          <a:bodyPr/>
+          <a:lstStyle/>
+          <a:p>
+            <a:r>
+              <a:rPr lang="en-US" dirty="0" smtClean="0"/>
+              <a:t>processes</a:t>
+            </a:r>
+            <a:endParaRPr lang="en-US" dirty="0"/>
+          </a:p>
+        </p:txBody>
+      </p:sp>
+      <p:sp>
+        <p:nvSpPr>
+          <p:cNvPr id="6" name="Content Placeholder 5"/>
+          <p:cNvSpPr>
+            <a:spLocks noGrp="1"/>
+          </p:cNvSpPr>
+          <p:nvPr>
+            <p:ph sz="quarter" idx="4"/>
+          </p:nvPr>
+        </p:nvSpPr>
+        <p:spPr/>
+        <p:txBody>
+          <a:bodyPr/>
+          <a:lstStyle/>
+          <a:p>
+            <a:r>
+              <a:rPr lang="en-US" dirty="0" smtClean="0"/>
+              <a:t>The Process Model</a:t>
+            </a:r>
+          </a:p>
+          <a:p>
+            <a:r>
+              <a:rPr lang="en-US" dirty="0" smtClean="0"/>
+              <a:t>Processes and Threads</a:t>
+            </a:r>
+          </a:p>
+          <a:p>
+            <a:r>
+              <a:rPr lang="en-US" dirty="0" smtClean="0"/>
+              <a:t>Mutual Exclusion</a:t>
+            </a:r>
+          </a:p>
+          <a:p>
+            <a:r>
+              <a:rPr lang="en-US" dirty="0" smtClean="0"/>
+              <a:t>Locking Primitives</a:t>
+            </a:r>
+          </a:p>
+          <a:p>
+            <a:r>
+              <a:rPr lang="en-US" dirty="0" smtClean="0"/>
+              <a:t>Lab: Tracing process creation</a:t>
+            </a:r>
+            <a:endParaRPr lang="en-US" dirty="0"/>
+          </a:p>
+        </p:txBody>
+      </p:sp>
+      <p:sp>
+        <p:nvSpPr>
+          <p:cNvPr id="7" name="Footer Placeholder 6"/>
+          <p:cNvSpPr>
+            <a:spLocks noGrp="1"/>
+          </p:cNvSpPr>
+          <p:nvPr>
+            <p:ph type="ftr" sz="quarter" idx="11"/>
+          </p:nvPr>
+        </p:nvSpPr>
+        <p:spPr/>
+        <p:txBody>
+          <a:bodyPr/>
+          <a:lstStyle/>
+          <a:p>
+            <a:r>
+              <a:rPr lang="en-US" smtClean="0"/>
+              <a:t>Introduction to Operating Systems</a:t>
+            </a:r>
+            <a:endParaRPr lang="en-US"/>
+          </a:p>
+        </p:txBody>
+      </p:sp>
+    </p:spTree>
+    <p:extLst>
+      <p:ext uri="{BB962C8B-B14F-4D97-AF65-F5344CB8AC3E}">
+        <p14:creationId xmlns:p14="http://schemas.microsoft.com/office/powerpoint/2010/main" val="236341772"/>
+      </p:ext>
+    </p:extLst>
+  </p:cSld>
+  <p:clrMapOvr>
+    <a:masterClrMapping/>
+  </p:clrMapOvr>
+  <p:timing>
+    <p:tnLst>
+      <p:par>
+        <p:cTn id="1" dur="indefinite" restart="never" nodeType="tmRoot"/>
+      </p:par>
+    </p:tnLst>
+  </p:timing>
+</p:sld>
+</file>
+
+<file path=ppt/slides/slide40.xml><?xml version="1.0" encoding="utf-8"?>
 <p:sld xmlns:a="http://schemas.openxmlformats.org/drawingml/2006/main" xmlns:r="http://schemas.openxmlformats.org/officeDocument/2006/relationships" xmlns:p="http://schemas.openxmlformats.org/presentationml/2006/main">
   <p:cSld>
     <p:spTree>
@@ -10708,259 +11134,7 @@
 </p:sld>
 </file>
 
-<file path=ppt/slides/slide4.xml><?xml version="1.0" encoding="utf-8"?>
-<p:sld xmlns:a="http://schemas.openxmlformats.org/drawingml/2006/main" xmlns:r="http://schemas.openxmlformats.org/officeDocument/2006/relationships" xmlns:p="http://schemas.openxmlformats.org/presentationml/2006/main">
-  <p:cSld>
-    <p:spTree>
-      <p:nvGrpSpPr>
-        <p:cNvPr id="1" name=""/>
-        <p:cNvGrpSpPr/>
-        <p:nvPr/>
-      </p:nvGrpSpPr>
-      <p:grpSpPr>
-        <a:xfrm>
-          <a:off x="0" y="0"/>
-          <a:ext cx="0" cy="0"/>
-          <a:chOff x="0" y="0"/>
-          <a:chExt cx="0" cy="0"/>
-        </a:xfrm>
-      </p:grpSpPr>
-      <p:sp>
-        <p:nvSpPr>
-          <p:cNvPr id="2" name="Title 1"/>
-          <p:cNvSpPr>
-            <a:spLocks noGrp="1"/>
-          </p:cNvSpPr>
-          <p:nvPr>
-            <p:ph type="title"/>
-          </p:nvPr>
-        </p:nvSpPr>
-        <p:spPr/>
-        <p:txBody>
-          <a:bodyPr/>
-          <a:lstStyle/>
-          <a:p>
-            <a:r>
-              <a:rPr lang="en-US" dirty="0" smtClean="0"/>
-              <a:t>Course Outline</a:t>
-            </a:r>
-            <a:endParaRPr lang="en-US" dirty="0"/>
-          </a:p>
-        </p:txBody>
-      </p:sp>
-      <p:sp>
-        <p:nvSpPr>
-          <p:cNvPr id="3" name="Text Placeholder 2"/>
-          <p:cNvSpPr>
-            <a:spLocks noGrp="1"/>
-          </p:cNvSpPr>
-          <p:nvPr>
-            <p:ph type="body" idx="1"/>
-          </p:nvPr>
-        </p:nvSpPr>
-        <p:spPr/>
-        <p:txBody>
-          <a:bodyPr/>
-          <a:lstStyle/>
-          <a:p>
-            <a:r>
-              <a:rPr lang="en-US" dirty="0" smtClean="0"/>
-              <a:t>Day 3: Communication</a:t>
-            </a:r>
-            <a:endParaRPr lang="en-US" dirty="0"/>
-          </a:p>
-        </p:txBody>
-      </p:sp>
-      <p:sp>
-        <p:nvSpPr>
-          <p:cNvPr id="4" name="Content Placeholder 3"/>
-          <p:cNvSpPr>
-            <a:spLocks noGrp="1"/>
-          </p:cNvSpPr>
-          <p:nvPr>
-            <p:ph sz="half" idx="2"/>
-          </p:nvPr>
-        </p:nvSpPr>
-        <p:spPr/>
-        <p:txBody>
-          <a:bodyPr/>
-          <a:lstStyle/>
-          <a:p>
-            <a:r>
-              <a:rPr lang="en-US" dirty="0" smtClean="0"/>
-              <a:t>I/O</a:t>
-            </a:r>
-            <a:endParaRPr lang="en-US" dirty="0"/>
-          </a:p>
-          <a:p>
-            <a:r>
-              <a:rPr lang="en-US" dirty="0" smtClean="0"/>
-              <a:t>Inter </a:t>
-            </a:r>
-            <a:r>
-              <a:rPr lang="en-US" dirty="0"/>
-              <a:t>Process Communication</a:t>
-            </a:r>
-          </a:p>
-          <a:p>
-            <a:r>
-              <a:rPr lang="en-US" dirty="0" smtClean="0"/>
-              <a:t>Sockets </a:t>
-            </a:r>
-            <a:r>
-              <a:rPr lang="en-US" dirty="0"/>
-              <a:t>and </a:t>
-            </a:r>
-            <a:r>
-              <a:rPr lang="en-US" dirty="0" smtClean="0"/>
-              <a:t>Network Communication </a:t>
-            </a:r>
-          </a:p>
-          <a:p>
-            <a:r>
-              <a:rPr lang="en-US" dirty="0" smtClean="0"/>
-              <a:t>Lab </a:t>
-            </a:r>
-            <a:r>
-              <a:rPr lang="en-US" dirty="0"/>
-              <a:t>3: TCP Connection Setup</a:t>
-            </a:r>
-          </a:p>
-        </p:txBody>
-      </p:sp>
-      <p:sp>
-        <p:nvSpPr>
-          <p:cNvPr id="5" name="Text Placeholder 4"/>
-          <p:cNvSpPr>
-            <a:spLocks noGrp="1"/>
-          </p:cNvSpPr>
-          <p:nvPr>
-            <p:ph type="body" sz="quarter" idx="3"/>
-          </p:nvPr>
-        </p:nvSpPr>
-        <p:spPr/>
-        <p:txBody>
-          <a:bodyPr/>
-          <a:lstStyle/>
-          <a:p>
-            <a:r>
-              <a:rPr lang="en-US" dirty="0" smtClean="0"/>
-              <a:t>Day 4: storing data</a:t>
-            </a:r>
-            <a:endParaRPr lang="en-US" dirty="0"/>
-          </a:p>
-        </p:txBody>
-      </p:sp>
-      <p:sp>
-        <p:nvSpPr>
-          <p:cNvPr id="6" name="Content Placeholder 5"/>
-          <p:cNvSpPr>
-            <a:spLocks noGrp="1"/>
-          </p:cNvSpPr>
-          <p:nvPr>
-            <p:ph sz="quarter" idx="4"/>
-          </p:nvPr>
-        </p:nvSpPr>
-        <p:spPr/>
-        <p:txBody>
-          <a:bodyPr/>
-          <a:lstStyle/>
-          <a:p>
-            <a:r>
-              <a:rPr lang="en-US" dirty="0" smtClean="0"/>
-              <a:t>Storage </a:t>
-            </a:r>
-            <a:r>
-              <a:rPr lang="en-US" dirty="0"/>
-              <a:t>Overview</a:t>
-            </a:r>
-          </a:p>
-          <a:p>
-            <a:r>
-              <a:rPr lang="en-US" dirty="0" smtClean="0"/>
-              <a:t>Naming </a:t>
-            </a:r>
-            <a:r>
-              <a:rPr lang="en-US" dirty="0"/>
-              <a:t>and Location</a:t>
-            </a:r>
-          </a:p>
-          <a:p>
-            <a:r>
-              <a:rPr lang="en-US" dirty="0" smtClean="0"/>
-              <a:t>Virtual </a:t>
-            </a:r>
-            <a:r>
-              <a:rPr lang="en-US" dirty="0"/>
-              <a:t>Filesystem Layer</a:t>
-            </a:r>
-          </a:p>
-          <a:p>
-            <a:r>
-              <a:rPr lang="en-US" dirty="0" smtClean="0"/>
-              <a:t>Storing </a:t>
-            </a:r>
-            <a:r>
-              <a:rPr lang="en-US" dirty="0"/>
-              <a:t>and Retrieving Data</a:t>
-            </a:r>
-          </a:p>
-          <a:p>
-            <a:r>
-              <a:rPr lang="en-US" dirty="0" smtClean="0"/>
-              <a:t>Lab </a:t>
-            </a:r>
-            <a:r>
-              <a:rPr lang="en-US" dirty="0"/>
-              <a:t>4: Reading a file from disk</a:t>
-            </a:r>
-          </a:p>
-        </p:txBody>
-      </p:sp>
-      <p:sp>
-        <p:nvSpPr>
-          <p:cNvPr id="7" name="Footer Placeholder 6"/>
-          <p:cNvSpPr>
-            <a:spLocks noGrp="1"/>
-          </p:cNvSpPr>
-          <p:nvPr>
-            <p:ph type="ftr" sz="quarter" idx="11"/>
-          </p:nvPr>
-        </p:nvSpPr>
-        <p:spPr/>
-        <p:txBody>
-          <a:bodyPr/>
-          <a:lstStyle/>
-          <a:p>
-            <a:r>
-              <a:rPr lang="en-US" smtClean="0"/>
-              <a:t>Introduction to Operating Systems</a:t>
-            </a:r>
-            <a:endParaRPr lang="en-US"/>
-          </a:p>
-        </p:txBody>
-      </p:sp>
-    </p:spTree>
-    <p:extLst>
-      <p:ext uri="{BB962C8B-B14F-4D97-AF65-F5344CB8AC3E}">
-        <p14:creationId xmlns:p14="http://schemas.microsoft.com/office/powerpoint/2010/main" val="1573046548"/>
-      </p:ext>
-    </p:extLst>
-  </p:cSld>
-  <p:clrMapOvr>
-    <a:masterClrMapping/>
-  </p:clrMapOvr>
-  <p:timing>
-    <p:tnLst>
-      <p:par>
-        <p:cTn id="1" dur="indefinite" restart="never" nodeType="tmRoot"/>
-      </p:par>
-    </p:tnLst>
-  </p:timing>
-</p:sld>
-</file>
-
-<file path=ppt/slides/slide40.xml><?xml version="1.0" encoding="utf-8"?>
+<file path=ppt/slides/slide41.xml><?xml version="1.0" encoding="utf-8"?>
 <p:sld xmlns:a="http://schemas.openxmlformats.org/drawingml/2006/main" xmlns:r="http://schemas.openxmlformats.org/officeDocument/2006/relationships" xmlns:p="http://schemas.openxmlformats.org/presentationml/2006/main">
   <p:cSld>
     <p:spTree>
@@ -11073,145 +11247,6 @@
 </p:sld>
 </file>
 
-<file path=ppt/slides/slide41.xml><?xml version="1.0" encoding="utf-8"?>
-<p:sld xmlns:a="http://schemas.openxmlformats.org/drawingml/2006/main" xmlns:r="http://schemas.openxmlformats.org/officeDocument/2006/relationships" xmlns:p="http://schemas.openxmlformats.org/presentationml/2006/main">
-  <p:cSld>
-    <p:spTree>
-      <p:nvGrpSpPr>
-        <p:cNvPr id="1" name=""/>
-        <p:cNvGrpSpPr/>
-        <p:nvPr/>
-      </p:nvGrpSpPr>
-      <p:grpSpPr>
-        <a:xfrm>
-          <a:off x="0" y="0"/>
-          <a:ext cx="0" cy="0"/>
-          <a:chOff x="0" y="0"/>
-          <a:chExt cx="0" cy="0"/>
-        </a:xfrm>
-      </p:grpSpPr>
-      <p:sp>
-        <p:nvSpPr>
-          <p:cNvPr id="4" name="Title 3"/>
-          <p:cNvSpPr>
-            <a:spLocks noGrp="1"/>
-          </p:cNvSpPr>
-          <p:nvPr>
-            <p:ph type="title"/>
-          </p:nvPr>
-        </p:nvSpPr>
-        <p:spPr/>
-        <p:txBody>
-          <a:bodyPr/>
-          <a:lstStyle/>
-          <a:p>
-            <a:r>
-              <a:rPr lang="en-US" dirty="0" smtClean="0"/>
-              <a:t>Embedded and Real Time Systems</a:t>
-            </a:r>
-            <a:endParaRPr lang="en-US" dirty="0"/>
-          </a:p>
-        </p:txBody>
-      </p:sp>
-      <p:sp>
-        <p:nvSpPr>
-          <p:cNvPr id="5" name="Content Placeholder 4"/>
-          <p:cNvSpPr>
-            <a:spLocks noGrp="1"/>
-          </p:cNvSpPr>
-          <p:nvPr>
-            <p:ph idx="1"/>
-          </p:nvPr>
-        </p:nvSpPr>
-        <p:spPr/>
-        <p:txBody>
-          <a:bodyPr/>
-          <a:lstStyle/>
-          <a:p>
-            <a:r>
-              <a:rPr lang="en-US" dirty="0" smtClean="0"/>
-              <a:t>Applied </a:t>
-            </a:r>
-            <a:r>
-              <a:rPr lang="en-US" dirty="0"/>
-              <a:t>kernel programming</a:t>
-            </a:r>
-          </a:p>
-          <a:p>
-            <a:r>
-              <a:rPr lang="en-US" dirty="0" smtClean="0"/>
-              <a:t>Tasks </a:t>
-            </a:r>
-            <a:r>
-              <a:rPr lang="en-US" dirty="0"/>
-              <a:t>have deadlines</a:t>
-            </a:r>
-          </a:p>
-          <a:p>
-            <a:r>
-              <a:rPr lang="en-US" dirty="0" smtClean="0"/>
-              <a:t>Failure </a:t>
-            </a:r>
-            <a:r>
-              <a:rPr lang="en-US" dirty="0"/>
-              <a:t>is not an option</a:t>
-            </a:r>
-          </a:p>
-          <a:p>
-            <a:r>
-              <a:rPr lang="en-US" dirty="0" smtClean="0"/>
-              <a:t>Often </a:t>
-            </a:r>
-            <a:r>
-              <a:rPr lang="en-US" dirty="0"/>
-              <a:t>forgo more expensive UNIX like features</a:t>
-            </a:r>
-          </a:p>
-        </p:txBody>
-      </p:sp>
-      <p:sp>
-        <p:nvSpPr>
-          <p:cNvPr id="3" name="Footer Placeholder 2"/>
-          <p:cNvSpPr>
-            <a:spLocks noGrp="1"/>
-          </p:cNvSpPr>
-          <p:nvPr>
-            <p:ph type="ftr" sz="quarter" idx="11"/>
-          </p:nvPr>
-        </p:nvSpPr>
-        <p:spPr/>
-        <p:txBody>
-          <a:bodyPr/>
-          <a:lstStyle/>
-          <a:p>
-            <a:r>
-              <a:rPr lang="en-US" smtClean="0"/>
-              <a:t>Introduction to Operating Systems</a:t>
-            </a:r>
-            <a:endParaRPr lang="en-US"/>
-          </a:p>
-        </p:txBody>
-      </p:sp>
-    </p:spTree>
-    <p:extLst>
-      <p:ext uri="{BB962C8B-B14F-4D97-AF65-F5344CB8AC3E}">
-        <p14:creationId xmlns:p14="http://schemas.microsoft.com/office/powerpoint/2010/main" val="511040205"/>
-      </p:ext>
-    </p:extLst>
-  </p:cSld>
-  <p:clrMapOvr>
-    <a:masterClrMapping/>
-  </p:clrMapOvr>
-  <p:timing>
-    <p:tnLst>
-      <p:par>
-        <p:cTn id="1" dur="indefinite" restart="never" nodeType="tmRoot"/>
-      </p:par>
-    </p:tnLst>
-  </p:timing>
-</p:sld>
-</file>
-
 <file path=ppt/slides/slide42.xml><?xml version="1.0" encoding="utf-8"?>
 <p:sld xmlns:a="http://schemas.openxmlformats.org/drawingml/2006/main" xmlns:r="http://schemas.openxmlformats.org/officeDocument/2006/relationships" xmlns:p="http://schemas.openxmlformats.org/presentationml/2006/main">
   <p:cSld>
@@ -11231,7 +11266,7 @@
       </p:grpSpPr>
       <p:sp>
         <p:nvSpPr>
-          <p:cNvPr id="2" name="Title 1"/>
+          <p:cNvPr id="4" name="Title 3"/>
           <p:cNvSpPr>
             <a:spLocks noGrp="1"/>
           </p:cNvSpPr>
@@ -11241,22 +11276,20 @@
         </p:nvSpPr>
         <p:spPr/>
         <p:txBody>
-          <a:bodyPr>
-            <a:normAutofit fontScale="90000"/>
-          </a:bodyPr>
-          <a:lstStyle/>
-          <a:p>
-            <a:r>
-              <a:rPr lang="en-US" dirty="0" smtClean="0"/>
-              <a:t>Mobile Devices and the Ubiquitous Internet</a:t>
-            </a:r>
-            <a:endParaRPr lang="en-US" dirty="0"/>
-          </a:p>
-        </p:txBody>
-      </p:sp>
-      <p:sp>
-        <p:nvSpPr>
-          <p:cNvPr id="3" name="Content Placeholder 2"/>
+          <a:bodyPr/>
+          <a:lstStyle/>
+          <a:p>
+            <a:r>
+              <a:rPr lang="en-US" dirty="0" smtClean="0"/>
+              <a:t>Embedded and Real Time Systems</a:t>
+            </a:r>
+            <a:endParaRPr lang="en-US" dirty="0"/>
+          </a:p>
+        </p:txBody>
+      </p:sp>
+      <p:sp>
+        <p:nvSpPr>
+          <p:cNvPr id="5" name="Content Placeholder 4"/>
           <p:cNvSpPr>
             <a:spLocks noGrp="1"/>
           </p:cNvSpPr>
@@ -11271,49 +11304,48 @@
           <a:p>
             <a:r>
               <a:rPr lang="en-US" dirty="0" smtClean="0"/>
-              <a:t>Sensors</a:t>
-            </a:r>
-            <a:endParaRPr lang="en-US" dirty="0"/>
-          </a:p>
-          <a:p>
-            <a:r>
-              <a:rPr lang="en-US" dirty="0" smtClean="0"/>
-              <a:t>Always </a:t>
+              <a:t>Applied </a:t>
             </a:r>
             <a:r>
               <a:rPr lang="en-US" dirty="0"/>
-              <a:t>connected</a:t>
-            </a:r>
-          </a:p>
-          <a:p>
-            <a:r>
-              <a:rPr lang="en-US" dirty="0" smtClean="0"/>
-              <a:t>A </a:t>
+              <a:t>kernel programming</a:t>
+            </a:r>
+          </a:p>
+          <a:p>
+            <a:r>
+              <a:rPr lang="en-US" dirty="0" smtClean="0"/>
+              <a:t>Tasks </a:t>
             </a:r>
             <a:r>
               <a:rPr lang="en-US" dirty="0"/>
-              <a:t>return to single user, but with a multi-user OS </a:t>
-            </a:r>
-            <a:endParaRPr lang="en-US" dirty="0" smtClean="0"/>
-          </a:p>
-          <a:p>
-            <a:r>
-              <a:rPr lang="en-US" dirty="0" smtClean="0"/>
-              <a:t>Programming </a:t>
+              <a:t>have deadlines</a:t>
+            </a:r>
+          </a:p>
+          <a:p>
+            <a:r>
+              <a:rPr lang="en-US" dirty="0" smtClean="0"/>
+              <a:t>Failure </a:t>
             </a:r>
             <a:r>
               <a:rPr lang="en-US" dirty="0"/>
-              <a:t>for power rather than speed</a:t>
-            </a:r>
-          </a:p>
-          <a:p>
-            <a:endParaRPr lang="en-US" dirty="0"/>
-          </a:p>
-        </p:txBody>
-      </p:sp>
-      <p:sp>
-        <p:nvSpPr>
-          <p:cNvPr id="4" name="Footer Placeholder 3"/>
+              <a:t>is not an option</a:t>
+            </a:r>
+          </a:p>
+          <a:p>
+            <a:r>
+              <a:rPr lang="en-US" dirty="0" smtClean="0"/>
+              <a:t>Often </a:t>
+            </a:r>
+            <a:r>
+              <a:rPr lang="en-US" dirty="0"/>
+              <a:t>forgo more expensive UNIX like features</a:t>
+            </a:r>
+          </a:p>
+        </p:txBody>
+      </p:sp>
+      <p:sp>
+        <p:nvSpPr>
+          <p:cNvPr id="3" name="Footer Placeholder 2"/>
           <p:cNvSpPr>
             <a:spLocks noGrp="1"/>
           </p:cNvSpPr>
@@ -11330,14 +11362,14 @@
               <a:rPr lang="en-US" smtClean="0"/>
               <a:t>Introduction to Operating Systems</a:t>
             </a:r>
-            <a:endParaRPr lang="en-US" dirty="0"/>
+            <a:endParaRPr lang="en-US"/>
           </a:p>
         </p:txBody>
       </p:sp>
     </p:spTree>
     <p:extLst>
       <p:ext uri="{BB962C8B-B14F-4D97-AF65-F5344CB8AC3E}">
-        <p14:creationId xmlns:p14="http://schemas.microsoft.com/office/powerpoint/2010/main" val="969023124"/>
+        <p14:creationId xmlns:p14="http://schemas.microsoft.com/office/powerpoint/2010/main" val="511040205"/>
       </p:ext>
     </p:extLst>
   </p:cSld>
@@ -11383,12 +11415,14 @@
         </p:nvSpPr>
         <p:spPr/>
         <p:txBody>
-          <a:bodyPr/>
-          <a:lstStyle/>
-          <a:p>
-            <a:r>
-              <a:rPr lang="en-US" dirty="0" smtClean="0"/>
-              <a:t>Today</a:t>
+          <a:bodyPr>
+            <a:normAutofit fontScale="90000"/>
+          </a:bodyPr>
+          <a:lstStyle/>
+          <a:p>
+            <a:r>
+              <a:rPr lang="en-US" dirty="0" smtClean="0"/>
+              <a:t>Mobile Devices and the Ubiquitous Internet</a:t>
             </a:r>
             <a:endParaRPr lang="en-US" dirty="0"/>
           </a:p>
@@ -11411,34 +11445,43 @@
           <a:p>
             <a:r>
               <a:rPr lang="en-US" dirty="0" smtClean="0"/>
-              <a:t>Multi-user </a:t>
+              <a:t>Sensors</a:t>
+            </a:r>
+            <a:endParaRPr lang="en-US" dirty="0"/>
+          </a:p>
+          <a:p>
+            <a:r>
+              <a:rPr lang="en-US" dirty="0" smtClean="0"/>
+              <a:t>Always </a:t>
             </a:r>
             <a:r>
               <a:rPr lang="en-US" dirty="0"/>
-              <a:t>Unix like systems everywhere </a:t>
+              <a:t>connected</a:t>
+            </a:r>
+          </a:p>
+          <a:p>
+            <a:r>
+              <a:rPr lang="en-US" dirty="0" smtClean="0"/>
+              <a:t>A </a:t>
+            </a:r>
+            <a:r>
+              <a:rPr lang="en-US" dirty="0"/>
+              <a:t>return to single user, but with a multi-user OS </a:t>
             </a:r>
             <a:endParaRPr lang="en-US" dirty="0" smtClean="0"/>
           </a:p>
           <a:p>
             <a:r>
               <a:rPr lang="en-US" dirty="0" smtClean="0"/>
-              <a:t>Continued </a:t>
+              <a:t>Programming </a:t>
             </a:r>
             <a:r>
               <a:rPr lang="en-US" dirty="0"/>
-              <a:t>use of C for OS development </a:t>
-            </a:r>
-            <a:endParaRPr lang="en-US" dirty="0" smtClean="0"/>
-          </a:p>
-          <a:p>
-            <a:r>
-              <a:rPr lang="en-US" dirty="0" smtClean="0"/>
-              <a:t>Heterogeneous </a:t>
-            </a:r>
-            <a:r>
-              <a:rPr lang="en-US" dirty="0"/>
-              <a:t>environments</a:t>
-            </a:r>
+              <a:t>for power rather than speed</a:t>
+            </a:r>
+          </a:p>
+          <a:p>
+            <a:endParaRPr lang="en-US" dirty="0"/>
           </a:p>
         </p:txBody>
       </p:sp>
@@ -11468,7 +11511,7 @@
     </p:spTree>
     <p:extLst>
       <p:ext uri="{BB962C8B-B14F-4D97-AF65-F5344CB8AC3E}">
-        <p14:creationId xmlns:p14="http://schemas.microsoft.com/office/powerpoint/2010/main" val="1640987170"/>
+        <p14:creationId xmlns:p14="http://schemas.microsoft.com/office/powerpoint/2010/main" val="969023124"/>
       </p:ext>
     </p:extLst>
   </p:cSld>
@@ -11519,7 +11562,7 @@
           <a:p>
             <a:r>
               <a:rPr lang="en-US" dirty="0" smtClean="0"/>
-              <a:t>Our Challenge</a:t>
+              <a:t>Today</a:t>
             </a:r>
             <a:endParaRPr lang="en-US" dirty="0"/>
           </a:p>
@@ -11542,58 +11585,34 @@
           <a:p>
             <a:r>
               <a:rPr lang="en-US" dirty="0" smtClean="0"/>
-              <a:t>How </a:t>
+              <a:t>Multi-user </a:t>
             </a:r>
             <a:r>
               <a:rPr lang="en-US" dirty="0"/>
-              <a:t>does data move in a real world system</a:t>
-            </a:r>
-            <a:r>
-              <a:rPr lang="en-US" dirty="0" smtClean="0"/>
-              <a:t>?</a:t>
-            </a:r>
-          </a:p>
-          <a:p>
-            <a:r>
-              <a:rPr lang="en-US" dirty="0" smtClean="0"/>
-              <a:t>Serving </a:t>
+              <a:t>Unix like systems everywhere </a:t>
+            </a:r>
+            <a:endParaRPr lang="en-US" dirty="0" smtClean="0"/>
+          </a:p>
+          <a:p>
+            <a:r>
+              <a:rPr lang="en-US" dirty="0" smtClean="0"/>
+              <a:t>Continued </a:t>
             </a:r>
             <a:r>
               <a:rPr lang="en-US" dirty="0"/>
-              <a:t>Data from Storage to Clients</a:t>
-            </a:r>
-          </a:p>
-          <a:p>
-            <a:r>
-              <a:rPr lang="en-US" b="1" dirty="0"/>
-              <a:t>Program</a:t>
+              <a:t>use of C for OS development </a:t>
+            </a:r>
+            <a:endParaRPr lang="en-US" dirty="0" smtClean="0"/>
+          </a:p>
+          <a:p>
+            <a:r>
+              <a:rPr lang="en-US" dirty="0" smtClean="0"/>
+              <a:t>Heterogeneous </a:t>
             </a:r>
             <a:r>
               <a:rPr lang="en-US" dirty="0"/>
-              <a:t> Web Server</a:t>
-            </a:r>
-          </a:p>
-          <a:p>
-            <a:r>
-              <a:rPr lang="en-US" b="1" dirty="0"/>
-              <a:t>Stored Data</a:t>
-            </a:r>
-            <a:r>
-              <a:rPr lang="en-US" dirty="0"/>
-              <a:t> Filesystem </a:t>
-            </a:r>
-            <a:endParaRPr lang="en-US" dirty="0" smtClean="0"/>
-          </a:p>
-          <a:p>
-            <a:r>
-              <a:rPr lang="en-US" b="1" dirty="0" smtClean="0"/>
-              <a:t>Communication </a:t>
-            </a:r>
-            <a:r>
-              <a:rPr lang="en-US" dirty="0" smtClean="0"/>
-              <a:t>Network Stack</a:t>
-            </a:r>
-            <a:endParaRPr lang="en-US" dirty="0"/>
+              <a:t>environments</a:t>
+            </a:r>
           </a:p>
         </p:txBody>
       </p:sp>
@@ -11623,7 +11642,7 @@
     </p:spTree>
     <p:extLst>
       <p:ext uri="{BB962C8B-B14F-4D97-AF65-F5344CB8AC3E}">
-        <p14:creationId xmlns:p14="http://schemas.microsoft.com/office/powerpoint/2010/main" val="1173801630"/>
+        <p14:creationId xmlns:p14="http://schemas.microsoft.com/office/powerpoint/2010/main" val="1640987170"/>
       </p:ext>
     </p:extLst>
   </p:cSld>
@@ -11674,7 +11693,7 @@
           <a:p>
             <a:r>
               <a:rPr lang="en-US" dirty="0" smtClean="0"/>
-              <a:t>UNIX Philosophies</a:t>
+              <a:t>Our Challenge</a:t>
             </a:r>
             <a:endParaRPr lang="en-US" dirty="0"/>
           </a:p>
@@ -11697,43 +11716,58 @@
           <a:p>
             <a:r>
               <a:rPr lang="en-US" dirty="0" smtClean="0"/>
-              <a:t>Everything </a:t>
+              <a:t>How </a:t>
             </a:r>
             <a:r>
               <a:rPr lang="en-US" dirty="0"/>
-              <a:t>is a byte stream</a:t>
-            </a:r>
-          </a:p>
-          <a:p>
-            <a:r>
-              <a:rPr lang="en-US" dirty="0" smtClean="0"/>
-              <a:t>Do </a:t>
+              <a:t>does data move in a real world system</a:t>
+            </a:r>
+            <a:r>
+              <a:rPr lang="en-US" dirty="0" smtClean="0"/>
+              <a:t>?</a:t>
+            </a:r>
+          </a:p>
+          <a:p>
+            <a:r>
+              <a:rPr lang="en-US" dirty="0" smtClean="0"/>
+              <a:t>Serving </a:t>
             </a:r>
             <a:r>
               <a:rPr lang="en-US" dirty="0"/>
-              <a:t>a small number of things well</a:t>
-            </a:r>
-          </a:p>
-          <a:p>
-            <a:r>
-              <a:rPr lang="en-US" dirty="0" smtClean="0"/>
-              <a:t>Build </a:t>
+              <a:t>Data from Storage to Clients</a:t>
+            </a:r>
+          </a:p>
+          <a:p>
+            <a:r>
+              <a:rPr lang="en-US" b="1" dirty="0"/>
+              <a:t>Program</a:t>
             </a:r>
             <a:r>
               <a:rPr lang="en-US" dirty="0"/>
-              <a:t>complex systems out of simple building blocks </a:t>
+              <a:t> Web Server</a:t>
+            </a:r>
+          </a:p>
+          <a:p>
+            <a:r>
+              <a:rPr lang="en-US" b="1" dirty="0"/>
+              <a:t>Stored Data</a:t>
+            </a:r>
+            <a:r>
+              <a:rPr lang="en-US" dirty="0"/>
+              <a:t> Filesystem </a:t>
             </a:r>
             <a:endParaRPr lang="en-US" dirty="0" smtClean="0"/>
           </a:p>
           <a:p>
             <a:r>
-              <a:rPr lang="en-US" dirty="0" smtClean="0"/>
-              <a:t>Swiss </a:t>
-            </a:r>
-            <a:r>
-              <a:rPr lang="en-US" dirty="0"/>
-              <a:t>Army Knife vs. Toolbox</a:t>
-            </a:r>
+              <a:rPr lang="en-US" b="1" dirty="0" smtClean="0"/>
+              <a:t>Communication </a:t>
+            </a:r>
+            <a:r>
+              <a:rPr lang="en-US" dirty="0" smtClean="0"/>
+              <a:t>Network Stack</a:t>
+            </a:r>
+            <a:endParaRPr lang="en-US" dirty="0"/>
           </a:p>
         </p:txBody>
       </p:sp>
@@ -11763,7 +11797,7 @@
     </p:spTree>
     <p:extLst>
       <p:ext uri="{BB962C8B-B14F-4D97-AF65-F5344CB8AC3E}">
-        <p14:creationId xmlns:p14="http://schemas.microsoft.com/office/powerpoint/2010/main" val="419378311"/>
+        <p14:creationId xmlns:p14="http://schemas.microsoft.com/office/powerpoint/2010/main" val="1173801630"/>
       </p:ext>
     </p:extLst>
   </p:cSld>
@@ -11814,7 +11848,7 @@
           <a:p>
             <a:r>
               <a:rPr lang="en-US" dirty="0" smtClean="0"/>
-              <a:t>Some Special Considerations</a:t>
+              <a:t>UNIX Philosophies</a:t>
             </a:r>
             <a:endParaRPr lang="en-US" dirty="0"/>
           </a:p>
@@ -11837,57 +11871,42 @@
           <a:p>
             <a:r>
               <a:rPr lang="en-US" dirty="0" smtClean="0"/>
-              <a:t>An </a:t>
+              <a:t>Everything </a:t>
             </a:r>
             <a:r>
               <a:rPr lang="en-US" dirty="0"/>
-              <a:t>OS kernel is one, large program. </a:t>
+              <a:t>is a byte stream</a:t>
+            </a:r>
+          </a:p>
+          <a:p>
+            <a:r>
+              <a:rPr lang="en-US" dirty="0" smtClean="0"/>
+              <a:t>Do </a:t>
+            </a:r>
+            <a:r>
+              <a:rPr lang="en-US" dirty="0"/>
+              <a:t>a small number of things well</a:t>
+            </a:r>
+          </a:p>
+          <a:p>
+            <a:r>
+              <a:rPr lang="en-US" dirty="0" smtClean="0"/>
+              <a:t>Build </a:t>
+            </a:r>
+            <a:r>
+              <a:rPr lang="en-US" dirty="0"/>
+              <a:t>complex systems out of simple building blocks </a:t>
             </a:r>
             <a:endParaRPr lang="en-US" dirty="0" smtClean="0"/>
           </a:p>
           <a:p>
             <a:r>
               <a:rPr lang="en-US" dirty="0" smtClean="0"/>
-              <a:t>More </a:t>
+              <a:t>Swiss </a:t>
             </a:r>
             <a:r>
               <a:rPr lang="en-US" dirty="0"/>
-              <a:t>than 50, 000 functions.</a:t>
-            </a:r>
-          </a:p>
-          <a:p>
-            <a:r>
-              <a:rPr lang="en-US" dirty="0" smtClean="0"/>
-              <a:t>5677 </a:t>
-            </a:r>
-            <a:r>
-              <a:rPr lang="en-US" dirty="0"/>
-              <a:t>files</a:t>
-            </a:r>
-          </a:p>
-          <a:p>
-            <a:r>
-              <a:rPr lang="en-US" dirty="0" smtClean="0"/>
-              <a:t>5</a:t>
-            </a:r>
-            <a:r>
-              <a:rPr lang="en-US" dirty="0"/>
-              <a:t>, 131, 552 lines of C </a:t>
-            </a:r>
-            <a:r>
-              <a:rPr lang="en-US" dirty="0" smtClean="0"/>
-              <a:t>code just for the kernel</a:t>
-            </a:r>
-            <a:endParaRPr lang="en-US" dirty="0"/>
-          </a:p>
-          <a:p>
-            <a:r>
-              <a:rPr lang="en-US" dirty="0" smtClean="0"/>
-              <a:t>A </a:t>
-            </a:r>
-            <a:r>
-              <a:rPr lang="en-US" dirty="0"/>
-              <a:t>unique programming environment</a:t>
+              <a:t>Army Knife vs. Toolbox</a:t>
             </a:r>
           </a:p>
         </p:txBody>
@@ -11918,7 +11937,7 @@
     </p:spTree>
     <p:extLst>
       <p:ext uri="{BB962C8B-B14F-4D97-AF65-F5344CB8AC3E}">
-        <p14:creationId xmlns:p14="http://schemas.microsoft.com/office/powerpoint/2010/main" val="390952702"/>
+        <p14:creationId xmlns:p14="http://schemas.microsoft.com/office/powerpoint/2010/main" val="419378311"/>
       </p:ext>
     </p:extLst>
   </p:cSld>
@@ -11964,6 +11983,161 @@
         </p:nvSpPr>
         <p:spPr/>
         <p:txBody>
+          <a:bodyPr/>
+          <a:lstStyle/>
+          <a:p>
+            <a:r>
+              <a:rPr lang="en-US" dirty="0" smtClean="0"/>
+              <a:t>Some Special Considerations</a:t>
+            </a:r>
+            <a:endParaRPr lang="en-US" dirty="0"/>
+          </a:p>
+        </p:txBody>
+      </p:sp>
+      <p:sp>
+        <p:nvSpPr>
+          <p:cNvPr id="3" name="Content Placeholder 2"/>
+          <p:cNvSpPr>
+            <a:spLocks noGrp="1"/>
+          </p:cNvSpPr>
+          <p:nvPr>
+            <p:ph idx="1"/>
+          </p:nvPr>
+        </p:nvSpPr>
+        <p:spPr/>
+        <p:txBody>
+          <a:bodyPr/>
+          <a:lstStyle/>
+          <a:p>
+            <a:r>
+              <a:rPr lang="en-US" dirty="0" smtClean="0"/>
+              <a:t>An </a:t>
+            </a:r>
+            <a:r>
+              <a:rPr lang="en-US" dirty="0"/>
+              <a:t>OS kernel is one, large program. </a:t>
+            </a:r>
+            <a:endParaRPr lang="en-US" dirty="0" smtClean="0"/>
+          </a:p>
+          <a:p>
+            <a:r>
+              <a:rPr lang="en-US" dirty="0" smtClean="0"/>
+              <a:t>More </a:t>
+            </a:r>
+            <a:r>
+              <a:rPr lang="en-US" dirty="0"/>
+              <a:t>than 50, 000 functions.</a:t>
+            </a:r>
+          </a:p>
+          <a:p>
+            <a:r>
+              <a:rPr lang="en-US" dirty="0" smtClean="0"/>
+              <a:t>5677 </a:t>
+            </a:r>
+            <a:r>
+              <a:rPr lang="en-US" dirty="0"/>
+              <a:t>files</a:t>
+            </a:r>
+          </a:p>
+          <a:p>
+            <a:r>
+              <a:rPr lang="en-US" dirty="0" smtClean="0"/>
+              <a:t>5</a:t>
+            </a:r>
+            <a:r>
+              <a:rPr lang="en-US" dirty="0"/>
+              <a:t>, 131, 552 lines of C </a:t>
+            </a:r>
+            <a:r>
+              <a:rPr lang="en-US" dirty="0" smtClean="0"/>
+              <a:t>code just for the kernel</a:t>
+            </a:r>
+            <a:endParaRPr lang="en-US" dirty="0"/>
+          </a:p>
+          <a:p>
+            <a:r>
+              <a:rPr lang="en-US" dirty="0" smtClean="0"/>
+              <a:t>A </a:t>
+            </a:r>
+            <a:r>
+              <a:rPr lang="en-US" dirty="0"/>
+              <a:t>unique programming environment</a:t>
+            </a:r>
+          </a:p>
+        </p:txBody>
+      </p:sp>
+      <p:sp>
+        <p:nvSpPr>
+          <p:cNvPr id="4" name="Footer Placeholder 3"/>
+          <p:cNvSpPr>
+            <a:spLocks noGrp="1"/>
+          </p:cNvSpPr>
+          <p:nvPr>
+            <p:ph type="ftr" sz="quarter" idx="11"/>
+          </p:nvPr>
+        </p:nvSpPr>
+        <p:spPr/>
+        <p:txBody>
+          <a:bodyPr/>
+          <a:lstStyle/>
+          <a:p>
+            <a:r>
+              <a:rPr lang="en-US" smtClean="0"/>
+              <a:t>Introduction to Operating Systems</a:t>
+            </a:r>
+            <a:endParaRPr lang="en-US" dirty="0"/>
+          </a:p>
+        </p:txBody>
+      </p:sp>
+    </p:spTree>
+    <p:extLst>
+      <p:ext uri="{BB962C8B-B14F-4D97-AF65-F5344CB8AC3E}">
+        <p14:creationId xmlns:p14="http://schemas.microsoft.com/office/powerpoint/2010/main" val="390952702"/>
+      </p:ext>
+    </p:extLst>
+  </p:cSld>
+  <p:clrMapOvr>
+    <a:masterClrMapping/>
+  </p:clrMapOvr>
+  <p:timing>
+    <p:tnLst>
+      <p:par>
+        <p:cTn id="1" dur="indefinite" restart="never" nodeType="tmRoot"/>
+      </p:par>
+    </p:tnLst>
+  </p:timing>
+</p:sld>
+</file>
+
+<file path=ppt/slides/slide48.xml><?xml version="1.0" encoding="utf-8"?>
+<p:sld xmlns:a="http://schemas.openxmlformats.org/drawingml/2006/main" xmlns:r="http://schemas.openxmlformats.org/officeDocument/2006/relationships" xmlns:p="http://schemas.openxmlformats.org/presentationml/2006/main">
+  <p:cSld>
+    <p:spTree>
+      <p:nvGrpSpPr>
+        <p:cNvPr id="1" name=""/>
+        <p:cNvGrpSpPr/>
+        <p:nvPr/>
+      </p:nvGrpSpPr>
+      <p:grpSpPr>
+        <a:xfrm>
+          <a:off x="0" y="0"/>
+          <a:ext cx="0" cy="0"/>
+          <a:chOff x="0" y="0"/>
+          <a:chExt cx="0" cy="0"/>
+        </a:xfrm>
+      </p:grpSpPr>
+      <p:sp>
+        <p:nvSpPr>
+          <p:cNvPr id="2" name="Title 1"/>
+          <p:cNvSpPr>
+            <a:spLocks noGrp="1"/>
+          </p:cNvSpPr>
+          <p:nvPr>
+            <p:ph type="title"/>
+          </p:nvPr>
+        </p:nvSpPr>
+        <p:spPr/>
+        <p:txBody>
           <a:bodyPr>
             <a:normAutofit fontScale="90000"/>
           </a:bodyPr>
@@ -12091,7 +12265,7 @@
 </p:sld>
 </file>
 
-<file path=ppt/slides/slide48.xml><?xml version="1.0" encoding="utf-8"?>
+<file path=ppt/slides/slide49.xml><?xml version="1.0" encoding="utf-8"?>
 <p:sld xmlns:a="http://schemas.openxmlformats.org/drawingml/2006/main" xmlns:r="http://schemas.openxmlformats.org/officeDocument/2006/relationships" xmlns:p="http://schemas.openxmlformats.org/presentationml/2006/main">
   <p:cSld>
     <p:spTree>
@@ -12524,178 +12698,6 @@
 </p:sld>
 </file>
 
-<file path=ppt/slides/slide49.xml><?xml version="1.0" encoding="utf-8"?>
-<p:sld xmlns:a="http://schemas.openxmlformats.org/drawingml/2006/main" xmlns:r="http://schemas.openxmlformats.org/officeDocument/2006/relationships" xmlns:p="http://schemas.openxmlformats.org/presentationml/2006/main">
-  <p:cSld>
-    <p:spTree>
-      <p:nvGrpSpPr>
-        <p:cNvPr id="1" name=""/>
-        <p:cNvGrpSpPr/>
-        <p:nvPr/>
-      </p:nvGrpSpPr>
-      <p:grpSpPr>
-        <a:xfrm>
-          <a:off x="0" y="0"/>
-          <a:ext cx="0" cy="0"/>
-          <a:chOff x="0" y="0"/>
-          <a:chExt cx="0" cy="0"/>
-        </a:xfrm>
-      </p:grpSpPr>
-      <p:sp>
-        <p:nvSpPr>
-          <p:cNvPr id="8" name="Title 7"/>
-          <p:cNvSpPr>
-            <a:spLocks noGrp="1"/>
-          </p:cNvSpPr>
-          <p:nvPr>
-            <p:ph type="title"/>
-          </p:nvPr>
-        </p:nvSpPr>
-        <p:spPr/>
-        <p:txBody>
-          <a:bodyPr/>
-          <a:lstStyle/>
-          <a:p>
-            <a:r>
-              <a:rPr lang="en-US" dirty="0" smtClean="0"/>
-              <a:t>System Calls: The Operating System’s API</a:t>
-            </a:r>
-            <a:endParaRPr lang="en-US" dirty="0"/>
-          </a:p>
-        </p:txBody>
-      </p:sp>
-      <p:sp>
-        <p:nvSpPr>
-          <p:cNvPr id="9" name="Content Placeholder 8"/>
-          <p:cNvSpPr>
-            <a:spLocks noGrp="1"/>
-          </p:cNvSpPr>
-          <p:nvPr>
-            <p:ph idx="1"/>
-          </p:nvPr>
-        </p:nvSpPr>
-        <p:spPr/>
-        <p:txBody>
-          <a:bodyPr/>
-          <a:lstStyle/>
-          <a:p>
-            <a:r>
-              <a:rPr lang="en-US" dirty="0" smtClean="0"/>
-              <a:t>Border </a:t>
-            </a:r>
-            <a:r>
-              <a:rPr lang="en-US" dirty="0"/>
-              <a:t>between User and Kernel Space </a:t>
-            </a:r>
-            <a:endParaRPr lang="en-US" dirty="0" smtClean="0"/>
-          </a:p>
-          <a:p>
-            <a:r>
-              <a:rPr lang="en-US" dirty="0" smtClean="0"/>
-              <a:t>Everything </a:t>
-            </a:r>
-            <a:r>
-              <a:rPr lang="en-US" dirty="0"/>
-              <a:t>that can be done with the OS </a:t>
-            </a:r>
-            <a:endParaRPr lang="en-US" dirty="0" smtClean="0"/>
-          </a:p>
-          <a:p>
-            <a:r>
-              <a:rPr lang="en-US" dirty="0" smtClean="0"/>
-              <a:t>open</a:t>
-            </a:r>
-            <a:r>
-              <a:rPr lang="en-US" dirty="0"/>
-              <a:t>(), read(), write(), close() </a:t>
-            </a:r>
-            <a:endParaRPr lang="en-US" dirty="0" smtClean="0"/>
-          </a:p>
-          <a:p>
-            <a:r>
-              <a:rPr lang="en-US" dirty="0" smtClean="0"/>
-              <a:t>Over </a:t>
-            </a:r>
-            <a:r>
-              <a:rPr lang="en-US" dirty="0"/>
-              <a:t>1000 separate interfaces</a:t>
-            </a:r>
-          </a:p>
-          <a:p>
-            <a:r>
-              <a:rPr lang="en-US" dirty="0" smtClean="0"/>
-              <a:t>Section </a:t>
-            </a:r>
-            <a:r>
-              <a:rPr lang="en-US" dirty="0"/>
-              <a:t>2 of the manual </a:t>
-            </a:r>
-            <a:r>
-              <a:rPr lang="en-US" dirty="0" smtClean="0"/>
-              <a:t>set</a:t>
-            </a:r>
-          </a:p>
-          <a:p>
-            <a:pPr lvl="1"/>
-            <a:r>
-              <a:rPr lang="en-US" b="1" dirty="0" smtClean="0">
-                <a:latin typeface="Courier New" charset="0"/>
-                <a:ea typeface="Courier New" charset="0"/>
-                <a:cs typeface="Courier New" charset="0"/>
-              </a:rPr>
-              <a:t>&gt; man 2 open</a:t>
-            </a:r>
-            <a:endParaRPr lang="en-US" b="1" dirty="0">
-              <a:latin typeface="Courier New" charset="0"/>
-              <a:ea typeface="Courier New" charset="0"/>
-              <a:cs typeface="Courier New" charset="0"/>
-            </a:endParaRPr>
-          </a:p>
-        </p:txBody>
-      </p:sp>
-      <p:sp>
-        <p:nvSpPr>
-          <p:cNvPr id="7" name="Footer Placeholder 6"/>
-          <p:cNvSpPr>
-            <a:spLocks noGrp="1"/>
-          </p:cNvSpPr>
-          <p:nvPr>
-            <p:ph type="ftr" sz="quarter" idx="11"/>
-          </p:nvPr>
-        </p:nvSpPr>
-        <p:spPr/>
-        <p:txBody>
-          <a:bodyPr/>
-          <a:lstStyle/>
-          <a:p>
-            <a:r>
-              <a:rPr lang="en-US" smtClean="0"/>
-              <a:t>Introduction to Operating Systems</a:t>
-            </a:r>
-            <a:endParaRPr lang="en-US"/>
-          </a:p>
-        </p:txBody>
-      </p:sp>
-    </p:spTree>
-    <p:extLst>
-      <p:ext uri="{BB962C8B-B14F-4D97-AF65-F5344CB8AC3E}">
-        <p14:creationId xmlns:p14="http://schemas.microsoft.com/office/powerpoint/2010/main" val="264149432"/>
-      </p:ext>
-    </p:extLst>
-  </p:cSld>
-  <p:clrMapOvr>
-    <a:masterClrMapping/>
-  </p:clrMapOvr>
-  <p:timing>
-    <p:tnLst>
-      <p:par>
-        <p:cTn id="1" dur="indefinite" restart="never" nodeType="tmRoot"/>
-      </p:par>
-    </p:tnLst>
-  </p:timing>
-</p:sld>
-</file>
-
 <file path=ppt/slides/slide5.xml><?xml version="1.0" encoding="utf-8"?>
 <p:sld xmlns:a="http://schemas.openxmlformats.org/drawingml/2006/main" xmlns:r="http://schemas.openxmlformats.org/officeDocument/2006/relationships" xmlns:p="http://schemas.openxmlformats.org/presentationml/2006/main">
   <p:cSld>
@@ -12753,7 +12755,7 @@
           <a:p>
             <a:r>
               <a:rPr lang="en-US" dirty="0" smtClean="0"/>
-              <a:t>day 5: Whole system view</a:t>
+              <a:t>memory</a:t>
             </a:r>
             <a:endParaRPr lang="en-US" dirty="0"/>
           </a:p>
@@ -12776,39 +12778,37 @@
           <a:p>
             <a:r>
               <a:rPr lang="en-US" dirty="0" smtClean="0"/>
-              <a:t>Serving </a:t>
-            </a:r>
-            <a:r>
-              <a:rPr lang="en-US" dirty="0"/>
-              <a:t>Web Content</a:t>
-            </a:r>
-          </a:p>
-          <a:p>
-            <a:r>
-              <a:rPr lang="en-US" dirty="0" smtClean="0"/>
-              <a:t>NGINX</a:t>
-            </a:r>
-            <a:endParaRPr lang="en-US" dirty="0"/>
-          </a:p>
-          <a:p>
-            <a:r>
-              <a:rPr lang="en-US" dirty="0" smtClean="0"/>
-              <a:t>Review</a:t>
-            </a:r>
-            <a:endParaRPr lang="en-US" dirty="0"/>
-          </a:p>
-          <a:p>
-            <a:r>
-              <a:rPr lang="en-US" dirty="0" smtClean="0"/>
-              <a:t>Final </a:t>
-            </a:r>
-            <a:r>
-              <a:rPr lang="en-US" dirty="0"/>
-              <a:t>Exam</a:t>
-            </a:r>
-          </a:p>
-          <a:p>
-            <a:endParaRPr lang="en-US" dirty="0"/>
+              <a:t>Physical Memory</a:t>
+            </a:r>
+          </a:p>
+          <a:p>
+            <a:r>
+              <a:rPr lang="en-US" dirty="0" smtClean="0"/>
+              <a:t>Virtual Memory</a:t>
+            </a:r>
+          </a:p>
+          <a:p>
+            <a:r>
+              <a:rPr lang="en-US" dirty="0" smtClean="0"/>
+              <a:t>Hardware support for VM</a:t>
+            </a:r>
+          </a:p>
+          <a:p>
+            <a:r>
+              <a:rPr lang="en-US" dirty="0" smtClean="0"/>
+              <a:t>Shared Memory</a:t>
+            </a:r>
+          </a:p>
+          <a:p>
+            <a:endParaRPr lang="en-US" dirty="0" smtClean="0"/>
+          </a:p>
+          <a:p>
+            <a:pPr algn="ctr"/>
+            <a:r>
+              <a:rPr lang="en-US" b="1" u="sng" dirty="0" smtClean="0"/>
+              <a:t>Mid Term Test</a:t>
+            </a:r>
+            <a:endParaRPr lang="en-US" b="1" u="sng" dirty="0"/>
           </a:p>
         </p:txBody>
       </p:sp>
@@ -12827,7 +12827,11 @@
           <a:bodyPr/>
           <a:lstStyle/>
           <a:p>
-            <a:endParaRPr lang="en-US"/>
+            <a:r>
+              <a:rPr lang="en-US" dirty="0" smtClean="0"/>
+              <a:t>security</a:t>
+            </a:r>
+            <a:endParaRPr lang="en-US" dirty="0"/>
           </a:p>
         </p:txBody>
       </p:sp>
@@ -12846,7 +12850,34 @@
           <a:bodyPr/>
           <a:lstStyle/>
           <a:p>
-            <a:endParaRPr lang="en-US"/>
+            <a:r>
+              <a:rPr lang="en-US" dirty="0" smtClean="0"/>
+              <a:t>Authentication</a:t>
+            </a:r>
+          </a:p>
+          <a:p>
+            <a:r>
+              <a:rPr lang="en-US" dirty="0" smtClean="0"/>
+              <a:t>Isolation</a:t>
+            </a:r>
+          </a:p>
+          <a:p>
+            <a:r>
+              <a:rPr lang="en-US" dirty="0" smtClean="0"/>
+              <a:t>Security and Data</a:t>
+            </a:r>
+          </a:p>
+          <a:p>
+            <a:r>
+              <a:rPr lang="en-US" dirty="0" smtClean="0"/>
+              <a:t>Virtual Memory, Processes and Security</a:t>
+            </a:r>
+          </a:p>
+          <a:p>
+            <a:r>
+              <a:rPr lang="en-US" dirty="0" smtClean="0"/>
+              <a:t>Hardware Support for Security</a:t>
+            </a:r>
           </a:p>
         </p:txBody>
       </p:sp>
@@ -12876,13 +12907,20 @@
     </p:spTree>
     <p:extLst>
       <p:ext uri="{BB962C8B-B14F-4D97-AF65-F5344CB8AC3E}">
-        <p14:creationId xmlns:p14="http://schemas.microsoft.com/office/powerpoint/2010/main" val="2060015154"/>
+        <p14:creationId xmlns:p14="http://schemas.microsoft.com/office/powerpoint/2010/main" val="1541771935"/>
       </p:ext>
     </p:extLst>
   </p:cSld>
   <p:clrMapOvr>
     <a:masterClrMapping/>
   </p:clrMapOvr>
+  <p:timing>
+    <p:tnLst>
+      <p:par>
+        <p:cTn id="1" dur="indefinite" restart="never" nodeType="tmRoot"/>
+      </p:par>
+    </p:tnLst>
+  </p:timing>
 </p:sld>
 </file>
 
@@ -12905,7 +12943,7 @@
       </p:grpSpPr>
       <p:sp>
         <p:nvSpPr>
-          <p:cNvPr id="2" name="Title 1"/>
+          <p:cNvPr id="8" name="Title 7"/>
           <p:cNvSpPr>
             <a:spLocks noGrp="1"/>
           </p:cNvSpPr>
@@ -12920,15 +12958,15 @@
           <a:p>
             <a:r>
               <a:rPr lang="en-US" dirty="0" smtClean="0"/>
-              <a:t>OS Programming</a:t>
-            </a:r>
-            <a:endParaRPr lang="en-US" dirty="0"/>
-          </a:p>
-        </p:txBody>
-      </p:sp>
-      <p:sp>
-        <p:nvSpPr>
-          <p:cNvPr id="3" name="Content Placeholder 2"/>
+              <a:t>System Calls: The Operating System’s API</a:t>
+            </a:r>
+            <a:endParaRPr lang="en-US" dirty="0"/>
+          </a:p>
+        </p:txBody>
+      </p:sp>
+      <p:sp>
+        <p:nvSpPr>
+          <p:cNvPr id="9" name="Content Placeholder 8"/>
           <p:cNvSpPr>
             <a:spLocks noGrp="1"/>
           </p:cNvSpPr>
@@ -12943,71 +12981,81 @@
           <a:p>
             <a:r>
               <a:rPr lang="en-US" dirty="0" smtClean="0"/>
-              <a:t>C </a:t>
+              <a:t>Border </a:t>
             </a:r>
             <a:r>
               <a:rPr lang="en-US" dirty="0"/>
-              <a:t>is the </a:t>
-            </a:r>
-            <a:r>
-              <a:rPr lang="en-US" dirty="0" smtClean="0"/>
-              <a:t>programming language</a:t>
+              <a:t>between User and Kernel Space </a:t>
+            </a:r>
+            <a:endParaRPr lang="en-US" dirty="0" smtClean="0"/>
+          </a:p>
+          <a:p>
+            <a:r>
+              <a:rPr lang="en-US" dirty="0" smtClean="0"/>
+              <a:t>Everything </a:t>
+            </a:r>
+            <a:r>
+              <a:rPr lang="en-US" dirty="0"/>
+              <a:t>that can be done with the OS </a:t>
+            </a:r>
+            <a:endParaRPr lang="en-US" dirty="0" smtClean="0"/>
+          </a:p>
+          <a:p>
+            <a:r>
+              <a:rPr lang="en-US" dirty="0" smtClean="0"/>
+              <a:t>open</a:t>
+            </a:r>
+            <a:r>
+              <a:rPr lang="en-US" dirty="0"/>
+              <a:t>(), read(), write(), close() </a:t>
+            </a:r>
+            <a:endParaRPr lang="en-US" dirty="0" smtClean="0"/>
+          </a:p>
+          <a:p>
+            <a:r>
+              <a:rPr lang="en-US" dirty="0" smtClean="0"/>
+              <a:t>Over </a:t>
+            </a:r>
+            <a:r>
+              <a:rPr lang="en-US" dirty="0"/>
+              <a:t>1000 separate interfaces</a:t>
+            </a:r>
+          </a:p>
+          <a:p>
+            <a:r>
+              <a:rPr lang="en-US" dirty="0" smtClean="0"/>
+              <a:t>Section </a:t>
+            </a:r>
+            <a:r>
+              <a:rPr lang="en-US" dirty="0"/>
+              <a:t>2 of the manual </a:t>
+            </a:r>
+            <a:r>
+              <a:rPr lang="en-US" dirty="0" smtClean="0"/>
+              <a:t>set</a:t>
             </a:r>
           </a:p>
           <a:p>
             <a:pPr lvl="1"/>
             <a:r>
-              <a:rPr lang="en-US" dirty="0" smtClean="0"/>
-              <a:t>Simple </a:t>
-            </a:r>
-            <a:r>
-              <a:rPr lang="en-US" dirty="0"/>
-              <a:t>data structures</a:t>
-            </a:r>
-          </a:p>
-          <a:p>
-            <a:r>
-              <a:rPr lang="en-US" dirty="0" smtClean="0"/>
-              <a:t>Lists</a:t>
-            </a:r>
-            <a:endParaRPr lang="en-US" dirty="0"/>
-          </a:p>
-          <a:p>
-            <a:r>
-              <a:rPr lang="en-US" dirty="0" smtClean="0"/>
-              <a:t>Hash </a:t>
-            </a:r>
-            <a:r>
-              <a:rPr lang="en-US" dirty="0"/>
-              <a:t>Tables</a:t>
-            </a:r>
-          </a:p>
-          <a:p>
-            <a:r>
-              <a:rPr lang="en-US" dirty="0" smtClean="0"/>
-              <a:t>Hand </a:t>
-            </a:r>
-            <a:r>
-              <a:rPr lang="en-US" dirty="0"/>
-              <a:t>crafted classes and objects </a:t>
-            </a:r>
-            <a:endParaRPr lang="en-US" dirty="0" smtClean="0"/>
-          </a:p>
-          <a:p>
-            <a:r>
-              <a:rPr lang="en-US" dirty="0" smtClean="0"/>
-              <a:t>Programming </a:t>
-            </a:r>
-            <a:r>
-              <a:rPr lang="en-US" dirty="0"/>
-              <a:t>without a net</a:t>
-            </a:r>
-          </a:p>
-        </p:txBody>
-      </p:sp>
-      <p:sp>
-        <p:nvSpPr>
-          <p:cNvPr id="4" name="Footer Placeholder 3"/>
+              <a:rPr lang="en-US" b="1" dirty="0" smtClean="0">
+                <a:latin typeface="Courier New" charset="0"/>
+                <a:ea typeface="Courier New" charset="0"/>
+                <a:cs typeface="Courier New" charset="0"/>
+              </a:rPr>
+              <a:t>&gt; man 2 open</a:t>
+            </a:r>
+            <a:endParaRPr lang="en-US" b="1" dirty="0">
+              <a:latin typeface="Courier New" charset="0"/>
+              <a:ea typeface="Courier New" charset="0"/>
+              <a:cs typeface="Courier New" charset="0"/>
+            </a:endParaRPr>
+          </a:p>
+        </p:txBody>
+      </p:sp>
+      <p:sp>
+        <p:nvSpPr>
+          <p:cNvPr id="7" name="Footer Placeholder 6"/>
           <p:cNvSpPr>
             <a:spLocks noGrp="1"/>
           </p:cNvSpPr>
@@ -13024,14 +13072,14 @@
               <a:rPr lang="en-US" smtClean="0"/>
               <a:t>Introduction to Operating Systems</a:t>
             </a:r>
-            <a:endParaRPr lang="en-US" dirty="0"/>
+            <a:endParaRPr lang="en-US"/>
           </a:p>
         </p:txBody>
       </p:sp>
     </p:spTree>
     <p:extLst>
       <p:ext uri="{BB962C8B-B14F-4D97-AF65-F5344CB8AC3E}">
-        <p14:creationId xmlns:p14="http://schemas.microsoft.com/office/powerpoint/2010/main" val="1106179191"/>
+        <p14:creationId xmlns:p14="http://schemas.microsoft.com/office/powerpoint/2010/main" val="264149432"/>
       </p:ext>
     </p:extLst>
   </p:cSld>
@@ -13067,6 +13115,168 @@
       </p:grpSpPr>
       <p:sp>
         <p:nvSpPr>
+          <p:cNvPr id="2" name="Title 1"/>
+          <p:cNvSpPr>
+            <a:spLocks noGrp="1"/>
+          </p:cNvSpPr>
+          <p:nvPr>
+            <p:ph type="title"/>
+          </p:nvPr>
+        </p:nvSpPr>
+        <p:spPr/>
+        <p:txBody>
+          <a:bodyPr/>
+          <a:lstStyle/>
+          <a:p>
+            <a:r>
+              <a:rPr lang="en-US" dirty="0" smtClean="0"/>
+              <a:t>OS Programming</a:t>
+            </a:r>
+            <a:endParaRPr lang="en-US" dirty="0"/>
+          </a:p>
+        </p:txBody>
+      </p:sp>
+      <p:sp>
+        <p:nvSpPr>
+          <p:cNvPr id="3" name="Content Placeholder 2"/>
+          <p:cNvSpPr>
+            <a:spLocks noGrp="1"/>
+          </p:cNvSpPr>
+          <p:nvPr>
+            <p:ph idx="1"/>
+          </p:nvPr>
+        </p:nvSpPr>
+        <p:spPr/>
+        <p:txBody>
+          <a:bodyPr/>
+          <a:lstStyle/>
+          <a:p>
+            <a:r>
+              <a:rPr lang="en-US" dirty="0" smtClean="0"/>
+              <a:t>C </a:t>
+            </a:r>
+            <a:r>
+              <a:rPr lang="en-US" dirty="0"/>
+              <a:t>is the </a:t>
+            </a:r>
+            <a:r>
+              <a:rPr lang="en-US" dirty="0" smtClean="0"/>
+              <a:t>programming language</a:t>
+            </a:r>
+          </a:p>
+          <a:p>
+            <a:pPr lvl="1"/>
+            <a:r>
+              <a:rPr lang="en-US" dirty="0" smtClean="0"/>
+              <a:t>Simple </a:t>
+            </a:r>
+            <a:r>
+              <a:rPr lang="en-US" dirty="0"/>
+              <a:t>data structures</a:t>
+            </a:r>
+          </a:p>
+          <a:p>
+            <a:r>
+              <a:rPr lang="en-US" dirty="0" smtClean="0"/>
+              <a:t>Lists</a:t>
+            </a:r>
+            <a:endParaRPr lang="en-US" dirty="0"/>
+          </a:p>
+          <a:p>
+            <a:r>
+              <a:rPr lang="en-US" dirty="0" smtClean="0"/>
+              <a:t>Hash </a:t>
+            </a:r>
+            <a:r>
+              <a:rPr lang="en-US" dirty="0"/>
+              <a:t>Tables</a:t>
+            </a:r>
+          </a:p>
+          <a:p>
+            <a:r>
+              <a:rPr lang="en-US" dirty="0" smtClean="0"/>
+              <a:t>Hand </a:t>
+            </a:r>
+            <a:r>
+              <a:rPr lang="en-US" dirty="0"/>
+              <a:t>crafted classes and objects </a:t>
+            </a:r>
+            <a:endParaRPr lang="en-US" dirty="0" smtClean="0"/>
+          </a:p>
+          <a:p>
+            <a:r>
+              <a:rPr lang="en-US" dirty="0" smtClean="0"/>
+              <a:t>Programming </a:t>
+            </a:r>
+            <a:r>
+              <a:rPr lang="en-US" dirty="0"/>
+              <a:t>without a net</a:t>
+            </a:r>
+          </a:p>
+        </p:txBody>
+      </p:sp>
+      <p:sp>
+        <p:nvSpPr>
+          <p:cNvPr id="4" name="Footer Placeholder 3"/>
+          <p:cNvSpPr>
+            <a:spLocks noGrp="1"/>
+          </p:cNvSpPr>
+          <p:nvPr>
+            <p:ph type="ftr" sz="quarter" idx="11"/>
+          </p:nvPr>
+        </p:nvSpPr>
+        <p:spPr/>
+        <p:txBody>
+          <a:bodyPr/>
+          <a:lstStyle/>
+          <a:p>
+            <a:r>
+              <a:rPr lang="en-US" smtClean="0"/>
+              <a:t>Introduction to Operating Systems</a:t>
+            </a:r>
+            <a:endParaRPr lang="en-US" dirty="0"/>
+          </a:p>
+        </p:txBody>
+      </p:sp>
+    </p:spTree>
+    <p:extLst>
+      <p:ext uri="{BB962C8B-B14F-4D97-AF65-F5344CB8AC3E}">
+        <p14:creationId xmlns:p14="http://schemas.microsoft.com/office/powerpoint/2010/main" val="1106179191"/>
+      </p:ext>
+    </p:extLst>
+  </p:cSld>
+  <p:clrMapOvr>
+    <a:masterClrMapping/>
+  </p:clrMapOvr>
+  <p:timing>
+    <p:tnLst>
+      <p:par>
+        <p:cTn id="1" dur="indefinite" restart="never" nodeType="tmRoot"/>
+      </p:par>
+    </p:tnLst>
+  </p:timing>
+</p:sld>
+</file>
+
+<file path=ppt/slides/slide52.xml><?xml version="1.0" encoding="utf-8"?>
+<p:sld xmlns:a="http://schemas.openxmlformats.org/drawingml/2006/main" xmlns:r="http://schemas.openxmlformats.org/officeDocument/2006/relationships" xmlns:p="http://schemas.openxmlformats.org/presentationml/2006/main">
+  <p:cSld>
+    <p:spTree>
+      <p:nvGrpSpPr>
+        <p:cNvPr id="1" name=""/>
+        <p:cNvGrpSpPr/>
+        <p:nvPr/>
+      </p:nvGrpSpPr>
+      <p:grpSpPr>
+        <a:xfrm>
+          <a:off x="0" y="0"/>
+          <a:ext cx="0" cy="0"/>
+          <a:chOff x="0" y="0"/>
+          <a:chExt cx="0" cy="0"/>
+        </a:xfrm>
+      </p:grpSpPr>
+      <p:sp>
+        <p:nvSpPr>
           <p:cNvPr id="5" name="Title 4"/>
           <p:cNvSpPr>
             <a:spLocks noGrp="1"/>
@@ -13311,7 +13521,7 @@
 </p:sld>
 </file>
 
-<file path=ppt/slides/slide52.xml><?xml version="1.0" encoding="utf-8"?>
+<file path=ppt/slides/slide53.xml><?xml version="1.0" encoding="utf-8"?>
 <p:sld xmlns:a="http://schemas.openxmlformats.org/drawingml/2006/main" xmlns:r="http://schemas.openxmlformats.org/officeDocument/2006/relationships" xmlns:p="http://schemas.openxmlformats.org/presentationml/2006/main">
   <p:cSld>
     <p:spTree>
@@ -13434,6 +13644,470 @@
       </p:grpSpPr>
       <p:sp>
         <p:nvSpPr>
+          <p:cNvPr id="2" name="Title 1"/>
+          <p:cNvSpPr>
+            <a:spLocks noGrp="1"/>
+          </p:cNvSpPr>
+          <p:nvPr>
+            <p:ph type="title"/>
+          </p:nvPr>
+        </p:nvSpPr>
+        <p:spPr/>
+        <p:txBody>
+          <a:bodyPr/>
+          <a:lstStyle/>
+          <a:p>
+            <a:r>
+              <a:rPr lang="en-US" dirty="0" smtClean="0"/>
+              <a:t>Course Outline</a:t>
+            </a:r>
+            <a:endParaRPr lang="en-US" dirty="0"/>
+          </a:p>
+        </p:txBody>
+      </p:sp>
+      <p:sp>
+        <p:nvSpPr>
+          <p:cNvPr id="3" name="Text Placeholder 2"/>
+          <p:cNvSpPr>
+            <a:spLocks noGrp="1"/>
+          </p:cNvSpPr>
+          <p:nvPr>
+            <p:ph type="body" idx="1"/>
+          </p:nvPr>
+        </p:nvSpPr>
+        <p:spPr/>
+        <p:txBody>
+          <a:bodyPr/>
+          <a:lstStyle/>
+          <a:p>
+            <a:r>
+              <a:rPr lang="en-US" dirty="0" smtClean="0"/>
+              <a:t>communication</a:t>
+            </a:r>
+            <a:endParaRPr lang="en-US" dirty="0"/>
+          </a:p>
+        </p:txBody>
+      </p:sp>
+      <p:sp>
+        <p:nvSpPr>
+          <p:cNvPr id="4" name="Content Placeholder 3"/>
+          <p:cNvSpPr>
+            <a:spLocks noGrp="1"/>
+          </p:cNvSpPr>
+          <p:nvPr>
+            <p:ph sz="half" idx="2"/>
+          </p:nvPr>
+        </p:nvSpPr>
+        <p:spPr/>
+        <p:txBody>
+          <a:bodyPr/>
+          <a:lstStyle/>
+          <a:p>
+            <a:r>
+              <a:rPr lang="en-US" dirty="0" smtClean="0"/>
+              <a:t>I/O</a:t>
+            </a:r>
+            <a:endParaRPr lang="en-US" dirty="0"/>
+          </a:p>
+          <a:p>
+            <a:r>
+              <a:rPr lang="en-US" dirty="0" smtClean="0"/>
+              <a:t>Inter </a:t>
+            </a:r>
+            <a:r>
+              <a:rPr lang="en-US" dirty="0"/>
+              <a:t>Process Communication</a:t>
+            </a:r>
+          </a:p>
+          <a:p>
+            <a:r>
+              <a:rPr lang="en-US" dirty="0" smtClean="0"/>
+              <a:t>Sockets </a:t>
+            </a:r>
+            <a:r>
+              <a:rPr lang="en-US" dirty="0"/>
+              <a:t>and </a:t>
+            </a:r>
+            <a:r>
+              <a:rPr lang="en-US" dirty="0" smtClean="0"/>
+              <a:t>Network Communication </a:t>
+            </a:r>
+          </a:p>
+          <a:p>
+            <a:r>
+              <a:rPr lang="en-US" dirty="0" smtClean="0"/>
+              <a:t>Lab: TCP </a:t>
+            </a:r>
+            <a:r>
+              <a:rPr lang="en-US" dirty="0"/>
+              <a:t>Connection </a:t>
+            </a:r>
+            <a:r>
+              <a:rPr lang="en-US" dirty="0" smtClean="0"/>
+              <a:t>Setup</a:t>
+            </a:r>
+          </a:p>
+          <a:p>
+            <a:r>
+              <a:rPr lang="en-US" dirty="0" smtClean="0"/>
+              <a:t>Lab: TCP State Machine</a:t>
+            </a:r>
+            <a:endParaRPr lang="en-US" dirty="0"/>
+          </a:p>
+        </p:txBody>
+      </p:sp>
+      <p:sp>
+        <p:nvSpPr>
+          <p:cNvPr id="5" name="Text Placeholder 4"/>
+          <p:cNvSpPr>
+            <a:spLocks noGrp="1"/>
+          </p:cNvSpPr>
+          <p:nvPr>
+            <p:ph type="body" sz="quarter" idx="3"/>
+          </p:nvPr>
+        </p:nvSpPr>
+        <p:spPr/>
+        <p:txBody>
+          <a:bodyPr/>
+          <a:lstStyle/>
+          <a:p>
+            <a:r>
+              <a:rPr lang="en-US" dirty="0" smtClean="0"/>
+              <a:t>storage</a:t>
+            </a:r>
+            <a:endParaRPr lang="en-US" dirty="0"/>
+          </a:p>
+        </p:txBody>
+      </p:sp>
+      <p:sp>
+        <p:nvSpPr>
+          <p:cNvPr id="6" name="Content Placeholder 5"/>
+          <p:cNvSpPr>
+            <a:spLocks noGrp="1"/>
+          </p:cNvSpPr>
+          <p:nvPr>
+            <p:ph sz="quarter" idx="4"/>
+          </p:nvPr>
+        </p:nvSpPr>
+        <p:spPr/>
+        <p:txBody>
+          <a:bodyPr/>
+          <a:lstStyle/>
+          <a:p>
+            <a:r>
+              <a:rPr lang="en-US" dirty="0" smtClean="0"/>
+              <a:t>Storage </a:t>
+            </a:r>
+            <a:r>
+              <a:rPr lang="en-US" dirty="0"/>
+              <a:t>Overview</a:t>
+            </a:r>
+          </a:p>
+          <a:p>
+            <a:r>
+              <a:rPr lang="en-US" dirty="0" smtClean="0"/>
+              <a:t>Naming </a:t>
+            </a:r>
+            <a:r>
+              <a:rPr lang="en-US" dirty="0"/>
+              <a:t>and Location</a:t>
+            </a:r>
+          </a:p>
+          <a:p>
+            <a:r>
+              <a:rPr lang="en-US" dirty="0" smtClean="0"/>
+              <a:t>Virtual </a:t>
+            </a:r>
+            <a:r>
+              <a:rPr lang="en-US" dirty="0"/>
+              <a:t>Filesystem Layer</a:t>
+            </a:r>
+          </a:p>
+          <a:p>
+            <a:r>
+              <a:rPr lang="en-US" dirty="0" smtClean="0"/>
+              <a:t>Storing </a:t>
+            </a:r>
+            <a:r>
+              <a:rPr lang="en-US" dirty="0"/>
+              <a:t>and Retrieving Data</a:t>
+            </a:r>
+          </a:p>
+          <a:p>
+            <a:r>
+              <a:rPr lang="en-US" dirty="0" smtClean="0"/>
+              <a:t>Lab: </a:t>
+            </a:r>
+            <a:r>
+              <a:rPr lang="en-US" dirty="0"/>
+              <a:t>Reading a file from disk</a:t>
+            </a:r>
+          </a:p>
+        </p:txBody>
+      </p:sp>
+      <p:sp>
+        <p:nvSpPr>
+          <p:cNvPr id="7" name="Footer Placeholder 6"/>
+          <p:cNvSpPr>
+            <a:spLocks noGrp="1"/>
+          </p:cNvSpPr>
+          <p:nvPr>
+            <p:ph type="ftr" sz="quarter" idx="11"/>
+          </p:nvPr>
+        </p:nvSpPr>
+        <p:spPr/>
+        <p:txBody>
+          <a:bodyPr/>
+          <a:lstStyle/>
+          <a:p>
+            <a:r>
+              <a:rPr lang="en-US" smtClean="0"/>
+              <a:t>Introduction to Operating Systems</a:t>
+            </a:r>
+            <a:endParaRPr lang="en-US"/>
+          </a:p>
+        </p:txBody>
+      </p:sp>
+    </p:spTree>
+    <p:extLst>
+      <p:ext uri="{BB962C8B-B14F-4D97-AF65-F5344CB8AC3E}">
+        <p14:creationId xmlns:p14="http://schemas.microsoft.com/office/powerpoint/2010/main" val="1573046548"/>
+      </p:ext>
+    </p:extLst>
+  </p:cSld>
+  <p:clrMapOvr>
+    <a:masterClrMapping/>
+  </p:clrMapOvr>
+  <p:timing>
+    <p:tnLst>
+      <p:par>
+        <p:cTn id="1" dur="indefinite" restart="never" nodeType="tmRoot"/>
+      </p:par>
+    </p:tnLst>
+  </p:timing>
+</p:sld>
+</file>
+
+<file path=ppt/slides/slide7.xml><?xml version="1.0" encoding="utf-8"?>
+<p:sld xmlns:a="http://schemas.openxmlformats.org/drawingml/2006/main" xmlns:r="http://schemas.openxmlformats.org/officeDocument/2006/relationships" xmlns:p="http://schemas.openxmlformats.org/presentationml/2006/main">
+  <p:cSld>
+    <p:spTree>
+      <p:nvGrpSpPr>
+        <p:cNvPr id="1" name=""/>
+        <p:cNvGrpSpPr/>
+        <p:nvPr/>
+      </p:nvGrpSpPr>
+      <p:grpSpPr>
+        <a:xfrm>
+          <a:off x="0" y="0"/>
+          <a:ext cx="0" cy="0"/>
+          <a:chOff x="0" y="0"/>
+          <a:chExt cx="0" cy="0"/>
+        </a:xfrm>
+      </p:grpSpPr>
+      <p:sp>
+        <p:nvSpPr>
+          <p:cNvPr id="2" name="Title 1"/>
+          <p:cNvSpPr>
+            <a:spLocks noGrp="1"/>
+          </p:cNvSpPr>
+          <p:nvPr>
+            <p:ph type="title"/>
+          </p:nvPr>
+        </p:nvSpPr>
+        <p:spPr/>
+        <p:txBody>
+          <a:bodyPr/>
+          <a:lstStyle/>
+          <a:p>
+            <a:r>
+              <a:rPr lang="en-US" dirty="0" smtClean="0"/>
+              <a:t>Course Outline</a:t>
+            </a:r>
+            <a:endParaRPr lang="en-US" dirty="0"/>
+          </a:p>
+        </p:txBody>
+      </p:sp>
+      <p:sp>
+        <p:nvSpPr>
+          <p:cNvPr id="3" name="Text Placeholder 2"/>
+          <p:cNvSpPr>
+            <a:spLocks noGrp="1"/>
+          </p:cNvSpPr>
+          <p:nvPr>
+            <p:ph type="body" idx="1"/>
+          </p:nvPr>
+        </p:nvSpPr>
+        <p:spPr/>
+        <p:txBody>
+          <a:bodyPr/>
+          <a:lstStyle/>
+          <a:p>
+            <a:r>
+              <a:rPr lang="en-US" dirty="0" smtClean="0"/>
+              <a:t>Whole </a:t>
+            </a:r>
+            <a:r>
+              <a:rPr lang="en-US" dirty="0" smtClean="0"/>
+              <a:t>system view</a:t>
+            </a:r>
+            <a:endParaRPr lang="en-US" dirty="0"/>
+          </a:p>
+        </p:txBody>
+      </p:sp>
+      <p:sp>
+        <p:nvSpPr>
+          <p:cNvPr id="4" name="Content Placeholder 3"/>
+          <p:cNvSpPr>
+            <a:spLocks noGrp="1"/>
+          </p:cNvSpPr>
+          <p:nvPr>
+            <p:ph sz="half" idx="2"/>
+          </p:nvPr>
+        </p:nvSpPr>
+        <p:spPr/>
+        <p:txBody>
+          <a:bodyPr/>
+          <a:lstStyle/>
+          <a:p>
+            <a:r>
+              <a:rPr lang="en-US" dirty="0" smtClean="0"/>
+              <a:t>Serving </a:t>
+            </a:r>
+            <a:r>
+              <a:rPr lang="en-US" dirty="0"/>
+              <a:t>Web Content</a:t>
+            </a:r>
+          </a:p>
+          <a:p>
+            <a:r>
+              <a:rPr lang="en-US" dirty="0" smtClean="0"/>
+              <a:t>NGINX</a:t>
+            </a:r>
+            <a:endParaRPr lang="en-US" dirty="0"/>
+          </a:p>
+          <a:p>
+            <a:r>
+              <a:rPr lang="en-US" dirty="0" smtClean="0"/>
+              <a:t>Review</a:t>
+            </a:r>
+            <a:endParaRPr lang="en-US" dirty="0"/>
+          </a:p>
+          <a:p>
+            <a:endParaRPr lang="en-US" dirty="0"/>
+          </a:p>
+        </p:txBody>
+      </p:sp>
+      <p:sp>
+        <p:nvSpPr>
+          <p:cNvPr id="5" name="Text Placeholder 4"/>
+          <p:cNvSpPr>
+            <a:spLocks noGrp="1"/>
+          </p:cNvSpPr>
+          <p:nvPr>
+            <p:ph type="body" sz="quarter" idx="3"/>
+          </p:nvPr>
+        </p:nvSpPr>
+        <p:spPr/>
+        <p:txBody>
+          <a:bodyPr/>
+          <a:lstStyle/>
+          <a:p>
+            <a:r>
+              <a:rPr lang="en-US" b="1" u="sng" dirty="0" smtClean="0"/>
+              <a:t>final exam</a:t>
+            </a:r>
+            <a:endParaRPr lang="en-US" b="1" u="sng" dirty="0"/>
+          </a:p>
+        </p:txBody>
+      </p:sp>
+      <p:sp>
+        <p:nvSpPr>
+          <p:cNvPr id="6" name="Content Placeholder 5"/>
+          <p:cNvSpPr>
+            <a:spLocks noGrp="1"/>
+          </p:cNvSpPr>
+          <p:nvPr>
+            <p:ph sz="quarter" idx="4"/>
+          </p:nvPr>
+        </p:nvSpPr>
+        <p:spPr/>
+        <p:txBody>
+          <a:bodyPr/>
+          <a:lstStyle/>
+          <a:p>
+            <a:r>
+              <a:rPr lang="en-US" dirty="0" smtClean="0"/>
+              <a:t>Covers all sections of the course outline</a:t>
+            </a:r>
+          </a:p>
+          <a:p>
+            <a:endParaRPr lang="en-US" dirty="0"/>
+          </a:p>
+        </p:txBody>
+      </p:sp>
+      <p:sp>
+        <p:nvSpPr>
+          <p:cNvPr id="7" name="Footer Placeholder 6"/>
+          <p:cNvSpPr>
+            <a:spLocks noGrp="1"/>
+          </p:cNvSpPr>
+          <p:nvPr>
+            <p:ph type="ftr" sz="quarter" idx="11"/>
+          </p:nvPr>
+        </p:nvSpPr>
+        <p:spPr/>
+        <p:txBody>
+          <a:bodyPr/>
+          <a:lstStyle/>
+          <a:p>
+            <a:r>
+              <a:rPr lang="en-US" smtClean="0"/>
+              <a:t>Introduction to Operating Systems</a:t>
+            </a:r>
+            <a:endParaRPr lang="en-US"/>
+          </a:p>
+        </p:txBody>
+      </p:sp>
+    </p:spTree>
+    <p:extLst>
+      <p:ext uri="{BB962C8B-B14F-4D97-AF65-F5344CB8AC3E}">
+        <p14:creationId xmlns:p14="http://schemas.microsoft.com/office/powerpoint/2010/main" val="2060015154"/>
+      </p:ext>
+    </p:extLst>
+  </p:cSld>
+  <p:clrMapOvr>
+    <a:masterClrMapping/>
+  </p:clrMapOvr>
+  <p:timing>
+    <p:tnLst>
+      <p:par>
+        <p:cTn id="1" dur="indefinite" restart="never" nodeType="tmRoot"/>
+      </p:par>
+    </p:tnLst>
+  </p:timing>
+</p:sld>
+</file>
+
+<file path=ppt/slides/slide8.xml><?xml version="1.0" encoding="utf-8"?>
+<p:sld xmlns:a="http://schemas.openxmlformats.org/drawingml/2006/main" xmlns:r="http://schemas.openxmlformats.org/officeDocument/2006/relationships" xmlns:p="http://schemas.openxmlformats.org/presentationml/2006/main">
+  <p:cSld>
+    <p:spTree>
+      <p:nvGrpSpPr>
+        <p:cNvPr id="1" name=""/>
+        <p:cNvGrpSpPr/>
+        <p:nvPr/>
+      </p:nvGrpSpPr>
+      <p:grpSpPr>
+        <a:xfrm>
+          <a:off x="0" y="0"/>
+          <a:ext cx="0" cy="0"/>
+          <a:chOff x="0" y="0"/>
+          <a:chExt cx="0" cy="0"/>
+        </a:xfrm>
+      </p:grpSpPr>
+      <p:sp>
+        <p:nvSpPr>
           <p:cNvPr id="8" name="Title 7"/>
           <p:cNvSpPr>
             <a:spLocks noGrp="1"/>
@@ -13499,8 +14173,43 @@
             </a:r>
             <a:r>
               <a:rPr lang="en-US" dirty="0"/>
-              <a:t>Tracing the Process Life Cycle</a:t>
-            </a:r>
+              <a:t>Tracing the Process Life </a:t>
+            </a:r>
+            <a:r>
+              <a:rPr lang="en-US" dirty="0" smtClean="0"/>
+              <a:t>Cycle</a:t>
+            </a:r>
+          </a:p>
+          <a:p>
+            <a:r>
+              <a:rPr lang="en-US" b="1" dirty="0" smtClean="0"/>
+              <a:t>Memory</a:t>
+            </a:r>
+            <a:r>
+              <a:rPr lang="en-US" dirty="0" smtClean="0"/>
+              <a:t> Following memory allocation and de-allocation</a:t>
+            </a:r>
+          </a:p>
+          <a:p>
+            <a:r>
+              <a:rPr lang="en-US" b="1" dirty="0" smtClean="0"/>
+              <a:t>Security</a:t>
+            </a:r>
+            <a:r>
+              <a:rPr lang="en-US" dirty="0" smtClean="0"/>
+              <a:t> </a:t>
+            </a:r>
+          </a:p>
+          <a:p>
+            <a:r>
+              <a:rPr lang="en-US" b="1" dirty="0" smtClean="0"/>
+              <a:t>Drivers</a:t>
+            </a:r>
+            <a:r>
+              <a:rPr lang="en-US" dirty="0" smtClean="0"/>
+              <a:t> How data moves in and out of the kernel</a:t>
+            </a:r>
+            <a:endParaRPr lang="en-US" b="1" dirty="0"/>
           </a:p>
           <a:p>
             <a:r>
@@ -13572,7 +14281,7 @@
 </p:sld>
 </file>
 
-<file path=ppt/slides/slide7.xml><?xml version="1.0" encoding="utf-8"?>
+<file path=ppt/slides/slide9.xml><?xml version="1.0" encoding="utf-8"?>
 <p:sld xmlns:a="http://schemas.openxmlformats.org/drawingml/2006/main" xmlns:r="http://schemas.openxmlformats.org/officeDocument/2006/relationships" xmlns:p="http://schemas.openxmlformats.org/presentationml/2006/main">
   <p:cSld>
     <p:spTree>
@@ -13900,207 +14609,6 @@
     <p:bldLst>
       <p:bldP spid="4" grpId="0" build="p"/>
     </p:bldLst>
-  </p:timing>
-</p:sld>
-</file>
-
-<file path=ppt/slides/slide8.xml><?xml version="1.0" encoding="utf-8"?>
-<p:sld xmlns:a="http://schemas.openxmlformats.org/drawingml/2006/main" xmlns:r="http://schemas.openxmlformats.org/officeDocument/2006/relationships" xmlns:p="http://schemas.openxmlformats.org/presentationml/2006/main">
-  <p:cSld>
-    <p:spTree>
-      <p:nvGrpSpPr>
-        <p:cNvPr id="1" name=""/>
-        <p:cNvGrpSpPr/>
-        <p:nvPr/>
-      </p:nvGrpSpPr>
-      <p:grpSpPr>
-        <a:xfrm>
-          <a:off x="0" y="0"/>
-          <a:ext cx="0" cy="0"/>
-          <a:chOff x="0" y="0"/>
-          <a:chExt cx="0" cy="0"/>
-        </a:xfrm>
-      </p:grpSpPr>
-      <p:sp>
-        <p:nvSpPr>
-          <p:cNvPr id="2" name="Title 1"/>
-          <p:cNvSpPr>
-            <a:spLocks noGrp="1"/>
-          </p:cNvSpPr>
-          <p:nvPr>
-            <p:ph type="title"/>
-          </p:nvPr>
-        </p:nvSpPr>
-        <p:spPr/>
-        <p:txBody>
-          <a:bodyPr/>
-          <a:lstStyle/>
-          <a:p>
-            <a:r>
-              <a:rPr lang="en-US" dirty="0" smtClean="0"/>
-              <a:t>What is an Operating System?</a:t>
-            </a:r>
-            <a:endParaRPr lang="en-US" dirty="0"/>
-          </a:p>
-        </p:txBody>
-      </p:sp>
-      <p:sp>
-        <p:nvSpPr>
-          <p:cNvPr id="5" name="Footer Placeholder 4"/>
-          <p:cNvSpPr>
-            <a:spLocks noGrp="1"/>
-          </p:cNvSpPr>
-          <p:nvPr>
-            <p:ph type="ftr" sz="quarter" idx="11"/>
-          </p:nvPr>
-        </p:nvSpPr>
-        <p:spPr/>
-        <p:txBody>
-          <a:bodyPr/>
-          <a:lstStyle/>
-          <a:p>
-            <a:r>
-              <a:rPr lang="en-US" smtClean="0"/>
-              <a:t>Introduction to Operating Systems</a:t>
-            </a:r>
-            <a:endParaRPr lang="en-US" dirty="0"/>
-          </a:p>
-        </p:txBody>
-      </p:sp>
-    </p:spTree>
-    <p:extLst>
-      <p:ext uri="{BB962C8B-B14F-4D97-AF65-F5344CB8AC3E}">
-        <p14:creationId xmlns:p14="http://schemas.microsoft.com/office/powerpoint/2010/main" val="1033035864"/>
-      </p:ext>
-    </p:extLst>
-  </p:cSld>
-  <p:clrMapOvr>
-    <a:masterClrMapping/>
-  </p:clrMapOvr>
-  <p:timing>
-    <p:tnLst>
-      <p:par>
-        <p:cTn id="1" dur="indefinite" restart="never" nodeType="tmRoot"/>
-      </p:par>
-    </p:tnLst>
-  </p:timing>
-</p:sld>
-</file>
-
-<file path=ppt/slides/slide9.xml><?xml version="1.0" encoding="utf-8"?>
-<p:sld xmlns:a="http://schemas.openxmlformats.org/drawingml/2006/main" xmlns:r="http://schemas.openxmlformats.org/officeDocument/2006/relationships" xmlns:p="http://schemas.openxmlformats.org/presentationml/2006/main">
-  <p:cSld>
-    <p:spTree>
-      <p:nvGrpSpPr>
-        <p:cNvPr id="1" name=""/>
-        <p:cNvGrpSpPr/>
-        <p:nvPr/>
-      </p:nvGrpSpPr>
-      <p:grpSpPr>
-        <a:xfrm>
-          <a:off x="0" y="0"/>
-          <a:ext cx="0" cy="0"/>
-          <a:chOff x="0" y="0"/>
-          <a:chExt cx="0" cy="0"/>
-        </a:xfrm>
-      </p:grpSpPr>
-      <p:sp>
-        <p:nvSpPr>
-          <p:cNvPr id="6" name="Title 5"/>
-          <p:cNvSpPr>
-            <a:spLocks noGrp="1"/>
-          </p:cNvSpPr>
-          <p:nvPr>
-            <p:ph type="title"/>
-          </p:nvPr>
-        </p:nvSpPr>
-        <p:spPr/>
-        <p:txBody>
-          <a:bodyPr/>
-          <a:lstStyle/>
-          <a:p>
-            <a:r>
-              <a:rPr lang="en-US" dirty="0" smtClean="0"/>
-              <a:t>What is an Operating System?</a:t>
-            </a:r>
-            <a:endParaRPr lang="en-US" dirty="0"/>
-          </a:p>
-        </p:txBody>
-      </p:sp>
-      <p:sp>
-        <p:nvSpPr>
-          <p:cNvPr id="7" name="Content Placeholder 6"/>
-          <p:cNvSpPr>
-            <a:spLocks noGrp="1"/>
-          </p:cNvSpPr>
-          <p:nvPr>
-            <p:ph idx="1"/>
-          </p:nvPr>
-        </p:nvSpPr>
-        <p:spPr/>
-        <p:txBody>
-          <a:bodyPr anchor="ctr"/>
-          <a:lstStyle/>
-          <a:p>
-            <a:r>
-              <a:rPr lang="en-US" dirty="0"/>
-              <a:t>[An OS is] </a:t>
-            </a:r>
-            <a:r>
-              <a:rPr lang="en-US" dirty="0" smtClean="0"/>
-              <a:t>the low-level </a:t>
-            </a:r>
-            <a:r>
-              <a:rPr lang="en-US" dirty="0"/>
-              <a:t>software that supports a computer’s basic functions, such as scheduling tasks and controlling peripherals. - Google hive </a:t>
-            </a:r>
-            <a:r>
-              <a:rPr lang="en-US" dirty="0" smtClean="0"/>
-              <a:t>mind</a:t>
-            </a:r>
-            <a:endParaRPr lang="en-US" dirty="0"/>
-          </a:p>
-        </p:txBody>
-      </p:sp>
-      <p:sp>
-        <p:nvSpPr>
-          <p:cNvPr id="4" name="Footer Placeholder 3"/>
-          <p:cNvSpPr>
-            <a:spLocks noGrp="1"/>
-          </p:cNvSpPr>
-          <p:nvPr>
-            <p:ph type="ftr" sz="quarter" idx="11"/>
-          </p:nvPr>
-        </p:nvSpPr>
-        <p:spPr/>
-        <p:txBody>
-          <a:bodyPr/>
-          <a:lstStyle/>
-          <a:p>
-            <a:r>
-              <a:rPr lang="en-US" smtClean="0"/>
-              <a:t>Introduction to Operating Systems</a:t>
-            </a:r>
-            <a:endParaRPr lang="en-US"/>
-          </a:p>
-        </p:txBody>
-      </p:sp>
-    </p:spTree>
-    <p:extLst>
-      <p:ext uri="{BB962C8B-B14F-4D97-AF65-F5344CB8AC3E}">
-        <p14:creationId xmlns:p14="http://schemas.microsoft.com/office/powerpoint/2010/main" val="1839844860"/>
-      </p:ext>
-    </p:extLst>
-  </p:cSld>
-  <p:clrMapOvr>
-    <a:masterClrMapping/>
-  </p:clrMapOvr>
-  <p:timing>
-    <p:tnLst>
-      <p:par>
-        <p:cTn id="1" dur="indefinite" restart="never" nodeType="tmRoot"/>
-      </p:par>
-    </p:tnLst>
   </p:timing>
 </p:sld>
 </file>
